--- a/images/theory_analysis/Kubernetes_Service_Proxy/Kubernetes_Service_Proxy.pptx
+++ b/images/theory_analysis/Kubernetes_Service_Proxy/Kubernetes_Service_Proxy.pptx
@@ -5,11 +5,15 @@
     <p:sldMasterId id="2147483648" r:id="rId1"/>
   </p:sldMasterIdLst>
   <p:notesMasterIdLst>
-    <p:notesMasterId r:id="rId4"/>
+    <p:notesMasterId r:id="rId8"/>
   </p:notesMasterIdLst>
   <p:sldIdLst>
-    <p:sldId id="362" r:id="rId2"/>
+    <p:sldId id="366" r:id="rId2"/>
     <p:sldId id="363" r:id="rId3"/>
+    <p:sldId id="367" r:id="rId4"/>
+    <p:sldId id="365" r:id="rId5"/>
+    <p:sldId id="362" r:id="rId6"/>
+    <p:sldId id="364" r:id="rId7"/>
   </p:sldIdLst>
   <p:sldSz cx="9144000" cy="5143500" type="screen16x9"/>
   <p:notesSz cx="6858000" cy="9144000"/>
@@ -214,7 +218,7 @@
           <a:p>
             <a:fld id="{6CD5550B-26C4-49A9-A5BA-636EF7BE6CE9}" type="datetimeFigureOut">
               <a:rPr lang="ko-KR" altLang="en-US" smtClean="0"/>
-              <a:t>2019-05-11</a:t>
+              <a:t>2019-05-13</a:t>
             </a:fld>
             <a:endParaRPr lang="ko-KR" altLang="en-US"/>
           </a:p>
@@ -525,7 +529,7 @@
           <a:bodyPr/>
           <a:lstStyle/>
           <a:p>
-            <a:endParaRPr lang="ko-KR" altLang="en-US" dirty="0"/>
+            <a:endParaRPr lang="ko-KR" altLang="en-US"/>
           </a:p>
         </p:txBody>
       </p:sp>
@@ -555,7 +559,259 @@
     </p:spTree>
     <p:extLst>
       <p:ext uri="{BB962C8B-B14F-4D97-AF65-F5344CB8AC3E}">
+        <p14:creationId xmlns:p14="http://schemas.microsoft.com/office/powerpoint/2010/main" val="2148558023"/>
+      </p:ext>
+    </p:extLst>
+  </p:cSld>
+  <p:clrMapOvr>
+    <a:masterClrMapping/>
+  </p:clrMapOvr>
+</p:notes>
+</file>
+
+<file path=ppt/notesSlides/notesSlide2.xml><?xml version="1.0" encoding="utf-8"?>
+<p:notes xmlns:a="http://schemas.openxmlformats.org/drawingml/2006/main" xmlns:r="http://schemas.openxmlformats.org/officeDocument/2006/relationships" xmlns:p="http://schemas.openxmlformats.org/presentationml/2006/main">
+  <p:cSld>
+    <p:spTree>
+      <p:nvGrpSpPr>
+        <p:cNvPr id="1" name=""/>
+        <p:cNvGrpSpPr/>
+        <p:nvPr/>
+      </p:nvGrpSpPr>
+      <p:grpSpPr>
+        <a:xfrm>
+          <a:off x="0" y="0"/>
+          <a:ext cx="0" cy="0"/>
+          <a:chOff x="0" y="0"/>
+          <a:chExt cx="0" cy="0"/>
+        </a:xfrm>
+      </p:grpSpPr>
+      <p:sp>
+        <p:nvSpPr>
+          <p:cNvPr id="2" name="슬라이드 이미지 개체 틀 1"/>
+          <p:cNvSpPr>
+            <a:spLocks noGrp="1" noRot="1" noChangeAspect="1"/>
+          </p:cNvSpPr>
+          <p:nvPr>
+            <p:ph type="sldImg"/>
+          </p:nvPr>
+        </p:nvSpPr>
+        <p:spPr/>
+      </p:sp>
+      <p:sp>
+        <p:nvSpPr>
+          <p:cNvPr id="3" name="슬라이드 노트 개체 틀 2"/>
+          <p:cNvSpPr>
+            <a:spLocks noGrp="1"/>
+          </p:cNvSpPr>
+          <p:nvPr>
+            <p:ph type="body" idx="1"/>
+          </p:nvPr>
+        </p:nvSpPr>
+        <p:spPr/>
+        <p:txBody>
+          <a:bodyPr/>
+          <a:lstStyle/>
+          <a:p>
+            <a:endParaRPr lang="ko-KR" altLang="en-US"/>
+          </a:p>
+        </p:txBody>
+      </p:sp>
+      <p:sp>
+        <p:nvSpPr>
+          <p:cNvPr id="4" name="슬라이드 번호 개체 틀 3"/>
+          <p:cNvSpPr>
+            <a:spLocks noGrp="1"/>
+          </p:cNvSpPr>
+          <p:nvPr>
+            <p:ph type="sldNum" sz="quarter" idx="10"/>
+          </p:nvPr>
+        </p:nvSpPr>
+        <p:spPr/>
+        <p:txBody>
+          <a:bodyPr/>
+          <a:lstStyle/>
+          <a:p>
+            <a:fld id="{BA5DFA43-8D57-47FB-BC46-057616015C3B}" type="slidenum">
+              <a:rPr lang="ko-KR" altLang="en-US" smtClean="0"/>
+              <a:t>3</a:t>
+            </a:fld>
+            <a:endParaRPr lang="ko-KR" altLang="en-US"/>
+          </a:p>
+        </p:txBody>
+      </p:sp>
+    </p:spTree>
+    <p:extLst>
+      <p:ext uri="{BB962C8B-B14F-4D97-AF65-F5344CB8AC3E}">
+        <p14:creationId xmlns:p14="http://schemas.microsoft.com/office/powerpoint/2010/main" val="2367882658"/>
+      </p:ext>
+    </p:extLst>
+  </p:cSld>
+  <p:clrMapOvr>
+    <a:masterClrMapping/>
+  </p:clrMapOvr>
+</p:notes>
+</file>
+
+<file path=ppt/notesSlides/notesSlide3.xml><?xml version="1.0" encoding="utf-8"?>
+<p:notes xmlns:a="http://schemas.openxmlformats.org/drawingml/2006/main" xmlns:r="http://schemas.openxmlformats.org/officeDocument/2006/relationships" xmlns:p="http://schemas.openxmlformats.org/presentationml/2006/main">
+  <p:cSld>
+    <p:spTree>
+      <p:nvGrpSpPr>
+        <p:cNvPr id="1" name=""/>
+        <p:cNvGrpSpPr/>
+        <p:nvPr/>
+      </p:nvGrpSpPr>
+      <p:grpSpPr>
+        <a:xfrm>
+          <a:off x="0" y="0"/>
+          <a:ext cx="0" cy="0"/>
+          <a:chOff x="0" y="0"/>
+          <a:chExt cx="0" cy="0"/>
+        </a:xfrm>
+      </p:grpSpPr>
+      <p:sp>
+        <p:nvSpPr>
+          <p:cNvPr id="2" name="슬라이드 이미지 개체 틀 1"/>
+          <p:cNvSpPr>
+            <a:spLocks noGrp="1" noRot="1" noChangeAspect="1"/>
+          </p:cNvSpPr>
+          <p:nvPr>
+            <p:ph type="sldImg"/>
+          </p:nvPr>
+        </p:nvSpPr>
+        <p:spPr/>
+      </p:sp>
+      <p:sp>
+        <p:nvSpPr>
+          <p:cNvPr id="3" name="슬라이드 노트 개체 틀 2"/>
+          <p:cNvSpPr>
+            <a:spLocks noGrp="1"/>
+          </p:cNvSpPr>
+          <p:nvPr>
+            <p:ph type="body" idx="1"/>
+          </p:nvPr>
+        </p:nvSpPr>
+        <p:spPr/>
+        <p:txBody>
+          <a:bodyPr/>
+          <a:lstStyle/>
+          <a:p>
+            <a:endParaRPr lang="ko-KR" altLang="en-US"/>
+          </a:p>
+        </p:txBody>
+      </p:sp>
+      <p:sp>
+        <p:nvSpPr>
+          <p:cNvPr id="4" name="슬라이드 번호 개체 틀 3"/>
+          <p:cNvSpPr>
+            <a:spLocks noGrp="1"/>
+          </p:cNvSpPr>
+          <p:nvPr>
+            <p:ph type="sldNum" sz="quarter" idx="10"/>
+          </p:nvPr>
+        </p:nvSpPr>
+        <p:spPr/>
+        <p:txBody>
+          <a:bodyPr/>
+          <a:lstStyle/>
+          <a:p>
+            <a:fld id="{BA5DFA43-8D57-47FB-BC46-057616015C3B}" type="slidenum">
+              <a:rPr lang="ko-KR" altLang="en-US" smtClean="0"/>
+              <a:t>5</a:t>
+            </a:fld>
+            <a:endParaRPr lang="ko-KR" altLang="en-US"/>
+          </a:p>
+        </p:txBody>
+      </p:sp>
+    </p:spTree>
+    <p:extLst>
+      <p:ext uri="{BB962C8B-B14F-4D97-AF65-F5344CB8AC3E}">
         <p14:creationId xmlns:p14="http://schemas.microsoft.com/office/powerpoint/2010/main" val="812539306"/>
+      </p:ext>
+    </p:extLst>
+  </p:cSld>
+  <p:clrMapOvr>
+    <a:masterClrMapping/>
+  </p:clrMapOvr>
+</p:notes>
+</file>
+
+<file path=ppt/notesSlides/notesSlide4.xml><?xml version="1.0" encoding="utf-8"?>
+<p:notes xmlns:a="http://schemas.openxmlformats.org/drawingml/2006/main" xmlns:r="http://schemas.openxmlformats.org/officeDocument/2006/relationships" xmlns:p="http://schemas.openxmlformats.org/presentationml/2006/main">
+  <p:cSld>
+    <p:spTree>
+      <p:nvGrpSpPr>
+        <p:cNvPr id="1" name=""/>
+        <p:cNvGrpSpPr/>
+        <p:nvPr/>
+      </p:nvGrpSpPr>
+      <p:grpSpPr>
+        <a:xfrm>
+          <a:off x="0" y="0"/>
+          <a:ext cx="0" cy="0"/>
+          <a:chOff x="0" y="0"/>
+          <a:chExt cx="0" cy="0"/>
+        </a:xfrm>
+      </p:grpSpPr>
+      <p:sp>
+        <p:nvSpPr>
+          <p:cNvPr id="2" name="슬라이드 이미지 개체 틀 1"/>
+          <p:cNvSpPr>
+            <a:spLocks noGrp="1" noRot="1" noChangeAspect="1"/>
+          </p:cNvSpPr>
+          <p:nvPr>
+            <p:ph type="sldImg"/>
+          </p:nvPr>
+        </p:nvSpPr>
+        <p:spPr/>
+      </p:sp>
+      <p:sp>
+        <p:nvSpPr>
+          <p:cNvPr id="3" name="슬라이드 노트 개체 틀 2"/>
+          <p:cNvSpPr>
+            <a:spLocks noGrp="1"/>
+          </p:cNvSpPr>
+          <p:nvPr>
+            <p:ph type="body" idx="1"/>
+          </p:nvPr>
+        </p:nvSpPr>
+        <p:spPr/>
+        <p:txBody>
+          <a:bodyPr/>
+          <a:lstStyle/>
+          <a:p>
+            <a:endParaRPr lang="ko-KR" altLang="en-US"/>
+          </a:p>
+        </p:txBody>
+      </p:sp>
+      <p:sp>
+        <p:nvSpPr>
+          <p:cNvPr id="4" name="슬라이드 번호 개체 틀 3"/>
+          <p:cNvSpPr>
+            <a:spLocks noGrp="1"/>
+          </p:cNvSpPr>
+          <p:nvPr>
+            <p:ph type="sldNum" sz="quarter" idx="10"/>
+          </p:nvPr>
+        </p:nvSpPr>
+        <p:spPr/>
+        <p:txBody>
+          <a:bodyPr/>
+          <a:lstStyle/>
+          <a:p>
+            <a:fld id="{BA5DFA43-8D57-47FB-BC46-057616015C3B}" type="slidenum">
+              <a:rPr lang="ko-KR" altLang="en-US" smtClean="0"/>
+              <a:t>6</a:t>
+            </a:fld>
+            <a:endParaRPr lang="ko-KR" altLang="en-US"/>
+          </a:p>
+        </p:txBody>
+      </p:sp>
+    </p:spTree>
+    <p:extLst>
+      <p:ext uri="{BB962C8B-B14F-4D97-AF65-F5344CB8AC3E}">
+        <p14:creationId xmlns:p14="http://schemas.microsoft.com/office/powerpoint/2010/main" val="2885717211"/>
       </p:ext>
     </p:extLst>
   </p:cSld>
@@ -744,7 +1000,7 @@
           <a:p>
             <a:fld id="{FB30EDBD-1C2D-4C1E-B459-B60219FAB484}" type="datetimeFigureOut">
               <a:rPr lang="ko-KR" altLang="en-US" smtClean="0"/>
-              <a:t>2019-05-11</a:t>
+              <a:t>2019-05-13</a:t>
             </a:fld>
             <a:endParaRPr lang="ko-KR" altLang="en-US"/>
           </a:p>
@@ -907,7 +1163,7 @@
           <a:p>
             <a:fld id="{FB30EDBD-1C2D-4C1E-B459-B60219FAB484}" type="datetimeFigureOut">
               <a:rPr lang="ko-KR" altLang="en-US" smtClean="0"/>
-              <a:t>2019-05-11</a:t>
+              <a:t>2019-05-13</a:t>
             </a:fld>
             <a:endParaRPr lang="ko-KR" altLang="en-US"/>
           </a:p>
@@ -1080,7 +1336,7 @@
           <a:p>
             <a:fld id="{FB30EDBD-1C2D-4C1E-B459-B60219FAB484}" type="datetimeFigureOut">
               <a:rPr lang="ko-KR" altLang="en-US" smtClean="0"/>
-              <a:t>2019-05-11</a:t>
+              <a:t>2019-05-13</a:t>
             </a:fld>
             <a:endParaRPr lang="ko-KR" altLang="en-US"/>
           </a:p>
@@ -1243,7 +1499,7 @@
           <a:p>
             <a:fld id="{FB30EDBD-1C2D-4C1E-B459-B60219FAB484}" type="datetimeFigureOut">
               <a:rPr lang="ko-KR" altLang="en-US" smtClean="0"/>
-              <a:t>2019-05-11</a:t>
+              <a:t>2019-05-13</a:t>
             </a:fld>
             <a:endParaRPr lang="ko-KR" altLang="en-US"/>
           </a:p>
@@ -1483,7 +1739,7 @@
           <a:p>
             <a:fld id="{FB30EDBD-1C2D-4C1E-B459-B60219FAB484}" type="datetimeFigureOut">
               <a:rPr lang="ko-KR" altLang="en-US" smtClean="0"/>
-              <a:t>2019-05-11</a:t>
+              <a:t>2019-05-13</a:t>
             </a:fld>
             <a:endParaRPr lang="ko-KR" altLang="en-US"/>
           </a:p>
@@ -1763,7 +2019,7 @@
           <a:p>
             <a:fld id="{FB30EDBD-1C2D-4C1E-B459-B60219FAB484}" type="datetimeFigureOut">
               <a:rPr lang="ko-KR" altLang="en-US" smtClean="0"/>
-              <a:t>2019-05-11</a:t>
+              <a:t>2019-05-13</a:t>
             </a:fld>
             <a:endParaRPr lang="ko-KR" altLang="en-US"/>
           </a:p>
@@ -2177,7 +2433,7 @@
           <a:p>
             <a:fld id="{FB30EDBD-1C2D-4C1E-B459-B60219FAB484}" type="datetimeFigureOut">
               <a:rPr lang="ko-KR" altLang="en-US" smtClean="0"/>
-              <a:t>2019-05-11</a:t>
+              <a:t>2019-05-13</a:t>
             </a:fld>
             <a:endParaRPr lang="ko-KR" altLang="en-US"/>
           </a:p>
@@ -2289,7 +2545,7 @@
           <a:p>
             <a:fld id="{FB30EDBD-1C2D-4C1E-B459-B60219FAB484}" type="datetimeFigureOut">
               <a:rPr lang="ko-KR" altLang="en-US" smtClean="0"/>
-              <a:t>2019-05-11</a:t>
+              <a:t>2019-05-13</a:t>
             </a:fld>
             <a:endParaRPr lang="ko-KR" altLang="en-US"/>
           </a:p>
@@ -2379,7 +2635,7 @@
           <a:p>
             <a:fld id="{FB30EDBD-1C2D-4C1E-B459-B60219FAB484}" type="datetimeFigureOut">
               <a:rPr lang="ko-KR" altLang="en-US" smtClean="0"/>
-              <a:t>2019-05-11</a:t>
+              <a:t>2019-05-13</a:t>
             </a:fld>
             <a:endParaRPr lang="ko-KR" altLang="en-US"/>
           </a:p>
@@ -2649,7 +2905,7 @@
           <a:p>
             <a:fld id="{FB30EDBD-1C2D-4C1E-B459-B60219FAB484}" type="datetimeFigureOut">
               <a:rPr lang="ko-KR" altLang="en-US" smtClean="0"/>
-              <a:t>2019-05-11</a:t>
+              <a:t>2019-05-13</a:t>
             </a:fld>
             <a:endParaRPr lang="ko-KR" altLang="en-US"/>
           </a:p>
@@ -2896,7 +3152,7 @@
           <a:p>
             <a:fld id="{FB30EDBD-1C2D-4C1E-B459-B60219FAB484}" type="datetimeFigureOut">
               <a:rPr lang="ko-KR" altLang="en-US" smtClean="0"/>
-              <a:t>2019-05-11</a:t>
+              <a:t>2019-05-13</a:t>
             </a:fld>
             <a:endParaRPr lang="ko-KR" altLang="en-US"/>
           </a:p>
@@ -3102,7 +3358,7 @@
           <a:p>
             <a:fld id="{FB30EDBD-1C2D-4C1E-B459-B60219FAB484}" type="datetimeFigureOut">
               <a:rPr lang="ko-KR" altLang="en-US" smtClean="0"/>
-              <a:t>2019-05-11</a:t>
+              <a:t>2019-05-13</a:t>
             </a:fld>
             <a:endParaRPr lang="ko-KR" altLang="en-US"/>
           </a:p>
@@ -3474,10 +3730,68 @@
       </p:grpSpPr>
       <p:sp>
         <p:nvSpPr>
-          <p:cNvPr id="23" name="모서리가 둥근 직사각형 13">
-            <a:extLst>
-              <a:ext uri="{FF2B5EF4-FFF2-40B4-BE49-F238E27FC236}">
-                <a16:creationId xmlns:a16="http://schemas.microsoft.com/office/drawing/2014/main" id="{FC74B8FC-B65E-4C28-84D1-87968614B7CD}"/>
+          <p:cNvPr id="26" name="제목 1">
+            <a:extLst>
+              <a:ext uri="{FF2B5EF4-FFF2-40B4-BE49-F238E27FC236}">
+                <a16:creationId xmlns:a16="http://schemas.microsoft.com/office/drawing/2014/main" id="{8996A3B6-EF2F-433F-A247-A77B4E18237E}"/>
+              </a:ext>
+            </a:extLst>
+          </p:cNvPr>
+          <p:cNvSpPr>
+            <a:spLocks noGrp="1"/>
+          </p:cNvSpPr>
+          <p:nvPr>
+            <p:ph type="title"/>
+          </p:nvPr>
+        </p:nvSpPr>
+        <p:spPr>
+          <a:xfrm>
+            <a:off x="457200" y="-380578"/>
+            <a:ext cx="8229600" cy="857250"/>
+          </a:xfrm>
+        </p:spPr>
+        <p:txBody>
+          <a:bodyPr/>
+          <a:lstStyle/>
+          <a:p>
+            <a:r>
+              <a:rPr lang="en-US" altLang="ko-KR"/>
+              <a:t>iptables</a:t>
+            </a:r>
+            <a:r>
+              <a:rPr lang="ko-KR" altLang="en-US"/>
+              <a:t> </a:t>
+            </a:r>
+            <a:r>
+              <a:rPr lang="en-US" altLang="ko-KR"/>
+              <a:t>Mode</a:t>
+            </a:r>
+            <a:r>
+              <a:rPr lang="ko-KR" altLang="en-US"/>
+              <a:t> </a:t>
+            </a:r>
+            <a:r>
+              <a:rPr lang="en-US" altLang="ko-KR"/>
+              <a:t>Packet</a:t>
+            </a:r>
+            <a:r>
+              <a:rPr lang="ko-KR" altLang="en-US"/>
+              <a:t> </a:t>
+            </a:r>
+            <a:r>
+              <a:rPr lang="en-US" altLang="ko-KR"/>
+              <a:t>Path</a:t>
+            </a:r>
+            <a:endParaRPr lang="ko-KR" altLang="en-US"/>
+          </a:p>
+        </p:txBody>
+      </p:sp>
+      <p:sp>
+        <p:nvSpPr>
+          <p:cNvPr id="34" name="모서리가 둥근 직사각형 13">
+            <a:extLst>
+              <a:ext uri="{FF2B5EF4-FFF2-40B4-BE49-F238E27FC236}">
+                <a16:creationId xmlns:a16="http://schemas.microsoft.com/office/drawing/2014/main" id="{6E702868-5116-437A-928A-AA39955F878D}"/>
               </a:ext>
             </a:extLst>
           </p:cNvPr>
@@ -3486,7 +3800,7 @@
         </p:nvSpPr>
         <p:spPr>
           <a:xfrm>
-            <a:off x="588056" y="916026"/>
+            <a:off x="557516" y="7396962"/>
             <a:ext cx="1773332" cy="359364"/>
           </a:xfrm>
           <a:prstGeom prst="roundRect">
@@ -3520,19 +3834,74 @@
           <a:p>
             <a:pPr algn="ctr"/>
             <a:r>
-              <a:rPr lang="en-US" altLang="ko-KR" sz="1200"/>
-              <a:t>Network Interface</a:t>
-            </a:r>
-            <a:endParaRPr lang="ko-KR" altLang="en-US" sz="1200" dirty="0"/>
-          </a:p>
-        </p:txBody>
-      </p:sp>
-      <p:sp>
-        <p:nvSpPr>
-          <p:cNvPr id="27" name="모서리가 둥근 직사각형 13">
-            <a:extLst>
-              <a:ext uri="{FF2B5EF4-FFF2-40B4-BE49-F238E27FC236}">
-                <a16:creationId xmlns:a16="http://schemas.microsoft.com/office/drawing/2014/main" id="{2A1E08F2-F8C2-42D4-8D5B-65FE51892CC2}"/>
+              <a:rPr lang="en-US" altLang="ko-KR" sz="1200">
+                <a:solidFill>
+                  <a:schemeClr val="tx2"/>
+                </a:solidFill>
+              </a:rPr>
+              <a:t>Destination</a:t>
+            </a:r>
+          </a:p>
+          <a:p>
+            <a:pPr algn="ctr"/>
+            <a:r>
+              <a:rPr lang="en-US" altLang="ko-KR" sz="1200">
+                <a:solidFill>
+                  <a:schemeClr val="tx2"/>
+                </a:solidFill>
+              </a:rPr>
+              <a:t>(Node, Pod)</a:t>
+            </a:r>
+            <a:endParaRPr lang="ko-KR" altLang="en-US" sz="1200">
+              <a:solidFill>
+                <a:schemeClr val="tx2"/>
+              </a:solidFill>
+            </a:endParaRPr>
+          </a:p>
+        </p:txBody>
+      </p:sp>
+      <p:sp>
+        <p:nvSpPr>
+          <p:cNvPr id="5" name="TextBox 4">
+            <a:extLst>
+              <a:ext uri="{FF2B5EF4-FFF2-40B4-BE49-F238E27FC236}">
+                <a16:creationId xmlns:a16="http://schemas.microsoft.com/office/drawing/2014/main" id="{37908E87-825F-4712-8F1B-263C9866F53B}"/>
+              </a:ext>
+            </a:extLst>
+          </p:cNvPr>
+          <p:cNvSpPr txBox="1"/>
+          <p:nvPr/>
+        </p:nvSpPr>
+        <p:spPr>
+          <a:xfrm>
+            <a:off x="6860619" y="7422755"/>
+            <a:ext cx="1700337" cy="307777"/>
+          </a:xfrm>
+          <a:prstGeom prst="rect">
+            <a:avLst/>
+          </a:prstGeom>
+          <a:noFill/>
+        </p:spPr>
+        <p:txBody>
+          <a:bodyPr wrap="none" rtlCol="0">
+            <a:spAutoFit/>
+          </a:bodyPr>
+          <a:lstStyle/>
+          <a:p>
+            <a:r>
+              <a:rPr lang="en-US" altLang="ko-KR" sz="1400"/>
+              <a:t>iptables NAT Table</a:t>
+            </a:r>
+            <a:endParaRPr lang="ko-KR" altLang="en-US" sz="1400"/>
+          </a:p>
+        </p:txBody>
+      </p:sp>
+      <p:sp>
+        <p:nvSpPr>
+          <p:cNvPr id="37" name="사각형: 둥근 모서리 36">
+            <a:extLst>
+              <a:ext uri="{FF2B5EF4-FFF2-40B4-BE49-F238E27FC236}">
+                <a16:creationId xmlns:a16="http://schemas.microsoft.com/office/drawing/2014/main" id="{5DF08894-10CA-4E97-A9A5-E3D93AA9539D}"/>
               </a:ext>
             </a:extLst>
           </p:cNvPr>
@@ -3541,12 +3910,561 @@
         </p:nvSpPr>
         <p:spPr>
           <a:xfrm>
-            <a:off x="588056" y="1492982"/>
-            <a:ext cx="1773332" cy="359364"/>
+            <a:off x="1691682" y="555526"/>
+            <a:ext cx="1656182" cy="857250"/>
           </a:xfrm>
           <a:prstGeom prst="roundRect">
             <a:avLst>
-              <a:gd name="adj" fmla="val 10708"/>
+              <a:gd name="adj" fmla="val 6633"/>
+            </a:avLst>
+          </a:prstGeom>
+        </p:spPr>
+        <p:style>
+          <a:lnRef idx="2">
+            <a:schemeClr val="dk1"/>
+          </a:lnRef>
+          <a:fillRef idx="1">
+            <a:schemeClr val="lt1"/>
+          </a:fillRef>
+          <a:effectRef idx="0">
+            <a:schemeClr val="dk1"/>
+          </a:effectRef>
+          <a:fontRef idx="minor">
+            <a:schemeClr val="dk1"/>
+          </a:fontRef>
+        </p:style>
+        <p:txBody>
+          <a:bodyPr rtlCol="0" anchor="t"/>
+          <a:lstStyle/>
+          <a:p>
+            <a:pPr algn="ctr"/>
+            <a:r>
+              <a:rPr lang="en-US" altLang="ko-KR" sz="1400"/>
+              <a:t>Pod A</a:t>
+            </a:r>
+          </a:p>
+          <a:p>
+            <a:pPr algn="ctr"/>
+            <a:r>
+              <a:rPr lang="en-US" altLang="ko-KR" sz="1400"/>
+              <a:t>Net Namespace</a:t>
+            </a:r>
+            <a:endParaRPr lang="ko-KR" altLang="en-US" sz="1400"/>
+          </a:p>
+        </p:txBody>
+      </p:sp>
+      <p:sp>
+        <p:nvSpPr>
+          <p:cNvPr id="40" name="사각형: 둥근 모서리 39">
+            <a:extLst>
+              <a:ext uri="{FF2B5EF4-FFF2-40B4-BE49-F238E27FC236}">
+                <a16:creationId xmlns:a16="http://schemas.microsoft.com/office/drawing/2014/main" id="{BB64BC4F-046B-4833-94B3-D1F2D50843E5}"/>
+              </a:ext>
+            </a:extLst>
+          </p:cNvPr>
+          <p:cNvSpPr/>
+          <p:nvPr/>
+        </p:nvSpPr>
+        <p:spPr>
+          <a:xfrm>
+            <a:off x="1907706" y="1140198"/>
+            <a:ext cx="1224134" cy="272578"/>
+          </a:xfrm>
+          <a:prstGeom prst="roundRect">
+            <a:avLst>
+              <a:gd name="adj" fmla="val 15087"/>
+            </a:avLst>
+          </a:prstGeom>
+        </p:spPr>
+        <p:style>
+          <a:lnRef idx="2">
+            <a:schemeClr val="dk1"/>
+          </a:lnRef>
+          <a:fillRef idx="1">
+            <a:schemeClr val="lt1"/>
+          </a:fillRef>
+          <a:effectRef idx="0">
+            <a:schemeClr val="dk1"/>
+          </a:effectRef>
+          <a:fontRef idx="minor">
+            <a:schemeClr val="dk1"/>
+          </a:fontRef>
+        </p:style>
+        <p:txBody>
+          <a:bodyPr rtlCol="0" anchor="ctr"/>
+          <a:lstStyle/>
+          <a:p>
+            <a:pPr algn="ctr"/>
+            <a:r>
+              <a:rPr lang="en-US" altLang="ko-KR" sz="1200"/>
+              <a:t>veth interface</a:t>
+            </a:r>
+          </a:p>
+        </p:txBody>
+      </p:sp>
+      <p:sp>
+        <p:nvSpPr>
+          <p:cNvPr id="42" name="사각형: 둥근 모서리 41">
+            <a:extLst>
+              <a:ext uri="{FF2B5EF4-FFF2-40B4-BE49-F238E27FC236}">
+                <a16:creationId xmlns:a16="http://schemas.microsoft.com/office/drawing/2014/main" id="{C578B6D8-62A4-4C86-A3C2-50037AA64487}"/>
+              </a:ext>
+            </a:extLst>
+          </p:cNvPr>
+          <p:cNvSpPr/>
+          <p:nvPr/>
+        </p:nvSpPr>
+        <p:spPr>
+          <a:xfrm>
+            <a:off x="1216139" y="1597367"/>
+            <a:ext cx="7028266" cy="3111949"/>
+          </a:xfrm>
+          <a:prstGeom prst="roundRect">
+            <a:avLst>
+              <a:gd name="adj" fmla="val 3729"/>
+            </a:avLst>
+          </a:prstGeom>
+        </p:spPr>
+        <p:style>
+          <a:lnRef idx="2">
+            <a:schemeClr val="dk1"/>
+          </a:lnRef>
+          <a:fillRef idx="1">
+            <a:schemeClr val="lt1"/>
+          </a:fillRef>
+          <a:effectRef idx="0">
+            <a:schemeClr val="dk1"/>
+          </a:effectRef>
+          <a:fontRef idx="minor">
+            <a:schemeClr val="dk1"/>
+          </a:fontRef>
+        </p:style>
+        <p:txBody>
+          <a:bodyPr rtlCol="0" anchor="t"/>
+          <a:lstStyle/>
+          <a:p>
+            <a:pPr algn="ctr"/>
+            <a:r>
+              <a:rPr lang="en-US" altLang="ko-KR" sz="1400"/>
+              <a:t>Host Net Namespace</a:t>
+            </a:r>
+            <a:endParaRPr lang="ko-KR" altLang="en-US" sz="1400"/>
+          </a:p>
+        </p:txBody>
+      </p:sp>
+      <p:sp>
+        <p:nvSpPr>
+          <p:cNvPr id="43" name="사각형: 둥근 모서리 42">
+            <a:extLst>
+              <a:ext uri="{FF2B5EF4-FFF2-40B4-BE49-F238E27FC236}">
+                <a16:creationId xmlns:a16="http://schemas.microsoft.com/office/drawing/2014/main" id="{9E1EF096-9201-4CF2-9016-878474AC7960}"/>
+              </a:ext>
+            </a:extLst>
+          </p:cNvPr>
+          <p:cNvSpPr/>
+          <p:nvPr/>
+        </p:nvSpPr>
+        <p:spPr>
+          <a:xfrm>
+            <a:off x="1907706" y="1597959"/>
+            <a:ext cx="1224134" cy="272578"/>
+          </a:xfrm>
+          <a:prstGeom prst="roundRect">
+            <a:avLst>
+              <a:gd name="adj" fmla="val 15087"/>
+            </a:avLst>
+          </a:prstGeom>
+        </p:spPr>
+        <p:style>
+          <a:lnRef idx="2">
+            <a:schemeClr val="dk1"/>
+          </a:lnRef>
+          <a:fillRef idx="1">
+            <a:schemeClr val="lt1"/>
+          </a:fillRef>
+          <a:effectRef idx="0">
+            <a:schemeClr val="dk1"/>
+          </a:effectRef>
+          <a:fontRef idx="minor">
+            <a:schemeClr val="dk1"/>
+          </a:fontRef>
+        </p:style>
+        <p:txBody>
+          <a:bodyPr rtlCol="0" anchor="ctr"/>
+          <a:lstStyle/>
+          <a:p>
+            <a:pPr algn="ctr"/>
+            <a:r>
+              <a:rPr lang="en-US" altLang="ko-KR" sz="1200"/>
+              <a:t>veth interface</a:t>
+            </a:r>
+          </a:p>
+        </p:txBody>
+      </p:sp>
+      <p:cxnSp>
+        <p:nvCxnSpPr>
+          <p:cNvPr id="45" name="직선 연결선 44">
+            <a:extLst>
+              <a:ext uri="{FF2B5EF4-FFF2-40B4-BE49-F238E27FC236}">
+                <a16:creationId xmlns:a16="http://schemas.microsoft.com/office/drawing/2014/main" id="{596DEBC7-DF1F-4F4B-9E15-E411A679E8A0}"/>
+              </a:ext>
+            </a:extLst>
+          </p:cNvPr>
+          <p:cNvCxnSpPr>
+            <a:cxnSpLocks/>
+            <a:stCxn id="40" idx="2"/>
+            <a:endCxn id="43" idx="0"/>
+          </p:cNvCxnSpPr>
+          <p:nvPr/>
+        </p:nvCxnSpPr>
+        <p:spPr>
+          <a:xfrm>
+            <a:off x="2519773" y="1412776"/>
+            <a:ext cx="0" cy="185183"/>
+          </a:xfrm>
+          <a:prstGeom prst="line">
+            <a:avLst/>
+          </a:prstGeom>
+          <a:ln w="28575">
+            <a:solidFill>
+              <a:schemeClr val="tx1"/>
+            </a:solidFill>
+          </a:ln>
+        </p:spPr>
+        <p:style>
+          <a:lnRef idx="1">
+            <a:schemeClr val="accent1"/>
+          </a:lnRef>
+          <a:fillRef idx="0">
+            <a:schemeClr val="accent1"/>
+          </a:fillRef>
+          <a:effectRef idx="0">
+            <a:schemeClr val="accent1"/>
+          </a:effectRef>
+          <a:fontRef idx="minor">
+            <a:schemeClr val="tx1"/>
+          </a:fontRef>
+        </p:style>
+      </p:cxnSp>
+      <p:sp>
+        <p:nvSpPr>
+          <p:cNvPr id="78" name="사각형: 둥근 모서리 77">
+            <a:extLst>
+              <a:ext uri="{FF2B5EF4-FFF2-40B4-BE49-F238E27FC236}">
+                <a16:creationId xmlns:a16="http://schemas.microsoft.com/office/drawing/2014/main" id="{8C1B9B8D-0CF6-4E54-8D89-CB269563C2F2}"/>
+              </a:ext>
+            </a:extLst>
+          </p:cNvPr>
+          <p:cNvSpPr/>
+          <p:nvPr/>
+        </p:nvSpPr>
+        <p:spPr>
+          <a:xfrm>
+            <a:off x="6012160" y="555526"/>
+            <a:ext cx="1656182" cy="857250"/>
+          </a:xfrm>
+          <a:prstGeom prst="roundRect">
+            <a:avLst>
+              <a:gd name="adj" fmla="val 6633"/>
+            </a:avLst>
+          </a:prstGeom>
+        </p:spPr>
+        <p:style>
+          <a:lnRef idx="2">
+            <a:schemeClr val="dk1"/>
+          </a:lnRef>
+          <a:fillRef idx="1">
+            <a:schemeClr val="lt1"/>
+          </a:fillRef>
+          <a:effectRef idx="0">
+            <a:schemeClr val="dk1"/>
+          </a:effectRef>
+          <a:fontRef idx="minor">
+            <a:schemeClr val="dk1"/>
+          </a:fontRef>
+        </p:style>
+        <p:txBody>
+          <a:bodyPr rtlCol="0" anchor="t"/>
+          <a:lstStyle/>
+          <a:p>
+            <a:pPr algn="ctr"/>
+            <a:r>
+              <a:rPr lang="en-US" altLang="ko-KR" sz="1400"/>
+              <a:t>Pod B</a:t>
+            </a:r>
+          </a:p>
+          <a:p>
+            <a:pPr algn="ctr"/>
+            <a:r>
+              <a:rPr lang="en-US" altLang="ko-KR" sz="1400"/>
+              <a:t>Net Namespace</a:t>
+            </a:r>
+            <a:endParaRPr lang="ko-KR" altLang="en-US" sz="1400"/>
+          </a:p>
+        </p:txBody>
+      </p:sp>
+      <p:sp>
+        <p:nvSpPr>
+          <p:cNvPr id="79" name="사각형: 둥근 모서리 78">
+            <a:extLst>
+              <a:ext uri="{FF2B5EF4-FFF2-40B4-BE49-F238E27FC236}">
+                <a16:creationId xmlns:a16="http://schemas.microsoft.com/office/drawing/2014/main" id="{CED02E20-5817-4B82-B805-8CECA18FA615}"/>
+              </a:ext>
+            </a:extLst>
+          </p:cNvPr>
+          <p:cNvSpPr/>
+          <p:nvPr/>
+        </p:nvSpPr>
+        <p:spPr>
+          <a:xfrm>
+            <a:off x="6228184" y="1140198"/>
+            <a:ext cx="1224134" cy="272578"/>
+          </a:xfrm>
+          <a:prstGeom prst="roundRect">
+            <a:avLst>
+              <a:gd name="adj" fmla="val 15087"/>
+            </a:avLst>
+          </a:prstGeom>
+        </p:spPr>
+        <p:style>
+          <a:lnRef idx="2">
+            <a:schemeClr val="dk1"/>
+          </a:lnRef>
+          <a:fillRef idx="1">
+            <a:schemeClr val="lt1"/>
+          </a:fillRef>
+          <a:effectRef idx="0">
+            <a:schemeClr val="dk1"/>
+          </a:effectRef>
+          <a:fontRef idx="minor">
+            <a:schemeClr val="dk1"/>
+          </a:fontRef>
+        </p:style>
+        <p:txBody>
+          <a:bodyPr rtlCol="0" anchor="ctr"/>
+          <a:lstStyle/>
+          <a:p>
+            <a:pPr algn="ctr"/>
+            <a:r>
+              <a:rPr lang="en-US" altLang="ko-KR" sz="1200"/>
+              <a:t>veth interface</a:t>
+            </a:r>
+          </a:p>
+        </p:txBody>
+      </p:sp>
+      <p:sp>
+        <p:nvSpPr>
+          <p:cNvPr id="80" name="사각형: 둥근 모서리 79">
+            <a:extLst>
+              <a:ext uri="{FF2B5EF4-FFF2-40B4-BE49-F238E27FC236}">
+                <a16:creationId xmlns:a16="http://schemas.microsoft.com/office/drawing/2014/main" id="{ABBB7494-F427-41D5-B223-E9B58F163FF2}"/>
+              </a:ext>
+            </a:extLst>
+          </p:cNvPr>
+          <p:cNvSpPr/>
+          <p:nvPr/>
+        </p:nvSpPr>
+        <p:spPr>
+          <a:xfrm>
+            <a:off x="6228184" y="1597959"/>
+            <a:ext cx="1224134" cy="272578"/>
+          </a:xfrm>
+          <a:prstGeom prst="roundRect">
+            <a:avLst>
+              <a:gd name="adj" fmla="val 15087"/>
+            </a:avLst>
+          </a:prstGeom>
+        </p:spPr>
+        <p:style>
+          <a:lnRef idx="2">
+            <a:schemeClr val="dk1"/>
+          </a:lnRef>
+          <a:fillRef idx="1">
+            <a:schemeClr val="lt1"/>
+          </a:fillRef>
+          <a:effectRef idx="0">
+            <a:schemeClr val="dk1"/>
+          </a:effectRef>
+          <a:fontRef idx="minor">
+            <a:schemeClr val="dk1"/>
+          </a:fontRef>
+        </p:style>
+        <p:txBody>
+          <a:bodyPr rtlCol="0" anchor="ctr"/>
+          <a:lstStyle/>
+          <a:p>
+            <a:pPr algn="ctr"/>
+            <a:r>
+              <a:rPr lang="en-US" altLang="ko-KR" sz="1200"/>
+              <a:t>veth interface</a:t>
+            </a:r>
+          </a:p>
+        </p:txBody>
+      </p:sp>
+      <p:cxnSp>
+        <p:nvCxnSpPr>
+          <p:cNvPr id="81" name="직선 연결선 80">
+            <a:extLst>
+              <a:ext uri="{FF2B5EF4-FFF2-40B4-BE49-F238E27FC236}">
+                <a16:creationId xmlns:a16="http://schemas.microsoft.com/office/drawing/2014/main" id="{1CD8A4E0-E791-4C69-8231-0FE7449C79BA}"/>
+              </a:ext>
+            </a:extLst>
+          </p:cNvPr>
+          <p:cNvCxnSpPr>
+            <a:cxnSpLocks/>
+            <a:stCxn id="79" idx="2"/>
+            <a:endCxn id="80" idx="0"/>
+          </p:cNvCxnSpPr>
+          <p:nvPr/>
+        </p:nvCxnSpPr>
+        <p:spPr>
+          <a:xfrm>
+            <a:off x="6840251" y="1412776"/>
+            <a:ext cx="0" cy="185183"/>
+          </a:xfrm>
+          <a:prstGeom prst="line">
+            <a:avLst/>
+          </a:prstGeom>
+          <a:ln w="28575">
+            <a:solidFill>
+              <a:schemeClr val="tx1"/>
+            </a:solidFill>
+          </a:ln>
+        </p:spPr>
+        <p:style>
+          <a:lnRef idx="1">
+            <a:schemeClr val="accent1"/>
+          </a:lnRef>
+          <a:fillRef idx="0">
+            <a:schemeClr val="accent1"/>
+          </a:fillRef>
+          <a:effectRef idx="0">
+            <a:schemeClr val="accent1"/>
+          </a:effectRef>
+          <a:fontRef idx="minor">
+            <a:schemeClr val="tx1"/>
+          </a:fontRef>
+        </p:style>
+      </p:cxnSp>
+      <p:sp>
+        <p:nvSpPr>
+          <p:cNvPr id="85" name="사각형: 둥근 모서리 84">
+            <a:extLst>
+              <a:ext uri="{FF2B5EF4-FFF2-40B4-BE49-F238E27FC236}">
+                <a16:creationId xmlns:a16="http://schemas.microsoft.com/office/drawing/2014/main" id="{70323992-35B6-4AFC-8CA7-B7AE2E0F2849}"/>
+              </a:ext>
+            </a:extLst>
+          </p:cNvPr>
+          <p:cNvSpPr/>
+          <p:nvPr/>
+        </p:nvSpPr>
+        <p:spPr>
+          <a:xfrm>
+            <a:off x="3448382" y="4437111"/>
+            <a:ext cx="2563778" cy="272578"/>
+          </a:xfrm>
+          <a:prstGeom prst="roundRect">
+            <a:avLst>
+              <a:gd name="adj" fmla="val 15087"/>
+            </a:avLst>
+          </a:prstGeom>
+        </p:spPr>
+        <p:style>
+          <a:lnRef idx="2">
+            <a:schemeClr val="dk1"/>
+          </a:lnRef>
+          <a:fillRef idx="1">
+            <a:schemeClr val="lt1"/>
+          </a:fillRef>
+          <a:effectRef idx="0">
+            <a:schemeClr val="dk1"/>
+          </a:effectRef>
+          <a:fontRef idx="minor">
+            <a:schemeClr val="dk1"/>
+          </a:fontRef>
+        </p:style>
+        <p:txBody>
+          <a:bodyPr rtlCol="0" anchor="ctr"/>
+          <a:lstStyle/>
+          <a:p>
+            <a:pPr algn="ctr"/>
+            <a:r>
+              <a:rPr lang="en-US" altLang="ko-KR" sz="1200"/>
+              <a:t>eth / IPIP / VXLAN Interface</a:t>
+            </a:r>
+          </a:p>
+        </p:txBody>
+      </p:sp>
+      <p:sp>
+        <p:nvSpPr>
+          <p:cNvPr id="86" name="사각형: 둥근 모서리 85">
+            <a:extLst>
+              <a:ext uri="{FF2B5EF4-FFF2-40B4-BE49-F238E27FC236}">
+                <a16:creationId xmlns:a16="http://schemas.microsoft.com/office/drawing/2014/main" id="{005ED654-6BEF-41E6-92C9-A8DCE7F19AC0}"/>
+              </a:ext>
+            </a:extLst>
+          </p:cNvPr>
+          <p:cNvSpPr/>
+          <p:nvPr/>
+        </p:nvSpPr>
+        <p:spPr>
+          <a:xfrm>
+            <a:off x="3830855" y="1988839"/>
+            <a:ext cx="1798833" cy="519510"/>
+          </a:xfrm>
+          <a:prstGeom prst="roundRect">
+            <a:avLst>
+              <a:gd name="adj" fmla="val 6633"/>
+            </a:avLst>
+          </a:prstGeom>
+        </p:spPr>
+        <p:style>
+          <a:lnRef idx="2">
+            <a:schemeClr val="dk1"/>
+          </a:lnRef>
+          <a:fillRef idx="1">
+            <a:schemeClr val="lt1"/>
+          </a:fillRef>
+          <a:effectRef idx="0">
+            <a:schemeClr val="dk1"/>
+          </a:effectRef>
+          <a:fontRef idx="minor">
+            <a:schemeClr val="dk1"/>
+          </a:fontRef>
+        </p:style>
+        <p:txBody>
+          <a:bodyPr rtlCol="0" anchor="ctr"/>
+          <a:lstStyle/>
+          <a:p>
+            <a:pPr algn="ctr"/>
+            <a:r>
+              <a:rPr lang="en-US" altLang="ko-KR" sz="1200"/>
+              <a:t>Host Process</a:t>
+            </a:r>
+            <a:endParaRPr lang="ko-KR" altLang="en-US" sz="1200"/>
+          </a:p>
+        </p:txBody>
+      </p:sp>
+      <p:sp>
+        <p:nvSpPr>
+          <p:cNvPr id="90" name="사각형: 둥근 모서리 89">
+            <a:extLst>
+              <a:ext uri="{FF2B5EF4-FFF2-40B4-BE49-F238E27FC236}">
+                <a16:creationId xmlns:a16="http://schemas.microsoft.com/office/drawing/2014/main" id="{3083D0A7-8723-4979-9671-4E9677E30557}"/>
+              </a:ext>
+            </a:extLst>
+          </p:cNvPr>
+          <p:cNvSpPr/>
+          <p:nvPr/>
+        </p:nvSpPr>
+        <p:spPr>
+          <a:xfrm>
+            <a:off x="1621039" y="2116072"/>
+            <a:ext cx="1797468" cy="272578"/>
+          </a:xfrm>
+          <a:prstGeom prst="roundRect">
+            <a:avLst>
+              <a:gd name="adj" fmla="val 15087"/>
             </a:avLst>
           </a:prstGeom>
           <a:ln>
@@ -3575,26 +4493,22 @@
           <a:p>
             <a:pPr algn="ctr"/>
             <a:r>
-              <a:rPr lang="en-US" altLang="ko-KR" sz="1200"/>
-              <a:t>Process in the</a:t>
-            </a:r>
-          </a:p>
-          <a:p>
-            <a:pPr algn="ctr"/>
-            <a:r>
-              <a:rPr lang="en-US" altLang="ko-KR" sz="1200"/>
-              <a:t>Host Net Namespace</a:t>
-            </a:r>
-            <a:endParaRPr lang="ko-KR" altLang="en-US" sz="1200" dirty="0"/>
-          </a:p>
-        </p:txBody>
-      </p:sp>
-      <p:sp>
-        <p:nvSpPr>
-          <p:cNvPr id="29" name="모서리가 둥근 직사각형 13">
-            <a:extLst>
-              <a:ext uri="{FF2B5EF4-FFF2-40B4-BE49-F238E27FC236}">
-                <a16:creationId xmlns:a16="http://schemas.microsoft.com/office/drawing/2014/main" id="{7744601D-87D1-4E44-93D6-D0A5749BFDF3}"/>
+              <a:rPr lang="en-US" altLang="ko-KR" sz="1200">
+                <a:solidFill>
+                  <a:schemeClr val="tx2"/>
+                </a:solidFill>
+              </a:rPr>
+              <a:t>PREROUTING</a:t>
+            </a:r>
+          </a:p>
+        </p:txBody>
+      </p:sp>
+      <p:sp>
+        <p:nvSpPr>
+          <p:cNvPr id="91" name="사각형: 둥근 모서리 90">
+            <a:extLst>
+              <a:ext uri="{FF2B5EF4-FFF2-40B4-BE49-F238E27FC236}">
+                <a16:creationId xmlns:a16="http://schemas.microsoft.com/office/drawing/2014/main" id="{8673B26D-82CE-4191-92D3-8B4D0EEE3E55}"/>
               </a:ext>
             </a:extLst>
           </p:cNvPr>
@@ -3603,14 +4517,19 @@
         </p:nvSpPr>
         <p:spPr>
           <a:xfrm>
-            <a:off x="2686802" y="916026"/>
-            <a:ext cx="1773332" cy="359364"/>
+            <a:off x="3831537" y="2720974"/>
+            <a:ext cx="1797468" cy="272578"/>
           </a:xfrm>
           <a:prstGeom prst="roundRect">
             <a:avLst>
-              <a:gd name="adj" fmla="val 10708"/>
+              <a:gd name="adj" fmla="val 15087"/>
             </a:avLst>
           </a:prstGeom>
+          <a:ln>
+            <a:solidFill>
+              <a:schemeClr val="tx2"/>
+            </a:solidFill>
+          </a:ln>
         </p:spPr>
         <p:style>
           <a:lnRef idx="2">
@@ -3632,133 +4551,36 @@
           <a:p>
             <a:pPr algn="ctr"/>
             <a:r>
-              <a:rPr lang="en-US" altLang="ko-KR" sz="1200"/>
-              <a:t>PREROUTING</a:t>
-            </a:r>
-            <a:endParaRPr lang="ko-KR" altLang="en-US" sz="1200" dirty="0"/>
-          </a:p>
-        </p:txBody>
-      </p:sp>
-      <p:sp>
-        <p:nvSpPr>
-          <p:cNvPr id="30" name="모서리가 둥근 직사각형 13">
-            <a:extLst>
-              <a:ext uri="{FF2B5EF4-FFF2-40B4-BE49-F238E27FC236}">
-                <a16:creationId xmlns:a16="http://schemas.microsoft.com/office/drawing/2014/main" id="{E818DF12-C510-4B53-A87E-32D46C748CEB}"/>
-              </a:ext>
-            </a:extLst>
-          </p:cNvPr>
-          <p:cNvSpPr/>
-          <p:nvPr/>
-        </p:nvSpPr>
-        <p:spPr>
-          <a:xfrm>
-            <a:off x="2694070" y="1492982"/>
-            <a:ext cx="1773332" cy="359364"/>
-          </a:xfrm>
-          <a:prstGeom prst="roundRect">
-            <a:avLst>
-              <a:gd name="adj" fmla="val 10708"/>
-            </a:avLst>
-          </a:prstGeom>
-        </p:spPr>
-        <p:style>
-          <a:lnRef idx="2">
-            <a:schemeClr val="dk1"/>
-          </a:lnRef>
-          <a:fillRef idx="1">
-            <a:schemeClr val="lt1"/>
-          </a:fillRef>
-          <a:effectRef idx="0">
-            <a:schemeClr val="dk1"/>
-          </a:effectRef>
-          <a:fontRef idx="minor">
-            <a:schemeClr val="dk1"/>
-          </a:fontRef>
-        </p:style>
-        <p:txBody>
-          <a:bodyPr rtlCol="0" anchor="ctr"/>
-          <a:lstStyle/>
-          <a:p>
-            <a:pPr algn="ctr"/>
-            <a:r>
-              <a:rPr lang="en-US" altLang="ko-KR" sz="1200"/>
+              <a:rPr lang="en-US" altLang="ko-KR" sz="1200">
+                <a:solidFill>
+                  <a:schemeClr val="tx2"/>
+                </a:solidFill>
+              </a:rPr>
               <a:t>OUTPUT</a:t>
             </a:r>
-            <a:endParaRPr lang="ko-KR" altLang="en-US" sz="1200" dirty="0"/>
-          </a:p>
-        </p:txBody>
-      </p:sp>
-      <p:sp>
-        <p:nvSpPr>
-          <p:cNvPr id="31" name="모서리가 둥근 직사각형 13">
-            <a:extLst>
-              <a:ext uri="{FF2B5EF4-FFF2-40B4-BE49-F238E27FC236}">
-                <a16:creationId xmlns:a16="http://schemas.microsoft.com/office/drawing/2014/main" id="{47D2C642-13E2-4D3B-91E5-340EBBA9731B}"/>
-              </a:ext>
-            </a:extLst>
-          </p:cNvPr>
-          <p:cNvSpPr/>
-          <p:nvPr/>
-        </p:nvSpPr>
-        <p:spPr>
-          <a:xfrm>
-            <a:off x="4764087" y="1208544"/>
-            <a:ext cx="1773332" cy="359364"/>
-          </a:xfrm>
-          <a:prstGeom prst="roundRect">
-            <a:avLst>
-              <a:gd name="adj" fmla="val 10708"/>
-            </a:avLst>
-          </a:prstGeom>
-        </p:spPr>
-        <p:style>
-          <a:lnRef idx="2">
-            <a:schemeClr val="dk1"/>
-          </a:lnRef>
-          <a:fillRef idx="1">
-            <a:schemeClr val="lt1"/>
-          </a:fillRef>
-          <a:effectRef idx="0">
-            <a:schemeClr val="dk1"/>
-          </a:effectRef>
-          <a:fontRef idx="minor">
-            <a:schemeClr val="dk1"/>
-          </a:fontRef>
-        </p:style>
-        <p:txBody>
-          <a:bodyPr rtlCol="0" anchor="ctr"/>
-          <a:lstStyle/>
-          <a:p>
-            <a:pPr algn="ctr"/>
-            <a:r>
-              <a:rPr lang="en-US" altLang="ko-KR" sz="1200" b="1"/>
-              <a:t>KUBE-SERVICE</a:t>
-            </a:r>
-            <a:endParaRPr lang="ko-KR" altLang="en-US" sz="1200" b="1" dirty="0"/>
           </a:p>
         </p:txBody>
       </p:sp>
       <p:cxnSp>
         <p:nvCxnSpPr>
-          <p:cNvPr id="32" name="직선 화살표 연결선 31">
-            <a:extLst>
-              <a:ext uri="{FF2B5EF4-FFF2-40B4-BE49-F238E27FC236}">
-                <a16:creationId xmlns:a16="http://schemas.microsoft.com/office/drawing/2014/main" id="{A8653795-E277-45CE-BB0F-32693B13B190}"/>
+          <p:cNvPr id="93" name="직선 화살표 연결선 92">
+            <a:extLst>
+              <a:ext uri="{FF2B5EF4-FFF2-40B4-BE49-F238E27FC236}">
+                <a16:creationId xmlns:a16="http://schemas.microsoft.com/office/drawing/2014/main" id="{2511C344-2234-4CC1-8C01-CC5A002274E0}"/>
               </a:ext>
             </a:extLst>
           </p:cNvPr>
           <p:cNvCxnSpPr>
             <a:cxnSpLocks/>
-            <a:stCxn id="23" idx="3"/>
-            <a:endCxn id="29" idx="1"/>
+            <a:stCxn id="43" idx="2"/>
+            <a:endCxn id="90" idx="0"/>
           </p:cNvCxnSpPr>
           <p:nvPr/>
         </p:nvCxnSpPr>
         <p:spPr>
           <a:xfrm>
-            <a:off x="2361388" y="1095708"/>
-            <a:ext cx="325414" cy="0"/>
+            <a:off x="2519773" y="1870537"/>
+            <a:ext cx="0" cy="245535"/>
           </a:xfrm>
           <a:prstGeom prst="straightConnector1">
             <a:avLst/>
@@ -3787,24 +4609,24 @@
       </p:cxnSp>
       <p:cxnSp>
         <p:nvCxnSpPr>
-          <p:cNvPr id="35" name="직선 화살표 연결선 34">
-            <a:extLst>
-              <a:ext uri="{FF2B5EF4-FFF2-40B4-BE49-F238E27FC236}">
-                <a16:creationId xmlns:a16="http://schemas.microsoft.com/office/drawing/2014/main" id="{DAD49707-B42D-40C0-A70B-C6C3ED540B7A}"/>
+          <p:cNvPr id="96" name="직선 화살표 연결선 95">
+            <a:extLst>
+              <a:ext uri="{FF2B5EF4-FFF2-40B4-BE49-F238E27FC236}">
+                <a16:creationId xmlns:a16="http://schemas.microsoft.com/office/drawing/2014/main" id="{F6B53178-8C8D-4A71-992D-DEB3A83586B3}"/>
               </a:ext>
             </a:extLst>
           </p:cNvPr>
           <p:cNvCxnSpPr>
             <a:cxnSpLocks/>
-            <a:stCxn id="27" idx="3"/>
-            <a:endCxn id="30" idx="1"/>
+            <a:stCxn id="86" idx="2"/>
+            <a:endCxn id="91" idx="0"/>
           </p:cNvCxnSpPr>
           <p:nvPr/>
         </p:nvCxnSpPr>
         <p:spPr>
-          <a:xfrm>
-            <a:off x="2361388" y="1672664"/>
-            <a:ext cx="332682" cy="0"/>
+          <a:xfrm flipH="1">
+            <a:off x="4730271" y="2508349"/>
+            <a:ext cx="1" cy="212625"/>
           </a:xfrm>
           <a:prstGeom prst="straightConnector1">
             <a:avLst/>
@@ -3831,26 +4653,84 @@
           </a:fontRef>
         </p:style>
       </p:cxnSp>
+      <p:sp>
+        <p:nvSpPr>
+          <p:cNvPr id="101" name="사각형: 둥근 모서리 100">
+            <a:extLst>
+              <a:ext uri="{FF2B5EF4-FFF2-40B4-BE49-F238E27FC236}">
+                <a16:creationId xmlns:a16="http://schemas.microsoft.com/office/drawing/2014/main" id="{4C2EBFC8-7651-42CE-B439-03E50C549181}"/>
+              </a:ext>
+            </a:extLst>
+          </p:cNvPr>
+          <p:cNvSpPr/>
+          <p:nvPr/>
+        </p:nvSpPr>
+        <p:spPr>
+          <a:xfrm>
+            <a:off x="1621039" y="2724373"/>
+            <a:ext cx="1797468" cy="272578"/>
+          </a:xfrm>
+          <a:prstGeom prst="roundRect">
+            <a:avLst>
+              <a:gd name="adj" fmla="val 15087"/>
+            </a:avLst>
+          </a:prstGeom>
+          <a:ln>
+            <a:solidFill>
+              <a:schemeClr val="tx2"/>
+            </a:solidFill>
+          </a:ln>
+        </p:spPr>
+        <p:style>
+          <a:lnRef idx="2">
+            <a:schemeClr val="dk1"/>
+          </a:lnRef>
+          <a:fillRef idx="1">
+            <a:schemeClr val="lt1"/>
+          </a:fillRef>
+          <a:effectRef idx="0">
+            <a:schemeClr val="dk1"/>
+          </a:effectRef>
+          <a:fontRef idx="minor">
+            <a:schemeClr val="dk1"/>
+          </a:fontRef>
+        </p:style>
+        <p:txBody>
+          <a:bodyPr rtlCol="0" anchor="ctr"/>
+          <a:lstStyle/>
+          <a:p>
+            <a:pPr algn="ctr"/>
+            <a:r>
+              <a:rPr lang="en-US" altLang="ko-KR" sz="1200" b="1">
+                <a:solidFill>
+                  <a:schemeClr val="tx2"/>
+                </a:solidFill>
+              </a:rPr>
+              <a:t>KUBE-SERVICE</a:t>
+            </a:r>
+          </a:p>
+        </p:txBody>
+      </p:sp>
       <p:cxnSp>
         <p:nvCxnSpPr>
-          <p:cNvPr id="38" name="직선 화살표 연결선 37">
-            <a:extLst>
-              <a:ext uri="{FF2B5EF4-FFF2-40B4-BE49-F238E27FC236}">
-                <a16:creationId xmlns:a16="http://schemas.microsoft.com/office/drawing/2014/main" id="{A5EBC1AF-88B4-4BA2-BA68-CC5794AB1612}"/>
+          <p:cNvPr id="102" name="직선 화살표 연결선 101">
+            <a:extLst>
+              <a:ext uri="{FF2B5EF4-FFF2-40B4-BE49-F238E27FC236}">
+                <a16:creationId xmlns:a16="http://schemas.microsoft.com/office/drawing/2014/main" id="{ECEE0818-1A81-4312-9F3D-8C1349A7D83E}"/>
               </a:ext>
             </a:extLst>
           </p:cNvPr>
           <p:cNvCxnSpPr>
             <a:cxnSpLocks/>
-            <a:stCxn id="30" idx="3"/>
-            <a:endCxn id="31" idx="1"/>
+            <a:stCxn id="90" idx="2"/>
+            <a:endCxn id="101" idx="0"/>
           </p:cNvCxnSpPr>
           <p:nvPr/>
         </p:nvCxnSpPr>
         <p:spPr>
-          <a:xfrm flipV="1">
-            <a:off x="4467402" y="1388226"/>
-            <a:ext cx="296685" cy="284438"/>
+          <a:xfrm>
+            <a:off x="2519773" y="2388650"/>
+            <a:ext cx="0" cy="335723"/>
           </a:xfrm>
           <a:prstGeom prst="straightConnector1">
             <a:avLst/>
@@ -3879,24 +4759,24 @@
       </p:cxnSp>
       <p:cxnSp>
         <p:nvCxnSpPr>
-          <p:cNvPr id="41" name="직선 화살표 연결선 40">
-            <a:extLst>
-              <a:ext uri="{FF2B5EF4-FFF2-40B4-BE49-F238E27FC236}">
-                <a16:creationId xmlns:a16="http://schemas.microsoft.com/office/drawing/2014/main" id="{5175F087-9099-4788-9E1C-02167119B77F}"/>
+          <p:cNvPr id="110" name="직선 화살표 연결선 109">
+            <a:extLst>
+              <a:ext uri="{FF2B5EF4-FFF2-40B4-BE49-F238E27FC236}">
+                <a16:creationId xmlns:a16="http://schemas.microsoft.com/office/drawing/2014/main" id="{94825236-7608-4ED0-9FAF-F83C73D3EC1E}"/>
               </a:ext>
             </a:extLst>
           </p:cNvPr>
           <p:cNvCxnSpPr>
             <a:cxnSpLocks/>
-            <a:stCxn id="29" idx="3"/>
-            <a:endCxn id="31" idx="1"/>
+            <a:stCxn id="91" idx="1"/>
+            <a:endCxn id="101" idx="3"/>
           </p:cNvCxnSpPr>
           <p:nvPr/>
         </p:nvCxnSpPr>
         <p:spPr>
-          <a:xfrm>
-            <a:off x="4460134" y="1095708"/>
-            <a:ext cx="303953" cy="292518"/>
+          <a:xfrm flipH="1">
+            <a:off x="3418507" y="2857263"/>
+            <a:ext cx="413030" cy="3399"/>
           </a:xfrm>
           <a:prstGeom prst="straightConnector1">
             <a:avLst/>
@@ -3925,10 +4805,10 @@
       </p:cxnSp>
       <p:sp>
         <p:nvSpPr>
-          <p:cNvPr id="46" name="모서리가 둥근 직사각형 13">
-            <a:extLst>
-              <a:ext uri="{FF2B5EF4-FFF2-40B4-BE49-F238E27FC236}">
-                <a16:creationId xmlns:a16="http://schemas.microsoft.com/office/drawing/2014/main" id="{B3D9272C-48E9-4B8E-B561-A4BC6E897488}"/>
+          <p:cNvPr id="115" name="사각형: 둥근 모서리 114">
+            <a:extLst>
+              <a:ext uri="{FF2B5EF4-FFF2-40B4-BE49-F238E27FC236}">
+                <a16:creationId xmlns:a16="http://schemas.microsoft.com/office/drawing/2014/main" id="{12F93DE6-68F2-43DB-86D3-1BC22195AF35}"/>
               </a:ext>
             </a:extLst>
           </p:cNvPr>
@@ -3937,14 +4817,19 @@
         </p:nvSpPr>
         <p:spPr>
           <a:xfrm>
-            <a:off x="6903124" y="1852346"/>
-            <a:ext cx="1773332" cy="359364"/>
+            <a:off x="1621039" y="3332674"/>
+            <a:ext cx="1797468" cy="272578"/>
           </a:xfrm>
           <a:prstGeom prst="roundRect">
             <a:avLst>
-              <a:gd name="adj" fmla="val 10708"/>
+              <a:gd name="adj" fmla="val 15087"/>
             </a:avLst>
           </a:prstGeom>
+          <a:ln>
+            <a:solidFill>
+              <a:schemeClr val="tx2"/>
+            </a:solidFill>
+          </a:ln>
         </p:spPr>
         <p:style>
           <a:lnRef idx="2">
@@ -3966,19 +4851,22 @@
           <a:p>
             <a:pPr algn="ctr"/>
             <a:r>
-              <a:rPr lang="en-US" altLang="ko-KR" sz="1200" b="1"/>
-              <a:t>KUBE-SVC-XXX</a:t>
-            </a:r>
-            <a:endParaRPr lang="ko-KR" altLang="en-US" sz="1200" b="1" dirty="0"/>
-          </a:p>
-        </p:txBody>
-      </p:sp>
-      <p:sp>
-        <p:nvSpPr>
-          <p:cNvPr id="47" name="모서리가 둥근 직사각형 13">
-            <a:extLst>
-              <a:ext uri="{FF2B5EF4-FFF2-40B4-BE49-F238E27FC236}">
-                <a16:creationId xmlns:a16="http://schemas.microsoft.com/office/drawing/2014/main" id="{87A916DD-6E20-456F-B1AF-641E4936B283}"/>
+              <a:rPr lang="en-US" altLang="ko-KR" sz="1200" b="1">
+                <a:solidFill>
+                  <a:schemeClr val="tx2"/>
+                </a:solidFill>
+              </a:rPr>
+              <a:t>KUBE-NODEPORTS</a:t>
+            </a:r>
+          </a:p>
+        </p:txBody>
+      </p:sp>
+      <p:sp>
+        <p:nvSpPr>
+          <p:cNvPr id="122" name="사각형: 둥근 모서리 121">
+            <a:extLst>
+              <a:ext uri="{FF2B5EF4-FFF2-40B4-BE49-F238E27FC236}">
+                <a16:creationId xmlns:a16="http://schemas.microsoft.com/office/drawing/2014/main" id="{BF417F56-FCA6-4236-AA2C-A95EB1B40546}"/>
               </a:ext>
             </a:extLst>
           </p:cNvPr>
@@ -3987,14 +4875,19 @@
         </p:nvSpPr>
         <p:spPr>
           <a:xfrm>
-            <a:off x="6903123" y="2428410"/>
-            <a:ext cx="1773332" cy="359364"/>
+            <a:off x="3831537" y="3332674"/>
+            <a:ext cx="1797468" cy="272578"/>
           </a:xfrm>
           <a:prstGeom prst="roundRect">
             <a:avLst>
-              <a:gd name="adj" fmla="val 10708"/>
+              <a:gd name="adj" fmla="val 15087"/>
             </a:avLst>
           </a:prstGeom>
+          <a:ln>
+            <a:solidFill>
+              <a:schemeClr val="tx2"/>
+            </a:solidFill>
+          </a:ln>
         </p:spPr>
         <p:style>
           <a:lnRef idx="2">
@@ -4016,33 +4909,103 @@
           <a:p>
             <a:pPr algn="ctr"/>
             <a:r>
-              <a:rPr lang="en-US" altLang="ko-KR" sz="1200" b="1"/>
+              <a:rPr lang="en-US" altLang="ko-KR" sz="1200" b="1">
+                <a:solidFill>
+                  <a:schemeClr val="tx2"/>
+                </a:solidFill>
+              </a:rPr>
+              <a:t>KUBE-SVC-XXX</a:t>
+            </a:r>
+            <a:endParaRPr lang="ko-KR" altLang="en-US" sz="1200" b="1">
+              <a:solidFill>
+                <a:schemeClr val="tx2"/>
+              </a:solidFill>
+            </a:endParaRPr>
+          </a:p>
+        </p:txBody>
+      </p:sp>
+      <p:sp>
+        <p:nvSpPr>
+          <p:cNvPr id="123" name="사각형: 둥근 모서리 122">
+            <a:extLst>
+              <a:ext uri="{FF2B5EF4-FFF2-40B4-BE49-F238E27FC236}">
+                <a16:creationId xmlns:a16="http://schemas.microsoft.com/office/drawing/2014/main" id="{7E1DB274-36F1-4BF7-A36D-C6F6A71BA0E9}"/>
+              </a:ext>
+            </a:extLst>
+          </p:cNvPr>
+          <p:cNvSpPr/>
+          <p:nvPr/>
+        </p:nvSpPr>
+        <p:spPr>
+          <a:xfrm>
+            <a:off x="5941517" y="3332674"/>
+            <a:ext cx="1797468" cy="272578"/>
+          </a:xfrm>
+          <a:prstGeom prst="roundRect">
+            <a:avLst>
+              <a:gd name="adj" fmla="val 15087"/>
+            </a:avLst>
+          </a:prstGeom>
+          <a:ln>
+            <a:solidFill>
+              <a:schemeClr val="tx2"/>
+            </a:solidFill>
+          </a:ln>
+        </p:spPr>
+        <p:style>
+          <a:lnRef idx="2">
+            <a:schemeClr val="dk1"/>
+          </a:lnRef>
+          <a:fillRef idx="1">
+            <a:schemeClr val="lt1"/>
+          </a:fillRef>
+          <a:effectRef idx="0">
+            <a:schemeClr val="dk1"/>
+          </a:effectRef>
+          <a:fontRef idx="minor">
+            <a:schemeClr val="dk1"/>
+          </a:fontRef>
+        </p:style>
+        <p:txBody>
+          <a:bodyPr rtlCol="0" anchor="ctr"/>
+          <a:lstStyle/>
+          <a:p>
+            <a:pPr algn="ctr"/>
+            <a:r>
+              <a:rPr lang="en-US" altLang="ko-KR" sz="1200" b="1">
+                <a:solidFill>
+                  <a:schemeClr val="tx2"/>
+                </a:solidFill>
+              </a:rPr>
               <a:t>KUBE-SEP-XXX</a:t>
             </a:r>
-            <a:endParaRPr lang="ko-KR" altLang="en-US" sz="1200" b="1" dirty="0"/>
+            <a:endParaRPr lang="ko-KR" altLang="en-US" sz="1200" b="1">
+              <a:solidFill>
+                <a:schemeClr val="tx2"/>
+              </a:solidFill>
+            </a:endParaRPr>
           </a:p>
         </p:txBody>
       </p:sp>
       <p:cxnSp>
         <p:nvCxnSpPr>
-          <p:cNvPr id="51" name="직선 화살표 연결선 50">
-            <a:extLst>
-              <a:ext uri="{FF2B5EF4-FFF2-40B4-BE49-F238E27FC236}">
-                <a16:creationId xmlns:a16="http://schemas.microsoft.com/office/drawing/2014/main" id="{B6535CB8-05FB-4086-B3FC-80FA7526F6F3}"/>
+          <p:cNvPr id="129" name="직선 화살표 연결선 128">
+            <a:extLst>
+              <a:ext uri="{FF2B5EF4-FFF2-40B4-BE49-F238E27FC236}">
+                <a16:creationId xmlns:a16="http://schemas.microsoft.com/office/drawing/2014/main" id="{396A7066-507F-46B2-B223-55D5623D3C29}"/>
               </a:ext>
             </a:extLst>
           </p:cNvPr>
           <p:cNvCxnSpPr>
             <a:cxnSpLocks/>
-            <a:stCxn id="31" idx="2"/>
-            <a:endCxn id="46" idx="0"/>
+            <a:stCxn id="101" idx="2"/>
           </p:cNvCxnSpPr>
           <p:nvPr/>
         </p:nvCxnSpPr>
         <p:spPr>
           <a:xfrm>
-            <a:off x="5650753" y="1567908"/>
-            <a:ext cx="2139037" cy="284438"/>
+            <a:off x="2519773" y="2996951"/>
+            <a:ext cx="2210498" cy="326273"/>
           </a:xfrm>
           <a:prstGeom prst="straightConnector1">
             <a:avLst/>
@@ -4069,26 +5032,290 @@
           </a:fontRef>
         </p:style>
       </p:cxnSp>
+      <p:sp>
+        <p:nvSpPr>
+          <p:cNvPr id="132" name="TextBox 131">
+            <a:extLst>
+              <a:ext uri="{FF2B5EF4-FFF2-40B4-BE49-F238E27FC236}">
+                <a16:creationId xmlns:a16="http://schemas.microsoft.com/office/drawing/2014/main" id="{A2D330F9-3AF6-4AFD-BDFA-5A9D10B03381}"/>
+              </a:ext>
+            </a:extLst>
+          </p:cNvPr>
+          <p:cNvSpPr txBox="1"/>
+          <p:nvPr/>
+        </p:nvSpPr>
+        <p:spPr>
+          <a:xfrm>
+            <a:off x="1665290" y="3023098"/>
+            <a:ext cx="892809" cy="276999"/>
+          </a:xfrm>
+          <a:prstGeom prst="rect">
+            <a:avLst/>
+          </a:prstGeom>
+          <a:noFill/>
+        </p:spPr>
+        <p:txBody>
+          <a:bodyPr wrap="none" rtlCol="0" anchor="ctr">
+            <a:spAutoFit/>
+          </a:bodyPr>
+          <a:lstStyle/>
+          <a:p>
+            <a:pPr algn="ctr"/>
+            <a:r>
+              <a:rPr lang="en-US" altLang="ko-KR" sz="1200" b="1">
+                <a:solidFill>
+                  <a:schemeClr val="accent3">
+                    <a:lumMod val="50000"/>
+                  </a:schemeClr>
+                </a:solidFill>
+              </a:rPr>
+              <a:t>NodePort</a:t>
+            </a:r>
+            <a:endParaRPr lang="ko-KR" altLang="en-US" sz="1200" b="1">
+              <a:solidFill>
+                <a:schemeClr val="accent3">
+                  <a:lumMod val="50000"/>
+                </a:schemeClr>
+              </a:solidFill>
+            </a:endParaRPr>
+          </a:p>
+        </p:txBody>
+      </p:sp>
+      <p:sp>
+        <p:nvSpPr>
+          <p:cNvPr id="133" name="TextBox 132">
+            <a:extLst>
+              <a:ext uri="{FF2B5EF4-FFF2-40B4-BE49-F238E27FC236}">
+                <a16:creationId xmlns:a16="http://schemas.microsoft.com/office/drawing/2014/main" id="{1CFFA1AE-04C5-4A0E-A023-159F12D252D0}"/>
+              </a:ext>
+            </a:extLst>
+          </p:cNvPr>
+          <p:cNvSpPr txBox="1"/>
+          <p:nvPr/>
+        </p:nvSpPr>
+        <p:spPr>
+          <a:xfrm>
+            <a:off x="2528324" y="3041892"/>
+            <a:ext cx="834780" cy="276999"/>
+          </a:xfrm>
+          <a:prstGeom prst="rect">
+            <a:avLst/>
+          </a:prstGeom>
+          <a:noFill/>
+        </p:spPr>
+        <p:txBody>
+          <a:bodyPr wrap="none" rtlCol="0" anchor="ctr">
+            <a:spAutoFit/>
+          </a:bodyPr>
+          <a:lstStyle/>
+          <a:p>
+            <a:pPr algn="ctr"/>
+            <a:r>
+              <a:rPr lang="en-US" altLang="ko-KR" sz="1200" b="1">
+                <a:solidFill>
+                  <a:srgbClr val="C00000"/>
+                </a:solidFill>
+              </a:rPr>
+              <a:t>ClusterIP</a:t>
+            </a:r>
+            <a:endParaRPr lang="ko-KR" altLang="en-US" sz="1200" b="1">
+              <a:solidFill>
+                <a:srgbClr val="C00000"/>
+              </a:solidFill>
+            </a:endParaRPr>
+          </a:p>
+        </p:txBody>
+      </p:sp>
+      <p:sp>
+        <p:nvSpPr>
+          <p:cNvPr id="136" name="사각형: 둥근 모서리 135">
+            <a:extLst>
+              <a:ext uri="{FF2B5EF4-FFF2-40B4-BE49-F238E27FC236}">
+                <a16:creationId xmlns:a16="http://schemas.microsoft.com/office/drawing/2014/main" id="{74DDEFAD-1385-4F91-B086-A4DEA62DF508}"/>
+              </a:ext>
+            </a:extLst>
+          </p:cNvPr>
+          <p:cNvSpPr/>
+          <p:nvPr/>
+        </p:nvSpPr>
+        <p:spPr>
+          <a:xfrm>
+            <a:off x="5941517" y="3889690"/>
+            <a:ext cx="1797468" cy="272578"/>
+          </a:xfrm>
+          <a:prstGeom prst="roundRect">
+            <a:avLst>
+              <a:gd name="adj" fmla="val 15087"/>
+            </a:avLst>
+          </a:prstGeom>
+        </p:spPr>
+        <p:style>
+          <a:lnRef idx="2">
+            <a:schemeClr val="dk1"/>
+          </a:lnRef>
+          <a:fillRef idx="1">
+            <a:schemeClr val="lt1"/>
+          </a:fillRef>
+          <a:effectRef idx="0">
+            <a:schemeClr val="dk1"/>
+          </a:effectRef>
+          <a:fontRef idx="minor">
+            <a:schemeClr val="dk1"/>
+          </a:fontRef>
+        </p:style>
+        <p:txBody>
+          <a:bodyPr rtlCol="0" anchor="ctr"/>
+          <a:lstStyle/>
+          <a:p>
+            <a:pPr algn="ctr"/>
+            <a:r>
+              <a:rPr lang="en-US" altLang="ko-KR" sz="1200"/>
+              <a:t>Routing Table</a:t>
+            </a:r>
+          </a:p>
+        </p:txBody>
+      </p:sp>
+      <p:sp>
+        <p:nvSpPr>
+          <p:cNvPr id="137" name="사각형: 둥근 모서리 136">
+            <a:extLst>
+              <a:ext uri="{FF2B5EF4-FFF2-40B4-BE49-F238E27FC236}">
+                <a16:creationId xmlns:a16="http://schemas.microsoft.com/office/drawing/2014/main" id="{5FC3FD37-7B51-4B12-8946-296868C0CF9C}"/>
+              </a:ext>
+            </a:extLst>
+          </p:cNvPr>
+          <p:cNvSpPr/>
+          <p:nvPr/>
+        </p:nvSpPr>
+        <p:spPr>
+          <a:xfrm>
+            <a:off x="3831537" y="3889690"/>
+            <a:ext cx="1797468" cy="272578"/>
+          </a:xfrm>
+          <a:prstGeom prst="roundRect">
+            <a:avLst>
+              <a:gd name="adj" fmla="val 15087"/>
+            </a:avLst>
+          </a:prstGeom>
+          <a:ln>
+            <a:solidFill>
+              <a:schemeClr val="tx2"/>
+            </a:solidFill>
+          </a:ln>
+        </p:spPr>
+        <p:style>
+          <a:lnRef idx="2">
+            <a:schemeClr val="dk1"/>
+          </a:lnRef>
+          <a:fillRef idx="1">
+            <a:schemeClr val="lt1"/>
+          </a:fillRef>
+          <a:effectRef idx="0">
+            <a:schemeClr val="dk1"/>
+          </a:effectRef>
+          <a:fontRef idx="minor">
+            <a:schemeClr val="dk1"/>
+          </a:fontRef>
+        </p:style>
+        <p:txBody>
+          <a:bodyPr rtlCol="0" anchor="ctr"/>
+          <a:lstStyle/>
+          <a:p>
+            <a:pPr algn="ctr"/>
+            <a:r>
+              <a:rPr lang="en-US" altLang="ko-KR" sz="1200">
+                <a:solidFill>
+                  <a:schemeClr val="tx2"/>
+                </a:solidFill>
+              </a:rPr>
+              <a:t>POSTROUTING</a:t>
+            </a:r>
+          </a:p>
+        </p:txBody>
+      </p:sp>
+      <p:sp>
+        <p:nvSpPr>
+          <p:cNvPr id="139" name="사각형: 둥근 모서리 138">
+            <a:extLst>
+              <a:ext uri="{FF2B5EF4-FFF2-40B4-BE49-F238E27FC236}">
+                <a16:creationId xmlns:a16="http://schemas.microsoft.com/office/drawing/2014/main" id="{403382D5-E019-48A3-88E9-F2141C3EA614}"/>
+              </a:ext>
+            </a:extLst>
+          </p:cNvPr>
+          <p:cNvSpPr/>
+          <p:nvPr/>
+        </p:nvSpPr>
+        <p:spPr>
+          <a:xfrm>
+            <a:off x="1621039" y="3894705"/>
+            <a:ext cx="1797468" cy="272578"/>
+          </a:xfrm>
+          <a:prstGeom prst="roundRect">
+            <a:avLst>
+              <a:gd name="adj" fmla="val 15087"/>
+            </a:avLst>
+          </a:prstGeom>
+          <a:ln>
+            <a:solidFill>
+              <a:schemeClr val="tx2"/>
+            </a:solidFill>
+          </a:ln>
+        </p:spPr>
+        <p:style>
+          <a:lnRef idx="2">
+            <a:schemeClr val="dk1"/>
+          </a:lnRef>
+          <a:fillRef idx="1">
+            <a:schemeClr val="lt1"/>
+          </a:fillRef>
+          <a:effectRef idx="0">
+            <a:schemeClr val="dk1"/>
+          </a:effectRef>
+          <a:fontRef idx="minor">
+            <a:schemeClr val="dk1"/>
+          </a:fontRef>
+        </p:style>
+        <p:txBody>
+          <a:bodyPr rtlCol="0" anchor="ctr"/>
+          <a:lstStyle/>
+          <a:p>
+            <a:pPr algn="ctr"/>
+            <a:r>
+              <a:rPr lang="en-US" altLang="ko-KR" sz="1200" b="1">
+                <a:solidFill>
+                  <a:schemeClr val="tx2"/>
+                </a:solidFill>
+              </a:rPr>
+              <a:t>KUBE-POSTROUTING</a:t>
+            </a:r>
+            <a:endParaRPr lang="ko-KR" altLang="en-US" sz="1200" b="1">
+              <a:solidFill>
+                <a:schemeClr val="tx2"/>
+              </a:solidFill>
+            </a:endParaRPr>
+          </a:p>
+        </p:txBody>
+      </p:sp>
       <p:cxnSp>
         <p:nvCxnSpPr>
-          <p:cNvPr id="54" name="직선 화살표 연결선 53">
-            <a:extLst>
-              <a:ext uri="{FF2B5EF4-FFF2-40B4-BE49-F238E27FC236}">
-                <a16:creationId xmlns:a16="http://schemas.microsoft.com/office/drawing/2014/main" id="{88C6E1FE-0FE1-4F4C-AD24-A9D8C34F4D4E}"/>
+          <p:cNvPr id="147" name="직선 화살표 연결선 146">
+            <a:extLst>
+              <a:ext uri="{FF2B5EF4-FFF2-40B4-BE49-F238E27FC236}">
+                <a16:creationId xmlns:a16="http://schemas.microsoft.com/office/drawing/2014/main" id="{47D62B09-1512-4972-B891-103189DF5D2F}"/>
               </a:ext>
             </a:extLst>
           </p:cNvPr>
           <p:cNvCxnSpPr>
             <a:cxnSpLocks/>
-            <a:stCxn id="46" idx="2"/>
-            <a:endCxn id="47" idx="0"/>
+            <a:stCxn id="122" idx="3"/>
+            <a:endCxn id="123" idx="1"/>
           </p:cNvCxnSpPr>
           <p:nvPr/>
         </p:nvCxnSpPr>
         <p:spPr>
-          <a:xfrm flipH="1">
-            <a:off x="7789789" y="2211710"/>
-            <a:ext cx="1" cy="216700"/>
+          <a:xfrm>
+            <a:off x="5629005" y="3468963"/>
+            <a:ext cx="312512" cy="0"/>
           </a:xfrm>
           <a:prstGeom prst="straightConnector1">
             <a:avLst/>
@@ -4117,119 +5344,23 @@
       </p:cxnSp>
       <p:cxnSp>
         <p:nvCxnSpPr>
-          <p:cNvPr id="58" name="직선 화살표 연결선 57">
-            <a:extLst>
-              <a:ext uri="{FF2B5EF4-FFF2-40B4-BE49-F238E27FC236}">
-                <a16:creationId xmlns:a16="http://schemas.microsoft.com/office/drawing/2014/main" id="{3C58885C-9790-4194-8082-3C3B1E972022}"/>
+          <p:cNvPr id="150" name="직선 화살표 연결선 149">
+            <a:extLst>
+              <a:ext uri="{FF2B5EF4-FFF2-40B4-BE49-F238E27FC236}">
+                <a16:creationId xmlns:a16="http://schemas.microsoft.com/office/drawing/2014/main" id="{91A9C61F-89F1-4619-A987-150D8E172D94}"/>
               </a:ext>
             </a:extLst>
           </p:cNvPr>
           <p:cNvCxnSpPr>
             <a:cxnSpLocks/>
-            <a:stCxn id="31" idx="3"/>
-            <a:endCxn id="64" idx="1"/>
+            <a:stCxn id="123" idx="2"/>
+            <a:endCxn id="136" idx="0"/>
           </p:cNvCxnSpPr>
           <p:nvPr/>
         </p:nvCxnSpPr>
         <p:spPr>
           <a:xfrm>
-            <a:off x="6537419" y="1388226"/>
-            <a:ext cx="365705" cy="0"/>
-          </a:xfrm>
-          <a:prstGeom prst="straightConnector1">
-            <a:avLst/>
-          </a:prstGeom>
-          <a:ln w="19050">
-            <a:solidFill>
-              <a:schemeClr val="tx2"/>
-            </a:solidFill>
-            <a:tailEnd type="arrow"/>
-          </a:ln>
-        </p:spPr>
-        <p:style>
-          <a:lnRef idx="1">
-            <a:schemeClr val="accent1"/>
-          </a:lnRef>
-          <a:fillRef idx="0">
-            <a:schemeClr val="accent1"/>
-          </a:fillRef>
-          <a:effectRef idx="0">
-            <a:schemeClr val="accent1"/>
-          </a:effectRef>
-          <a:fontRef idx="minor">
-            <a:schemeClr val="tx1"/>
-          </a:fontRef>
-        </p:style>
-      </p:cxnSp>
-      <p:sp>
-        <p:nvSpPr>
-          <p:cNvPr id="64" name="모서리가 둥근 직사각형 13">
-            <a:extLst>
-              <a:ext uri="{FF2B5EF4-FFF2-40B4-BE49-F238E27FC236}">
-                <a16:creationId xmlns:a16="http://schemas.microsoft.com/office/drawing/2014/main" id="{BC0E41CF-92CD-40C3-A960-0563728BF681}"/>
-              </a:ext>
-            </a:extLst>
-          </p:cNvPr>
-          <p:cNvSpPr/>
-          <p:nvPr/>
-        </p:nvSpPr>
-        <p:spPr>
-          <a:xfrm>
-            <a:off x="6903124" y="1208544"/>
-            <a:ext cx="1773332" cy="359364"/>
-          </a:xfrm>
-          <a:prstGeom prst="roundRect">
-            <a:avLst>
-              <a:gd name="adj" fmla="val 10708"/>
-            </a:avLst>
-          </a:prstGeom>
-        </p:spPr>
-        <p:style>
-          <a:lnRef idx="2">
-            <a:schemeClr val="dk1"/>
-          </a:lnRef>
-          <a:fillRef idx="1">
-            <a:schemeClr val="lt1"/>
-          </a:fillRef>
-          <a:effectRef idx="0">
-            <a:schemeClr val="dk1"/>
-          </a:effectRef>
-          <a:fontRef idx="minor">
-            <a:schemeClr val="dk1"/>
-          </a:fontRef>
-        </p:style>
-        <p:txBody>
-          <a:bodyPr rtlCol="0" anchor="ctr"/>
-          <a:lstStyle/>
-          <a:p>
-            <a:pPr algn="ctr"/>
-            <a:r>
-              <a:rPr lang="en-US" altLang="ko-KR" sz="1200" b="1"/>
-              <a:t>KUBE-NODEPORTS</a:t>
-            </a:r>
-            <a:endParaRPr lang="ko-KR" altLang="en-US" sz="1200" b="1" dirty="0"/>
-          </a:p>
-        </p:txBody>
-      </p:sp>
-      <p:cxnSp>
-        <p:nvCxnSpPr>
-          <p:cNvPr id="92" name="직선 화살표 연결선 91">
-            <a:extLst>
-              <a:ext uri="{FF2B5EF4-FFF2-40B4-BE49-F238E27FC236}">
-                <a16:creationId xmlns:a16="http://schemas.microsoft.com/office/drawing/2014/main" id="{941242DB-F280-4E47-B425-0C1D8871E411}"/>
-              </a:ext>
-            </a:extLst>
-          </p:cNvPr>
-          <p:cNvCxnSpPr>
-            <a:cxnSpLocks/>
-            <a:stCxn id="64" idx="2"/>
-            <a:endCxn id="46" idx="0"/>
-          </p:cNvCxnSpPr>
-          <p:nvPr/>
-        </p:nvCxnSpPr>
-        <p:spPr>
-          <a:xfrm>
-            <a:off x="7789790" y="1567908"/>
+            <a:off x="6840251" y="3605252"/>
             <a:ext cx="0" cy="284438"/>
           </a:xfrm>
           <a:prstGeom prst="straightConnector1">
@@ -4257,131 +5388,26 @@
           </a:fontRef>
         </p:style>
       </p:cxnSp>
-      <p:sp>
-        <p:nvSpPr>
-          <p:cNvPr id="97" name="모서리가 둥근 직사각형 13">
-            <a:extLst>
-              <a:ext uri="{FF2B5EF4-FFF2-40B4-BE49-F238E27FC236}">
-                <a16:creationId xmlns:a16="http://schemas.microsoft.com/office/drawing/2014/main" id="{0BEE2C61-86CD-4C27-863C-AC54D67BAEAF}"/>
-              </a:ext>
-            </a:extLst>
-          </p:cNvPr>
-          <p:cNvSpPr/>
-          <p:nvPr/>
-        </p:nvSpPr>
-        <p:spPr>
-          <a:xfrm>
-            <a:off x="4797109" y="2428410"/>
-            <a:ext cx="1773332" cy="359364"/>
-          </a:xfrm>
-          <a:prstGeom prst="roundRect">
-            <a:avLst>
-              <a:gd name="adj" fmla="val 10708"/>
-            </a:avLst>
-          </a:prstGeom>
-        </p:spPr>
-        <p:style>
-          <a:lnRef idx="2">
-            <a:schemeClr val="dk1"/>
-          </a:lnRef>
-          <a:fillRef idx="1">
-            <a:schemeClr val="lt1"/>
-          </a:fillRef>
-          <a:effectRef idx="0">
-            <a:schemeClr val="dk1"/>
-          </a:effectRef>
-          <a:fontRef idx="minor">
-            <a:schemeClr val="dk1"/>
-          </a:fontRef>
-        </p:style>
-        <p:txBody>
-          <a:bodyPr rtlCol="0" anchor="ctr"/>
-          <a:lstStyle/>
-          <a:p>
-            <a:pPr algn="ctr"/>
-            <a:r>
-              <a:rPr lang="en-US" altLang="ko-KR" sz="1200"/>
-              <a:t>POSTROUTING</a:t>
-            </a:r>
-            <a:endParaRPr lang="ko-KR" altLang="en-US" sz="1200" dirty="0"/>
-          </a:p>
-        </p:txBody>
-      </p:sp>
-      <p:sp>
-        <p:nvSpPr>
-          <p:cNvPr id="99" name="모서리가 둥근 직사각형 13">
-            <a:extLst>
-              <a:ext uri="{FF2B5EF4-FFF2-40B4-BE49-F238E27FC236}">
-                <a16:creationId xmlns:a16="http://schemas.microsoft.com/office/drawing/2014/main" id="{A82E0532-5DAB-4648-8C36-BEC0281722F2}"/>
-              </a:ext>
-            </a:extLst>
-          </p:cNvPr>
-          <p:cNvSpPr/>
-          <p:nvPr/>
-        </p:nvSpPr>
-        <p:spPr>
-          <a:xfrm>
-            <a:off x="588056" y="2427557"/>
-            <a:ext cx="1773332" cy="359364"/>
-          </a:xfrm>
-          <a:prstGeom prst="roundRect">
-            <a:avLst>
-              <a:gd name="adj" fmla="val 10708"/>
-            </a:avLst>
-          </a:prstGeom>
-          <a:ln>
-            <a:solidFill>
-              <a:schemeClr val="tx2"/>
-            </a:solidFill>
-          </a:ln>
-        </p:spPr>
-        <p:style>
-          <a:lnRef idx="2">
-            <a:schemeClr val="dk1"/>
-          </a:lnRef>
-          <a:fillRef idx="1">
-            <a:schemeClr val="lt1"/>
-          </a:fillRef>
-          <a:effectRef idx="0">
-            <a:schemeClr val="dk1"/>
-          </a:effectRef>
-          <a:fontRef idx="minor">
-            <a:schemeClr val="dk1"/>
-          </a:fontRef>
-        </p:style>
-        <p:txBody>
-          <a:bodyPr rtlCol="0" anchor="ctr"/>
-          <a:lstStyle/>
-          <a:p>
-            <a:pPr algn="ctr"/>
-            <a:r>
-              <a:rPr lang="en-US" altLang="ko-KR" sz="1200"/>
-              <a:t>Network Interface</a:t>
-            </a:r>
-            <a:endParaRPr lang="ko-KR" altLang="en-US" sz="1200" dirty="0"/>
-          </a:p>
-        </p:txBody>
-      </p:sp>
       <p:cxnSp>
         <p:nvCxnSpPr>
-          <p:cNvPr id="100" name="직선 화살표 연결선 99">
-            <a:extLst>
-              <a:ext uri="{FF2B5EF4-FFF2-40B4-BE49-F238E27FC236}">
-                <a16:creationId xmlns:a16="http://schemas.microsoft.com/office/drawing/2014/main" id="{F4283734-A593-4BD8-9BD8-CA85E69CC1AD}"/>
+          <p:cNvPr id="153" name="직선 화살표 연결선 152">
+            <a:extLst>
+              <a:ext uri="{FF2B5EF4-FFF2-40B4-BE49-F238E27FC236}">
+                <a16:creationId xmlns:a16="http://schemas.microsoft.com/office/drawing/2014/main" id="{3827115B-7BC9-429B-821A-6FACCA9F96E2}"/>
               </a:ext>
             </a:extLst>
           </p:cNvPr>
           <p:cNvCxnSpPr>
             <a:cxnSpLocks/>
-            <a:stCxn id="97" idx="1"/>
-            <a:endCxn id="121" idx="3"/>
+            <a:stCxn id="136" idx="1"/>
+            <a:endCxn id="137" idx="3"/>
           </p:cNvCxnSpPr>
           <p:nvPr/>
         </p:nvCxnSpPr>
         <p:spPr>
           <a:xfrm flipH="1">
-            <a:off x="4460134" y="2608092"/>
-            <a:ext cx="336975" cy="0"/>
+            <a:off x="5629005" y="4025979"/>
+            <a:ext cx="312512" cy="0"/>
           </a:xfrm>
           <a:prstGeom prst="straightConnector1">
             <a:avLst/>
@@ -4410,24 +5436,24 @@
       </p:cxnSp>
       <p:cxnSp>
         <p:nvCxnSpPr>
-          <p:cNvPr id="109" name="직선 화살표 연결선 108">
-            <a:extLst>
-              <a:ext uri="{FF2B5EF4-FFF2-40B4-BE49-F238E27FC236}">
-                <a16:creationId xmlns:a16="http://schemas.microsoft.com/office/drawing/2014/main" id="{B472FACD-4C40-4D63-B23A-06A110DDF600}"/>
+          <p:cNvPr id="156" name="직선 화살표 연결선 155">
+            <a:extLst>
+              <a:ext uri="{FF2B5EF4-FFF2-40B4-BE49-F238E27FC236}">
+                <a16:creationId xmlns:a16="http://schemas.microsoft.com/office/drawing/2014/main" id="{6F9091FD-9378-4CC7-8C25-0CA1B8065A8B}"/>
               </a:ext>
             </a:extLst>
           </p:cNvPr>
           <p:cNvCxnSpPr>
             <a:cxnSpLocks/>
-            <a:stCxn id="47" idx="1"/>
-            <a:endCxn id="97" idx="3"/>
+            <a:stCxn id="137" idx="1"/>
+            <a:endCxn id="139" idx="3"/>
           </p:cNvCxnSpPr>
           <p:nvPr/>
         </p:nvCxnSpPr>
         <p:spPr>
           <a:xfrm flipH="1">
-            <a:off x="6570441" y="2608092"/>
-            <a:ext cx="332682" cy="0"/>
+            <a:off x="3418507" y="4025979"/>
+            <a:ext cx="413030" cy="5015"/>
           </a:xfrm>
           <a:prstGeom prst="straightConnector1">
             <a:avLst/>
@@ -4454,166 +5480,25 @@
           </a:fontRef>
         </p:style>
       </p:cxnSp>
-      <p:sp>
-        <p:nvSpPr>
-          <p:cNvPr id="103" name="TextBox 102">
-            <a:extLst>
-              <a:ext uri="{FF2B5EF4-FFF2-40B4-BE49-F238E27FC236}">
-                <a16:creationId xmlns:a16="http://schemas.microsoft.com/office/drawing/2014/main" id="{69273CD4-8F62-457D-BA74-D9FD30B9EDAD}"/>
-              </a:ext>
-            </a:extLst>
-          </p:cNvPr>
-          <p:cNvSpPr txBox="1"/>
-          <p:nvPr/>
-        </p:nvSpPr>
-        <p:spPr>
-          <a:xfrm>
-            <a:off x="5878082" y="1645402"/>
-            <a:ext cx="834780" cy="276999"/>
-          </a:xfrm>
-          <a:prstGeom prst="rect">
-            <a:avLst/>
-          </a:prstGeom>
-          <a:noFill/>
-        </p:spPr>
-        <p:txBody>
-          <a:bodyPr wrap="none" rtlCol="0" anchor="ctr">
-            <a:spAutoFit/>
-          </a:bodyPr>
-          <a:lstStyle/>
-          <a:p>
-            <a:pPr algn="ctr"/>
-            <a:r>
-              <a:rPr lang="en-US" altLang="ko-KR" sz="1200" b="1">
-                <a:solidFill>
-                  <a:srgbClr val="C00000"/>
-                </a:solidFill>
-              </a:rPr>
-              <a:t>ClusterIP</a:t>
-            </a:r>
-            <a:endParaRPr lang="ko-KR" altLang="en-US" sz="1200" b="1">
-              <a:solidFill>
-                <a:srgbClr val="C00000"/>
-              </a:solidFill>
-            </a:endParaRPr>
-          </a:p>
-        </p:txBody>
-      </p:sp>
-      <p:sp>
-        <p:nvSpPr>
-          <p:cNvPr id="114" name="TextBox 113">
-            <a:extLst>
-              <a:ext uri="{FF2B5EF4-FFF2-40B4-BE49-F238E27FC236}">
-                <a16:creationId xmlns:a16="http://schemas.microsoft.com/office/drawing/2014/main" id="{FB301279-78F2-411F-BEFF-FC0AA5AECEF2}"/>
-              </a:ext>
-            </a:extLst>
-          </p:cNvPr>
-          <p:cNvSpPr txBox="1"/>
-          <p:nvPr/>
-        </p:nvSpPr>
-        <p:spPr>
-          <a:xfrm>
-            <a:off x="6273867" y="936416"/>
-            <a:ext cx="892809" cy="276999"/>
-          </a:xfrm>
-          <a:prstGeom prst="rect">
-            <a:avLst/>
-          </a:prstGeom>
-          <a:noFill/>
-        </p:spPr>
-        <p:txBody>
-          <a:bodyPr wrap="none" rtlCol="0" anchor="ctr">
-            <a:spAutoFit/>
-          </a:bodyPr>
-          <a:lstStyle/>
-          <a:p>
-            <a:pPr algn="ctr"/>
-            <a:r>
-              <a:rPr lang="en-US" altLang="ko-KR" sz="1200" b="1">
-                <a:solidFill>
-                  <a:schemeClr val="tx2"/>
-                </a:solidFill>
-              </a:rPr>
-              <a:t>NodePort</a:t>
-            </a:r>
-            <a:endParaRPr lang="ko-KR" altLang="en-US" sz="1200" b="1">
-              <a:solidFill>
-                <a:schemeClr val="tx2"/>
-              </a:solidFill>
-            </a:endParaRPr>
-          </a:p>
-        </p:txBody>
-      </p:sp>
-      <p:sp>
-        <p:nvSpPr>
-          <p:cNvPr id="121" name="모서리가 둥근 직사각형 13">
-            <a:extLst>
-              <a:ext uri="{FF2B5EF4-FFF2-40B4-BE49-F238E27FC236}">
-                <a16:creationId xmlns:a16="http://schemas.microsoft.com/office/drawing/2014/main" id="{11441F74-EFB3-4BA6-8C5E-50C3BAD640B4}"/>
-              </a:ext>
-            </a:extLst>
-          </p:cNvPr>
-          <p:cNvSpPr/>
-          <p:nvPr/>
-        </p:nvSpPr>
-        <p:spPr>
-          <a:xfrm>
-            <a:off x="2686802" y="2428410"/>
-            <a:ext cx="1773332" cy="359364"/>
-          </a:xfrm>
-          <a:prstGeom prst="roundRect">
-            <a:avLst>
-              <a:gd name="adj" fmla="val 10708"/>
-            </a:avLst>
-          </a:prstGeom>
-        </p:spPr>
-        <p:style>
-          <a:lnRef idx="2">
-            <a:schemeClr val="dk1"/>
-          </a:lnRef>
-          <a:fillRef idx="1">
-            <a:schemeClr val="lt1"/>
-          </a:fillRef>
-          <a:effectRef idx="0">
-            <a:schemeClr val="dk1"/>
-          </a:effectRef>
-          <a:fontRef idx="minor">
-            <a:schemeClr val="dk1"/>
-          </a:fontRef>
-        </p:style>
-        <p:txBody>
-          <a:bodyPr rtlCol="0" anchor="ctr"/>
-          <a:lstStyle/>
-          <a:p>
-            <a:pPr algn="ctr"/>
-            <a:r>
-              <a:rPr lang="en-US" altLang="ko-KR" sz="1200" b="1"/>
-              <a:t>KUBE-POSTROUTING</a:t>
-            </a:r>
-            <a:endParaRPr lang="ko-KR" altLang="en-US" sz="1200" b="1" dirty="0"/>
-          </a:p>
-        </p:txBody>
-      </p:sp>
       <p:cxnSp>
         <p:nvCxnSpPr>
-          <p:cNvPr id="131" name="직선 화살표 연결선 130">
-            <a:extLst>
-              <a:ext uri="{FF2B5EF4-FFF2-40B4-BE49-F238E27FC236}">
-                <a16:creationId xmlns:a16="http://schemas.microsoft.com/office/drawing/2014/main" id="{9675CE7E-9F04-4772-9598-66E2DB7137B2}"/>
+          <p:cNvPr id="168" name="직선 화살표 연결선 167">
+            <a:extLst>
+              <a:ext uri="{FF2B5EF4-FFF2-40B4-BE49-F238E27FC236}">
+                <a16:creationId xmlns:a16="http://schemas.microsoft.com/office/drawing/2014/main" id="{2DD2B046-741C-4D26-B16D-7E5CE936AAC1}"/>
               </a:ext>
             </a:extLst>
           </p:cNvPr>
           <p:cNvCxnSpPr>
             <a:cxnSpLocks/>
-            <a:stCxn id="121" idx="1"/>
-            <a:endCxn id="99" idx="3"/>
+            <a:endCxn id="85" idx="0"/>
           </p:cNvCxnSpPr>
           <p:nvPr/>
         </p:nvCxnSpPr>
         <p:spPr>
-          <a:xfrm flipH="1" flipV="1">
-            <a:off x="2361388" y="2607239"/>
-            <a:ext cx="325414" cy="853"/>
+          <a:xfrm>
+            <a:off x="4730271" y="4305300"/>
+            <a:ext cx="0" cy="131811"/>
           </a:xfrm>
           <a:prstGeom prst="straightConnector1">
             <a:avLst/>
@@ -4640,10 +5525,309 @@
           </a:fontRef>
         </p:style>
       </p:cxnSp>
+      <p:cxnSp>
+        <p:nvCxnSpPr>
+          <p:cNvPr id="177" name="직선 화살표 연결선 176">
+            <a:extLst>
+              <a:ext uri="{FF2B5EF4-FFF2-40B4-BE49-F238E27FC236}">
+                <a16:creationId xmlns:a16="http://schemas.microsoft.com/office/drawing/2014/main" id="{407F9160-C7B7-45A6-B1D2-B1E3B314C6E8}"/>
+              </a:ext>
+            </a:extLst>
+          </p:cNvPr>
+          <p:cNvCxnSpPr>
+            <a:cxnSpLocks/>
+            <a:stCxn id="101" idx="2"/>
+            <a:endCxn id="115" idx="0"/>
+          </p:cNvCxnSpPr>
+          <p:nvPr/>
+        </p:nvCxnSpPr>
+        <p:spPr>
+          <a:xfrm>
+            <a:off x="2519773" y="2996951"/>
+            <a:ext cx="0" cy="335723"/>
+          </a:xfrm>
+          <a:prstGeom prst="straightConnector1">
+            <a:avLst/>
+          </a:prstGeom>
+          <a:ln w="19050">
+            <a:solidFill>
+              <a:schemeClr val="accent3">
+                <a:lumMod val="50000"/>
+              </a:schemeClr>
+            </a:solidFill>
+            <a:tailEnd type="arrow"/>
+          </a:ln>
+        </p:spPr>
+        <p:style>
+          <a:lnRef idx="1">
+            <a:schemeClr val="accent1"/>
+          </a:lnRef>
+          <a:fillRef idx="0">
+            <a:schemeClr val="accent1"/>
+          </a:fillRef>
+          <a:effectRef idx="0">
+            <a:schemeClr val="accent1"/>
+          </a:effectRef>
+          <a:fontRef idx="minor">
+            <a:schemeClr val="tx1"/>
+          </a:fontRef>
+        </p:style>
+      </p:cxnSp>
+      <p:cxnSp>
+        <p:nvCxnSpPr>
+          <p:cNvPr id="180" name="직선 화살표 연결선 179">
+            <a:extLst>
+              <a:ext uri="{FF2B5EF4-FFF2-40B4-BE49-F238E27FC236}">
+                <a16:creationId xmlns:a16="http://schemas.microsoft.com/office/drawing/2014/main" id="{7CE8C36E-28B0-4156-81B5-D16C5C4FB208}"/>
+              </a:ext>
+            </a:extLst>
+          </p:cNvPr>
+          <p:cNvCxnSpPr>
+            <a:cxnSpLocks/>
+            <a:stCxn id="115" idx="3"/>
+            <a:endCxn id="122" idx="1"/>
+          </p:cNvCxnSpPr>
+          <p:nvPr/>
+        </p:nvCxnSpPr>
+        <p:spPr>
+          <a:xfrm>
+            <a:off x="3418507" y="3468963"/>
+            <a:ext cx="413030" cy="0"/>
+          </a:xfrm>
+          <a:prstGeom prst="straightConnector1">
+            <a:avLst/>
+          </a:prstGeom>
+          <a:ln w="19050">
+            <a:solidFill>
+              <a:schemeClr val="accent3">
+                <a:lumMod val="50000"/>
+              </a:schemeClr>
+            </a:solidFill>
+            <a:tailEnd type="arrow"/>
+          </a:ln>
+        </p:spPr>
+        <p:style>
+          <a:lnRef idx="1">
+            <a:schemeClr val="accent1"/>
+          </a:lnRef>
+          <a:fillRef idx="0">
+            <a:schemeClr val="accent1"/>
+          </a:fillRef>
+          <a:effectRef idx="0">
+            <a:schemeClr val="accent1"/>
+          </a:effectRef>
+          <a:fontRef idx="minor">
+            <a:schemeClr val="tx1"/>
+          </a:fontRef>
+        </p:style>
+      </p:cxnSp>
+      <p:sp>
+        <p:nvSpPr>
+          <p:cNvPr id="185" name="사각형: 둥근 모서리 184">
+            <a:extLst>
+              <a:ext uri="{FF2B5EF4-FFF2-40B4-BE49-F238E27FC236}">
+                <a16:creationId xmlns:a16="http://schemas.microsoft.com/office/drawing/2014/main" id="{649D29CC-3602-44ED-B93E-929A63D28CFF}"/>
+              </a:ext>
+            </a:extLst>
+          </p:cNvPr>
+          <p:cNvSpPr/>
+          <p:nvPr/>
+        </p:nvSpPr>
+        <p:spPr>
+          <a:xfrm>
+            <a:off x="1359495" y="4808794"/>
+            <a:ext cx="576064" cy="157134"/>
+          </a:xfrm>
+          <a:prstGeom prst="roundRect">
+            <a:avLst>
+              <a:gd name="adj" fmla="val 15087"/>
+            </a:avLst>
+          </a:prstGeom>
+          <a:ln>
+            <a:solidFill>
+              <a:schemeClr val="tx2"/>
+            </a:solidFill>
+          </a:ln>
+        </p:spPr>
+        <p:style>
+          <a:lnRef idx="2">
+            <a:schemeClr val="dk1"/>
+          </a:lnRef>
+          <a:fillRef idx="1">
+            <a:schemeClr val="lt1"/>
+          </a:fillRef>
+          <a:effectRef idx="0">
+            <a:schemeClr val="dk1"/>
+          </a:effectRef>
+          <a:fontRef idx="minor">
+            <a:schemeClr val="dk1"/>
+          </a:fontRef>
+        </p:style>
+        <p:txBody>
+          <a:bodyPr rtlCol="0" anchor="ctr"/>
+          <a:lstStyle/>
+          <a:p>
+            <a:pPr algn="ctr"/>
+            <a:endParaRPr lang="en-US" altLang="ko-KR" sz="1200">
+              <a:solidFill>
+                <a:schemeClr val="tx2"/>
+              </a:solidFill>
+            </a:endParaRPr>
+          </a:p>
+        </p:txBody>
+      </p:sp>
+      <p:sp>
+        <p:nvSpPr>
+          <p:cNvPr id="186" name="TextBox 185">
+            <a:extLst>
+              <a:ext uri="{FF2B5EF4-FFF2-40B4-BE49-F238E27FC236}">
+                <a16:creationId xmlns:a16="http://schemas.microsoft.com/office/drawing/2014/main" id="{DCF370FF-123C-4565-BF35-4E7AB2F877C3}"/>
+              </a:ext>
+            </a:extLst>
+          </p:cNvPr>
+          <p:cNvSpPr txBox="1"/>
+          <p:nvPr/>
+        </p:nvSpPr>
+        <p:spPr>
+          <a:xfrm>
+            <a:off x="1935559" y="4731990"/>
+            <a:ext cx="1700337" cy="307777"/>
+          </a:xfrm>
+          <a:prstGeom prst="rect">
+            <a:avLst/>
+          </a:prstGeom>
+          <a:noFill/>
+        </p:spPr>
+        <p:txBody>
+          <a:bodyPr wrap="none" rtlCol="0">
+            <a:spAutoFit/>
+          </a:bodyPr>
+          <a:lstStyle/>
+          <a:p>
+            <a:r>
+              <a:rPr lang="en-US" altLang="ko-KR" sz="1400"/>
+              <a:t>iptables NAT Table</a:t>
+            </a:r>
+            <a:endParaRPr lang="ko-KR" altLang="en-US" sz="1400"/>
+          </a:p>
+        </p:txBody>
+      </p:sp>
+      <p:sp>
+        <p:nvSpPr>
+          <p:cNvPr id="187" name="자유형: 도형 186">
+            <a:extLst>
+              <a:ext uri="{FF2B5EF4-FFF2-40B4-BE49-F238E27FC236}">
+                <a16:creationId xmlns:a16="http://schemas.microsoft.com/office/drawing/2014/main" id="{8FFE265B-F7F9-4E62-9C9F-F71A08BA210B}"/>
+              </a:ext>
+            </a:extLst>
+          </p:cNvPr>
+          <p:cNvSpPr/>
+          <p:nvPr/>
+        </p:nvSpPr>
+        <p:spPr>
+          <a:xfrm>
+            <a:off x="2527300" y="1873250"/>
+            <a:ext cx="5448300" cy="2432050"/>
+          </a:xfrm>
+          <a:custGeom>
+            <a:avLst/>
+            <a:gdLst>
+              <a:gd name="connsiteX0" fmla="*/ 0 w 5448300"/>
+              <a:gd name="connsiteY0" fmla="*/ 2292350 h 2432050"/>
+              <a:gd name="connsiteX1" fmla="*/ 0 w 5448300"/>
+              <a:gd name="connsiteY1" fmla="*/ 2432050 h 2432050"/>
+              <a:gd name="connsiteX2" fmla="*/ 5448300 w 5448300"/>
+              <a:gd name="connsiteY2" fmla="*/ 2432050 h 2432050"/>
+              <a:gd name="connsiteX3" fmla="*/ 5448300 w 5448300"/>
+              <a:gd name="connsiteY3" fmla="*/ 171450 h 2432050"/>
+              <a:gd name="connsiteX4" fmla="*/ 4311650 w 5448300"/>
+              <a:gd name="connsiteY4" fmla="*/ 171450 h 2432050"/>
+              <a:gd name="connsiteX5" fmla="*/ 4311650 w 5448300"/>
+              <a:gd name="connsiteY5" fmla="*/ 0 h 2432050"/>
+            </a:gdLst>
+            <a:ahLst/>
+            <a:cxnLst>
+              <a:cxn ang="0">
+                <a:pos x="connsiteX0" y="connsiteY0"/>
+              </a:cxn>
+              <a:cxn ang="0">
+                <a:pos x="connsiteX1" y="connsiteY1"/>
+              </a:cxn>
+              <a:cxn ang="0">
+                <a:pos x="connsiteX2" y="connsiteY2"/>
+              </a:cxn>
+              <a:cxn ang="0">
+                <a:pos x="connsiteX3" y="connsiteY3"/>
+              </a:cxn>
+              <a:cxn ang="0">
+                <a:pos x="connsiteX4" y="connsiteY4"/>
+              </a:cxn>
+              <a:cxn ang="0">
+                <a:pos x="connsiteX5" y="connsiteY5"/>
+              </a:cxn>
+            </a:cxnLst>
+            <a:rect l="l" t="t" r="r" b="b"/>
+            <a:pathLst>
+              <a:path w="5448300" h="2432050">
+                <a:moveTo>
+                  <a:pt x="0" y="2292350"/>
+                </a:moveTo>
+                <a:lnTo>
+                  <a:pt x="0" y="2432050"/>
+                </a:lnTo>
+                <a:lnTo>
+                  <a:pt x="5448300" y="2432050"/>
+                </a:lnTo>
+                <a:lnTo>
+                  <a:pt x="5448300" y="171450"/>
+                </a:lnTo>
+                <a:lnTo>
+                  <a:pt x="4311650" y="171450"/>
+                </a:lnTo>
+                <a:lnTo>
+                  <a:pt x="4311650" y="0"/>
+                </a:lnTo>
+              </a:path>
+            </a:pathLst>
+          </a:custGeom>
+          <a:noFill/>
+          <a:ln>
+            <a:solidFill>
+              <a:schemeClr val="tx1"/>
+            </a:solidFill>
+            <a:headEnd type="none" w="med" len="med"/>
+            <a:tailEnd type="arrow" w="med" len="med"/>
+          </a:ln>
+        </p:spPr>
+        <p:style>
+          <a:lnRef idx="2">
+            <a:schemeClr val="accent1">
+              <a:shade val="50000"/>
+            </a:schemeClr>
+          </a:lnRef>
+          <a:fillRef idx="1">
+            <a:schemeClr val="accent1"/>
+          </a:fillRef>
+          <a:effectRef idx="0">
+            <a:schemeClr val="accent1"/>
+          </a:effectRef>
+          <a:fontRef idx="minor">
+            <a:schemeClr val="lt1"/>
+          </a:fontRef>
+        </p:style>
+        <p:txBody>
+          <a:bodyPr rtlCol="0" anchor="ctr"/>
+          <a:lstStyle/>
+          <a:p>
+            <a:pPr algn="ctr"/>
+            <a:endParaRPr lang="ko-KR" altLang="en-US"/>
+          </a:p>
+        </p:txBody>
+      </p:sp>
     </p:spTree>
     <p:extLst>
       <p:ext uri="{BB962C8B-B14F-4D97-AF65-F5344CB8AC3E}">
-        <p14:creationId xmlns:p14="http://schemas.microsoft.com/office/powerpoint/2010/main" val="754083992"/>
+        <p14:creationId xmlns:p14="http://schemas.microsoft.com/office/powerpoint/2010/main" val="582669940"/>
       </p:ext>
     </p:extLst>
   </p:cSld>
@@ -4684,7 +5868,7 @@
         </p:nvSpPr>
         <p:spPr>
           <a:xfrm>
-            <a:off x="1973061" y="699542"/>
+            <a:off x="1973061" y="1111845"/>
             <a:ext cx="1368150" cy="1008112"/>
           </a:xfrm>
           <a:prstGeom prst="roundRect">
@@ -4734,7 +5918,7 @@
         </p:nvSpPr>
         <p:spPr>
           <a:xfrm>
-            <a:off x="1637949" y="2355726"/>
+            <a:off x="1637949" y="2768029"/>
             <a:ext cx="2074378" cy="1944216"/>
           </a:xfrm>
           <a:prstGeom prst="roundRect">
@@ -4784,7 +5968,7 @@
         </p:nvSpPr>
         <p:spPr>
           <a:xfrm>
-            <a:off x="2189084" y="1275606"/>
+            <a:off x="2189084" y="1687909"/>
             <a:ext cx="936104" cy="432048"/>
           </a:xfrm>
           <a:prstGeom prst="roundRect">
@@ -4841,7 +6025,7 @@
         </p:nvSpPr>
         <p:spPr>
           <a:xfrm>
-            <a:off x="2371728" y="2355726"/>
+            <a:off x="2371728" y="2768029"/>
             <a:ext cx="570815" cy="288032"/>
           </a:xfrm>
           <a:prstGeom prst="roundRect">
@@ -4889,7 +6073,7 @@
         </p:nvSpPr>
         <p:spPr>
           <a:xfrm>
-            <a:off x="1973061" y="2760814"/>
+            <a:off x="1973061" y="3173117"/>
             <a:ext cx="1368150" cy="459008"/>
           </a:xfrm>
           <a:prstGeom prst="roundRect">
@@ -4947,7 +6131,7 @@
         </p:nvCxnSpPr>
         <p:spPr>
           <a:xfrm>
-            <a:off x="2657136" y="2643758"/>
+            <a:off x="2657136" y="3056061"/>
             <a:ext cx="0" cy="117056"/>
           </a:xfrm>
           <a:prstGeom prst="line">
@@ -4992,7 +6176,7 @@
         </p:nvCxnSpPr>
         <p:spPr>
           <a:xfrm>
-            <a:off x="2657136" y="1707654"/>
+            <a:off x="2657136" y="2119957"/>
             <a:ext cx="0" cy="648072"/>
           </a:xfrm>
           <a:prstGeom prst="line">
@@ -5033,7 +6217,7 @@
         </p:nvSpPr>
         <p:spPr>
           <a:xfrm>
-            <a:off x="1973061" y="3651870"/>
+            <a:off x="1973061" y="4064173"/>
             <a:ext cx="1368150" cy="314992"/>
           </a:xfrm>
           <a:prstGeom prst="roundRect">
@@ -5080,7 +6264,7 @@
         </p:nvGrpSpPr>
         <p:grpSpPr>
           <a:xfrm>
-            <a:off x="1218536" y="1779662"/>
+            <a:off x="1218536" y="2191965"/>
             <a:ext cx="1145242" cy="504056"/>
             <a:chOff x="3434430" y="1563638"/>
             <a:chExt cx="1137570" cy="576064"/>
@@ -5197,7 +6381,7 @@
         </p:nvGrpSpPr>
         <p:grpSpPr>
           <a:xfrm>
-            <a:off x="2948886" y="1779662"/>
+            <a:off x="2948886" y="2191965"/>
             <a:ext cx="1145242" cy="504056"/>
             <a:chOff x="3434430" y="1563638"/>
             <a:chExt cx="1137570" cy="576064"/>
@@ -5316,7 +6500,7 @@
         </p:nvCxnSpPr>
         <p:spPr>
           <a:xfrm>
-            <a:off x="2549124" y="1707654"/>
+            <a:off x="2549124" y="2119957"/>
             <a:ext cx="0" cy="648072"/>
           </a:xfrm>
           <a:prstGeom prst="straightConnector1">
@@ -5361,7 +6545,7 @@
         </p:nvCxnSpPr>
         <p:spPr>
           <a:xfrm>
-            <a:off x="2765148" y="1707654"/>
+            <a:off x="2765148" y="2119957"/>
             <a:ext cx="0" cy="648072"/>
           </a:xfrm>
           <a:prstGeom prst="straightConnector1">
@@ -5404,7 +6588,7 @@
         </p:nvSpPr>
         <p:spPr>
           <a:xfrm>
-            <a:off x="2582430" y="3174773"/>
+            <a:off x="2582430" y="3587076"/>
             <a:ext cx="182640" cy="506277"/>
           </a:xfrm>
           <a:custGeom>
@@ -5502,7 +6686,7 @@
         </p:nvCxnSpPr>
         <p:spPr>
           <a:xfrm>
-            <a:off x="2463468" y="1117942"/>
+            <a:off x="2463468" y="1530245"/>
             <a:ext cx="348517" cy="0"/>
           </a:xfrm>
           <a:prstGeom prst="straightConnector1">
@@ -5545,7 +6729,7 @@
         </p:nvSpPr>
         <p:spPr>
           <a:xfrm>
-            <a:off x="2705792" y="1018638"/>
+            <a:off x="2705792" y="1430941"/>
             <a:ext cx="216024" cy="216024"/>
           </a:xfrm>
           <a:prstGeom prst="ellipse">
@@ -5611,7 +6795,7 @@
         </p:nvSpPr>
         <p:spPr>
           <a:xfrm>
-            <a:off x="2470230" y="3175110"/>
+            <a:off x="2470230" y="3587413"/>
             <a:ext cx="216024" cy="216024"/>
           </a:xfrm>
           <a:prstGeom prst="ellipse">
@@ -5677,7 +6861,7 @@
         </p:nvSpPr>
         <p:spPr>
           <a:xfrm>
-            <a:off x="1894166" y="3320941"/>
+            <a:off x="1894166" y="3733244"/>
             <a:ext cx="548548" cy="246221"/>
           </a:xfrm>
           <a:prstGeom prst="rect">
@@ -5713,7 +6897,7 @@
         </p:nvSpPr>
         <p:spPr>
           <a:xfrm>
-            <a:off x="3557234" y="483518"/>
+            <a:off x="3557234" y="895821"/>
             <a:ext cx="1642416" cy="738664"/>
           </a:xfrm>
           <a:prstGeom prst="rect">
@@ -5764,7 +6948,7 @@
         </p:nvSpPr>
         <p:spPr>
           <a:xfrm>
-            <a:off x="5397628" y="699542"/>
+            <a:off x="5397628" y="1111845"/>
             <a:ext cx="1368150" cy="1008112"/>
           </a:xfrm>
           <a:prstGeom prst="roundRect">
@@ -5814,7 +6998,7 @@
         </p:nvSpPr>
         <p:spPr>
           <a:xfrm>
-            <a:off x="5062516" y="2355726"/>
+            <a:off x="5062516" y="2768029"/>
             <a:ext cx="2074378" cy="1944216"/>
           </a:xfrm>
           <a:prstGeom prst="roundRect">
@@ -5864,7 +7048,7 @@
         </p:nvSpPr>
         <p:spPr>
           <a:xfrm>
-            <a:off x="5613651" y="1275606"/>
+            <a:off x="5613651" y="1687909"/>
             <a:ext cx="936104" cy="432048"/>
           </a:xfrm>
           <a:prstGeom prst="roundRect">
@@ -5921,7 +7105,7 @@
         </p:nvSpPr>
         <p:spPr>
           <a:xfrm>
-            <a:off x="5796295" y="2355726"/>
+            <a:off x="5796295" y="2768029"/>
             <a:ext cx="570815" cy="288032"/>
           </a:xfrm>
           <a:prstGeom prst="roundRect">
@@ -5969,7 +7153,7 @@
         </p:nvSpPr>
         <p:spPr>
           <a:xfrm>
-            <a:off x="5397628" y="2760814"/>
+            <a:off x="5397628" y="3173117"/>
             <a:ext cx="1368150" cy="459008"/>
           </a:xfrm>
           <a:prstGeom prst="roundRect">
@@ -6027,7 +7211,7 @@
         </p:nvCxnSpPr>
         <p:spPr>
           <a:xfrm>
-            <a:off x="6081703" y="2643758"/>
+            <a:off x="6081703" y="3056061"/>
             <a:ext cx="0" cy="117056"/>
           </a:xfrm>
           <a:prstGeom prst="line">
@@ -6072,7 +7256,7 @@
         </p:nvCxnSpPr>
         <p:spPr>
           <a:xfrm>
-            <a:off x="6081703" y="1707654"/>
+            <a:off x="6081703" y="2119957"/>
             <a:ext cx="0" cy="648072"/>
           </a:xfrm>
           <a:prstGeom prst="line">
@@ -6113,7 +7297,7 @@
         </p:nvSpPr>
         <p:spPr>
           <a:xfrm>
-            <a:off x="5397628" y="3651870"/>
+            <a:off x="5397628" y="4064173"/>
             <a:ext cx="1368150" cy="314992"/>
           </a:xfrm>
           <a:prstGeom prst="roundRect">
@@ -6160,7 +7344,7 @@
         </p:nvGrpSpPr>
         <p:grpSpPr>
           <a:xfrm>
-            <a:off x="4349324" y="2139702"/>
+            <a:off x="4349324" y="2552005"/>
             <a:ext cx="1145242" cy="504056"/>
             <a:chOff x="3434430" y="1563638"/>
             <a:chExt cx="1137570" cy="576064"/>
@@ -6277,7 +7461,7 @@
         </p:nvGrpSpPr>
         <p:grpSpPr>
           <a:xfrm>
-            <a:off x="6653579" y="2139702"/>
+            <a:off x="6653579" y="2552005"/>
             <a:ext cx="1145243" cy="504056"/>
             <a:chOff x="3434430" y="1563638"/>
             <a:chExt cx="1137571" cy="576064"/>
@@ -6396,7 +7580,7 @@
         </p:nvCxnSpPr>
         <p:spPr>
           <a:xfrm>
-            <a:off x="5973691" y="1707654"/>
+            <a:off x="5973691" y="2119957"/>
             <a:ext cx="0" cy="648072"/>
           </a:xfrm>
           <a:prstGeom prst="straightConnector1">
@@ -6441,7 +7625,7 @@
         </p:nvCxnSpPr>
         <p:spPr>
           <a:xfrm>
-            <a:off x="6189715" y="1707654"/>
+            <a:off x="6189715" y="2119957"/>
             <a:ext cx="0" cy="648072"/>
           </a:xfrm>
           <a:prstGeom prst="straightConnector1">
@@ -6484,7 +7668,7 @@
         </p:nvSpPr>
         <p:spPr>
           <a:xfrm>
-            <a:off x="6006997" y="3174773"/>
+            <a:off x="6006997" y="3587076"/>
             <a:ext cx="182640" cy="506277"/>
           </a:xfrm>
           <a:custGeom>
@@ -6580,7 +7764,7 @@
         </p:nvSpPr>
         <p:spPr>
           <a:xfrm>
-            <a:off x="5894797" y="3175110"/>
+            <a:off x="5894797" y="3587413"/>
             <a:ext cx="216024" cy="216024"/>
           </a:xfrm>
           <a:prstGeom prst="ellipse">
@@ -6646,7 +7830,7 @@
         </p:nvSpPr>
         <p:spPr>
           <a:xfrm>
-            <a:off x="4990510" y="3251760"/>
+            <a:off x="4990510" y="3664063"/>
             <a:ext cx="934871" cy="400110"/>
           </a:xfrm>
           <a:prstGeom prst="rect">
@@ -6690,7 +7874,7 @@
         </p:nvCxnSpPr>
         <p:spPr>
           <a:xfrm>
-            <a:off x="6382809" y="1707654"/>
+            <a:off x="6382809" y="2119957"/>
             <a:ext cx="0" cy="648072"/>
           </a:xfrm>
           <a:prstGeom prst="straightConnector1">
@@ -6733,7 +7917,7 @@
         </p:nvSpPr>
         <p:spPr>
           <a:xfrm>
-            <a:off x="7690809" y="2031690"/>
+            <a:off x="7690809" y="2443993"/>
             <a:ext cx="216024" cy="216024"/>
           </a:xfrm>
           <a:prstGeom prst="ellipse">
@@ -6799,7 +7983,7 @@
         </p:nvSpPr>
         <p:spPr>
           <a:xfrm>
-            <a:off x="5830904" y="3174773"/>
+            <a:off x="5830904" y="3587076"/>
             <a:ext cx="536199" cy="549105"/>
           </a:xfrm>
           <a:custGeom>
@@ -6895,7 +8079,7 @@
         </p:nvSpPr>
         <p:spPr>
           <a:xfrm>
-            <a:off x="6263279" y="3175110"/>
+            <a:off x="6263279" y="3587413"/>
             <a:ext cx="216024" cy="216024"/>
           </a:xfrm>
           <a:prstGeom prst="ellipse">
@@ -6963,7 +8147,7 @@
         </p:nvCxnSpPr>
         <p:spPr>
           <a:xfrm>
-            <a:off x="5764545" y="1707654"/>
+            <a:off x="5764545" y="2119957"/>
             <a:ext cx="0" cy="648072"/>
           </a:xfrm>
           <a:prstGeom prst="straightConnector1">
@@ -7006,7 +8190,7 @@
         </p:nvSpPr>
         <p:spPr>
           <a:xfrm>
-            <a:off x="4228657" y="2047659"/>
+            <a:off x="4228657" y="2459962"/>
             <a:ext cx="216024" cy="216024"/>
           </a:xfrm>
           <a:prstGeom prst="ellipse">
@@ -7072,7 +8256,7 @@
         </p:nvSpPr>
         <p:spPr>
           <a:xfrm>
-            <a:off x="1115616" y="1671650"/>
+            <a:off x="1115616" y="2083953"/>
             <a:ext cx="216024" cy="216024"/>
           </a:xfrm>
           <a:prstGeom prst="ellipse">
@@ -7138,7 +8322,7 @@
         </p:nvSpPr>
         <p:spPr>
           <a:xfrm>
-            <a:off x="2842970" y="1671650"/>
+            <a:off x="2842970" y="2083953"/>
             <a:ext cx="216024" cy="216024"/>
           </a:xfrm>
           <a:prstGeom prst="ellipse">
@@ -7206,7 +8390,7 @@
         </p:nvCxnSpPr>
         <p:spPr>
           <a:xfrm>
-            <a:off x="2359092" y="2031690"/>
+            <a:off x="2359092" y="2443993"/>
             <a:ext cx="190032" cy="0"/>
           </a:xfrm>
           <a:prstGeom prst="line">
@@ -7249,7 +8433,7 @@
         </p:nvCxnSpPr>
         <p:spPr>
           <a:xfrm>
-            <a:off x="2752511" y="2031690"/>
+            <a:off x="2752511" y="2443993"/>
             <a:ext cx="190032" cy="0"/>
           </a:xfrm>
           <a:prstGeom prst="line">
@@ -7290,7 +8474,7 @@
         </p:nvGrpSpPr>
         <p:grpSpPr>
           <a:xfrm>
-            <a:off x="4349324" y="1419622"/>
+            <a:off x="4349324" y="1831925"/>
             <a:ext cx="1145242" cy="504056"/>
             <a:chOff x="3434430" y="1563638"/>
             <a:chExt cx="1137570" cy="576064"/>
@@ -7407,7 +8591,7 @@
         </p:nvGrpSpPr>
         <p:grpSpPr>
           <a:xfrm>
-            <a:off x="6653579" y="1435154"/>
+            <a:off x="6653579" y="1847457"/>
             <a:ext cx="1145243" cy="504055"/>
             <a:chOff x="3434430" y="1563638"/>
             <a:chExt cx="1137571" cy="576063"/>
@@ -7526,7 +8710,7 @@
         </p:nvCxnSpPr>
         <p:spPr>
           <a:xfrm>
-            <a:off x="5478926" y="1661245"/>
+            <a:off x="5478926" y="2073548"/>
             <a:ext cx="498952" cy="347240"/>
           </a:xfrm>
           <a:prstGeom prst="line">
@@ -7567,7 +8751,7 @@
         </p:nvSpPr>
         <p:spPr>
           <a:xfrm>
-            <a:off x="4244428" y="1302566"/>
+            <a:off x="4244428" y="1714869"/>
             <a:ext cx="216024" cy="216024"/>
           </a:xfrm>
           <a:prstGeom prst="ellipse">
@@ -7635,7 +8819,7 @@
         </p:nvCxnSpPr>
         <p:spPr>
           <a:xfrm flipV="1">
-            <a:off x="5484555" y="2002086"/>
+            <a:off x="5484555" y="2414389"/>
             <a:ext cx="287414" cy="388253"/>
           </a:xfrm>
           <a:prstGeom prst="line">
@@ -7676,7 +8860,7 @@
         </p:nvSpPr>
         <p:spPr>
           <a:xfrm>
-            <a:off x="7686621" y="1318097"/>
+            <a:off x="7686621" y="1730400"/>
             <a:ext cx="216024" cy="216024"/>
           </a:xfrm>
           <a:prstGeom prst="ellipse">
@@ -7744,7 +8928,7 @@
         </p:nvCxnSpPr>
         <p:spPr>
           <a:xfrm flipV="1">
-            <a:off x="6189637" y="1684449"/>
+            <a:off x="6189637" y="2096752"/>
             <a:ext cx="463942" cy="347242"/>
           </a:xfrm>
           <a:prstGeom prst="line">
@@ -7787,7 +8971,7 @@
         </p:nvCxnSpPr>
         <p:spPr>
           <a:xfrm>
-            <a:off x="6385606" y="2008485"/>
+            <a:off x="6385606" y="2420788"/>
             <a:ext cx="267973" cy="378653"/>
           </a:xfrm>
           <a:prstGeom prst="line">
@@ -7828,7 +9012,7 @@
         </p:nvSpPr>
         <p:spPr>
           <a:xfrm>
-            <a:off x="6482231" y="3252318"/>
+            <a:off x="6482231" y="3664621"/>
             <a:ext cx="558166" cy="400110"/>
           </a:xfrm>
           <a:prstGeom prst="rect">
@@ -7871,7 +9055,7 @@
         </p:nvCxnSpPr>
         <p:spPr>
           <a:xfrm>
-            <a:off x="5596225" y="3391134"/>
+            <a:off x="5596225" y="3803437"/>
             <a:ext cx="424711" cy="115631"/>
           </a:xfrm>
           <a:prstGeom prst="line">
@@ -7915,7 +9099,7 @@
         </p:nvCxnSpPr>
         <p:spPr>
           <a:xfrm flipH="1">
-            <a:off x="6365730" y="3452373"/>
+            <a:off x="6365730" y="3864676"/>
             <a:ext cx="116501" cy="0"/>
           </a:xfrm>
           <a:prstGeom prst="line">
@@ -7959,7 +9143,7 @@
         </p:nvCxnSpPr>
         <p:spPr>
           <a:xfrm>
-            <a:off x="2442714" y="3444052"/>
+            <a:off x="2442714" y="3856355"/>
             <a:ext cx="139716" cy="0"/>
           </a:xfrm>
           <a:prstGeom prst="line">
@@ -8000,7 +9184,7 @@
         </p:nvGrpSpPr>
         <p:grpSpPr>
           <a:xfrm>
-            <a:off x="3891340" y="3098788"/>
+            <a:off x="3891340" y="3511091"/>
             <a:ext cx="1277454" cy="841114"/>
             <a:chOff x="2968774" y="3003798"/>
             <a:chExt cx="1277454" cy="841114"/>
@@ -8192,7 +9376,7 @@
         </p:nvSpPr>
         <p:spPr>
           <a:xfrm>
-            <a:off x="1456479" y="4299942"/>
+            <a:off x="1456479" y="4712245"/>
             <a:ext cx="2401312" cy="307777"/>
           </a:xfrm>
           <a:prstGeom prst="rect">
@@ -8229,7 +9413,7 @@
         </p:nvSpPr>
         <p:spPr>
           <a:xfrm>
-            <a:off x="4897661" y="4299942"/>
+            <a:off x="4897661" y="4712245"/>
             <a:ext cx="2401312" cy="307777"/>
           </a:xfrm>
           <a:prstGeom prst="rect">
@@ -8249,6 +9433,40 @@
               <a:t>With Masquerade </a:t>
             </a:r>
             <a:endParaRPr lang="en-US" altLang="ko-KR" sz="1600"/>
+          </a:p>
+        </p:txBody>
+      </p:sp>
+      <p:sp>
+        <p:nvSpPr>
+          <p:cNvPr id="93" name="제목 1">
+            <a:extLst>
+              <a:ext uri="{FF2B5EF4-FFF2-40B4-BE49-F238E27FC236}">
+                <a16:creationId xmlns:a16="http://schemas.microsoft.com/office/drawing/2014/main" id="{A3F383D0-878F-4351-9ED8-F4C11E76AAE1}"/>
+              </a:ext>
+            </a:extLst>
+          </p:cNvPr>
+          <p:cNvSpPr>
+            <a:spLocks noGrp="1"/>
+          </p:cNvSpPr>
+          <p:nvPr>
+            <p:ph type="title"/>
+          </p:nvPr>
+        </p:nvSpPr>
+        <p:spPr>
+          <a:xfrm>
+            <a:off x="457200" y="-20538"/>
+            <a:ext cx="8229600" cy="857250"/>
+          </a:xfrm>
+        </p:spPr>
+        <p:txBody>
+          <a:bodyPr/>
+          <a:lstStyle/>
+          <a:p>
+            <a:r>
+              <a:rPr lang="en-US" altLang="ko-KR"/>
+              <a:t>Hairpin Traffic</a:t>
+            </a:r>
+            <a:endParaRPr lang="ko-KR" altLang="en-US"/>
           </a:p>
         </p:txBody>
       </p:sp>
@@ -8256,6 +9474,5688 @@
     <p:extLst>
       <p:ext uri="{BB962C8B-B14F-4D97-AF65-F5344CB8AC3E}">
         <p14:creationId xmlns:p14="http://schemas.microsoft.com/office/powerpoint/2010/main" val="2825682873"/>
+      </p:ext>
+    </p:extLst>
+  </p:cSld>
+  <p:clrMapOvr>
+    <a:masterClrMapping/>
+  </p:clrMapOvr>
+</p:sld>
+</file>
+
+<file path=ppt/slides/slide3.xml><?xml version="1.0" encoding="utf-8"?>
+<p:sld xmlns:a="http://schemas.openxmlformats.org/drawingml/2006/main" xmlns:r="http://schemas.openxmlformats.org/officeDocument/2006/relationships" xmlns:p="http://schemas.openxmlformats.org/presentationml/2006/main">
+  <p:cSld>
+    <p:spTree>
+      <p:nvGrpSpPr>
+        <p:cNvPr id="1" name=""/>
+        <p:cNvGrpSpPr/>
+        <p:nvPr/>
+      </p:nvGrpSpPr>
+      <p:grpSpPr>
+        <a:xfrm>
+          <a:off x="0" y="0"/>
+          <a:ext cx="0" cy="0"/>
+          <a:chOff x="0" y="0"/>
+          <a:chExt cx="0" cy="0"/>
+        </a:xfrm>
+      </p:grpSpPr>
+      <p:sp>
+        <p:nvSpPr>
+          <p:cNvPr id="26" name="제목 1">
+            <a:extLst>
+              <a:ext uri="{FF2B5EF4-FFF2-40B4-BE49-F238E27FC236}">
+                <a16:creationId xmlns:a16="http://schemas.microsoft.com/office/drawing/2014/main" id="{8996A3B6-EF2F-433F-A247-A77B4E18237E}"/>
+              </a:ext>
+            </a:extLst>
+          </p:cNvPr>
+          <p:cNvSpPr>
+            <a:spLocks noGrp="1"/>
+          </p:cNvSpPr>
+          <p:nvPr>
+            <p:ph type="title"/>
+          </p:nvPr>
+        </p:nvSpPr>
+        <p:spPr>
+          <a:xfrm>
+            <a:off x="457200" y="-236562"/>
+            <a:ext cx="8229600" cy="857250"/>
+          </a:xfrm>
+        </p:spPr>
+        <p:txBody>
+          <a:bodyPr/>
+          <a:lstStyle/>
+          <a:p>
+            <a:r>
+              <a:rPr lang="en-US" altLang="ko-KR"/>
+              <a:t>Userspace</a:t>
+            </a:r>
+            <a:r>
+              <a:rPr lang="ko-KR" altLang="en-US"/>
+              <a:t> </a:t>
+            </a:r>
+            <a:r>
+              <a:rPr lang="en-US" altLang="ko-KR"/>
+              <a:t>Mode</a:t>
+            </a:r>
+            <a:r>
+              <a:rPr lang="ko-KR" altLang="en-US"/>
+              <a:t> </a:t>
+            </a:r>
+            <a:r>
+              <a:rPr lang="en-US" altLang="ko-KR"/>
+              <a:t>Packet</a:t>
+            </a:r>
+            <a:r>
+              <a:rPr lang="ko-KR" altLang="en-US"/>
+              <a:t> </a:t>
+            </a:r>
+            <a:r>
+              <a:rPr lang="en-US" altLang="ko-KR"/>
+              <a:t>Path</a:t>
+            </a:r>
+            <a:endParaRPr lang="ko-KR" altLang="en-US"/>
+          </a:p>
+        </p:txBody>
+      </p:sp>
+      <p:sp>
+        <p:nvSpPr>
+          <p:cNvPr id="34" name="모서리가 둥근 직사각형 13">
+            <a:extLst>
+              <a:ext uri="{FF2B5EF4-FFF2-40B4-BE49-F238E27FC236}">
+                <a16:creationId xmlns:a16="http://schemas.microsoft.com/office/drawing/2014/main" id="{6E702868-5116-437A-928A-AA39955F878D}"/>
+              </a:ext>
+            </a:extLst>
+          </p:cNvPr>
+          <p:cNvSpPr/>
+          <p:nvPr/>
+        </p:nvSpPr>
+        <p:spPr>
+          <a:xfrm>
+            <a:off x="557516" y="7396962"/>
+            <a:ext cx="1773332" cy="359364"/>
+          </a:xfrm>
+          <a:prstGeom prst="roundRect">
+            <a:avLst>
+              <a:gd name="adj" fmla="val 10708"/>
+            </a:avLst>
+          </a:prstGeom>
+          <a:ln>
+            <a:solidFill>
+              <a:schemeClr val="tx2"/>
+            </a:solidFill>
+          </a:ln>
+        </p:spPr>
+        <p:style>
+          <a:lnRef idx="2">
+            <a:schemeClr val="dk1"/>
+          </a:lnRef>
+          <a:fillRef idx="1">
+            <a:schemeClr val="lt1"/>
+          </a:fillRef>
+          <a:effectRef idx="0">
+            <a:schemeClr val="dk1"/>
+          </a:effectRef>
+          <a:fontRef idx="minor">
+            <a:schemeClr val="dk1"/>
+          </a:fontRef>
+        </p:style>
+        <p:txBody>
+          <a:bodyPr rtlCol="0" anchor="ctr"/>
+          <a:lstStyle/>
+          <a:p>
+            <a:pPr algn="ctr"/>
+            <a:r>
+              <a:rPr lang="en-US" altLang="ko-KR" sz="1200">
+                <a:solidFill>
+                  <a:schemeClr val="tx2"/>
+                </a:solidFill>
+              </a:rPr>
+              <a:t>Destination</a:t>
+            </a:r>
+          </a:p>
+          <a:p>
+            <a:pPr algn="ctr"/>
+            <a:r>
+              <a:rPr lang="en-US" altLang="ko-KR" sz="1200">
+                <a:solidFill>
+                  <a:schemeClr val="tx2"/>
+                </a:solidFill>
+              </a:rPr>
+              <a:t>(Node, Pod)</a:t>
+            </a:r>
+            <a:endParaRPr lang="ko-KR" altLang="en-US" sz="1200">
+              <a:solidFill>
+                <a:schemeClr val="tx2"/>
+              </a:solidFill>
+            </a:endParaRPr>
+          </a:p>
+        </p:txBody>
+      </p:sp>
+      <p:sp>
+        <p:nvSpPr>
+          <p:cNvPr id="5" name="TextBox 4">
+            <a:extLst>
+              <a:ext uri="{FF2B5EF4-FFF2-40B4-BE49-F238E27FC236}">
+                <a16:creationId xmlns:a16="http://schemas.microsoft.com/office/drawing/2014/main" id="{37908E87-825F-4712-8F1B-263C9866F53B}"/>
+              </a:ext>
+            </a:extLst>
+          </p:cNvPr>
+          <p:cNvSpPr txBox="1"/>
+          <p:nvPr/>
+        </p:nvSpPr>
+        <p:spPr>
+          <a:xfrm>
+            <a:off x="6860619" y="7422755"/>
+            <a:ext cx="1700337" cy="307777"/>
+          </a:xfrm>
+          <a:prstGeom prst="rect">
+            <a:avLst/>
+          </a:prstGeom>
+          <a:noFill/>
+        </p:spPr>
+        <p:txBody>
+          <a:bodyPr wrap="none" rtlCol="0">
+            <a:spAutoFit/>
+          </a:bodyPr>
+          <a:lstStyle/>
+          <a:p>
+            <a:r>
+              <a:rPr lang="en-US" altLang="ko-KR" sz="1400"/>
+              <a:t>iptables NAT Table</a:t>
+            </a:r>
+            <a:endParaRPr lang="ko-KR" altLang="en-US" sz="1400"/>
+          </a:p>
+        </p:txBody>
+      </p:sp>
+      <p:sp>
+        <p:nvSpPr>
+          <p:cNvPr id="37" name="사각형: 둥근 모서리 36">
+            <a:extLst>
+              <a:ext uri="{FF2B5EF4-FFF2-40B4-BE49-F238E27FC236}">
+                <a16:creationId xmlns:a16="http://schemas.microsoft.com/office/drawing/2014/main" id="{5DF08894-10CA-4E97-A9A5-E3D93AA9539D}"/>
+              </a:ext>
+            </a:extLst>
+          </p:cNvPr>
+          <p:cNvSpPr/>
+          <p:nvPr/>
+        </p:nvSpPr>
+        <p:spPr>
+          <a:xfrm>
+            <a:off x="1691682" y="634381"/>
+            <a:ext cx="1656182" cy="857250"/>
+          </a:xfrm>
+          <a:prstGeom prst="roundRect">
+            <a:avLst>
+              <a:gd name="adj" fmla="val 6633"/>
+            </a:avLst>
+          </a:prstGeom>
+        </p:spPr>
+        <p:style>
+          <a:lnRef idx="2">
+            <a:schemeClr val="dk1"/>
+          </a:lnRef>
+          <a:fillRef idx="1">
+            <a:schemeClr val="lt1"/>
+          </a:fillRef>
+          <a:effectRef idx="0">
+            <a:schemeClr val="dk1"/>
+          </a:effectRef>
+          <a:fontRef idx="minor">
+            <a:schemeClr val="dk1"/>
+          </a:fontRef>
+        </p:style>
+        <p:txBody>
+          <a:bodyPr rtlCol="0" anchor="t"/>
+          <a:lstStyle/>
+          <a:p>
+            <a:pPr algn="ctr"/>
+            <a:r>
+              <a:rPr lang="en-US" altLang="ko-KR" sz="1400"/>
+              <a:t>Pod A</a:t>
+            </a:r>
+          </a:p>
+          <a:p>
+            <a:pPr algn="ctr"/>
+            <a:r>
+              <a:rPr lang="en-US" altLang="ko-KR" sz="1400"/>
+              <a:t>Net Namespace</a:t>
+            </a:r>
+            <a:endParaRPr lang="ko-KR" altLang="en-US" sz="1400"/>
+          </a:p>
+        </p:txBody>
+      </p:sp>
+      <p:sp>
+        <p:nvSpPr>
+          <p:cNvPr id="40" name="사각형: 둥근 모서리 39">
+            <a:extLst>
+              <a:ext uri="{FF2B5EF4-FFF2-40B4-BE49-F238E27FC236}">
+                <a16:creationId xmlns:a16="http://schemas.microsoft.com/office/drawing/2014/main" id="{BB64BC4F-046B-4833-94B3-D1F2D50843E5}"/>
+              </a:ext>
+            </a:extLst>
+          </p:cNvPr>
+          <p:cNvSpPr/>
+          <p:nvPr/>
+        </p:nvSpPr>
+        <p:spPr>
+          <a:xfrm>
+            <a:off x="1907706" y="1219053"/>
+            <a:ext cx="1224134" cy="272578"/>
+          </a:xfrm>
+          <a:prstGeom prst="roundRect">
+            <a:avLst>
+              <a:gd name="adj" fmla="val 15087"/>
+            </a:avLst>
+          </a:prstGeom>
+        </p:spPr>
+        <p:style>
+          <a:lnRef idx="2">
+            <a:schemeClr val="dk1"/>
+          </a:lnRef>
+          <a:fillRef idx="1">
+            <a:schemeClr val="lt1"/>
+          </a:fillRef>
+          <a:effectRef idx="0">
+            <a:schemeClr val="dk1"/>
+          </a:effectRef>
+          <a:fontRef idx="minor">
+            <a:schemeClr val="dk1"/>
+          </a:fontRef>
+        </p:style>
+        <p:txBody>
+          <a:bodyPr rtlCol="0" anchor="ctr"/>
+          <a:lstStyle/>
+          <a:p>
+            <a:pPr algn="ctr"/>
+            <a:r>
+              <a:rPr lang="en-US" altLang="ko-KR" sz="1200"/>
+              <a:t>veth interface</a:t>
+            </a:r>
+          </a:p>
+        </p:txBody>
+      </p:sp>
+      <p:sp>
+        <p:nvSpPr>
+          <p:cNvPr id="42" name="사각형: 둥근 모서리 41">
+            <a:extLst>
+              <a:ext uri="{FF2B5EF4-FFF2-40B4-BE49-F238E27FC236}">
+                <a16:creationId xmlns:a16="http://schemas.microsoft.com/office/drawing/2014/main" id="{C578B6D8-62A4-4C86-A3C2-50037AA64487}"/>
+              </a:ext>
+            </a:extLst>
+          </p:cNvPr>
+          <p:cNvSpPr/>
+          <p:nvPr/>
+        </p:nvSpPr>
+        <p:spPr>
+          <a:xfrm>
+            <a:off x="1216139" y="1676222"/>
+            <a:ext cx="7028266" cy="3111949"/>
+          </a:xfrm>
+          <a:prstGeom prst="roundRect">
+            <a:avLst>
+              <a:gd name="adj" fmla="val 3729"/>
+            </a:avLst>
+          </a:prstGeom>
+        </p:spPr>
+        <p:style>
+          <a:lnRef idx="2">
+            <a:schemeClr val="dk1"/>
+          </a:lnRef>
+          <a:fillRef idx="1">
+            <a:schemeClr val="lt1"/>
+          </a:fillRef>
+          <a:effectRef idx="0">
+            <a:schemeClr val="dk1"/>
+          </a:effectRef>
+          <a:fontRef idx="minor">
+            <a:schemeClr val="dk1"/>
+          </a:fontRef>
+        </p:style>
+        <p:txBody>
+          <a:bodyPr rtlCol="0" anchor="t"/>
+          <a:lstStyle/>
+          <a:p>
+            <a:pPr algn="ctr"/>
+            <a:r>
+              <a:rPr lang="en-US" altLang="ko-KR" sz="1400"/>
+              <a:t>Host Net Namespace</a:t>
+            </a:r>
+            <a:endParaRPr lang="ko-KR" altLang="en-US" sz="1400"/>
+          </a:p>
+        </p:txBody>
+      </p:sp>
+      <p:sp>
+        <p:nvSpPr>
+          <p:cNvPr id="43" name="사각형: 둥근 모서리 42">
+            <a:extLst>
+              <a:ext uri="{FF2B5EF4-FFF2-40B4-BE49-F238E27FC236}">
+                <a16:creationId xmlns:a16="http://schemas.microsoft.com/office/drawing/2014/main" id="{9E1EF096-9201-4CF2-9016-878474AC7960}"/>
+              </a:ext>
+            </a:extLst>
+          </p:cNvPr>
+          <p:cNvSpPr/>
+          <p:nvPr/>
+        </p:nvSpPr>
+        <p:spPr>
+          <a:xfrm>
+            <a:off x="1907706" y="1676814"/>
+            <a:ext cx="1224134" cy="272578"/>
+          </a:xfrm>
+          <a:prstGeom prst="roundRect">
+            <a:avLst>
+              <a:gd name="adj" fmla="val 15087"/>
+            </a:avLst>
+          </a:prstGeom>
+        </p:spPr>
+        <p:style>
+          <a:lnRef idx="2">
+            <a:schemeClr val="dk1"/>
+          </a:lnRef>
+          <a:fillRef idx="1">
+            <a:schemeClr val="lt1"/>
+          </a:fillRef>
+          <a:effectRef idx="0">
+            <a:schemeClr val="dk1"/>
+          </a:effectRef>
+          <a:fontRef idx="minor">
+            <a:schemeClr val="dk1"/>
+          </a:fontRef>
+        </p:style>
+        <p:txBody>
+          <a:bodyPr rtlCol="0" anchor="ctr"/>
+          <a:lstStyle/>
+          <a:p>
+            <a:pPr algn="ctr"/>
+            <a:r>
+              <a:rPr lang="en-US" altLang="ko-KR" sz="1200"/>
+              <a:t>veth interface</a:t>
+            </a:r>
+          </a:p>
+        </p:txBody>
+      </p:sp>
+      <p:cxnSp>
+        <p:nvCxnSpPr>
+          <p:cNvPr id="45" name="직선 연결선 44">
+            <a:extLst>
+              <a:ext uri="{FF2B5EF4-FFF2-40B4-BE49-F238E27FC236}">
+                <a16:creationId xmlns:a16="http://schemas.microsoft.com/office/drawing/2014/main" id="{596DEBC7-DF1F-4F4B-9E15-E411A679E8A0}"/>
+              </a:ext>
+            </a:extLst>
+          </p:cNvPr>
+          <p:cNvCxnSpPr>
+            <a:cxnSpLocks/>
+            <a:stCxn id="40" idx="2"/>
+            <a:endCxn id="43" idx="0"/>
+          </p:cNvCxnSpPr>
+          <p:nvPr/>
+        </p:nvCxnSpPr>
+        <p:spPr>
+          <a:xfrm>
+            <a:off x="2519773" y="1491631"/>
+            <a:ext cx="0" cy="185183"/>
+          </a:xfrm>
+          <a:prstGeom prst="line">
+            <a:avLst/>
+          </a:prstGeom>
+          <a:ln w="28575">
+            <a:solidFill>
+              <a:schemeClr val="tx1"/>
+            </a:solidFill>
+          </a:ln>
+        </p:spPr>
+        <p:style>
+          <a:lnRef idx="1">
+            <a:schemeClr val="accent1"/>
+          </a:lnRef>
+          <a:fillRef idx="0">
+            <a:schemeClr val="accent1"/>
+          </a:fillRef>
+          <a:effectRef idx="0">
+            <a:schemeClr val="accent1"/>
+          </a:effectRef>
+          <a:fontRef idx="minor">
+            <a:schemeClr val="tx1"/>
+          </a:fontRef>
+        </p:style>
+      </p:cxnSp>
+      <p:sp>
+        <p:nvSpPr>
+          <p:cNvPr id="78" name="사각형: 둥근 모서리 77">
+            <a:extLst>
+              <a:ext uri="{FF2B5EF4-FFF2-40B4-BE49-F238E27FC236}">
+                <a16:creationId xmlns:a16="http://schemas.microsoft.com/office/drawing/2014/main" id="{8C1B9B8D-0CF6-4E54-8D89-CB269563C2F2}"/>
+              </a:ext>
+            </a:extLst>
+          </p:cNvPr>
+          <p:cNvSpPr/>
+          <p:nvPr/>
+        </p:nvSpPr>
+        <p:spPr>
+          <a:xfrm>
+            <a:off x="6012160" y="634381"/>
+            <a:ext cx="1656182" cy="857250"/>
+          </a:xfrm>
+          <a:prstGeom prst="roundRect">
+            <a:avLst>
+              <a:gd name="adj" fmla="val 6633"/>
+            </a:avLst>
+          </a:prstGeom>
+        </p:spPr>
+        <p:style>
+          <a:lnRef idx="2">
+            <a:schemeClr val="dk1"/>
+          </a:lnRef>
+          <a:fillRef idx="1">
+            <a:schemeClr val="lt1"/>
+          </a:fillRef>
+          <a:effectRef idx="0">
+            <a:schemeClr val="dk1"/>
+          </a:effectRef>
+          <a:fontRef idx="minor">
+            <a:schemeClr val="dk1"/>
+          </a:fontRef>
+        </p:style>
+        <p:txBody>
+          <a:bodyPr rtlCol="0" anchor="t"/>
+          <a:lstStyle/>
+          <a:p>
+            <a:pPr algn="ctr"/>
+            <a:r>
+              <a:rPr lang="en-US" altLang="ko-KR" sz="1400"/>
+              <a:t>Pod B</a:t>
+            </a:r>
+          </a:p>
+          <a:p>
+            <a:pPr algn="ctr"/>
+            <a:r>
+              <a:rPr lang="en-US" altLang="ko-KR" sz="1400"/>
+              <a:t>Net Namespace</a:t>
+            </a:r>
+            <a:endParaRPr lang="ko-KR" altLang="en-US" sz="1400"/>
+          </a:p>
+        </p:txBody>
+      </p:sp>
+      <p:sp>
+        <p:nvSpPr>
+          <p:cNvPr id="79" name="사각형: 둥근 모서리 78">
+            <a:extLst>
+              <a:ext uri="{FF2B5EF4-FFF2-40B4-BE49-F238E27FC236}">
+                <a16:creationId xmlns:a16="http://schemas.microsoft.com/office/drawing/2014/main" id="{CED02E20-5817-4B82-B805-8CECA18FA615}"/>
+              </a:ext>
+            </a:extLst>
+          </p:cNvPr>
+          <p:cNvSpPr/>
+          <p:nvPr/>
+        </p:nvSpPr>
+        <p:spPr>
+          <a:xfrm>
+            <a:off x="6228184" y="1219053"/>
+            <a:ext cx="1224134" cy="272578"/>
+          </a:xfrm>
+          <a:prstGeom prst="roundRect">
+            <a:avLst>
+              <a:gd name="adj" fmla="val 15087"/>
+            </a:avLst>
+          </a:prstGeom>
+        </p:spPr>
+        <p:style>
+          <a:lnRef idx="2">
+            <a:schemeClr val="dk1"/>
+          </a:lnRef>
+          <a:fillRef idx="1">
+            <a:schemeClr val="lt1"/>
+          </a:fillRef>
+          <a:effectRef idx="0">
+            <a:schemeClr val="dk1"/>
+          </a:effectRef>
+          <a:fontRef idx="minor">
+            <a:schemeClr val="dk1"/>
+          </a:fontRef>
+        </p:style>
+        <p:txBody>
+          <a:bodyPr rtlCol="0" anchor="ctr"/>
+          <a:lstStyle/>
+          <a:p>
+            <a:pPr algn="ctr"/>
+            <a:r>
+              <a:rPr lang="en-US" altLang="ko-KR" sz="1200"/>
+              <a:t>veth interface</a:t>
+            </a:r>
+          </a:p>
+        </p:txBody>
+      </p:sp>
+      <p:sp>
+        <p:nvSpPr>
+          <p:cNvPr id="80" name="사각형: 둥근 모서리 79">
+            <a:extLst>
+              <a:ext uri="{FF2B5EF4-FFF2-40B4-BE49-F238E27FC236}">
+                <a16:creationId xmlns:a16="http://schemas.microsoft.com/office/drawing/2014/main" id="{ABBB7494-F427-41D5-B223-E9B58F163FF2}"/>
+              </a:ext>
+            </a:extLst>
+          </p:cNvPr>
+          <p:cNvSpPr/>
+          <p:nvPr/>
+        </p:nvSpPr>
+        <p:spPr>
+          <a:xfrm>
+            <a:off x="6228184" y="1676814"/>
+            <a:ext cx="1224134" cy="272578"/>
+          </a:xfrm>
+          <a:prstGeom prst="roundRect">
+            <a:avLst>
+              <a:gd name="adj" fmla="val 15087"/>
+            </a:avLst>
+          </a:prstGeom>
+        </p:spPr>
+        <p:style>
+          <a:lnRef idx="2">
+            <a:schemeClr val="dk1"/>
+          </a:lnRef>
+          <a:fillRef idx="1">
+            <a:schemeClr val="lt1"/>
+          </a:fillRef>
+          <a:effectRef idx="0">
+            <a:schemeClr val="dk1"/>
+          </a:effectRef>
+          <a:fontRef idx="minor">
+            <a:schemeClr val="dk1"/>
+          </a:fontRef>
+        </p:style>
+        <p:txBody>
+          <a:bodyPr rtlCol="0" anchor="ctr"/>
+          <a:lstStyle/>
+          <a:p>
+            <a:pPr algn="ctr"/>
+            <a:r>
+              <a:rPr lang="en-US" altLang="ko-KR" sz="1200"/>
+              <a:t>veth interface</a:t>
+            </a:r>
+          </a:p>
+        </p:txBody>
+      </p:sp>
+      <p:cxnSp>
+        <p:nvCxnSpPr>
+          <p:cNvPr id="81" name="직선 연결선 80">
+            <a:extLst>
+              <a:ext uri="{FF2B5EF4-FFF2-40B4-BE49-F238E27FC236}">
+                <a16:creationId xmlns:a16="http://schemas.microsoft.com/office/drawing/2014/main" id="{1CD8A4E0-E791-4C69-8231-0FE7449C79BA}"/>
+              </a:ext>
+            </a:extLst>
+          </p:cNvPr>
+          <p:cNvCxnSpPr>
+            <a:cxnSpLocks/>
+            <a:stCxn id="79" idx="2"/>
+            <a:endCxn id="80" idx="0"/>
+          </p:cNvCxnSpPr>
+          <p:nvPr/>
+        </p:nvCxnSpPr>
+        <p:spPr>
+          <a:xfrm>
+            <a:off x="6840251" y="1491631"/>
+            <a:ext cx="0" cy="185183"/>
+          </a:xfrm>
+          <a:prstGeom prst="line">
+            <a:avLst/>
+          </a:prstGeom>
+          <a:ln w="28575">
+            <a:solidFill>
+              <a:schemeClr val="tx1"/>
+            </a:solidFill>
+          </a:ln>
+        </p:spPr>
+        <p:style>
+          <a:lnRef idx="1">
+            <a:schemeClr val="accent1"/>
+          </a:lnRef>
+          <a:fillRef idx="0">
+            <a:schemeClr val="accent1"/>
+          </a:fillRef>
+          <a:effectRef idx="0">
+            <a:schemeClr val="accent1"/>
+          </a:effectRef>
+          <a:fontRef idx="minor">
+            <a:schemeClr val="tx1"/>
+          </a:fontRef>
+        </p:style>
+      </p:cxnSp>
+      <p:sp>
+        <p:nvSpPr>
+          <p:cNvPr id="85" name="사각형: 둥근 모서리 84">
+            <a:extLst>
+              <a:ext uri="{FF2B5EF4-FFF2-40B4-BE49-F238E27FC236}">
+                <a16:creationId xmlns:a16="http://schemas.microsoft.com/office/drawing/2014/main" id="{70323992-35B6-4AFC-8CA7-B7AE2E0F2849}"/>
+              </a:ext>
+            </a:extLst>
+          </p:cNvPr>
+          <p:cNvSpPr/>
+          <p:nvPr/>
+        </p:nvSpPr>
+        <p:spPr>
+          <a:xfrm>
+            <a:off x="3448382" y="4515966"/>
+            <a:ext cx="2563778" cy="272578"/>
+          </a:xfrm>
+          <a:prstGeom prst="roundRect">
+            <a:avLst>
+              <a:gd name="adj" fmla="val 15087"/>
+            </a:avLst>
+          </a:prstGeom>
+        </p:spPr>
+        <p:style>
+          <a:lnRef idx="2">
+            <a:schemeClr val="dk1"/>
+          </a:lnRef>
+          <a:fillRef idx="1">
+            <a:schemeClr val="lt1"/>
+          </a:fillRef>
+          <a:effectRef idx="0">
+            <a:schemeClr val="dk1"/>
+          </a:effectRef>
+          <a:fontRef idx="minor">
+            <a:schemeClr val="dk1"/>
+          </a:fontRef>
+        </p:style>
+        <p:txBody>
+          <a:bodyPr rtlCol="0" anchor="ctr"/>
+          <a:lstStyle/>
+          <a:p>
+            <a:pPr algn="ctr"/>
+            <a:r>
+              <a:rPr lang="en-US" altLang="ko-KR" sz="1200"/>
+              <a:t>eth / IPIP / VXLAN Interface</a:t>
+            </a:r>
+          </a:p>
+        </p:txBody>
+      </p:sp>
+      <p:sp>
+        <p:nvSpPr>
+          <p:cNvPr id="86" name="사각형: 둥근 모서리 85">
+            <a:extLst>
+              <a:ext uri="{FF2B5EF4-FFF2-40B4-BE49-F238E27FC236}">
+                <a16:creationId xmlns:a16="http://schemas.microsoft.com/office/drawing/2014/main" id="{005ED654-6BEF-41E6-92C9-A8DCE7F19AC0}"/>
+              </a:ext>
+            </a:extLst>
+          </p:cNvPr>
+          <p:cNvSpPr/>
+          <p:nvPr/>
+        </p:nvSpPr>
+        <p:spPr>
+          <a:xfrm>
+            <a:off x="3830855" y="2067694"/>
+            <a:ext cx="1798833" cy="519510"/>
+          </a:xfrm>
+          <a:prstGeom prst="roundRect">
+            <a:avLst>
+              <a:gd name="adj" fmla="val 6633"/>
+            </a:avLst>
+          </a:prstGeom>
+        </p:spPr>
+        <p:style>
+          <a:lnRef idx="2">
+            <a:schemeClr val="dk1"/>
+          </a:lnRef>
+          <a:fillRef idx="1">
+            <a:schemeClr val="lt1"/>
+          </a:fillRef>
+          <a:effectRef idx="0">
+            <a:schemeClr val="dk1"/>
+          </a:effectRef>
+          <a:fontRef idx="minor">
+            <a:schemeClr val="dk1"/>
+          </a:fontRef>
+        </p:style>
+        <p:txBody>
+          <a:bodyPr rtlCol="0" anchor="ctr"/>
+          <a:lstStyle/>
+          <a:p>
+            <a:pPr algn="ctr"/>
+            <a:r>
+              <a:rPr lang="en-US" altLang="ko-KR" sz="1200"/>
+              <a:t>Host / Pod Process</a:t>
+            </a:r>
+          </a:p>
+          <a:p>
+            <a:pPr algn="ctr"/>
+            <a:r>
+              <a:rPr lang="en-US" altLang="ko-KR" sz="1200" b="1">
+                <a:solidFill>
+                  <a:schemeClr val="accent6">
+                    <a:lumMod val="75000"/>
+                  </a:schemeClr>
+                </a:solidFill>
+              </a:rPr>
+              <a:t>(kube-proxy)</a:t>
+            </a:r>
+            <a:endParaRPr lang="ko-KR" altLang="en-US" sz="1200" b="1">
+              <a:solidFill>
+                <a:schemeClr val="accent6">
+                  <a:lumMod val="75000"/>
+                </a:schemeClr>
+              </a:solidFill>
+            </a:endParaRPr>
+          </a:p>
+        </p:txBody>
+      </p:sp>
+      <p:sp>
+        <p:nvSpPr>
+          <p:cNvPr id="90" name="사각형: 둥근 모서리 89">
+            <a:extLst>
+              <a:ext uri="{FF2B5EF4-FFF2-40B4-BE49-F238E27FC236}">
+                <a16:creationId xmlns:a16="http://schemas.microsoft.com/office/drawing/2014/main" id="{3083D0A7-8723-4979-9671-4E9677E30557}"/>
+              </a:ext>
+            </a:extLst>
+          </p:cNvPr>
+          <p:cNvSpPr/>
+          <p:nvPr/>
+        </p:nvSpPr>
+        <p:spPr>
+          <a:xfrm>
+            <a:off x="1621039" y="2194927"/>
+            <a:ext cx="1797468" cy="272578"/>
+          </a:xfrm>
+          <a:prstGeom prst="roundRect">
+            <a:avLst>
+              <a:gd name="adj" fmla="val 15087"/>
+            </a:avLst>
+          </a:prstGeom>
+          <a:ln>
+            <a:solidFill>
+              <a:schemeClr val="tx2"/>
+            </a:solidFill>
+          </a:ln>
+        </p:spPr>
+        <p:style>
+          <a:lnRef idx="2">
+            <a:schemeClr val="dk1"/>
+          </a:lnRef>
+          <a:fillRef idx="1">
+            <a:schemeClr val="lt1"/>
+          </a:fillRef>
+          <a:effectRef idx="0">
+            <a:schemeClr val="dk1"/>
+          </a:effectRef>
+          <a:fontRef idx="minor">
+            <a:schemeClr val="dk1"/>
+          </a:fontRef>
+        </p:style>
+        <p:txBody>
+          <a:bodyPr rtlCol="0" anchor="ctr"/>
+          <a:lstStyle/>
+          <a:p>
+            <a:pPr algn="ctr"/>
+            <a:r>
+              <a:rPr lang="en-US" altLang="ko-KR" sz="1200">
+                <a:solidFill>
+                  <a:schemeClr val="tx2"/>
+                </a:solidFill>
+              </a:rPr>
+              <a:t>PREROUTING</a:t>
+            </a:r>
+          </a:p>
+        </p:txBody>
+      </p:sp>
+      <p:sp>
+        <p:nvSpPr>
+          <p:cNvPr id="91" name="사각형: 둥근 모서리 90">
+            <a:extLst>
+              <a:ext uri="{FF2B5EF4-FFF2-40B4-BE49-F238E27FC236}">
+                <a16:creationId xmlns:a16="http://schemas.microsoft.com/office/drawing/2014/main" id="{8673B26D-82CE-4191-92D3-8B4D0EEE3E55}"/>
+              </a:ext>
+            </a:extLst>
+          </p:cNvPr>
+          <p:cNvSpPr/>
+          <p:nvPr/>
+        </p:nvSpPr>
+        <p:spPr>
+          <a:xfrm>
+            <a:off x="3831537" y="2799829"/>
+            <a:ext cx="1797468" cy="272578"/>
+          </a:xfrm>
+          <a:prstGeom prst="roundRect">
+            <a:avLst>
+              <a:gd name="adj" fmla="val 15087"/>
+            </a:avLst>
+          </a:prstGeom>
+          <a:ln>
+            <a:solidFill>
+              <a:schemeClr val="tx2"/>
+            </a:solidFill>
+          </a:ln>
+        </p:spPr>
+        <p:style>
+          <a:lnRef idx="2">
+            <a:schemeClr val="dk1"/>
+          </a:lnRef>
+          <a:fillRef idx="1">
+            <a:schemeClr val="lt1"/>
+          </a:fillRef>
+          <a:effectRef idx="0">
+            <a:schemeClr val="dk1"/>
+          </a:effectRef>
+          <a:fontRef idx="minor">
+            <a:schemeClr val="dk1"/>
+          </a:fontRef>
+        </p:style>
+        <p:txBody>
+          <a:bodyPr rtlCol="0" anchor="ctr"/>
+          <a:lstStyle/>
+          <a:p>
+            <a:pPr algn="ctr"/>
+            <a:r>
+              <a:rPr lang="en-US" altLang="ko-KR" sz="1200">
+                <a:solidFill>
+                  <a:schemeClr val="tx2"/>
+                </a:solidFill>
+              </a:rPr>
+              <a:t>OUTPUT</a:t>
+            </a:r>
+          </a:p>
+        </p:txBody>
+      </p:sp>
+      <p:cxnSp>
+        <p:nvCxnSpPr>
+          <p:cNvPr id="93" name="직선 화살표 연결선 92">
+            <a:extLst>
+              <a:ext uri="{FF2B5EF4-FFF2-40B4-BE49-F238E27FC236}">
+                <a16:creationId xmlns:a16="http://schemas.microsoft.com/office/drawing/2014/main" id="{2511C344-2234-4CC1-8C01-CC5A002274E0}"/>
+              </a:ext>
+            </a:extLst>
+          </p:cNvPr>
+          <p:cNvCxnSpPr>
+            <a:cxnSpLocks/>
+            <a:stCxn id="43" idx="2"/>
+            <a:endCxn id="90" idx="0"/>
+          </p:cNvCxnSpPr>
+          <p:nvPr/>
+        </p:nvCxnSpPr>
+        <p:spPr>
+          <a:xfrm>
+            <a:off x="2519773" y="1949392"/>
+            <a:ext cx="0" cy="245535"/>
+          </a:xfrm>
+          <a:prstGeom prst="straightConnector1">
+            <a:avLst/>
+          </a:prstGeom>
+          <a:ln w="19050">
+            <a:solidFill>
+              <a:schemeClr val="tx1"/>
+            </a:solidFill>
+            <a:tailEnd type="arrow"/>
+          </a:ln>
+        </p:spPr>
+        <p:style>
+          <a:lnRef idx="1">
+            <a:schemeClr val="accent1"/>
+          </a:lnRef>
+          <a:fillRef idx="0">
+            <a:schemeClr val="accent1"/>
+          </a:fillRef>
+          <a:effectRef idx="0">
+            <a:schemeClr val="accent1"/>
+          </a:effectRef>
+          <a:fontRef idx="minor">
+            <a:schemeClr val="tx1"/>
+          </a:fontRef>
+        </p:style>
+      </p:cxnSp>
+      <p:cxnSp>
+        <p:nvCxnSpPr>
+          <p:cNvPr id="96" name="직선 화살표 연결선 95">
+            <a:extLst>
+              <a:ext uri="{FF2B5EF4-FFF2-40B4-BE49-F238E27FC236}">
+                <a16:creationId xmlns:a16="http://schemas.microsoft.com/office/drawing/2014/main" id="{F6B53178-8C8D-4A71-992D-DEB3A83586B3}"/>
+              </a:ext>
+            </a:extLst>
+          </p:cNvPr>
+          <p:cNvCxnSpPr>
+            <a:cxnSpLocks/>
+          </p:cNvCxnSpPr>
+          <p:nvPr/>
+        </p:nvCxnSpPr>
+        <p:spPr>
+          <a:xfrm flipH="1">
+            <a:off x="4644008" y="2587204"/>
+            <a:ext cx="1" cy="212625"/>
+          </a:xfrm>
+          <a:prstGeom prst="straightConnector1">
+            <a:avLst/>
+          </a:prstGeom>
+          <a:ln w="19050">
+            <a:solidFill>
+              <a:schemeClr val="tx1"/>
+            </a:solidFill>
+            <a:tailEnd type="arrow"/>
+          </a:ln>
+        </p:spPr>
+        <p:style>
+          <a:lnRef idx="1">
+            <a:schemeClr val="accent1"/>
+          </a:lnRef>
+          <a:fillRef idx="0">
+            <a:schemeClr val="accent1"/>
+          </a:fillRef>
+          <a:effectRef idx="0">
+            <a:schemeClr val="accent1"/>
+          </a:effectRef>
+          <a:fontRef idx="minor">
+            <a:schemeClr val="tx1"/>
+          </a:fontRef>
+        </p:style>
+      </p:cxnSp>
+      <p:cxnSp>
+        <p:nvCxnSpPr>
+          <p:cNvPr id="102" name="직선 화살표 연결선 101">
+            <a:extLst>
+              <a:ext uri="{FF2B5EF4-FFF2-40B4-BE49-F238E27FC236}">
+                <a16:creationId xmlns:a16="http://schemas.microsoft.com/office/drawing/2014/main" id="{ECEE0818-1A81-4312-9F3D-8C1349A7D83E}"/>
+              </a:ext>
+            </a:extLst>
+          </p:cNvPr>
+          <p:cNvCxnSpPr>
+            <a:cxnSpLocks/>
+            <a:stCxn id="90" idx="2"/>
+            <a:endCxn id="41" idx="0"/>
+          </p:cNvCxnSpPr>
+          <p:nvPr/>
+        </p:nvCxnSpPr>
+        <p:spPr>
+          <a:xfrm>
+            <a:off x="2519773" y="2467505"/>
+            <a:ext cx="0" cy="269179"/>
+          </a:xfrm>
+          <a:prstGeom prst="straightConnector1">
+            <a:avLst/>
+          </a:prstGeom>
+          <a:ln w="19050">
+            <a:solidFill>
+              <a:schemeClr val="tx1"/>
+            </a:solidFill>
+            <a:tailEnd type="arrow"/>
+          </a:ln>
+        </p:spPr>
+        <p:style>
+          <a:lnRef idx="1">
+            <a:schemeClr val="accent1"/>
+          </a:lnRef>
+          <a:fillRef idx="0">
+            <a:schemeClr val="accent1"/>
+          </a:fillRef>
+          <a:effectRef idx="0">
+            <a:schemeClr val="accent1"/>
+          </a:effectRef>
+          <a:fontRef idx="minor">
+            <a:schemeClr val="tx1"/>
+          </a:fontRef>
+        </p:style>
+      </p:cxnSp>
+      <p:sp>
+        <p:nvSpPr>
+          <p:cNvPr id="41" name="사각형: 둥근 모서리 40">
+            <a:extLst>
+              <a:ext uri="{FF2B5EF4-FFF2-40B4-BE49-F238E27FC236}">
+                <a16:creationId xmlns:a16="http://schemas.microsoft.com/office/drawing/2014/main" id="{39558EA9-7CDE-4AF4-AF12-452E1B805636}"/>
+              </a:ext>
+            </a:extLst>
+          </p:cNvPr>
+          <p:cNvSpPr/>
+          <p:nvPr/>
+        </p:nvSpPr>
+        <p:spPr>
+          <a:xfrm>
+            <a:off x="1621039" y="2736684"/>
+            <a:ext cx="1797468" cy="398868"/>
+          </a:xfrm>
+          <a:prstGeom prst="roundRect">
+            <a:avLst>
+              <a:gd name="adj" fmla="val 15087"/>
+            </a:avLst>
+          </a:prstGeom>
+          <a:ln>
+            <a:solidFill>
+              <a:schemeClr val="tx2"/>
+            </a:solidFill>
+          </a:ln>
+        </p:spPr>
+        <p:style>
+          <a:lnRef idx="2">
+            <a:schemeClr val="dk1"/>
+          </a:lnRef>
+          <a:fillRef idx="1">
+            <a:schemeClr val="lt1"/>
+          </a:fillRef>
+          <a:effectRef idx="0">
+            <a:schemeClr val="dk1"/>
+          </a:effectRef>
+          <a:fontRef idx="minor">
+            <a:schemeClr val="dk1"/>
+          </a:fontRef>
+        </p:style>
+        <p:txBody>
+          <a:bodyPr rtlCol="0" anchor="ctr"/>
+          <a:lstStyle/>
+          <a:p>
+            <a:pPr algn="ctr"/>
+            <a:r>
+              <a:rPr lang="en-US" altLang="ko-KR" sz="1200" b="1">
+                <a:solidFill>
+                  <a:schemeClr val="tx2"/>
+                </a:solidFill>
+              </a:rPr>
+              <a:t>KUBE-PORTALS-CONTAINER</a:t>
+            </a:r>
+            <a:endParaRPr lang="ko-KR" altLang="en-US" sz="1200" b="1">
+              <a:solidFill>
+                <a:schemeClr val="tx2"/>
+              </a:solidFill>
+            </a:endParaRPr>
+          </a:p>
+        </p:txBody>
+      </p:sp>
+      <p:sp>
+        <p:nvSpPr>
+          <p:cNvPr id="44" name="사각형: 둥근 모서리 43">
+            <a:extLst>
+              <a:ext uri="{FF2B5EF4-FFF2-40B4-BE49-F238E27FC236}">
+                <a16:creationId xmlns:a16="http://schemas.microsoft.com/office/drawing/2014/main" id="{6B68C29B-E4E1-4388-B1B3-23784F4A1546}"/>
+              </a:ext>
+            </a:extLst>
+          </p:cNvPr>
+          <p:cNvSpPr/>
+          <p:nvPr/>
+        </p:nvSpPr>
+        <p:spPr>
+          <a:xfrm>
+            <a:off x="1621039" y="3351749"/>
+            <a:ext cx="1797468" cy="398868"/>
+          </a:xfrm>
+          <a:prstGeom prst="roundRect">
+            <a:avLst>
+              <a:gd name="adj" fmla="val 15087"/>
+            </a:avLst>
+          </a:prstGeom>
+          <a:ln>
+            <a:solidFill>
+              <a:schemeClr val="tx2"/>
+            </a:solidFill>
+          </a:ln>
+        </p:spPr>
+        <p:style>
+          <a:lnRef idx="2">
+            <a:schemeClr val="dk1"/>
+          </a:lnRef>
+          <a:fillRef idx="1">
+            <a:schemeClr val="lt1"/>
+          </a:fillRef>
+          <a:effectRef idx="0">
+            <a:schemeClr val="dk1"/>
+          </a:effectRef>
+          <a:fontRef idx="minor">
+            <a:schemeClr val="dk1"/>
+          </a:fontRef>
+        </p:style>
+        <p:txBody>
+          <a:bodyPr rtlCol="0" anchor="ctr"/>
+          <a:lstStyle/>
+          <a:p>
+            <a:pPr algn="ctr"/>
+            <a:r>
+              <a:rPr lang="en-US" altLang="ko-KR" sz="1200" b="1">
+                <a:solidFill>
+                  <a:schemeClr val="tx2"/>
+                </a:solidFill>
+              </a:rPr>
+              <a:t>KUBE-NODEPORT-CONTAINER</a:t>
+            </a:r>
+            <a:endParaRPr lang="ko-KR" altLang="en-US" sz="1200" b="1">
+              <a:solidFill>
+                <a:schemeClr val="tx2"/>
+              </a:solidFill>
+            </a:endParaRPr>
+          </a:p>
+        </p:txBody>
+      </p:sp>
+      <p:cxnSp>
+        <p:nvCxnSpPr>
+          <p:cNvPr id="47" name="직선 화살표 연결선 46">
+            <a:extLst>
+              <a:ext uri="{FF2B5EF4-FFF2-40B4-BE49-F238E27FC236}">
+                <a16:creationId xmlns:a16="http://schemas.microsoft.com/office/drawing/2014/main" id="{630B35F6-5EB9-4612-9CDD-A2160C905907}"/>
+              </a:ext>
+            </a:extLst>
+          </p:cNvPr>
+          <p:cNvCxnSpPr>
+            <a:cxnSpLocks/>
+            <a:stCxn id="41" idx="2"/>
+            <a:endCxn id="44" idx="0"/>
+          </p:cNvCxnSpPr>
+          <p:nvPr/>
+        </p:nvCxnSpPr>
+        <p:spPr>
+          <a:xfrm>
+            <a:off x="2519773" y="3135552"/>
+            <a:ext cx="0" cy="216197"/>
+          </a:xfrm>
+          <a:prstGeom prst="straightConnector1">
+            <a:avLst/>
+          </a:prstGeom>
+          <a:ln w="19050">
+            <a:solidFill>
+              <a:schemeClr val="accent3">
+                <a:lumMod val="50000"/>
+              </a:schemeClr>
+            </a:solidFill>
+            <a:tailEnd type="arrow"/>
+          </a:ln>
+        </p:spPr>
+        <p:style>
+          <a:lnRef idx="1">
+            <a:schemeClr val="accent1"/>
+          </a:lnRef>
+          <a:fillRef idx="0">
+            <a:schemeClr val="accent1"/>
+          </a:fillRef>
+          <a:effectRef idx="0">
+            <a:schemeClr val="accent1"/>
+          </a:effectRef>
+          <a:fontRef idx="minor">
+            <a:schemeClr val="tx1"/>
+          </a:fontRef>
+        </p:style>
+      </p:cxnSp>
+      <p:sp>
+        <p:nvSpPr>
+          <p:cNvPr id="51" name="사각형: 둥근 모서리 50">
+            <a:extLst>
+              <a:ext uri="{FF2B5EF4-FFF2-40B4-BE49-F238E27FC236}">
+                <a16:creationId xmlns:a16="http://schemas.microsoft.com/office/drawing/2014/main" id="{D22F7C81-807A-4E98-8C89-1FBCE4CFBDEB}"/>
+              </a:ext>
+            </a:extLst>
+          </p:cNvPr>
+          <p:cNvSpPr/>
+          <p:nvPr/>
+        </p:nvSpPr>
+        <p:spPr>
+          <a:xfrm>
+            <a:off x="5941517" y="2736684"/>
+            <a:ext cx="1797468" cy="398868"/>
+          </a:xfrm>
+          <a:prstGeom prst="roundRect">
+            <a:avLst>
+              <a:gd name="adj" fmla="val 15087"/>
+            </a:avLst>
+          </a:prstGeom>
+          <a:ln>
+            <a:solidFill>
+              <a:schemeClr val="tx2"/>
+            </a:solidFill>
+          </a:ln>
+        </p:spPr>
+        <p:style>
+          <a:lnRef idx="2">
+            <a:schemeClr val="dk1"/>
+          </a:lnRef>
+          <a:fillRef idx="1">
+            <a:schemeClr val="lt1"/>
+          </a:fillRef>
+          <a:effectRef idx="0">
+            <a:schemeClr val="dk1"/>
+          </a:effectRef>
+          <a:fontRef idx="minor">
+            <a:schemeClr val="dk1"/>
+          </a:fontRef>
+        </p:style>
+        <p:txBody>
+          <a:bodyPr rtlCol="0" anchor="ctr"/>
+          <a:lstStyle/>
+          <a:p>
+            <a:pPr algn="ctr"/>
+            <a:r>
+              <a:rPr lang="en-US" altLang="ko-KR" sz="1200" b="1">
+                <a:solidFill>
+                  <a:schemeClr val="tx2"/>
+                </a:solidFill>
+              </a:rPr>
+              <a:t>KUBE-PORTALS-HOST</a:t>
+            </a:r>
+            <a:endParaRPr lang="ko-KR" altLang="en-US" sz="1200" b="1">
+              <a:solidFill>
+                <a:schemeClr val="tx2"/>
+              </a:solidFill>
+            </a:endParaRPr>
+          </a:p>
+        </p:txBody>
+      </p:sp>
+      <p:sp>
+        <p:nvSpPr>
+          <p:cNvPr id="52" name="사각형: 둥근 모서리 51">
+            <a:extLst>
+              <a:ext uri="{FF2B5EF4-FFF2-40B4-BE49-F238E27FC236}">
+                <a16:creationId xmlns:a16="http://schemas.microsoft.com/office/drawing/2014/main" id="{0FBEC764-8F47-47BE-876A-19987772F5AF}"/>
+              </a:ext>
+            </a:extLst>
+          </p:cNvPr>
+          <p:cNvSpPr/>
+          <p:nvPr/>
+        </p:nvSpPr>
+        <p:spPr>
+          <a:xfrm>
+            <a:off x="5941517" y="3351749"/>
+            <a:ext cx="1797468" cy="398868"/>
+          </a:xfrm>
+          <a:prstGeom prst="roundRect">
+            <a:avLst>
+              <a:gd name="adj" fmla="val 15087"/>
+            </a:avLst>
+          </a:prstGeom>
+          <a:ln>
+            <a:solidFill>
+              <a:schemeClr val="tx2"/>
+            </a:solidFill>
+          </a:ln>
+        </p:spPr>
+        <p:style>
+          <a:lnRef idx="2">
+            <a:schemeClr val="dk1"/>
+          </a:lnRef>
+          <a:fillRef idx="1">
+            <a:schemeClr val="lt1"/>
+          </a:fillRef>
+          <a:effectRef idx="0">
+            <a:schemeClr val="dk1"/>
+          </a:effectRef>
+          <a:fontRef idx="minor">
+            <a:schemeClr val="dk1"/>
+          </a:fontRef>
+        </p:style>
+        <p:txBody>
+          <a:bodyPr rtlCol="0" anchor="ctr"/>
+          <a:lstStyle/>
+          <a:p>
+            <a:pPr algn="ctr"/>
+            <a:r>
+              <a:rPr lang="en-US" altLang="ko-KR" sz="1200" b="1">
+                <a:solidFill>
+                  <a:schemeClr val="tx2"/>
+                </a:solidFill>
+              </a:rPr>
+              <a:t>KUBE-NODEPORT-HOST</a:t>
+            </a:r>
+            <a:endParaRPr lang="ko-KR" altLang="en-US" sz="1200" b="1">
+              <a:solidFill>
+                <a:schemeClr val="tx2"/>
+              </a:solidFill>
+            </a:endParaRPr>
+          </a:p>
+        </p:txBody>
+      </p:sp>
+      <p:cxnSp>
+        <p:nvCxnSpPr>
+          <p:cNvPr id="53" name="직선 화살표 연결선 52">
+            <a:extLst>
+              <a:ext uri="{FF2B5EF4-FFF2-40B4-BE49-F238E27FC236}">
+                <a16:creationId xmlns:a16="http://schemas.microsoft.com/office/drawing/2014/main" id="{7562E4B3-FF2E-4F8E-A2ED-B3FECCAEC0AA}"/>
+              </a:ext>
+            </a:extLst>
+          </p:cNvPr>
+          <p:cNvCxnSpPr>
+            <a:cxnSpLocks/>
+          </p:cNvCxnSpPr>
+          <p:nvPr/>
+        </p:nvCxnSpPr>
+        <p:spPr>
+          <a:xfrm>
+            <a:off x="5629005" y="3003798"/>
+            <a:ext cx="312512" cy="0"/>
+          </a:xfrm>
+          <a:prstGeom prst="straightConnector1">
+            <a:avLst/>
+          </a:prstGeom>
+          <a:ln w="19050">
+            <a:solidFill>
+              <a:schemeClr val="accent6">
+                <a:lumMod val="75000"/>
+              </a:schemeClr>
+            </a:solidFill>
+            <a:tailEnd type="arrow"/>
+          </a:ln>
+        </p:spPr>
+        <p:style>
+          <a:lnRef idx="1">
+            <a:schemeClr val="accent1"/>
+          </a:lnRef>
+          <a:fillRef idx="0">
+            <a:schemeClr val="accent1"/>
+          </a:fillRef>
+          <a:effectRef idx="0">
+            <a:schemeClr val="accent1"/>
+          </a:effectRef>
+          <a:fontRef idx="minor">
+            <a:schemeClr val="tx1"/>
+          </a:fontRef>
+        </p:style>
+      </p:cxnSp>
+      <p:cxnSp>
+        <p:nvCxnSpPr>
+          <p:cNvPr id="56" name="직선 화살표 연결선 55">
+            <a:extLst>
+              <a:ext uri="{FF2B5EF4-FFF2-40B4-BE49-F238E27FC236}">
+                <a16:creationId xmlns:a16="http://schemas.microsoft.com/office/drawing/2014/main" id="{126C014A-0EF3-42F3-8408-0592C1499E19}"/>
+              </a:ext>
+            </a:extLst>
+          </p:cNvPr>
+          <p:cNvCxnSpPr>
+            <a:cxnSpLocks/>
+            <a:stCxn id="51" idx="2"/>
+            <a:endCxn id="52" idx="0"/>
+          </p:cNvCxnSpPr>
+          <p:nvPr/>
+        </p:nvCxnSpPr>
+        <p:spPr>
+          <a:xfrm>
+            <a:off x="6840251" y="3135552"/>
+            <a:ext cx="0" cy="216197"/>
+          </a:xfrm>
+          <a:prstGeom prst="straightConnector1">
+            <a:avLst/>
+          </a:prstGeom>
+          <a:ln w="19050">
+            <a:solidFill>
+              <a:schemeClr val="accent3">
+                <a:lumMod val="50000"/>
+              </a:schemeClr>
+            </a:solidFill>
+            <a:tailEnd type="arrow"/>
+          </a:ln>
+        </p:spPr>
+        <p:style>
+          <a:lnRef idx="1">
+            <a:schemeClr val="accent1"/>
+          </a:lnRef>
+          <a:fillRef idx="0">
+            <a:schemeClr val="accent1"/>
+          </a:fillRef>
+          <a:effectRef idx="0">
+            <a:schemeClr val="accent1"/>
+          </a:effectRef>
+          <a:fontRef idx="minor">
+            <a:schemeClr val="tx1"/>
+          </a:fontRef>
+        </p:style>
+      </p:cxnSp>
+      <p:sp>
+        <p:nvSpPr>
+          <p:cNvPr id="59" name="사각형: 둥근 모서리 58">
+            <a:extLst>
+              <a:ext uri="{FF2B5EF4-FFF2-40B4-BE49-F238E27FC236}">
+                <a16:creationId xmlns:a16="http://schemas.microsoft.com/office/drawing/2014/main" id="{E33B40F0-CC59-474A-AA88-C53B1A538582}"/>
+              </a:ext>
+            </a:extLst>
+          </p:cNvPr>
+          <p:cNvSpPr/>
+          <p:nvPr/>
+        </p:nvSpPr>
+        <p:spPr>
+          <a:xfrm>
+            <a:off x="3830855" y="3414894"/>
+            <a:ext cx="1797468" cy="272578"/>
+          </a:xfrm>
+          <a:prstGeom prst="roundRect">
+            <a:avLst>
+              <a:gd name="adj" fmla="val 15087"/>
+            </a:avLst>
+          </a:prstGeom>
+        </p:spPr>
+        <p:style>
+          <a:lnRef idx="2">
+            <a:schemeClr val="dk1"/>
+          </a:lnRef>
+          <a:fillRef idx="1">
+            <a:schemeClr val="lt1"/>
+          </a:fillRef>
+          <a:effectRef idx="0">
+            <a:schemeClr val="dk1"/>
+          </a:effectRef>
+          <a:fontRef idx="minor">
+            <a:schemeClr val="dk1"/>
+          </a:fontRef>
+        </p:style>
+        <p:txBody>
+          <a:bodyPr rtlCol="0" anchor="ctr"/>
+          <a:lstStyle/>
+          <a:p>
+            <a:pPr algn="ctr"/>
+            <a:r>
+              <a:rPr lang="en-US" altLang="ko-KR" sz="1200"/>
+              <a:t>Routing Table</a:t>
+            </a:r>
+          </a:p>
+        </p:txBody>
+      </p:sp>
+      <p:cxnSp>
+        <p:nvCxnSpPr>
+          <p:cNvPr id="60" name="직선 화살표 연결선 59">
+            <a:extLst>
+              <a:ext uri="{FF2B5EF4-FFF2-40B4-BE49-F238E27FC236}">
+                <a16:creationId xmlns:a16="http://schemas.microsoft.com/office/drawing/2014/main" id="{25BD1BBC-C8BF-4BDA-92FD-8FB7DD99CF6D}"/>
+              </a:ext>
+            </a:extLst>
+          </p:cNvPr>
+          <p:cNvCxnSpPr>
+            <a:cxnSpLocks/>
+            <a:stCxn id="44" idx="3"/>
+            <a:endCxn id="59" idx="1"/>
+          </p:cNvCxnSpPr>
+          <p:nvPr/>
+        </p:nvCxnSpPr>
+        <p:spPr>
+          <a:xfrm>
+            <a:off x="3418507" y="3551183"/>
+            <a:ext cx="412348" cy="0"/>
+          </a:xfrm>
+          <a:prstGeom prst="straightConnector1">
+            <a:avLst/>
+          </a:prstGeom>
+          <a:ln w="19050">
+            <a:solidFill>
+              <a:schemeClr val="accent3">
+                <a:lumMod val="50000"/>
+              </a:schemeClr>
+            </a:solidFill>
+            <a:tailEnd type="arrow"/>
+          </a:ln>
+        </p:spPr>
+        <p:style>
+          <a:lnRef idx="1">
+            <a:schemeClr val="accent1"/>
+          </a:lnRef>
+          <a:fillRef idx="0">
+            <a:schemeClr val="accent1"/>
+          </a:fillRef>
+          <a:effectRef idx="0">
+            <a:schemeClr val="accent1"/>
+          </a:effectRef>
+          <a:fontRef idx="minor">
+            <a:schemeClr val="tx1"/>
+          </a:fontRef>
+        </p:style>
+      </p:cxnSp>
+      <p:cxnSp>
+        <p:nvCxnSpPr>
+          <p:cNvPr id="65" name="직선 화살표 연결선 64">
+            <a:extLst>
+              <a:ext uri="{FF2B5EF4-FFF2-40B4-BE49-F238E27FC236}">
+                <a16:creationId xmlns:a16="http://schemas.microsoft.com/office/drawing/2014/main" id="{95D75E12-2CF2-4604-8E3B-422E896E5B81}"/>
+              </a:ext>
+            </a:extLst>
+          </p:cNvPr>
+          <p:cNvCxnSpPr>
+            <a:cxnSpLocks/>
+            <a:stCxn id="52" idx="1"/>
+            <a:endCxn id="59" idx="3"/>
+          </p:cNvCxnSpPr>
+          <p:nvPr/>
+        </p:nvCxnSpPr>
+        <p:spPr>
+          <a:xfrm flipH="1">
+            <a:off x="5628323" y="3551183"/>
+            <a:ext cx="313194" cy="0"/>
+          </a:xfrm>
+          <a:prstGeom prst="straightConnector1">
+            <a:avLst/>
+          </a:prstGeom>
+          <a:ln w="19050">
+            <a:solidFill>
+              <a:schemeClr val="accent3">
+                <a:lumMod val="50000"/>
+              </a:schemeClr>
+            </a:solidFill>
+            <a:tailEnd type="arrow"/>
+          </a:ln>
+        </p:spPr>
+        <p:style>
+          <a:lnRef idx="1">
+            <a:schemeClr val="accent1"/>
+          </a:lnRef>
+          <a:fillRef idx="0">
+            <a:schemeClr val="accent1"/>
+          </a:fillRef>
+          <a:effectRef idx="0">
+            <a:schemeClr val="accent1"/>
+          </a:effectRef>
+          <a:fontRef idx="minor">
+            <a:schemeClr val="tx1"/>
+          </a:fontRef>
+        </p:style>
+      </p:cxnSp>
+      <p:sp>
+        <p:nvSpPr>
+          <p:cNvPr id="68" name="사각형: 둥근 모서리 67">
+            <a:extLst>
+              <a:ext uri="{FF2B5EF4-FFF2-40B4-BE49-F238E27FC236}">
+                <a16:creationId xmlns:a16="http://schemas.microsoft.com/office/drawing/2014/main" id="{4A3C5A43-9B60-48BA-8FAE-AB246B772EC2}"/>
+              </a:ext>
+            </a:extLst>
+          </p:cNvPr>
+          <p:cNvSpPr/>
+          <p:nvPr/>
+        </p:nvSpPr>
+        <p:spPr>
+          <a:xfrm>
+            <a:off x="1621039" y="3968545"/>
+            <a:ext cx="1797468" cy="272578"/>
+          </a:xfrm>
+          <a:prstGeom prst="roundRect">
+            <a:avLst>
+              <a:gd name="adj" fmla="val 15087"/>
+            </a:avLst>
+          </a:prstGeom>
+          <a:ln>
+            <a:solidFill>
+              <a:schemeClr val="tx2"/>
+            </a:solidFill>
+          </a:ln>
+        </p:spPr>
+        <p:style>
+          <a:lnRef idx="2">
+            <a:schemeClr val="dk1"/>
+          </a:lnRef>
+          <a:fillRef idx="1">
+            <a:schemeClr val="lt1"/>
+          </a:fillRef>
+          <a:effectRef idx="0">
+            <a:schemeClr val="dk1"/>
+          </a:effectRef>
+          <a:fontRef idx="minor">
+            <a:schemeClr val="dk1"/>
+          </a:fontRef>
+        </p:style>
+        <p:txBody>
+          <a:bodyPr rtlCol="0" anchor="ctr"/>
+          <a:lstStyle/>
+          <a:p>
+            <a:pPr algn="ctr"/>
+            <a:r>
+              <a:rPr lang="en-US" altLang="ko-KR" sz="1200">
+                <a:solidFill>
+                  <a:schemeClr val="tx2"/>
+                </a:solidFill>
+              </a:rPr>
+              <a:t>POSTROUTING</a:t>
+            </a:r>
+          </a:p>
+        </p:txBody>
+      </p:sp>
+      <p:sp>
+        <p:nvSpPr>
+          <p:cNvPr id="69" name="사각형: 둥근 모서리 68">
+            <a:extLst>
+              <a:ext uri="{FF2B5EF4-FFF2-40B4-BE49-F238E27FC236}">
+                <a16:creationId xmlns:a16="http://schemas.microsoft.com/office/drawing/2014/main" id="{F1BFD606-EF93-423C-8979-4AE50B68E33C}"/>
+              </a:ext>
+            </a:extLst>
+          </p:cNvPr>
+          <p:cNvSpPr/>
+          <p:nvPr/>
+        </p:nvSpPr>
+        <p:spPr>
+          <a:xfrm>
+            <a:off x="3830855" y="3973560"/>
+            <a:ext cx="1797468" cy="272578"/>
+          </a:xfrm>
+          <a:prstGeom prst="roundRect">
+            <a:avLst>
+              <a:gd name="adj" fmla="val 15087"/>
+            </a:avLst>
+          </a:prstGeom>
+          <a:ln>
+            <a:solidFill>
+              <a:schemeClr val="tx2"/>
+            </a:solidFill>
+          </a:ln>
+        </p:spPr>
+        <p:style>
+          <a:lnRef idx="2">
+            <a:schemeClr val="dk1"/>
+          </a:lnRef>
+          <a:fillRef idx="1">
+            <a:schemeClr val="lt1"/>
+          </a:fillRef>
+          <a:effectRef idx="0">
+            <a:schemeClr val="dk1"/>
+          </a:effectRef>
+          <a:fontRef idx="minor">
+            <a:schemeClr val="dk1"/>
+          </a:fontRef>
+        </p:style>
+        <p:txBody>
+          <a:bodyPr rtlCol="0" anchor="ctr"/>
+          <a:lstStyle/>
+          <a:p>
+            <a:pPr algn="ctr"/>
+            <a:r>
+              <a:rPr lang="en-US" altLang="ko-KR" sz="1200" b="1">
+                <a:solidFill>
+                  <a:schemeClr val="tx2"/>
+                </a:solidFill>
+              </a:rPr>
+              <a:t>KUBE-POSTROUTING</a:t>
+            </a:r>
+            <a:endParaRPr lang="ko-KR" altLang="en-US" sz="1200" b="1">
+              <a:solidFill>
+                <a:schemeClr val="tx2"/>
+              </a:solidFill>
+            </a:endParaRPr>
+          </a:p>
+        </p:txBody>
+      </p:sp>
+      <p:cxnSp>
+        <p:nvCxnSpPr>
+          <p:cNvPr id="70" name="직선 화살표 연결선 69">
+            <a:extLst>
+              <a:ext uri="{FF2B5EF4-FFF2-40B4-BE49-F238E27FC236}">
+                <a16:creationId xmlns:a16="http://schemas.microsoft.com/office/drawing/2014/main" id="{2053BE6F-B8CD-4760-8C54-B7BD87CB4BE8}"/>
+              </a:ext>
+            </a:extLst>
+          </p:cNvPr>
+          <p:cNvCxnSpPr>
+            <a:cxnSpLocks/>
+          </p:cNvCxnSpPr>
+          <p:nvPr/>
+        </p:nvCxnSpPr>
+        <p:spPr>
+          <a:xfrm flipH="1">
+            <a:off x="2363992" y="3687472"/>
+            <a:ext cx="2210498" cy="281073"/>
+          </a:xfrm>
+          <a:prstGeom prst="straightConnector1">
+            <a:avLst/>
+          </a:prstGeom>
+          <a:ln w="19050">
+            <a:solidFill>
+              <a:schemeClr val="tx1"/>
+            </a:solidFill>
+            <a:tailEnd type="arrow"/>
+          </a:ln>
+        </p:spPr>
+        <p:style>
+          <a:lnRef idx="1">
+            <a:schemeClr val="accent1"/>
+          </a:lnRef>
+          <a:fillRef idx="0">
+            <a:schemeClr val="accent1"/>
+          </a:fillRef>
+          <a:effectRef idx="0">
+            <a:schemeClr val="accent1"/>
+          </a:effectRef>
+          <a:fontRef idx="minor">
+            <a:schemeClr val="tx1"/>
+          </a:fontRef>
+        </p:style>
+      </p:cxnSp>
+      <p:cxnSp>
+        <p:nvCxnSpPr>
+          <p:cNvPr id="73" name="직선 화살표 연결선 72">
+            <a:extLst>
+              <a:ext uri="{FF2B5EF4-FFF2-40B4-BE49-F238E27FC236}">
+                <a16:creationId xmlns:a16="http://schemas.microsoft.com/office/drawing/2014/main" id="{E0ECBA20-7ADA-4A87-8F8A-7833EAD3E4F8}"/>
+              </a:ext>
+            </a:extLst>
+          </p:cNvPr>
+          <p:cNvCxnSpPr>
+            <a:cxnSpLocks/>
+          </p:cNvCxnSpPr>
+          <p:nvPr/>
+        </p:nvCxnSpPr>
+        <p:spPr>
+          <a:xfrm>
+            <a:off x="3418507" y="4039468"/>
+            <a:ext cx="412348" cy="0"/>
+          </a:xfrm>
+          <a:prstGeom prst="straightConnector1">
+            <a:avLst/>
+          </a:prstGeom>
+          <a:ln w="19050">
+            <a:solidFill>
+              <a:schemeClr val="tx1"/>
+            </a:solidFill>
+            <a:tailEnd type="arrow"/>
+          </a:ln>
+        </p:spPr>
+        <p:style>
+          <a:lnRef idx="1">
+            <a:schemeClr val="accent1"/>
+          </a:lnRef>
+          <a:fillRef idx="0">
+            <a:schemeClr val="accent1"/>
+          </a:fillRef>
+          <a:effectRef idx="0">
+            <a:schemeClr val="accent1"/>
+          </a:effectRef>
+          <a:fontRef idx="minor">
+            <a:schemeClr val="tx1"/>
+          </a:fontRef>
+        </p:style>
+      </p:cxnSp>
+      <p:sp>
+        <p:nvSpPr>
+          <p:cNvPr id="94" name="사각형: 둥근 모서리 93">
+            <a:extLst>
+              <a:ext uri="{FF2B5EF4-FFF2-40B4-BE49-F238E27FC236}">
+                <a16:creationId xmlns:a16="http://schemas.microsoft.com/office/drawing/2014/main" id="{401EAF65-675D-4A1A-90BB-229375CD832C}"/>
+              </a:ext>
+            </a:extLst>
+          </p:cNvPr>
+          <p:cNvSpPr/>
+          <p:nvPr/>
+        </p:nvSpPr>
+        <p:spPr>
+          <a:xfrm>
+            <a:off x="1359495" y="4861057"/>
+            <a:ext cx="576064" cy="157134"/>
+          </a:xfrm>
+          <a:prstGeom prst="roundRect">
+            <a:avLst>
+              <a:gd name="adj" fmla="val 15087"/>
+            </a:avLst>
+          </a:prstGeom>
+          <a:ln>
+            <a:solidFill>
+              <a:schemeClr val="tx2"/>
+            </a:solidFill>
+          </a:ln>
+        </p:spPr>
+        <p:style>
+          <a:lnRef idx="2">
+            <a:schemeClr val="dk1"/>
+          </a:lnRef>
+          <a:fillRef idx="1">
+            <a:schemeClr val="lt1"/>
+          </a:fillRef>
+          <a:effectRef idx="0">
+            <a:schemeClr val="dk1"/>
+          </a:effectRef>
+          <a:fontRef idx="minor">
+            <a:schemeClr val="dk1"/>
+          </a:fontRef>
+        </p:style>
+        <p:txBody>
+          <a:bodyPr rtlCol="0" anchor="ctr"/>
+          <a:lstStyle/>
+          <a:p>
+            <a:pPr algn="ctr"/>
+            <a:endParaRPr lang="en-US" altLang="ko-KR" sz="1200">
+              <a:solidFill>
+                <a:schemeClr val="tx2"/>
+              </a:solidFill>
+            </a:endParaRPr>
+          </a:p>
+        </p:txBody>
+      </p:sp>
+      <p:sp>
+        <p:nvSpPr>
+          <p:cNvPr id="95" name="TextBox 94">
+            <a:extLst>
+              <a:ext uri="{FF2B5EF4-FFF2-40B4-BE49-F238E27FC236}">
+                <a16:creationId xmlns:a16="http://schemas.microsoft.com/office/drawing/2014/main" id="{19CBBBC4-5C9B-45EC-8F58-814E1E79BE86}"/>
+              </a:ext>
+            </a:extLst>
+          </p:cNvPr>
+          <p:cNvSpPr txBox="1"/>
+          <p:nvPr/>
+        </p:nvSpPr>
+        <p:spPr>
+          <a:xfrm>
+            <a:off x="1935559" y="4784253"/>
+            <a:ext cx="1700337" cy="307777"/>
+          </a:xfrm>
+          <a:prstGeom prst="rect">
+            <a:avLst/>
+          </a:prstGeom>
+          <a:noFill/>
+        </p:spPr>
+        <p:txBody>
+          <a:bodyPr wrap="none" rtlCol="0">
+            <a:spAutoFit/>
+          </a:bodyPr>
+          <a:lstStyle/>
+          <a:p>
+            <a:r>
+              <a:rPr lang="en-US" altLang="ko-KR" sz="1400"/>
+              <a:t>iptables NAT Table</a:t>
+            </a:r>
+            <a:endParaRPr lang="ko-KR" altLang="en-US" sz="1400"/>
+          </a:p>
+        </p:txBody>
+      </p:sp>
+      <p:cxnSp>
+        <p:nvCxnSpPr>
+          <p:cNvPr id="97" name="직선 화살표 연결선 96">
+            <a:extLst>
+              <a:ext uri="{FF2B5EF4-FFF2-40B4-BE49-F238E27FC236}">
+                <a16:creationId xmlns:a16="http://schemas.microsoft.com/office/drawing/2014/main" id="{4956F550-AC46-47A5-AD40-D0E70872D353}"/>
+              </a:ext>
+            </a:extLst>
+          </p:cNvPr>
+          <p:cNvCxnSpPr>
+            <a:cxnSpLocks/>
+            <a:endCxn id="59" idx="0"/>
+          </p:cNvCxnSpPr>
+          <p:nvPr/>
+        </p:nvCxnSpPr>
+        <p:spPr>
+          <a:xfrm>
+            <a:off x="2519773" y="3135552"/>
+            <a:ext cx="2209816" cy="279342"/>
+          </a:xfrm>
+          <a:prstGeom prst="straightConnector1">
+            <a:avLst/>
+          </a:prstGeom>
+          <a:ln w="19050">
+            <a:solidFill>
+              <a:srgbClr val="C00000"/>
+            </a:solidFill>
+            <a:tailEnd type="arrow"/>
+          </a:ln>
+        </p:spPr>
+        <p:style>
+          <a:lnRef idx="1">
+            <a:schemeClr val="accent1"/>
+          </a:lnRef>
+          <a:fillRef idx="0">
+            <a:schemeClr val="accent1"/>
+          </a:fillRef>
+          <a:effectRef idx="0">
+            <a:schemeClr val="accent1"/>
+          </a:effectRef>
+          <a:fontRef idx="minor">
+            <a:schemeClr val="tx1"/>
+          </a:fontRef>
+        </p:style>
+      </p:cxnSp>
+      <p:cxnSp>
+        <p:nvCxnSpPr>
+          <p:cNvPr id="98" name="직선 화살표 연결선 97">
+            <a:extLst>
+              <a:ext uri="{FF2B5EF4-FFF2-40B4-BE49-F238E27FC236}">
+                <a16:creationId xmlns:a16="http://schemas.microsoft.com/office/drawing/2014/main" id="{CE1E4AE7-5A8F-4454-A95F-F9104ED9E274}"/>
+              </a:ext>
+            </a:extLst>
+          </p:cNvPr>
+          <p:cNvCxnSpPr>
+            <a:cxnSpLocks/>
+            <a:stCxn id="51" idx="2"/>
+            <a:endCxn id="59" idx="0"/>
+          </p:cNvCxnSpPr>
+          <p:nvPr/>
+        </p:nvCxnSpPr>
+        <p:spPr>
+          <a:xfrm flipH="1">
+            <a:off x="4729589" y="3135552"/>
+            <a:ext cx="2110662" cy="279342"/>
+          </a:xfrm>
+          <a:prstGeom prst="straightConnector1">
+            <a:avLst/>
+          </a:prstGeom>
+          <a:ln w="19050">
+            <a:solidFill>
+              <a:srgbClr val="C00000"/>
+            </a:solidFill>
+            <a:tailEnd type="arrow"/>
+          </a:ln>
+        </p:spPr>
+        <p:style>
+          <a:lnRef idx="1">
+            <a:schemeClr val="accent1"/>
+          </a:lnRef>
+          <a:fillRef idx="0">
+            <a:schemeClr val="accent1"/>
+          </a:fillRef>
+          <a:effectRef idx="0">
+            <a:schemeClr val="accent1"/>
+          </a:effectRef>
+          <a:fontRef idx="minor">
+            <a:schemeClr val="tx1"/>
+          </a:fontRef>
+        </p:style>
+      </p:cxnSp>
+      <p:sp>
+        <p:nvSpPr>
+          <p:cNvPr id="103" name="TextBox 102">
+            <a:extLst>
+              <a:ext uri="{FF2B5EF4-FFF2-40B4-BE49-F238E27FC236}">
+                <a16:creationId xmlns:a16="http://schemas.microsoft.com/office/drawing/2014/main" id="{B16A766A-E158-4B52-B7C4-80ED6449B525}"/>
+              </a:ext>
+            </a:extLst>
+          </p:cNvPr>
+          <p:cNvSpPr txBox="1"/>
+          <p:nvPr/>
+        </p:nvSpPr>
+        <p:spPr>
+          <a:xfrm>
+            <a:off x="1619672" y="3085650"/>
+            <a:ext cx="892809" cy="276999"/>
+          </a:xfrm>
+          <a:prstGeom prst="rect">
+            <a:avLst/>
+          </a:prstGeom>
+          <a:noFill/>
+        </p:spPr>
+        <p:txBody>
+          <a:bodyPr wrap="none" rtlCol="0" anchor="ctr">
+            <a:spAutoFit/>
+          </a:bodyPr>
+          <a:lstStyle/>
+          <a:p>
+            <a:pPr algn="ctr"/>
+            <a:r>
+              <a:rPr lang="en-US" altLang="ko-KR" sz="1200" b="1">
+                <a:solidFill>
+                  <a:schemeClr val="accent3">
+                    <a:lumMod val="50000"/>
+                  </a:schemeClr>
+                </a:solidFill>
+              </a:rPr>
+              <a:t>NodePort</a:t>
+            </a:r>
+            <a:endParaRPr lang="ko-KR" altLang="en-US" sz="1200" b="1">
+              <a:solidFill>
+                <a:schemeClr val="accent3">
+                  <a:lumMod val="50000"/>
+                </a:schemeClr>
+              </a:solidFill>
+            </a:endParaRPr>
+          </a:p>
+        </p:txBody>
+      </p:sp>
+      <p:sp>
+        <p:nvSpPr>
+          <p:cNvPr id="62" name="자유형: 도형 61">
+            <a:extLst>
+              <a:ext uri="{FF2B5EF4-FFF2-40B4-BE49-F238E27FC236}">
+                <a16:creationId xmlns:a16="http://schemas.microsoft.com/office/drawing/2014/main" id="{EE01B692-1C4C-4BB4-886F-C319BF079EC1}"/>
+              </a:ext>
+            </a:extLst>
+          </p:cNvPr>
+          <p:cNvSpPr/>
+          <p:nvPr/>
+        </p:nvSpPr>
+        <p:spPr>
+          <a:xfrm>
+            <a:off x="5631181" y="2308867"/>
+            <a:ext cx="110140" cy="1730601"/>
+          </a:xfrm>
+          <a:custGeom>
+            <a:avLst/>
+            <a:gdLst>
+              <a:gd name="connsiteX0" fmla="*/ 0 w 152400"/>
+              <a:gd name="connsiteY0" fmla="*/ 1760220 h 1760220"/>
+              <a:gd name="connsiteX1" fmla="*/ 152400 w 152400"/>
+              <a:gd name="connsiteY1" fmla="*/ 1760220 h 1760220"/>
+              <a:gd name="connsiteX2" fmla="*/ 152400 w 152400"/>
+              <a:gd name="connsiteY2" fmla="*/ 0 h 1760220"/>
+              <a:gd name="connsiteX3" fmla="*/ 7620 w 152400"/>
+              <a:gd name="connsiteY3" fmla="*/ 0 h 1760220"/>
+            </a:gdLst>
+            <a:ahLst/>
+            <a:cxnLst>
+              <a:cxn ang="0">
+                <a:pos x="connsiteX0" y="connsiteY0"/>
+              </a:cxn>
+              <a:cxn ang="0">
+                <a:pos x="connsiteX1" y="connsiteY1"/>
+              </a:cxn>
+              <a:cxn ang="0">
+                <a:pos x="connsiteX2" y="connsiteY2"/>
+              </a:cxn>
+              <a:cxn ang="0">
+                <a:pos x="connsiteX3" y="connsiteY3"/>
+              </a:cxn>
+            </a:cxnLst>
+            <a:rect l="l" t="t" r="r" b="b"/>
+            <a:pathLst>
+              <a:path w="152400" h="1760220">
+                <a:moveTo>
+                  <a:pt x="0" y="1760220"/>
+                </a:moveTo>
+                <a:lnTo>
+                  <a:pt x="152400" y="1760220"/>
+                </a:lnTo>
+                <a:lnTo>
+                  <a:pt x="152400" y="0"/>
+                </a:lnTo>
+                <a:lnTo>
+                  <a:pt x="7620" y="0"/>
+                </a:lnTo>
+              </a:path>
+            </a:pathLst>
+          </a:custGeom>
+          <a:noFill/>
+          <a:ln>
+            <a:solidFill>
+              <a:schemeClr val="tx1"/>
+            </a:solidFill>
+            <a:headEnd type="none" w="med" len="med"/>
+            <a:tailEnd type="arrow" w="med" len="med"/>
+          </a:ln>
+        </p:spPr>
+        <p:style>
+          <a:lnRef idx="2">
+            <a:schemeClr val="accent1">
+              <a:shade val="50000"/>
+            </a:schemeClr>
+          </a:lnRef>
+          <a:fillRef idx="1">
+            <a:schemeClr val="accent1"/>
+          </a:fillRef>
+          <a:effectRef idx="0">
+            <a:schemeClr val="accent1"/>
+          </a:effectRef>
+          <a:fontRef idx="minor">
+            <a:schemeClr val="lt1"/>
+          </a:fontRef>
+        </p:style>
+        <p:txBody>
+          <a:bodyPr rtlCol="0" anchor="ctr"/>
+          <a:lstStyle/>
+          <a:p>
+            <a:pPr algn="ctr"/>
+            <a:endParaRPr lang="ko-KR" altLang="en-US"/>
+          </a:p>
+        </p:txBody>
+      </p:sp>
+      <p:sp>
+        <p:nvSpPr>
+          <p:cNvPr id="105" name="TextBox 104">
+            <a:extLst>
+              <a:ext uri="{FF2B5EF4-FFF2-40B4-BE49-F238E27FC236}">
+                <a16:creationId xmlns:a16="http://schemas.microsoft.com/office/drawing/2014/main" id="{5417A624-0F60-42D4-A20A-11BB1FCECE38}"/>
+              </a:ext>
+            </a:extLst>
+          </p:cNvPr>
+          <p:cNvSpPr txBox="1"/>
+          <p:nvPr/>
+        </p:nvSpPr>
+        <p:spPr>
+          <a:xfrm>
+            <a:off x="4318619" y="3095474"/>
+            <a:ext cx="834780" cy="276999"/>
+          </a:xfrm>
+          <a:prstGeom prst="rect">
+            <a:avLst/>
+          </a:prstGeom>
+          <a:noFill/>
+        </p:spPr>
+        <p:txBody>
+          <a:bodyPr wrap="none" rtlCol="0" anchor="ctr">
+            <a:spAutoFit/>
+          </a:bodyPr>
+          <a:lstStyle/>
+          <a:p>
+            <a:pPr algn="ctr"/>
+            <a:r>
+              <a:rPr lang="en-US" altLang="ko-KR" sz="1200" b="1">
+                <a:solidFill>
+                  <a:srgbClr val="C00000"/>
+                </a:solidFill>
+              </a:rPr>
+              <a:t>ClusterIP</a:t>
+            </a:r>
+            <a:endParaRPr lang="ko-KR" altLang="en-US" sz="1200" b="1">
+              <a:solidFill>
+                <a:srgbClr val="C00000"/>
+              </a:solidFill>
+            </a:endParaRPr>
+          </a:p>
+        </p:txBody>
+      </p:sp>
+      <p:cxnSp>
+        <p:nvCxnSpPr>
+          <p:cNvPr id="108" name="직선 화살표 연결선 107">
+            <a:extLst>
+              <a:ext uri="{FF2B5EF4-FFF2-40B4-BE49-F238E27FC236}">
+                <a16:creationId xmlns:a16="http://schemas.microsoft.com/office/drawing/2014/main" id="{315FFA37-8291-4AE6-8D06-066A4B8C556F}"/>
+              </a:ext>
+            </a:extLst>
+          </p:cNvPr>
+          <p:cNvCxnSpPr>
+            <a:cxnSpLocks/>
+          </p:cNvCxnSpPr>
+          <p:nvPr/>
+        </p:nvCxnSpPr>
+        <p:spPr>
+          <a:xfrm flipH="1">
+            <a:off x="4819966" y="2587204"/>
+            <a:ext cx="1" cy="212625"/>
+          </a:xfrm>
+          <a:prstGeom prst="straightConnector1">
+            <a:avLst/>
+          </a:prstGeom>
+          <a:ln w="19050">
+            <a:solidFill>
+              <a:schemeClr val="accent6">
+                <a:lumMod val="75000"/>
+              </a:schemeClr>
+            </a:solidFill>
+            <a:tailEnd type="arrow"/>
+          </a:ln>
+        </p:spPr>
+        <p:style>
+          <a:lnRef idx="1">
+            <a:schemeClr val="accent1"/>
+          </a:lnRef>
+          <a:fillRef idx="0">
+            <a:schemeClr val="accent1"/>
+          </a:fillRef>
+          <a:effectRef idx="0">
+            <a:schemeClr val="accent1"/>
+          </a:effectRef>
+          <a:fontRef idx="minor">
+            <a:schemeClr val="tx1"/>
+          </a:fontRef>
+        </p:style>
+      </p:cxnSp>
+      <p:cxnSp>
+        <p:nvCxnSpPr>
+          <p:cNvPr id="109" name="직선 화살표 연결선 108">
+            <a:extLst>
+              <a:ext uri="{FF2B5EF4-FFF2-40B4-BE49-F238E27FC236}">
+                <a16:creationId xmlns:a16="http://schemas.microsoft.com/office/drawing/2014/main" id="{014DD693-CBCD-4AFD-85A0-D1D0B2C90D49}"/>
+              </a:ext>
+            </a:extLst>
+          </p:cNvPr>
+          <p:cNvCxnSpPr>
+            <a:cxnSpLocks/>
+          </p:cNvCxnSpPr>
+          <p:nvPr/>
+        </p:nvCxnSpPr>
+        <p:spPr>
+          <a:xfrm>
+            <a:off x="5629005" y="2859782"/>
+            <a:ext cx="312512" cy="0"/>
+          </a:xfrm>
+          <a:prstGeom prst="straightConnector1">
+            <a:avLst/>
+          </a:prstGeom>
+          <a:ln w="19050">
+            <a:solidFill>
+              <a:schemeClr val="tx1"/>
+            </a:solidFill>
+            <a:tailEnd type="arrow"/>
+          </a:ln>
+        </p:spPr>
+        <p:style>
+          <a:lnRef idx="1">
+            <a:schemeClr val="accent1"/>
+          </a:lnRef>
+          <a:fillRef idx="0">
+            <a:schemeClr val="accent1"/>
+          </a:fillRef>
+          <a:effectRef idx="0">
+            <a:schemeClr val="accent1"/>
+          </a:effectRef>
+          <a:fontRef idx="minor">
+            <a:schemeClr val="tx1"/>
+          </a:fontRef>
+        </p:style>
+      </p:cxnSp>
+      <p:cxnSp>
+        <p:nvCxnSpPr>
+          <p:cNvPr id="111" name="직선 화살표 연결선 110">
+            <a:extLst>
+              <a:ext uri="{FF2B5EF4-FFF2-40B4-BE49-F238E27FC236}">
+                <a16:creationId xmlns:a16="http://schemas.microsoft.com/office/drawing/2014/main" id="{A8648B3C-5075-46A1-A0C8-9DEFC24EE770}"/>
+              </a:ext>
+            </a:extLst>
+          </p:cNvPr>
+          <p:cNvCxnSpPr>
+            <a:cxnSpLocks/>
+          </p:cNvCxnSpPr>
+          <p:nvPr/>
+        </p:nvCxnSpPr>
+        <p:spPr>
+          <a:xfrm flipH="1">
+            <a:off x="4972984" y="3135552"/>
+            <a:ext cx="2110662" cy="279342"/>
+          </a:xfrm>
+          <a:prstGeom prst="straightConnector1">
+            <a:avLst/>
+          </a:prstGeom>
+          <a:ln w="19050">
+            <a:solidFill>
+              <a:schemeClr val="accent6">
+                <a:lumMod val="75000"/>
+              </a:schemeClr>
+            </a:solidFill>
+            <a:tailEnd type="arrow"/>
+          </a:ln>
+        </p:spPr>
+        <p:style>
+          <a:lnRef idx="1">
+            <a:schemeClr val="accent1"/>
+          </a:lnRef>
+          <a:fillRef idx="0">
+            <a:schemeClr val="accent1"/>
+          </a:fillRef>
+          <a:effectRef idx="0">
+            <a:schemeClr val="accent1"/>
+          </a:effectRef>
+          <a:fontRef idx="minor">
+            <a:schemeClr val="tx1"/>
+          </a:fontRef>
+        </p:style>
+      </p:cxnSp>
+      <p:cxnSp>
+        <p:nvCxnSpPr>
+          <p:cNvPr id="116" name="직선 화살표 연결선 115">
+            <a:extLst>
+              <a:ext uri="{FF2B5EF4-FFF2-40B4-BE49-F238E27FC236}">
+                <a16:creationId xmlns:a16="http://schemas.microsoft.com/office/drawing/2014/main" id="{40011AB1-6AEE-47EF-B4FD-908539407507}"/>
+              </a:ext>
+            </a:extLst>
+          </p:cNvPr>
+          <p:cNvCxnSpPr>
+            <a:cxnSpLocks/>
+          </p:cNvCxnSpPr>
+          <p:nvPr/>
+        </p:nvCxnSpPr>
+        <p:spPr>
+          <a:xfrm flipH="1">
+            <a:off x="2688104" y="3687472"/>
+            <a:ext cx="2209816" cy="281073"/>
+          </a:xfrm>
+          <a:prstGeom prst="straightConnector1">
+            <a:avLst/>
+          </a:prstGeom>
+          <a:ln w="19050">
+            <a:solidFill>
+              <a:schemeClr val="accent6">
+                <a:lumMod val="75000"/>
+              </a:schemeClr>
+            </a:solidFill>
+            <a:tailEnd type="arrow"/>
+          </a:ln>
+        </p:spPr>
+        <p:style>
+          <a:lnRef idx="1">
+            <a:schemeClr val="accent1"/>
+          </a:lnRef>
+          <a:fillRef idx="0">
+            <a:schemeClr val="accent1"/>
+          </a:fillRef>
+          <a:effectRef idx="0">
+            <a:schemeClr val="accent1"/>
+          </a:effectRef>
+          <a:fontRef idx="minor">
+            <a:schemeClr val="tx1"/>
+          </a:fontRef>
+        </p:style>
+      </p:cxnSp>
+      <p:cxnSp>
+        <p:nvCxnSpPr>
+          <p:cNvPr id="118" name="직선 화살표 연결선 117">
+            <a:extLst>
+              <a:ext uri="{FF2B5EF4-FFF2-40B4-BE49-F238E27FC236}">
+                <a16:creationId xmlns:a16="http://schemas.microsoft.com/office/drawing/2014/main" id="{7919CB0C-D18E-4208-9BA9-3775652031EF}"/>
+              </a:ext>
+            </a:extLst>
+          </p:cNvPr>
+          <p:cNvCxnSpPr>
+            <a:cxnSpLocks/>
+          </p:cNvCxnSpPr>
+          <p:nvPr/>
+        </p:nvCxnSpPr>
+        <p:spPr>
+          <a:xfrm>
+            <a:off x="3418507" y="4155926"/>
+            <a:ext cx="412348" cy="5015"/>
+          </a:xfrm>
+          <a:prstGeom prst="straightConnector1">
+            <a:avLst/>
+          </a:prstGeom>
+          <a:ln w="19050">
+            <a:solidFill>
+              <a:schemeClr val="accent6">
+                <a:lumMod val="75000"/>
+              </a:schemeClr>
+            </a:solidFill>
+            <a:tailEnd type="arrow"/>
+          </a:ln>
+        </p:spPr>
+        <p:style>
+          <a:lnRef idx="1">
+            <a:schemeClr val="accent1"/>
+          </a:lnRef>
+          <a:fillRef idx="0">
+            <a:schemeClr val="accent1"/>
+          </a:fillRef>
+          <a:effectRef idx="0">
+            <a:schemeClr val="accent1"/>
+          </a:effectRef>
+          <a:fontRef idx="minor">
+            <a:schemeClr val="tx1"/>
+          </a:fontRef>
+        </p:style>
+      </p:cxnSp>
+      <p:cxnSp>
+        <p:nvCxnSpPr>
+          <p:cNvPr id="124" name="직선 화살표 연결선 123">
+            <a:extLst>
+              <a:ext uri="{FF2B5EF4-FFF2-40B4-BE49-F238E27FC236}">
+                <a16:creationId xmlns:a16="http://schemas.microsoft.com/office/drawing/2014/main" id="{C44BB102-2080-439D-AD4C-1ABBB6DDF494}"/>
+              </a:ext>
+            </a:extLst>
+          </p:cNvPr>
+          <p:cNvCxnSpPr>
+            <a:cxnSpLocks/>
+            <a:stCxn id="69" idx="2"/>
+            <a:endCxn id="85" idx="0"/>
+          </p:cNvCxnSpPr>
+          <p:nvPr/>
+        </p:nvCxnSpPr>
+        <p:spPr>
+          <a:xfrm>
+            <a:off x="4729589" y="4246138"/>
+            <a:ext cx="682" cy="269828"/>
+          </a:xfrm>
+          <a:prstGeom prst="straightConnector1">
+            <a:avLst/>
+          </a:prstGeom>
+          <a:ln w="19050">
+            <a:solidFill>
+              <a:schemeClr val="accent6">
+                <a:lumMod val="75000"/>
+              </a:schemeClr>
+            </a:solidFill>
+            <a:tailEnd type="arrow"/>
+          </a:ln>
+        </p:spPr>
+        <p:style>
+          <a:lnRef idx="1">
+            <a:schemeClr val="accent1"/>
+          </a:lnRef>
+          <a:fillRef idx="0">
+            <a:schemeClr val="accent1"/>
+          </a:fillRef>
+          <a:effectRef idx="0">
+            <a:schemeClr val="accent1"/>
+          </a:effectRef>
+          <a:fontRef idx="minor">
+            <a:schemeClr val="tx1"/>
+          </a:fontRef>
+        </p:style>
+      </p:cxnSp>
+      <p:sp>
+        <p:nvSpPr>
+          <p:cNvPr id="89" name="자유형: 도형 88">
+            <a:extLst>
+              <a:ext uri="{FF2B5EF4-FFF2-40B4-BE49-F238E27FC236}">
+                <a16:creationId xmlns:a16="http://schemas.microsoft.com/office/drawing/2014/main" id="{163A7703-3291-4F9B-B44D-78AC9B5242A3}"/>
+              </a:ext>
+            </a:extLst>
+          </p:cNvPr>
+          <p:cNvSpPr/>
+          <p:nvPr/>
+        </p:nvSpPr>
+        <p:spPr>
+          <a:xfrm>
+            <a:off x="5629701" y="1958454"/>
+            <a:ext cx="2245057" cy="2197289"/>
+          </a:xfrm>
+          <a:custGeom>
+            <a:avLst/>
+            <a:gdLst>
+              <a:gd name="connsiteX0" fmla="*/ 0 w 2245057"/>
+              <a:gd name="connsiteY0" fmla="*/ 2197289 h 2197289"/>
+              <a:gd name="connsiteX1" fmla="*/ 2245057 w 2245057"/>
+              <a:gd name="connsiteY1" fmla="*/ 2197289 h 2197289"/>
+              <a:gd name="connsiteX2" fmla="*/ 2245057 w 2245057"/>
+              <a:gd name="connsiteY2" fmla="*/ 136477 h 2197289"/>
+              <a:gd name="connsiteX3" fmla="*/ 1214651 w 2245057"/>
+              <a:gd name="connsiteY3" fmla="*/ 136477 h 2197289"/>
+              <a:gd name="connsiteX4" fmla="*/ 1214651 w 2245057"/>
+              <a:gd name="connsiteY4" fmla="*/ 0 h 2197289"/>
+            </a:gdLst>
+            <a:ahLst/>
+            <a:cxnLst>
+              <a:cxn ang="0">
+                <a:pos x="connsiteX0" y="connsiteY0"/>
+              </a:cxn>
+              <a:cxn ang="0">
+                <a:pos x="connsiteX1" y="connsiteY1"/>
+              </a:cxn>
+              <a:cxn ang="0">
+                <a:pos x="connsiteX2" y="connsiteY2"/>
+              </a:cxn>
+              <a:cxn ang="0">
+                <a:pos x="connsiteX3" y="connsiteY3"/>
+              </a:cxn>
+              <a:cxn ang="0">
+                <a:pos x="connsiteX4" y="connsiteY4"/>
+              </a:cxn>
+            </a:cxnLst>
+            <a:rect l="l" t="t" r="r" b="b"/>
+            <a:pathLst>
+              <a:path w="2245057" h="2197289">
+                <a:moveTo>
+                  <a:pt x="0" y="2197289"/>
+                </a:moveTo>
+                <a:lnTo>
+                  <a:pt x="2245057" y="2197289"/>
+                </a:lnTo>
+                <a:lnTo>
+                  <a:pt x="2245057" y="136477"/>
+                </a:lnTo>
+                <a:lnTo>
+                  <a:pt x="1214651" y="136477"/>
+                </a:lnTo>
+                <a:lnTo>
+                  <a:pt x="1214651" y="0"/>
+                </a:lnTo>
+              </a:path>
+            </a:pathLst>
+          </a:custGeom>
+          <a:noFill/>
+          <a:ln>
+            <a:solidFill>
+              <a:schemeClr val="accent6">
+                <a:lumMod val="75000"/>
+              </a:schemeClr>
+            </a:solidFill>
+            <a:headEnd type="none" w="med" len="med"/>
+            <a:tailEnd type="arrow" w="med" len="med"/>
+          </a:ln>
+        </p:spPr>
+        <p:style>
+          <a:lnRef idx="2">
+            <a:schemeClr val="accent1">
+              <a:shade val="50000"/>
+            </a:schemeClr>
+          </a:lnRef>
+          <a:fillRef idx="1">
+            <a:schemeClr val="accent1"/>
+          </a:fillRef>
+          <a:effectRef idx="0">
+            <a:schemeClr val="accent1"/>
+          </a:effectRef>
+          <a:fontRef idx="minor">
+            <a:schemeClr val="lt1"/>
+          </a:fontRef>
+        </p:style>
+        <p:txBody>
+          <a:bodyPr rtlCol="0" anchor="ctr"/>
+          <a:lstStyle/>
+          <a:p>
+            <a:pPr algn="ctr"/>
+            <a:endParaRPr lang="ko-KR" altLang="en-US"/>
+          </a:p>
+        </p:txBody>
+      </p:sp>
+      <p:sp>
+        <p:nvSpPr>
+          <p:cNvPr id="128" name="TextBox 127">
+            <a:extLst>
+              <a:ext uri="{FF2B5EF4-FFF2-40B4-BE49-F238E27FC236}">
+                <a16:creationId xmlns:a16="http://schemas.microsoft.com/office/drawing/2014/main" id="{94A37148-A7AB-4C8E-89C9-1129E5C2D310}"/>
+              </a:ext>
+            </a:extLst>
+          </p:cNvPr>
+          <p:cNvSpPr txBox="1"/>
+          <p:nvPr/>
+        </p:nvSpPr>
+        <p:spPr>
+          <a:xfrm>
+            <a:off x="6840251" y="3085650"/>
+            <a:ext cx="892809" cy="276999"/>
+          </a:xfrm>
+          <a:prstGeom prst="rect">
+            <a:avLst/>
+          </a:prstGeom>
+          <a:noFill/>
+        </p:spPr>
+        <p:txBody>
+          <a:bodyPr wrap="none" rtlCol="0" anchor="ctr">
+            <a:spAutoFit/>
+          </a:bodyPr>
+          <a:lstStyle/>
+          <a:p>
+            <a:pPr algn="ctr"/>
+            <a:r>
+              <a:rPr lang="en-US" altLang="ko-KR" sz="1200" b="1">
+                <a:solidFill>
+                  <a:schemeClr val="accent3">
+                    <a:lumMod val="50000"/>
+                  </a:schemeClr>
+                </a:solidFill>
+              </a:rPr>
+              <a:t>NodePort</a:t>
+            </a:r>
+            <a:endParaRPr lang="ko-KR" altLang="en-US" sz="1200" b="1">
+              <a:solidFill>
+                <a:schemeClr val="accent3">
+                  <a:lumMod val="50000"/>
+                </a:schemeClr>
+              </a:solidFill>
+            </a:endParaRPr>
+          </a:p>
+        </p:txBody>
+      </p:sp>
+    </p:spTree>
+    <p:extLst>
+      <p:ext uri="{BB962C8B-B14F-4D97-AF65-F5344CB8AC3E}">
+        <p14:creationId xmlns:p14="http://schemas.microsoft.com/office/powerpoint/2010/main" val="2606207065"/>
+      </p:ext>
+    </p:extLst>
+  </p:cSld>
+  <p:clrMapOvr>
+    <a:masterClrMapping/>
+  </p:clrMapOvr>
+</p:sld>
+</file>
+
+<file path=ppt/slides/slide4.xml><?xml version="1.0" encoding="utf-8"?>
+<p:sld xmlns:a="http://schemas.openxmlformats.org/drawingml/2006/main" xmlns:r="http://schemas.openxmlformats.org/officeDocument/2006/relationships" xmlns:p="http://schemas.openxmlformats.org/presentationml/2006/main">
+  <p:cSld>
+    <p:spTree>
+      <p:nvGrpSpPr>
+        <p:cNvPr id="1" name=""/>
+        <p:cNvGrpSpPr/>
+        <p:nvPr/>
+      </p:nvGrpSpPr>
+      <p:grpSpPr>
+        <a:xfrm>
+          <a:off x="0" y="0"/>
+          <a:ext cx="0" cy="0"/>
+          <a:chOff x="0" y="0"/>
+          <a:chExt cx="0" cy="0"/>
+        </a:xfrm>
+      </p:grpSpPr>
+      <p:sp>
+        <p:nvSpPr>
+          <p:cNvPr id="2" name="제목 1">
+            <a:extLst>
+              <a:ext uri="{FF2B5EF4-FFF2-40B4-BE49-F238E27FC236}">
+                <a16:creationId xmlns:a16="http://schemas.microsoft.com/office/drawing/2014/main" id="{692B629B-1366-415A-9046-F69FF5677508}"/>
+              </a:ext>
+            </a:extLst>
+          </p:cNvPr>
+          <p:cNvSpPr>
+            <a:spLocks noGrp="1"/>
+          </p:cNvSpPr>
+          <p:nvPr>
+            <p:ph type="title"/>
+          </p:nvPr>
+        </p:nvSpPr>
+        <p:spPr/>
+        <p:txBody>
+          <a:bodyPr/>
+          <a:lstStyle/>
+          <a:p>
+            <a:endParaRPr lang="ko-KR" altLang="en-US"/>
+          </a:p>
+        </p:txBody>
+      </p:sp>
+      <p:sp>
+        <p:nvSpPr>
+          <p:cNvPr id="3" name="내용 개체 틀 2">
+            <a:extLst>
+              <a:ext uri="{FF2B5EF4-FFF2-40B4-BE49-F238E27FC236}">
+                <a16:creationId xmlns:a16="http://schemas.microsoft.com/office/drawing/2014/main" id="{690CB4A6-A03B-41F9-A9D3-D58DA0199888}"/>
+              </a:ext>
+            </a:extLst>
+          </p:cNvPr>
+          <p:cNvSpPr>
+            <a:spLocks noGrp="1"/>
+          </p:cNvSpPr>
+          <p:nvPr>
+            <p:ph idx="1"/>
+          </p:nvPr>
+        </p:nvSpPr>
+        <p:spPr/>
+        <p:txBody>
+          <a:bodyPr/>
+          <a:lstStyle/>
+          <a:p>
+            <a:endParaRPr lang="ko-KR" altLang="en-US"/>
+          </a:p>
+        </p:txBody>
+      </p:sp>
+    </p:spTree>
+    <p:extLst>
+      <p:ext uri="{BB962C8B-B14F-4D97-AF65-F5344CB8AC3E}">
+        <p14:creationId xmlns:p14="http://schemas.microsoft.com/office/powerpoint/2010/main" val="2719450338"/>
+      </p:ext>
+    </p:extLst>
+  </p:cSld>
+  <p:clrMapOvr>
+    <a:masterClrMapping/>
+  </p:clrMapOvr>
+</p:sld>
+</file>
+
+<file path=ppt/slides/slide5.xml><?xml version="1.0" encoding="utf-8"?>
+<p:sld xmlns:a="http://schemas.openxmlformats.org/drawingml/2006/main" xmlns:r="http://schemas.openxmlformats.org/officeDocument/2006/relationships" xmlns:p="http://schemas.openxmlformats.org/presentationml/2006/main">
+  <p:cSld>
+    <p:spTree>
+      <p:nvGrpSpPr>
+        <p:cNvPr id="1" name=""/>
+        <p:cNvGrpSpPr/>
+        <p:nvPr/>
+      </p:nvGrpSpPr>
+      <p:grpSpPr>
+        <a:xfrm>
+          <a:off x="0" y="0"/>
+          <a:ext cx="0" cy="0"/>
+          <a:chOff x="0" y="0"/>
+          <a:chExt cx="0" cy="0"/>
+        </a:xfrm>
+      </p:grpSpPr>
+      <p:sp>
+        <p:nvSpPr>
+          <p:cNvPr id="23" name="모서리가 둥근 직사각형 13">
+            <a:extLst>
+              <a:ext uri="{FF2B5EF4-FFF2-40B4-BE49-F238E27FC236}">
+                <a16:creationId xmlns:a16="http://schemas.microsoft.com/office/drawing/2014/main" id="{FC74B8FC-B65E-4C28-84D1-87968614B7CD}"/>
+              </a:ext>
+            </a:extLst>
+          </p:cNvPr>
+          <p:cNvSpPr/>
+          <p:nvPr/>
+        </p:nvSpPr>
+        <p:spPr>
+          <a:xfrm>
+            <a:off x="588056" y="1564098"/>
+            <a:ext cx="1773332" cy="359364"/>
+          </a:xfrm>
+          <a:prstGeom prst="roundRect">
+            <a:avLst>
+              <a:gd name="adj" fmla="val 10708"/>
+            </a:avLst>
+          </a:prstGeom>
+          <a:ln>
+            <a:solidFill>
+              <a:schemeClr val="tx2"/>
+            </a:solidFill>
+          </a:ln>
+        </p:spPr>
+        <p:style>
+          <a:lnRef idx="2">
+            <a:schemeClr val="dk1"/>
+          </a:lnRef>
+          <a:fillRef idx="1">
+            <a:schemeClr val="lt1"/>
+          </a:fillRef>
+          <a:effectRef idx="0">
+            <a:schemeClr val="dk1"/>
+          </a:effectRef>
+          <a:fontRef idx="minor">
+            <a:schemeClr val="dk1"/>
+          </a:fontRef>
+        </p:style>
+        <p:txBody>
+          <a:bodyPr rtlCol="0" anchor="ctr"/>
+          <a:lstStyle/>
+          <a:p>
+            <a:pPr algn="ctr"/>
+            <a:r>
+              <a:rPr lang="en-US" altLang="ko-KR" sz="1200">
+                <a:solidFill>
+                  <a:schemeClr val="tx2"/>
+                </a:solidFill>
+              </a:rPr>
+              <a:t>Network Interface</a:t>
+            </a:r>
+          </a:p>
+          <a:p>
+            <a:pPr algn="ctr"/>
+            <a:r>
+              <a:rPr lang="en-US" altLang="ko-KR" sz="1200">
+                <a:solidFill>
+                  <a:schemeClr val="tx2"/>
+                </a:solidFill>
+              </a:rPr>
+              <a:t>(Pod)</a:t>
+            </a:r>
+            <a:endParaRPr lang="ko-KR" altLang="en-US" sz="1200">
+              <a:solidFill>
+                <a:schemeClr val="tx2"/>
+              </a:solidFill>
+            </a:endParaRPr>
+          </a:p>
+        </p:txBody>
+      </p:sp>
+      <p:sp>
+        <p:nvSpPr>
+          <p:cNvPr id="27" name="모서리가 둥근 직사각형 13">
+            <a:extLst>
+              <a:ext uri="{FF2B5EF4-FFF2-40B4-BE49-F238E27FC236}">
+                <a16:creationId xmlns:a16="http://schemas.microsoft.com/office/drawing/2014/main" id="{2A1E08F2-F8C2-42D4-8D5B-65FE51892CC2}"/>
+              </a:ext>
+            </a:extLst>
+          </p:cNvPr>
+          <p:cNvSpPr/>
+          <p:nvPr/>
+        </p:nvSpPr>
+        <p:spPr>
+          <a:xfrm>
+            <a:off x="588056" y="2020192"/>
+            <a:ext cx="1773332" cy="601088"/>
+          </a:xfrm>
+          <a:prstGeom prst="roundRect">
+            <a:avLst>
+              <a:gd name="adj" fmla="val 7539"/>
+            </a:avLst>
+          </a:prstGeom>
+          <a:ln>
+            <a:solidFill>
+              <a:schemeClr val="tx2"/>
+            </a:solidFill>
+          </a:ln>
+        </p:spPr>
+        <p:style>
+          <a:lnRef idx="2">
+            <a:schemeClr val="dk1"/>
+          </a:lnRef>
+          <a:fillRef idx="1">
+            <a:schemeClr val="lt1"/>
+          </a:fillRef>
+          <a:effectRef idx="0">
+            <a:schemeClr val="dk1"/>
+          </a:effectRef>
+          <a:fontRef idx="minor">
+            <a:schemeClr val="dk1"/>
+          </a:fontRef>
+        </p:style>
+        <p:txBody>
+          <a:bodyPr rtlCol="0" anchor="ctr"/>
+          <a:lstStyle/>
+          <a:p>
+            <a:pPr algn="ctr"/>
+            <a:r>
+              <a:rPr lang="en-US" altLang="ko-KR" sz="1200">
+                <a:solidFill>
+                  <a:schemeClr val="tx2"/>
+                </a:solidFill>
+              </a:rPr>
+              <a:t>Process in the</a:t>
+            </a:r>
+          </a:p>
+          <a:p>
+            <a:pPr algn="ctr"/>
+            <a:r>
+              <a:rPr lang="en-US" altLang="ko-KR" sz="1200">
+                <a:solidFill>
+                  <a:schemeClr val="tx2"/>
+                </a:solidFill>
+              </a:rPr>
+              <a:t>Host Net Namespace</a:t>
+            </a:r>
+          </a:p>
+          <a:p>
+            <a:pPr algn="ctr"/>
+            <a:r>
+              <a:rPr lang="en-US" altLang="ko-KR" sz="1200">
+                <a:solidFill>
+                  <a:schemeClr val="tx2"/>
+                </a:solidFill>
+              </a:rPr>
+              <a:t>(Pod, Host Process)</a:t>
+            </a:r>
+            <a:endParaRPr lang="ko-KR" altLang="en-US" sz="1200">
+              <a:solidFill>
+                <a:schemeClr val="tx2"/>
+              </a:solidFill>
+            </a:endParaRPr>
+          </a:p>
+        </p:txBody>
+      </p:sp>
+      <p:sp>
+        <p:nvSpPr>
+          <p:cNvPr id="29" name="모서리가 둥근 직사각형 13">
+            <a:extLst>
+              <a:ext uri="{FF2B5EF4-FFF2-40B4-BE49-F238E27FC236}">
+                <a16:creationId xmlns:a16="http://schemas.microsoft.com/office/drawing/2014/main" id="{7744601D-87D1-4E44-93D6-D0A5749BFDF3}"/>
+              </a:ext>
+            </a:extLst>
+          </p:cNvPr>
+          <p:cNvSpPr/>
+          <p:nvPr/>
+        </p:nvSpPr>
+        <p:spPr>
+          <a:xfrm>
+            <a:off x="2686802" y="1564098"/>
+            <a:ext cx="1773332" cy="359364"/>
+          </a:xfrm>
+          <a:prstGeom prst="roundRect">
+            <a:avLst>
+              <a:gd name="adj" fmla="val 10708"/>
+            </a:avLst>
+          </a:prstGeom>
+        </p:spPr>
+        <p:style>
+          <a:lnRef idx="2">
+            <a:schemeClr val="dk1"/>
+          </a:lnRef>
+          <a:fillRef idx="1">
+            <a:schemeClr val="lt1"/>
+          </a:fillRef>
+          <a:effectRef idx="0">
+            <a:schemeClr val="dk1"/>
+          </a:effectRef>
+          <a:fontRef idx="minor">
+            <a:schemeClr val="dk1"/>
+          </a:fontRef>
+        </p:style>
+        <p:txBody>
+          <a:bodyPr rtlCol="0" anchor="ctr"/>
+          <a:lstStyle/>
+          <a:p>
+            <a:pPr algn="ctr"/>
+            <a:r>
+              <a:rPr lang="en-US" altLang="ko-KR" sz="1200"/>
+              <a:t>PREROUTING</a:t>
+            </a:r>
+            <a:endParaRPr lang="ko-KR" altLang="en-US" sz="1200"/>
+          </a:p>
+        </p:txBody>
+      </p:sp>
+      <p:sp>
+        <p:nvSpPr>
+          <p:cNvPr id="30" name="모서리가 둥근 직사각형 13">
+            <a:extLst>
+              <a:ext uri="{FF2B5EF4-FFF2-40B4-BE49-F238E27FC236}">
+                <a16:creationId xmlns:a16="http://schemas.microsoft.com/office/drawing/2014/main" id="{E818DF12-C510-4B53-A87E-32D46C748CEB}"/>
+              </a:ext>
+            </a:extLst>
+          </p:cNvPr>
+          <p:cNvSpPr/>
+          <p:nvPr/>
+        </p:nvSpPr>
+        <p:spPr>
+          <a:xfrm>
+            <a:off x="2694070" y="2141054"/>
+            <a:ext cx="1773332" cy="359364"/>
+          </a:xfrm>
+          <a:prstGeom prst="roundRect">
+            <a:avLst>
+              <a:gd name="adj" fmla="val 10708"/>
+            </a:avLst>
+          </a:prstGeom>
+        </p:spPr>
+        <p:style>
+          <a:lnRef idx="2">
+            <a:schemeClr val="dk1"/>
+          </a:lnRef>
+          <a:fillRef idx="1">
+            <a:schemeClr val="lt1"/>
+          </a:fillRef>
+          <a:effectRef idx="0">
+            <a:schemeClr val="dk1"/>
+          </a:effectRef>
+          <a:fontRef idx="minor">
+            <a:schemeClr val="dk1"/>
+          </a:fontRef>
+        </p:style>
+        <p:txBody>
+          <a:bodyPr rtlCol="0" anchor="ctr"/>
+          <a:lstStyle/>
+          <a:p>
+            <a:pPr algn="ctr"/>
+            <a:r>
+              <a:rPr lang="en-US" altLang="ko-KR" sz="1200"/>
+              <a:t>OUTPUT</a:t>
+            </a:r>
+            <a:endParaRPr lang="ko-KR" altLang="en-US" sz="1200"/>
+          </a:p>
+        </p:txBody>
+      </p:sp>
+      <p:sp>
+        <p:nvSpPr>
+          <p:cNvPr id="31" name="모서리가 둥근 직사각형 13">
+            <a:extLst>
+              <a:ext uri="{FF2B5EF4-FFF2-40B4-BE49-F238E27FC236}">
+                <a16:creationId xmlns:a16="http://schemas.microsoft.com/office/drawing/2014/main" id="{47D2C642-13E2-4D3B-91E5-340EBBA9731B}"/>
+              </a:ext>
+            </a:extLst>
+          </p:cNvPr>
+          <p:cNvSpPr/>
+          <p:nvPr/>
+        </p:nvSpPr>
+        <p:spPr>
+          <a:xfrm>
+            <a:off x="4764087" y="1856616"/>
+            <a:ext cx="1773332" cy="359364"/>
+          </a:xfrm>
+          <a:prstGeom prst="roundRect">
+            <a:avLst>
+              <a:gd name="adj" fmla="val 10708"/>
+            </a:avLst>
+          </a:prstGeom>
+        </p:spPr>
+        <p:style>
+          <a:lnRef idx="2">
+            <a:schemeClr val="dk1"/>
+          </a:lnRef>
+          <a:fillRef idx="1">
+            <a:schemeClr val="lt1"/>
+          </a:fillRef>
+          <a:effectRef idx="0">
+            <a:schemeClr val="dk1"/>
+          </a:effectRef>
+          <a:fontRef idx="minor">
+            <a:schemeClr val="dk1"/>
+          </a:fontRef>
+        </p:style>
+        <p:txBody>
+          <a:bodyPr rtlCol="0" anchor="ctr"/>
+          <a:lstStyle/>
+          <a:p>
+            <a:pPr algn="ctr"/>
+            <a:r>
+              <a:rPr lang="en-US" altLang="ko-KR" sz="1200" b="1"/>
+              <a:t>KUBE-SERVICE</a:t>
+            </a:r>
+            <a:endParaRPr lang="ko-KR" altLang="en-US" sz="1200" b="1"/>
+          </a:p>
+        </p:txBody>
+      </p:sp>
+      <p:cxnSp>
+        <p:nvCxnSpPr>
+          <p:cNvPr id="32" name="직선 화살표 연결선 31">
+            <a:extLst>
+              <a:ext uri="{FF2B5EF4-FFF2-40B4-BE49-F238E27FC236}">
+                <a16:creationId xmlns:a16="http://schemas.microsoft.com/office/drawing/2014/main" id="{A8653795-E277-45CE-BB0F-32693B13B190}"/>
+              </a:ext>
+            </a:extLst>
+          </p:cNvPr>
+          <p:cNvCxnSpPr>
+            <a:cxnSpLocks/>
+            <a:stCxn id="23" idx="3"/>
+            <a:endCxn id="29" idx="1"/>
+          </p:cNvCxnSpPr>
+          <p:nvPr/>
+        </p:nvCxnSpPr>
+        <p:spPr>
+          <a:xfrm>
+            <a:off x="2361388" y="1743780"/>
+            <a:ext cx="325414" cy="0"/>
+          </a:xfrm>
+          <a:prstGeom prst="straightConnector1">
+            <a:avLst/>
+          </a:prstGeom>
+          <a:ln w="19050">
+            <a:solidFill>
+              <a:schemeClr val="tx1"/>
+            </a:solidFill>
+            <a:tailEnd type="arrow"/>
+          </a:ln>
+        </p:spPr>
+        <p:style>
+          <a:lnRef idx="1">
+            <a:schemeClr val="accent1"/>
+          </a:lnRef>
+          <a:fillRef idx="0">
+            <a:schemeClr val="accent1"/>
+          </a:fillRef>
+          <a:effectRef idx="0">
+            <a:schemeClr val="accent1"/>
+          </a:effectRef>
+          <a:fontRef idx="minor">
+            <a:schemeClr val="tx1"/>
+          </a:fontRef>
+        </p:style>
+      </p:cxnSp>
+      <p:cxnSp>
+        <p:nvCxnSpPr>
+          <p:cNvPr id="35" name="직선 화살표 연결선 34">
+            <a:extLst>
+              <a:ext uri="{FF2B5EF4-FFF2-40B4-BE49-F238E27FC236}">
+                <a16:creationId xmlns:a16="http://schemas.microsoft.com/office/drawing/2014/main" id="{DAD49707-B42D-40C0-A70B-C6C3ED540B7A}"/>
+              </a:ext>
+            </a:extLst>
+          </p:cNvPr>
+          <p:cNvCxnSpPr>
+            <a:cxnSpLocks/>
+            <a:stCxn id="27" idx="3"/>
+            <a:endCxn id="30" idx="1"/>
+          </p:cNvCxnSpPr>
+          <p:nvPr/>
+        </p:nvCxnSpPr>
+        <p:spPr>
+          <a:xfrm>
+            <a:off x="2361388" y="2320736"/>
+            <a:ext cx="332682" cy="0"/>
+          </a:xfrm>
+          <a:prstGeom prst="straightConnector1">
+            <a:avLst/>
+          </a:prstGeom>
+          <a:ln w="19050">
+            <a:solidFill>
+              <a:schemeClr val="tx1"/>
+            </a:solidFill>
+            <a:tailEnd type="arrow"/>
+          </a:ln>
+        </p:spPr>
+        <p:style>
+          <a:lnRef idx="1">
+            <a:schemeClr val="accent1"/>
+          </a:lnRef>
+          <a:fillRef idx="0">
+            <a:schemeClr val="accent1"/>
+          </a:fillRef>
+          <a:effectRef idx="0">
+            <a:schemeClr val="accent1"/>
+          </a:effectRef>
+          <a:fontRef idx="minor">
+            <a:schemeClr val="tx1"/>
+          </a:fontRef>
+        </p:style>
+      </p:cxnSp>
+      <p:cxnSp>
+        <p:nvCxnSpPr>
+          <p:cNvPr id="38" name="직선 화살표 연결선 37">
+            <a:extLst>
+              <a:ext uri="{FF2B5EF4-FFF2-40B4-BE49-F238E27FC236}">
+                <a16:creationId xmlns:a16="http://schemas.microsoft.com/office/drawing/2014/main" id="{A5EBC1AF-88B4-4BA2-BA68-CC5794AB1612}"/>
+              </a:ext>
+            </a:extLst>
+          </p:cNvPr>
+          <p:cNvCxnSpPr>
+            <a:cxnSpLocks/>
+            <a:stCxn id="30" idx="3"/>
+            <a:endCxn id="31" idx="1"/>
+          </p:cNvCxnSpPr>
+          <p:nvPr/>
+        </p:nvCxnSpPr>
+        <p:spPr>
+          <a:xfrm flipV="1">
+            <a:off x="4467402" y="2036298"/>
+            <a:ext cx="296685" cy="284438"/>
+          </a:xfrm>
+          <a:prstGeom prst="straightConnector1">
+            <a:avLst/>
+          </a:prstGeom>
+          <a:ln w="19050">
+            <a:solidFill>
+              <a:schemeClr val="tx1"/>
+            </a:solidFill>
+            <a:tailEnd type="arrow"/>
+          </a:ln>
+        </p:spPr>
+        <p:style>
+          <a:lnRef idx="1">
+            <a:schemeClr val="accent1"/>
+          </a:lnRef>
+          <a:fillRef idx="0">
+            <a:schemeClr val="accent1"/>
+          </a:fillRef>
+          <a:effectRef idx="0">
+            <a:schemeClr val="accent1"/>
+          </a:effectRef>
+          <a:fontRef idx="minor">
+            <a:schemeClr val="tx1"/>
+          </a:fontRef>
+        </p:style>
+      </p:cxnSp>
+      <p:cxnSp>
+        <p:nvCxnSpPr>
+          <p:cNvPr id="41" name="직선 화살표 연결선 40">
+            <a:extLst>
+              <a:ext uri="{FF2B5EF4-FFF2-40B4-BE49-F238E27FC236}">
+                <a16:creationId xmlns:a16="http://schemas.microsoft.com/office/drawing/2014/main" id="{5175F087-9099-4788-9E1C-02167119B77F}"/>
+              </a:ext>
+            </a:extLst>
+          </p:cNvPr>
+          <p:cNvCxnSpPr>
+            <a:cxnSpLocks/>
+            <a:stCxn id="29" idx="3"/>
+            <a:endCxn id="31" idx="1"/>
+          </p:cNvCxnSpPr>
+          <p:nvPr/>
+        </p:nvCxnSpPr>
+        <p:spPr>
+          <a:xfrm>
+            <a:off x="4460134" y="1743780"/>
+            <a:ext cx="303953" cy="292518"/>
+          </a:xfrm>
+          <a:prstGeom prst="straightConnector1">
+            <a:avLst/>
+          </a:prstGeom>
+          <a:ln w="19050">
+            <a:solidFill>
+              <a:schemeClr val="tx1"/>
+            </a:solidFill>
+            <a:tailEnd type="arrow"/>
+          </a:ln>
+        </p:spPr>
+        <p:style>
+          <a:lnRef idx="1">
+            <a:schemeClr val="accent1"/>
+          </a:lnRef>
+          <a:fillRef idx="0">
+            <a:schemeClr val="accent1"/>
+          </a:fillRef>
+          <a:effectRef idx="0">
+            <a:schemeClr val="accent1"/>
+          </a:effectRef>
+          <a:fontRef idx="minor">
+            <a:schemeClr val="tx1"/>
+          </a:fontRef>
+        </p:style>
+      </p:cxnSp>
+      <p:sp>
+        <p:nvSpPr>
+          <p:cNvPr id="46" name="모서리가 둥근 직사각형 13">
+            <a:extLst>
+              <a:ext uri="{FF2B5EF4-FFF2-40B4-BE49-F238E27FC236}">
+                <a16:creationId xmlns:a16="http://schemas.microsoft.com/office/drawing/2014/main" id="{B3D9272C-48E9-4B8E-B561-A4BC6E897488}"/>
+              </a:ext>
+            </a:extLst>
+          </p:cNvPr>
+          <p:cNvSpPr/>
+          <p:nvPr/>
+        </p:nvSpPr>
+        <p:spPr>
+          <a:xfrm>
+            <a:off x="6903124" y="2500418"/>
+            <a:ext cx="1773332" cy="359364"/>
+          </a:xfrm>
+          <a:prstGeom prst="roundRect">
+            <a:avLst>
+              <a:gd name="adj" fmla="val 10708"/>
+            </a:avLst>
+          </a:prstGeom>
+        </p:spPr>
+        <p:style>
+          <a:lnRef idx="2">
+            <a:schemeClr val="dk1"/>
+          </a:lnRef>
+          <a:fillRef idx="1">
+            <a:schemeClr val="lt1"/>
+          </a:fillRef>
+          <a:effectRef idx="0">
+            <a:schemeClr val="dk1"/>
+          </a:effectRef>
+          <a:fontRef idx="minor">
+            <a:schemeClr val="dk1"/>
+          </a:fontRef>
+        </p:style>
+        <p:txBody>
+          <a:bodyPr rtlCol="0" anchor="ctr"/>
+          <a:lstStyle/>
+          <a:p>
+            <a:pPr algn="ctr"/>
+            <a:r>
+              <a:rPr lang="en-US" altLang="ko-KR" sz="1200" b="1"/>
+              <a:t>KUBE-SVC-XXX</a:t>
+            </a:r>
+            <a:endParaRPr lang="ko-KR" altLang="en-US" sz="1200" b="1"/>
+          </a:p>
+        </p:txBody>
+      </p:sp>
+      <p:sp>
+        <p:nvSpPr>
+          <p:cNvPr id="47" name="모서리가 둥근 직사각형 13">
+            <a:extLst>
+              <a:ext uri="{FF2B5EF4-FFF2-40B4-BE49-F238E27FC236}">
+                <a16:creationId xmlns:a16="http://schemas.microsoft.com/office/drawing/2014/main" id="{87A916DD-6E20-456F-B1AF-641E4936B283}"/>
+              </a:ext>
+            </a:extLst>
+          </p:cNvPr>
+          <p:cNvSpPr/>
+          <p:nvPr/>
+        </p:nvSpPr>
+        <p:spPr>
+          <a:xfrm>
+            <a:off x="6903123" y="3076482"/>
+            <a:ext cx="1773332" cy="359364"/>
+          </a:xfrm>
+          <a:prstGeom prst="roundRect">
+            <a:avLst>
+              <a:gd name="adj" fmla="val 10708"/>
+            </a:avLst>
+          </a:prstGeom>
+        </p:spPr>
+        <p:style>
+          <a:lnRef idx="2">
+            <a:schemeClr val="dk1"/>
+          </a:lnRef>
+          <a:fillRef idx="1">
+            <a:schemeClr val="lt1"/>
+          </a:fillRef>
+          <a:effectRef idx="0">
+            <a:schemeClr val="dk1"/>
+          </a:effectRef>
+          <a:fontRef idx="minor">
+            <a:schemeClr val="dk1"/>
+          </a:fontRef>
+        </p:style>
+        <p:txBody>
+          <a:bodyPr rtlCol="0" anchor="ctr"/>
+          <a:lstStyle/>
+          <a:p>
+            <a:pPr algn="ctr"/>
+            <a:r>
+              <a:rPr lang="en-US" altLang="ko-KR" sz="1200" b="1"/>
+              <a:t>KUBE-SEP-XXX</a:t>
+            </a:r>
+            <a:endParaRPr lang="ko-KR" altLang="en-US" sz="1200" b="1"/>
+          </a:p>
+        </p:txBody>
+      </p:sp>
+      <p:cxnSp>
+        <p:nvCxnSpPr>
+          <p:cNvPr id="51" name="직선 화살표 연결선 50">
+            <a:extLst>
+              <a:ext uri="{FF2B5EF4-FFF2-40B4-BE49-F238E27FC236}">
+                <a16:creationId xmlns:a16="http://schemas.microsoft.com/office/drawing/2014/main" id="{B6535CB8-05FB-4086-B3FC-80FA7526F6F3}"/>
+              </a:ext>
+            </a:extLst>
+          </p:cNvPr>
+          <p:cNvCxnSpPr>
+            <a:cxnSpLocks/>
+            <a:stCxn id="31" idx="2"/>
+            <a:endCxn id="46" idx="0"/>
+          </p:cNvCxnSpPr>
+          <p:nvPr/>
+        </p:nvCxnSpPr>
+        <p:spPr>
+          <a:xfrm>
+            <a:off x="5650753" y="2215980"/>
+            <a:ext cx="2139037" cy="284438"/>
+          </a:xfrm>
+          <a:prstGeom prst="straightConnector1">
+            <a:avLst/>
+          </a:prstGeom>
+          <a:ln w="19050">
+            <a:solidFill>
+              <a:srgbClr val="C00000"/>
+            </a:solidFill>
+            <a:tailEnd type="arrow"/>
+          </a:ln>
+        </p:spPr>
+        <p:style>
+          <a:lnRef idx="1">
+            <a:schemeClr val="accent1"/>
+          </a:lnRef>
+          <a:fillRef idx="0">
+            <a:schemeClr val="accent1"/>
+          </a:fillRef>
+          <a:effectRef idx="0">
+            <a:schemeClr val="accent1"/>
+          </a:effectRef>
+          <a:fontRef idx="minor">
+            <a:schemeClr val="tx1"/>
+          </a:fontRef>
+        </p:style>
+      </p:cxnSp>
+      <p:cxnSp>
+        <p:nvCxnSpPr>
+          <p:cNvPr id="54" name="직선 화살표 연결선 53">
+            <a:extLst>
+              <a:ext uri="{FF2B5EF4-FFF2-40B4-BE49-F238E27FC236}">
+                <a16:creationId xmlns:a16="http://schemas.microsoft.com/office/drawing/2014/main" id="{88C6E1FE-0FE1-4F4C-AD24-A9D8C34F4D4E}"/>
+              </a:ext>
+            </a:extLst>
+          </p:cNvPr>
+          <p:cNvCxnSpPr>
+            <a:cxnSpLocks/>
+            <a:stCxn id="46" idx="2"/>
+            <a:endCxn id="47" idx="0"/>
+          </p:cNvCxnSpPr>
+          <p:nvPr/>
+        </p:nvCxnSpPr>
+        <p:spPr>
+          <a:xfrm flipH="1">
+            <a:off x="7789789" y="2859782"/>
+            <a:ext cx="1" cy="216700"/>
+          </a:xfrm>
+          <a:prstGeom prst="straightConnector1">
+            <a:avLst/>
+          </a:prstGeom>
+          <a:ln w="19050">
+            <a:solidFill>
+              <a:schemeClr val="tx1"/>
+            </a:solidFill>
+            <a:tailEnd type="arrow"/>
+          </a:ln>
+        </p:spPr>
+        <p:style>
+          <a:lnRef idx="1">
+            <a:schemeClr val="accent1"/>
+          </a:lnRef>
+          <a:fillRef idx="0">
+            <a:schemeClr val="accent1"/>
+          </a:fillRef>
+          <a:effectRef idx="0">
+            <a:schemeClr val="accent1"/>
+          </a:effectRef>
+          <a:fontRef idx="minor">
+            <a:schemeClr val="tx1"/>
+          </a:fontRef>
+        </p:style>
+      </p:cxnSp>
+      <p:cxnSp>
+        <p:nvCxnSpPr>
+          <p:cNvPr id="58" name="직선 화살표 연결선 57">
+            <a:extLst>
+              <a:ext uri="{FF2B5EF4-FFF2-40B4-BE49-F238E27FC236}">
+                <a16:creationId xmlns:a16="http://schemas.microsoft.com/office/drawing/2014/main" id="{3C58885C-9790-4194-8082-3C3B1E972022}"/>
+              </a:ext>
+            </a:extLst>
+          </p:cNvPr>
+          <p:cNvCxnSpPr>
+            <a:cxnSpLocks/>
+            <a:stCxn id="31" idx="3"/>
+            <a:endCxn id="64" idx="1"/>
+          </p:cNvCxnSpPr>
+          <p:nvPr/>
+        </p:nvCxnSpPr>
+        <p:spPr>
+          <a:xfrm>
+            <a:off x="6537419" y="2036298"/>
+            <a:ext cx="365705" cy="0"/>
+          </a:xfrm>
+          <a:prstGeom prst="straightConnector1">
+            <a:avLst/>
+          </a:prstGeom>
+          <a:ln w="19050">
+            <a:solidFill>
+              <a:schemeClr val="tx2"/>
+            </a:solidFill>
+            <a:tailEnd type="arrow"/>
+          </a:ln>
+        </p:spPr>
+        <p:style>
+          <a:lnRef idx="1">
+            <a:schemeClr val="accent1"/>
+          </a:lnRef>
+          <a:fillRef idx="0">
+            <a:schemeClr val="accent1"/>
+          </a:fillRef>
+          <a:effectRef idx="0">
+            <a:schemeClr val="accent1"/>
+          </a:effectRef>
+          <a:fontRef idx="minor">
+            <a:schemeClr val="tx1"/>
+          </a:fontRef>
+        </p:style>
+      </p:cxnSp>
+      <p:sp>
+        <p:nvSpPr>
+          <p:cNvPr id="64" name="모서리가 둥근 직사각형 13">
+            <a:extLst>
+              <a:ext uri="{FF2B5EF4-FFF2-40B4-BE49-F238E27FC236}">
+                <a16:creationId xmlns:a16="http://schemas.microsoft.com/office/drawing/2014/main" id="{BC0E41CF-92CD-40C3-A960-0563728BF681}"/>
+              </a:ext>
+            </a:extLst>
+          </p:cNvPr>
+          <p:cNvSpPr/>
+          <p:nvPr/>
+        </p:nvSpPr>
+        <p:spPr>
+          <a:xfrm>
+            <a:off x="6903124" y="1856616"/>
+            <a:ext cx="1773332" cy="359364"/>
+          </a:xfrm>
+          <a:prstGeom prst="roundRect">
+            <a:avLst>
+              <a:gd name="adj" fmla="val 10708"/>
+            </a:avLst>
+          </a:prstGeom>
+        </p:spPr>
+        <p:style>
+          <a:lnRef idx="2">
+            <a:schemeClr val="dk1"/>
+          </a:lnRef>
+          <a:fillRef idx="1">
+            <a:schemeClr val="lt1"/>
+          </a:fillRef>
+          <a:effectRef idx="0">
+            <a:schemeClr val="dk1"/>
+          </a:effectRef>
+          <a:fontRef idx="minor">
+            <a:schemeClr val="dk1"/>
+          </a:fontRef>
+        </p:style>
+        <p:txBody>
+          <a:bodyPr rtlCol="0" anchor="ctr"/>
+          <a:lstStyle/>
+          <a:p>
+            <a:pPr algn="ctr"/>
+            <a:r>
+              <a:rPr lang="en-US" altLang="ko-KR" sz="1200" b="1"/>
+              <a:t>KUBE-NODEPORTS</a:t>
+            </a:r>
+            <a:endParaRPr lang="ko-KR" altLang="en-US" sz="1200" b="1"/>
+          </a:p>
+        </p:txBody>
+      </p:sp>
+      <p:cxnSp>
+        <p:nvCxnSpPr>
+          <p:cNvPr id="92" name="직선 화살표 연결선 91">
+            <a:extLst>
+              <a:ext uri="{FF2B5EF4-FFF2-40B4-BE49-F238E27FC236}">
+                <a16:creationId xmlns:a16="http://schemas.microsoft.com/office/drawing/2014/main" id="{941242DB-F280-4E47-B425-0C1D8871E411}"/>
+              </a:ext>
+            </a:extLst>
+          </p:cNvPr>
+          <p:cNvCxnSpPr>
+            <a:cxnSpLocks/>
+            <a:stCxn id="64" idx="2"/>
+            <a:endCxn id="46" idx="0"/>
+          </p:cNvCxnSpPr>
+          <p:nvPr/>
+        </p:nvCxnSpPr>
+        <p:spPr>
+          <a:xfrm>
+            <a:off x="7789790" y="2215980"/>
+            <a:ext cx="0" cy="284438"/>
+          </a:xfrm>
+          <a:prstGeom prst="straightConnector1">
+            <a:avLst/>
+          </a:prstGeom>
+          <a:ln w="19050">
+            <a:solidFill>
+              <a:schemeClr val="tx1"/>
+            </a:solidFill>
+            <a:tailEnd type="arrow"/>
+          </a:ln>
+        </p:spPr>
+        <p:style>
+          <a:lnRef idx="1">
+            <a:schemeClr val="accent1"/>
+          </a:lnRef>
+          <a:fillRef idx="0">
+            <a:schemeClr val="accent1"/>
+          </a:fillRef>
+          <a:effectRef idx="0">
+            <a:schemeClr val="accent1"/>
+          </a:effectRef>
+          <a:fontRef idx="minor">
+            <a:schemeClr val="tx1"/>
+          </a:fontRef>
+        </p:style>
+      </p:cxnSp>
+      <p:sp>
+        <p:nvSpPr>
+          <p:cNvPr id="97" name="모서리가 둥근 직사각형 13">
+            <a:extLst>
+              <a:ext uri="{FF2B5EF4-FFF2-40B4-BE49-F238E27FC236}">
+                <a16:creationId xmlns:a16="http://schemas.microsoft.com/office/drawing/2014/main" id="{0BEE2C61-86CD-4C27-863C-AC54D67BAEAF}"/>
+              </a:ext>
+            </a:extLst>
+          </p:cNvPr>
+          <p:cNvSpPr/>
+          <p:nvPr/>
+        </p:nvSpPr>
+        <p:spPr>
+          <a:xfrm>
+            <a:off x="4766569" y="3076482"/>
+            <a:ext cx="1773332" cy="359364"/>
+          </a:xfrm>
+          <a:prstGeom prst="roundRect">
+            <a:avLst>
+              <a:gd name="adj" fmla="val 10708"/>
+            </a:avLst>
+          </a:prstGeom>
+        </p:spPr>
+        <p:style>
+          <a:lnRef idx="2">
+            <a:schemeClr val="dk1"/>
+          </a:lnRef>
+          <a:fillRef idx="1">
+            <a:schemeClr val="lt1"/>
+          </a:fillRef>
+          <a:effectRef idx="0">
+            <a:schemeClr val="dk1"/>
+          </a:effectRef>
+          <a:fontRef idx="minor">
+            <a:schemeClr val="dk1"/>
+          </a:fontRef>
+        </p:style>
+        <p:txBody>
+          <a:bodyPr rtlCol="0" anchor="ctr"/>
+          <a:lstStyle/>
+          <a:p>
+            <a:pPr algn="ctr"/>
+            <a:r>
+              <a:rPr lang="en-US" altLang="ko-KR" sz="1200"/>
+              <a:t>POSTROUTING</a:t>
+            </a:r>
+            <a:endParaRPr lang="ko-KR" altLang="en-US" sz="1200"/>
+          </a:p>
+        </p:txBody>
+      </p:sp>
+      <p:sp>
+        <p:nvSpPr>
+          <p:cNvPr id="99" name="모서리가 둥근 직사각형 13">
+            <a:extLst>
+              <a:ext uri="{FF2B5EF4-FFF2-40B4-BE49-F238E27FC236}">
+                <a16:creationId xmlns:a16="http://schemas.microsoft.com/office/drawing/2014/main" id="{A82E0532-5DAB-4648-8C36-BEC0281722F2}"/>
+              </a:ext>
+            </a:extLst>
+          </p:cNvPr>
+          <p:cNvSpPr/>
+          <p:nvPr/>
+        </p:nvSpPr>
+        <p:spPr>
+          <a:xfrm>
+            <a:off x="557516" y="3075629"/>
+            <a:ext cx="1773332" cy="359364"/>
+          </a:xfrm>
+          <a:prstGeom prst="roundRect">
+            <a:avLst>
+              <a:gd name="adj" fmla="val 10708"/>
+            </a:avLst>
+          </a:prstGeom>
+          <a:ln>
+            <a:solidFill>
+              <a:schemeClr val="tx2"/>
+            </a:solidFill>
+          </a:ln>
+        </p:spPr>
+        <p:style>
+          <a:lnRef idx="2">
+            <a:schemeClr val="dk1"/>
+          </a:lnRef>
+          <a:fillRef idx="1">
+            <a:schemeClr val="lt1"/>
+          </a:fillRef>
+          <a:effectRef idx="0">
+            <a:schemeClr val="dk1"/>
+          </a:effectRef>
+          <a:fontRef idx="minor">
+            <a:schemeClr val="dk1"/>
+          </a:fontRef>
+        </p:style>
+        <p:txBody>
+          <a:bodyPr rtlCol="0" anchor="ctr"/>
+          <a:lstStyle/>
+          <a:p>
+            <a:pPr algn="ctr"/>
+            <a:r>
+              <a:rPr lang="en-US" altLang="ko-KR" sz="1200">
+                <a:solidFill>
+                  <a:schemeClr val="tx2"/>
+                </a:solidFill>
+              </a:rPr>
+              <a:t>Network Interface</a:t>
+            </a:r>
+            <a:endParaRPr lang="ko-KR" altLang="en-US" sz="1200">
+              <a:solidFill>
+                <a:schemeClr val="tx2"/>
+              </a:solidFill>
+            </a:endParaRPr>
+          </a:p>
+        </p:txBody>
+      </p:sp>
+      <p:cxnSp>
+        <p:nvCxnSpPr>
+          <p:cNvPr id="100" name="직선 화살표 연결선 99">
+            <a:extLst>
+              <a:ext uri="{FF2B5EF4-FFF2-40B4-BE49-F238E27FC236}">
+                <a16:creationId xmlns:a16="http://schemas.microsoft.com/office/drawing/2014/main" id="{F4283734-A593-4BD8-9BD8-CA85E69CC1AD}"/>
+              </a:ext>
+            </a:extLst>
+          </p:cNvPr>
+          <p:cNvCxnSpPr>
+            <a:cxnSpLocks/>
+            <a:stCxn id="97" idx="1"/>
+            <a:endCxn id="121" idx="3"/>
+          </p:cNvCxnSpPr>
+          <p:nvPr/>
+        </p:nvCxnSpPr>
+        <p:spPr>
+          <a:xfrm flipH="1">
+            <a:off x="4429594" y="3256164"/>
+            <a:ext cx="336975" cy="0"/>
+          </a:xfrm>
+          <a:prstGeom prst="straightConnector1">
+            <a:avLst/>
+          </a:prstGeom>
+          <a:ln w="19050">
+            <a:solidFill>
+              <a:schemeClr val="tx1"/>
+            </a:solidFill>
+            <a:tailEnd type="arrow"/>
+          </a:ln>
+        </p:spPr>
+        <p:style>
+          <a:lnRef idx="1">
+            <a:schemeClr val="accent1"/>
+          </a:lnRef>
+          <a:fillRef idx="0">
+            <a:schemeClr val="accent1"/>
+          </a:fillRef>
+          <a:effectRef idx="0">
+            <a:schemeClr val="accent1"/>
+          </a:effectRef>
+          <a:fontRef idx="minor">
+            <a:schemeClr val="tx1"/>
+          </a:fontRef>
+        </p:style>
+      </p:cxnSp>
+      <p:cxnSp>
+        <p:nvCxnSpPr>
+          <p:cNvPr id="109" name="직선 화살표 연결선 108">
+            <a:extLst>
+              <a:ext uri="{FF2B5EF4-FFF2-40B4-BE49-F238E27FC236}">
+                <a16:creationId xmlns:a16="http://schemas.microsoft.com/office/drawing/2014/main" id="{B472FACD-4C40-4D63-B23A-06A110DDF600}"/>
+              </a:ext>
+            </a:extLst>
+          </p:cNvPr>
+          <p:cNvCxnSpPr>
+            <a:cxnSpLocks/>
+            <a:stCxn id="44" idx="2"/>
+            <a:endCxn id="97" idx="0"/>
+          </p:cNvCxnSpPr>
+          <p:nvPr/>
+        </p:nvCxnSpPr>
+        <p:spPr>
+          <a:xfrm>
+            <a:off x="5650753" y="2861772"/>
+            <a:ext cx="2482" cy="214710"/>
+          </a:xfrm>
+          <a:prstGeom prst="straightConnector1">
+            <a:avLst/>
+          </a:prstGeom>
+          <a:ln w="19050">
+            <a:solidFill>
+              <a:schemeClr val="tx1"/>
+            </a:solidFill>
+            <a:tailEnd type="arrow"/>
+          </a:ln>
+        </p:spPr>
+        <p:style>
+          <a:lnRef idx="1">
+            <a:schemeClr val="accent1"/>
+          </a:lnRef>
+          <a:fillRef idx="0">
+            <a:schemeClr val="accent1"/>
+          </a:fillRef>
+          <a:effectRef idx="0">
+            <a:schemeClr val="accent1"/>
+          </a:effectRef>
+          <a:fontRef idx="minor">
+            <a:schemeClr val="tx1"/>
+          </a:fontRef>
+        </p:style>
+      </p:cxnSp>
+      <p:sp>
+        <p:nvSpPr>
+          <p:cNvPr id="103" name="TextBox 102">
+            <a:extLst>
+              <a:ext uri="{FF2B5EF4-FFF2-40B4-BE49-F238E27FC236}">
+                <a16:creationId xmlns:a16="http://schemas.microsoft.com/office/drawing/2014/main" id="{69273CD4-8F62-457D-BA74-D9FD30B9EDAD}"/>
+              </a:ext>
+            </a:extLst>
+          </p:cNvPr>
+          <p:cNvSpPr txBox="1"/>
+          <p:nvPr/>
+        </p:nvSpPr>
+        <p:spPr>
+          <a:xfrm>
+            <a:off x="5878082" y="2276083"/>
+            <a:ext cx="834780" cy="276999"/>
+          </a:xfrm>
+          <a:prstGeom prst="rect">
+            <a:avLst/>
+          </a:prstGeom>
+          <a:noFill/>
+        </p:spPr>
+        <p:txBody>
+          <a:bodyPr wrap="none" rtlCol="0" anchor="ctr">
+            <a:spAutoFit/>
+          </a:bodyPr>
+          <a:lstStyle/>
+          <a:p>
+            <a:pPr algn="ctr"/>
+            <a:r>
+              <a:rPr lang="en-US" altLang="ko-KR" sz="1200" b="1">
+                <a:solidFill>
+                  <a:srgbClr val="C00000"/>
+                </a:solidFill>
+              </a:rPr>
+              <a:t>ClusterIP</a:t>
+            </a:r>
+            <a:endParaRPr lang="ko-KR" altLang="en-US" sz="1200" b="1">
+              <a:solidFill>
+                <a:srgbClr val="C00000"/>
+              </a:solidFill>
+            </a:endParaRPr>
+          </a:p>
+        </p:txBody>
+      </p:sp>
+      <p:sp>
+        <p:nvSpPr>
+          <p:cNvPr id="114" name="TextBox 113">
+            <a:extLst>
+              <a:ext uri="{FF2B5EF4-FFF2-40B4-BE49-F238E27FC236}">
+                <a16:creationId xmlns:a16="http://schemas.microsoft.com/office/drawing/2014/main" id="{FB301279-78F2-411F-BEFF-FC0AA5AECEF2}"/>
+              </a:ext>
+            </a:extLst>
+          </p:cNvPr>
+          <p:cNvSpPr txBox="1"/>
+          <p:nvPr/>
+        </p:nvSpPr>
+        <p:spPr>
+          <a:xfrm>
+            <a:off x="6273867" y="1584488"/>
+            <a:ext cx="892809" cy="276999"/>
+          </a:xfrm>
+          <a:prstGeom prst="rect">
+            <a:avLst/>
+          </a:prstGeom>
+          <a:noFill/>
+        </p:spPr>
+        <p:txBody>
+          <a:bodyPr wrap="none" rtlCol="0" anchor="ctr">
+            <a:spAutoFit/>
+          </a:bodyPr>
+          <a:lstStyle/>
+          <a:p>
+            <a:pPr algn="ctr"/>
+            <a:r>
+              <a:rPr lang="en-US" altLang="ko-KR" sz="1200" b="1">
+                <a:solidFill>
+                  <a:schemeClr val="tx2"/>
+                </a:solidFill>
+              </a:rPr>
+              <a:t>NodePort</a:t>
+            </a:r>
+            <a:endParaRPr lang="ko-KR" altLang="en-US" sz="1200" b="1">
+              <a:solidFill>
+                <a:schemeClr val="tx2"/>
+              </a:solidFill>
+            </a:endParaRPr>
+          </a:p>
+        </p:txBody>
+      </p:sp>
+      <p:sp>
+        <p:nvSpPr>
+          <p:cNvPr id="121" name="모서리가 둥근 직사각형 13">
+            <a:extLst>
+              <a:ext uri="{FF2B5EF4-FFF2-40B4-BE49-F238E27FC236}">
+                <a16:creationId xmlns:a16="http://schemas.microsoft.com/office/drawing/2014/main" id="{11441F74-EFB3-4BA6-8C5E-50C3BAD640B4}"/>
+              </a:ext>
+            </a:extLst>
+          </p:cNvPr>
+          <p:cNvSpPr/>
+          <p:nvPr/>
+        </p:nvSpPr>
+        <p:spPr>
+          <a:xfrm>
+            <a:off x="2656262" y="3076482"/>
+            <a:ext cx="1773332" cy="359364"/>
+          </a:xfrm>
+          <a:prstGeom prst="roundRect">
+            <a:avLst>
+              <a:gd name="adj" fmla="val 10708"/>
+            </a:avLst>
+          </a:prstGeom>
+        </p:spPr>
+        <p:style>
+          <a:lnRef idx="2">
+            <a:schemeClr val="dk1"/>
+          </a:lnRef>
+          <a:fillRef idx="1">
+            <a:schemeClr val="lt1"/>
+          </a:fillRef>
+          <a:effectRef idx="0">
+            <a:schemeClr val="dk1"/>
+          </a:effectRef>
+          <a:fontRef idx="minor">
+            <a:schemeClr val="dk1"/>
+          </a:fontRef>
+        </p:style>
+        <p:txBody>
+          <a:bodyPr rtlCol="0" anchor="ctr"/>
+          <a:lstStyle/>
+          <a:p>
+            <a:pPr algn="ctr"/>
+            <a:r>
+              <a:rPr lang="en-US" altLang="ko-KR" sz="1200" b="1"/>
+              <a:t>KUBE-POSTROUTING</a:t>
+            </a:r>
+            <a:endParaRPr lang="ko-KR" altLang="en-US" sz="1200" b="1"/>
+          </a:p>
+        </p:txBody>
+      </p:sp>
+      <p:cxnSp>
+        <p:nvCxnSpPr>
+          <p:cNvPr id="131" name="직선 화살표 연결선 130">
+            <a:extLst>
+              <a:ext uri="{FF2B5EF4-FFF2-40B4-BE49-F238E27FC236}">
+                <a16:creationId xmlns:a16="http://schemas.microsoft.com/office/drawing/2014/main" id="{9675CE7E-9F04-4772-9598-66E2DB7137B2}"/>
+              </a:ext>
+            </a:extLst>
+          </p:cNvPr>
+          <p:cNvCxnSpPr>
+            <a:cxnSpLocks/>
+            <a:stCxn id="121" idx="1"/>
+            <a:endCxn id="99" idx="3"/>
+          </p:cNvCxnSpPr>
+          <p:nvPr/>
+        </p:nvCxnSpPr>
+        <p:spPr>
+          <a:xfrm flipH="1" flipV="1">
+            <a:off x="2330848" y="3255311"/>
+            <a:ext cx="325414" cy="853"/>
+          </a:xfrm>
+          <a:prstGeom prst="straightConnector1">
+            <a:avLst/>
+          </a:prstGeom>
+          <a:ln w="19050">
+            <a:solidFill>
+              <a:schemeClr val="tx1"/>
+            </a:solidFill>
+            <a:tailEnd type="arrow"/>
+          </a:ln>
+        </p:spPr>
+        <p:style>
+          <a:lnRef idx="1">
+            <a:schemeClr val="accent1"/>
+          </a:lnRef>
+          <a:fillRef idx="0">
+            <a:schemeClr val="accent1"/>
+          </a:fillRef>
+          <a:effectRef idx="0">
+            <a:schemeClr val="accent1"/>
+          </a:effectRef>
+          <a:fontRef idx="minor">
+            <a:schemeClr val="tx1"/>
+          </a:fontRef>
+        </p:style>
+      </p:cxnSp>
+      <p:sp>
+        <p:nvSpPr>
+          <p:cNvPr id="26" name="제목 1">
+            <a:extLst>
+              <a:ext uri="{FF2B5EF4-FFF2-40B4-BE49-F238E27FC236}">
+                <a16:creationId xmlns:a16="http://schemas.microsoft.com/office/drawing/2014/main" id="{8996A3B6-EF2F-433F-A247-A77B4E18237E}"/>
+              </a:ext>
+            </a:extLst>
+          </p:cNvPr>
+          <p:cNvSpPr>
+            <a:spLocks noGrp="1"/>
+          </p:cNvSpPr>
+          <p:nvPr>
+            <p:ph type="title"/>
+          </p:nvPr>
+        </p:nvSpPr>
+        <p:spPr>
+          <a:xfrm>
+            <a:off x="457200" y="58316"/>
+            <a:ext cx="8229600" cy="857250"/>
+          </a:xfrm>
+        </p:spPr>
+        <p:txBody>
+          <a:bodyPr/>
+          <a:lstStyle/>
+          <a:p>
+            <a:r>
+              <a:rPr lang="en-US" altLang="ko-KR"/>
+              <a:t>iptables</a:t>
+            </a:r>
+            <a:r>
+              <a:rPr lang="ko-KR" altLang="en-US"/>
+              <a:t> </a:t>
+            </a:r>
+            <a:r>
+              <a:rPr lang="en-US" altLang="ko-KR"/>
+              <a:t>Mode</a:t>
+            </a:r>
+            <a:r>
+              <a:rPr lang="ko-KR" altLang="en-US"/>
+              <a:t> </a:t>
+            </a:r>
+            <a:r>
+              <a:rPr lang="en-US" altLang="ko-KR"/>
+              <a:t>Packet</a:t>
+            </a:r>
+            <a:r>
+              <a:rPr lang="ko-KR" altLang="en-US"/>
+              <a:t> </a:t>
+            </a:r>
+            <a:r>
+              <a:rPr lang="en-US" altLang="ko-KR"/>
+              <a:t>Flow</a:t>
+            </a:r>
+            <a:endParaRPr lang="ko-KR" altLang="en-US"/>
+          </a:p>
+        </p:txBody>
+      </p:sp>
+      <p:cxnSp>
+        <p:nvCxnSpPr>
+          <p:cNvPr id="33" name="직선 화살표 연결선 32">
+            <a:extLst>
+              <a:ext uri="{FF2B5EF4-FFF2-40B4-BE49-F238E27FC236}">
+                <a16:creationId xmlns:a16="http://schemas.microsoft.com/office/drawing/2014/main" id="{5D1D0A77-E822-4B9F-AF30-77553A1BCE0A}"/>
+              </a:ext>
+            </a:extLst>
+          </p:cNvPr>
+          <p:cNvCxnSpPr>
+            <a:cxnSpLocks/>
+            <a:stCxn id="47" idx="1"/>
+            <a:endCxn id="44" idx="3"/>
+          </p:cNvCxnSpPr>
+          <p:nvPr/>
+        </p:nvCxnSpPr>
+        <p:spPr>
+          <a:xfrm flipH="1" flipV="1">
+            <a:off x="6537419" y="2682090"/>
+            <a:ext cx="365704" cy="574074"/>
+          </a:xfrm>
+          <a:prstGeom prst="straightConnector1">
+            <a:avLst/>
+          </a:prstGeom>
+          <a:ln w="19050">
+            <a:solidFill>
+              <a:schemeClr val="tx1"/>
+            </a:solidFill>
+            <a:tailEnd type="arrow"/>
+          </a:ln>
+        </p:spPr>
+        <p:style>
+          <a:lnRef idx="1">
+            <a:schemeClr val="accent1"/>
+          </a:lnRef>
+          <a:fillRef idx="0">
+            <a:schemeClr val="accent1"/>
+          </a:fillRef>
+          <a:effectRef idx="0">
+            <a:schemeClr val="accent1"/>
+          </a:effectRef>
+          <a:fontRef idx="minor">
+            <a:schemeClr val="tx1"/>
+          </a:fontRef>
+        </p:style>
+      </p:cxnSp>
+      <p:sp>
+        <p:nvSpPr>
+          <p:cNvPr id="44" name="모서리가 둥근 직사각형 13">
+            <a:extLst>
+              <a:ext uri="{FF2B5EF4-FFF2-40B4-BE49-F238E27FC236}">
+                <a16:creationId xmlns:a16="http://schemas.microsoft.com/office/drawing/2014/main" id="{ABDDDCD9-E83A-404F-9F27-0DEBF1B22A86}"/>
+              </a:ext>
+            </a:extLst>
+          </p:cNvPr>
+          <p:cNvSpPr/>
+          <p:nvPr/>
+        </p:nvSpPr>
+        <p:spPr>
+          <a:xfrm>
+            <a:off x="4764087" y="2502408"/>
+            <a:ext cx="1773332" cy="359364"/>
+          </a:xfrm>
+          <a:prstGeom prst="roundRect">
+            <a:avLst>
+              <a:gd name="adj" fmla="val 10708"/>
+            </a:avLst>
+          </a:prstGeom>
+          <a:ln>
+            <a:solidFill>
+              <a:schemeClr val="tx2"/>
+            </a:solidFill>
+          </a:ln>
+        </p:spPr>
+        <p:style>
+          <a:lnRef idx="2">
+            <a:schemeClr val="dk1"/>
+          </a:lnRef>
+          <a:fillRef idx="1">
+            <a:schemeClr val="lt1"/>
+          </a:fillRef>
+          <a:effectRef idx="0">
+            <a:schemeClr val="dk1"/>
+          </a:effectRef>
+          <a:fontRef idx="minor">
+            <a:schemeClr val="dk1"/>
+          </a:fontRef>
+        </p:style>
+        <p:txBody>
+          <a:bodyPr rtlCol="0" anchor="ctr"/>
+          <a:lstStyle/>
+          <a:p>
+            <a:pPr algn="ctr"/>
+            <a:r>
+              <a:rPr lang="en-US" altLang="ko-KR" sz="1200">
+                <a:solidFill>
+                  <a:schemeClr val="tx2"/>
+                </a:solidFill>
+              </a:rPr>
+              <a:t>Routing Table</a:t>
+            </a:r>
+            <a:endParaRPr lang="ko-KR" altLang="en-US" sz="1200">
+              <a:solidFill>
+                <a:schemeClr val="tx2"/>
+              </a:solidFill>
+            </a:endParaRPr>
+          </a:p>
+        </p:txBody>
+      </p:sp>
+      <p:sp>
+        <p:nvSpPr>
+          <p:cNvPr id="34" name="모서리가 둥근 직사각형 13">
+            <a:extLst>
+              <a:ext uri="{FF2B5EF4-FFF2-40B4-BE49-F238E27FC236}">
+                <a16:creationId xmlns:a16="http://schemas.microsoft.com/office/drawing/2014/main" id="{6E702868-5116-437A-928A-AA39955F878D}"/>
+              </a:ext>
+            </a:extLst>
+          </p:cNvPr>
+          <p:cNvSpPr/>
+          <p:nvPr/>
+        </p:nvSpPr>
+        <p:spPr>
+          <a:xfrm>
+            <a:off x="557516" y="3709660"/>
+            <a:ext cx="1773332" cy="359364"/>
+          </a:xfrm>
+          <a:prstGeom prst="roundRect">
+            <a:avLst>
+              <a:gd name="adj" fmla="val 10708"/>
+            </a:avLst>
+          </a:prstGeom>
+          <a:ln>
+            <a:solidFill>
+              <a:schemeClr val="tx2"/>
+            </a:solidFill>
+          </a:ln>
+        </p:spPr>
+        <p:style>
+          <a:lnRef idx="2">
+            <a:schemeClr val="dk1"/>
+          </a:lnRef>
+          <a:fillRef idx="1">
+            <a:schemeClr val="lt1"/>
+          </a:fillRef>
+          <a:effectRef idx="0">
+            <a:schemeClr val="dk1"/>
+          </a:effectRef>
+          <a:fontRef idx="minor">
+            <a:schemeClr val="dk1"/>
+          </a:fontRef>
+        </p:style>
+        <p:txBody>
+          <a:bodyPr rtlCol="0" anchor="ctr"/>
+          <a:lstStyle/>
+          <a:p>
+            <a:pPr algn="ctr"/>
+            <a:r>
+              <a:rPr lang="en-US" altLang="ko-KR" sz="1200">
+                <a:solidFill>
+                  <a:schemeClr val="tx2"/>
+                </a:solidFill>
+              </a:rPr>
+              <a:t>Destination</a:t>
+            </a:r>
+          </a:p>
+          <a:p>
+            <a:pPr algn="ctr"/>
+            <a:r>
+              <a:rPr lang="en-US" altLang="ko-KR" sz="1200">
+                <a:solidFill>
+                  <a:schemeClr val="tx2"/>
+                </a:solidFill>
+              </a:rPr>
+              <a:t>(Node, Pod)</a:t>
+            </a:r>
+            <a:endParaRPr lang="ko-KR" altLang="en-US" sz="1200">
+              <a:solidFill>
+                <a:schemeClr val="tx2"/>
+              </a:solidFill>
+            </a:endParaRPr>
+          </a:p>
+        </p:txBody>
+      </p:sp>
+      <p:sp>
+        <p:nvSpPr>
+          <p:cNvPr id="36" name="모서리가 둥근 직사각형 13">
+            <a:extLst>
+              <a:ext uri="{FF2B5EF4-FFF2-40B4-BE49-F238E27FC236}">
+                <a16:creationId xmlns:a16="http://schemas.microsoft.com/office/drawing/2014/main" id="{9BBCEC6C-C80F-42CD-8FE3-5591D57ABEBD}"/>
+              </a:ext>
+            </a:extLst>
+          </p:cNvPr>
+          <p:cNvSpPr/>
+          <p:nvPr/>
+        </p:nvSpPr>
+        <p:spPr>
+          <a:xfrm>
+            <a:off x="6156176" y="3797199"/>
+            <a:ext cx="605948" cy="214711"/>
+          </a:xfrm>
+          <a:prstGeom prst="roundRect">
+            <a:avLst>
+              <a:gd name="adj" fmla="val 10708"/>
+            </a:avLst>
+          </a:prstGeom>
+        </p:spPr>
+        <p:style>
+          <a:lnRef idx="2">
+            <a:schemeClr val="dk1"/>
+          </a:lnRef>
+          <a:fillRef idx="1">
+            <a:schemeClr val="lt1"/>
+          </a:fillRef>
+          <a:effectRef idx="0">
+            <a:schemeClr val="dk1"/>
+          </a:effectRef>
+          <a:fontRef idx="minor">
+            <a:schemeClr val="dk1"/>
+          </a:fontRef>
+        </p:style>
+        <p:txBody>
+          <a:bodyPr rtlCol="0" anchor="ctr"/>
+          <a:lstStyle/>
+          <a:p>
+            <a:pPr algn="ctr"/>
+            <a:endParaRPr lang="ko-KR" altLang="en-US" sz="1200"/>
+          </a:p>
+        </p:txBody>
+      </p:sp>
+      <p:sp>
+        <p:nvSpPr>
+          <p:cNvPr id="5" name="TextBox 4">
+            <a:extLst>
+              <a:ext uri="{FF2B5EF4-FFF2-40B4-BE49-F238E27FC236}">
+                <a16:creationId xmlns:a16="http://schemas.microsoft.com/office/drawing/2014/main" id="{37908E87-825F-4712-8F1B-263C9866F53B}"/>
+              </a:ext>
+            </a:extLst>
+          </p:cNvPr>
+          <p:cNvSpPr txBox="1"/>
+          <p:nvPr/>
+        </p:nvSpPr>
+        <p:spPr>
+          <a:xfrm>
+            <a:off x="6860619" y="3735453"/>
+            <a:ext cx="1700337" cy="307777"/>
+          </a:xfrm>
+          <a:prstGeom prst="rect">
+            <a:avLst/>
+          </a:prstGeom>
+          <a:noFill/>
+        </p:spPr>
+        <p:txBody>
+          <a:bodyPr wrap="none" rtlCol="0">
+            <a:spAutoFit/>
+          </a:bodyPr>
+          <a:lstStyle/>
+          <a:p>
+            <a:r>
+              <a:rPr lang="en-US" altLang="ko-KR" sz="1400"/>
+              <a:t>iptables NAT Table</a:t>
+            </a:r>
+            <a:endParaRPr lang="ko-KR" altLang="en-US" sz="1400"/>
+          </a:p>
+        </p:txBody>
+      </p:sp>
+    </p:spTree>
+    <p:extLst>
+      <p:ext uri="{BB962C8B-B14F-4D97-AF65-F5344CB8AC3E}">
+        <p14:creationId xmlns:p14="http://schemas.microsoft.com/office/powerpoint/2010/main" val="754083992"/>
+      </p:ext>
+    </p:extLst>
+  </p:cSld>
+  <p:clrMapOvr>
+    <a:masterClrMapping/>
+  </p:clrMapOvr>
+</p:sld>
+</file>
+
+<file path=ppt/slides/slide6.xml><?xml version="1.0" encoding="utf-8"?>
+<p:sld xmlns:a="http://schemas.openxmlformats.org/drawingml/2006/main" xmlns:r="http://schemas.openxmlformats.org/officeDocument/2006/relationships" xmlns:p="http://schemas.openxmlformats.org/presentationml/2006/main">
+  <p:cSld>
+    <p:spTree>
+      <p:nvGrpSpPr>
+        <p:cNvPr id="1" name=""/>
+        <p:cNvGrpSpPr/>
+        <p:nvPr/>
+      </p:nvGrpSpPr>
+      <p:grpSpPr>
+        <a:xfrm>
+          <a:off x="0" y="0"/>
+          <a:ext cx="0" cy="0"/>
+          <a:chOff x="0" y="0"/>
+          <a:chExt cx="0" cy="0"/>
+        </a:xfrm>
+      </p:grpSpPr>
+      <p:sp>
+        <p:nvSpPr>
+          <p:cNvPr id="23" name="모서리가 둥근 직사각형 13">
+            <a:extLst>
+              <a:ext uri="{FF2B5EF4-FFF2-40B4-BE49-F238E27FC236}">
+                <a16:creationId xmlns:a16="http://schemas.microsoft.com/office/drawing/2014/main" id="{FC74B8FC-B65E-4C28-84D1-87968614B7CD}"/>
+              </a:ext>
+            </a:extLst>
+          </p:cNvPr>
+          <p:cNvSpPr/>
+          <p:nvPr/>
+        </p:nvSpPr>
+        <p:spPr>
+          <a:xfrm>
+            <a:off x="588056" y="1635646"/>
+            <a:ext cx="1773332" cy="359364"/>
+          </a:xfrm>
+          <a:prstGeom prst="roundRect">
+            <a:avLst>
+              <a:gd name="adj" fmla="val 10708"/>
+            </a:avLst>
+          </a:prstGeom>
+          <a:ln>
+            <a:solidFill>
+              <a:schemeClr val="tx2"/>
+            </a:solidFill>
+          </a:ln>
+        </p:spPr>
+        <p:style>
+          <a:lnRef idx="2">
+            <a:schemeClr val="dk1"/>
+          </a:lnRef>
+          <a:fillRef idx="1">
+            <a:schemeClr val="lt1"/>
+          </a:fillRef>
+          <a:effectRef idx="0">
+            <a:schemeClr val="dk1"/>
+          </a:effectRef>
+          <a:fontRef idx="minor">
+            <a:schemeClr val="dk1"/>
+          </a:fontRef>
+        </p:style>
+        <p:txBody>
+          <a:bodyPr rtlCol="0" anchor="ctr"/>
+          <a:lstStyle/>
+          <a:p>
+            <a:pPr algn="ctr"/>
+            <a:r>
+              <a:rPr lang="en-US" altLang="ko-KR" sz="1200">
+                <a:solidFill>
+                  <a:schemeClr val="tx2"/>
+                </a:solidFill>
+              </a:rPr>
+              <a:t>Network Interface</a:t>
+            </a:r>
+          </a:p>
+          <a:p>
+            <a:pPr algn="ctr"/>
+            <a:r>
+              <a:rPr lang="en-US" altLang="ko-KR" sz="1200">
+                <a:solidFill>
+                  <a:schemeClr val="tx2"/>
+                </a:solidFill>
+              </a:rPr>
+              <a:t>(Pod)</a:t>
+            </a:r>
+            <a:endParaRPr lang="ko-KR" altLang="en-US" sz="1200">
+              <a:solidFill>
+                <a:schemeClr val="tx2"/>
+              </a:solidFill>
+            </a:endParaRPr>
+          </a:p>
+        </p:txBody>
+      </p:sp>
+      <p:sp>
+        <p:nvSpPr>
+          <p:cNvPr id="29" name="모서리가 둥근 직사각형 13">
+            <a:extLst>
+              <a:ext uri="{FF2B5EF4-FFF2-40B4-BE49-F238E27FC236}">
+                <a16:creationId xmlns:a16="http://schemas.microsoft.com/office/drawing/2014/main" id="{7744601D-87D1-4E44-93D6-D0A5749BFDF3}"/>
+              </a:ext>
+            </a:extLst>
+          </p:cNvPr>
+          <p:cNvSpPr/>
+          <p:nvPr/>
+        </p:nvSpPr>
+        <p:spPr>
+          <a:xfrm>
+            <a:off x="2686802" y="1635646"/>
+            <a:ext cx="1773332" cy="359364"/>
+          </a:xfrm>
+          <a:prstGeom prst="roundRect">
+            <a:avLst>
+              <a:gd name="adj" fmla="val 10708"/>
+            </a:avLst>
+          </a:prstGeom>
+        </p:spPr>
+        <p:style>
+          <a:lnRef idx="2">
+            <a:schemeClr val="dk1"/>
+          </a:lnRef>
+          <a:fillRef idx="1">
+            <a:schemeClr val="lt1"/>
+          </a:fillRef>
+          <a:effectRef idx="0">
+            <a:schemeClr val="dk1"/>
+          </a:effectRef>
+          <a:fontRef idx="minor">
+            <a:schemeClr val="dk1"/>
+          </a:fontRef>
+        </p:style>
+        <p:txBody>
+          <a:bodyPr rtlCol="0" anchor="ctr"/>
+          <a:lstStyle/>
+          <a:p>
+            <a:pPr algn="ctr"/>
+            <a:r>
+              <a:rPr lang="en-US" altLang="ko-KR" sz="1200"/>
+              <a:t>PREROUTING</a:t>
+            </a:r>
+            <a:endParaRPr lang="ko-KR" altLang="en-US" sz="1200"/>
+          </a:p>
+        </p:txBody>
+      </p:sp>
+      <p:sp>
+        <p:nvSpPr>
+          <p:cNvPr id="30" name="모서리가 둥근 직사각형 13">
+            <a:extLst>
+              <a:ext uri="{FF2B5EF4-FFF2-40B4-BE49-F238E27FC236}">
+                <a16:creationId xmlns:a16="http://schemas.microsoft.com/office/drawing/2014/main" id="{E818DF12-C510-4B53-A87E-32D46C748CEB}"/>
+              </a:ext>
+            </a:extLst>
+          </p:cNvPr>
+          <p:cNvSpPr/>
+          <p:nvPr/>
+        </p:nvSpPr>
+        <p:spPr>
+          <a:xfrm>
+            <a:off x="2694070" y="2212602"/>
+            <a:ext cx="1773332" cy="359364"/>
+          </a:xfrm>
+          <a:prstGeom prst="roundRect">
+            <a:avLst>
+              <a:gd name="adj" fmla="val 10708"/>
+            </a:avLst>
+          </a:prstGeom>
+        </p:spPr>
+        <p:style>
+          <a:lnRef idx="2">
+            <a:schemeClr val="dk1"/>
+          </a:lnRef>
+          <a:fillRef idx="1">
+            <a:schemeClr val="lt1"/>
+          </a:fillRef>
+          <a:effectRef idx="0">
+            <a:schemeClr val="dk1"/>
+          </a:effectRef>
+          <a:fontRef idx="minor">
+            <a:schemeClr val="dk1"/>
+          </a:fontRef>
+        </p:style>
+        <p:txBody>
+          <a:bodyPr rtlCol="0" anchor="ctr"/>
+          <a:lstStyle/>
+          <a:p>
+            <a:pPr algn="ctr"/>
+            <a:r>
+              <a:rPr lang="en-US" altLang="ko-KR" sz="1200"/>
+              <a:t>OUTPUT</a:t>
+            </a:r>
+            <a:endParaRPr lang="ko-KR" altLang="en-US" sz="1200"/>
+          </a:p>
+        </p:txBody>
+      </p:sp>
+      <p:sp>
+        <p:nvSpPr>
+          <p:cNvPr id="31" name="모서리가 둥근 직사각형 13">
+            <a:extLst>
+              <a:ext uri="{FF2B5EF4-FFF2-40B4-BE49-F238E27FC236}">
+                <a16:creationId xmlns:a16="http://schemas.microsoft.com/office/drawing/2014/main" id="{47D2C642-13E2-4D3B-91E5-340EBBA9731B}"/>
+              </a:ext>
+            </a:extLst>
+          </p:cNvPr>
+          <p:cNvSpPr/>
+          <p:nvPr/>
+        </p:nvSpPr>
+        <p:spPr>
+          <a:xfrm>
+            <a:off x="4764087" y="1635646"/>
+            <a:ext cx="1773332" cy="359364"/>
+          </a:xfrm>
+          <a:prstGeom prst="roundRect">
+            <a:avLst>
+              <a:gd name="adj" fmla="val 10708"/>
+            </a:avLst>
+          </a:prstGeom>
+        </p:spPr>
+        <p:style>
+          <a:lnRef idx="2">
+            <a:schemeClr val="dk1"/>
+          </a:lnRef>
+          <a:fillRef idx="1">
+            <a:schemeClr val="lt1"/>
+          </a:fillRef>
+          <a:effectRef idx="0">
+            <a:schemeClr val="dk1"/>
+          </a:effectRef>
+          <a:fontRef idx="minor">
+            <a:schemeClr val="dk1"/>
+          </a:fontRef>
+        </p:style>
+        <p:txBody>
+          <a:bodyPr rtlCol="0" anchor="ctr"/>
+          <a:lstStyle/>
+          <a:p>
+            <a:pPr algn="ctr"/>
+            <a:r>
+              <a:rPr lang="en-US" altLang="ko-KR" sz="1200" b="1"/>
+              <a:t>KUBE-PORTALS-CONTAINER</a:t>
+            </a:r>
+            <a:endParaRPr lang="ko-KR" altLang="en-US" sz="1200" b="1"/>
+          </a:p>
+        </p:txBody>
+      </p:sp>
+      <p:cxnSp>
+        <p:nvCxnSpPr>
+          <p:cNvPr id="32" name="직선 화살표 연결선 31">
+            <a:extLst>
+              <a:ext uri="{FF2B5EF4-FFF2-40B4-BE49-F238E27FC236}">
+                <a16:creationId xmlns:a16="http://schemas.microsoft.com/office/drawing/2014/main" id="{A8653795-E277-45CE-BB0F-32693B13B190}"/>
+              </a:ext>
+            </a:extLst>
+          </p:cNvPr>
+          <p:cNvCxnSpPr>
+            <a:cxnSpLocks/>
+            <a:stCxn id="23" idx="3"/>
+            <a:endCxn id="29" idx="1"/>
+          </p:cNvCxnSpPr>
+          <p:nvPr/>
+        </p:nvCxnSpPr>
+        <p:spPr>
+          <a:xfrm>
+            <a:off x="2361388" y="1815328"/>
+            <a:ext cx="325414" cy="0"/>
+          </a:xfrm>
+          <a:prstGeom prst="straightConnector1">
+            <a:avLst/>
+          </a:prstGeom>
+          <a:ln w="19050">
+            <a:solidFill>
+              <a:schemeClr val="tx1"/>
+            </a:solidFill>
+            <a:tailEnd type="arrow"/>
+          </a:ln>
+        </p:spPr>
+        <p:style>
+          <a:lnRef idx="1">
+            <a:schemeClr val="accent1"/>
+          </a:lnRef>
+          <a:fillRef idx="0">
+            <a:schemeClr val="accent1"/>
+          </a:fillRef>
+          <a:effectRef idx="0">
+            <a:schemeClr val="accent1"/>
+          </a:effectRef>
+          <a:fontRef idx="minor">
+            <a:schemeClr val="tx1"/>
+          </a:fontRef>
+        </p:style>
+      </p:cxnSp>
+      <p:cxnSp>
+        <p:nvCxnSpPr>
+          <p:cNvPr id="35" name="직선 화살표 연결선 34">
+            <a:extLst>
+              <a:ext uri="{FF2B5EF4-FFF2-40B4-BE49-F238E27FC236}">
+                <a16:creationId xmlns:a16="http://schemas.microsoft.com/office/drawing/2014/main" id="{DAD49707-B42D-40C0-A70B-C6C3ED540B7A}"/>
+              </a:ext>
+            </a:extLst>
+          </p:cNvPr>
+          <p:cNvCxnSpPr>
+            <a:cxnSpLocks/>
+            <a:stCxn id="56" idx="3"/>
+            <a:endCxn id="30" idx="1"/>
+          </p:cNvCxnSpPr>
+          <p:nvPr/>
+        </p:nvCxnSpPr>
+        <p:spPr>
+          <a:xfrm>
+            <a:off x="2361388" y="2388994"/>
+            <a:ext cx="332682" cy="3290"/>
+          </a:xfrm>
+          <a:prstGeom prst="straightConnector1">
+            <a:avLst/>
+          </a:prstGeom>
+          <a:ln w="19050">
+            <a:solidFill>
+              <a:schemeClr val="tx1"/>
+            </a:solidFill>
+            <a:tailEnd type="arrow"/>
+          </a:ln>
+        </p:spPr>
+        <p:style>
+          <a:lnRef idx="1">
+            <a:schemeClr val="accent1"/>
+          </a:lnRef>
+          <a:fillRef idx="0">
+            <a:schemeClr val="accent1"/>
+          </a:fillRef>
+          <a:effectRef idx="0">
+            <a:schemeClr val="accent1"/>
+          </a:effectRef>
+          <a:fontRef idx="minor">
+            <a:schemeClr val="tx1"/>
+          </a:fontRef>
+        </p:style>
+      </p:cxnSp>
+      <p:cxnSp>
+        <p:nvCxnSpPr>
+          <p:cNvPr id="38" name="직선 화살표 연결선 37">
+            <a:extLst>
+              <a:ext uri="{FF2B5EF4-FFF2-40B4-BE49-F238E27FC236}">
+                <a16:creationId xmlns:a16="http://schemas.microsoft.com/office/drawing/2014/main" id="{A5EBC1AF-88B4-4BA2-BA68-CC5794AB1612}"/>
+              </a:ext>
+            </a:extLst>
+          </p:cNvPr>
+          <p:cNvCxnSpPr>
+            <a:cxnSpLocks/>
+            <a:stCxn id="30" idx="3"/>
+            <a:endCxn id="36" idx="1"/>
+          </p:cNvCxnSpPr>
+          <p:nvPr/>
+        </p:nvCxnSpPr>
+        <p:spPr>
+          <a:xfrm>
+            <a:off x="4467402" y="2392284"/>
+            <a:ext cx="296685" cy="329"/>
+          </a:xfrm>
+          <a:prstGeom prst="straightConnector1">
+            <a:avLst/>
+          </a:prstGeom>
+          <a:ln w="19050">
+            <a:solidFill>
+              <a:schemeClr val="tx1"/>
+            </a:solidFill>
+            <a:tailEnd type="arrow"/>
+          </a:ln>
+        </p:spPr>
+        <p:style>
+          <a:lnRef idx="1">
+            <a:schemeClr val="accent1"/>
+          </a:lnRef>
+          <a:fillRef idx="0">
+            <a:schemeClr val="accent1"/>
+          </a:fillRef>
+          <a:effectRef idx="0">
+            <a:schemeClr val="accent1"/>
+          </a:effectRef>
+          <a:fontRef idx="minor">
+            <a:schemeClr val="tx1"/>
+          </a:fontRef>
+        </p:style>
+      </p:cxnSp>
+      <p:cxnSp>
+        <p:nvCxnSpPr>
+          <p:cNvPr id="41" name="직선 화살표 연결선 40">
+            <a:extLst>
+              <a:ext uri="{FF2B5EF4-FFF2-40B4-BE49-F238E27FC236}">
+                <a16:creationId xmlns:a16="http://schemas.microsoft.com/office/drawing/2014/main" id="{5175F087-9099-4788-9E1C-02167119B77F}"/>
+              </a:ext>
+            </a:extLst>
+          </p:cNvPr>
+          <p:cNvCxnSpPr>
+            <a:cxnSpLocks/>
+            <a:stCxn id="29" idx="3"/>
+            <a:endCxn id="31" idx="1"/>
+          </p:cNvCxnSpPr>
+          <p:nvPr/>
+        </p:nvCxnSpPr>
+        <p:spPr>
+          <a:xfrm>
+            <a:off x="4460134" y="1815328"/>
+            <a:ext cx="303953" cy="0"/>
+          </a:xfrm>
+          <a:prstGeom prst="straightConnector1">
+            <a:avLst/>
+          </a:prstGeom>
+          <a:ln w="19050">
+            <a:solidFill>
+              <a:schemeClr val="tx1"/>
+            </a:solidFill>
+            <a:tailEnd type="arrow"/>
+          </a:ln>
+        </p:spPr>
+        <p:style>
+          <a:lnRef idx="1">
+            <a:schemeClr val="accent1"/>
+          </a:lnRef>
+          <a:fillRef idx="0">
+            <a:schemeClr val="accent1"/>
+          </a:fillRef>
+          <a:effectRef idx="0">
+            <a:schemeClr val="accent1"/>
+          </a:effectRef>
+          <a:fontRef idx="minor">
+            <a:schemeClr val="tx1"/>
+          </a:fontRef>
+        </p:style>
+      </p:cxnSp>
+      <p:cxnSp>
+        <p:nvCxnSpPr>
+          <p:cNvPr id="54" name="직선 화살표 연결선 53">
+            <a:extLst>
+              <a:ext uri="{FF2B5EF4-FFF2-40B4-BE49-F238E27FC236}">
+                <a16:creationId xmlns:a16="http://schemas.microsoft.com/office/drawing/2014/main" id="{88C6E1FE-0FE1-4F4C-AD24-A9D8C34F4D4E}"/>
+              </a:ext>
+            </a:extLst>
+          </p:cNvPr>
+          <p:cNvCxnSpPr>
+            <a:cxnSpLocks/>
+          </p:cNvCxnSpPr>
+          <p:nvPr/>
+        </p:nvCxnSpPr>
+        <p:spPr>
+          <a:xfrm flipH="1">
+            <a:off x="7789789" y="2931330"/>
+            <a:ext cx="1" cy="216700"/>
+          </a:xfrm>
+          <a:prstGeom prst="straightConnector1">
+            <a:avLst/>
+          </a:prstGeom>
+          <a:ln w="19050">
+            <a:solidFill>
+              <a:schemeClr val="tx1"/>
+            </a:solidFill>
+            <a:tailEnd type="arrow"/>
+          </a:ln>
+        </p:spPr>
+        <p:style>
+          <a:lnRef idx="1">
+            <a:schemeClr val="accent1"/>
+          </a:lnRef>
+          <a:fillRef idx="0">
+            <a:schemeClr val="accent1"/>
+          </a:fillRef>
+          <a:effectRef idx="0">
+            <a:schemeClr val="accent1"/>
+          </a:effectRef>
+          <a:fontRef idx="minor">
+            <a:schemeClr val="tx1"/>
+          </a:fontRef>
+        </p:style>
+      </p:cxnSp>
+      <p:cxnSp>
+        <p:nvCxnSpPr>
+          <p:cNvPr id="58" name="직선 화살표 연결선 57">
+            <a:extLst>
+              <a:ext uri="{FF2B5EF4-FFF2-40B4-BE49-F238E27FC236}">
+                <a16:creationId xmlns:a16="http://schemas.microsoft.com/office/drawing/2014/main" id="{3C58885C-9790-4194-8082-3C3B1E972022}"/>
+              </a:ext>
+            </a:extLst>
+          </p:cNvPr>
+          <p:cNvCxnSpPr>
+            <a:cxnSpLocks/>
+            <a:stCxn id="31" idx="3"/>
+            <a:endCxn id="64" idx="1"/>
+          </p:cNvCxnSpPr>
+          <p:nvPr/>
+        </p:nvCxnSpPr>
+        <p:spPr>
+          <a:xfrm>
+            <a:off x="6537419" y="1815328"/>
+            <a:ext cx="365705" cy="0"/>
+          </a:xfrm>
+          <a:prstGeom prst="straightConnector1">
+            <a:avLst/>
+          </a:prstGeom>
+          <a:ln w="19050">
+            <a:solidFill>
+              <a:schemeClr val="tx2"/>
+            </a:solidFill>
+            <a:tailEnd type="arrow"/>
+          </a:ln>
+        </p:spPr>
+        <p:style>
+          <a:lnRef idx="1">
+            <a:schemeClr val="accent1"/>
+          </a:lnRef>
+          <a:fillRef idx="0">
+            <a:schemeClr val="accent1"/>
+          </a:fillRef>
+          <a:effectRef idx="0">
+            <a:schemeClr val="accent1"/>
+          </a:effectRef>
+          <a:fontRef idx="minor">
+            <a:schemeClr val="tx1"/>
+          </a:fontRef>
+        </p:style>
+      </p:cxnSp>
+      <p:sp>
+        <p:nvSpPr>
+          <p:cNvPr id="64" name="모서리가 둥근 직사각형 13">
+            <a:extLst>
+              <a:ext uri="{FF2B5EF4-FFF2-40B4-BE49-F238E27FC236}">
+                <a16:creationId xmlns:a16="http://schemas.microsoft.com/office/drawing/2014/main" id="{BC0E41CF-92CD-40C3-A960-0563728BF681}"/>
+              </a:ext>
+            </a:extLst>
+          </p:cNvPr>
+          <p:cNvSpPr/>
+          <p:nvPr/>
+        </p:nvSpPr>
+        <p:spPr>
+          <a:xfrm>
+            <a:off x="6903124" y="1635646"/>
+            <a:ext cx="1773332" cy="359364"/>
+          </a:xfrm>
+          <a:prstGeom prst="roundRect">
+            <a:avLst>
+              <a:gd name="adj" fmla="val 10708"/>
+            </a:avLst>
+          </a:prstGeom>
+        </p:spPr>
+        <p:style>
+          <a:lnRef idx="2">
+            <a:schemeClr val="dk1"/>
+          </a:lnRef>
+          <a:fillRef idx="1">
+            <a:schemeClr val="lt1"/>
+          </a:fillRef>
+          <a:effectRef idx="0">
+            <a:schemeClr val="dk1"/>
+          </a:effectRef>
+          <a:fontRef idx="minor">
+            <a:schemeClr val="dk1"/>
+          </a:fontRef>
+        </p:style>
+        <p:txBody>
+          <a:bodyPr rtlCol="0" anchor="ctr"/>
+          <a:lstStyle/>
+          <a:p>
+            <a:pPr algn="ctr"/>
+            <a:r>
+              <a:rPr lang="en-US" altLang="ko-KR" sz="1200" b="1"/>
+              <a:t>KUBE-NODEPORT-CONTAINER</a:t>
+            </a:r>
+            <a:endParaRPr lang="ko-KR" altLang="en-US" sz="1200" b="1"/>
+          </a:p>
+        </p:txBody>
+      </p:sp>
+      <p:cxnSp>
+        <p:nvCxnSpPr>
+          <p:cNvPr id="92" name="직선 화살표 연결선 91">
+            <a:extLst>
+              <a:ext uri="{FF2B5EF4-FFF2-40B4-BE49-F238E27FC236}">
+                <a16:creationId xmlns:a16="http://schemas.microsoft.com/office/drawing/2014/main" id="{941242DB-F280-4E47-B425-0C1D8871E411}"/>
+              </a:ext>
+            </a:extLst>
+          </p:cNvPr>
+          <p:cNvCxnSpPr>
+            <a:cxnSpLocks/>
+            <a:stCxn id="64" idx="2"/>
+          </p:cNvCxnSpPr>
+          <p:nvPr/>
+        </p:nvCxnSpPr>
+        <p:spPr>
+          <a:xfrm flipH="1">
+            <a:off x="7789789" y="1995010"/>
+            <a:ext cx="1" cy="1152167"/>
+          </a:xfrm>
+          <a:prstGeom prst="straightConnector1">
+            <a:avLst/>
+          </a:prstGeom>
+          <a:ln w="19050">
+            <a:solidFill>
+              <a:schemeClr val="tx1"/>
+            </a:solidFill>
+            <a:tailEnd type="arrow"/>
+          </a:ln>
+        </p:spPr>
+        <p:style>
+          <a:lnRef idx="1">
+            <a:schemeClr val="accent1"/>
+          </a:lnRef>
+          <a:fillRef idx="0">
+            <a:schemeClr val="accent1"/>
+          </a:fillRef>
+          <a:effectRef idx="0">
+            <a:schemeClr val="accent1"/>
+          </a:effectRef>
+          <a:fontRef idx="minor">
+            <a:schemeClr val="tx1"/>
+          </a:fontRef>
+        </p:style>
+      </p:cxnSp>
+      <p:sp>
+        <p:nvSpPr>
+          <p:cNvPr id="97" name="모서리가 둥근 직사각형 13">
+            <a:extLst>
+              <a:ext uri="{FF2B5EF4-FFF2-40B4-BE49-F238E27FC236}">
+                <a16:creationId xmlns:a16="http://schemas.microsoft.com/office/drawing/2014/main" id="{0BEE2C61-86CD-4C27-863C-AC54D67BAEAF}"/>
+              </a:ext>
+            </a:extLst>
+          </p:cNvPr>
+          <p:cNvSpPr/>
+          <p:nvPr/>
+        </p:nvSpPr>
+        <p:spPr>
+          <a:xfrm>
+            <a:off x="4797109" y="3148030"/>
+            <a:ext cx="1773332" cy="359364"/>
+          </a:xfrm>
+          <a:prstGeom prst="roundRect">
+            <a:avLst>
+              <a:gd name="adj" fmla="val 10708"/>
+            </a:avLst>
+          </a:prstGeom>
+        </p:spPr>
+        <p:style>
+          <a:lnRef idx="2">
+            <a:schemeClr val="dk1"/>
+          </a:lnRef>
+          <a:fillRef idx="1">
+            <a:schemeClr val="lt1"/>
+          </a:fillRef>
+          <a:effectRef idx="0">
+            <a:schemeClr val="dk1"/>
+          </a:effectRef>
+          <a:fontRef idx="minor">
+            <a:schemeClr val="dk1"/>
+          </a:fontRef>
+        </p:style>
+        <p:txBody>
+          <a:bodyPr rtlCol="0" anchor="ctr"/>
+          <a:lstStyle/>
+          <a:p>
+            <a:pPr algn="ctr"/>
+            <a:r>
+              <a:rPr lang="en-US" altLang="ko-KR" sz="1200"/>
+              <a:t>POSTROUTING</a:t>
+            </a:r>
+            <a:endParaRPr lang="ko-KR" altLang="en-US" sz="1200"/>
+          </a:p>
+        </p:txBody>
+      </p:sp>
+      <p:sp>
+        <p:nvSpPr>
+          <p:cNvPr id="99" name="모서리가 둥근 직사각형 13">
+            <a:extLst>
+              <a:ext uri="{FF2B5EF4-FFF2-40B4-BE49-F238E27FC236}">
+                <a16:creationId xmlns:a16="http://schemas.microsoft.com/office/drawing/2014/main" id="{A82E0532-5DAB-4648-8C36-BEC0281722F2}"/>
+              </a:ext>
+            </a:extLst>
+          </p:cNvPr>
+          <p:cNvSpPr/>
+          <p:nvPr/>
+        </p:nvSpPr>
+        <p:spPr>
+          <a:xfrm>
+            <a:off x="588056" y="3147177"/>
+            <a:ext cx="1773332" cy="359364"/>
+          </a:xfrm>
+          <a:prstGeom prst="roundRect">
+            <a:avLst>
+              <a:gd name="adj" fmla="val 10708"/>
+            </a:avLst>
+          </a:prstGeom>
+          <a:ln>
+            <a:solidFill>
+              <a:schemeClr val="tx2"/>
+            </a:solidFill>
+          </a:ln>
+        </p:spPr>
+        <p:style>
+          <a:lnRef idx="2">
+            <a:schemeClr val="dk1"/>
+          </a:lnRef>
+          <a:fillRef idx="1">
+            <a:schemeClr val="lt1"/>
+          </a:fillRef>
+          <a:effectRef idx="0">
+            <a:schemeClr val="dk1"/>
+          </a:effectRef>
+          <a:fontRef idx="minor">
+            <a:schemeClr val="dk1"/>
+          </a:fontRef>
+        </p:style>
+        <p:txBody>
+          <a:bodyPr rtlCol="0" anchor="ctr"/>
+          <a:lstStyle/>
+          <a:p>
+            <a:pPr algn="ctr"/>
+            <a:r>
+              <a:rPr lang="en-US" altLang="ko-KR" sz="1200">
+                <a:solidFill>
+                  <a:schemeClr val="tx2"/>
+                </a:solidFill>
+              </a:rPr>
+              <a:t>kube-proxy</a:t>
+            </a:r>
+            <a:endParaRPr lang="ko-KR" altLang="en-US" sz="1200">
+              <a:solidFill>
+                <a:schemeClr val="tx2"/>
+              </a:solidFill>
+            </a:endParaRPr>
+          </a:p>
+        </p:txBody>
+      </p:sp>
+      <p:cxnSp>
+        <p:nvCxnSpPr>
+          <p:cNvPr id="100" name="직선 화살표 연결선 99">
+            <a:extLst>
+              <a:ext uri="{FF2B5EF4-FFF2-40B4-BE49-F238E27FC236}">
+                <a16:creationId xmlns:a16="http://schemas.microsoft.com/office/drawing/2014/main" id="{F4283734-A593-4BD8-9BD8-CA85E69CC1AD}"/>
+              </a:ext>
+            </a:extLst>
+          </p:cNvPr>
+          <p:cNvCxnSpPr>
+            <a:cxnSpLocks/>
+            <a:stCxn id="97" idx="1"/>
+            <a:endCxn id="63" idx="3"/>
+          </p:cNvCxnSpPr>
+          <p:nvPr/>
+        </p:nvCxnSpPr>
+        <p:spPr>
+          <a:xfrm flipH="1" flipV="1">
+            <a:off x="4473266" y="3326859"/>
+            <a:ext cx="323843" cy="853"/>
+          </a:xfrm>
+          <a:prstGeom prst="straightConnector1">
+            <a:avLst/>
+          </a:prstGeom>
+          <a:ln w="19050">
+            <a:solidFill>
+              <a:schemeClr val="tx1"/>
+            </a:solidFill>
+            <a:tailEnd type="arrow"/>
+          </a:ln>
+        </p:spPr>
+        <p:style>
+          <a:lnRef idx="1">
+            <a:schemeClr val="accent1"/>
+          </a:lnRef>
+          <a:fillRef idx="0">
+            <a:schemeClr val="accent1"/>
+          </a:fillRef>
+          <a:effectRef idx="0">
+            <a:schemeClr val="accent1"/>
+          </a:effectRef>
+          <a:fontRef idx="minor">
+            <a:schemeClr val="tx1"/>
+          </a:fontRef>
+        </p:style>
+      </p:cxnSp>
+      <p:cxnSp>
+        <p:nvCxnSpPr>
+          <p:cNvPr id="109" name="직선 화살표 연결선 108">
+            <a:extLst>
+              <a:ext uri="{FF2B5EF4-FFF2-40B4-BE49-F238E27FC236}">
+                <a16:creationId xmlns:a16="http://schemas.microsoft.com/office/drawing/2014/main" id="{B472FACD-4C40-4D63-B23A-06A110DDF600}"/>
+              </a:ext>
+            </a:extLst>
+          </p:cNvPr>
+          <p:cNvCxnSpPr>
+            <a:cxnSpLocks/>
+            <a:endCxn id="97" idx="3"/>
+          </p:cNvCxnSpPr>
+          <p:nvPr/>
+        </p:nvCxnSpPr>
+        <p:spPr>
+          <a:xfrm flipH="1">
+            <a:off x="6570441" y="3327712"/>
+            <a:ext cx="332682" cy="0"/>
+          </a:xfrm>
+          <a:prstGeom prst="straightConnector1">
+            <a:avLst/>
+          </a:prstGeom>
+          <a:ln w="19050">
+            <a:solidFill>
+              <a:schemeClr val="tx1"/>
+            </a:solidFill>
+            <a:tailEnd type="arrow"/>
+          </a:ln>
+        </p:spPr>
+        <p:style>
+          <a:lnRef idx="1">
+            <a:schemeClr val="accent1"/>
+          </a:lnRef>
+          <a:fillRef idx="0">
+            <a:schemeClr val="accent1"/>
+          </a:fillRef>
+          <a:effectRef idx="0">
+            <a:schemeClr val="accent1"/>
+          </a:effectRef>
+          <a:fontRef idx="minor">
+            <a:schemeClr val="tx1"/>
+          </a:fontRef>
+        </p:style>
+      </p:cxnSp>
+      <p:sp>
+        <p:nvSpPr>
+          <p:cNvPr id="103" name="TextBox 102">
+            <a:extLst>
+              <a:ext uri="{FF2B5EF4-FFF2-40B4-BE49-F238E27FC236}">
+                <a16:creationId xmlns:a16="http://schemas.microsoft.com/office/drawing/2014/main" id="{69273CD4-8F62-457D-BA74-D9FD30B9EDAD}"/>
+              </a:ext>
+            </a:extLst>
+          </p:cNvPr>
+          <p:cNvSpPr txBox="1"/>
+          <p:nvPr/>
+        </p:nvSpPr>
+        <p:spPr>
+          <a:xfrm>
+            <a:off x="6444208" y="2715766"/>
+            <a:ext cx="834780" cy="276999"/>
+          </a:xfrm>
+          <a:prstGeom prst="rect">
+            <a:avLst/>
+          </a:prstGeom>
+          <a:noFill/>
+        </p:spPr>
+        <p:txBody>
+          <a:bodyPr wrap="none" rtlCol="0" anchor="ctr">
+            <a:spAutoFit/>
+          </a:bodyPr>
+          <a:lstStyle/>
+          <a:p>
+            <a:pPr algn="ctr"/>
+            <a:r>
+              <a:rPr lang="en-US" altLang="ko-KR" sz="1200" b="1" err="1">
+                <a:solidFill>
+                  <a:srgbClr val="C00000"/>
+                </a:solidFill>
+              </a:rPr>
+              <a:t>ClusterIP</a:t>
+            </a:r>
+            <a:endParaRPr lang="ko-KR" altLang="en-US" sz="1200" b="1">
+              <a:solidFill>
+                <a:srgbClr val="C00000"/>
+              </a:solidFill>
+            </a:endParaRPr>
+          </a:p>
+        </p:txBody>
+      </p:sp>
+      <p:sp>
+        <p:nvSpPr>
+          <p:cNvPr id="26" name="제목 1">
+            <a:extLst>
+              <a:ext uri="{FF2B5EF4-FFF2-40B4-BE49-F238E27FC236}">
+                <a16:creationId xmlns:a16="http://schemas.microsoft.com/office/drawing/2014/main" id="{8996A3B6-EF2F-433F-A247-A77B4E18237E}"/>
+              </a:ext>
+            </a:extLst>
+          </p:cNvPr>
+          <p:cNvSpPr>
+            <a:spLocks noGrp="1"/>
+          </p:cNvSpPr>
+          <p:nvPr>
+            <p:ph type="title"/>
+          </p:nvPr>
+        </p:nvSpPr>
+        <p:spPr>
+          <a:xfrm>
+            <a:off x="457200" y="58316"/>
+            <a:ext cx="8229600" cy="857250"/>
+          </a:xfrm>
+        </p:spPr>
+        <p:txBody>
+          <a:bodyPr/>
+          <a:lstStyle/>
+          <a:p>
+            <a:r>
+              <a:rPr lang="en-US" altLang="ko-KR" err="1"/>
+              <a:t>userspace</a:t>
+            </a:r>
+            <a:r>
+              <a:rPr lang="ko-KR" altLang="en-US"/>
+              <a:t> </a:t>
+            </a:r>
+            <a:r>
+              <a:rPr lang="en-US" altLang="ko-KR"/>
+              <a:t>NAT</a:t>
+            </a:r>
+            <a:r>
+              <a:rPr lang="ko-KR" altLang="en-US"/>
+              <a:t> </a:t>
+            </a:r>
+            <a:r>
+              <a:rPr lang="en-US" altLang="ko-KR"/>
+              <a:t>Table</a:t>
+            </a:r>
+            <a:endParaRPr lang="ko-KR" altLang="en-US"/>
+          </a:p>
+        </p:txBody>
+      </p:sp>
+      <p:sp>
+        <p:nvSpPr>
+          <p:cNvPr id="36" name="모서리가 둥근 직사각형 13">
+            <a:extLst>
+              <a:ext uri="{FF2B5EF4-FFF2-40B4-BE49-F238E27FC236}">
+                <a16:creationId xmlns:a16="http://schemas.microsoft.com/office/drawing/2014/main" id="{796F1F66-6A3A-4233-978C-78222E172FAF}"/>
+              </a:ext>
+            </a:extLst>
+          </p:cNvPr>
+          <p:cNvSpPr/>
+          <p:nvPr/>
+        </p:nvSpPr>
+        <p:spPr>
+          <a:xfrm>
+            <a:off x="4764087" y="2212931"/>
+            <a:ext cx="1773332" cy="359364"/>
+          </a:xfrm>
+          <a:prstGeom prst="roundRect">
+            <a:avLst>
+              <a:gd name="adj" fmla="val 10708"/>
+            </a:avLst>
+          </a:prstGeom>
+        </p:spPr>
+        <p:style>
+          <a:lnRef idx="2">
+            <a:schemeClr val="dk1"/>
+          </a:lnRef>
+          <a:fillRef idx="1">
+            <a:schemeClr val="lt1"/>
+          </a:fillRef>
+          <a:effectRef idx="0">
+            <a:schemeClr val="dk1"/>
+          </a:effectRef>
+          <a:fontRef idx="minor">
+            <a:schemeClr val="dk1"/>
+          </a:fontRef>
+        </p:style>
+        <p:txBody>
+          <a:bodyPr rtlCol="0" anchor="ctr"/>
+          <a:lstStyle/>
+          <a:p>
+            <a:pPr algn="ctr"/>
+            <a:r>
+              <a:rPr lang="en-US" altLang="ko-KR" sz="1200" b="1"/>
+              <a:t>KUBE-PORTALS-HOST</a:t>
+            </a:r>
+            <a:endParaRPr lang="ko-KR" altLang="en-US" sz="1200" b="1"/>
+          </a:p>
+        </p:txBody>
+      </p:sp>
+      <p:cxnSp>
+        <p:nvCxnSpPr>
+          <p:cNvPr id="37" name="직선 화살표 연결선 36">
+            <a:extLst>
+              <a:ext uri="{FF2B5EF4-FFF2-40B4-BE49-F238E27FC236}">
+                <a16:creationId xmlns:a16="http://schemas.microsoft.com/office/drawing/2014/main" id="{6C462869-9E85-4385-904E-2DE36560A626}"/>
+              </a:ext>
+            </a:extLst>
+          </p:cNvPr>
+          <p:cNvCxnSpPr>
+            <a:cxnSpLocks/>
+            <a:stCxn id="36" idx="3"/>
+            <a:endCxn id="48" idx="1"/>
+          </p:cNvCxnSpPr>
+          <p:nvPr/>
+        </p:nvCxnSpPr>
+        <p:spPr>
+          <a:xfrm>
+            <a:off x="6537419" y="2392613"/>
+            <a:ext cx="365704" cy="0"/>
+          </a:xfrm>
+          <a:prstGeom prst="straightConnector1">
+            <a:avLst/>
+          </a:prstGeom>
+          <a:ln w="19050">
+            <a:solidFill>
+              <a:schemeClr val="tx2"/>
+            </a:solidFill>
+            <a:tailEnd type="arrow"/>
+          </a:ln>
+        </p:spPr>
+        <p:style>
+          <a:lnRef idx="1">
+            <a:schemeClr val="accent1"/>
+          </a:lnRef>
+          <a:fillRef idx="0">
+            <a:schemeClr val="accent1"/>
+          </a:fillRef>
+          <a:effectRef idx="0">
+            <a:schemeClr val="accent1"/>
+          </a:effectRef>
+          <a:fontRef idx="minor">
+            <a:schemeClr val="tx1"/>
+          </a:fontRef>
+        </p:style>
+      </p:cxnSp>
+      <p:cxnSp>
+        <p:nvCxnSpPr>
+          <p:cNvPr id="51" name="직선 화살표 연결선 50">
+            <a:extLst>
+              <a:ext uri="{FF2B5EF4-FFF2-40B4-BE49-F238E27FC236}">
+                <a16:creationId xmlns:a16="http://schemas.microsoft.com/office/drawing/2014/main" id="{B6535CB8-05FB-4086-B3FC-80FA7526F6F3}"/>
+              </a:ext>
+            </a:extLst>
+          </p:cNvPr>
+          <p:cNvCxnSpPr>
+            <a:cxnSpLocks/>
+            <a:stCxn id="31" idx="3"/>
+            <a:endCxn id="59" idx="0"/>
+          </p:cNvCxnSpPr>
+          <p:nvPr/>
+        </p:nvCxnSpPr>
+        <p:spPr>
+          <a:xfrm>
+            <a:off x="6537419" y="1815328"/>
+            <a:ext cx="1262715" cy="1331520"/>
+          </a:xfrm>
+          <a:prstGeom prst="straightConnector1">
+            <a:avLst/>
+          </a:prstGeom>
+          <a:ln w="19050">
+            <a:solidFill>
+              <a:srgbClr val="C00000"/>
+            </a:solidFill>
+            <a:tailEnd type="arrow"/>
+          </a:ln>
+        </p:spPr>
+        <p:style>
+          <a:lnRef idx="1">
+            <a:schemeClr val="accent1"/>
+          </a:lnRef>
+          <a:fillRef idx="0">
+            <a:schemeClr val="accent1"/>
+          </a:fillRef>
+          <a:effectRef idx="0">
+            <a:schemeClr val="accent1"/>
+          </a:effectRef>
+          <a:fontRef idx="minor">
+            <a:schemeClr val="tx1"/>
+          </a:fontRef>
+        </p:style>
+      </p:cxnSp>
+      <p:sp>
+        <p:nvSpPr>
+          <p:cNvPr id="48" name="모서리가 둥근 직사각형 13">
+            <a:extLst>
+              <a:ext uri="{FF2B5EF4-FFF2-40B4-BE49-F238E27FC236}">
+                <a16:creationId xmlns:a16="http://schemas.microsoft.com/office/drawing/2014/main" id="{769DFE84-30BF-43D4-9951-D01316D7CF2D}"/>
+              </a:ext>
+            </a:extLst>
+          </p:cNvPr>
+          <p:cNvSpPr/>
+          <p:nvPr/>
+        </p:nvSpPr>
+        <p:spPr>
+          <a:xfrm>
+            <a:off x="6903123" y="2212931"/>
+            <a:ext cx="1773332" cy="359364"/>
+          </a:xfrm>
+          <a:prstGeom prst="roundRect">
+            <a:avLst>
+              <a:gd name="adj" fmla="val 10708"/>
+            </a:avLst>
+          </a:prstGeom>
+        </p:spPr>
+        <p:style>
+          <a:lnRef idx="2">
+            <a:schemeClr val="dk1"/>
+          </a:lnRef>
+          <a:fillRef idx="1">
+            <a:schemeClr val="lt1"/>
+          </a:fillRef>
+          <a:effectRef idx="0">
+            <a:schemeClr val="dk1"/>
+          </a:effectRef>
+          <a:fontRef idx="minor">
+            <a:schemeClr val="dk1"/>
+          </a:fontRef>
+        </p:style>
+        <p:txBody>
+          <a:bodyPr rtlCol="0" anchor="ctr"/>
+          <a:lstStyle/>
+          <a:p>
+            <a:pPr algn="ctr"/>
+            <a:r>
+              <a:rPr lang="en-US" altLang="ko-KR" sz="1200" b="1"/>
+              <a:t>KUBE-PORTALS-HOST</a:t>
+            </a:r>
+            <a:endParaRPr lang="ko-KR" altLang="en-US" sz="1200" b="1"/>
+          </a:p>
+        </p:txBody>
+      </p:sp>
+      <p:sp>
+        <p:nvSpPr>
+          <p:cNvPr id="56" name="모서리가 둥근 직사각형 13">
+            <a:extLst>
+              <a:ext uri="{FF2B5EF4-FFF2-40B4-BE49-F238E27FC236}">
+                <a16:creationId xmlns:a16="http://schemas.microsoft.com/office/drawing/2014/main" id="{5DCDEE00-C90C-45EA-A034-E4CADECFE449}"/>
+              </a:ext>
+            </a:extLst>
+          </p:cNvPr>
+          <p:cNvSpPr/>
+          <p:nvPr/>
+        </p:nvSpPr>
+        <p:spPr>
+          <a:xfrm>
+            <a:off x="588056" y="2088450"/>
+            <a:ext cx="1773332" cy="601088"/>
+          </a:xfrm>
+          <a:prstGeom prst="roundRect">
+            <a:avLst>
+              <a:gd name="adj" fmla="val 7539"/>
+            </a:avLst>
+          </a:prstGeom>
+          <a:ln>
+            <a:solidFill>
+              <a:schemeClr val="tx2"/>
+            </a:solidFill>
+          </a:ln>
+        </p:spPr>
+        <p:style>
+          <a:lnRef idx="2">
+            <a:schemeClr val="dk1"/>
+          </a:lnRef>
+          <a:fillRef idx="1">
+            <a:schemeClr val="lt1"/>
+          </a:fillRef>
+          <a:effectRef idx="0">
+            <a:schemeClr val="dk1"/>
+          </a:effectRef>
+          <a:fontRef idx="minor">
+            <a:schemeClr val="dk1"/>
+          </a:fontRef>
+        </p:style>
+        <p:txBody>
+          <a:bodyPr rtlCol="0" anchor="ctr"/>
+          <a:lstStyle/>
+          <a:p>
+            <a:pPr algn="ctr"/>
+            <a:r>
+              <a:rPr lang="en-US" altLang="ko-KR" sz="1200">
+                <a:solidFill>
+                  <a:schemeClr val="tx2"/>
+                </a:solidFill>
+              </a:rPr>
+              <a:t>Process in the</a:t>
+            </a:r>
+          </a:p>
+          <a:p>
+            <a:pPr algn="ctr"/>
+            <a:r>
+              <a:rPr lang="en-US" altLang="ko-KR" sz="1200">
+                <a:solidFill>
+                  <a:schemeClr val="tx2"/>
+                </a:solidFill>
+              </a:rPr>
+              <a:t>Host Net Namespace</a:t>
+            </a:r>
+          </a:p>
+          <a:p>
+            <a:pPr algn="ctr"/>
+            <a:r>
+              <a:rPr lang="en-US" altLang="ko-KR" sz="1200">
+                <a:solidFill>
+                  <a:schemeClr val="tx2"/>
+                </a:solidFill>
+              </a:rPr>
+              <a:t>(Pod, Host Process)</a:t>
+            </a:r>
+            <a:endParaRPr lang="ko-KR" altLang="en-US" sz="1200">
+              <a:solidFill>
+                <a:schemeClr val="tx2"/>
+              </a:solidFill>
+            </a:endParaRPr>
+          </a:p>
+        </p:txBody>
+      </p:sp>
+      <p:sp>
+        <p:nvSpPr>
+          <p:cNvPr id="59" name="모서리가 둥근 직사각형 13">
+            <a:extLst>
+              <a:ext uri="{FF2B5EF4-FFF2-40B4-BE49-F238E27FC236}">
+                <a16:creationId xmlns:a16="http://schemas.microsoft.com/office/drawing/2014/main" id="{44C6CEBA-E917-45B3-8382-22F1D1A28891}"/>
+              </a:ext>
+            </a:extLst>
+          </p:cNvPr>
+          <p:cNvSpPr/>
+          <p:nvPr/>
+        </p:nvSpPr>
+        <p:spPr>
+          <a:xfrm>
+            <a:off x="6913468" y="3146848"/>
+            <a:ext cx="1773332" cy="359364"/>
+          </a:xfrm>
+          <a:prstGeom prst="roundRect">
+            <a:avLst>
+              <a:gd name="adj" fmla="val 10708"/>
+            </a:avLst>
+          </a:prstGeom>
+          <a:ln>
+            <a:solidFill>
+              <a:schemeClr val="tx2"/>
+            </a:solidFill>
+          </a:ln>
+        </p:spPr>
+        <p:style>
+          <a:lnRef idx="2">
+            <a:schemeClr val="dk1"/>
+          </a:lnRef>
+          <a:fillRef idx="1">
+            <a:schemeClr val="lt1"/>
+          </a:fillRef>
+          <a:effectRef idx="0">
+            <a:schemeClr val="dk1"/>
+          </a:effectRef>
+          <a:fontRef idx="minor">
+            <a:schemeClr val="dk1"/>
+          </a:fontRef>
+        </p:style>
+        <p:txBody>
+          <a:bodyPr rtlCol="0" anchor="ctr"/>
+          <a:lstStyle/>
+          <a:p>
+            <a:pPr algn="ctr"/>
+            <a:r>
+              <a:rPr lang="en-US" altLang="ko-KR" sz="1200">
+                <a:solidFill>
+                  <a:schemeClr val="tx2"/>
+                </a:solidFill>
+              </a:rPr>
+              <a:t>Routing Table</a:t>
+            </a:r>
+            <a:endParaRPr lang="ko-KR" altLang="en-US" sz="1200">
+              <a:solidFill>
+                <a:schemeClr val="tx2"/>
+              </a:solidFill>
+            </a:endParaRPr>
+          </a:p>
+        </p:txBody>
+      </p:sp>
+      <p:cxnSp>
+        <p:nvCxnSpPr>
+          <p:cNvPr id="60" name="직선 화살표 연결선 59">
+            <a:extLst>
+              <a:ext uri="{FF2B5EF4-FFF2-40B4-BE49-F238E27FC236}">
+                <a16:creationId xmlns:a16="http://schemas.microsoft.com/office/drawing/2014/main" id="{F0703CC4-A672-4E74-85E5-6D99AA96B2DD}"/>
+              </a:ext>
+            </a:extLst>
+          </p:cNvPr>
+          <p:cNvCxnSpPr>
+            <a:cxnSpLocks/>
+            <a:stCxn id="36" idx="3"/>
+            <a:endCxn id="59" idx="0"/>
+          </p:cNvCxnSpPr>
+          <p:nvPr/>
+        </p:nvCxnSpPr>
+        <p:spPr>
+          <a:xfrm>
+            <a:off x="6537419" y="2392613"/>
+            <a:ext cx="1262715" cy="754235"/>
+          </a:xfrm>
+          <a:prstGeom prst="straightConnector1">
+            <a:avLst/>
+          </a:prstGeom>
+          <a:ln w="19050">
+            <a:solidFill>
+              <a:srgbClr val="C00000"/>
+            </a:solidFill>
+            <a:tailEnd type="arrow"/>
+          </a:ln>
+        </p:spPr>
+        <p:style>
+          <a:lnRef idx="1">
+            <a:schemeClr val="accent1"/>
+          </a:lnRef>
+          <a:fillRef idx="0">
+            <a:schemeClr val="accent1"/>
+          </a:fillRef>
+          <a:effectRef idx="0">
+            <a:schemeClr val="accent1"/>
+          </a:effectRef>
+          <a:fontRef idx="minor">
+            <a:schemeClr val="tx1"/>
+          </a:fontRef>
+        </p:style>
+      </p:cxnSp>
+      <p:sp>
+        <p:nvSpPr>
+          <p:cNvPr id="114" name="TextBox 113">
+            <a:extLst>
+              <a:ext uri="{FF2B5EF4-FFF2-40B4-BE49-F238E27FC236}">
+                <a16:creationId xmlns:a16="http://schemas.microsoft.com/office/drawing/2014/main" id="{FB301279-78F2-411F-BEFF-FC0AA5AECEF2}"/>
+              </a:ext>
+            </a:extLst>
+          </p:cNvPr>
+          <p:cNvSpPr txBox="1"/>
+          <p:nvPr/>
+        </p:nvSpPr>
+        <p:spPr>
+          <a:xfrm>
+            <a:off x="6271479" y="1949951"/>
+            <a:ext cx="892809" cy="276999"/>
+          </a:xfrm>
+          <a:prstGeom prst="rect">
+            <a:avLst/>
+          </a:prstGeom>
+          <a:noFill/>
+        </p:spPr>
+        <p:txBody>
+          <a:bodyPr wrap="none" rtlCol="0" anchor="ctr">
+            <a:spAutoFit/>
+          </a:bodyPr>
+          <a:lstStyle/>
+          <a:p>
+            <a:pPr algn="ctr"/>
+            <a:r>
+              <a:rPr lang="en-US" altLang="ko-KR" sz="1200" b="1">
+                <a:solidFill>
+                  <a:schemeClr val="tx2"/>
+                </a:solidFill>
+              </a:rPr>
+              <a:t>NodePort</a:t>
+            </a:r>
+            <a:endParaRPr lang="ko-KR" altLang="en-US" sz="1200" b="1">
+              <a:solidFill>
+                <a:schemeClr val="tx2"/>
+              </a:solidFill>
+            </a:endParaRPr>
+          </a:p>
+        </p:txBody>
+      </p:sp>
+      <p:sp>
+        <p:nvSpPr>
+          <p:cNvPr id="63" name="모서리가 둥근 직사각형 13">
+            <a:extLst>
+              <a:ext uri="{FF2B5EF4-FFF2-40B4-BE49-F238E27FC236}">
+                <a16:creationId xmlns:a16="http://schemas.microsoft.com/office/drawing/2014/main" id="{12B76E55-83FA-4D4E-A073-80AD99E9C3A4}"/>
+              </a:ext>
+            </a:extLst>
+          </p:cNvPr>
+          <p:cNvSpPr/>
+          <p:nvPr/>
+        </p:nvSpPr>
+        <p:spPr>
+          <a:xfrm>
+            <a:off x="2699934" y="3147177"/>
+            <a:ext cx="1773332" cy="359364"/>
+          </a:xfrm>
+          <a:prstGeom prst="roundRect">
+            <a:avLst>
+              <a:gd name="adj" fmla="val 10708"/>
+            </a:avLst>
+          </a:prstGeom>
+          <a:ln>
+            <a:solidFill>
+              <a:schemeClr val="tx2"/>
+            </a:solidFill>
+          </a:ln>
+        </p:spPr>
+        <p:style>
+          <a:lnRef idx="2">
+            <a:schemeClr val="dk1"/>
+          </a:lnRef>
+          <a:fillRef idx="1">
+            <a:schemeClr val="lt1"/>
+          </a:fillRef>
+          <a:effectRef idx="0">
+            <a:schemeClr val="dk1"/>
+          </a:effectRef>
+          <a:fontRef idx="minor">
+            <a:schemeClr val="dk1"/>
+          </a:fontRef>
+        </p:style>
+        <p:txBody>
+          <a:bodyPr rtlCol="0" anchor="ctr"/>
+          <a:lstStyle/>
+          <a:p>
+            <a:pPr algn="ctr"/>
+            <a:r>
+              <a:rPr lang="en-US" altLang="ko-KR" sz="1200">
+                <a:solidFill>
+                  <a:schemeClr val="tx2"/>
+                </a:solidFill>
+              </a:rPr>
+              <a:t>Network Interface</a:t>
+            </a:r>
+            <a:endParaRPr lang="ko-KR" altLang="en-US" sz="1200">
+              <a:solidFill>
+                <a:schemeClr val="tx2"/>
+              </a:solidFill>
+            </a:endParaRPr>
+          </a:p>
+        </p:txBody>
+      </p:sp>
+      <p:cxnSp>
+        <p:nvCxnSpPr>
+          <p:cNvPr id="65" name="직선 화살표 연결선 64">
+            <a:extLst>
+              <a:ext uri="{FF2B5EF4-FFF2-40B4-BE49-F238E27FC236}">
+                <a16:creationId xmlns:a16="http://schemas.microsoft.com/office/drawing/2014/main" id="{E77B395E-3B5F-4060-9448-145360D4D0CE}"/>
+              </a:ext>
+            </a:extLst>
+          </p:cNvPr>
+          <p:cNvCxnSpPr>
+            <a:cxnSpLocks/>
+            <a:stCxn id="63" idx="1"/>
+            <a:endCxn id="99" idx="3"/>
+          </p:cNvCxnSpPr>
+          <p:nvPr/>
+        </p:nvCxnSpPr>
+        <p:spPr>
+          <a:xfrm flipH="1">
+            <a:off x="2361388" y="3326859"/>
+            <a:ext cx="338546" cy="0"/>
+          </a:xfrm>
+          <a:prstGeom prst="straightConnector1">
+            <a:avLst/>
+          </a:prstGeom>
+          <a:ln w="19050">
+            <a:solidFill>
+              <a:schemeClr val="tx1"/>
+            </a:solidFill>
+            <a:tailEnd type="arrow"/>
+          </a:ln>
+        </p:spPr>
+        <p:style>
+          <a:lnRef idx="1">
+            <a:schemeClr val="accent1"/>
+          </a:lnRef>
+          <a:fillRef idx="0">
+            <a:schemeClr val="accent1"/>
+          </a:fillRef>
+          <a:effectRef idx="0">
+            <a:schemeClr val="accent1"/>
+          </a:effectRef>
+          <a:fontRef idx="minor">
+            <a:schemeClr val="tx1"/>
+          </a:fontRef>
+        </p:style>
+      </p:cxnSp>
+    </p:spTree>
+    <p:extLst>
+      <p:ext uri="{BB962C8B-B14F-4D97-AF65-F5344CB8AC3E}">
+        <p14:creationId xmlns:p14="http://schemas.microsoft.com/office/powerpoint/2010/main" val="4167399478"/>
       </p:ext>
     </p:extLst>
   </p:cSld>

--- a/images/theory_analysis/Kubernetes_Service_Proxy/Kubernetes_Service_Proxy.pptx
+++ b/images/theory_analysis/Kubernetes_Service_Proxy/Kubernetes_Service_Proxy.pptx
@@ -5,15 +5,16 @@
     <p:sldMasterId id="2147483648" r:id="rId1"/>
   </p:sldMasterIdLst>
   <p:notesMasterIdLst>
-    <p:notesMasterId r:id="rId8"/>
+    <p:notesMasterId r:id="rId9"/>
   </p:notesMasterIdLst>
   <p:sldIdLst>
     <p:sldId id="366" r:id="rId2"/>
     <p:sldId id="363" r:id="rId3"/>
-    <p:sldId id="367" r:id="rId4"/>
+    <p:sldId id="368" r:id="rId4"/>
     <p:sldId id="365" r:id="rId5"/>
-    <p:sldId id="362" r:id="rId6"/>
-    <p:sldId id="364" r:id="rId7"/>
+    <p:sldId id="367" r:id="rId6"/>
+    <p:sldId id="362" r:id="rId7"/>
+    <p:sldId id="364" r:id="rId8"/>
   </p:sldIdLst>
   <p:sldSz cx="9144000" cy="5143500" type="screen16x9"/>
   <p:notesSz cx="6858000" cy="9144000"/>
@@ -643,7 +644,7 @@
     </p:spTree>
     <p:extLst>
       <p:ext uri="{BB962C8B-B14F-4D97-AF65-F5344CB8AC3E}">
-        <p14:creationId xmlns:p14="http://schemas.microsoft.com/office/powerpoint/2010/main" val="2367882658"/>
+        <p14:creationId xmlns:p14="http://schemas.microsoft.com/office/powerpoint/2010/main" val="3322830449"/>
       </p:ext>
     </p:extLst>
   </p:cSld>
@@ -727,7 +728,7 @@
     </p:spTree>
     <p:extLst>
       <p:ext uri="{BB962C8B-B14F-4D97-AF65-F5344CB8AC3E}">
-        <p14:creationId xmlns:p14="http://schemas.microsoft.com/office/powerpoint/2010/main" val="812539306"/>
+        <p14:creationId xmlns:p14="http://schemas.microsoft.com/office/powerpoint/2010/main" val="2367882658"/>
       </p:ext>
     </p:extLst>
   </p:cSld>
@@ -803,6 +804,90 @@
             <a:fld id="{BA5DFA43-8D57-47FB-BC46-057616015C3B}" type="slidenum">
               <a:rPr lang="ko-KR" altLang="en-US" smtClean="0"/>
               <a:t>6</a:t>
+            </a:fld>
+            <a:endParaRPr lang="ko-KR" altLang="en-US"/>
+          </a:p>
+        </p:txBody>
+      </p:sp>
+    </p:spTree>
+    <p:extLst>
+      <p:ext uri="{BB962C8B-B14F-4D97-AF65-F5344CB8AC3E}">
+        <p14:creationId xmlns:p14="http://schemas.microsoft.com/office/powerpoint/2010/main" val="812539306"/>
+      </p:ext>
+    </p:extLst>
+  </p:cSld>
+  <p:clrMapOvr>
+    <a:masterClrMapping/>
+  </p:clrMapOvr>
+</p:notes>
+</file>
+
+<file path=ppt/notesSlides/notesSlide5.xml><?xml version="1.0" encoding="utf-8"?>
+<p:notes xmlns:a="http://schemas.openxmlformats.org/drawingml/2006/main" xmlns:r="http://schemas.openxmlformats.org/officeDocument/2006/relationships" xmlns:p="http://schemas.openxmlformats.org/presentationml/2006/main">
+  <p:cSld>
+    <p:spTree>
+      <p:nvGrpSpPr>
+        <p:cNvPr id="1" name=""/>
+        <p:cNvGrpSpPr/>
+        <p:nvPr/>
+      </p:nvGrpSpPr>
+      <p:grpSpPr>
+        <a:xfrm>
+          <a:off x="0" y="0"/>
+          <a:ext cx="0" cy="0"/>
+          <a:chOff x="0" y="0"/>
+          <a:chExt cx="0" cy="0"/>
+        </a:xfrm>
+      </p:grpSpPr>
+      <p:sp>
+        <p:nvSpPr>
+          <p:cNvPr id="2" name="슬라이드 이미지 개체 틀 1"/>
+          <p:cNvSpPr>
+            <a:spLocks noGrp="1" noRot="1" noChangeAspect="1"/>
+          </p:cNvSpPr>
+          <p:nvPr>
+            <p:ph type="sldImg"/>
+          </p:nvPr>
+        </p:nvSpPr>
+        <p:spPr/>
+      </p:sp>
+      <p:sp>
+        <p:nvSpPr>
+          <p:cNvPr id="3" name="슬라이드 노트 개체 틀 2"/>
+          <p:cNvSpPr>
+            <a:spLocks noGrp="1"/>
+          </p:cNvSpPr>
+          <p:nvPr>
+            <p:ph type="body" idx="1"/>
+          </p:nvPr>
+        </p:nvSpPr>
+        <p:spPr/>
+        <p:txBody>
+          <a:bodyPr/>
+          <a:lstStyle/>
+          <a:p>
+            <a:endParaRPr lang="ko-KR" altLang="en-US"/>
+          </a:p>
+        </p:txBody>
+      </p:sp>
+      <p:sp>
+        <p:nvSpPr>
+          <p:cNvPr id="4" name="슬라이드 번호 개체 틀 3"/>
+          <p:cNvSpPr>
+            <a:spLocks noGrp="1"/>
+          </p:cNvSpPr>
+          <p:nvPr>
+            <p:ph type="sldNum" sz="quarter" idx="10"/>
+          </p:nvPr>
+        </p:nvSpPr>
+        <p:spPr/>
+        <p:txBody>
+          <a:bodyPr/>
+          <a:lstStyle/>
+          <a:p>
+            <a:fld id="{BA5DFA43-8D57-47FB-BC46-057616015C3B}" type="slidenum">
+              <a:rPr lang="ko-KR" altLang="en-US" smtClean="0"/>
+              <a:t>7</a:t>
             </a:fld>
             <a:endParaRPr lang="ko-KR" altLang="en-US"/>
           </a:p>
@@ -3788,116 +3873,6 @@
       </p:sp>
       <p:sp>
         <p:nvSpPr>
-          <p:cNvPr id="34" name="모서리가 둥근 직사각형 13">
-            <a:extLst>
-              <a:ext uri="{FF2B5EF4-FFF2-40B4-BE49-F238E27FC236}">
-                <a16:creationId xmlns:a16="http://schemas.microsoft.com/office/drawing/2014/main" id="{6E702868-5116-437A-928A-AA39955F878D}"/>
-              </a:ext>
-            </a:extLst>
-          </p:cNvPr>
-          <p:cNvSpPr/>
-          <p:nvPr/>
-        </p:nvSpPr>
-        <p:spPr>
-          <a:xfrm>
-            <a:off x="557516" y="7396962"/>
-            <a:ext cx="1773332" cy="359364"/>
-          </a:xfrm>
-          <a:prstGeom prst="roundRect">
-            <a:avLst>
-              <a:gd name="adj" fmla="val 10708"/>
-            </a:avLst>
-          </a:prstGeom>
-          <a:ln>
-            <a:solidFill>
-              <a:schemeClr val="tx2"/>
-            </a:solidFill>
-          </a:ln>
-        </p:spPr>
-        <p:style>
-          <a:lnRef idx="2">
-            <a:schemeClr val="dk1"/>
-          </a:lnRef>
-          <a:fillRef idx="1">
-            <a:schemeClr val="lt1"/>
-          </a:fillRef>
-          <a:effectRef idx="0">
-            <a:schemeClr val="dk1"/>
-          </a:effectRef>
-          <a:fontRef idx="minor">
-            <a:schemeClr val="dk1"/>
-          </a:fontRef>
-        </p:style>
-        <p:txBody>
-          <a:bodyPr rtlCol="0" anchor="ctr"/>
-          <a:lstStyle/>
-          <a:p>
-            <a:pPr algn="ctr"/>
-            <a:r>
-              <a:rPr lang="en-US" altLang="ko-KR" sz="1200">
-                <a:solidFill>
-                  <a:schemeClr val="tx2"/>
-                </a:solidFill>
-              </a:rPr>
-              <a:t>Destination</a:t>
-            </a:r>
-          </a:p>
-          <a:p>
-            <a:pPr algn="ctr"/>
-            <a:r>
-              <a:rPr lang="en-US" altLang="ko-KR" sz="1200">
-                <a:solidFill>
-                  <a:schemeClr val="tx2"/>
-                </a:solidFill>
-              </a:rPr>
-              <a:t>(Node, Pod)</a:t>
-            </a:r>
-            <a:endParaRPr lang="ko-KR" altLang="en-US" sz="1200">
-              <a:solidFill>
-                <a:schemeClr val="tx2"/>
-              </a:solidFill>
-            </a:endParaRPr>
-          </a:p>
-        </p:txBody>
-      </p:sp>
-      <p:sp>
-        <p:nvSpPr>
-          <p:cNvPr id="5" name="TextBox 4">
-            <a:extLst>
-              <a:ext uri="{FF2B5EF4-FFF2-40B4-BE49-F238E27FC236}">
-                <a16:creationId xmlns:a16="http://schemas.microsoft.com/office/drawing/2014/main" id="{37908E87-825F-4712-8F1B-263C9866F53B}"/>
-              </a:ext>
-            </a:extLst>
-          </p:cNvPr>
-          <p:cNvSpPr txBox="1"/>
-          <p:nvPr/>
-        </p:nvSpPr>
-        <p:spPr>
-          <a:xfrm>
-            <a:off x="6860619" y="7422755"/>
-            <a:ext cx="1700337" cy="307777"/>
-          </a:xfrm>
-          <a:prstGeom prst="rect">
-            <a:avLst/>
-          </a:prstGeom>
-          <a:noFill/>
-        </p:spPr>
-        <p:txBody>
-          <a:bodyPr wrap="none" rtlCol="0">
-            <a:spAutoFit/>
-          </a:bodyPr>
-          <a:lstStyle/>
-          <a:p>
-            <a:r>
-              <a:rPr lang="en-US" altLang="ko-KR" sz="1400"/>
-              <a:t>iptables NAT Table</a:t>
-            </a:r>
-            <a:endParaRPr lang="ko-KR" altLang="en-US" sz="1400"/>
-          </a:p>
-        </p:txBody>
-      </p:sp>
-      <p:sp>
-        <p:nvSpPr>
           <p:cNvPr id="37" name="사각형: 둥근 모서리 36">
             <a:extLst>
               <a:ext uri="{FF2B5EF4-FFF2-40B4-BE49-F238E27FC236}">
@@ -4585,7 +4560,7 @@
           <a:prstGeom prst="straightConnector1">
             <a:avLst/>
           </a:prstGeom>
-          <a:ln w="19050">
+          <a:ln w="28575">
             <a:solidFill>
               <a:schemeClr val="tx1"/>
             </a:solidFill>
@@ -4631,7 +4606,7 @@
           <a:prstGeom prst="straightConnector1">
             <a:avLst/>
           </a:prstGeom>
-          <a:ln w="19050">
+          <a:ln w="28575">
             <a:solidFill>
               <a:schemeClr val="tx1"/>
             </a:solidFill>
@@ -4735,7 +4710,7 @@
           <a:prstGeom prst="straightConnector1">
             <a:avLst/>
           </a:prstGeom>
-          <a:ln w="19050">
+          <a:ln w="28575">
             <a:solidFill>
               <a:schemeClr val="tx1"/>
             </a:solidFill>
@@ -4781,7 +4756,7 @@
           <a:prstGeom prst="straightConnector1">
             <a:avLst/>
           </a:prstGeom>
-          <a:ln w="19050">
+          <a:ln w="28575">
             <a:solidFill>
               <a:schemeClr val="tx1"/>
             </a:solidFill>
@@ -5010,7 +4985,7 @@
           <a:prstGeom prst="straightConnector1">
             <a:avLst/>
           </a:prstGeom>
-          <a:ln w="19050">
+          <a:ln w="28575">
             <a:solidFill>
               <a:srgbClr val="C00000"/>
             </a:solidFill>
@@ -5032,100 +5007,6 @@
           </a:fontRef>
         </p:style>
       </p:cxnSp>
-      <p:sp>
-        <p:nvSpPr>
-          <p:cNvPr id="132" name="TextBox 131">
-            <a:extLst>
-              <a:ext uri="{FF2B5EF4-FFF2-40B4-BE49-F238E27FC236}">
-                <a16:creationId xmlns:a16="http://schemas.microsoft.com/office/drawing/2014/main" id="{A2D330F9-3AF6-4AFD-BDFA-5A9D10B03381}"/>
-              </a:ext>
-            </a:extLst>
-          </p:cNvPr>
-          <p:cNvSpPr txBox="1"/>
-          <p:nvPr/>
-        </p:nvSpPr>
-        <p:spPr>
-          <a:xfrm>
-            <a:off x="1665290" y="3023098"/>
-            <a:ext cx="892809" cy="276999"/>
-          </a:xfrm>
-          <a:prstGeom prst="rect">
-            <a:avLst/>
-          </a:prstGeom>
-          <a:noFill/>
-        </p:spPr>
-        <p:txBody>
-          <a:bodyPr wrap="none" rtlCol="0" anchor="ctr">
-            <a:spAutoFit/>
-          </a:bodyPr>
-          <a:lstStyle/>
-          <a:p>
-            <a:pPr algn="ctr"/>
-            <a:r>
-              <a:rPr lang="en-US" altLang="ko-KR" sz="1200" b="1">
-                <a:solidFill>
-                  <a:schemeClr val="accent3">
-                    <a:lumMod val="50000"/>
-                  </a:schemeClr>
-                </a:solidFill>
-              </a:rPr>
-              <a:t>NodePort</a:t>
-            </a:r>
-            <a:endParaRPr lang="ko-KR" altLang="en-US" sz="1200" b="1">
-              <a:solidFill>
-                <a:schemeClr val="accent3">
-                  <a:lumMod val="50000"/>
-                </a:schemeClr>
-              </a:solidFill>
-            </a:endParaRPr>
-          </a:p>
-        </p:txBody>
-      </p:sp>
-      <p:sp>
-        <p:nvSpPr>
-          <p:cNvPr id="133" name="TextBox 132">
-            <a:extLst>
-              <a:ext uri="{FF2B5EF4-FFF2-40B4-BE49-F238E27FC236}">
-                <a16:creationId xmlns:a16="http://schemas.microsoft.com/office/drawing/2014/main" id="{1CFFA1AE-04C5-4A0E-A023-159F12D252D0}"/>
-              </a:ext>
-            </a:extLst>
-          </p:cNvPr>
-          <p:cNvSpPr txBox="1"/>
-          <p:nvPr/>
-        </p:nvSpPr>
-        <p:spPr>
-          <a:xfrm>
-            <a:off x="2528324" y="3041892"/>
-            <a:ext cx="834780" cy="276999"/>
-          </a:xfrm>
-          <a:prstGeom prst="rect">
-            <a:avLst/>
-          </a:prstGeom>
-          <a:noFill/>
-        </p:spPr>
-        <p:txBody>
-          <a:bodyPr wrap="none" rtlCol="0" anchor="ctr">
-            <a:spAutoFit/>
-          </a:bodyPr>
-          <a:lstStyle/>
-          <a:p>
-            <a:pPr algn="ctr"/>
-            <a:r>
-              <a:rPr lang="en-US" altLang="ko-KR" sz="1200" b="1">
-                <a:solidFill>
-                  <a:srgbClr val="C00000"/>
-                </a:solidFill>
-              </a:rPr>
-              <a:t>ClusterIP</a:t>
-            </a:r>
-            <a:endParaRPr lang="ko-KR" altLang="en-US" sz="1200" b="1">
-              <a:solidFill>
-                <a:srgbClr val="C00000"/>
-              </a:solidFill>
-            </a:endParaRPr>
-          </a:p>
-        </p:txBody>
-      </p:sp>
       <p:sp>
         <p:nvSpPr>
           <p:cNvPr id="136" name="사각형: 둥근 모서리 135">
@@ -5320,7 +5201,7 @@
           <a:prstGeom prst="straightConnector1">
             <a:avLst/>
           </a:prstGeom>
-          <a:ln w="19050">
+          <a:ln w="28575">
             <a:solidFill>
               <a:schemeClr val="tx1"/>
             </a:solidFill>
@@ -5366,7 +5247,7 @@
           <a:prstGeom prst="straightConnector1">
             <a:avLst/>
           </a:prstGeom>
-          <a:ln w="19050">
+          <a:ln w="28575">
             <a:solidFill>
               <a:schemeClr val="tx1"/>
             </a:solidFill>
@@ -5412,7 +5293,7 @@
           <a:prstGeom prst="straightConnector1">
             <a:avLst/>
           </a:prstGeom>
-          <a:ln w="19050">
+          <a:ln w="28575">
             <a:solidFill>
               <a:schemeClr val="tx1"/>
             </a:solidFill>
@@ -5458,7 +5339,7 @@
           <a:prstGeom prst="straightConnector1">
             <a:avLst/>
           </a:prstGeom>
-          <a:ln w="19050">
+          <a:ln w="28575">
             <a:solidFill>
               <a:schemeClr val="tx1"/>
             </a:solidFill>
@@ -5503,7 +5384,7 @@
           <a:prstGeom prst="straightConnector1">
             <a:avLst/>
           </a:prstGeom>
-          <a:ln w="19050">
+          <a:ln w="28575">
             <a:solidFill>
               <a:schemeClr val="tx1"/>
             </a:solidFill>
@@ -5549,7 +5430,7 @@
           <a:prstGeom prst="straightConnector1">
             <a:avLst/>
           </a:prstGeom>
-          <a:ln w="19050">
+          <a:ln w="28575">
             <a:solidFill>
               <a:schemeClr val="accent3">
                 <a:lumMod val="50000"/>
@@ -5597,7 +5478,7 @@
           <a:prstGeom prst="straightConnector1">
             <a:avLst/>
           </a:prstGeom>
-          <a:ln w="19050">
+          <a:ln w="28575">
             <a:solidFill>
               <a:schemeClr val="accent3">
                 <a:lumMod val="50000"/>
@@ -5621,97 +5502,118 @@
           </a:fontRef>
         </p:style>
       </p:cxnSp>
-      <p:sp>
-        <p:nvSpPr>
-          <p:cNvPr id="185" name="사각형: 둥근 모서리 184">
-            <a:extLst>
-              <a:ext uri="{FF2B5EF4-FFF2-40B4-BE49-F238E27FC236}">
-                <a16:creationId xmlns:a16="http://schemas.microsoft.com/office/drawing/2014/main" id="{649D29CC-3602-44ED-B93E-929A63D28CFF}"/>
-              </a:ext>
-            </a:extLst>
-          </p:cNvPr>
-          <p:cNvSpPr/>
-          <p:nvPr/>
-        </p:nvSpPr>
-        <p:spPr>
-          <a:xfrm>
-            <a:off x="1359495" y="4808794"/>
-            <a:ext cx="576064" cy="157134"/>
-          </a:xfrm>
-          <a:prstGeom prst="roundRect">
-            <a:avLst>
-              <a:gd name="adj" fmla="val 15087"/>
-            </a:avLst>
-          </a:prstGeom>
-          <a:ln>
-            <a:solidFill>
-              <a:schemeClr val="tx2"/>
-            </a:solidFill>
-          </a:ln>
-        </p:spPr>
-        <p:style>
-          <a:lnRef idx="2">
-            <a:schemeClr val="dk1"/>
-          </a:lnRef>
-          <a:fillRef idx="1">
-            <a:schemeClr val="lt1"/>
-          </a:fillRef>
-          <a:effectRef idx="0">
-            <a:schemeClr val="dk1"/>
-          </a:effectRef>
-          <a:fontRef idx="minor">
-            <a:schemeClr val="dk1"/>
-          </a:fontRef>
-        </p:style>
-        <p:txBody>
-          <a:bodyPr rtlCol="0" anchor="ctr"/>
-          <a:lstStyle/>
-          <a:p>
-            <a:pPr algn="ctr"/>
-            <a:endParaRPr lang="en-US" altLang="ko-KR" sz="1200">
+      <p:grpSp>
+        <p:nvGrpSpPr>
+          <p:cNvPr id="8" name="그룹 7">
+            <a:extLst>
+              <a:ext uri="{FF2B5EF4-FFF2-40B4-BE49-F238E27FC236}">
+                <a16:creationId xmlns:a16="http://schemas.microsoft.com/office/drawing/2014/main" id="{7C9388C1-8F84-49D6-9FE6-8F1050E15C1D}"/>
+              </a:ext>
+            </a:extLst>
+          </p:cNvPr>
+          <p:cNvGrpSpPr/>
+          <p:nvPr/>
+        </p:nvGrpSpPr>
+        <p:grpSpPr>
+          <a:xfrm>
+            <a:off x="1547664" y="4764287"/>
+            <a:ext cx="1795015" cy="276999"/>
+            <a:chOff x="1600199" y="4764287"/>
+            <a:chExt cx="1795015" cy="276999"/>
+          </a:xfrm>
+        </p:grpSpPr>
+        <p:sp>
+          <p:nvSpPr>
+            <p:cNvPr id="185" name="사각형: 둥근 모서리 184">
+              <a:extLst>
+                <a:ext uri="{FF2B5EF4-FFF2-40B4-BE49-F238E27FC236}">
+                  <a16:creationId xmlns:a16="http://schemas.microsoft.com/office/drawing/2014/main" id="{649D29CC-3602-44ED-B93E-929A63D28CFF}"/>
+                </a:ext>
+              </a:extLst>
+            </p:cNvPr>
+            <p:cNvSpPr/>
+            <p:nvPr/>
+          </p:nvSpPr>
+          <p:spPr>
+            <a:xfrm>
+              <a:off x="1600199" y="4823198"/>
+              <a:ext cx="310953" cy="160282"/>
+            </a:xfrm>
+            <a:prstGeom prst="roundRect">
+              <a:avLst>
+                <a:gd name="adj" fmla="val 15087"/>
+              </a:avLst>
+            </a:prstGeom>
+            <a:ln>
               <a:solidFill>
                 <a:schemeClr val="tx2"/>
               </a:solidFill>
-            </a:endParaRPr>
-          </a:p>
-        </p:txBody>
-      </p:sp>
-      <p:sp>
-        <p:nvSpPr>
-          <p:cNvPr id="186" name="TextBox 185">
-            <a:extLst>
-              <a:ext uri="{FF2B5EF4-FFF2-40B4-BE49-F238E27FC236}">
-                <a16:creationId xmlns:a16="http://schemas.microsoft.com/office/drawing/2014/main" id="{DCF370FF-123C-4565-BF35-4E7AB2F877C3}"/>
-              </a:ext>
-            </a:extLst>
-          </p:cNvPr>
-          <p:cNvSpPr txBox="1"/>
-          <p:nvPr/>
-        </p:nvSpPr>
-        <p:spPr>
-          <a:xfrm>
-            <a:off x="1935559" y="4731990"/>
-            <a:ext cx="1700337" cy="307777"/>
-          </a:xfrm>
-          <a:prstGeom prst="rect">
-            <a:avLst/>
-          </a:prstGeom>
-          <a:noFill/>
-        </p:spPr>
-        <p:txBody>
-          <a:bodyPr wrap="none" rtlCol="0">
-            <a:spAutoFit/>
-          </a:bodyPr>
-          <a:lstStyle/>
-          <a:p>
-            <a:r>
-              <a:rPr lang="en-US" altLang="ko-KR" sz="1400"/>
-              <a:t>iptables NAT Table</a:t>
-            </a:r>
-            <a:endParaRPr lang="ko-KR" altLang="en-US" sz="1400"/>
-          </a:p>
-        </p:txBody>
-      </p:sp>
+            </a:ln>
+          </p:spPr>
+          <p:style>
+            <a:lnRef idx="2">
+              <a:schemeClr val="dk1"/>
+            </a:lnRef>
+            <a:fillRef idx="1">
+              <a:schemeClr val="lt1"/>
+            </a:fillRef>
+            <a:effectRef idx="0">
+              <a:schemeClr val="dk1"/>
+            </a:effectRef>
+            <a:fontRef idx="minor">
+              <a:schemeClr val="dk1"/>
+            </a:fontRef>
+          </p:style>
+          <p:txBody>
+            <a:bodyPr rtlCol="0" anchor="ctr"/>
+            <a:lstStyle/>
+            <a:p>
+              <a:pPr algn="ctr"/>
+              <a:endParaRPr lang="en-US" altLang="ko-KR" sz="1200">
+                <a:solidFill>
+                  <a:schemeClr val="tx2"/>
+                </a:solidFill>
+              </a:endParaRPr>
+            </a:p>
+          </p:txBody>
+        </p:sp>
+        <p:sp>
+          <p:nvSpPr>
+            <p:cNvPr id="186" name="TextBox 185">
+              <a:extLst>
+                <a:ext uri="{FF2B5EF4-FFF2-40B4-BE49-F238E27FC236}">
+                  <a16:creationId xmlns:a16="http://schemas.microsoft.com/office/drawing/2014/main" id="{DCF370FF-123C-4565-BF35-4E7AB2F877C3}"/>
+                </a:ext>
+              </a:extLst>
+            </p:cNvPr>
+            <p:cNvSpPr txBox="1"/>
+            <p:nvPr/>
+          </p:nvSpPr>
+          <p:spPr>
+            <a:xfrm>
+              <a:off x="1911153" y="4764287"/>
+              <a:ext cx="1484061" cy="276999"/>
+            </a:xfrm>
+            <a:prstGeom prst="rect">
+              <a:avLst/>
+            </a:prstGeom>
+            <a:noFill/>
+          </p:spPr>
+          <p:txBody>
+            <a:bodyPr wrap="none" rtlCol="0">
+              <a:spAutoFit/>
+            </a:bodyPr>
+            <a:lstStyle/>
+            <a:p>
+              <a:r>
+                <a:rPr lang="en-US" altLang="ko-KR" sz="1200"/>
+                <a:t>iptables NAT Table</a:t>
+              </a:r>
+              <a:endParaRPr lang="ko-KR" altLang="en-US" sz="1200"/>
+            </a:p>
+          </p:txBody>
+        </p:sp>
+      </p:grpSp>
       <p:sp>
         <p:nvSpPr>
           <p:cNvPr id="187" name="자유형: 도형 186">
@@ -5791,7 +5693,7 @@
             </a:pathLst>
           </a:custGeom>
           <a:noFill/>
-          <a:ln>
+          <a:ln w="28575">
             <a:solidFill>
               <a:schemeClr val="tx1"/>
             </a:solidFill>
@@ -5824,6 +5726,311 @@
           </a:p>
         </p:txBody>
       </p:sp>
+      <p:grpSp>
+        <p:nvGrpSpPr>
+          <p:cNvPr id="7" name="그룹 6">
+            <a:extLst>
+              <a:ext uri="{FF2B5EF4-FFF2-40B4-BE49-F238E27FC236}">
+                <a16:creationId xmlns:a16="http://schemas.microsoft.com/office/drawing/2014/main" id="{E3611F14-5F74-42F2-A5EF-A30047F89DBC}"/>
+              </a:ext>
+            </a:extLst>
+          </p:cNvPr>
+          <p:cNvGrpSpPr/>
+          <p:nvPr/>
+        </p:nvGrpSpPr>
+        <p:grpSpPr>
+          <a:xfrm>
+            <a:off x="3491880" y="4755407"/>
+            <a:ext cx="2023124" cy="276999"/>
+            <a:chOff x="3419872" y="4755407"/>
+            <a:chExt cx="2023124" cy="276999"/>
+          </a:xfrm>
+        </p:grpSpPr>
+        <p:cxnSp>
+          <p:nvCxnSpPr>
+            <p:cNvPr id="44" name="직선 화살표 연결선 43">
+              <a:extLst>
+                <a:ext uri="{FF2B5EF4-FFF2-40B4-BE49-F238E27FC236}">
+                  <a16:creationId xmlns:a16="http://schemas.microsoft.com/office/drawing/2014/main" id="{B2743E7F-27C1-4909-BBD1-FF4618946A3A}"/>
+                </a:ext>
+              </a:extLst>
+            </p:cNvPr>
+            <p:cNvCxnSpPr>
+              <a:cxnSpLocks/>
+            </p:cNvCxnSpPr>
+            <p:nvPr/>
+          </p:nvCxnSpPr>
+          <p:spPr>
+            <a:xfrm>
+              <a:off x="3419872" y="4898028"/>
+              <a:ext cx="284571" cy="0"/>
+            </a:xfrm>
+            <a:prstGeom prst="straightConnector1">
+              <a:avLst/>
+            </a:prstGeom>
+            <a:ln w="28575">
+              <a:solidFill>
+                <a:schemeClr val="tx1"/>
+              </a:solidFill>
+              <a:tailEnd type="arrow"/>
+            </a:ln>
+          </p:spPr>
+          <p:style>
+            <a:lnRef idx="1">
+              <a:schemeClr val="accent1"/>
+            </a:lnRef>
+            <a:fillRef idx="0">
+              <a:schemeClr val="accent1"/>
+            </a:fillRef>
+            <a:effectRef idx="0">
+              <a:schemeClr val="accent1"/>
+            </a:effectRef>
+            <a:fontRef idx="minor">
+              <a:schemeClr val="tx1"/>
+            </a:fontRef>
+          </p:style>
+        </p:cxnSp>
+        <p:sp>
+          <p:nvSpPr>
+            <p:cNvPr id="46" name="TextBox 45">
+              <a:extLst>
+                <a:ext uri="{FF2B5EF4-FFF2-40B4-BE49-F238E27FC236}">
+                  <a16:creationId xmlns:a16="http://schemas.microsoft.com/office/drawing/2014/main" id="{A9215B4F-89BE-4AA0-9757-E28A145DD27F}"/>
+                </a:ext>
+              </a:extLst>
+            </p:cNvPr>
+            <p:cNvSpPr txBox="1"/>
+            <p:nvPr/>
+          </p:nvSpPr>
+          <p:spPr>
+            <a:xfrm>
+              <a:off x="3704443" y="4755407"/>
+              <a:ext cx="1738553" cy="276999"/>
+            </a:xfrm>
+            <a:prstGeom prst="rect">
+              <a:avLst/>
+            </a:prstGeom>
+            <a:noFill/>
+          </p:spPr>
+          <p:txBody>
+            <a:bodyPr wrap="none" rtlCol="0">
+              <a:spAutoFit/>
+            </a:bodyPr>
+            <a:lstStyle/>
+            <a:p>
+              <a:r>
+                <a:rPr lang="en-US" altLang="ko-KR" sz="1200"/>
+                <a:t>ClusterIP + NodePort</a:t>
+              </a:r>
+              <a:endParaRPr lang="ko-KR" altLang="en-US" sz="1200"/>
+            </a:p>
+          </p:txBody>
+        </p:sp>
+      </p:grpSp>
+      <p:grpSp>
+        <p:nvGrpSpPr>
+          <p:cNvPr id="6" name="그룹 5">
+            <a:extLst>
+              <a:ext uri="{FF2B5EF4-FFF2-40B4-BE49-F238E27FC236}">
+                <a16:creationId xmlns:a16="http://schemas.microsoft.com/office/drawing/2014/main" id="{2D966F96-6E0C-497A-97BD-019035DF663E}"/>
+              </a:ext>
+            </a:extLst>
+          </p:cNvPr>
+          <p:cNvGrpSpPr/>
+          <p:nvPr/>
+        </p:nvGrpSpPr>
+        <p:grpSpPr>
+          <a:xfrm>
+            <a:off x="5580112" y="4755407"/>
+            <a:ext cx="1080302" cy="276999"/>
+            <a:chOff x="5371509" y="4755407"/>
+            <a:chExt cx="1080302" cy="276999"/>
+          </a:xfrm>
+        </p:grpSpPr>
+        <p:cxnSp>
+          <p:nvCxnSpPr>
+            <p:cNvPr id="47" name="직선 화살표 연결선 46">
+              <a:extLst>
+                <a:ext uri="{FF2B5EF4-FFF2-40B4-BE49-F238E27FC236}">
+                  <a16:creationId xmlns:a16="http://schemas.microsoft.com/office/drawing/2014/main" id="{45463F05-43F2-48DB-AF88-3EA762B883BB}"/>
+                </a:ext>
+              </a:extLst>
+            </p:cNvPr>
+            <p:cNvCxnSpPr>
+              <a:cxnSpLocks/>
+            </p:cNvCxnSpPr>
+            <p:nvPr/>
+          </p:nvCxnSpPr>
+          <p:spPr>
+            <a:xfrm>
+              <a:off x="5371509" y="4898028"/>
+              <a:ext cx="284571" cy="0"/>
+            </a:xfrm>
+            <a:prstGeom prst="straightConnector1">
+              <a:avLst/>
+            </a:prstGeom>
+            <a:ln w="28575">
+              <a:solidFill>
+                <a:srgbClr val="C00000"/>
+              </a:solidFill>
+              <a:tailEnd type="arrow"/>
+            </a:ln>
+          </p:spPr>
+          <p:style>
+            <a:lnRef idx="1">
+              <a:schemeClr val="accent1"/>
+            </a:lnRef>
+            <a:fillRef idx="0">
+              <a:schemeClr val="accent1"/>
+            </a:fillRef>
+            <a:effectRef idx="0">
+              <a:schemeClr val="accent1"/>
+            </a:effectRef>
+            <a:fontRef idx="minor">
+              <a:schemeClr val="tx1"/>
+            </a:fontRef>
+          </p:style>
+        </p:cxnSp>
+        <p:sp>
+          <p:nvSpPr>
+            <p:cNvPr id="48" name="TextBox 47">
+              <a:extLst>
+                <a:ext uri="{FF2B5EF4-FFF2-40B4-BE49-F238E27FC236}">
+                  <a16:creationId xmlns:a16="http://schemas.microsoft.com/office/drawing/2014/main" id="{3123E8D3-1697-458D-86B3-99B6954E1427}"/>
+                </a:ext>
+              </a:extLst>
+            </p:cNvPr>
+            <p:cNvSpPr txBox="1"/>
+            <p:nvPr/>
+          </p:nvSpPr>
+          <p:spPr>
+            <a:xfrm>
+              <a:off x="5656080" y="4755407"/>
+              <a:ext cx="795731" cy="276999"/>
+            </a:xfrm>
+            <a:prstGeom prst="rect">
+              <a:avLst/>
+            </a:prstGeom>
+            <a:noFill/>
+          </p:spPr>
+          <p:txBody>
+            <a:bodyPr wrap="none" rtlCol="0">
+              <a:spAutoFit/>
+            </a:bodyPr>
+            <a:lstStyle/>
+            <a:p>
+              <a:r>
+                <a:rPr lang="en-US" altLang="ko-KR" sz="1200"/>
+                <a:t>ClusterIP</a:t>
+              </a:r>
+              <a:endParaRPr lang="ko-KR" altLang="en-US" sz="1200"/>
+            </a:p>
+          </p:txBody>
+        </p:sp>
+      </p:grpSp>
+      <p:grpSp>
+        <p:nvGrpSpPr>
+          <p:cNvPr id="4" name="그룹 3">
+            <a:extLst>
+              <a:ext uri="{FF2B5EF4-FFF2-40B4-BE49-F238E27FC236}">
+                <a16:creationId xmlns:a16="http://schemas.microsoft.com/office/drawing/2014/main" id="{56D41BD3-EFB9-4322-8CAC-3F32F32650E4}"/>
+              </a:ext>
+            </a:extLst>
+          </p:cNvPr>
+          <p:cNvGrpSpPr/>
+          <p:nvPr/>
+        </p:nvGrpSpPr>
+        <p:grpSpPr>
+          <a:xfrm>
+            <a:off x="6804248" y="4755407"/>
+            <a:ext cx="1141152" cy="276999"/>
+            <a:chOff x="6447669" y="4755407"/>
+            <a:chExt cx="1141152" cy="276999"/>
+          </a:xfrm>
+        </p:grpSpPr>
+        <p:cxnSp>
+          <p:nvCxnSpPr>
+            <p:cNvPr id="49" name="직선 화살표 연결선 48">
+              <a:extLst>
+                <a:ext uri="{FF2B5EF4-FFF2-40B4-BE49-F238E27FC236}">
+                  <a16:creationId xmlns:a16="http://schemas.microsoft.com/office/drawing/2014/main" id="{5372C781-A21C-47D1-B814-E878D6F31445}"/>
+                </a:ext>
+              </a:extLst>
+            </p:cNvPr>
+            <p:cNvCxnSpPr>
+              <a:cxnSpLocks/>
+            </p:cNvCxnSpPr>
+            <p:nvPr/>
+          </p:nvCxnSpPr>
+          <p:spPr>
+            <a:xfrm>
+              <a:off x="6447669" y="4898028"/>
+              <a:ext cx="284571" cy="0"/>
+            </a:xfrm>
+            <a:prstGeom prst="straightConnector1">
+              <a:avLst/>
+            </a:prstGeom>
+            <a:ln w="28575">
+              <a:solidFill>
+                <a:schemeClr val="accent3">
+                  <a:lumMod val="50000"/>
+                </a:schemeClr>
+              </a:solidFill>
+              <a:tailEnd type="arrow"/>
+            </a:ln>
+          </p:spPr>
+          <p:style>
+            <a:lnRef idx="1">
+              <a:schemeClr val="accent1"/>
+            </a:lnRef>
+            <a:fillRef idx="0">
+              <a:schemeClr val="accent1"/>
+            </a:fillRef>
+            <a:effectRef idx="0">
+              <a:schemeClr val="accent1"/>
+            </a:effectRef>
+            <a:fontRef idx="minor">
+              <a:schemeClr val="tx1"/>
+            </a:fontRef>
+          </p:style>
+        </p:cxnSp>
+        <p:sp>
+          <p:nvSpPr>
+            <p:cNvPr id="50" name="TextBox 49">
+              <a:extLst>
+                <a:ext uri="{FF2B5EF4-FFF2-40B4-BE49-F238E27FC236}">
+                  <a16:creationId xmlns:a16="http://schemas.microsoft.com/office/drawing/2014/main" id="{2B44519B-76A4-486B-B55B-9E5BAE549771}"/>
+                </a:ext>
+              </a:extLst>
+            </p:cNvPr>
+            <p:cNvSpPr txBox="1"/>
+            <p:nvPr/>
+          </p:nvSpPr>
+          <p:spPr>
+            <a:xfrm>
+              <a:off x="6732240" y="4755407"/>
+              <a:ext cx="856581" cy="276999"/>
+            </a:xfrm>
+            <a:prstGeom prst="rect">
+              <a:avLst/>
+            </a:prstGeom>
+            <a:noFill/>
+          </p:spPr>
+          <p:txBody>
+            <a:bodyPr wrap="none" rtlCol="0">
+              <a:spAutoFit/>
+            </a:bodyPr>
+            <a:lstStyle/>
+            <a:p>
+              <a:r>
+                <a:rPr lang="en-US" altLang="ko-KR" sz="1200"/>
+                <a:t>NodePort</a:t>
+              </a:r>
+              <a:endParaRPr lang="ko-KR" altLang="en-US" sz="1200"/>
+            </a:p>
+          </p:txBody>
+        </p:sp>
+      </p:grpSp>
     </p:spTree>
     <p:extLst>
       <p:ext uri="{BB962C8B-B14F-4D97-AF65-F5344CB8AC3E}">
@@ -9518,6 +9725,2797 @@
         </p:nvSpPr>
         <p:spPr>
           <a:xfrm>
+            <a:off x="457200" y="-596602"/>
+            <a:ext cx="8229600" cy="857250"/>
+          </a:xfrm>
+        </p:spPr>
+        <p:txBody>
+          <a:bodyPr/>
+          <a:lstStyle/>
+          <a:p>
+            <a:r>
+              <a:rPr lang="en-US" altLang="ko-KR"/>
+              <a:t>Userspace</a:t>
+            </a:r>
+            <a:r>
+              <a:rPr lang="ko-KR" altLang="en-US"/>
+              <a:t> </a:t>
+            </a:r>
+            <a:r>
+              <a:rPr lang="en-US" altLang="ko-KR"/>
+              <a:t>Mode</a:t>
+            </a:r>
+            <a:r>
+              <a:rPr lang="ko-KR" altLang="en-US"/>
+              <a:t> </a:t>
+            </a:r>
+            <a:r>
+              <a:rPr lang="en-US" altLang="ko-KR"/>
+              <a:t>Packet</a:t>
+            </a:r>
+            <a:r>
+              <a:rPr lang="ko-KR" altLang="en-US"/>
+              <a:t> </a:t>
+            </a:r>
+            <a:r>
+              <a:rPr lang="en-US" altLang="ko-KR"/>
+              <a:t>Path</a:t>
+            </a:r>
+            <a:endParaRPr lang="ko-KR" altLang="en-US"/>
+          </a:p>
+        </p:txBody>
+      </p:sp>
+      <p:sp>
+        <p:nvSpPr>
+          <p:cNvPr id="37" name="사각형: 둥근 모서리 36">
+            <a:extLst>
+              <a:ext uri="{FF2B5EF4-FFF2-40B4-BE49-F238E27FC236}">
+                <a16:creationId xmlns:a16="http://schemas.microsoft.com/office/drawing/2014/main" id="{5DF08894-10CA-4E97-A9A5-E3D93AA9539D}"/>
+              </a:ext>
+            </a:extLst>
+          </p:cNvPr>
+          <p:cNvSpPr/>
+          <p:nvPr/>
+        </p:nvSpPr>
+        <p:spPr>
+          <a:xfrm>
+            <a:off x="1691682" y="267494"/>
+            <a:ext cx="1656182" cy="857250"/>
+          </a:xfrm>
+          <a:prstGeom prst="roundRect">
+            <a:avLst>
+              <a:gd name="adj" fmla="val 6633"/>
+            </a:avLst>
+          </a:prstGeom>
+        </p:spPr>
+        <p:style>
+          <a:lnRef idx="2">
+            <a:schemeClr val="dk1"/>
+          </a:lnRef>
+          <a:fillRef idx="1">
+            <a:schemeClr val="lt1"/>
+          </a:fillRef>
+          <a:effectRef idx="0">
+            <a:schemeClr val="dk1"/>
+          </a:effectRef>
+          <a:fontRef idx="minor">
+            <a:schemeClr val="dk1"/>
+          </a:fontRef>
+        </p:style>
+        <p:txBody>
+          <a:bodyPr rtlCol="0" anchor="t"/>
+          <a:lstStyle/>
+          <a:p>
+            <a:pPr algn="ctr"/>
+            <a:r>
+              <a:rPr lang="en-US" altLang="ko-KR" sz="1400"/>
+              <a:t>Pod A</a:t>
+            </a:r>
+          </a:p>
+          <a:p>
+            <a:pPr algn="ctr"/>
+            <a:r>
+              <a:rPr lang="en-US" altLang="ko-KR" sz="1400"/>
+              <a:t>Net Namespace</a:t>
+            </a:r>
+            <a:endParaRPr lang="ko-KR" altLang="en-US" sz="1400"/>
+          </a:p>
+        </p:txBody>
+      </p:sp>
+      <p:sp>
+        <p:nvSpPr>
+          <p:cNvPr id="40" name="사각형: 둥근 모서리 39">
+            <a:extLst>
+              <a:ext uri="{FF2B5EF4-FFF2-40B4-BE49-F238E27FC236}">
+                <a16:creationId xmlns:a16="http://schemas.microsoft.com/office/drawing/2014/main" id="{BB64BC4F-046B-4833-94B3-D1F2D50843E5}"/>
+              </a:ext>
+            </a:extLst>
+          </p:cNvPr>
+          <p:cNvSpPr/>
+          <p:nvPr/>
+        </p:nvSpPr>
+        <p:spPr>
+          <a:xfrm>
+            <a:off x="1907706" y="852166"/>
+            <a:ext cx="1224134" cy="272578"/>
+          </a:xfrm>
+          <a:prstGeom prst="roundRect">
+            <a:avLst>
+              <a:gd name="adj" fmla="val 15087"/>
+            </a:avLst>
+          </a:prstGeom>
+        </p:spPr>
+        <p:style>
+          <a:lnRef idx="2">
+            <a:schemeClr val="dk1"/>
+          </a:lnRef>
+          <a:fillRef idx="1">
+            <a:schemeClr val="lt1"/>
+          </a:fillRef>
+          <a:effectRef idx="0">
+            <a:schemeClr val="dk1"/>
+          </a:effectRef>
+          <a:fontRef idx="minor">
+            <a:schemeClr val="dk1"/>
+          </a:fontRef>
+        </p:style>
+        <p:txBody>
+          <a:bodyPr rtlCol="0" anchor="ctr"/>
+          <a:lstStyle/>
+          <a:p>
+            <a:pPr algn="ctr"/>
+            <a:r>
+              <a:rPr lang="en-US" altLang="ko-KR" sz="1200"/>
+              <a:t>veth interface</a:t>
+            </a:r>
+          </a:p>
+        </p:txBody>
+      </p:sp>
+      <p:sp>
+        <p:nvSpPr>
+          <p:cNvPr id="42" name="사각형: 둥근 모서리 41">
+            <a:extLst>
+              <a:ext uri="{FF2B5EF4-FFF2-40B4-BE49-F238E27FC236}">
+                <a16:creationId xmlns:a16="http://schemas.microsoft.com/office/drawing/2014/main" id="{C578B6D8-62A4-4C86-A3C2-50037AA64487}"/>
+              </a:ext>
+            </a:extLst>
+          </p:cNvPr>
+          <p:cNvSpPr/>
+          <p:nvPr/>
+        </p:nvSpPr>
+        <p:spPr>
+          <a:xfrm>
+            <a:off x="1216139" y="1309335"/>
+            <a:ext cx="7028266" cy="3111949"/>
+          </a:xfrm>
+          <a:prstGeom prst="roundRect">
+            <a:avLst>
+              <a:gd name="adj" fmla="val 3729"/>
+            </a:avLst>
+          </a:prstGeom>
+        </p:spPr>
+        <p:style>
+          <a:lnRef idx="2">
+            <a:schemeClr val="dk1"/>
+          </a:lnRef>
+          <a:fillRef idx="1">
+            <a:schemeClr val="lt1"/>
+          </a:fillRef>
+          <a:effectRef idx="0">
+            <a:schemeClr val="dk1"/>
+          </a:effectRef>
+          <a:fontRef idx="minor">
+            <a:schemeClr val="dk1"/>
+          </a:fontRef>
+        </p:style>
+        <p:txBody>
+          <a:bodyPr rtlCol="0" anchor="t"/>
+          <a:lstStyle/>
+          <a:p>
+            <a:pPr algn="ctr"/>
+            <a:r>
+              <a:rPr lang="en-US" altLang="ko-KR" sz="1400"/>
+              <a:t>Host Net Namespace</a:t>
+            </a:r>
+            <a:endParaRPr lang="ko-KR" altLang="en-US" sz="1400"/>
+          </a:p>
+        </p:txBody>
+      </p:sp>
+      <p:sp>
+        <p:nvSpPr>
+          <p:cNvPr id="43" name="사각형: 둥근 모서리 42">
+            <a:extLst>
+              <a:ext uri="{FF2B5EF4-FFF2-40B4-BE49-F238E27FC236}">
+                <a16:creationId xmlns:a16="http://schemas.microsoft.com/office/drawing/2014/main" id="{9E1EF096-9201-4CF2-9016-878474AC7960}"/>
+              </a:ext>
+            </a:extLst>
+          </p:cNvPr>
+          <p:cNvSpPr/>
+          <p:nvPr/>
+        </p:nvSpPr>
+        <p:spPr>
+          <a:xfrm>
+            <a:off x="1907706" y="1309927"/>
+            <a:ext cx="1224134" cy="272578"/>
+          </a:xfrm>
+          <a:prstGeom prst="roundRect">
+            <a:avLst>
+              <a:gd name="adj" fmla="val 15087"/>
+            </a:avLst>
+          </a:prstGeom>
+        </p:spPr>
+        <p:style>
+          <a:lnRef idx="2">
+            <a:schemeClr val="dk1"/>
+          </a:lnRef>
+          <a:fillRef idx="1">
+            <a:schemeClr val="lt1"/>
+          </a:fillRef>
+          <a:effectRef idx="0">
+            <a:schemeClr val="dk1"/>
+          </a:effectRef>
+          <a:fontRef idx="minor">
+            <a:schemeClr val="dk1"/>
+          </a:fontRef>
+        </p:style>
+        <p:txBody>
+          <a:bodyPr rtlCol="0" anchor="ctr"/>
+          <a:lstStyle/>
+          <a:p>
+            <a:pPr algn="ctr"/>
+            <a:r>
+              <a:rPr lang="en-US" altLang="ko-KR" sz="1200"/>
+              <a:t>veth interface</a:t>
+            </a:r>
+          </a:p>
+        </p:txBody>
+      </p:sp>
+      <p:cxnSp>
+        <p:nvCxnSpPr>
+          <p:cNvPr id="45" name="직선 연결선 44">
+            <a:extLst>
+              <a:ext uri="{FF2B5EF4-FFF2-40B4-BE49-F238E27FC236}">
+                <a16:creationId xmlns:a16="http://schemas.microsoft.com/office/drawing/2014/main" id="{596DEBC7-DF1F-4F4B-9E15-E411A679E8A0}"/>
+              </a:ext>
+            </a:extLst>
+          </p:cNvPr>
+          <p:cNvCxnSpPr>
+            <a:cxnSpLocks/>
+            <a:stCxn id="40" idx="2"/>
+            <a:endCxn id="43" idx="0"/>
+          </p:cNvCxnSpPr>
+          <p:nvPr/>
+        </p:nvCxnSpPr>
+        <p:spPr>
+          <a:xfrm>
+            <a:off x="2519773" y="1124744"/>
+            <a:ext cx="0" cy="185183"/>
+          </a:xfrm>
+          <a:prstGeom prst="line">
+            <a:avLst/>
+          </a:prstGeom>
+          <a:ln w="28575">
+            <a:solidFill>
+              <a:schemeClr val="tx1"/>
+            </a:solidFill>
+          </a:ln>
+        </p:spPr>
+        <p:style>
+          <a:lnRef idx="1">
+            <a:schemeClr val="accent1"/>
+          </a:lnRef>
+          <a:fillRef idx="0">
+            <a:schemeClr val="accent1"/>
+          </a:fillRef>
+          <a:effectRef idx="0">
+            <a:schemeClr val="accent1"/>
+          </a:effectRef>
+          <a:fontRef idx="minor">
+            <a:schemeClr val="tx1"/>
+          </a:fontRef>
+        </p:style>
+      </p:cxnSp>
+      <p:sp>
+        <p:nvSpPr>
+          <p:cNvPr id="78" name="사각형: 둥근 모서리 77">
+            <a:extLst>
+              <a:ext uri="{FF2B5EF4-FFF2-40B4-BE49-F238E27FC236}">
+                <a16:creationId xmlns:a16="http://schemas.microsoft.com/office/drawing/2014/main" id="{8C1B9B8D-0CF6-4E54-8D89-CB269563C2F2}"/>
+              </a:ext>
+            </a:extLst>
+          </p:cNvPr>
+          <p:cNvSpPr/>
+          <p:nvPr/>
+        </p:nvSpPr>
+        <p:spPr>
+          <a:xfrm>
+            <a:off x="6012160" y="267494"/>
+            <a:ext cx="1656182" cy="857250"/>
+          </a:xfrm>
+          <a:prstGeom prst="roundRect">
+            <a:avLst>
+              <a:gd name="adj" fmla="val 6633"/>
+            </a:avLst>
+          </a:prstGeom>
+        </p:spPr>
+        <p:style>
+          <a:lnRef idx="2">
+            <a:schemeClr val="dk1"/>
+          </a:lnRef>
+          <a:fillRef idx="1">
+            <a:schemeClr val="lt1"/>
+          </a:fillRef>
+          <a:effectRef idx="0">
+            <a:schemeClr val="dk1"/>
+          </a:effectRef>
+          <a:fontRef idx="minor">
+            <a:schemeClr val="dk1"/>
+          </a:fontRef>
+        </p:style>
+        <p:txBody>
+          <a:bodyPr rtlCol="0" anchor="t"/>
+          <a:lstStyle/>
+          <a:p>
+            <a:pPr algn="ctr"/>
+            <a:r>
+              <a:rPr lang="en-US" altLang="ko-KR" sz="1400"/>
+              <a:t>Pod B</a:t>
+            </a:r>
+          </a:p>
+          <a:p>
+            <a:pPr algn="ctr"/>
+            <a:r>
+              <a:rPr lang="en-US" altLang="ko-KR" sz="1400"/>
+              <a:t>Net Namespace</a:t>
+            </a:r>
+            <a:endParaRPr lang="ko-KR" altLang="en-US" sz="1400"/>
+          </a:p>
+        </p:txBody>
+      </p:sp>
+      <p:sp>
+        <p:nvSpPr>
+          <p:cNvPr id="79" name="사각형: 둥근 모서리 78">
+            <a:extLst>
+              <a:ext uri="{FF2B5EF4-FFF2-40B4-BE49-F238E27FC236}">
+                <a16:creationId xmlns:a16="http://schemas.microsoft.com/office/drawing/2014/main" id="{CED02E20-5817-4B82-B805-8CECA18FA615}"/>
+              </a:ext>
+            </a:extLst>
+          </p:cNvPr>
+          <p:cNvSpPr/>
+          <p:nvPr/>
+        </p:nvSpPr>
+        <p:spPr>
+          <a:xfrm>
+            <a:off x="6228184" y="852166"/>
+            <a:ext cx="1224134" cy="272578"/>
+          </a:xfrm>
+          <a:prstGeom prst="roundRect">
+            <a:avLst>
+              <a:gd name="adj" fmla="val 15087"/>
+            </a:avLst>
+          </a:prstGeom>
+        </p:spPr>
+        <p:style>
+          <a:lnRef idx="2">
+            <a:schemeClr val="dk1"/>
+          </a:lnRef>
+          <a:fillRef idx="1">
+            <a:schemeClr val="lt1"/>
+          </a:fillRef>
+          <a:effectRef idx="0">
+            <a:schemeClr val="dk1"/>
+          </a:effectRef>
+          <a:fontRef idx="minor">
+            <a:schemeClr val="dk1"/>
+          </a:fontRef>
+        </p:style>
+        <p:txBody>
+          <a:bodyPr rtlCol="0" anchor="ctr"/>
+          <a:lstStyle/>
+          <a:p>
+            <a:pPr algn="ctr"/>
+            <a:r>
+              <a:rPr lang="en-US" altLang="ko-KR" sz="1200"/>
+              <a:t>veth interface</a:t>
+            </a:r>
+          </a:p>
+        </p:txBody>
+      </p:sp>
+      <p:sp>
+        <p:nvSpPr>
+          <p:cNvPr id="80" name="사각형: 둥근 모서리 79">
+            <a:extLst>
+              <a:ext uri="{FF2B5EF4-FFF2-40B4-BE49-F238E27FC236}">
+                <a16:creationId xmlns:a16="http://schemas.microsoft.com/office/drawing/2014/main" id="{ABBB7494-F427-41D5-B223-E9B58F163FF2}"/>
+              </a:ext>
+            </a:extLst>
+          </p:cNvPr>
+          <p:cNvSpPr/>
+          <p:nvPr/>
+        </p:nvSpPr>
+        <p:spPr>
+          <a:xfrm>
+            <a:off x="6228184" y="1309927"/>
+            <a:ext cx="1224134" cy="272578"/>
+          </a:xfrm>
+          <a:prstGeom prst="roundRect">
+            <a:avLst>
+              <a:gd name="adj" fmla="val 15087"/>
+            </a:avLst>
+          </a:prstGeom>
+        </p:spPr>
+        <p:style>
+          <a:lnRef idx="2">
+            <a:schemeClr val="dk1"/>
+          </a:lnRef>
+          <a:fillRef idx="1">
+            <a:schemeClr val="lt1"/>
+          </a:fillRef>
+          <a:effectRef idx="0">
+            <a:schemeClr val="dk1"/>
+          </a:effectRef>
+          <a:fontRef idx="minor">
+            <a:schemeClr val="dk1"/>
+          </a:fontRef>
+        </p:style>
+        <p:txBody>
+          <a:bodyPr rtlCol="0" anchor="ctr"/>
+          <a:lstStyle/>
+          <a:p>
+            <a:pPr algn="ctr"/>
+            <a:r>
+              <a:rPr lang="en-US" altLang="ko-KR" sz="1200"/>
+              <a:t>veth interface</a:t>
+            </a:r>
+          </a:p>
+        </p:txBody>
+      </p:sp>
+      <p:cxnSp>
+        <p:nvCxnSpPr>
+          <p:cNvPr id="81" name="직선 연결선 80">
+            <a:extLst>
+              <a:ext uri="{FF2B5EF4-FFF2-40B4-BE49-F238E27FC236}">
+                <a16:creationId xmlns:a16="http://schemas.microsoft.com/office/drawing/2014/main" id="{1CD8A4E0-E791-4C69-8231-0FE7449C79BA}"/>
+              </a:ext>
+            </a:extLst>
+          </p:cNvPr>
+          <p:cNvCxnSpPr>
+            <a:cxnSpLocks/>
+            <a:stCxn id="79" idx="2"/>
+            <a:endCxn id="80" idx="0"/>
+          </p:cNvCxnSpPr>
+          <p:nvPr/>
+        </p:nvCxnSpPr>
+        <p:spPr>
+          <a:xfrm>
+            <a:off x="6840251" y="1124744"/>
+            <a:ext cx="0" cy="185183"/>
+          </a:xfrm>
+          <a:prstGeom prst="line">
+            <a:avLst/>
+          </a:prstGeom>
+          <a:ln w="28575">
+            <a:solidFill>
+              <a:schemeClr val="tx1"/>
+            </a:solidFill>
+          </a:ln>
+        </p:spPr>
+        <p:style>
+          <a:lnRef idx="1">
+            <a:schemeClr val="accent1"/>
+          </a:lnRef>
+          <a:fillRef idx="0">
+            <a:schemeClr val="accent1"/>
+          </a:fillRef>
+          <a:effectRef idx="0">
+            <a:schemeClr val="accent1"/>
+          </a:effectRef>
+          <a:fontRef idx="minor">
+            <a:schemeClr val="tx1"/>
+          </a:fontRef>
+        </p:style>
+      </p:cxnSp>
+      <p:sp>
+        <p:nvSpPr>
+          <p:cNvPr id="85" name="사각형: 둥근 모서리 84">
+            <a:extLst>
+              <a:ext uri="{FF2B5EF4-FFF2-40B4-BE49-F238E27FC236}">
+                <a16:creationId xmlns:a16="http://schemas.microsoft.com/office/drawing/2014/main" id="{70323992-35B6-4AFC-8CA7-B7AE2E0F2849}"/>
+              </a:ext>
+            </a:extLst>
+          </p:cNvPr>
+          <p:cNvSpPr/>
+          <p:nvPr/>
+        </p:nvSpPr>
+        <p:spPr>
+          <a:xfrm>
+            <a:off x="3448382" y="4149079"/>
+            <a:ext cx="2563778" cy="272578"/>
+          </a:xfrm>
+          <a:prstGeom prst="roundRect">
+            <a:avLst>
+              <a:gd name="adj" fmla="val 15087"/>
+            </a:avLst>
+          </a:prstGeom>
+        </p:spPr>
+        <p:style>
+          <a:lnRef idx="2">
+            <a:schemeClr val="dk1"/>
+          </a:lnRef>
+          <a:fillRef idx="1">
+            <a:schemeClr val="lt1"/>
+          </a:fillRef>
+          <a:effectRef idx="0">
+            <a:schemeClr val="dk1"/>
+          </a:effectRef>
+          <a:fontRef idx="minor">
+            <a:schemeClr val="dk1"/>
+          </a:fontRef>
+        </p:style>
+        <p:txBody>
+          <a:bodyPr rtlCol="0" anchor="ctr"/>
+          <a:lstStyle/>
+          <a:p>
+            <a:pPr algn="ctr"/>
+            <a:r>
+              <a:rPr lang="en-US" altLang="ko-KR" sz="1200"/>
+              <a:t>eth / IPIP / VXLAN Interface</a:t>
+            </a:r>
+          </a:p>
+        </p:txBody>
+      </p:sp>
+      <p:sp>
+        <p:nvSpPr>
+          <p:cNvPr id="86" name="사각형: 둥근 모서리 85">
+            <a:extLst>
+              <a:ext uri="{FF2B5EF4-FFF2-40B4-BE49-F238E27FC236}">
+                <a16:creationId xmlns:a16="http://schemas.microsoft.com/office/drawing/2014/main" id="{005ED654-6BEF-41E6-92C9-A8DCE7F19AC0}"/>
+              </a:ext>
+            </a:extLst>
+          </p:cNvPr>
+          <p:cNvSpPr/>
+          <p:nvPr/>
+        </p:nvSpPr>
+        <p:spPr>
+          <a:xfrm>
+            <a:off x="3830855" y="1700807"/>
+            <a:ext cx="1798833" cy="519510"/>
+          </a:xfrm>
+          <a:prstGeom prst="roundRect">
+            <a:avLst>
+              <a:gd name="adj" fmla="val 6633"/>
+            </a:avLst>
+          </a:prstGeom>
+        </p:spPr>
+        <p:style>
+          <a:lnRef idx="2">
+            <a:schemeClr val="dk1"/>
+          </a:lnRef>
+          <a:fillRef idx="1">
+            <a:schemeClr val="lt1"/>
+          </a:fillRef>
+          <a:effectRef idx="0">
+            <a:schemeClr val="dk1"/>
+          </a:effectRef>
+          <a:fontRef idx="minor">
+            <a:schemeClr val="dk1"/>
+          </a:fontRef>
+        </p:style>
+        <p:txBody>
+          <a:bodyPr rtlCol="0" anchor="ctr"/>
+          <a:lstStyle/>
+          <a:p>
+            <a:pPr algn="ctr"/>
+            <a:r>
+              <a:rPr lang="en-US" altLang="ko-KR" sz="1200"/>
+              <a:t>Host / Pod Process</a:t>
+            </a:r>
+          </a:p>
+          <a:p>
+            <a:pPr algn="ctr"/>
+            <a:r>
+              <a:rPr lang="en-US" altLang="ko-KR" sz="1200" b="1">
+                <a:solidFill>
+                  <a:schemeClr val="tx1"/>
+                </a:solidFill>
+              </a:rPr>
+              <a:t>(kube-proxy)</a:t>
+            </a:r>
+            <a:endParaRPr lang="ko-KR" altLang="en-US" sz="1200" b="1">
+              <a:solidFill>
+                <a:schemeClr val="tx1"/>
+              </a:solidFill>
+            </a:endParaRPr>
+          </a:p>
+        </p:txBody>
+      </p:sp>
+      <p:sp>
+        <p:nvSpPr>
+          <p:cNvPr id="90" name="사각형: 둥근 모서리 89">
+            <a:extLst>
+              <a:ext uri="{FF2B5EF4-FFF2-40B4-BE49-F238E27FC236}">
+                <a16:creationId xmlns:a16="http://schemas.microsoft.com/office/drawing/2014/main" id="{3083D0A7-8723-4979-9671-4E9677E30557}"/>
+              </a:ext>
+            </a:extLst>
+          </p:cNvPr>
+          <p:cNvSpPr/>
+          <p:nvPr/>
+        </p:nvSpPr>
+        <p:spPr>
+          <a:xfrm>
+            <a:off x="1621039" y="1828040"/>
+            <a:ext cx="1797468" cy="272578"/>
+          </a:xfrm>
+          <a:prstGeom prst="roundRect">
+            <a:avLst>
+              <a:gd name="adj" fmla="val 15087"/>
+            </a:avLst>
+          </a:prstGeom>
+          <a:ln>
+            <a:solidFill>
+              <a:schemeClr val="tx2"/>
+            </a:solidFill>
+          </a:ln>
+        </p:spPr>
+        <p:style>
+          <a:lnRef idx="2">
+            <a:schemeClr val="dk1"/>
+          </a:lnRef>
+          <a:fillRef idx="1">
+            <a:schemeClr val="lt1"/>
+          </a:fillRef>
+          <a:effectRef idx="0">
+            <a:schemeClr val="dk1"/>
+          </a:effectRef>
+          <a:fontRef idx="minor">
+            <a:schemeClr val="dk1"/>
+          </a:fontRef>
+        </p:style>
+        <p:txBody>
+          <a:bodyPr rtlCol="0" anchor="ctr"/>
+          <a:lstStyle/>
+          <a:p>
+            <a:pPr algn="ctr"/>
+            <a:r>
+              <a:rPr lang="en-US" altLang="ko-KR" sz="1200">
+                <a:solidFill>
+                  <a:schemeClr val="tx2"/>
+                </a:solidFill>
+              </a:rPr>
+              <a:t>PREROUTING</a:t>
+            </a:r>
+          </a:p>
+        </p:txBody>
+      </p:sp>
+      <p:sp>
+        <p:nvSpPr>
+          <p:cNvPr id="91" name="사각형: 둥근 모서리 90">
+            <a:extLst>
+              <a:ext uri="{FF2B5EF4-FFF2-40B4-BE49-F238E27FC236}">
+                <a16:creationId xmlns:a16="http://schemas.microsoft.com/office/drawing/2014/main" id="{8673B26D-82CE-4191-92D3-8B4D0EEE3E55}"/>
+              </a:ext>
+            </a:extLst>
+          </p:cNvPr>
+          <p:cNvSpPr/>
+          <p:nvPr/>
+        </p:nvSpPr>
+        <p:spPr>
+          <a:xfrm>
+            <a:off x="3831537" y="2432942"/>
+            <a:ext cx="1797468" cy="272578"/>
+          </a:xfrm>
+          <a:prstGeom prst="roundRect">
+            <a:avLst>
+              <a:gd name="adj" fmla="val 15087"/>
+            </a:avLst>
+          </a:prstGeom>
+          <a:ln>
+            <a:solidFill>
+              <a:schemeClr val="tx2"/>
+            </a:solidFill>
+          </a:ln>
+        </p:spPr>
+        <p:style>
+          <a:lnRef idx="2">
+            <a:schemeClr val="dk1"/>
+          </a:lnRef>
+          <a:fillRef idx="1">
+            <a:schemeClr val="lt1"/>
+          </a:fillRef>
+          <a:effectRef idx="0">
+            <a:schemeClr val="dk1"/>
+          </a:effectRef>
+          <a:fontRef idx="minor">
+            <a:schemeClr val="dk1"/>
+          </a:fontRef>
+        </p:style>
+        <p:txBody>
+          <a:bodyPr rtlCol="0" anchor="ctr"/>
+          <a:lstStyle/>
+          <a:p>
+            <a:pPr algn="ctr"/>
+            <a:r>
+              <a:rPr lang="en-US" altLang="ko-KR" sz="1200">
+                <a:solidFill>
+                  <a:schemeClr val="tx2"/>
+                </a:solidFill>
+              </a:rPr>
+              <a:t>OUTPUT</a:t>
+            </a:r>
+          </a:p>
+        </p:txBody>
+      </p:sp>
+      <p:cxnSp>
+        <p:nvCxnSpPr>
+          <p:cNvPr id="93" name="직선 화살표 연결선 92">
+            <a:extLst>
+              <a:ext uri="{FF2B5EF4-FFF2-40B4-BE49-F238E27FC236}">
+                <a16:creationId xmlns:a16="http://schemas.microsoft.com/office/drawing/2014/main" id="{2511C344-2234-4CC1-8C01-CC5A002274E0}"/>
+              </a:ext>
+            </a:extLst>
+          </p:cNvPr>
+          <p:cNvCxnSpPr>
+            <a:cxnSpLocks/>
+            <a:stCxn id="43" idx="2"/>
+            <a:endCxn id="90" idx="0"/>
+          </p:cNvCxnSpPr>
+          <p:nvPr/>
+        </p:nvCxnSpPr>
+        <p:spPr>
+          <a:xfrm>
+            <a:off x="2519773" y="1582505"/>
+            <a:ext cx="0" cy="245535"/>
+          </a:xfrm>
+          <a:prstGeom prst="straightConnector1">
+            <a:avLst/>
+          </a:prstGeom>
+          <a:ln w="28575">
+            <a:solidFill>
+              <a:schemeClr val="tx1"/>
+            </a:solidFill>
+            <a:tailEnd type="arrow"/>
+          </a:ln>
+        </p:spPr>
+        <p:style>
+          <a:lnRef idx="1">
+            <a:schemeClr val="accent1"/>
+          </a:lnRef>
+          <a:fillRef idx="0">
+            <a:schemeClr val="accent1"/>
+          </a:fillRef>
+          <a:effectRef idx="0">
+            <a:schemeClr val="accent1"/>
+          </a:effectRef>
+          <a:fontRef idx="minor">
+            <a:schemeClr val="tx1"/>
+          </a:fontRef>
+        </p:style>
+      </p:cxnSp>
+      <p:cxnSp>
+        <p:nvCxnSpPr>
+          <p:cNvPr id="96" name="직선 화살표 연결선 95">
+            <a:extLst>
+              <a:ext uri="{FF2B5EF4-FFF2-40B4-BE49-F238E27FC236}">
+                <a16:creationId xmlns:a16="http://schemas.microsoft.com/office/drawing/2014/main" id="{F6B53178-8C8D-4A71-992D-DEB3A83586B3}"/>
+              </a:ext>
+            </a:extLst>
+          </p:cNvPr>
+          <p:cNvCxnSpPr>
+            <a:cxnSpLocks/>
+          </p:cNvCxnSpPr>
+          <p:nvPr/>
+        </p:nvCxnSpPr>
+        <p:spPr>
+          <a:xfrm flipH="1">
+            <a:off x="4644008" y="2220317"/>
+            <a:ext cx="1" cy="212625"/>
+          </a:xfrm>
+          <a:prstGeom prst="straightConnector1">
+            <a:avLst/>
+          </a:prstGeom>
+          <a:ln w="28575">
+            <a:solidFill>
+              <a:schemeClr val="tx1"/>
+            </a:solidFill>
+            <a:tailEnd type="arrow"/>
+          </a:ln>
+        </p:spPr>
+        <p:style>
+          <a:lnRef idx="1">
+            <a:schemeClr val="accent1"/>
+          </a:lnRef>
+          <a:fillRef idx="0">
+            <a:schemeClr val="accent1"/>
+          </a:fillRef>
+          <a:effectRef idx="0">
+            <a:schemeClr val="accent1"/>
+          </a:effectRef>
+          <a:fontRef idx="minor">
+            <a:schemeClr val="tx1"/>
+          </a:fontRef>
+        </p:style>
+      </p:cxnSp>
+      <p:cxnSp>
+        <p:nvCxnSpPr>
+          <p:cNvPr id="102" name="직선 화살표 연결선 101">
+            <a:extLst>
+              <a:ext uri="{FF2B5EF4-FFF2-40B4-BE49-F238E27FC236}">
+                <a16:creationId xmlns:a16="http://schemas.microsoft.com/office/drawing/2014/main" id="{ECEE0818-1A81-4312-9F3D-8C1349A7D83E}"/>
+              </a:ext>
+            </a:extLst>
+          </p:cNvPr>
+          <p:cNvCxnSpPr>
+            <a:cxnSpLocks/>
+            <a:stCxn id="90" idx="2"/>
+            <a:endCxn id="41" idx="0"/>
+          </p:cNvCxnSpPr>
+          <p:nvPr/>
+        </p:nvCxnSpPr>
+        <p:spPr>
+          <a:xfrm>
+            <a:off x="2519773" y="2100618"/>
+            <a:ext cx="0" cy="269179"/>
+          </a:xfrm>
+          <a:prstGeom prst="straightConnector1">
+            <a:avLst/>
+          </a:prstGeom>
+          <a:ln w="28575">
+            <a:solidFill>
+              <a:srgbClr val="C00000"/>
+            </a:solidFill>
+            <a:tailEnd type="arrow"/>
+          </a:ln>
+        </p:spPr>
+        <p:style>
+          <a:lnRef idx="1">
+            <a:schemeClr val="accent1"/>
+          </a:lnRef>
+          <a:fillRef idx="0">
+            <a:schemeClr val="accent1"/>
+          </a:fillRef>
+          <a:effectRef idx="0">
+            <a:schemeClr val="accent1"/>
+          </a:effectRef>
+          <a:fontRef idx="minor">
+            <a:schemeClr val="tx1"/>
+          </a:fontRef>
+        </p:style>
+      </p:cxnSp>
+      <p:sp>
+        <p:nvSpPr>
+          <p:cNvPr id="41" name="사각형: 둥근 모서리 40">
+            <a:extLst>
+              <a:ext uri="{FF2B5EF4-FFF2-40B4-BE49-F238E27FC236}">
+                <a16:creationId xmlns:a16="http://schemas.microsoft.com/office/drawing/2014/main" id="{39558EA9-7CDE-4AF4-AF12-452E1B805636}"/>
+              </a:ext>
+            </a:extLst>
+          </p:cNvPr>
+          <p:cNvSpPr/>
+          <p:nvPr/>
+        </p:nvSpPr>
+        <p:spPr>
+          <a:xfrm>
+            <a:off x="1621039" y="2369797"/>
+            <a:ext cx="1797468" cy="398868"/>
+          </a:xfrm>
+          <a:prstGeom prst="roundRect">
+            <a:avLst>
+              <a:gd name="adj" fmla="val 15087"/>
+            </a:avLst>
+          </a:prstGeom>
+          <a:ln>
+            <a:solidFill>
+              <a:schemeClr val="tx2"/>
+            </a:solidFill>
+          </a:ln>
+        </p:spPr>
+        <p:style>
+          <a:lnRef idx="2">
+            <a:schemeClr val="dk1"/>
+          </a:lnRef>
+          <a:fillRef idx="1">
+            <a:schemeClr val="lt1"/>
+          </a:fillRef>
+          <a:effectRef idx="0">
+            <a:schemeClr val="dk1"/>
+          </a:effectRef>
+          <a:fontRef idx="minor">
+            <a:schemeClr val="dk1"/>
+          </a:fontRef>
+        </p:style>
+        <p:txBody>
+          <a:bodyPr rtlCol="0" anchor="ctr"/>
+          <a:lstStyle/>
+          <a:p>
+            <a:pPr algn="ctr"/>
+            <a:r>
+              <a:rPr lang="en-US" altLang="ko-KR" sz="1200" b="1">
+                <a:solidFill>
+                  <a:schemeClr val="tx2"/>
+                </a:solidFill>
+              </a:rPr>
+              <a:t>KUBE-PORTALS-CONTAINER</a:t>
+            </a:r>
+            <a:endParaRPr lang="ko-KR" altLang="en-US" sz="1200" b="1">
+              <a:solidFill>
+                <a:schemeClr val="tx2"/>
+              </a:solidFill>
+            </a:endParaRPr>
+          </a:p>
+        </p:txBody>
+      </p:sp>
+      <p:sp>
+        <p:nvSpPr>
+          <p:cNvPr id="44" name="사각형: 둥근 모서리 43">
+            <a:extLst>
+              <a:ext uri="{FF2B5EF4-FFF2-40B4-BE49-F238E27FC236}">
+                <a16:creationId xmlns:a16="http://schemas.microsoft.com/office/drawing/2014/main" id="{6B68C29B-E4E1-4388-B1B3-23784F4A1546}"/>
+              </a:ext>
+            </a:extLst>
+          </p:cNvPr>
+          <p:cNvSpPr/>
+          <p:nvPr/>
+        </p:nvSpPr>
+        <p:spPr>
+          <a:xfrm>
+            <a:off x="1621039" y="2984862"/>
+            <a:ext cx="1797468" cy="398868"/>
+          </a:xfrm>
+          <a:prstGeom prst="roundRect">
+            <a:avLst>
+              <a:gd name="adj" fmla="val 15087"/>
+            </a:avLst>
+          </a:prstGeom>
+          <a:ln>
+            <a:solidFill>
+              <a:schemeClr val="tx2"/>
+            </a:solidFill>
+          </a:ln>
+        </p:spPr>
+        <p:style>
+          <a:lnRef idx="2">
+            <a:schemeClr val="dk1"/>
+          </a:lnRef>
+          <a:fillRef idx="1">
+            <a:schemeClr val="lt1"/>
+          </a:fillRef>
+          <a:effectRef idx="0">
+            <a:schemeClr val="dk1"/>
+          </a:effectRef>
+          <a:fontRef idx="minor">
+            <a:schemeClr val="dk1"/>
+          </a:fontRef>
+        </p:style>
+        <p:txBody>
+          <a:bodyPr rtlCol="0" anchor="ctr"/>
+          <a:lstStyle/>
+          <a:p>
+            <a:pPr algn="ctr"/>
+            <a:r>
+              <a:rPr lang="en-US" altLang="ko-KR" sz="1200" b="1">
+                <a:solidFill>
+                  <a:schemeClr val="tx2"/>
+                </a:solidFill>
+              </a:rPr>
+              <a:t>KUBE-NODEPORT-CONTAINER</a:t>
+            </a:r>
+            <a:endParaRPr lang="ko-KR" altLang="en-US" sz="1200" b="1">
+              <a:solidFill>
+                <a:schemeClr val="tx2"/>
+              </a:solidFill>
+            </a:endParaRPr>
+          </a:p>
+        </p:txBody>
+      </p:sp>
+      <p:sp>
+        <p:nvSpPr>
+          <p:cNvPr id="51" name="사각형: 둥근 모서리 50">
+            <a:extLst>
+              <a:ext uri="{FF2B5EF4-FFF2-40B4-BE49-F238E27FC236}">
+                <a16:creationId xmlns:a16="http://schemas.microsoft.com/office/drawing/2014/main" id="{D22F7C81-807A-4E98-8C89-1FBCE4CFBDEB}"/>
+              </a:ext>
+            </a:extLst>
+          </p:cNvPr>
+          <p:cNvSpPr/>
+          <p:nvPr/>
+        </p:nvSpPr>
+        <p:spPr>
+          <a:xfrm>
+            <a:off x="5941517" y="2369797"/>
+            <a:ext cx="1797468" cy="398868"/>
+          </a:xfrm>
+          <a:prstGeom prst="roundRect">
+            <a:avLst>
+              <a:gd name="adj" fmla="val 15087"/>
+            </a:avLst>
+          </a:prstGeom>
+          <a:ln>
+            <a:solidFill>
+              <a:schemeClr val="tx2"/>
+            </a:solidFill>
+          </a:ln>
+        </p:spPr>
+        <p:style>
+          <a:lnRef idx="2">
+            <a:schemeClr val="dk1"/>
+          </a:lnRef>
+          <a:fillRef idx="1">
+            <a:schemeClr val="lt1"/>
+          </a:fillRef>
+          <a:effectRef idx="0">
+            <a:schemeClr val="dk1"/>
+          </a:effectRef>
+          <a:fontRef idx="minor">
+            <a:schemeClr val="dk1"/>
+          </a:fontRef>
+        </p:style>
+        <p:txBody>
+          <a:bodyPr rtlCol="0" anchor="ctr"/>
+          <a:lstStyle/>
+          <a:p>
+            <a:pPr algn="ctr"/>
+            <a:r>
+              <a:rPr lang="en-US" altLang="ko-KR" sz="1200" b="1">
+                <a:solidFill>
+                  <a:schemeClr val="tx2"/>
+                </a:solidFill>
+              </a:rPr>
+              <a:t>KUBE-PORTALS-HOST</a:t>
+            </a:r>
+            <a:endParaRPr lang="ko-KR" altLang="en-US" sz="1200" b="1">
+              <a:solidFill>
+                <a:schemeClr val="tx2"/>
+              </a:solidFill>
+            </a:endParaRPr>
+          </a:p>
+        </p:txBody>
+      </p:sp>
+      <p:sp>
+        <p:nvSpPr>
+          <p:cNvPr id="52" name="사각형: 둥근 모서리 51">
+            <a:extLst>
+              <a:ext uri="{FF2B5EF4-FFF2-40B4-BE49-F238E27FC236}">
+                <a16:creationId xmlns:a16="http://schemas.microsoft.com/office/drawing/2014/main" id="{0FBEC764-8F47-47BE-876A-19987772F5AF}"/>
+              </a:ext>
+            </a:extLst>
+          </p:cNvPr>
+          <p:cNvSpPr/>
+          <p:nvPr/>
+        </p:nvSpPr>
+        <p:spPr>
+          <a:xfrm>
+            <a:off x="5941517" y="2984862"/>
+            <a:ext cx="1797468" cy="398868"/>
+          </a:xfrm>
+          <a:prstGeom prst="roundRect">
+            <a:avLst>
+              <a:gd name="adj" fmla="val 15087"/>
+            </a:avLst>
+          </a:prstGeom>
+          <a:ln>
+            <a:solidFill>
+              <a:schemeClr val="tx2"/>
+            </a:solidFill>
+          </a:ln>
+        </p:spPr>
+        <p:style>
+          <a:lnRef idx="2">
+            <a:schemeClr val="dk1"/>
+          </a:lnRef>
+          <a:fillRef idx="1">
+            <a:schemeClr val="lt1"/>
+          </a:fillRef>
+          <a:effectRef idx="0">
+            <a:schemeClr val="dk1"/>
+          </a:effectRef>
+          <a:fontRef idx="minor">
+            <a:schemeClr val="dk1"/>
+          </a:fontRef>
+        </p:style>
+        <p:txBody>
+          <a:bodyPr rtlCol="0" anchor="ctr"/>
+          <a:lstStyle/>
+          <a:p>
+            <a:pPr algn="ctr"/>
+            <a:r>
+              <a:rPr lang="en-US" altLang="ko-KR" sz="1200" b="1">
+                <a:solidFill>
+                  <a:schemeClr val="tx2"/>
+                </a:solidFill>
+              </a:rPr>
+              <a:t>KUBE-NODEPORT-HOST</a:t>
+            </a:r>
+            <a:endParaRPr lang="ko-KR" altLang="en-US" sz="1200" b="1">
+              <a:solidFill>
+                <a:schemeClr val="tx2"/>
+              </a:solidFill>
+            </a:endParaRPr>
+          </a:p>
+        </p:txBody>
+      </p:sp>
+      <p:cxnSp>
+        <p:nvCxnSpPr>
+          <p:cNvPr id="56" name="직선 화살표 연결선 55">
+            <a:extLst>
+              <a:ext uri="{FF2B5EF4-FFF2-40B4-BE49-F238E27FC236}">
+                <a16:creationId xmlns:a16="http://schemas.microsoft.com/office/drawing/2014/main" id="{126C014A-0EF3-42F3-8408-0592C1499E19}"/>
+              </a:ext>
+            </a:extLst>
+          </p:cNvPr>
+          <p:cNvCxnSpPr>
+            <a:cxnSpLocks/>
+            <a:stCxn id="91" idx="3"/>
+            <a:endCxn id="52" idx="0"/>
+          </p:cNvCxnSpPr>
+          <p:nvPr/>
+        </p:nvCxnSpPr>
+        <p:spPr>
+          <a:xfrm>
+            <a:off x="5629005" y="2569231"/>
+            <a:ext cx="1211246" cy="415631"/>
+          </a:xfrm>
+          <a:prstGeom prst="straightConnector1">
+            <a:avLst/>
+          </a:prstGeom>
+          <a:ln w="28575">
+            <a:solidFill>
+              <a:schemeClr val="accent3">
+                <a:lumMod val="50000"/>
+              </a:schemeClr>
+            </a:solidFill>
+            <a:tailEnd type="arrow"/>
+          </a:ln>
+        </p:spPr>
+        <p:style>
+          <a:lnRef idx="1">
+            <a:schemeClr val="accent1"/>
+          </a:lnRef>
+          <a:fillRef idx="0">
+            <a:schemeClr val="accent1"/>
+          </a:fillRef>
+          <a:effectRef idx="0">
+            <a:schemeClr val="accent1"/>
+          </a:effectRef>
+          <a:fontRef idx="minor">
+            <a:schemeClr val="tx1"/>
+          </a:fontRef>
+        </p:style>
+      </p:cxnSp>
+      <p:sp>
+        <p:nvSpPr>
+          <p:cNvPr id="59" name="사각형: 둥근 모서리 58">
+            <a:extLst>
+              <a:ext uri="{FF2B5EF4-FFF2-40B4-BE49-F238E27FC236}">
+                <a16:creationId xmlns:a16="http://schemas.microsoft.com/office/drawing/2014/main" id="{E33B40F0-CC59-474A-AA88-C53B1A538582}"/>
+              </a:ext>
+            </a:extLst>
+          </p:cNvPr>
+          <p:cNvSpPr/>
+          <p:nvPr/>
+        </p:nvSpPr>
+        <p:spPr>
+          <a:xfrm>
+            <a:off x="3830855" y="3048007"/>
+            <a:ext cx="1797468" cy="272578"/>
+          </a:xfrm>
+          <a:prstGeom prst="roundRect">
+            <a:avLst>
+              <a:gd name="adj" fmla="val 15087"/>
+            </a:avLst>
+          </a:prstGeom>
+        </p:spPr>
+        <p:style>
+          <a:lnRef idx="2">
+            <a:schemeClr val="dk1"/>
+          </a:lnRef>
+          <a:fillRef idx="1">
+            <a:schemeClr val="lt1"/>
+          </a:fillRef>
+          <a:effectRef idx="0">
+            <a:schemeClr val="dk1"/>
+          </a:effectRef>
+          <a:fontRef idx="minor">
+            <a:schemeClr val="dk1"/>
+          </a:fontRef>
+        </p:style>
+        <p:txBody>
+          <a:bodyPr rtlCol="0" anchor="ctr"/>
+          <a:lstStyle/>
+          <a:p>
+            <a:pPr algn="ctr"/>
+            <a:r>
+              <a:rPr lang="en-US" altLang="ko-KR" sz="1200"/>
+              <a:t>Routing Table</a:t>
+            </a:r>
+          </a:p>
+        </p:txBody>
+      </p:sp>
+      <p:cxnSp>
+        <p:nvCxnSpPr>
+          <p:cNvPr id="60" name="직선 화살표 연결선 59">
+            <a:extLst>
+              <a:ext uri="{FF2B5EF4-FFF2-40B4-BE49-F238E27FC236}">
+                <a16:creationId xmlns:a16="http://schemas.microsoft.com/office/drawing/2014/main" id="{25BD1BBC-C8BF-4BDA-92FD-8FB7DD99CF6D}"/>
+              </a:ext>
+            </a:extLst>
+          </p:cNvPr>
+          <p:cNvCxnSpPr>
+            <a:cxnSpLocks/>
+            <a:stCxn id="44" idx="3"/>
+            <a:endCxn id="59" idx="1"/>
+          </p:cNvCxnSpPr>
+          <p:nvPr/>
+        </p:nvCxnSpPr>
+        <p:spPr>
+          <a:xfrm>
+            <a:off x="3418507" y="3184296"/>
+            <a:ext cx="412348" cy="0"/>
+          </a:xfrm>
+          <a:prstGeom prst="straightConnector1">
+            <a:avLst/>
+          </a:prstGeom>
+          <a:ln w="28575">
+            <a:solidFill>
+              <a:schemeClr val="accent3">
+                <a:lumMod val="50000"/>
+              </a:schemeClr>
+            </a:solidFill>
+            <a:tailEnd type="arrow"/>
+          </a:ln>
+        </p:spPr>
+        <p:style>
+          <a:lnRef idx="1">
+            <a:schemeClr val="accent1"/>
+          </a:lnRef>
+          <a:fillRef idx="0">
+            <a:schemeClr val="accent1"/>
+          </a:fillRef>
+          <a:effectRef idx="0">
+            <a:schemeClr val="accent1"/>
+          </a:effectRef>
+          <a:fontRef idx="minor">
+            <a:schemeClr val="tx1"/>
+          </a:fontRef>
+        </p:style>
+      </p:cxnSp>
+      <p:cxnSp>
+        <p:nvCxnSpPr>
+          <p:cNvPr id="65" name="직선 화살표 연결선 64">
+            <a:extLst>
+              <a:ext uri="{FF2B5EF4-FFF2-40B4-BE49-F238E27FC236}">
+                <a16:creationId xmlns:a16="http://schemas.microsoft.com/office/drawing/2014/main" id="{95D75E12-2CF2-4604-8E3B-422E896E5B81}"/>
+              </a:ext>
+            </a:extLst>
+          </p:cNvPr>
+          <p:cNvCxnSpPr>
+            <a:cxnSpLocks/>
+            <a:stCxn id="52" idx="1"/>
+            <a:endCxn id="59" idx="3"/>
+          </p:cNvCxnSpPr>
+          <p:nvPr/>
+        </p:nvCxnSpPr>
+        <p:spPr>
+          <a:xfrm flipH="1">
+            <a:off x="5628323" y="3184296"/>
+            <a:ext cx="313194" cy="0"/>
+          </a:xfrm>
+          <a:prstGeom prst="straightConnector1">
+            <a:avLst/>
+          </a:prstGeom>
+          <a:ln w="28575">
+            <a:solidFill>
+              <a:schemeClr val="accent3">
+                <a:lumMod val="50000"/>
+              </a:schemeClr>
+            </a:solidFill>
+            <a:tailEnd type="arrow"/>
+          </a:ln>
+        </p:spPr>
+        <p:style>
+          <a:lnRef idx="1">
+            <a:schemeClr val="accent1"/>
+          </a:lnRef>
+          <a:fillRef idx="0">
+            <a:schemeClr val="accent1"/>
+          </a:fillRef>
+          <a:effectRef idx="0">
+            <a:schemeClr val="accent1"/>
+          </a:effectRef>
+          <a:fontRef idx="minor">
+            <a:schemeClr val="tx1"/>
+          </a:fontRef>
+        </p:style>
+      </p:cxnSp>
+      <p:sp>
+        <p:nvSpPr>
+          <p:cNvPr id="68" name="사각형: 둥근 모서리 67">
+            <a:extLst>
+              <a:ext uri="{FF2B5EF4-FFF2-40B4-BE49-F238E27FC236}">
+                <a16:creationId xmlns:a16="http://schemas.microsoft.com/office/drawing/2014/main" id="{4A3C5A43-9B60-48BA-8FAE-AB246B772EC2}"/>
+              </a:ext>
+            </a:extLst>
+          </p:cNvPr>
+          <p:cNvSpPr/>
+          <p:nvPr/>
+        </p:nvSpPr>
+        <p:spPr>
+          <a:xfrm>
+            <a:off x="1621039" y="3601658"/>
+            <a:ext cx="1797468" cy="272578"/>
+          </a:xfrm>
+          <a:prstGeom prst="roundRect">
+            <a:avLst>
+              <a:gd name="adj" fmla="val 15087"/>
+            </a:avLst>
+          </a:prstGeom>
+          <a:ln>
+            <a:solidFill>
+              <a:schemeClr val="tx2"/>
+            </a:solidFill>
+          </a:ln>
+        </p:spPr>
+        <p:style>
+          <a:lnRef idx="2">
+            <a:schemeClr val="dk1"/>
+          </a:lnRef>
+          <a:fillRef idx="1">
+            <a:schemeClr val="lt1"/>
+          </a:fillRef>
+          <a:effectRef idx="0">
+            <a:schemeClr val="dk1"/>
+          </a:effectRef>
+          <a:fontRef idx="minor">
+            <a:schemeClr val="dk1"/>
+          </a:fontRef>
+        </p:style>
+        <p:txBody>
+          <a:bodyPr rtlCol="0" anchor="ctr"/>
+          <a:lstStyle/>
+          <a:p>
+            <a:pPr algn="ctr"/>
+            <a:r>
+              <a:rPr lang="en-US" altLang="ko-KR" sz="1200">
+                <a:solidFill>
+                  <a:schemeClr val="tx2"/>
+                </a:solidFill>
+              </a:rPr>
+              <a:t>POSTROUTING</a:t>
+            </a:r>
+          </a:p>
+        </p:txBody>
+      </p:sp>
+      <p:sp>
+        <p:nvSpPr>
+          <p:cNvPr id="69" name="사각형: 둥근 모서리 68">
+            <a:extLst>
+              <a:ext uri="{FF2B5EF4-FFF2-40B4-BE49-F238E27FC236}">
+                <a16:creationId xmlns:a16="http://schemas.microsoft.com/office/drawing/2014/main" id="{F1BFD606-EF93-423C-8979-4AE50B68E33C}"/>
+              </a:ext>
+            </a:extLst>
+          </p:cNvPr>
+          <p:cNvSpPr/>
+          <p:nvPr/>
+        </p:nvSpPr>
+        <p:spPr>
+          <a:xfrm>
+            <a:off x="3830855" y="3606673"/>
+            <a:ext cx="1797468" cy="272578"/>
+          </a:xfrm>
+          <a:prstGeom prst="roundRect">
+            <a:avLst>
+              <a:gd name="adj" fmla="val 15087"/>
+            </a:avLst>
+          </a:prstGeom>
+          <a:ln>
+            <a:solidFill>
+              <a:schemeClr val="tx2"/>
+            </a:solidFill>
+          </a:ln>
+        </p:spPr>
+        <p:style>
+          <a:lnRef idx="2">
+            <a:schemeClr val="dk1"/>
+          </a:lnRef>
+          <a:fillRef idx="1">
+            <a:schemeClr val="lt1"/>
+          </a:fillRef>
+          <a:effectRef idx="0">
+            <a:schemeClr val="dk1"/>
+          </a:effectRef>
+          <a:fontRef idx="minor">
+            <a:schemeClr val="dk1"/>
+          </a:fontRef>
+        </p:style>
+        <p:txBody>
+          <a:bodyPr rtlCol="0" anchor="ctr"/>
+          <a:lstStyle/>
+          <a:p>
+            <a:pPr algn="ctr"/>
+            <a:r>
+              <a:rPr lang="en-US" altLang="ko-KR" sz="1200" b="1">
+                <a:solidFill>
+                  <a:schemeClr val="tx2"/>
+                </a:solidFill>
+              </a:rPr>
+              <a:t>KUBE-POSTROUTING</a:t>
+            </a:r>
+            <a:endParaRPr lang="ko-KR" altLang="en-US" sz="1200" b="1">
+              <a:solidFill>
+                <a:schemeClr val="tx2"/>
+              </a:solidFill>
+            </a:endParaRPr>
+          </a:p>
+        </p:txBody>
+      </p:sp>
+      <p:cxnSp>
+        <p:nvCxnSpPr>
+          <p:cNvPr id="70" name="직선 화살표 연결선 69">
+            <a:extLst>
+              <a:ext uri="{FF2B5EF4-FFF2-40B4-BE49-F238E27FC236}">
+                <a16:creationId xmlns:a16="http://schemas.microsoft.com/office/drawing/2014/main" id="{2053BE6F-B8CD-4760-8C54-B7BD87CB4BE8}"/>
+              </a:ext>
+            </a:extLst>
+          </p:cNvPr>
+          <p:cNvCxnSpPr>
+            <a:cxnSpLocks/>
+          </p:cNvCxnSpPr>
+          <p:nvPr/>
+        </p:nvCxnSpPr>
+        <p:spPr>
+          <a:xfrm flipH="1">
+            <a:off x="2363992" y="3320585"/>
+            <a:ext cx="2210498" cy="281073"/>
+          </a:xfrm>
+          <a:prstGeom prst="straightConnector1">
+            <a:avLst/>
+          </a:prstGeom>
+          <a:ln w="28575">
+            <a:solidFill>
+              <a:schemeClr val="tx1"/>
+            </a:solidFill>
+            <a:tailEnd type="arrow"/>
+          </a:ln>
+        </p:spPr>
+        <p:style>
+          <a:lnRef idx="1">
+            <a:schemeClr val="accent1"/>
+          </a:lnRef>
+          <a:fillRef idx="0">
+            <a:schemeClr val="accent1"/>
+          </a:fillRef>
+          <a:effectRef idx="0">
+            <a:schemeClr val="accent1"/>
+          </a:effectRef>
+          <a:fontRef idx="minor">
+            <a:schemeClr val="tx1"/>
+          </a:fontRef>
+        </p:style>
+      </p:cxnSp>
+      <p:cxnSp>
+        <p:nvCxnSpPr>
+          <p:cNvPr id="73" name="직선 화살표 연결선 72">
+            <a:extLst>
+              <a:ext uri="{FF2B5EF4-FFF2-40B4-BE49-F238E27FC236}">
+                <a16:creationId xmlns:a16="http://schemas.microsoft.com/office/drawing/2014/main" id="{E0ECBA20-7ADA-4A87-8F8A-7833EAD3E4F8}"/>
+              </a:ext>
+            </a:extLst>
+          </p:cNvPr>
+          <p:cNvCxnSpPr>
+            <a:cxnSpLocks/>
+            <a:stCxn id="68" idx="3"/>
+            <a:endCxn id="69" idx="1"/>
+          </p:cNvCxnSpPr>
+          <p:nvPr/>
+        </p:nvCxnSpPr>
+        <p:spPr>
+          <a:xfrm>
+            <a:off x="3418507" y="3737947"/>
+            <a:ext cx="412348" cy="5015"/>
+          </a:xfrm>
+          <a:prstGeom prst="straightConnector1">
+            <a:avLst/>
+          </a:prstGeom>
+          <a:ln w="28575">
+            <a:solidFill>
+              <a:schemeClr val="tx1"/>
+            </a:solidFill>
+            <a:tailEnd type="arrow"/>
+          </a:ln>
+        </p:spPr>
+        <p:style>
+          <a:lnRef idx="1">
+            <a:schemeClr val="accent1"/>
+          </a:lnRef>
+          <a:fillRef idx="0">
+            <a:schemeClr val="accent1"/>
+          </a:fillRef>
+          <a:effectRef idx="0">
+            <a:schemeClr val="accent1"/>
+          </a:effectRef>
+          <a:fontRef idx="minor">
+            <a:schemeClr val="tx1"/>
+          </a:fontRef>
+        </p:style>
+      </p:cxnSp>
+      <p:cxnSp>
+        <p:nvCxnSpPr>
+          <p:cNvPr id="98" name="직선 화살표 연결선 97">
+            <a:extLst>
+              <a:ext uri="{FF2B5EF4-FFF2-40B4-BE49-F238E27FC236}">
+                <a16:creationId xmlns:a16="http://schemas.microsoft.com/office/drawing/2014/main" id="{CE1E4AE7-5A8F-4454-A95F-F9104ED9E274}"/>
+              </a:ext>
+            </a:extLst>
+          </p:cNvPr>
+          <p:cNvCxnSpPr>
+            <a:cxnSpLocks/>
+            <a:stCxn id="51" idx="2"/>
+            <a:endCxn id="59" idx="0"/>
+          </p:cNvCxnSpPr>
+          <p:nvPr/>
+        </p:nvCxnSpPr>
+        <p:spPr>
+          <a:xfrm flipH="1">
+            <a:off x="4729589" y="2768665"/>
+            <a:ext cx="2110662" cy="279342"/>
+          </a:xfrm>
+          <a:prstGeom prst="straightConnector1">
+            <a:avLst/>
+          </a:prstGeom>
+          <a:ln w="28575">
+            <a:solidFill>
+              <a:srgbClr val="C00000"/>
+            </a:solidFill>
+            <a:tailEnd type="arrow"/>
+          </a:ln>
+        </p:spPr>
+        <p:style>
+          <a:lnRef idx="1">
+            <a:schemeClr val="accent1"/>
+          </a:lnRef>
+          <a:fillRef idx="0">
+            <a:schemeClr val="accent1"/>
+          </a:fillRef>
+          <a:effectRef idx="0">
+            <a:schemeClr val="accent1"/>
+          </a:effectRef>
+          <a:fontRef idx="minor">
+            <a:schemeClr val="tx1"/>
+          </a:fontRef>
+        </p:style>
+      </p:cxnSp>
+      <p:sp>
+        <p:nvSpPr>
+          <p:cNvPr id="62" name="자유형: 도형 61">
+            <a:extLst>
+              <a:ext uri="{FF2B5EF4-FFF2-40B4-BE49-F238E27FC236}">
+                <a16:creationId xmlns:a16="http://schemas.microsoft.com/office/drawing/2014/main" id="{EE01B692-1C4C-4BB4-886F-C319BF079EC1}"/>
+              </a:ext>
+            </a:extLst>
+          </p:cNvPr>
+          <p:cNvSpPr/>
+          <p:nvPr/>
+        </p:nvSpPr>
+        <p:spPr>
+          <a:xfrm>
+            <a:off x="5628322" y="1971501"/>
+            <a:ext cx="112999" cy="1701080"/>
+          </a:xfrm>
+          <a:custGeom>
+            <a:avLst/>
+            <a:gdLst>
+              <a:gd name="connsiteX0" fmla="*/ 0 w 152400"/>
+              <a:gd name="connsiteY0" fmla="*/ 1760220 h 1760220"/>
+              <a:gd name="connsiteX1" fmla="*/ 152400 w 152400"/>
+              <a:gd name="connsiteY1" fmla="*/ 1760220 h 1760220"/>
+              <a:gd name="connsiteX2" fmla="*/ 152400 w 152400"/>
+              <a:gd name="connsiteY2" fmla="*/ 0 h 1760220"/>
+              <a:gd name="connsiteX3" fmla="*/ 7620 w 152400"/>
+              <a:gd name="connsiteY3" fmla="*/ 0 h 1760220"/>
+            </a:gdLst>
+            <a:ahLst/>
+            <a:cxnLst>
+              <a:cxn ang="0">
+                <a:pos x="connsiteX0" y="connsiteY0"/>
+              </a:cxn>
+              <a:cxn ang="0">
+                <a:pos x="connsiteX1" y="connsiteY1"/>
+              </a:cxn>
+              <a:cxn ang="0">
+                <a:pos x="connsiteX2" y="connsiteY2"/>
+              </a:cxn>
+              <a:cxn ang="0">
+                <a:pos x="connsiteX3" y="connsiteY3"/>
+              </a:cxn>
+            </a:cxnLst>
+            <a:rect l="l" t="t" r="r" b="b"/>
+            <a:pathLst>
+              <a:path w="152400" h="1760220">
+                <a:moveTo>
+                  <a:pt x="0" y="1760220"/>
+                </a:moveTo>
+                <a:lnTo>
+                  <a:pt x="152400" y="1760220"/>
+                </a:lnTo>
+                <a:lnTo>
+                  <a:pt x="152400" y="0"/>
+                </a:lnTo>
+                <a:lnTo>
+                  <a:pt x="7620" y="0"/>
+                </a:lnTo>
+              </a:path>
+            </a:pathLst>
+          </a:custGeom>
+          <a:noFill/>
+          <a:ln w="28575">
+            <a:solidFill>
+              <a:schemeClr val="tx1"/>
+            </a:solidFill>
+            <a:headEnd type="none" w="med" len="med"/>
+            <a:tailEnd type="arrow" w="med" len="med"/>
+          </a:ln>
+        </p:spPr>
+        <p:style>
+          <a:lnRef idx="2">
+            <a:schemeClr val="accent1">
+              <a:shade val="50000"/>
+            </a:schemeClr>
+          </a:lnRef>
+          <a:fillRef idx="1">
+            <a:schemeClr val="accent1"/>
+          </a:fillRef>
+          <a:effectRef idx="0">
+            <a:schemeClr val="accent1"/>
+          </a:effectRef>
+          <a:fontRef idx="minor">
+            <a:schemeClr val="lt1"/>
+          </a:fontRef>
+        </p:style>
+        <p:txBody>
+          <a:bodyPr rtlCol="0" anchor="ctr"/>
+          <a:lstStyle/>
+          <a:p>
+            <a:pPr algn="ctr"/>
+            <a:endParaRPr lang="ko-KR" altLang="en-US"/>
+          </a:p>
+        </p:txBody>
+      </p:sp>
+      <p:cxnSp>
+        <p:nvCxnSpPr>
+          <p:cNvPr id="108" name="직선 화살표 연결선 107">
+            <a:extLst>
+              <a:ext uri="{FF2B5EF4-FFF2-40B4-BE49-F238E27FC236}">
+                <a16:creationId xmlns:a16="http://schemas.microsoft.com/office/drawing/2014/main" id="{315FFA37-8291-4AE6-8D06-066A4B8C556F}"/>
+              </a:ext>
+            </a:extLst>
+          </p:cNvPr>
+          <p:cNvCxnSpPr>
+            <a:cxnSpLocks/>
+          </p:cNvCxnSpPr>
+          <p:nvPr/>
+        </p:nvCxnSpPr>
+        <p:spPr>
+          <a:xfrm flipH="1">
+            <a:off x="4819966" y="2220317"/>
+            <a:ext cx="1" cy="212625"/>
+          </a:xfrm>
+          <a:prstGeom prst="straightConnector1">
+            <a:avLst/>
+          </a:prstGeom>
+          <a:ln w="28575">
+            <a:solidFill>
+              <a:schemeClr val="accent6">
+                <a:lumMod val="75000"/>
+              </a:schemeClr>
+            </a:solidFill>
+            <a:tailEnd type="arrow"/>
+          </a:ln>
+        </p:spPr>
+        <p:style>
+          <a:lnRef idx="1">
+            <a:schemeClr val="accent1"/>
+          </a:lnRef>
+          <a:fillRef idx="0">
+            <a:schemeClr val="accent1"/>
+          </a:fillRef>
+          <a:effectRef idx="0">
+            <a:schemeClr val="accent1"/>
+          </a:effectRef>
+          <a:fontRef idx="minor">
+            <a:schemeClr val="tx1"/>
+          </a:fontRef>
+        </p:style>
+      </p:cxnSp>
+      <p:cxnSp>
+        <p:nvCxnSpPr>
+          <p:cNvPr id="109" name="직선 화살표 연결선 108">
+            <a:extLst>
+              <a:ext uri="{FF2B5EF4-FFF2-40B4-BE49-F238E27FC236}">
+                <a16:creationId xmlns:a16="http://schemas.microsoft.com/office/drawing/2014/main" id="{014DD693-CBCD-4AFD-85A0-D1D0B2C90D49}"/>
+              </a:ext>
+            </a:extLst>
+          </p:cNvPr>
+          <p:cNvCxnSpPr>
+            <a:cxnSpLocks/>
+            <a:stCxn id="91" idx="3"/>
+            <a:endCxn id="51" idx="1"/>
+          </p:cNvCxnSpPr>
+          <p:nvPr/>
+        </p:nvCxnSpPr>
+        <p:spPr>
+          <a:xfrm>
+            <a:off x="5629005" y="2569231"/>
+            <a:ext cx="312512" cy="0"/>
+          </a:xfrm>
+          <a:prstGeom prst="straightConnector1">
+            <a:avLst/>
+          </a:prstGeom>
+          <a:ln w="28575">
+            <a:solidFill>
+              <a:srgbClr val="C00000"/>
+            </a:solidFill>
+            <a:tailEnd type="arrow"/>
+          </a:ln>
+        </p:spPr>
+        <p:style>
+          <a:lnRef idx="1">
+            <a:schemeClr val="accent1"/>
+          </a:lnRef>
+          <a:fillRef idx="0">
+            <a:schemeClr val="accent1"/>
+          </a:fillRef>
+          <a:effectRef idx="0">
+            <a:schemeClr val="accent1"/>
+          </a:effectRef>
+          <a:fontRef idx="minor">
+            <a:schemeClr val="tx1"/>
+          </a:fontRef>
+        </p:style>
+      </p:cxnSp>
+      <p:cxnSp>
+        <p:nvCxnSpPr>
+          <p:cNvPr id="116" name="직선 화살표 연결선 115">
+            <a:extLst>
+              <a:ext uri="{FF2B5EF4-FFF2-40B4-BE49-F238E27FC236}">
+                <a16:creationId xmlns:a16="http://schemas.microsoft.com/office/drawing/2014/main" id="{40011AB1-6AEE-47EF-B4FD-908539407507}"/>
+              </a:ext>
+            </a:extLst>
+          </p:cNvPr>
+          <p:cNvCxnSpPr>
+            <a:cxnSpLocks/>
+          </p:cNvCxnSpPr>
+          <p:nvPr/>
+        </p:nvCxnSpPr>
+        <p:spPr>
+          <a:xfrm flipH="1">
+            <a:off x="2688104" y="3320585"/>
+            <a:ext cx="2209816" cy="281073"/>
+          </a:xfrm>
+          <a:prstGeom prst="straightConnector1">
+            <a:avLst/>
+          </a:prstGeom>
+          <a:ln w="28575">
+            <a:solidFill>
+              <a:schemeClr val="accent6">
+                <a:lumMod val="75000"/>
+              </a:schemeClr>
+            </a:solidFill>
+            <a:tailEnd type="arrow"/>
+          </a:ln>
+        </p:spPr>
+        <p:style>
+          <a:lnRef idx="1">
+            <a:schemeClr val="accent1"/>
+          </a:lnRef>
+          <a:fillRef idx="0">
+            <a:schemeClr val="accent1"/>
+          </a:fillRef>
+          <a:effectRef idx="0">
+            <a:schemeClr val="accent1"/>
+          </a:effectRef>
+          <a:fontRef idx="minor">
+            <a:schemeClr val="tx1"/>
+          </a:fontRef>
+        </p:style>
+      </p:cxnSp>
+      <p:cxnSp>
+        <p:nvCxnSpPr>
+          <p:cNvPr id="118" name="직선 화살표 연결선 117">
+            <a:extLst>
+              <a:ext uri="{FF2B5EF4-FFF2-40B4-BE49-F238E27FC236}">
+                <a16:creationId xmlns:a16="http://schemas.microsoft.com/office/drawing/2014/main" id="{7919CB0C-D18E-4208-9BA9-3775652031EF}"/>
+              </a:ext>
+            </a:extLst>
+          </p:cNvPr>
+          <p:cNvCxnSpPr>
+            <a:cxnSpLocks/>
+          </p:cNvCxnSpPr>
+          <p:nvPr/>
+        </p:nvCxnSpPr>
+        <p:spPr>
+          <a:xfrm>
+            <a:off x="4729589" y="4011910"/>
+            <a:ext cx="0" cy="137169"/>
+          </a:xfrm>
+          <a:prstGeom prst="straightConnector1">
+            <a:avLst/>
+          </a:prstGeom>
+          <a:ln w="28575">
+            <a:solidFill>
+              <a:schemeClr val="accent6">
+                <a:lumMod val="75000"/>
+              </a:schemeClr>
+            </a:solidFill>
+            <a:tailEnd type="arrow"/>
+          </a:ln>
+        </p:spPr>
+        <p:style>
+          <a:lnRef idx="1">
+            <a:schemeClr val="accent1"/>
+          </a:lnRef>
+          <a:fillRef idx="0">
+            <a:schemeClr val="accent1"/>
+          </a:fillRef>
+          <a:effectRef idx="0">
+            <a:schemeClr val="accent1"/>
+          </a:effectRef>
+          <a:fontRef idx="minor">
+            <a:schemeClr val="tx1"/>
+          </a:fontRef>
+        </p:style>
+      </p:cxnSp>
+      <p:cxnSp>
+        <p:nvCxnSpPr>
+          <p:cNvPr id="54" name="직선 화살표 연결선 53">
+            <a:extLst>
+              <a:ext uri="{FF2B5EF4-FFF2-40B4-BE49-F238E27FC236}">
+                <a16:creationId xmlns:a16="http://schemas.microsoft.com/office/drawing/2014/main" id="{CB0C958C-F3EB-4DFC-AA04-68A5F8C84441}"/>
+              </a:ext>
+            </a:extLst>
+          </p:cNvPr>
+          <p:cNvCxnSpPr>
+            <a:cxnSpLocks/>
+            <a:stCxn id="41" idx="2"/>
+            <a:endCxn id="59" idx="0"/>
+          </p:cNvCxnSpPr>
+          <p:nvPr/>
+        </p:nvCxnSpPr>
+        <p:spPr>
+          <a:xfrm>
+            <a:off x="2519773" y="2768665"/>
+            <a:ext cx="2209816" cy="279342"/>
+          </a:xfrm>
+          <a:prstGeom prst="straightConnector1">
+            <a:avLst/>
+          </a:prstGeom>
+          <a:ln w="28575">
+            <a:solidFill>
+              <a:srgbClr val="C00000"/>
+            </a:solidFill>
+            <a:tailEnd type="arrow"/>
+          </a:ln>
+        </p:spPr>
+        <p:style>
+          <a:lnRef idx="1">
+            <a:schemeClr val="accent1"/>
+          </a:lnRef>
+          <a:fillRef idx="0">
+            <a:schemeClr val="accent1"/>
+          </a:fillRef>
+          <a:effectRef idx="0">
+            <a:schemeClr val="accent1"/>
+          </a:effectRef>
+          <a:fontRef idx="minor">
+            <a:schemeClr val="tx1"/>
+          </a:fontRef>
+        </p:style>
+      </p:cxnSp>
+      <p:sp>
+        <p:nvSpPr>
+          <p:cNvPr id="55" name="자유형: 도형 54">
+            <a:extLst>
+              <a:ext uri="{FF2B5EF4-FFF2-40B4-BE49-F238E27FC236}">
+                <a16:creationId xmlns:a16="http://schemas.microsoft.com/office/drawing/2014/main" id="{7D7FB2F7-FC20-4B0E-A7FC-4E98E6E5E45E}"/>
+              </a:ext>
+            </a:extLst>
+          </p:cNvPr>
+          <p:cNvSpPr/>
+          <p:nvPr/>
+        </p:nvSpPr>
+        <p:spPr>
+          <a:xfrm flipH="1">
+            <a:off x="1472012" y="1971501"/>
+            <a:ext cx="156762" cy="1212796"/>
+          </a:xfrm>
+          <a:custGeom>
+            <a:avLst/>
+            <a:gdLst>
+              <a:gd name="connsiteX0" fmla="*/ 0 w 152400"/>
+              <a:gd name="connsiteY0" fmla="*/ 1760220 h 1760220"/>
+              <a:gd name="connsiteX1" fmla="*/ 152400 w 152400"/>
+              <a:gd name="connsiteY1" fmla="*/ 1760220 h 1760220"/>
+              <a:gd name="connsiteX2" fmla="*/ 152400 w 152400"/>
+              <a:gd name="connsiteY2" fmla="*/ 0 h 1760220"/>
+              <a:gd name="connsiteX3" fmla="*/ 7620 w 152400"/>
+              <a:gd name="connsiteY3" fmla="*/ 0 h 1760220"/>
+            </a:gdLst>
+            <a:ahLst/>
+            <a:cxnLst>
+              <a:cxn ang="0">
+                <a:pos x="connsiteX0" y="connsiteY0"/>
+              </a:cxn>
+              <a:cxn ang="0">
+                <a:pos x="connsiteX1" y="connsiteY1"/>
+              </a:cxn>
+              <a:cxn ang="0">
+                <a:pos x="connsiteX2" y="connsiteY2"/>
+              </a:cxn>
+              <a:cxn ang="0">
+                <a:pos x="connsiteX3" y="connsiteY3"/>
+              </a:cxn>
+            </a:cxnLst>
+            <a:rect l="l" t="t" r="r" b="b"/>
+            <a:pathLst>
+              <a:path w="152400" h="1760220">
+                <a:moveTo>
+                  <a:pt x="0" y="1760220"/>
+                </a:moveTo>
+                <a:lnTo>
+                  <a:pt x="152400" y="1760220"/>
+                </a:lnTo>
+                <a:lnTo>
+                  <a:pt x="152400" y="0"/>
+                </a:lnTo>
+                <a:lnTo>
+                  <a:pt x="7620" y="0"/>
+                </a:lnTo>
+              </a:path>
+            </a:pathLst>
+          </a:custGeom>
+          <a:noFill/>
+          <a:ln w="28575">
+            <a:solidFill>
+              <a:schemeClr val="accent3">
+                <a:lumMod val="50000"/>
+              </a:schemeClr>
+            </a:solidFill>
+            <a:headEnd type="arrow" w="med" len="med"/>
+            <a:tailEnd type="none" w="med" len="med"/>
+          </a:ln>
+        </p:spPr>
+        <p:style>
+          <a:lnRef idx="2">
+            <a:schemeClr val="accent1">
+              <a:shade val="50000"/>
+            </a:schemeClr>
+          </a:lnRef>
+          <a:fillRef idx="1">
+            <a:schemeClr val="accent1"/>
+          </a:fillRef>
+          <a:effectRef idx="0">
+            <a:schemeClr val="accent1"/>
+          </a:effectRef>
+          <a:fontRef idx="minor">
+            <a:schemeClr val="lt1"/>
+          </a:fontRef>
+        </p:style>
+        <p:txBody>
+          <a:bodyPr rtlCol="0" anchor="ctr"/>
+          <a:lstStyle/>
+          <a:p>
+            <a:pPr algn="ctr"/>
+            <a:endParaRPr lang="ko-KR" altLang="en-US"/>
+          </a:p>
+        </p:txBody>
+      </p:sp>
+      <p:cxnSp>
+        <p:nvCxnSpPr>
+          <p:cNvPr id="63" name="직선 화살표 연결선 62">
+            <a:extLst>
+              <a:ext uri="{FF2B5EF4-FFF2-40B4-BE49-F238E27FC236}">
+                <a16:creationId xmlns:a16="http://schemas.microsoft.com/office/drawing/2014/main" id="{578F2765-3868-4A57-B08D-B574FD2D7F81}"/>
+              </a:ext>
+            </a:extLst>
+          </p:cNvPr>
+          <p:cNvCxnSpPr>
+            <a:cxnSpLocks/>
+            <a:stCxn id="91" idx="2"/>
+            <a:endCxn id="59" idx="0"/>
+          </p:cNvCxnSpPr>
+          <p:nvPr/>
+        </p:nvCxnSpPr>
+        <p:spPr>
+          <a:xfrm flipH="1">
+            <a:off x="4729589" y="2705520"/>
+            <a:ext cx="682" cy="342487"/>
+          </a:xfrm>
+          <a:prstGeom prst="straightConnector1">
+            <a:avLst/>
+          </a:prstGeom>
+          <a:ln w="28575">
+            <a:solidFill>
+              <a:schemeClr val="accent6">
+                <a:lumMod val="75000"/>
+              </a:schemeClr>
+            </a:solidFill>
+            <a:tailEnd type="arrow"/>
+          </a:ln>
+        </p:spPr>
+        <p:style>
+          <a:lnRef idx="1">
+            <a:schemeClr val="accent1"/>
+          </a:lnRef>
+          <a:fillRef idx="0">
+            <a:schemeClr val="accent1"/>
+          </a:fillRef>
+          <a:effectRef idx="0">
+            <a:schemeClr val="accent1"/>
+          </a:effectRef>
+          <a:fontRef idx="minor">
+            <a:schemeClr val="tx1"/>
+          </a:fontRef>
+        </p:style>
+      </p:cxnSp>
+      <p:grpSp>
+        <p:nvGrpSpPr>
+          <p:cNvPr id="88" name="그룹 87">
+            <a:extLst>
+              <a:ext uri="{FF2B5EF4-FFF2-40B4-BE49-F238E27FC236}">
+                <a16:creationId xmlns:a16="http://schemas.microsoft.com/office/drawing/2014/main" id="{ADECA633-5C4B-4C80-9051-5A8E110867CD}"/>
+              </a:ext>
+            </a:extLst>
+          </p:cNvPr>
+          <p:cNvGrpSpPr/>
+          <p:nvPr/>
+        </p:nvGrpSpPr>
+        <p:grpSpPr>
+          <a:xfrm>
+            <a:off x="5761780" y="4659982"/>
+            <a:ext cx="1258492" cy="276999"/>
+            <a:chOff x="6447669" y="4755407"/>
+            <a:chExt cx="1258492" cy="276999"/>
+          </a:xfrm>
+        </p:grpSpPr>
+        <p:cxnSp>
+          <p:nvCxnSpPr>
+            <p:cNvPr id="92" name="직선 화살표 연결선 91">
+              <a:extLst>
+                <a:ext uri="{FF2B5EF4-FFF2-40B4-BE49-F238E27FC236}">
+                  <a16:creationId xmlns:a16="http://schemas.microsoft.com/office/drawing/2014/main" id="{15DAF2FD-7F9E-42AD-8AC2-0FC66206527E}"/>
+                </a:ext>
+              </a:extLst>
+            </p:cNvPr>
+            <p:cNvCxnSpPr>
+              <a:cxnSpLocks/>
+            </p:cNvCxnSpPr>
+            <p:nvPr/>
+          </p:nvCxnSpPr>
+          <p:spPr>
+            <a:xfrm>
+              <a:off x="6447669" y="4898028"/>
+              <a:ext cx="284571" cy="0"/>
+            </a:xfrm>
+            <a:prstGeom prst="straightConnector1">
+              <a:avLst/>
+            </a:prstGeom>
+            <a:ln w="28575">
+              <a:solidFill>
+                <a:schemeClr val="accent6">
+                  <a:lumMod val="75000"/>
+                </a:schemeClr>
+              </a:solidFill>
+              <a:tailEnd type="arrow"/>
+            </a:ln>
+          </p:spPr>
+          <p:style>
+            <a:lnRef idx="1">
+              <a:schemeClr val="accent1"/>
+            </a:lnRef>
+            <a:fillRef idx="0">
+              <a:schemeClr val="accent1"/>
+            </a:fillRef>
+            <a:effectRef idx="0">
+              <a:schemeClr val="accent1"/>
+            </a:effectRef>
+            <a:fontRef idx="minor">
+              <a:schemeClr val="tx1"/>
+            </a:fontRef>
+          </p:style>
+        </p:cxnSp>
+        <p:sp>
+          <p:nvSpPr>
+            <p:cNvPr id="99" name="TextBox 98">
+              <a:extLst>
+                <a:ext uri="{FF2B5EF4-FFF2-40B4-BE49-F238E27FC236}">
+                  <a16:creationId xmlns:a16="http://schemas.microsoft.com/office/drawing/2014/main" id="{5D45A905-067B-4884-A271-EB61E46D5388}"/>
+                </a:ext>
+              </a:extLst>
+            </p:cNvPr>
+            <p:cNvSpPr txBox="1"/>
+            <p:nvPr/>
+          </p:nvSpPr>
+          <p:spPr>
+            <a:xfrm>
+              <a:off x="6732240" y="4755407"/>
+              <a:ext cx="973921" cy="276999"/>
+            </a:xfrm>
+            <a:prstGeom prst="rect">
+              <a:avLst/>
+            </a:prstGeom>
+            <a:noFill/>
+          </p:spPr>
+          <p:txBody>
+            <a:bodyPr wrap="none" rtlCol="0">
+              <a:spAutoFit/>
+            </a:bodyPr>
+            <a:lstStyle/>
+            <a:p>
+              <a:r>
+                <a:rPr lang="en-US" altLang="ko-KR" sz="1200"/>
+                <a:t>kube-proxy</a:t>
+              </a:r>
+              <a:endParaRPr lang="ko-KR" altLang="en-US" sz="1200"/>
+            </a:p>
+          </p:txBody>
+        </p:sp>
+      </p:grpSp>
+      <p:grpSp>
+        <p:nvGrpSpPr>
+          <p:cNvPr id="131" name="그룹 130">
+            <a:extLst>
+              <a:ext uri="{FF2B5EF4-FFF2-40B4-BE49-F238E27FC236}">
+                <a16:creationId xmlns:a16="http://schemas.microsoft.com/office/drawing/2014/main" id="{10E14AF2-7C79-4DF1-9589-1F08BC0543BC}"/>
+              </a:ext>
+            </a:extLst>
+          </p:cNvPr>
+          <p:cNvGrpSpPr/>
+          <p:nvPr/>
+        </p:nvGrpSpPr>
+        <p:grpSpPr>
+          <a:xfrm>
+            <a:off x="1950359" y="4448144"/>
+            <a:ext cx="1795015" cy="276999"/>
+            <a:chOff x="1600199" y="4764287"/>
+            <a:chExt cx="1795015" cy="276999"/>
+          </a:xfrm>
+        </p:grpSpPr>
+        <p:sp>
+          <p:nvSpPr>
+            <p:cNvPr id="132" name="사각형: 둥근 모서리 131">
+              <a:extLst>
+                <a:ext uri="{FF2B5EF4-FFF2-40B4-BE49-F238E27FC236}">
+                  <a16:creationId xmlns:a16="http://schemas.microsoft.com/office/drawing/2014/main" id="{20F62661-7780-4F7F-822E-A0EE2547C077}"/>
+                </a:ext>
+              </a:extLst>
+            </p:cNvPr>
+            <p:cNvSpPr/>
+            <p:nvPr/>
+          </p:nvSpPr>
+          <p:spPr>
+            <a:xfrm>
+              <a:off x="1600199" y="4823198"/>
+              <a:ext cx="310953" cy="160282"/>
+            </a:xfrm>
+            <a:prstGeom prst="roundRect">
+              <a:avLst>
+                <a:gd name="adj" fmla="val 15087"/>
+              </a:avLst>
+            </a:prstGeom>
+            <a:ln>
+              <a:solidFill>
+                <a:schemeClr val="tx2"/>
+              </a:solidFill>
+            </a:ln>
+          </p:spPr>
+          <p:style>
+            <a:lnRef idx="2">
+              <a:schemeClr val="dk1"/>
+            </a:lnRef>
+            <a:fillRef idx="1">
+              <a:schemeClr val="lt1"/>
+            </a:fillRef>
+            <a:effectRef idx="0">
+              <a:schemeClr val="dk1"/>
+            </a:effectRef>
+            <a:fontRef idx="minor">
+              <a:schemeClr val="dk1"/>
+            </a:fontRef>
+          </p:style>
+          <p:txBody>
+            <a:bodyPr rtlCol="0" anchor="ctr"/>
+            <a:lstStyle/>
+            <a:p>
+              <a:pPr algn="ctr"/>
+              <a:endParaRPr lang="en-US" altLang="ko-KR" sz="1200">
+                <a:solidFill>
+                  <a:schemeClr val="tx2"/>
+                </a:solidFill>
+              </a:endParaRPr>
+            </a:p>
+          </p:txBody>
+        </p:sp>
+        <p:sp>
+          <p:nvSpPr>
+            <p:cNvPr id="133" name="TextBox 132">
+              <a:extLst>
+                <a:ext uri="{FF2B5EF4-FFF2-40B4-BE49-F238E27FC236}">
+                  <a16:creationId xmlns:a16="http://schemas.microsoft.com/office/drawing/2014/main" id="{65CA59FC-A13E-4285-BE9C-16EE9F523DF5}"/>
+                </a:ext>
+              </a:extLst>
+            </p:cNvPr>
+            <p:cNvSpPr txBox="1"/>
+            <p:nvPr/>
+          </p:nvSpPr>
+          <p:spPr>
+            <a:xfrm>
+              <a:off x="1911153" y="4764287"/>
+              <a:ext cx="1484061" cy="276999"/>
+            </a:xfrm>
+            <a:prstGeom prst="rect">
+              <a:avLst/>
+            </a:prstGeom>
+            <a:noFill/>
+          </p:spPr>
+          <p:txBody>
+            <a:bodyPr wrap="none" rtlCol="0">
+              <a:spAutoFit/>
+            </a:bodyPr>
+            <a:lstStyle/>
+            <a:p>
+              <a:r>
+                <a:rPr lang="en-US" altLang="ko-KR" sz="1200"/>
+                <a:t>iptables NAT Table</a:t>
+              </a:r>
+              <a:endParaRPr lang="ko-KR" altLang="en-US" sz="1200"/>
+            </a:p>
+          </p:txBody>
+        </p:sp>
+      </p:grpSp>
+      <p:grpSp>
+        <p:nvGrpSpPr>
+          <p:cNvPr id="134" name="그룹 133">
+            <a:extLst>
+              <a:ext uri="{FF2B5EF4-FFF2-40B4-BE49-F238E27FC236}">
+                <a16:creationId xmlns:a16="http://schemas.microsoft.com/office/drawing/2014/main" id="{462F5019-9132-4CBA-813D-C2CB3E4AD88C}"/>
+              </a:ext>
+            </a:extLst>
+          </p:cNvPr>
+          <p:cNvGrpSpPr/>
+          <p:nvPr/>
+        </p:nvGrpSpPr>
+        <p:grpSpPr>
+          <a:xfrm>
+            <a:off x="3745374" y="4439264"/>
+            <a:ext cx="2023124" cy="276999"/>
+            <a:chOff x="3419872" y="4755407"/>
+            <a:chExt cx="2023124" cy="276999"/>
+          </a:xfrm>
+        </p:grpSpPr>
+        <p:cxnSp>
+          <p:nvCxnSpPr>
+            <p:cNvPr id="135" name="직선 화살표 연결선 134">
+              <a:extLst>
+                <a:ext uri="{FF2B5EF4-FFF2-40B4-BE49-F238E27FC236}">
+                  <a16:creationId xmlns:a16="http://schemas.microsoft.com/office/drawing/2014/main" id="{FCB2219F-163E-45BD-A261-43F35F8AB83D}"/>
+                </a:ext>
+              </a:extLst>
+            </p:cNvPr>
+            <p:cNvCxnSpPr>
+              <a:cxnSpLocks/>
+            </p:cNvCxnSpPr>
+            <p:nvPr/>
+          </p:nvCxnSpPr>
+          <p:spPr>
+            <a:xfrm>
+              <a:off x="3419872" y="4898028"/>
+              <a:ext cx="284571" cy="0"/>
+            </a:xfrm>
+            <a:prstGeom prst="straightConnector1">
+              <a:avLst/>
+            </a:prstGeom>
+            <a:ln w="28575">
+              <a:solidFill>
+                <a:schemeClr val="tx1"/>
+              </a:solidFill>
+              <a:tailEnd type="arrow"/>
+            </a:ln>
+          </p:spPr>
+          <p:style>
+            <a:lnRef idx="1">
+              <a:schemeClr val="accent1"/>
+            </a:lnRef>
+            <a:fillRef idx="0">
+              <a:schemeClr val="accent1"/>
+            </a:fillRef>
+            <a:effectRef idx="0">
+              <a:schemeClr val="accent1"/>
+            </a:effectRef>
+            <a:fontRef idx="minor">
+              <a:schemeClr val="tx1"/>
+            </a:fontRef>
+          </p:style>
+        </p:cxnSp>
+        <p:sp>
+          <p:nvSpPr>
+            <p:cNvPr id="136" name="TextBox 135">
+              <a:extLst>
+                <a:ext uri="{FF2B5EF4-FFF2-40B4-BE49-F238E27FC236}">
+                  <a16:creationId xmlns:a16="http://schemas.microsoft.com/office/drawing/2014/main" id="{5ED7BFC2-9B27-452E-B09A-DE691672A47A}"/>
+                </a:ext>
+              </a:extLst>
+            </p:cNvPr>
+            <p:cNvSpPr txBox="1"/>
+            <p:nvPr/>
+          </p:nvSpPr>
+          <p:spPr>
+            <a:xfrm>
+              <a:off x="3704443" y="4755407"/>
+              <a:ext cx="1738553" cy="276999"/>
+            </a:xfrm>
+            <a:prstGeom prst="rect">
+              <a:avLst/>
+            </a:prstGeom>
+            <a:noFill/>
+          </p:spPr>
+          <p:txBody>
+            <a:bodyPr wrap="none" rtlCol="0">
+              <a:spAutoFit/>
+            </a:bodyPr>
+            <a:lstStyle/>
+            <a:p>
+              <a:r>
+                <a:rPr lang="en-US" altLang="ko-KR" sz="1200"/>
+                <a:t>ClusterIP + NodePort</a:t>
+              </a:r>
+              <a:endParaRPr lang="ko-KR" altLang="en-US" sz="1200"/>
+            </a:p>
+          </p:txBody>
+        </p:sp>
+      </p:grpSp>
+      <p:grpSp>
+        <p:nvGrpSpPr>
+          <p:cNvPr id="137" name="그룹 136">
+            <a:extLst>
+              <a:ext uri="{FF2B5EF4-FFF2-40B4-BE49-F238E27FC236}">
+                <a16:creationId xmlns:a16="http://schemas.microsoft.com/office/drawing/2014/main" id="{E97C35BA-145F-4EB4-96F6-AA9A2C033F30}"/>
+              </a:ext>
+            </a:extLst>
+          </p:cNvPr>
+          <p:cNvGrpSpPr/>
+          <p:nvPr/>
+        </p:nvGrpSpPr>
+        <p:grpSpPr>
+          <a:xfrm>
+            <a:off x="5761598" y="4439264"/>
+            <a:ext cx="1080302" cy="276999"/>
+            <a:chOff x="5371509" y="4755407"/>
+            <a:chExt cx="1080302" cy="276999"/>
+          </a:xfrm>
+        </p:grpSpPr>
+        <p:cxnSp>
+          <p:nvCxnSpPr>
+            <p:cNvPr id="138" name="직선 화살표 연결선 137">
+              <a:extLst>
+                <a:ext uri="{FF2B5EF4-FFF2-40B4-BE49-F238E27FC236}">
+                  <a16:creationId xmlns:a16="http://schemas.microsoft.com/office/drawing/2014/main" id="{947D274C-40D4-4285-8D62-4AB56D5C0037}"/>
+                </a:ext>
+              </a:extLst>
+            </p:cNvPr>
+            <p:cNvCxnSpPr>
+              <a:cxnSpLocks/>
+            </p:cNvCxnSpPr>
+            <p:nvPr/>
+          </p:nvCxnSpPr>
+          <p:spPr>
+            <a:xfrm>
+              <a:off x="5371509" y="4898028"/>
+              <a:ext cx="284571" cy="0"/>
+            </a:xfrm>
+            <a:prstGeom prst="straightConnector1">
+              <a:avLst/>
+            </a:prstGeom>
+            <a:ln w="28575">
+              <a:solidFill>
+                <a:srgbClr val="C00000"/>
+              </a:solidFill>
+              <a:tailEnd type="arrow"/>
+            </a:ln>
+          </p:spPr>
+          <p:style>
+            <a:lnRef idx="1">
+              <a:schemeClr val="accent1"/>
+            </a:lnRef>
+            <a:fillRef idx="0">
+              <a:schemeClr val="accent1"/>
+            </a:fillRef>
+            <a:effectRef idx="0">
+              <a:schemeClr val="accent1"/>
+            </a:effectRef>
+            <a:fontRef idx="minor">
+              <a:schemeClr val="tx1"/>
+            </a:fontRef>
+          </p:style>
+        </p:cxnSp>
+        <p:sp>
+          <p:nvSpPr>
+            <p:cNvPr id="139" name="TextBox 138">
+              <a:extLst>
+                <a:ext uri="{FF2B5EF4-FFF2-40B4-BE49-F238E27FC236}">
+                  <a16:creationId xmlns:a16="http://schemas.microsoft.com/office/drawing/2014/main" id="{0877781A-3B2E-4A37-BB4D-7D16B4771FC5}"/>
+                </a:ext>
+              </a:extLst>
+            </p:cNvPr>
+            <p:cNvSpPr txBox="1"/>
+            <p:nvPr/>
+          </p:nvSpPr>
+          <p:spPr>
+            <a:xfrm>
+              <a:off x="5656080" y="4755407"/>
+              <a:ext cx="795731" cy="276999"/>
+            </a:xfrm>
+            <a:prstGeom prst="rect">
+              <a:avLst/>
+            </a:prstGeom>
+            <a:noFill/>
+          </p:spPr>
+          <p:txBody>
+            <a:bodyPr wrap="none" rtlCol="0">
+              <a:spAutoFit/>
+            </a:bodyPr>
+            <a:lstStyle/>
+            <a:p>
+              <a:r>
+                <a:rPr lang="en-US" altLang="ko-KR" sz="1200"/>
+                <a:t>ClusterIP</a:t>
+              </a:r>
+              <a:endParaRPr lang="ko-KR" altLang="en-US" sz="1200"/>
+            </a:p>
+          </p:txBody>
+        </p:sp>
+      </p:grpSp>
+      <p:grpSp>
+        <p:nvGrpSpPr>
+          <p:cNvPr id="140" name="그룹 139">
+            <a:extLst>
+              <a:ext uri="{FF2B5EF4-FFF2-40B4-BE49-F238E27FC236}">
+                <a16:creationId xmlns:a16="http://schemas.microsoft.com/office/drawing/2014/main" id="{9E606017-EDFA-4223-9F8C-1EDCDBE120DB}"/>
+              </a:ext>
+            </a:extLst>
+          </p:cNvPr>
+          <p:cNvGrpSpPr/>
+          <p:nvPr/>
+        </p:nvGrpSpPr>
+        <p:grpSpPr>
+          <a:xfrm>
+            <a:off x="3745556" y="4663727"/>
+            <a:ext cx="1141152" cy="276999"/>
+            <a:chOff x="6447669" y="4755407"/>
+            <a:chExt cx="1141152" cy="276999"/>
+          </a:xfrm>
+        </p:grpSpPr>
+        <p:cxnSp>
+          <p:nvCxnSpPr>
+            <p:cNvPr id="141" name="직선 화살표 연결선 140">
+              <a:extLst>
+                <a:ext uri="{FF2B5EF4-FFF2-40B4-BE49-F238E27FC236}">
+                  <a16:creationId xmlns:a16="http://schemas.microsoft.com/office/drawing/2014/main" id="{2334F303-924B-4682-8C1D-ED8AB48CE312}"/>
+                </a:ext>
+              </a:extLst>
+            </p:cNvPr>
+            <p:cNvCxnSpPr>
+              <a:cxnSpLocks/>
+            </p:cNvCxnSpPr>
+            <p:nvPr/>
+          </p:nvCxnSpPr>
+          <p:spPr>
+            <a:xfrm>
+              <a:off x="6447669" y="4898028"/>
+              <a:ext cx="284571" cy="0"/>
+            </a:xfrm>
+            <a:prstGeom prst="straightConnector1">
+              <a:avLst/>
+            </a:prstGeom>
+            <a:ln w="28575">
+              <a:solidFill>
+                <a:schemeClr val="accent3">
+                  <a:lumMod val="50000"/>
+                </a:schemeClr>
+              </a:solidFill>
+              <a:tailEnd type="arrow"/>
+            </a:ln>
+          </p:spPr>
+          <p:style>
+            <a:lnRef idx="1">
+              <a:schemeClr val="accent1"/>
+            </a:lnRef>
+            <a:fillRef idx="0">
+              <a:schemeClr val="accent1"/>
+            </a:fillRef>
+            <a:effectRef idx="0">
+              <a:schemeClr val="accent1"/>
+            </a:effectRef>
+            <a:fontRef idx="minor">
+              <a:schemeClr val="tx1"/>
+            </a:fontRef>
+          </p:style>
+        </p:cxnSp>
+        <p:sp>
+          <p:nvSpPr>
+            <p:cNvPr id="142" name="TextBox 141">
+              <a:extLst>
+                <a:ext uri="{FF2B5EF4-FFF2-40B4-BE49-F238E27FC236}">
+                  <a16:creationId xmlns:a16="http://schemas.microsoft.com/office/drawing/2014/main" id="{488501D5-6C72-41FD-8266-7DB2C9AA94E1}"/>
+                </a:ext>
+              </a:extLst>
+            </p:cNvPr>
+            <p:cNvSpPr txBox="1"/>
+            <p:nvPr/>
+          </p:nvSpPr>
+          <p:spPr>
+            <a:xfrm>
+              <a:off x="6732240" y="4755407"/>
+              <a:ext cx="856581" cy="276999"/>
+            </a:xfrm>
+            <a:prstGeom prst="rect">
+              <a:avLst/>
+            </a:prstGeom>
+            <a:noFill/>
+          </p:spPr>
+          <p:txBody>
+            <a:bodyPr wrap="none" rtlCol="0">
+              <a:spAutoFit/>
+            </a:bodyPr>
+            <a:lstStyle/>
+            <a:p>
+              <a:r>
+                <a:rPr lang="en-US" altLang="ko-KR" sz="1200"/>
+                <a:t>NodePort</a:t>
+              </a:r>
+            </a:p>
+          </p:txBody>
+        </p:sp>
+      </p:grpSp>
+      <p:sp>
+        <p:nvSpPr>
+          <p:cNvPr id="143" name="자유형: 도형 142">
+            <a:extLst>
+              <a:ext uri="{FF2B5EF4-FFF2-40B4-BE49-F238E27FC236}">
+                <a16:creationId xmlns:a16="http://schemas.microsoft.com/office/drawing/2014/main" id="{2942F970-F54D-4627-A45F-096FA4B42AD3}"/>
+              </a:ext>
+            </a:extLst>
+          </p:cNvPr>
+          <p:cNvSpPr/>
+          <p:nvPr/>
+        </p:nvSpPr>
+        <p:spPr>
+          <a:xfrm>
+            <a:off x="2527300" y="1579860"/>
+            <a:ext cx="5448300" cy="2432050"/>
+          </a:xfrm>
+          <a:custGeom>
+            <a:avLst/>
+            <a:gdLst>
+              <a:gd name="connsiteX0" fmla="*/ 0 w 5448300"/>
+              <a:gd name="connsiteY0" fmla="*/ 2292350 h 2432050"/>
+              <a:gd name="connsiteX1" fmla="*/ 0 w 5448300"/>
+              <a:gd name="connsiteY1" fmla="*/ 2432050 h 2432050"/>
+              <a:gd name="connsiteX2" fmla="*/ 5448300 w 5448300"/>
+              <a:gd name="connsiteY2" fmla="*/ 2432050 h 2432050"/>
+              <a:gd name="connsiteX3" fmla="*/ 5448300 w 5448300"/>
+              <a:gd name="connsiteY3" fmla="*/ 171450 h 2432050"/>
+              <a:gd name="connsiteX4" fmla="*/ 4311650 w 5448300"/>
+              <a:gd name="connsiteY4" fmla="*/ 171450 h 2432050"/>
+              <a:gd name="connsiteX5" fmla="*/ 4311650 w 5448300"/>
+              <a:gd name="connsiteY5" fmla="*/ 0 h 2432050"/>
+            </a:gdLst>
+            <a:ahLst/>
+            <a:cxnLst>
+              <a:cxn ang="0">
+                <a:pos x="connsiteX0" y="connsiteY0"/>
+              </a:cxn>
+              <a:cxn ang="0">
+                <a:pos x="connsiteX1" y="connsiteY1"/>
+              </a:cxn>
+              <a:cxn ang="0">
+                <a:pos x="connsiteX2" y="connsiteY2"/>
+              </a:cxn>
+              <a:cxn ang="0">
+                <a:pos x="connsiteX3" y="connsiteY3"/>
+              </a:cxn>
+              <a:cxn ang="0">
+                <a:pos x="connsiteX4" y="connsiteY4"/>
+              </a:cxn>
+              <a:cxn ang="0">
+                <a:pos x="connsiteX5" y="connsiteY5"/>
+              </a:cxn>
+            </a:cxnLst>
+            <a:rect l="l" t="t" r="r" b="b"/>
+            <a:pathLst>
+              <a:path w="5448300" h="2432050">
+                <a:moveTo>
+                  <a:pt x="0" y="2292350"/>
+                </a:moveTo>
+                <a:lnTo>
+                  <a:pt x="0" y="2432050"/>
+                </a:lnTo>
+                <a:lnTo>
+                  <a:pt x="5448300" y="2432050"/>
+                </a:lnTo>
+                <a:lnTo>
+                  <a:pt x="5448300" y="171450"/>
+                </a:lnTo>
+                <a:lnTo>
+                  <a:pt x="4311650" y="171450"/>
+                </a:lnTo>
+                <a:lnTo>
+                  <a:pt x="4311650" y="0"/>
+                </a:lnTo>
+              </a:path>
+            </a:pathLst>
+          </a:custGeom>
+          <a:noFill/>
+          <a:ln w="28575">
+            <a:solidFill>
+              <a:schemeClr val="accent6">
+                <a:lumMod val="75000"/>
+              </a:schemeClr>
+            </a:solidFill>
+            <a:headEnd type="none" w="med" len="med"/>
+            <a:tailEnd type="arrow" w="med" len="med"/>
+          </a:ln>
+        </p:spPr>
+        <p:style>
+          <a:lnRef idx="2">
+            <a:schemeClr val="accent1">
+              <a:shade val="50000"/>
+            </a:schemeClr>
+          </a:lnRef>
+          <a:fillRef idx="1">
+            <a:schemeClr val="accent1"/>
+          </a:fillRef>
+          <a:effectRef idx="0">
+            <a:schemeClr val="accent1"/>
+          </a:effectRef>
+          <a:fontRef idx="minor">
+            <a:schemeClr val="lt1"/>
+          </a:fontRef>
+        </p:style>
+        <p:txBody>
+          <a:bodyPr rtlCol="0" anchor="ctr"/>
+          <a:lstStyle/>
+          <a:p>
+            <a:pPr algn="ctr"/>
+            <a:endParaRPr lang="ko-KR" altLang="en-US"/>
+          </a:p>
+        </p:txBody>
+      </p:sp>
+    </p:spTree>
+    <p:extLst>
+      <p:ext uri="{BB962C8B-B14F-4D97-AF65-F5344CB8AC3E}">
+        <p14:creationId xmlns:p14="http://schemas.microsoft.com/office/powerpoint/2010/main" val="504294846"/>
+      </p:ext>
+    </p:extLst>
+  </p:cSld>
+  <p:clrMapOvr>
+    <a:masterClrMapping/>
+  </p:clrMapOvr>
+</p:sld>
+</file>
+
+<file path=ppt/slides/slide4.xml><?xml version="1.0" encoding="utf-8"?>
+<p:sld xmlns:a="http://schemas.openxmlformats.org/drawingml/2006/main" xmlns:r="http://schemas.openxmlformats.org/officeDocument/2006/relationships" xmlns:p="http://schemas.openxmlformats.org/presentationml/2006/main">
+  <p:cSld>
+    <p:spTree>
+      <p:nvGrpSpPr>
+        <p:cNvPr id="1" name=""/>
+        <p:cNvGrpSpPr/>
+        <p:nvPr/>
+      </p:nvGrpSpPr>
+      <p:grpSpPr>
+        <a:xfrm>
+          <a:off x="0" y="0"/>
+          <a:ext cx="0" cy="0"/>
+          <a:chOff x="0" y="0"/>
+          <a:chExt cx="0" cy="0"/>
+        </a:xfrm>
+      </p:grpSpPr>
+      <p:sp>
+        <p:nvSpPr>
+          <p:cNvPr id="2" name="제목 1">
+            <a:extLst>
+              <a:ext uri="{FF2B5EF4-FFF2-40B4-BE49-F238E27FC236}">
+                <a16:creationId xmlns:a16="http://schemas.microsoft.com/office/drawing/2014/main" id="{692B629B-1366-415A-9046-F69FF5677508}"/>
+              </a:ext>
+            </a:extLst>
+          </p:cNvPr>
+          <p:cNvSpPr>
+            <a:spLocks noGrp="1"/>
+          </p:cNvSpPr>
+          <p:nvPr>
+            <p:ph type="title"/>
+          </p:nvPr>
+        </p:nvSpPr>
+        <p:spPr/>
+        <p:txBody>
+          <a:bodyPr/>
+          <a:lstStyle/>
+          <a:p>
+            <a:endParaRPr lang="ko-KR" altLang="en-US"/>
+          </a:p>
+        </p:txBody>
+      </p:sp>
+      <p:sp>
+        <p:nvSpPr>
+          <p:cNvPr id="3" name="내용 개체 틀 2">
+            <a:extLst>
+              <a:ext uri="{FF2B5EF4-FFF2-40B4-BE49-F238E27FC236}">
+                <a16:creationId xmlns:a16="http://schemas.microsoft.com/office/drawing/2014/main" id="{690CB4A6-A03B-41F9-A9D3-D58DA0199888}"/>
+              </a:ext>
+            </a:extLst>
+          </p:cNvPr>
+          <p:cNvSpPr>
+            <a:spLocks noGrp="1"/>
+          </p:cNvSpPr>
+          <p:nvPr>
+            <p:ph idx="1"/>
+          </p:nvPr>
+        </p:nvSpPr>
+        <p:spPr/>
+        <p:txBody>
+          <a:bodyPr/>
+          <a:lstStyle/>
+          <a:p>
+            <a:endParaRPr lang="ko-KR" altLang="en-US"/>
+          </a:p>
+        </p:txBody>
+      </p:sp>
+    </p:spTree>
+    <p:extLst>
+      <p:ext uri="{BB962C8B-B14F-4D97-AF65-F5344CB8AC3E}">
+        <p14:creationId xmlns:p14="http://schemas.microsoft.com/office/powerpoint/2010/main" val="2719450338"/>
+      </p:ext>
+    </p:extLst>
+  </p:cSld>
+  <p:clrMapOvr>
+    <a:masterClrMapping/>
+  </p:clrMapOvr>
+</p:sld>
+</file>
+
+<file path=ppt/slides/slide5.xml><?xml version="1.0" encoding="utf-8"?>
+<p:sld xmlns:a="http://schemas.openxmlformats.org/drawingml/2006/main" xmlns:r="http://schemas.openxmlformats.org/officeDocument/2006/relationships" xmlns:p="http://schemas.openxmlformats.org/presentationml/2006/main">
+  <p:cSld>
+    <p:spTree>
+      <p:nvGrpSpPr>
+        <p:cNvPr id="1" name=""/>
+        <p:cNvGrpSpPr/>
+        <p:nvPr/>
+      </p:nvGrpSpPr>
+      <p:grpSpPr>
+        <a:xfrm>
+          <a:off x="0" y="0"/>
+          <a:ext cx="0" cy="0"/>
+          <a:chOff x="0" y="0"/>
+          <a:chExt cx="0" cy="0"/>
+        </a:xfrm>
+      </p:grpSpPr>
+      <p:sp>
+        <p:nvSpPr>
+          <p:cNvPr id="26" name="제목 1">
+            <a:extLst>
+              <a:ext uri="{FF2B5EF4-FFF2-40B4-BE49-F238E27FC236}">
+                <a16:creationId xmlns:a16="http://schemas.microsoft.com/office/drawing/2014/main" id="{8996A3B6-EF2F-433F-A247-A77B4E18237E}"/>
+              </a:ext>
+            </a:extLst>
+          </p:cNvPr>
+          <p:cNvSpPr>
+            <a:spLocks noGrp="1"/>
+          </p:cNvSpPr>
+          <p:nvPr>
+            <p:ph type="title"/>
+          </p:nvPr>
+        </p:nvSpPr>
+        <p:spPr>
+          <a:xfrm>
             <a:off x="457200" y="-236562"/>
             <a:ext cx="8229600" cy="857250"/>
           </a:xfrm>
@@ -12052,7 +15050,7 @@
 </p:sld>
 </file>
 
-<file path=ppt/slides/slide4.xml><?xml version="1.0" encoding="utf-8"?>
+<file path=ppt/slides/slide6.xml><?xml version="1.0" encoding="utf-8"?>
 <p:sld xmlns:a="http://schemas.openxmlformats.org/drawingml/2006/main" xmlns:r="http://schemas.openxmlformats.org/officeDocument/2006/relationships" xmlns:p="http://schemas.openxmlformats.org/presentationml/2006/main">
   <p:cSld>
     <p:spTree>
@@ -12071,86 +15069,6 @@
       </p:grpSpPr>
       <p:sp>
         <p:nvSpPr>
-          <p:cNvPr id="2" name="제목 1">
-            <a:extLst>
-              <a:ext uri="{FF2B5EF4-FFF2-40B4-BE49-F238E27FC236}">
-                <a16:creationId xmlns:a16="http://schemas.microsoft.com/office/drawing/2014/main" id="{692B629B-1366-415A-9046-F69FF5677508}"/>
-              </a:ext>
-            </a:extLst>
-          </p:cNvPr>
-          <p:cNvSpPr>
-            <a:spLocks noGrp="1"/>
-          </p:cNvSpPr>
-          <p:nvPr>
-            <p:ph type="title"/>
-          </p:nvPr>
-        </p:nvSpPr>
-        <p:spPr/>
-        <p:txBody>
-          <a:bodyPr/>
-          <a:lstStyle/>
-          <a:p>
-            <a:endParaRPr lang="ko-KR" altLang="en-US"/>
-          </a:p>
-        </p:txBody>
-      </p:sp>
-      <p:sp>
-        <p:nvSpPr>
-          <p:cNvPr id="3" name="내용 개체 틀 2">
-            <a:extLst>
-              <a:ext uri="{FF2B5EF4-FFF2-40B4-BE49-F238E27FC236}">
-                <a16:creationId xmlns:a16="http://schemas.microsoft.com/office/drawing/2014/main" id="{690CB4A6-A03B-41F9-A9D3-D58DA0199888}"/>
-              </a:ext>
-            </a:extLst>
-          </p:cNvPr>
-          <p:cNvSpPr>
-            <a:spLocks noGrp="1"/>
-          </p:cNvSpPr>
-          <p:nvPr>
-            <p:ph idx="1"/>
-          </p:nvPr>
-        </p:nvSpPr>
-        <p:spPr/>
-        <p:txBody>
-          <a:bodyPr/>
-          <a:lstStyle/>
-          <a:p>
-            <a:endParaRPr lang="ko-KR" altLang="en-US"/>
-          </a:p>
-        </p:txBody>
-      </p:sp>
-    </p:spTree>
-    <p:extLst>
-      <p:ext uri="{BB962C8B-B14F-4D97-AF65-F5344CB8AC3E}">
-        <p14:creationId xmlns:p14="http://schemas.microsoft.com/office/powerpoint/2010/main" val="2719450338"/>
-      </p:ext>
-    </p:extLst>
-  </p:cSld>
-  <p:clrMapOvr>
-    <a:masterClrMapping/>
-  </p:clrMapOvr>
-</p:sld>
-</file>
-
-<file path=ppt/slides/slide5.xml><?xml version="1.0" encoding="utf-8"?>
-<p:sld xmlns:a="http://schemas.openxmlformats.org/drawingml/2006/main" xmlns:r="http://schemas.openxmlformats.org/officeDocument/2006/relationships" xmlns:p="http://schemas.openxmlformats.org/presentationml/2006/main">
-  <p:cSld>
-    <p:spTree>
-      <p:nvGrpSpPr>
-        <p:cNvPr id="1" name=""/>
-        <p:cNvGrpSpPr/>
-        <p:nvPr/>
-      </p:nvGrpSpPr>
-      <p:grpSpPr>
-        <a:xfrm>
-          <a:off x="0" y="0"/>
-          <a:ext cx="0" cy="0"/>
-          <a:chOff x="0" y="0"/>
-          <a:chExt cx="0" cy="0"/>
-        </a:xfrm>
-      </p:grpSpPr>
-      <p:sp>
-        <p:nvSpPr>
           <p:cNvPr id="23" name="모서리가 둥근 직사각형 13">
             <a:extLst>
               <a:ext uri="{FF2B5EF4-FFF2-40B4-BE49-F238E27FC236}">
@@ -13703,7 +16621,7 @@
 </p:sld>
 </file>
 
-<file path=ppt/slides/slide6.xml><?xml version="1.0" encoding="utf-8"?>
+<file path=ppt/slides/slide7.xml><?xml version="1.0" encoding="utf-8"?>
 <p:sld xmlns:a="http://schemas.openxmlformats.org/drawingml/2006/main" xmlns:r="http://schemas.openxmlformats.org/officeDocument/2006/relationships" xmlns:p="http://schemas.openxmlformats.org/presentationml/2006/main">
   <p:cSld>
     <p:spTree>

--- a/images/theory_analysis/Kubernetes_Service_Proxy/Kubernetes_Service_Proxy.pptx
+++ b/images/theory_analysis/Kubernetes_Service_Proxy/Kubernetes_Service_Proxy.pptx
@@ -219,7 +219,7 @@
           <a:p>
             <a:fld id="{6CD5550B-26C4-49A9-A5BA-636EF7BE6CE9}" type="datetimeFigureOut">
               <a:rPr lang="ko-KR" altLang="en-US" smtClean="0"/>
-              <a:t>2019-05-13</a:t>
+              <a:t>2019-05-14</a:t>
             </a:fld>
             <a:endParaRPr lang="ko-KR" altLang="en-US"/>
           </a:p>
@@ -1085,7 +1085,7 @@
           <a:p>
             <a:fld id="{FB30EDBD-1C2D-4C1E-B459-B60219FAB484}" type="datetimeFigureOut">
               <a:rPr lang="ko-KR" altLang="en-US" smtClean="0"/>
-              <a:t>2019-05-13</a:t>
+              <a:t>2019-05-14</a:t>
             </a:fld>
             <a:endParaRPr lang="ko-KR" altLang="en-US"/>
           </a:p>
@@ -1248,7 +1248,7 @@
           <a:p>
             <a:fld id="{FB30EDBD-1C2D-4C1E-B459-B60219FAB484}" type="datetimeFigureOut">
               <a:rPr lang="ko-KR" altLang="en-US" smtClean="0"/>
-              <a:t>2019-05-13</a:t>
+              <a:t>2019-05-14</a:t>
             </a:fld>
             <a:endParaRPr lang="ko-KR" altLang="en-US"/>
           </a:p>
@@ -1421,7 +1421,7 @@
           <a:p>
             <a:fld id="{FB30EDBD-1C2D-4C1E-B459-B60219FAB484}" type="datetimeFigureOut">
               <a:rPr lang="ko-KR" altLang="en-US" smtClean="0"/>
-              <a:t>2019-05-13</a:t>
+              <a:t>2019-05-14</a:t>
             </a:fld>
             <a:endParaRPr lang="ko-KR" altLang="en-US"/>
           </a:p>
@@ -1584,7 +1584,7 @@
           <a:p>
             <a:fld id="{FB30EDBD-1C2D-4C1E-B459-B60219FAB484}" type="datetimeFigureOut">
               <a:rPr lang="ko-KR" altLang="en-US" smtClean="0"/>
-              <a:t>2019-05-13</a:t>
+              <a:t>2019-05-14</a:t>
             </a:fld>
             <a:endParaRPr lang="ko-KR" altLang="en-US"/>
           </a:p>
@@ -1824,7 +1824,7 @@
           <a:p>
             <a:fld id="{FB30EDBD-1C2D-4C1E-B459-B60219FAB484}" type="datetimeFigureOut">
               <a:rPr lang="ko-KR" altLang="en-US" smtClean="0"/>
-              <a:t>2019-05-13</a:t>
+              <a:t>2019-05-14</a:t>
             </a:fld>
             <a:endParaRPr lang="ko-KR" altLang="en-US"/>
           </a:p>
@@ -2104,7 +2104,7 @@
           <a:p>
             <a:fld id="{FB30EDBD-1C2D-4C1E-B459-B60219FAB484}" type="datetimeFigureOut">
               <a:rPr lang="ko-KR" altLang="en-US" smtClean="0"/>
-              <a:t>2019-05-13</a:t>
+              <a:t>2019-05-14</a:t>
             </a:fld>
             <a:endParaRPr lang="ko-KR" altLang="en-US"/>
           </a:p>
@@ -2518,7 +2518,7 @@
           <a:p>
             <a:fld id="{FB30EDBD-1C2D-4C1E-B459-B60219FAB484}" type="datetimeFigureOut">
               <a:rPr lang="ko-KR" altLang="en-US" smtClean="0"/>
-              <a:t>2019-05-13</a:t>
+              <a:t>2019-05-14</a:t>
             </a:fld>
             <a:endParaRPr lang="ko-KR" altLang="en-US"/>
           </a:p>
@@ -2630,7 +2630,7 @@
           <a:p>
             <a:fld id="{FB30EDBD-1C2D-4C1E-B459-B60219FAB484}" type="datetimeFigureOut">
               <a:rPr lang="ko-KR" altLang="en-US" smtClean="0"/>
-              <a:t>2019-05-13</a:t>
+              <a:t>2019-05-14</a:t>
             </a:fld>
             <a:endParaRPr lang="ko-KR" altLang="en-US"/>
           </a:p>
@@ -2720,7 +2720,7 @@
           <a:p>
             <a:fld id="{FB30EDBD-1C2D-4C1E-B459-B60219FAB484}" type="datetimeFigureOut">
               <a:rPr lang="ko-KR" altLang="en-US" smtClean="0"/>
-              <a:t>2019-05-13</a:t>
+              <a:t>2019-05-14</a:t>
             </a:fld>
             <a:endParaRPr lang="ko-KR" altLang="en-US"/>
           </a:p>
@@ -2990,7 +2990,7 @@
           <a:p>
             <a:fld id="{FB30EDBD-1C2D-4C1E-B459-B60219FAB484}" type="datetimeFigureOut">
               <a:rPr lang="ko-KR" altLang="en-US" smtClean="0"/>
-              <a:t>2019-05-13</a:t>
+              <a:t>2019-05-14</a:t>
             </a:fld>
             <a:endParaRPr lang="ko-KR" altLang="en-US"/>
           </a:p>
@@ -3237,7 +3237,7 @@
           <a:p>
             <a:fld id="{FB30EDBD-1C2D-4C1E-B459-B60219FAB484}" type="datetimeFigureOut">
               <a:rPr lang="ko-KR" altLang="en-US" smtClean="0"/>
-              <a:t>2019-05-13</a:t>
+              <a:t>2019-05-14</a:t>
             </a:fld>
             <a:endParaRPr lang="ko-KR" altLang="en-US"/>
           </a:p>
@@ -3443,7 +3443,7 @@
           <a:p>
             <a:fld id="{FB30EDBD-1C2D-4C1E-B459-B60219FAB484}" type="datetimeFigureOut">
               <a:rPr lang="ko-KR" altLang="en-US" smtClean="0"/>
-              <a:t>2019-05-13</a:t>
+              <a:t>2019-05-14</a:t>
             </a:fld>
             <a:endParaRPr lang="ko-KR" altLang="en-US"/>
           </a:p>
@@ -5628,8 +5628,8 @@
         </p:nvSpPr>
         <p:spPr>
           <a:xfrm>
-            <a:off x="2527300" y="1873250"/>
-            <a:ext cx="5448300" cy="2432050"/>
+            <a:off x="2490912" y="1873250"/>
+            <a:ext cx="5501073" cy="2432050"/>
           </a:xfrm>
           <a:custGeom>
             <a:avLst/>
@@ -11623,8 +11623,8 @@
         </p:nvSpPr>
         <p:spPr>
           <a:xfrm flipH="1">
-            <a:off x="1472012" y="1971501"/>
-            <a:ext cx="156762" cy="1212796"/>
+            <a:off x="1420843" y="1971501"/>
+            <a:ext cx="207931" cy="1212796"/>
           </a:xfrm>
           <a:custGeom>
             <a:avLst/>
@@ -12288,8 +12288,8 @@
         </p:nvSpPr>
         <p:spPr>
           <a:xfrm>
-            <a:off x="2527300" y="1579860"/>
-            <a:ext cx="5448300" cy="2432050"/>
+            <a:off x="2491579" y="1579860"/>
+            <a:ext cx="5501081" cy="2432050"/>
           </a:xfrm>
           <a:custGeom>
             <a:avLst/>

--- a/images/theory_analysis/Kubernetes_Service_Proxy/Kubernetes_Service_Proxy.pptx
+++ b/images/theory_analysis/Kubernetes_Service_Proxy/Kubernetes_Service_Proxy.pptx
@@ -11769,7 +11769,7 @@
         </p:nvGrpSpPr>
         <p:grpSpPr>
           <a:xfrm>
-            <a:off x="5761780" y="4659982"/>
+            <a:off x="5935149" y="4659982"/>
             <a:ext cx="1258492" cy="276999"/>
             <a:chOff x="6447669" y="4755407"/>
             <a:chExt cx="1258492" cy="276999"/>
@@ -11872,7 +11872,7 @@
         </p:nvGrpSpPr>
         <p:grpSpPr>
           <a:xfrm>
-            <a:off x="1950359" y="4448144"/>
+            <a:off x="2123728" y="4448144"/>
             <a:ext cx="1795015" cy="276999"/>
             <a:chOff x="1600199" y="4764287"/>
             <a:chExt cx="1795015" cy="276999"/>
@@ -11984,7 +11984,7 @@
         </p:nvGrpSpPr>
         <p:grpSpPr>
           <a:xfrm>
-            <a:off x="3745374" y="4439264"/>
+            <a:off x="3918743" y="4439264"/>
             <a:ext cx="2023124" cy="276999"/>
             <a:chOff x="3419872" y="4755407"/>
             <a:chExt cx="2023124" cy="276999"/>
@@ -12085,7 +12085,7 @@
         </p:nvGrpSpPr>
         <p:grpSpPr>
           <a:xfrm>
-            <a:off x="5761598" y="4439264"/>
+            <a:off x="5934967" y="4439264"/>
             <a:ext cx="1080302" cy="276999"/>
             <a:chOff x="5371509" y="4755407"/>
             <a:chExt cx="1080302" cy="276999"/>
@@ -12186,7 +12186,7 @@
         </p:nvGrpSpPr>
         <p:grpSpPr>
           <a:xfrm>
-            <a:off x="3745556" y="4663727"/>
+            <a:off x="3918925" y="4663727"/>
             <a:ext cx="1141152" cy="276999"/>
             <a:chOff x="6447669" y="4755407"/>
             <a:chExt cx="1141152" cy="276999"/>

--- a/images/theory_analysis/Kubernetes_Service_Proxy/Kubernetes_Service_Proxy.pptx
+++ b/images/theory_analysis/Kubernetes_Service_Proxy/Kubernetes_Service_Proxy.pptx
@@ -5,16 +5,17 @@
     <p:sldMasterId id="2147483648" r:id="rId1"/>
   </p:sldMasterIdLst>
   <p:notesMasterIdLst>
-    <p:notesMasterId r:id="rId9"/>
+    <p:notesMasterId r:id="rId10"/>
   </p:notesMasterIdLst>
   <p:sldIdLst>
     <p:sldId id="366" r:id="rId2"/>
     <p:sldId id="363" r:id="rId3"/>
     <p:sldId id="368" r:id="rId4"/>
-    <p:sldId id="365" r:id="rId5"/>
-    <p:sldId id="367" r:id="rId6"/>
-    <p:sldId id="362" r:id="rId7"/>
-    <p:sldId id="364" r:id="rId8"/>
+    <p:sldId id="369" r:id="rId5"/>
+    <p:sldId id="365" r:id="rId6"/>
+    <p:sldId id="367" r:id="rId7"/>
+    <p:sldId id="362" r:id="rId8"/>
+    <p:sldId id="364" r:id="rId9"/>
   </p:sldIdLst>
   <p:sldSz cx="9144000" cy="5143500" type="screen16x9"/>
   <p:notesSz cx="6858000" cy="9144000"/>
@@ -219,7 +220,7 @@
           <a:p>
             <a:fld id="{6CD5550B-26C4-49A9-A5BA-636EF7BE6CE9}" type="datetimeFigureOut">
               <a:rPr lang="ko-KR" altLang="en-US" smtClean="0"/>
-              <a:t>2019-05-14</a:t>
+              <a:t>2019-05-15</a:t>
             </a:fld>
             <a:endParaRPr lang="ko-KR" altLang="en-US"/>
           </a:p>
@@ -719,7 +720,7 @@
           <a:p>
             <a:fld id="{BA5DFA43-8D57-47FB-BC46-057616015C3B}" type="slidenum">
               <a:rPr lang="ko-KR" altLang="en-US" smtClean="0"/>
-              <a:t>5</a:t>
+              <a:t>4</a:t>
             </a:fld>
             <a:endParaRPr lang="ko-KR" altLang="en-US"/>
           </a:p>
@@ -728,7 +729,7 @@
     </p:spTree>
     <p:extLst>
       <p:ext uri="{BB962C8B-B14F-4D97-AF65-F5344CB8AC3E}">
-        <p14:creationId xmlns:p14="http://schemas.microsoft.com/office/powerpoint/2010/main" val="2367882658"/>
+        <p14:creationId xmlns:p14="http://schemas.microsoft.com/office/powerpoint/2010/main" val="3591408182"/>
       </p:ext>
     </p:extLst>
   </p:cSld>
@@ -812,7 +813,7 @@
     </p:spTree>
     <p:extLst>
       <p:ext uri="{BB962C8B-B14F-4D97-AF65-F5344CB8AC3E}">
-        <p14:creationId xmlns:p14="http://schemas.microsoft.com/office/powerpoint/2010/main" val="812539306"/>
+        <p14:creationId xmlns:p14="http://schemas.microsoft.com/office/powerpoint/2010/main" val="2367882658"/>
       </p:ext>
     </p:extLst>
   </p:cSld>
@@ -888,6 +889,90 @@
             <a:fld id="{BA5DFA43-8D57-47FB-BC46-057616015C3B}" type="slidenum">
               <a:rPr lang="ko-KR" altLang="en-US" smtClean="0"/>
               <a:t>7</a:t>
+            </a:fld>
+            <a:endParaRPr lang="ko-KR" altLang="en-US"/>
+          </a:p>
+        </p:txBody>
+      </p:sp>
+    </p:spTree>
+    <p:extLst>
+      <p:ext uri="{BB962C8B-B14F-4D97-AF65-F5344CB8AC3E}">
+        <p14:creationId xmlns:p14="http://schemas.microsoft.com/office/powerpoint/2010/main" val="812539306"/>
+      </p:ext>
+    </p:extLst>
+  </p:cSld>
+  <p:clrMapOvr>
+    <a:masterClrMapping/>
+  </p:clrMapOvr>
+</p:notes>
+</file>
+
+<file path=ppt/notesSlides/notesSlide6.xml><?xml version="1.0" encoding="utf-8"?>
+<p:notes xmlns:a="http://schemas.openxmlformats.org/drawingml/2006/main" xmlns:r="http://schemas.openxmlformats.org/officeDocument/2006/relationships" xmlns:p="http://schemas.openxmlformats.org/presentationml/2006/main">
+  <p:cSld>
+    <p:spTree>
+      <p:nvGrpSpPr>
+        <p:cNvPr id="1" name=""/>
+        <p:cNvGrpSpPr/>
+        <p:nvPr/>
+      </p:nvGrpSpPr>
+      <p:grpSpPr>
+        <a:xfrm>
+          <a:off x="0" y="0"/>
+          <a:ext cx="0" cy="0"/>
+          <a:chOff x="0" y="0"/>
+          <a:chExt cx="0" cy="0"/>
+        </a:xfrm>
+      </p:grpSpPr>
+      <p:sp>
+        <p:nvSpPr>
+          <p:cNvPr id="2" name="슬라이드 이미지 개체 틀 1"/>
+          <p:cNvSpPr>
+            <a:spLocks noGrp="1" noRot="1" noChangeAspect="1"/>
+          </p:cNvSpPr>
+          <p:nvPr>
+            <p:ph type="sldImg"/>
+          </p:nvPr>
+        </p:nvSpPr>
+        <p:spPr/>
+      </p:sp>
+      <p:sp>
+        <p:nvSpPr>
+          <p:cNvPr id="3" name="슬라이드 노트 개체 틀 2"/>
+          <p:cNvSpPr>
+            <a:spLocks noGrp="1"/>
+          </p:cNvSpPr>
+          <p:nvPr>
+            <p:ph type="body" idx="1"/>
+          </p:nvPr>
+        </p:nvSpPr>
+        <p:spPr/>
+        <p:txBody>
+          <a:bodyPr/>
+          <a:lstStyle/>
+          <a:p>
+            <a:endParaRPr lang="ko-KR" altLang="en-US"/>
+          </a:p>
+        </p:txBody>
+      </p:sp>
+      <p:sp>
+        <p:nvSpPr>
+          <p:cNvPr id="4" name="슬라이드 번호 개체 틀 3"/>
+          <p:cNvSpPr>
+            <a:spLocks noGrp="1"/>
+          </p:cNvSpPr>
+          <p:nvPr>
+            <p:ph type="sldNum" sz="quarter" idx="10"/>
+          </p:nvPr>
+        </p:nvSpPr>
+        <p:spPr/>
+        <p:txBody>
+          <a:bodyPr/>
+          <a:lstStyle/>
+          <a:p>
+            <a:fld id="{BA5DFA43-8D57-47FB-BC46-057616015C3B}" type="slidenum">
+              <a:rPr lang="ko-KR" altLang="en-US" smtClean="0"/>
+              <a:t>8</a:t>
             </a:fld>
             <a:endParaRPr lang="ko-KR" altLang="en-US"/>
           </a:p>
@@ -1085,7 +1170,7 @@
           <a:p>
             <a:fld id="{FB30EDBD-1C2D-4C1E-B459-B60219FAB484}" type="datetimeFigureOut">
               <a:rPr lang="ko-KR" altLang="en-US" smtClean="0"/>
-              <a:t>2019-05-14</a:t>
+              <a:t>2019-05-15</a:t>
             </a:fld>
             <a:endParaRPr lang="ko-KR" altLang="en-US"/>
           </a:p>
@@ -1248,7 +1333,7 @@
           <a:p>
             <a:fld id="{FB30EDBD-1C2D-4C1E-B459-B60219FAB484}" type="datetimeFigureOut">
               <a:rPr lang="ko-KR" altLang="en-US" smtClean="0"/>
-              <a:t>2019-05-14</a:t>
+              <a:t>2019-05-15</a:t>
             </a:fld>
             <a:endParaRPr lang="ko-KR" altLang="en-US"/>
           </a:p>
@@ -1421,7 +1506,7 @@
           <a:p>
             <a:fld id="{FB30EDBD-1C2D-4C1E-B459-B60219FAB484}" type="datetimeFigureOut">
               <a:rPr lang="ko-KR" altLang="en-US" smtClean="0"/>
-              <a:t>2019-05-14</a:t>
+              <a:t>2019-05-15</a:t>
             </a:fld>
             <a:endParaRPr lang="ko-KR" altLang="en-US"/>
           </a:p>
@@ -1584,7 +1669,7 @@
           <a:p>
             <a:fld id="{FB30EDBD-1C2D-4C1E-B459-B60219FAB484}" type="datetimeFigureOut">
               <a:rPr lang="ko-KR" altLang="en-US" smtClean="0"/>
-              <a:t>2019-05-14</a:t>
+              <a:t>2019-05-15</a:t>
             </a:fld>
             <a:endParaRPr lang="ko-KR" altLang="en-US"/>
           </a:p>
@@ -1824,7 +1909,7 @@
           <a:p>
             <a:fld id="{FB30EDBD-1C2D-4C1E-B459-B60219FAB484}" type="datetimeFigureOut">
               <a:rPr lang="ko-KR" altLang="en-US" smtClean="0"/>
-              <a:t>2019-05-14</a:t>
+              <a:t>2019-05-15</a:t>
             </a:fld>
             <a:endParaRPr lang="ko-KR" altLang="en-US"/>
           </a:p>
@@ -2104,7 +2189,7 @@
           <a:p>
             <a:fld id="{FB30EDBD-1C2D-4C1E-B459-B60219FAB484}" type="datetimeFigureOut">
               <a:rPr lang="ko-KR" altLang="en-US" smtClean="0"/>
-              <a:t>2019-05-14</a:t>
+              <a:t>2019-05-15</a:t>
             </a:fld>
             <a:endParaRPr lang="ko-KR" altLang="en-US"/>
           </a:p>
@@ -2518,7 +2603,7 @@
           <a:p>
             <a:fld id="{FB30EDBD-1C2D-4C1E-B459-B60219FAB484}" type="datetimeFigureOut">
               <a:rPr lang="ko-KR" altLang="en-US" smtClean="0"/>
-              <a:t>2019-05-14</a:t>
+              <a:t>2019-05-15</a:t>
             </a:fld>
             <a:endParaRPr lang="ko-KR" altLang="en-US"/>
           </a:p>
@@ -2630,7 +2715,7 @@
           <a:p>
             <a:fld id="{FB30EDBD-1C2D-4C1E-B459-B60219FAB484}" type="datetimeFigureOut">
               <a:rPr lang="ko-KR" altLang="en-US" smtClean="0"/>
-              <a:t>2019-05-14</a:t>
+              <a:t>2019-05-15</a:t>
             </a:fld>
             <a:endParaRPr lang="ko-KR" altLang="en-US"/>
           </a:p>
@@ -2720,7 +2805,7 @@
           <a:p>
             <a:fld id="{FB30EDBD-1C2D-4C1E-B459-B60219FAB484}" type="datetimeFigureOut">
               <a:rPr lang="ko-KR" altLang="en-US" smtClean="0"/>
-              <a:t>2019-05-14</a:t>
+              <a:t>2019-05-15</a:t>
             </a:fld>
             <a:endParaRPr lang="ko-KR" altLang="en-US"/>
           </a:p>
@@ -2990,7 +3075,7 @@
           <a:p>
             <a:fld id="{FB30EDBD-1C2D-4C1E-B459-B60219FAB484}" type="datetimeFigureOut">
               <a:rPr lang="ko-KR" altLang="en-US" smtClean="0"/>
-              <a:t>2019-05-14</a:t>
+              <a:t>2019-05-15</a:t>
             </a:fld>
             <a:endParaRPr lang="ko-KR" altLang="en-US"/>
           </a:p>
@@ -3237,7 +3322,7 @@
           <a:p>
             <a:fld id="{FB30EDBD-1C2D-4C1E-B459-B60219FAB484}" type="datetimeFigureOut">
               <a:rPr lang="ko-KR" altLang="en-US" smtClean="0"/>
-              <a:t>2019-05-14</a:t>
+              <a:t>2019-05-15</a:t>
             </a:fld>
             <a:endParaRPr lang="ko-KR" altLang="en-US"/>
           </a:p>
@@ -3443,7 +3528,7 @@
           <a:p>
             <a:fld id="{FB30EDBD-1C2D-4C1E-B459-B60219FAB484}" type="datetimeFigureOut">
               <a:rPr lang="ko-KR" altLang="en-US" smtClean="0"/>
-              <a:t>2019-05-14</a:t>
+              <a:t>2019-05-15</a:t>
             </a:fld>
             <a:endParaRPr lang="ko-KR" altLang="en-US"/>
           </a:p>
@@ -4681,7 +4766,7 @@
                   <a:schemeClr val="tx2"/>
                 </a:solidFill>
               </a:rPr>
-              <a:t>KUBE-SERVICE</a:t>
+              <a:t>KUBE-SERVICES</a:t>
             </a:r>
           </a:p>
         </p:txBody>
@@ -12420,6 +12505,2244 @@
       </p:grpSpPr>
       <p:sp>
         <p:nvSpPr>
+          <p:cNvPr id="26" name="제목 1">
+            <a:extLst>
+              <a:ext uri="{FF2B5EF4-FFF2-40B4-BE49-F238E27FC236}">
+                <a16:creationId xmlns:a16="http://schemas.microsoft.com/office/drawing/2014/main" id="{8996A3B6-EF2F-433F-A247-A77B4E18237E}"/>
+              </a:ext>
+            </a:extLst>
+          </p:cNvPr>
+          <p:cNvSpPr>
+            <a:spLocks noGrp="1"/>
+          </p:cNvSpPr>
+          <p:nvPr>
+            <p:ph type="title"/>
+          </p:nvPr>
+        </p:nvSpPr>
+        <p:spPr>
+          <a:xfrm>
+            <a:off x="457200" y="-380578"/>
+            <a:ext cx="8229600" cy="857250"/>
+          </a:xfrm>
+        </p:spPr>
+        <p:txBody>
+          <a:bodyPr/>
+          <a:lstStyle/>
+          <a:p>
+            <a:r>
+              <a:rPr lang="en-US" altLang="ko-KR"/>
+              <a:t>IPVS</a:t>
+            </a:r>
+            <a:r>
+              <a:rPr lang="ko-KR" altLang="en-US"/>
+              <a:t> </a:t>
+            </a:r>
+            <a:r>
+              <a:rPr lang="en-US" altLang="ko-KR"/>
+              <a:t>Mode</a:t>
+            </a:r>
+            <a:r>
+              <a:rPr lang="ko-KR" altLang="en-US"/>
+              <a:t> </a:t>
+            </a:r>
+            <a:r>
+              <a:rPr lang="en-US" altLang="ko-KR"/>
+              <a:t>Packet</a:t>
+            </a:r>
+            <a:r>
+              <a:rPr lang="ko-KR" altLang="en-US"/>
+              <a:t> </a:t>
+            </a:r>
+            <a:r>
+              <a:rPr lang="en-US" altLang="ko-KR"/>
+              <a:t>Path</a:t>
+            </a:r>
+            <a:endParaRPr lang="ko-KR" altLang="en-US"/>
+          </a:p>
+        </p:txBody>
+      </p:sp>
+      <p:sp>
+        <p:nvSpPr>
+          <p:cNvPr id="37" name="사각형: 둥근 모서리 36">
+            <a:extLst>
+              <a:ext uri="{FF2B5EF4-FFF2-40B4-BE49-F238E27FC236}">
+                <a16:creationId xmlns:a16="http://schemas.microsoft.com/office/drawing/2014/main" id="{5DF08894-10CA-4E97-A9A5-E3D93AA9539D}"/>
+              </a:ext>
+            </a:extLst>
+          </p:cNvPr>
+          <p:cNvSpPr/>
+          <p:nvPr/>
+        </p:nvSpPr>
+        <p:spPr>
+          <a:xfrm>
+            <a:off x="1691682" y="555526"/>
+            <a:ext cx="1656182" cy="857250"/>
+          </a:xfrm>
+          <a:prstGeom prst="roundRect">
+            <a:avLst>
+              <a:gd name="adj" fmla="val 6633"/>
+            </a:avLst>
+          </a:prstGeom>
+        </p:spPr>
+        <p:style>
+          <a:lnRef idx="2">
+            <a:schemeClr val="dk1"/>
+          </a:lnRef>
+          <a:fillRef idx="1">
+            <a:schemeClr val="lt1"/>
+          </a:fillRef>
+          <a:effectRef idx="0">
+            <a:schemeClr val="dk1"/>
+          </a:effectRef>
+          <a:fontRef idx="minor">
+            <a:schemeClr val="dk1"/>
+          </a:fontRef>
+        </p:style>
+        <p:txBody>
+          <a:bodyPr rtlCol="0" anchor="t"/>
+          <a:lstStyle/>
+          <a:p>
+            <a:pPr algn="ctr"/>
+            <a:r>
+              <a:rPr lang="en-US" altLang="ko-KR" sz="1400"/>
+              <a:t>Pod A</a:t>
+            </a:r>
+          </a:p>
+          <a:p>
+            <a:pPr algn="ctr"/>
+            <a:r>
+              <a:rPr lang="en-US" altLang="ko-KR" sz="1400"/>
+              <a:t>Net Namespace</a:t>
+            </a:r>
+            <a:endParaRPr lang="ko-KR" altLang="en-US" sz="1400"/>
+          </a:p>
+        </p:txBody>
+      </p:sp>
+      <p:sp>
+        <p:nvSpPr>
+          <p:cNvPr id="40" name="사각형: 둥근 모서리 39">
+            <a:extLst>
+              <a:ext uri="{FF2B5EF4-FFF2-40B4-BE49-F238E27FC236}">
+                <a16:creationId xmlns:a16="http://schemas.microsoft.com/office/drawing/2014/main" id="{BB64BC4F-046B-4833-94B3-D1F2D50843E5}"/>
+              </a:ext>
+            </a:extLst>
+          </p:cNvPr>
+          <p:cNvSpPr/>
+          <p:nvPr/>
+        </p:nvSpPr>
+        <p:spPr>
+          <a:xfrm>
+            <a:off x="1907706" y="1140198"/>
+            <a:ext cx="1224134" cy="272578"/>
+          </a:xfrm>
+          <a:prstGeom prst="roundRect">
+            <a:avLst>
+              <a:gd name="adj" fmla="val 15087"/>
+            </a:avLst>
+          </a:prstGeom>
+        </p:spPr>
+        <p:style>
+          <a:lnRef idx="2">
+            <a:schemeClr val="dk1"/>
+          </a:lnRef>
+          <a:fillRef idx="1">
+            <a:schemeClr val="lt1"/>
+          </a:fillRef>
+          <a:effectRef idx="0">
+            <a:schemeClr val="dk1"/>
+          </a:effectRef>
+          <a:fontRef idx="minor">
+            <a:schemeClr val="dk1"/>
+          </a:fontRef>
+        </p:style>
+        <p:txBody>
+          <a:bodyPr rtlCol="0" anchor="ctr"/>
+          <a:lstStyle/>
+          <a:p>
+            <a:pPr algn="ctr"/>
+            <a:r>
+              <a:rPr lang="en-US" altLang="ko-KR" sz="1200"/>
+              <a:t>veth interface</a:t>
+            </a:r>
+          </a:p>
+        </p:txBody>
+      </p:sp>
+      <p:sp>
+        <p:nvSpPr>
+          <p:cNvPr id="42" name="사각형: 둥근 모서리 41">
+            <a:extLst>
+              <a:ext uri="{FF2B5EF4-FFF2-40B4-BE49-F238E27FC236}">
+                <a16:creationId xmlns:a16="http://schemas.microsoft.com/office/drawing/2014/main" id="{C578B6D8-62A4-4C86-A3C2-50037AA64487}"/>
+              </a:ext>
+            </a:extLst>
+          </p:cNvPr>
+          <p:cNvSpPr/>
+          <p:nvPr/>
+        </p:nvSpPr>
+        <p:spPr>
+          <a:xfrm>
+            <a:off x="1216139" y="1597367"/>
+            <a:ext cx="7028266" cy="3111949"/>
+          </a:xfrm>
+          <a:prstGeom prst="roundRect">
+            <a:avLst>
+              <a:gd name="adj" fmla="val 3729"/>
+            </a:avLst>
+          </a:prstGeom>
+        </p:spPr>
+        <p:style>
+          <a:lnRef idx="2">
+            <a:schemeClr val="dk1"/>
+          </a:lnRef>
+          <a:fillRef idx="1">
+            <a:schemeClr val="lt1"/>
+          </a:fillRef>
+          <a:effectRef idx="0">
+            <a:schemeClr val="dk1"/>
+          </a:effectRef>
+          <a:fontRef idx="minor">
+            <a:schemeClr val="dk1"/>
+          </a:fontRef>
+        </p:style>
+        <p:txBody>
+          <a:bodyPr rtlCol="0" anchor="t"/>
+          <a:lstStyle/>
+          <a:p>
+            <a:pPr algn="ctr"/>
+            <a:r>
+              <a:rPr lang="en-US" altLang="ko-KR" sz="1400"/>
+              <a:t>Host Net Namespace</a:t>
+            </a:r>
+            <a:endParaRPr lang="ko-KR" altLang="en-US" sz="1400"/>
+          </a:p>
+        </p:txBody>
+      </p:sp>
+      <p:sp>
+        <p:nvSpPr>
+          <p:cNvPr id="43" name="사각형: 둥근 모서리 42">
+            <a:extLst>
+              <a:ext uri="{FF2B5EF4-FFF2-40B4-BE49-F238E27FC236}">
+                <a16:creationId xmlns:a16="http://schemas.microsoft.com/office/drawing/2014/main" id="{9E1EF096-9201-4CF2-9016-878474AC7960}"/>
+              </a:ext>
+            </a:extLst>
+          </p:cNvPr>
+          <p:cNvSpPr/>
+          <p:nvPr/>
+        </p:nvSpPr>
+        <p:spPr>
+          <a:xfrm>
+            <a:off x="1907706" y="1597959"/>
+            <a:ext cx="1224134" cy="272578"/>
+          </a:xfrm>
+          <a:prstGeom prst="roundRect">
+            <a:avLst>
+              <a:gd name="adj" fmla="val 15087"/>
+            </a:avLst>
+          </a:prstGeom>
+        </p:spPr>
+        <p:style>
+          <a:lnRef idx="2">
+            <a:schemeClr val="dk1"/>
+          </a:lnRef>
+          <a:fillRef idx="1">
+            <a:schemeClr val="lt1"/>
+          </a:fillRef>
+          <a:effectRef idx="0">
+            <a:schemeClr val="dk1"/>
+          </a:effectRef>
+          <a:fontRef idx="minor">
+            <a:schemeClr val="dk1"/>
+          </a:fontRef>
+        </p:style>
+        <p:txBody>
+          <a:bodyPr rtlCol="0" anchor="ctr"/>
+          <a:lstStyle/>
+          <a:p>
+            <a:pPr algn="ctr"/>
+            <a:r>
+              <a:rPr lang="en-US" altLang="ko-KR" sz="1200"/>
+              <a:t>veth interface</a:t>
+            </a:r>
+          </a:p>
+        </p:txBody>
+      </p:sp>
+      <p:cxnSp>
+        <p:nvCxnSpPr>
+          <p:cNvPr id="45" name="직선 연결선 44">
+            <a:extLst>
+              <a:ext uri="{FF2B5EF4-FFF2-40B4-BE49-F238E27FC236}">
+                <a16:creationId xmlns:a16="http://schemas.microsoft.com/office/drawing/2014/main" id="{596DEBC7-DF1F-4F4B-9E15-E411A679E8A0}"/>
+              </a:ext>
+            </a:extLst>
+          </p:cNvPr>
+          <p:cNvCxnSpPr>
+            <a:cxnSpLocks/>
+            <a:stCxn id="40" idx="2"/>
+            <a:endCxn id="43" idx="0"/>
+          </p:cNvCxnSpPr>
+          <p:nvPr/>
+        </p:nvCxnSpPr>
+        <p:spPr>
+          <a:xfrm>
+            <a:off x="2519773" y="1412776"/>
+            <a:ext cx="0" cy="185183"/>
+          </a:xfrm>
+          <a:prstGeom prst="line">
+            <a:avLst/>
+          </a:prstGeom>
+          <a:ln w="28575">
+            <a:solidFill>
+              <a:schemeClr val="tx1"/>
+            </a:solidFill>
+          </a:ln>
+        </p:spPr>
+        <p:style>
+          <a:lnRef idx="1">
+            <a:schemeClr val="accent1"/>
+          </a:lnRef>
+          <a:fillRef idx="0">
+            <a:schemeClr val="accent1"/>
+          </a:fillRef>
+          <a:effectRef idx="0">
+            <a:schemeClr val="accent1"/>
+          </a:effectRef>
+          <a:fontRef idx="minor">
+            <a:schemeClr val="tx1"/>
+          </a:fontRef>
+        </p:style>
+      </p:cxnSp>
+      <p:sp>
+        <p:nvSpPr>
+          <p:cNvPr id="78" name="사각형: 둥근 모서리 77">
+            <a:extLst>
+              <a:ext uri="{FF2B5EF4-FFF2-40B4-BE49-F238E27FC236}">
+                <a16:creationId xmlns:a16="http://schemas.microsoft.com/office/drawing/2014/main" id="{8C1B9B8D-0CF6-4E54-8D89-CB269563C2F2}"/>
+              </a:ext>
+            </a:extLst>
+          </p:cNvPr>
+          <p:cNvSpPr/>
+          <p:nvPr/>
+        </p:nvSpPr>
+        <p:spPr>
+          <a:xfrm>
+            <a:off x="6012160" y="555526"/>
+            <a:ext cx="1656182" cy="857250"/>
+          </a:xfrm>
+          <a:prstGeom prst="roundRect">
+            <a:avLst>
+              <a:gd name="adj" fmla="val 6633"/>
+            </a:avLst>
+          </a:prstGeom>
+        </p:spPr>
+        <p:style>
+          <a:lnRef idx="2">
+            <a:schemeClr val="dk1"/>
+          </a:lnRef>
+          <a:fillRef idx="1">
+            <a:schemeClr val="lt1"/>
+          </a:fillRef>
+          <a:effectRef idx="0">
+            <a:schemeClr val="dk1"/>
+          </a:effectRef>
+          <a:fontRef idx="minor">
+            <a:schemeClr val="dk1"/>
+          </a:fontRef>
+        </p:style>
+        <p:txBody>
+          <a:bodyPr rtlCol="0" anchor="t"/>
+          <a:lstStyle/>
+          <a:p>
+            <a:pPr algn="ctr"/>
+            <a:r>
+              <a:rPr lang="en-US" altLang="ko-KR" sz="1400"/>
+              <a:t>Pod B</a:t>
+            </a:r>
+          </a:p>
+          <a:p>
+            <a:pPr algn="ctr"/>
+            <a:r>
+              <a:rPr lang="en-US" altLang="ko-KR" sz="1400"/>
+              <a:t>Net Namespace</a:t>
+            </a:r>
+            <a:endParaRPr lang="ko-KR" altLang="en-US" sz="1400"/>
+          </a:p>
+        </p:txBody>
+      </p:sp>
+      <p:sp>
+        <p:nvSpPr>
+          <p:cNvPr id="79" name="사각형: 둥근 모서리 78">
+            <a:extLst>
+              <a:ext uri="{FF2B5EF4-FFF2-40B4-BE49-F238E27FC236}">
+                <a16:creationId xmlns:a16="http://schemas.microsoft.com/office/drawing/2014/main" id="{CED02E20-5817-4B82-B805-8CECA18FA615}"/>
+              </a:ext>
+            </a:extLst>
+          </p:cNvPr>
+          <p:cNvSpPr/>
+          <p:nvPr/>
+        </p:nvSpPr>
+        <p:spPr>
+          <a:xfrm>
+            <a:off x="6228184" y="1140198"/>
+            <a:ext cx="1224134" cy="272578"/>
+          </a:xfrm>
+          <a:prstGeom prst="roundRect">
+            <a:avLst>
+              <a:gd name="adj" fmla="val 15087"/>
+            </a:avLst>
+          </a:prstGeom>
+        </p:spPr>
+        <p:style>
+          <a:lnRef idx="2">
+            <a:schemeClr val="dk1"/>
+          </a:lnRef>
+          <a:fillRef idx="1">
+            <a:schemeClr val="lt1"/>
+          </a:fillRef>
+          <a:effectRef idx="0">
+            <a:schemeClr val="dk1"/>
+          </a:effectRef>
+          <a:fontRef idx="minor">
+            <a:schemeClr val="dk1"/>
+          </a:fontRef>
+        </p:style>
+        <p:txBody>
+          <a:bodyPr rtlCol="0" anchor="ctr"/>
+          <a:lstStyle/>
+          <a:p>
+            <a:pPr algn="ctr"/>
+            <a:r>
+              <a:rPr lang="en-US" altLang="ko-KR" sz="1200"/>
+              <a:t>veth interface</a:t>
+            </a:r>
+          </a:p>
+        </p:txBody>
+      </p:sp>
+      <p:sp>
+        <p:nvSpPr>
+          <p:cNvPr id="80" name="사각형: 둥근 모서리 79">
+            <a:extLst>
+              <a:ext uri="{FF2B5EF4-FFF2-40B4-BE49-F238E27FC236}">
+                <a16:creationId xmlns:a16="http://schemas.microsoft.com/office/drawing/2014/main" id="{ABBB7494-F427-41D5-B223-E9B58F163FF2}"/>
+              </a:ext>
+            </a:extLst>
+          </p:cNvPr>
+          <p:cNvSpPr/>
+          <p:nvPr/>
+        </p:nvSpPr>
+        <p:spPr>
+          <a:xfrm>
+            <a:off x="6228184" y="1597959"/>
+            <a:ext cx="1224134" cy="272578"/>
+          </a:xfrm>
+          <a:prstGeom prst="roundRect">
+            <a:avLst>
+              <a:gd name="adj" fmla="val 15087"/>
+            </a:avLst>
+          </a:prstGeom>
+        </p:spPr>
+        <p:style>
+          <a:lnRef idx="2">
+            <a:schemeClr val="dk1"/>
+          </a:lnRef>
+          <a:fillRef idx="1">
+            <a:schemeClr val="lt1"/>
+          </a:fillRef>
+          <a:effectRef idx="0">
+            <a:schemeClr val="dk1"/>
+          </a:effectRef>
+          <a:fontRef idx="minor">
+            <a:schemeClr val="dk1"/>
+          </a:fontRef>
+        </p:style>
+        <p:txBody>
+          <a:bodyPr rtlCol="0" anchor="ctr"/>
+          <a:lstStyle/>
+          <a:p>
+            <a:pPr algn="ctr"/>
+            <a:r>
+              <a:rPr lang="en-US" altLang="ko-KR" sz="1200"/>
+              <a:t>veth interface</a:t>
+            </a:r>
+          </a:p>
+        </p:txBody>
+      </p:sp>
+      <p:cxnSp>
+        <p:nvCxnSpPr>
+          <p:cNvPr id="81" name="직선 연결선 80">
+            <a:extLst>
+              <a:ext uri="{FF2B5EF4-FFF2-40B4-BE49-F238E27FC236}">
+                <a16:creationId xmlns:a16="http://schemas.microsoft.com/office/drawing/2014/main" id="{1CD8A4E0-E791-4C69-8231-0FE7449C79BA}"/>
+              </a:ext>
+            </a:extLst>
+          </p:cNvPr>
+          <p:cNvCxnSpPr>
+            <a:cxnSpLocks/>
+            <a:stCxn id="79" idx="2"/>
+            <a:endCxn id="80" idx="0"/>
+          </p:cNvCxnSpPr>
+          <p:nvPr/>
+        </p:nvCxnSpPr>
+        <p:spPr>
+          <a:xfrm>
+            <a:off x="6840251" y="1412776"/>
+            <a:ext cx="0" cy="185183"/>
+          </a:xfrm>
+          <a:prstGeom prst="line">
+            <a:avLst/>
+          </a:prstGeom>
+          <a:ln w="28575">
+            <a:solidFill>
+              <a:schemeClr val="tx1"/>
+            </a:solidFill>
+          </a:ln>
+        </p:spPr>
+        <p:style>
+          <a:lnRef idx="1">
+            <a:schemeClr val="accent1"/>
+          </a:lnRef>
+          <a:fillRef idx="0">
+            <a:schemeClr val="accent1"/>
+          </a:fillRef>
+          <a:effectRef idx="0">
+            <a:schemeClr val="accent1"/>
+          </a:effectRef>
+          <a:fontRef idx="minor">
+            <a:schemeClr val="tx1"/>
+          </a:fontRef>
+        </p:style>
+      </p:cxnSp>
+      <p:sp>
+        <p:nvSpPr>
+          <p:cNvPr id="85" name="사각형: 둥근 모서리 84">
+            <a:extLst>
+              <a:ext uri="{FF2B5EF4-FFF2-40B4-BE49-F238E27FC236}">
+                <a16:creationId xmlns:a16="http://schemas.microsoft.com/office/drawing/2014/main" id="{70323992-35B6-4AFC-8CA7-B7AE2E0F2849}"/>
+              </a:ext>
+            </a:extLst>
+          </p:cNvPr>
+          <p:cNvSpPr/>
+          <p:nvPr/>
+        </p:nvSpPr>
+        <p:spPr>
+          <a:xfrm>
+            <a:off x="3448382" y="4437111"/>
+            <a:ext cx="2563778" cy="272578"/>
+          </a:xfrm>
+          <a:prstGeom prst="roundRect">
+            <a:avLst>
+              <a:gd name="adj" fmla="val 15087"/>
+            </a:avLst>
+          </a:prstGeom>
+        </p:spPr>
+        <p:style>
+          <a:lnRef idx="2">
+            <a:schemeClr val="dk1"/>
+          </a:lnRef>
+          <a:fillRef idx="1">
+            <a:schemeClr val="lt1"/>
+          </a:fillRef>
+          <a:effectRef idx="0">
+            <a:schemeClr val="dk1"/>
+          </a:effectRef>
+          <a:fontRef idx="minor">
+            <a:schemeClr val="dk1"/>
+          </a:fontRef>
+        </p:style>
+        <p:txBody>
+          <a:bodyPr rtlCol="0" anchor="ctr"/>
+          <a:lstStyle/>
+          <a:p>
+            <a:pPr algn="ctr"/>
+            <a:r>
+              <a:rPr lang="en-US" altLang="ko-KR" sz="1200"/>
+              <a:t>eth / IPIP / VXLAN Interface</a:t>
+            </a:r>
+          </a:p>
+        </p:txBody>
+      </p:sp>
+      <p:sp>
+        <p:nvSpPr>
+          <p:cNvPr id="86" name="사각형: 둥근 모서리 85">
+            <a:extLst>
+              <a:ext uri="{FF2B5EF4-FFF2-40B4-BE49-F238E27FC236}">
+                <a16:creationId xmlns:a16="http://schemas.microsoft.com/office/drawing/2014/main" id="{005ED654-6BEF-41E6-92C9-A8DCE7F19AC0}"/>
+              </a:ext>
+            </a:extLst>
+          </p:cNvPr>
+          <p:cNvSpPr/>
+          <p:nvPr/>
+        </p:nvSpPr>
+        <p:spPr>
+          <a:xfrm>
+            <a:off x="3830855" y="1988839"/>
+            <a:ext cx="1798833" cy="519510"/>
+          </a:xfrm>
+          <a:prstGeom prst="roundRect">
+            <a:avLst>
+              <a:gd name="adj" fmla="val 6633"/>
+            </a:avLst>
+          </a:prstGeom>
+        </p:spPr>
+        <p:style>
+          <a:lnRef idx="2">
+            <a:schemeClr val="dk1"/>
+          </a:lnRef>
+          <a:fillRef idx="1">
+            <a:schemeClr val="lt1"/>
+          </a:fillRef>
+          <a:effectRef idx="0">
+            <a:schemeClr val="dk1"/>
+          </a:effectRef>
+          <a:fontRef idx="minor">
+            <a:schemeClr val="dk1"/>
+          </a:fontRef>
+        </p:style>
+        <p:txBody>
+          <a:bodyPr rtlCol="0" anchor="ctr"/>
+          <a:lstStyle/>
+          <a:p>
+            <a:pPr algn="ctr"/>
+            <a:r>
+              <a:rPr lang="en-US" altLang="ko-KR" sz="1200"/>
+              <a:t>Host Process</a:t>
+            </a:r>
+            <a:endParaRPr lang="ko-KR" altLang="en-US" sz="1200"/>
+          </a:p>
+        </p:txBody>
+      </p:sp>
+      <p:sp>
+        <p:nvSpPr>
+          <p:cNvPr id="90" name="사각형: 둥근 모서리 89">
+            <a:extLst>
+              <a:ext uri="{FF2B5EF4-FFF2-40B4-BE49-F238E27FC236}">
+                <a16:creationId xmlns:a16="http://schemas.microsoft.com/office/drawing/2014/main" id="{3083D0A7-8723-4979-9671-4E9677E30557}"/>
+              </a:ext>
+            </a:extLst>
+          </p:cNvPr>
+          <p:cNvSpPr/>
+          <p:nvPr/>
+        </p:nvSpPr>
+        <p:spPr>
+          <a:xfrm>
+            <a:off x="1621039" y="2116072"/>
+            <a:ext cx="1797468" cy="272578"/>
+          </a:xfrm>
+          <a:prstGeom prst="roundRect">
+            <a:avLst>
+              <a:gd name="adj" fmla="val 15087"/>
+            </a:avLst>
+          </a:prstGeom>
+          <a:ln>
+            <a:solidFill>
+              <a:schemeClr val="tx2"/>
+            </a:solidFill>
+          </a:ln>
+        </p:spPr>
+        <p:style>
+          <a:lnRef idx="2">
+            <a:schemeClr val="dk1"/>
+          </a:lnRef>
+          <a:fillRef idx="1">
+            <a:schemeClr val="lt1"/>
+          </a:fillRef>
+          <a:effectRef idx="0">
+            <a:schemeClr val="dk1"/>
+          </a:effectRef>
+          <a:fontRef idx="minor">
+            <a:schemeClr val="dk1"/>
+          </a:fontRef>
+        </p:style>
+        <p:txBody>
+          <a:bodyPr rtlCol="0" anchor="ctr"/>
+          <a:lstStyle/>
+          <a:p>
+            <a:pPr algn="ctr"/>
+            <a:r>
+              <a:rPr lang="en-US" altLang="ko-KR" sz="1200">
+                <a:solidFill>
+                  <a:schemeClr val="tx2"/>
+                </a:solidFill>
+              </a:rPr>
+              <a:t>PREROUTING</a:t>
+            </a:r>
+          </a:p>
+        </p:txBody>
+      </p:sp>
+      <p:sp>
+        <p:nvSpPr>
+          <p:cNvPr id="91" name="사각형: 둥근 모서리 90">
+            <a:extLst>
+              <a:ext uri="{FF2B5EF4-FFF2-40B4-BE49-F238E27FC236}">
+                <a16:creationId xmlns:a16="http://schemas.microsoft.com/office/drawing/2014/main" id="{8673B26D-82CE-4191-92D3-8B4D0EEE3E55}"/>
+              </a:ext>
+            </a:extLst>
+          </p:cNvPr>
+          <p:cNvSpPr/>
+          <p:nvPr/>
+        </p:nvSpPr>
+        <p:spPr>
+          <a:xfrm>
+            <a:off x="3831537" y="2720974"/>
+            <a:ext cx="1797468" cy="272578"/>
+          </a:xfrm>
+          <a:prstGeom prst="roundRect">
+            <a:avLst>
+              <a:gd name="adj" fmla="val 15087"/>
+            </a:avLst>
+          </a:prstGeom>
+          <a:ln>
+            <a:solidFill>
+              <a:schemeClr val="tx2"/>
+            </a:solidFill>
+          </a:ln>
+        </p:spPr>
+        <p:style>
+          <a:lnRef idx="2">
+            <a:schemeClr val="dk1"/>
+          </a:lnRef>
+          <a:fillRef idx="1">
+            <a:schemeClr val="lt1"/>
+          </a:fillRef>
+          <a:effectRef idx="0">
+            <a:schemeClr val="dk1"/>
+          </a:effectRef>
+          <a:fontRef idx="minor">
+            <a:schemeClr val="dk1"/>
+          </a:fontRef>
+        </p:style>
+        <p:txBody>
+          <a:bodyPr rtlCol="0" anchor="ctr"/>
+          <a:lstStyle/>
+          <a:p>
+            <a:pPr algn="ctr"/>
+            <a:r>
+              <a:rPr lang="en-US" altLang="ko-KR" sz="1200">
+                <a:solidFill>
+                  <a:schemeClr val="tx2"/>
+                </a:solidFill>
+              </a:rPr>
+              <a:t>OUTPUT</a:t>
+            </a:r>
+          </a:p>
+        </p:txBody>
+      </p:sp>
+      <p:cxnSp>
+        <p:nvCxnSpPr>
+          <p:cNvPr id="93" name="직선 화살표 연결선 92">
+            <a:extLst>
+              <a:ext uri="{FF2B5EF4-FFF2-40B4-BE49-F238E27FC236}">
+                <a16:creationId xmlns:a16="http://schemas.microsoft.com/office/drawing/2014/main" id="{2511C344-2234-4CC1-8C01-CC5A002274E0}"/>
+              </a:ext>
+            </a:extLst>
+          </p:cNvPr>
+          <p:cNvCxnSpPr>
+            <a:cxnSpLocks/>
+            <a:stCxn id="43" idx="2"/>
+            <a:endCxn id="90" idx="0"/>
+          </p:cNvCxnSpPr>
+          <p:nvPr/>
+        </p:nvCxnSpPr>
+        <p:spPr>
+          <a:xfrm>
+            <a:off x="2519773" y="1870537"/>
+            <a:ext cx="0" cy="245535"/>
+          </a:xfrm>
+          <a:prstGeom prst="straightConnector1">
+            <a:avLst/>
+          </a:prstGeom>
+          <a:ln w="28575">
+            <a:solidFill>
+              <a:schemeClr val="tx1"/>
+            </a:solidFill>
+            <a:tailEnd type="arrow"/>
+          </a:ln>
+        </p:spPr>
+        <p:style>
+          <a:lnRef idx="1">
+            <a:schemeClr val="accent1"/>
+          </a:lnRef>
+          <a:fillRef idx="0">
+            <a:schemeClr val="accent1"/>
+          </a:fillRef>
+          <a:effectRef idx="0">
+            <a:schemeClr val="accent1"/>
+          </a:effectRef>
+          <a:fontRef idx="minor">
+            <a:schemeClr val="tx1"/>
+          </a:fontRef>
+        </p:style>
+      </p:cxnSp>
+      <p:cxnSp>
+        <p:nvCxnSpPr>
+          <p:cNvPr id="96" name="직선 화살표 연결선 95">
+            <a:extLst>
+              <a:ext uri="{FF2B5EF4-FFF2-40B4-BE49-F238E27FC236}">
+                <a16:creationId xmlns:a16="http://schemas.microsoft.com/office/drawing/2014/main" id="{F6B53178-8C8D-4A71-992D-DEB3A83586B3}"/>
+              </a:ext>
+            </a:extLst>
+          </p:cNvPr>
+          <p:cNvCxnSpPr>
+            <a:cxnSpLocks/>
+            <a:stCxn id="86" idx="2"/>
+            <a:endCxn id="91" idx="0"/>
+          </p:cNvCxnSpPr>
+          <p:nvPr/>
+        </p:nvCxnSpPr>
+        <p:spPr>
+          <a:xfrm flipH="1">
+            <a:off x="4730271" y="2508349"/>
+            <a:ext cx="1" cy="212625"/>
+          </a:xfrm>
+          <a:prstGeom prst="straightConnector1">
+            <a:avLst/>
+          </a:prstGeom>
+          <a:ln w="28575">
+            <a:solidFill>
+              <a:schemeClr val="tx1"/>
+            </a:solidFill>
+            <a:tailEnd type="arrow"/>
+          </a:ln>
+        </p:spPr>
+        <p:style>
+          <a:lnRef idx="1">
+            <a:schemeClr val="accent1"/>
+          </a:lnRef>
+          <a:fillRef idx="0">
+            <a:schemeClr val="accent1"/>
+          </a:fillRef>
+          <a:effectRef idx="0">
+            <a:schemeClr val="accent1"/>
+          </a:effectRef>
+          <a:fontRef idx="minor">
+            <a:schemeClr val="tx1"/>
+          </a:fontRef>
+        </p:style>
+      </p:cxnSp>
+      <p:sp>
+        <p:nvSpPr>
+          <p:cNvPr id="101" name="사각형: 둥근 모서리 100">
+            <a:extLst>
+              <a:ext uri="{FF2B5EF4-FFF2-40B4-BE49-F238E27FC236}">
+                <a16:creationId xmlns:a16="http://schemas.microsoft.com/office/drawing/2014/main" id="{4C2EBFC8-7651-42CE-B439-03E50C549181}"/>
+              </a:ext>
+            </a:extLst>
+          </p:cNvPr>
+          <p:cNvSpPr/>
+          <p:nvPr/>
+        </p:nvSpPr>
+        <p:spPr>
+          <a:xfrm>
+            <a:off x="1621039" y="2724373"/>
+            <a:ext cx="1797468" cy="272578"/>
+          </a:xfrm>
+          <a:prstGeom prst="roundRect">
+            <a:avLst>
+              <a:gd name="adj" fmla="val 15087"/>
+            </a:avLst>
+          </a:prstGeom>
+          <a:ln>
+            <a:solidFill>
+              <a:schemeClr val="tx2"/>
+            </a:solidFill>
+          </a:ln>
+        </p:spPr>
+        <p:style>
+          <a:lnRef idx="2">
+            <a:schemeClr val="dk1"/>
+          </a:lnRef>
+          <a:fillRef idx="1">
+            <a:schemeClr val="lt1"/>
+          </a:fillRef>
+          <a:effectRef idx="0">
+            <a:schemeClr val="dk1"/>
+          </a:effectRef>
+          <a:fontRef idx="minor">
+            <a:schemeClr val="dk1"/>
+          </a:fontRef>
+        </p:style>
+        <p:txBody>
+          <a:bodyPr rtlCol="0" anchor="ctr"/>
+          <a:lstStyle/>
+          <a:p>
+            <a:pPr algn="ctr"/>
+            <a:r>
+              <a:rPr lang="en-US" altLang="ko-KR" sz="1200" b="1">
+                <a:solidFill>
+                  <a:schemeClr val="tx2"/>
+                </a:solidFill>
+              </a:rPr>
+              <a:t>KUBE-SERVICES</a:t>
+            </a:r>
+          </a:p>
+        </p:txBody>
+      </p:sp>
+      <p:cxnSp>
+        <p:nvCxnSpPr>
+          <p:cNvPr id="102" name="직선 화살표 연결선 101">
+            <a:extLst>
+              <a:ext uri="{FF2B5EF4-FFF2-40B4-BE49-F238E27FC236}">
+                <a16:creationId xmlns:a16="http://schemas.microsoft.com/office/drawing/2014/main" id="{ECEE0818-1A81-4312-9F3D-8C1349A7D83E}"/>
+              </a:ext>
+            </a:extLst>
+          </p:cNvPr>
+          <p:cNvCxnSpPr>
+            <a:cxnSpLocks/>
+            <a:stCxn id="90" idx="2"/>
+            <a:endCxn id="101" idx="0"/>
+          </p:cNvCxnSpPr>
+          <p:nvPr/>
+        </p:nvCxnSpPr>
+        <p:spPr>
+          <a:xfrm>
+            <a:off x="2519773" y="2388650"/>
+            <a:ext cx="0" cy="335723"/>
+          </a:xfrm>
+          <a:prstGeom prst="straightConnector1">
+            <a:avLst/>
+          </a:prstGeom>
+          <a:ln w="28575">
+            <a:solidFill>
+              <a:schemeClr val="tx1"/>
+            </a:solidFill>
+            <a:tailEnd type="arrow"/>
+          </a:ln>
+        </p:spPr>
+        <p:style>
+          <a:lnRef idx="1">
+            <a:schemeClr val="accent1"/>
+          </a:lnRef>
+          <a:fillRef idx="0">
+            <a:schemeClr val="accent1"/>
+          </a:fillRef>
+          <a:effectRef idx="0">
+            <a:schemeClr val="accent1"/>
+          </a:effectRef>
+          <a:fontRef idx="minor">
+            <a:schemeClr val="tx1"/>
+          </a:fontRef>
+        </p:style>
+      </p:cxnSp>
+      <p:cxnSp>
+        <p:nvCxnSpPr>
+          <p:cNvPr id="110" name="직선 화살표 연결선 109">
+            <a:extLst>
+              <a:ext uri="{FF2B5EF4-FFF2-40B4-BE49-F238E27FC236}">
+                <a16:creationId xmlns:a16="http://schemas.microsoft.com/office/drawing/2014/main" id="{94825236-7608-4ED0-9FAF-F83C73D3EC1E}"/>
+              </a:ext>
+            </a:extLst>
+          </p:cNvPr>
+          <p:cNvCxnSpPr>
+            <a:cxnSpLocks/>
+            <a:stCxn id="91" idx="1"/>
+            <a:endCxn id="101" idx="3"/>
+          </p:cNvCxnSpPr>
+          <p:nvPr/>
+        </p:nvCxnSpPr>
+        <p:spPr>
+          <a:xfrm flipH="1">
+            <a:off x="3418507" y="2857263"/>
+            <a:ext cx="413030" cy="3399"/>
+          </a:xfrm>
+          <a:prstGeom prst="straightConnector1">
+            <a:avLst/>
+          </a:prstGeom>
+          <a:ln w="28575">
+            <a:solidFill>
+              <a:schemeClr val="tx1"/>
+            </a:solidFill>
+            <a:tailEnd type="arrow"/>
+          </a:ln>
+        </p:spPr>
+        <p:style>
+          <a:lnRef idx="1">
+            <a:schemeClr val="accent1"/>
+          </a:lnRef>
+          <a:fillRef idx="0">
+            <a:schemeClr val="accent1"/>
+          </a:fillRef>
+          <a:effectRef idx="0">
+            <a:schemeClr val="accent1"/>
+          </a:effectRef>
+          <a:fontRef idx="minor">
+            <a:schemeClr val="tx1"/>
+          </a:fontRef>
+        </p:style>
+      </p:cxnSp>
+      <p:sp>
+        <p:nvSpPr>
+          <p:cNvPr id="115" name="사각형: 둥근 모서리 114">
+            <a:extLst>
+              <a:ext uri="{FF2B5EF4-FFF2-40B4-BE49-F238E27FC236}">
+                <a16:creationId xmlns:a16="http://schemas.microsoft.com/office/drawing/2014/main" id="{12F93DE6-68F2-43DB-86D3-1BC22195AF35}"/>
+              </a:ext>
+            </a:extLst>
+          </p:cNvPr>
+          <p:cNvSpPr/>
+          <p:nvPr/>
+        </p:nvSpPr>
+        <p:spPr>
+          <a:xfrm>
+            <a:off x="3831537" y="3332674"/>
+            <a:ext cx="1797468" cy="272578"/>
+          </a:xfrm>
+          <a:prstGeom prst="roundRect">
+            <a:avLst>
+              <a:gd name="adj" fmla="val 15087"/>
+            </a:avLst>
+          </a:prstGeom>
+          <a:ln>
+            <a:solidFill>
+              <a:schemeClr val="tx2"/>
+            </a:solidFill>
+          </a:ln>
+        </p:spPr>
+        <p:style>
+          <a:lnRef idx="2">
+            <a:schemeClr val="dk1"/>
+          </a:lnRef>
+          <a:fillRef idx="1">
+            <a:schemeClr val="lt1"/>
+          </a:fillRef>
+          <a:effectRef idx="0">
+            <a:schemeClr val="dk1"/>
+          </a:effectRef>
+          <a:fontRef idx="minor">
+            <a:schemeClr val="dk1"/>
+          </a:fontRef>
+        </p:style>
+        <p:txBody>
+          <a:bodyPr rtlCol="0" anchor="ctr"/>
+          <a:lstStyle/>
+          <a:p>
+            <a:pPr algn="ctr"/>
+            <a:r>
+              <a:rPr lang="en-US" altLang="ko-KR" sz="1200">
+                <a:solidFill>
+                  <a:schemeClr val="tx2"/>
+                </a:solidFill>
+              </a:rPr>
+              <a:t>INPUT</a:t>
+            </a:r>
+          </a:p>
+        </p:txBody>
+      </p:sp>
+      <p:sp>
+        <p:nvSpPr>
+          <p:cNvPr id="123" name="사각형: 둥근 모서리 122">
+            <a:extLst>
+              <a:ext uri="{FF2B5EF4-FFF2-40B4-BE49-F238E27FC236}">
+                <a16:creationId xmlns:a16="http://schemas.microsoft.com/office/drawing/2014/main" id="{7E1DB274-36F1-4BF7-A36D-C6F6A71BA0E9}"/>
+              </a:ext>
+            </a:extLst>
+          </p:cNvPr>
+          <p:cNvSpPr/>
+          <p:nvPr/>
+        </p:nvSpPr>
+        <p:spPr>
+          <a:xfrm>
+            <a:off x="5941517" y="3894705"/>
+            <a:ext cx="1797468" cy="272578"/>
+          </a:xfrm>
+          <a:prstGeom prst="roundRect">
+            <a:avLst>
+              <a:gd name="adj" fmla="val 15087"/>
+            </a:avLst>
+          </a:prstGeom>
+          <a:ln>
+            <a:solidFill>
+              <a:schemeClr val="tx2"/>
+            </a:solidFill>
+          </a:ln>
+        </p:spPr>
+        <p:style>
+          <a:lnRef idx="2">
+            <a:schemeClr val="dk1"/>
+          </a:lnRef>
+          <a:fillRef idx="1">
+            <a:schemeClr val="lt1"/>
+          </a:fillRef>
+          <a:effectRef idx="0">
+            <a:schemeClr val="dk1"/>
+          </a:effectRef>
+          <a:fontRef idx="minor">
+            <a:schemeClr val="dk1"/>
+          </a:fontRef>
+        </p:style>
+        <p:txBody>
+          <a:bodyPr rtlCol="0" anchor="ctr"/>
+          <a:lstStyle/>
+          <a:p>
+            <a:pPr algn="ctr"/>
+            <a:r>
+              <a:rPr lang="en-US" altLang="ko-KR" sz="1200">
+                <a:solidFill>
+                  <a:schemeClr val="tx2"/>
+                </a:solidFill>
+              </a:rPr>
+              <a:t>OUTPUT</a:t>
+            </a:r>
+          </a:p>
+        </p:txBody>
+      </p:sp>
+      <p:sp>
+        <p:nvSpPr>
+          <p:cNvPr id="137" name="사각형: 둥근 모서리 136">
+            <a:extLst>
+              <a:ext uri="{FF2B5EF4-FFF2-40B4-BE49-F238E27FC236}">
+                <a16:creationId xmlns:a16="http://schemas.microsoft.com/office/drawing/2014/main" id="{5FC3FD37-7B51-4B12-8946-296868C0CF9C}"/>
+              </a:ext>
+            </a:extLst>
+          </p:cNvPr>
+          <p:cNvSpPr/>
+          <p:nvPr/>
+        </p:nvSpPr>
+        <p:spPr>
+          <a:xfrm>
+            <a:off x="3831537" y="3889690"/>
+            <a:ext cx="1797468" cy="272578"/>
+          </a:xfrm>
+          <a:prstGeom prst="roundRect">
+            <a:avLst>
+              <a:gd name="adj" fmla="val 15087"/>
+            </a:avLst>
+          </a:prstGeom>
+          <a:ln>
+            <a:solidFill>
+              <a:schemeClr val="tx2"/>
+            </a:solidFill>
+          </a:ln>
+        </p:spPr>
+        <p:style>
+          <a:lnRef idx="2">
+            <a:schemeClr val="dk1"/>
+          </a:lnRef>
+          <a:fillRef idx="1">
+            <a:schemeClr val="lt1"/>
+          </a:fillRef>
+          <a:effectRef idx="0">
+            <a:schemeClr val="dk1"/>
+          </a:effectRef>
+          <a:fontRef idx="minor">
+            <a:schemeClr val="dk1"/>
+          </a:fontRef>
+        </p:style>
+        <p:txBody>
+          <a:bodyPr rtlCol="0" anchor="ctr"/>
+          <a:lstStyle/>
+          <a:p>
+            <a:pPr algn="ctr"/>
+            <a:r>
+              <a:rPr lang="en-US" altLang="ko-KR" sz="1200">
+                <a:solidFill>
+                  <a:schemeClr val="tx2"/>
+                </a:solidFill>
+              </a:rPr>
+              <a:t>POSTROUTING</a:t>
+            </a:r>
+          </a:p>
+        </p:txBody>
+      </p:sp>
+      <p:sp>
+        <p:nvSpPr>
+          <p:cNvPr id="139" name="사각형: 둥근 모서리 138">
+            <a:extLst>
+              <a:ext uri="{FF2B5EF4-FFF2-40B4-BE49-F238E27FC236}">
+                <a16:creationId xmlns:a16="http://schemas.microsoft.com/office/drawing/2014/main" id="{403382D5-E019-48A3-88E9-F2141C3EA614}"/>
+              </a:ext>
+            </a:extLst>
+          </p:cNvPr>
+          <p:cNvSpPr/>
+          <p:nvPr/>
+        </p:nvSpPr>
+        <p:spPr>
+          <a:xfrm>
+            <a:off x="1621039" y="3894705"/>
+            <a:ext cx="1797468" cy="272578"/>
+          </a:xfrm>
+          <a:prstGeom prst="roundRect">
+            <a:avLst>
+              <a:gd name="adj" fmla="val 15087"/>
+            </a:avLst>
+          </a:prstGeom>
+          <a:ln>
+            <a:solidFill>
+              <a:schemeClr val="tx2"/>
+            </a:solidFill>
+          </a:ln>
+        </p:spPr>
+        <p:style>
+          <a:lnRef idx="2">
+            <a:schemeClr val="dk1"/>
+          </a:lnRef>
+          <a:fillRef idx="1">
+            <a:schemeClr val="lt1"/>
+          </a:fillRef>
+          <a:effectRef idx="0">
+            <a:schemeClr val="dk1"/>
+          </a:effectRef>
+          <a:fontRef idx="minor">
+            <a:schemeClr val="dk1"/>
+          </a:fontRef>
+        </p:style>
+        <p:txBody>
+          <a:bodyPr rtlCol="0" anchor="ctr"/>
+          <a:lstStyle/>
+          <a:p>
+            <a:pPr algn="ctr"/>
+            <a:r>
+              <a:rPr lang="en-US" altLang="ko-KR" sz="1200" b="1">
+                <a:solidFill>
+                  <a:schemeClr val="tx2"/>
+                </a:solidFill>
+              </a:rPr>
+              <a:t>KUBE-POSTROUTING</a:t>
+            </a:r>
+            <a:endParaRPr lang="ko-KR" altLang="en-US" sz="1200" b="1">
+              <a:solidFill>
+                <a:schemeClr val="tx2"/>
+              </a:solidFill>
+            </a:endParaRPr>
+          </a:p>
+        </p:txBody>
+      </p:sp>
+      <p:cxnSp>
+        <p:nvCxnSpPr>
+          <p:cNvPr id="147" name="직선 화살표 연결선 146">
+            <a:extLst>
+              <a:ext uri="{FF2B5EF4-FFF2-40B4-BE49-F238E27FC236}">
+                <a16:creationId xmlns:a16="http://schemas.microsoft.com/office/drawing/2014/main" id="{47D62B09-1512-4972-B891-103189DF5D2F}"/>
+              </a:ext>
+            </a:extLst>
+          </p:cNvPr>
+          <p:cNvCxnSpPr>
+            <a:cxnSpLocks/>
+            <a:stCxn id="56" idx="2"/>
+            <a:endCxn id="123" idx="0"/>
+          </p:cNvCxnSpPr>
+          <p:nvPr/>
+        </p:nvCxnSpPr>
+        <p:spPr>
+          <a:xfrm>
+            <a:off x="6840251" y="3598454"/>
+            <a:ext cx="0" cy="296251"/>
+          </a:xfrm>
+          <a:prstGeom prst="straightConnector1">
+            <a:avLst/>
+          </a:prstGeom>
+          <a:ln w="28575">
+            <a:solidFill>
+              <a:schemeClr val="tx1"/>
+            </a:solidFill>
+            <a:tailEnd type="arrow"/>
+          </a:ln>
+        </p:spPr>
+        <p:style>
+          <a:lnRef idx="1">
+            <a:schemeClr val="accent1"/>
+          </a:lnRef>
+          <a:fillRef idx="0">
+            <a:schemeClr val="accent1"/>
+          </a:fillRef>
+          <a:effectRef idx="0">
+            <a:schemeClr val="accent1"/>
+          </a:effectRef>
+          <a:fontRef idx="minor">
+            <a:schemeClr val="tx1"/>
+          </a:fontRef>
+        </p:style>
+      </p:cxnSp>
+      <p:cxnSp>
+        <p:nvCxnSpPr>
+          <p:cNvPr id="150" name="직선 화살표 연결선 149">
+            <a:extLst>
+              <a:ext uri="{FF2B5EF4-FFF2-40B4-BE49-F238E27FC236}">
+                <a16:creationId xmlns:a16="http://schemas.microsoft.com/office/drawing/2014/main" id="{91A9C61F-89F1-4619-A987-150D8E172D94}"/>
+              </a:ext>
+            </a:extLst>
+          </p:cNvPr>
+          <p:cNvCxnSpPr>
+            <a:cxnSpLocks/>
+            <a:endCxn id="137" idx="3"/>
+          </p:cNvCxnSpPr>
+          <p:nvPr/>
+        </p:nvCxnSpPr>
+        <p:spPr>
+          <a:xfrm flipH="1">
+            <a:off x="5629005" y="4025979"/>
+            <a:ext cx="312512" cy="0"/>
+          </a:xfrm>
+          <a:prstGeom prst="straightConnector1">
+            <a:avLst/>
+          </a:prstGeom>
+          <a:ln w="28575">
+            <a:solidFill>
+              <a:schemeClr val="tx1"/>
+            </a:solidFill>
+            <a:tailEnd type="arrow"/>
+          </a:ln>
+        </p:spPr>
+        <p:style>
+          <a:lnRef idx="1">
+            <a:schemeClr val="accent1"/>
+          </a:lnRef>
+          <a:fillRef idx="0">
+            <a:schemeClr val="accent1"/>
+          </a:fillRef>
+          <a:effectRef idx="0">
+            <a:schemeClr val="accent1"/>
+          </a:effectRef>
+          <a:fontRef idx="minor">
+            <a:schemeClr val="tx1"/>
+          </a:fontRef>
+        </p:style>
+      </p:cxnSp>
+      <p:cxnSp>
+        <p:nvCxnSpPr>
+          <p:cNvPr id="156" name="직선 화살표 연결선 155">
+            <a:extLst>
+              <a:ext uri="{FF2B5EF4-FFF2-40B4-BE49-F238E27FC236}">
+                <a16:creationId xmlns:a16="http://schemas.microsoft.com/office/drawing/2014/main" id="{6F9091FD-9378-4CC7-8C25-0CA1B8065A8B}"/>
+              </a:ext>
+            </a:extLst>
+          </p:cNvPr>
+          <p:cNvCxnSpPr>
+            <a:cxnSpLocks/>
+            <a:stCxn id="137" idx="1"/>
+            <a:endCxn id="139" idx="3"/>
+          </p:cNvCxnSpPr>
+          <p:nvPr/>
+        </p:nvCxnSpPr>
+        <p:spPr>
+          <a:xfrm flipH="1">
+            <a:off x="3418507" y="4025979"/>
+            <a:ext cx="413030" cy="5015"/>
+          </a:xfrm>
+          <a:prstGeom prst="straightConnector1">
+            <a:avLst/>
+          </a:prstGeom>
+          <a:ln w="28575">
+            <a:solidFill>
+              <a:schemeClr val="tx1"/>
+            </a:solidFill>
+            <a:tailEnd type="arrow"/>
+          </a:ln>
+        </p:spPr>
+        <p:style>
+          <a:lnRef idx="1">
+            <a:schemeClr val="accent1"/>
+          </a:lnRef>
+          <a:fillRef idx="0">
+            <a:schemeClr val="accent1"/>
+          </a:fillRef>
+          <a:effectRef idx="0">
+            <a:schemeClr val="accent1"/>
+          </a:effectRef>
+          <a:fontRef idx="minor">
+            <a:schemeClr val="tx1"/>
+          </a:fontRef>
+        </p:style>
+      </p:cxnSp>
+      <p:cxnSp>
+        <p:nvCxnSpPr>
+          <p:cNvPr id="168" name="직선 화살표 연결선 167">
+            <a:extLst>
+              <a:ext uri="{FF2B5EF4-FFF2-40B4-BE49-F238E27FC236}">
+                <a16:creationId xmlns:a16="http://schemas.microsoft.com/office/drawing/2014/main" id="{2DD2B046-741C-4D26-B16D-7E5CE936AAC1}"/>
+              </a:ext>
+            </a:extLst>
+          </p:cNvPr>
+          <p:cNvCxnSpPr>
+            <a:cxnSpLocks/>
+            <a:endCxn id="85" idx="0"/>
+          </p:cNvCxnSpPr>
+          <p:nvPr/>
+        </p:nvCxnSpPr>
+        <p:spPr>
+          <a:xfrm>
+            <a:off x="4730271" y="4305300"/>
+            <a:ext cx="0" cy="131811"/>
+          </a:xfrm>
+          <a:prstGeom prst="straightConnector1">
+            <a:avLst/>
+          </a:prstGeom>
+          <a:ln w="28575">
+            <a:solidFill>
+              <a:schemeClr val="tx1"/>
+            </a:solidFill>
+            <a:tailEnd type="arrow"/>
+          </a:ln>
+        </p:spPr>
+        <p:style>
+          <a:lnRef idx="1">
+            <a:schemeClr val="accent1"/>
+          </a:lnRef>
+          <a:fillRef idx="0">
+            <a:schemeClr val="accent1"/>
+          </a:fillRef>
+          <a:effectRef idx="0">
+            <a:schemeClr val="accent1"/>
+          </a:effectRef>
+          <a:fontRef idx="minor">
+            <a:schemeClr val="tx1"/>
+          </a:fontRef>
+        </p:style>
+      </p:cxnSp>
+      <p:sp>
+        <p:nvSpPr>
+          <p:cNvPr id="187" name="자유형: 도형 186">
+            <a:extLst>
+              <a:ext uri="{FF2B5EF4-FFF2-40B4-BE49-F238E27FC236}">
+                <a16:creationId xmlns:a16="http://schemas.microsoft.com/office/drawing/2014/main" id="{8FFE265B-F7F9-4E62-9C9F-F71A08BA210B}"/>
+              </a:ext>
+            </a:extLst>
+          </p:cNvPr>
+          <p:cNvSpPr/>
+          <p:nvPr/>
+        </p:nvSpPr>
+        <p:spPr>
+          <a:xfrm>
+            <a:off x="2490912" y="1873250"/>
+            <a:ext cx="5501073" cy="2432050"/>
+          </a:xfrm>
+          <a:custGeom>
+            <a:avLst/>
+            <a:gdLst>
+              <a:gd name="connsiteX0" fmla="*/ 0 w 5448300"/>
+              <a:gd name="connsiteY0" fmla="*/ 2292350 h 2432050"/>
+              <a:gd name="connsiteX1" fmla="*/ 0 w 5448300"/>
+              <a:gd name="connsiteY1" fmla="*/ 2432050 h 2432050"/>
+              <a:gd name="connsiteX2" fmla="*/ 5448300 w 5448300"/>
+              <a:gd name="connsiteY2" fmla="*/ 2432050 h 2432050"/>
+              <a:gd name="connsiteX3" fmla="*/ 5448300 w 5448300"/>
+              <a:gd name="connsiteY3" fmla="*/ 171450 h 2432050"/>
+              <a:gd name="connsiteX4" fmla="*/ 4311650 w 5448300"/>
+              <a:gd name="connsiteY4" fmla="*/ 171450 h 2432050"/>
+              <a:gd name="connsiteX5" fmla="*/ 4311650 w 5448300"/>
+              <a:gd name="connsiteY5" fmla="*/ 0 h 2432050"/>
+            </a:gdLst>
+            <a:ahLst/>
+            <a:cxnLst>
+              <a:cxn ang="0">
+                <a:pos x="connsiteX0" y="connsiteY0"/>
+              </a:cxn>
+              <a:cxn ang="0">
+                <a:pos x="connsiteX1" y="connsiteY1"/>
+              </a:cxn>
+              <a:cxn ang="0">
+                <a:pos x="connsiteX2" y="connsiteY2"/>
+              </a:cxn>
+              <a:cxn ang="0">
+                <a:pos x="connsiteX3" y="connsiteY3"/>
+              </a:cxn>
+              <a:cxn ang="0">
+                <a:pos x="connsiteX4" y="connsiteY4"/>
+              </a:cxn>
+              <a:cxn ang="0">
+                <a:pos x="connsiteX5" y="connsiteY5"/>
+              </a:cxn>
+            </a:cxnLst>
+            <a:rect l="l" t="t" r="r" b="b"/>
+            <a:pathLst>
+              <a:path w="5448300" h="2432050">
+                <a:moveTo>
+                  <a:pt x="0" y="2292350"/>
+                </a:moveTo>
+                <a:lnTo>
+                  <a:pt x="0" y="2432050"/>
+                </a:lnTo>
+                <a:lnTo>
+                  <a:pt x="5448300" y="2432050"/>
+                </a:lnTo>
+                <a:lnTo>
+                  <a:pt x="5448300" y="171450"/>
+                </a:lnTo>
+                <a:lnTo>
+                  <a:pt x="4311650" y="171450"/>
+                </a:lnTo>
+                <a:lnTo>
+                  <a:pt x="4311650" y="0"/>
+                </a:lnTo>
+              </a:path>
+            </a:pathLst>
+          </a:custGeom>
+          <a:noFill/>
+          <a:ln w="28575">
+            <a:solidFill>
+              <a:schemeClr val="tx1"/>
+            </a:solidFill>
+            <a:headEnd type="none" w="med" len="med"/>
+            <a:tailEnd type="arrow" w="med" len="med"/>
+          </a:ln>
+        </p:spPr>
+        <p:style>
+          <a:lnRef idx="2">
+            <a:schemeClr val="accent1">
+              <a:shade val="50000"/>
+            </a:schemeClr>
+          </a:lnRef>
+          <a:fillRef idx="1">
+            <a:schemeClr val="accent1"/>
+          </a:fillRef>
+          <a:effectRef idx="0">
+            <a:schemeClr val="accent1"/>
+          </a:effectRef>
+          <a:fontRef idx="minor">
+            <a:schemeClr val="lt1"/>
+          </a:fontRef>
+        </p:style>
+        <p:txBody>
+          <a:bodyPr rtlCol="0" anchor="ctr"/>
+          <a:lstStyle/>
+          <a:p>
+            <a:pPr algn="ctr"/>
+            <a:endParaRPr lang="ko-KR" altLang="en-US"/>
+          </a:p>
+        </p:txBody>
+      </p:sp>
+      <p:cxnSp>
+        <p:nvCxnSpPr>
+          <p:cNvPr id="52" name="직선 화살표 연결선 51">
+            <a:extLst>
+              <a:ext uri="{FF2B5EF4-FFF2-40B4-BE49-F238E27FC236}">
+                <a16:creationId xmlns:a16="http://schemas.microsoft.com/office/drawing/2014/main" id="{E9043F96-B9C3-4760-BB6B-E59DE70145D8}"/>
+              </a:ext>
+            </a:extLst>
+          </p:cNvPr>
+          <p:cNvCxnSpPr>
+            <a:cxnSpLocks/>
+            <a:stCxn id="115" idx="3"/>
+            <a:endCxn id="56" idx="1"/>
+          </p:cNvCxnSpPr>
+          <p:nvPr/>
+        </p:nvCxnSpPr>
+        <p:spPr>
+          <a:xfrm flipV="1">
+            <a:off x="5629005" y="3462165"/>
+            <a:ext cx="312512" cy="6798"/>
+          </a:xfrm>
+          <a:prstGeom prst="straightConnector1">
+            <a:avLst/>
+          </a:prstGeom>
+          <a:ln w="28575">
+            <a:solidFill>
+              <a:schemeClr val="tx1"/>
+            </a:solidFill>
+            <a:tailEnd type="arrow"/>
+          </a:ln>
+        </p:spPr>
+        <p:style>
+          <a:lnRef idx="1">
+            <a:schemeClr val="accent1"/>
+          </a:lnRef>
+          <a:fillRef idx="0">
+            <a:schemeClr val="accent1"/>
+          </a:fillRef>
+          <a:effectRef idx="0">
+            <a:schemeClr val="accent1"/>
+          </a:effectRef>
+          <a:fontRef idx="minor">
+            <a:schemeClr val="tx1"/>
+          </a:fontRef>
+        </p:style>
+      </p:cxnSp>
+      <p:sp>
+        <p:nvSpPr>
+          <p:cNvPr id="56" name="사각형: 둥근 모서리 55">
+            <a:extLst>
+              <a:ext uri="{FF2B5EF4-FFF2-40B4-BE49-F238E27FC236}">
+                <a16:creationId xmlns:a16="http://schemas.microsoft.com/office/drawing/2014/main" id="{E2B60043-FBC8-40DA-AE8D-3CAED1E7DB7D}"/>
+              </a:ext>
+            </a:extLst>
+          </p:cNvPr>
+          <p:cNvSpPr/>
+          <p:nvPr/>
+        </p:nvSpPr>
+        <p:spPr>
+          <a:xfrm>
+            <a:off x="5941517" y="3325876"/>
+            <a:ext cx="1797468" cy="272578"/>
+          </a:xfrm>
+          <a:prstGeom prst="roundRect">
+            <a:avLst>
+              <a:gd name="adj" fmla="val 15087"/>
+            </a:avLst>
+          </a:prstGeom>
+        </p:spPr>
+        <p:style>
+          <a:lnRef idx="2">
+            <a:schemeClr val="dk1"/>
+          </a:lnRef>
+          <a:fillRef idx="1">
+            <a:schemeClr val="lt1"/>
+          </a:fillRef>
+          <a:effectRef idx="0">
+            <a:schemeClr val="dk1"/>
+          </a:effectRef>
+          <a:fontRef idx="minor">
+            <a:schemeClr val="dk1"/>
+          </a:fontRef>
+        </p:style>
+        <p:txBody>
+          <a:bodyPr rtlCol="0" anchor="ctr"/>
+          <a:lstStyle/>
+          <a:p>
+            <a:pPr algn="ctr"/>
+            <a:r>
+              <a:rPr lang="en-US" altLang="ko-KR" sz="1200"/>
+              <a:t>IPVS</a:t>
+            </a:r>
+          </a:p>
+        </p:txBody>
+      </p:sp>
+      <p:grpSp>
+        <p:nvGrpSpPr>
+          <p:cNvPr id="73" name="그룹 72">
+            <a:extLst>
+              <a:ext uri="{FF2B5EF4-FFF2-40B4-BE49-F238E27FC236}">
+                <a16:creationId xmlns:a16="http://schemas.microsoft.com/office/drawing/2014/main" id="{68F629C3-92B5-44EA-ACEE-D7561613B299}"/>
+              </a:ext>
+            </a:extLst>
+          </p:cNvPr>
+          <p:cNvGrpSpPr/>
+          <p:nvPr/>
+        </p:nvGrpSpPr>
+        <p:grpSpPr>
+          <a:xfrm>
+            <a:off x="1547664" y="4764287"/>
+            <a:ext cx="1795015" cy="276999"/>
+            <a:chOff x="1600199" y="4764287"/>
+            <a:chExt cx="1795015" cy="276999"/>
+          </a:xfrm>
+        </p:grpSpPr>
+        <p:sp>
+          <p:nvSpPr>
+            <p:cNvPr id="74" name="사각형: 둥근 모서리 73">
+              <a:extLst>
+                <a:ext uri="{FF2B5EF4-FFF2-40B4-BE49-F238E27FC236}">
+                  <a16:creationId xmlns:a16="http://schemas.microsoft.com/office/drawing/2014/main" id="{5DC91147-04BE-4C00-BBF6-F6E2FC4F2398}"/>
+                </a:ext>
+              </a:extLst>
+            </p:cNvPr>
+            <p:cNvSpPr/>
+            <p:nvPr/>
+          </p:nvSpPr>
+          <p:spPr>
+            <a:xfrm>
+              <a:off x="1600199" y="4823198"/>
+              <a:ext cx="310953" cy="160282"/>
+            </a:xfrm>
+            <a:prstGeom prst="roundRect">
+              <a:avLst>
+                <a:gd name="adj" fmla="val 15087"/>
+              </a:avLst>
+            </a:prstGeom>
+            <a:ln>
+              <a:solidFill>
+                <a:schemeClr val="tx2"/>
+              </a:solidFill>
+            </a:ln>
+          </p:spPr>
+          <p:style>
+            <a:lnRef idx="2">
+              <a:schemeClr val="dk1"/>
+            </a:lnRef>
+            <a:fillRef idx="1">
+              <a:schemeClr val="lt1"/>
+            </a:fillRef>
+            <a:effectRef idx="0">
+              <a:schemeClr val="dk1"/>
+            </a:effectRef>
+            <a:fontRef idx="minor">
+              <a:schemeClr val="dk1"/>
+            </a:fontRef>
+          </p:style>
+          <p:txBody>
+            <a:bodyPr rtlCol="0" anchor="ctr"/>
+            <a:lstStyle/>
+            <a:p>
+              <a:pPr algn="ctr"/>
+              <a:endParaRPr lang="en-US" altLang="ko-KR" sz="1200">
+                <a:solidFill>
+                  <a:schemeClr val="tx2"/>
+                </a:solidFill>
+              </a:endParaRPr>
+            </a:p>
+          </p:txBody>
+        </p:sp>
+        <p:sp>
+          <p:nvSpPr>
+            <p:cNvPr id="75" name="TextBox 74">
+              <a:extLst>
+                <a:ext uri="{FF2B5EF4-FFF2-40B4-BE49-F238E27FC236}">
+                  <a16:creationId xmlns:a16="http://schemas.microsoft.com/office/drawing/2014/main" id="{48E1D6BE-62E3-4B29-A522-EBA29E1FA110}"/>
+                </a:ext>
+              </a:extLst>
+            </p:cNvPr>
+            <p:cNvSpPr txBox="1"/>
+            <p:nvPr/>
+          </p:nvSpPr>
+          <p:spPr>
+            <a:xfrm>
+              <a:off x="1911153" y="4764287"/>
+              <a:ext cx="1484061" cy="276999"/>
+            </a:xfrm>
+            <a:prstGeom prst="rect">
+              <a:avLst/>
+            </a:prstGeom>
+            <a:noFill/>
+          </p:spPr>
+          <p:txBody>
+            <a:bodyPr wrap="none" rtlCol="0">
+              <a:spAutoFit/>
+            </a:bodyPr>
+            <a:lstStyle/>
+            <a:p>
+              <a:r>
+                <a:rPr lang="en-US" altLang="ko-KR" sz="1200"/>
+                <a:t>iptables NAT Table</a:t>
+              </a:r>
+              <a:endParaRPr lang="ko-KR" altLang="en-US" sz="1200"/>
+            </a:p>
+          </p:txBody>
+        </p:sp>
+      </p:grpSp>
+      <p:grpSp>
+        <p:nvGrpSpPr>
+          <p:cNvPr id="76" name="그룹 75">
+            <a:extLst>
+              <a:ext uri="{FF2B5EF4-FFF2-40B4-BE49-F238E27FC236}">
+                <a16:creationId xmlns:a16="http://schemas.microsoft.com/office/drawing/2014/main" id="{41E70BFB-B5F3-44DC-80E7-0092E5774730}"/>
+              </a:ext>
+            </a:extLst>
+          </p:cNvPr>
+          <p:cNvGrpSpPr/>
+          <p:nvPr/>
+        </p:nvGrpSpPr>
+        <p:grpSpPr>
+          <a:xfrm>
+            <a:off x="3491880" y="4755407"/>
+            <a:ext cx="2023124" cy="276999"/>
+            <a:chOff x="3419872" y="4755407"/>
+            <a:chExt cx="2023124" cy="276999"/>
+          </a:xfrm>
+        </p:grpSpPr>
+        <p:cxnSp>
+          <p:nvCxnSpPr>
+            <p:cNvPr id="77" name="직선 화살표 연결선 76">
+              <a:extLst>
+                <a:ext uri="{FF2B5EF4-FFF2-40B4-BE49-F238E27FC236}">
+                  <a16:creationId xmlns:a16="http://schemas.microsoft.com/office/drawing/2014/main" id="{B7CB3A53-1484-45B6-8E63-08EC9A3075A9}"/>
+                </a:ext>
+              </a:extLst>
+            </p:cNvPr>
+            <p:cNvCxnSpPr>
+              <a:cxnSpLocks/>
+            </p:cNvCxnSpPr>
+            <p:nvPr/>
+          </p:nvCxnSpPr>
+          <p:spPr>
+            <a:xfrm>
+              <a:off x="3419872" y="4898028"/>
+              <a:ext cx="284571" cy="0"/>
+            </a:xfrm>
+            <a:prstGeom prst="straightConnector1">
+              <a:avLst/>
+            </a:prstGeom>
+            <a:ln w="28575">
+              <a:solidFill>
+                <a:schemeClr val="tx1"/>
+              </a:solidFill>
+              <a:tailEnd type="arrow"/>
+            </a:ln>
+          </p:spPr>
+          <p:style>
+            <a:lnRef idx="1">
+              <a:schemeClr val="accent1"/>
+            </a:lnRef>
+            <a:fillRef idx="0">
+              <a:schemeClr val="accent1"/>
+            </a:fillRef>
+            <a:effectRef idx="0">
+              <a:schemeClr val="accent1"/>
+            </a:effectRef>
+            <a:fontRef idx="minor">
+              <a:schemeClr val="tx1"/>
+            </a:fontRef>
+          </p:style>
+        </p:cxnSp>
+        <p:sp>
+          <p:nvSpPr>
+            <p:cNvPr id="82" name="TextBox 81">
+              <a:extLst>
+                <a:ext uri="{FF2B5EF4-FFF2-40B4-BE49-F238E27FC236}">
+                  <a16:creationId xmlns:a16="http://schemas.microsoft.com/office/drawing/2014/main" id="{83C3A381-0F01-4474-BA2C-AC22F55AD91C}"/>
+                </a:ext>
+              </a:extLst>
+            </p:cNvPr>
+            <p:cNvSpPr txBox="1"/>
+            <p:nvPr/>
+          </p:nvSpPr>
+          <p:spPr>
+            <a:xfrm>
+              <a:off x="3704443" y="4755407"/>
+              <a:ext cx="1738553" cy="276999"/>
+            </a:xfrm>
+            <a:prstGeom prst="rect">
+              <a:avLst/>
+            </a:prstGeom>
+            <a:noFill/>
+          </p:spPr>
+          <p:txBody>
+            <a:bodyPr wrap="none" rtlCol="0">
+              <a:spAutoFit/>
+            </a:bodyPr>
+            <a:lstStyle/>
+            <a:p>
+              <a:r>
+                <a:rPr lang="en-US" altLang="ko-KR" sz="1200"/>
+                <a:t>ClusterIP + NodePort</a:t>
+              </a:r>
+              <a:endParaRPr lang="ko-KR" altLang="en-US" sz="1200"/>
+            </a:p>
+          </p:txBody>
+        </p:sp>
+      </p:grpSp>
+      <p:grpSp>
+        <p:nvGrpSpPr>
+          <p:cNvPr id="83" name="그룹 82">
+            <a:extLst>
+              <a:ext uri="{FF2B5EF4-FFF2-40B4-BE49-F238E27FC236}">
+                <a16:creationId xmlns:a16="http://schemas.microsoft.com/office/drawing/2014/main" id="{8522F62C-9E17-44DD-9F78-DFB19CE5D361}"/>
+              </a:ext>
+            </a:extLst>
+          </p:cNvPr>
+          <p:cNvGrpSpPr/>
+          <p:nvPr/>
+        </p:nvGrpSpPr>
+        <p:grpSpPr>
+          <a:xfrm>
+            <a:off x="5580112" y="4755407"/>
+            <a:ext cx="1080302" cy="276999"/>
+            <a:chOff x="5371509" y="4755407"/>
+            <a:chExt cx="1080302" cy="276999"/>
+          </a:xfrm>
+        </p:grpSpPr>
+        <p:cxnSp>
+          <p:nvCxnSpPr>
+            <p:cNvPr id="84" name="직선 화살표 연결선 83">
+              <a:extLst>
+                <a:ext uri="{FF2B5EF4-FFF2-40B4-BE49-F238E27FC236}">
+                  <a16:creationId xmlns:a16="http://schemas.microsoft.com/office/drawing/2014/main" id="{280223B8-AF4B-4D9D-B8A9-7BAC70DB2B67}"/>
+                </a:ext>
+              </a:extLst>
+            </p:cNvPr>
+            <p:cNvCxnSpPr>
+              <a:cxnSpLocks/>
+            </p:cNvCxnSpPr>
+            <p:nvPr/>
+          </p:nvCxnSpPr>
+          <p:spPr>
+            <a:xfrm>
+              <a:off x="5371509" y="4898028"/>
+              <a:ext cx="284571" cy="0"/>
+            </a:xfrm>
+            <a:prstGeom prst="straightConnector1">
+              <a:avLst/>
+            </a:prstGeom>
+            <a:ln w="28575">
+              <a:solidFill>
+                <a:srgbClr val="C00000"/>
+              </a:solidFill>
+              <a:tailEnd type="arrow"/>
+            </a:ln>
+          </p:spPr>
+          <p:style>
+            <a:lnRef idx="1">
+              <a:schemeClr val="accent1"/>
+            </a:lnRef>
+            <a:fillRef idx="0">
+              <a:schemeClr val="accent1"/>
+            </a:fillRef>
+            <a:effectRef idx="0">
+              <a:schemeClr val="accent1"/>
+            </a:effectRef>
+            <a:fontRef idx="minor">
+              <a:schemeClr val="tx1"/>
+            </a:fontRef>
+          </p:style>
+        </p:cxnSp>
+        <p:sp>
+          <p:nvSpPr>
+            <p:cNvPr id="87" name="TextBox 86">
+              <a:extLst>
+                <a:ext uri="{FF2B5EF4-FFF2-40B4-BE49-F238E27FC236}">
+                  <a16:creationId xmlns:a16="http://schemas.microsoft.com/office/drawing/2014/main" id="{764DB115-19A9-4E17-81F5-5D88ACAB7474}"/>
+                </a:ext>
+              </a:extLst>
+            </p:cNvPr>
+            <p:cNvSpPr txBox="1"/>
+            <p:nvPr/>
+          </p:nvSpPr>
+          <p:spPr>
+            <a:xfrm>
+              <a:off x="5656080" y="4755407"/>
+              <a:ext cx="795731" cy="276999"/>
+            </a:xfrm>
+            <a:prstGeom prst="rect">
+              <a:avLst/>
+            </a:prstGeom>
+            <a:noFill/>
+          </p:spPr>
+          <p:txBody>
+            <a:bodyPr wrap="none" rtlCol="0">
+              <a:spAutoFit/>
+            </a:bodyPr>
+            <a:lstStyle/>
+            <a:p>
+              <a:r>
+                <a:rPr lang="en-US" altLang="ko-KR" sz="1200"/>
+                <a:t>ClusterIP</a:t>
+              </a:r>
+              <a:endParaRPr lang="ko-KR" altLang="en-US" sz="1200"/>
+            </a:p>
+          </p:txBody>
+        </p:sp>
+      </p:grpSp>
+      <p:grpSp>
+        <p:nvGrpSpPr>
+          <p:cNvPr id="88" name="그룹 87">
+            <a:extLst>
+              <a:ext uri="{FF2B5EF4-FFF2-40B4-BE49-F238E27FC236}">
+                <a16:creationId xmlns:a16="http://schemas.microsoft.com/office/drawing/2014/main" id="{8D675759-4D0D-4745-959F-12997DD48202}"/>
+              </a:ext>
+            </a:extLst>
+          </p:cNvPr>
+          <p:cNvGrpSpPr/>
+          <p:nvPr/>
+        </p:nvGrpSpPr>
+        <p:grpSpPr>
+          <a:xfrm>
+            <a:off x="6804248" y="4755407"/>
+            <a:ext cx="1141152" cy="276999"/>
+            <a:chOff x="6447669" y="4755407"/>
+            <a:chExt cx="1141152" cy="276999"/>
+          </a:xfrm>
+        </p:grpSpPr>
+        <p:cxnSp>
+          <p:nvCxnSpPr>
+            <p:cNvPr id="89" name="직선 화살표 연결선 88">
+              <a:extLst>
+                <a:ext uri="{FF2B5EF4-FFF2-40B4-BE49-F238E27FC236}">
+                  <a16:creationId xmlns:a16="http://schemas.microsoft.com/office/drawing/2014/main" id="{7A72BBF6-374E-498E-A77B-2C89E33C5112}"/>
+                </a:ext>
+              </a:extLst>
+            </p:cNvPr>
+            <p:cNvCxnSpPr>
+              <a:cxnSpLocks/>
+            </p:cNvCxnSpPr>
+            <p:nvPr/>
+          </p:nvCxnSpPr>
+          <p:spPr>
+            <a:xfrm>
+              <a:off x="6447669" y="4898028"/>
+              <a:ext cx="284571" cy="0"/>
+            </a:xfrm>
+            <a:prstGeom prst="straightConnector1">
+              <a:avLst/>
+            </a:prstGeom>
+            <a:ln w="28575">
+              <a:solidFill>
+                <a:schemeClr val="accent3">
+                  <a:lumMod val="50000"/>
+                </a:schemeClr>
+              </a:solidFill>
+              <a:tailEnd type="arrow"/>
+            </a:ln>
+          </p:spPr>
+          <p:style>
+            <a:lnRef idx="1">
+              <a:schemeClr val="accent1"/>
+            </a:lnRef>
+            <a:fillRef idx="0">
+              <a:schemeClr val="accent1"/>
+            </a:fillRef>
+            <a:effectRef idx="0">
+              <a:schemeClr val="accent1"/>
+            </a:effectRef>
+            <a:fontRef idx="minor">
+              <a:schemeClr val="tx1"/>
+            </a:fontRef>
+          </p:style>
+        </p:cxnSp>
+        <p:sp>
+          <p:nvSpPr>
+            <p:cNvPr id="92" name="TextBox 91">
+              <a:extLst>
+                <a:ext uri="{FF2B5EF4-FFF2-40B4-BE49-F238E27FC236}">
+                  <a16:creationId xmlns:a16="http://schemas.microsoft.com/office/drawing/2014/main" id="{41CA301E-D747-41ED-BB64-67FFBA282064}"/>
+                </a:ext>
+              </a:extLst>
+            </p:cNvPr>
+            <p:cNvSpPr txBox="1"/>
+            <p:nvPr/>
+          </p:nvSpPr>
+          <p:spPr>
+            <a:xfrm>
+              <a:off x="6732240" y="4755407"/>
+              <a:ext cx="856581" cy="276999"/>
+            </a:xfrm>
+            <a:prstGeom prst="rect">
+              <a:avLst/>
+            </a:prstGeom>
+            <a:noFill/>
+          </p:spPr>
+          <p:txBody>
+            <a:bodyPr wrap="none" rtlCol="0">
+              <a:spAutoFit/>
+            </a:bodyPr>
+            <a:lstStyle/>
+            <a:p>
+              <a:r>
+                <a:rPr lang="en-US" altLang="ko-KR" sz="1200"/>
+                <a:t>NodePort</a:t>
+              </a:r>
+              <a:endParaRPr lang="ko-KR" altLang="en-US" sz="1200"/>
+            </a:p>
+          </p:txBody>
+        </p:sp>
+      </p:grpSp>
+      <p:sp>
+        <p:nvSpPr>
+          <p:cNvPr id="94" name="사각형: 둥근 모서리 93">
+            <a:extLst>
+              <a:ext uri="{FF2B5EF4-FFF2-40B4-BE49-F238E27FC236}">
+                <a16:creationId xmlns:a16="http://schemas.microsoft.com/office/drawing/2014/main" id="{25F2E615-4D88-4FCA-9977-66FCC2F311F2}"/>
+              </a:ext>
+            </a:extLst>
+          </p:cNvPr>
+          <p:cNvSpPr/>
+          <p:nvPr/>
+        </p:nvSpPr>
+        <p:spPr>
+          <a:xfrm>
+            <a:off x="1621039" y="3332674"/>
+            <a:ext cx="1797468" cy="272578"/>
+          </a:xfrm>
+          <a:prstGeom prst="roundRect">
+            <a:avLst>
+              <a:gd name="adj" fmla="val 15087"/>
+            </a:avLst>
+          </a:prstGeom>
+          <a:ln>
+            <a:solidFill>
+              <a:schemeClr val="tx2"/>
+            </a:solidFill>
+          </a:ln>
+        </p:spPr>
+        <p:style>
+          <a:lnRef idx="2">
+            <a:schemeClr val="dk1"/>
+          </a:lnRef>
+          <a:fillRef idx="1">
+            <a:schemeClr val="lt1"/>
+          </a:fillRef>
+          <a:effectRef idx="0">
+            <a:schemeClr val="dk1"/>
+          </a:effectRef>
+          <a:fontRef idx="minor">
+            <a:schemeClr val="dk1"/>
+          </a:fontRef>
+        </p:style>
+        <p:txBody>
+          <a:bodyPr rtlCol="0" anchor="ctr"/>
+          <a:lstStyle/>
+          <a:p>
+            <a:pPr algn="ctr"/>
+            <a:r>
+              <a:rPr lang="en-US" altLang="ko-KR" sz="1200" b="1">
+                <a:solidFill>
+                  <a:schemeClr val="tx2"/>
+                </a:solidFill>
+              </a:rPr>
+              <a:t>KUBE-NODE-PORT</a:t>
+            </a:r>
+          </a:p>
+        </p:txBody>
+      </p:sp>
+      <p:cxnSp>
+        <p:nvCxnSpPr>
+          <p:cNvPr id="97" name="직선 화살표 연결선 96">
+            <a:extLst>
+              <a:ext uri="{FF2B5EF4-FFF2-40B4-BE49-F238E27FC236}">
+                <a16:creationId xmlns:a16="http://schemas.microsoft.com/office/drawing/2014/main" id="{B0A13B46-5C11-4FF0-86EE-FDC009E2F0EC}"/>
+              </a:ext>
+            </a:extLst>
+          </p:cNvPr>
+          <p:cNvCxnSpPr>
+            <a:cxnSpLocks/>
+            <a:stCxn id="101" idx="2"/>
+            <a:endCxn id="115" idx="0"/>
+          </p:cNvCxnSpPr>
+          <p:nvPr/>
+        </p:nvCxnSpPr>
+        <p:spPr>
+          <a:xfrm>
+            <a:off x="2519773" y="2996951"/>
+            <a:ext cx="2210498" cy="335723"/>
+          </a:xfrm>
+          <a:prstGeom prst="straightConnector1">
+            <a:avLst/>
+          </a:prstGeom>
+          <a:ln w="28575">
+            <a:solidFill>
+              <a:srgbClr val="C00000"/>
+            </a:solidFill>
+            <a:tailEnd type="arrow"/>
+          </a:ln>
+        </p:spPr>
+        <p:style>
+          <a:lnRef idx="1">
+            <a:schemeClr val="accent1"/>
+          </a:lnRef>
+          <a:fillRef idx="0">
+            <a:schemeClr val="accent1"/>
+          </a:fillRef>
+          <a:effectRef idx="0">
+            <a:schemeClr val="accent1"/>
+          </a:effectRef>
+          <a:fontRef idx="minor">
+            <a:schemeClr val="tx1"/>
+          </a:fontRef>
+        </p:style>
+      </p:cxnSp>
+      <p:cxnSp>
+        <p:nvCxnSpPr>
+          <p:cNvPr id="99" name="직선 화살표 연결선 98">
+            <a:extLst>
+              <a:ext uri="{FF2B5EF4-FFF2-40B4-BE49-F238E27FC236}">
+                <a16:creationId xmlns:a16="http://schemas.microsoft.com/office/drawing/2014/main" id="{51F34DC6-078C-4DDF-87F0-95EDC8CB9512}"/>
+              </a:ext>
+            </a:extLst>
+          </p:cNvPr>
+          <p:cNvCxnSpPr>
+            <a:cxnSpLocks/>
+            <a:stCxn id="101" idx="2"/>
+            <a:endCxn id="94" idx="0"/>
+          </p:cNvCxnSpPr>
+          <p:nvPr/>
+        </p:nvCxnSpPr>
+        <p:spPr>
+          <a:xfrm>
+            <a:off x="2519773" y="2996951"/>
+            <a:ext cx="0" cy="335723"/>
+          </a:xfrm>
+          <a:prstGeom prst="straightConnector1">
+            <a:avLst/>
+          </a:prstGeom>
+          <a:ln w="28575">
+            <a:solidFill>
+              <a:schemeClr val="accent3">
+                <a:lumMod val="50000"/>
+              </a:schemeClr>
+            </a:solidFill>
+            <a:tailEnd type="arrow"/>
+          </a:ln>
+        </p:spPr>
+        <p:style>
+          <a:lnRef idx="1">
+            <a:schemeClr val="accent1"/>
+          </a:lnRef>
+          <a:fillRef idx="0">
+            <a:schemeClr val="accent1"/>
+          </a:fillRef>
+          <a:effectRef idx="0">
+            <a:schemeClr val="accent1"/>
+          </a:effectRef>
+          <a:fontRef idx="minor">
+            <a:schemeClr val="tx1"/>
+          </a:fontRef>
+        </p:style>
+      </p:cxnSp>
+      <p:cxnSp>
+        <p:nvCxnSpPr>
+          <p:cNvPr id="103" name="직선 화살표 연결선 102">
+            <a:extLst>
+              <a:ext uri="{FF2B5EF4-FFF2-40B4-BE49-F238E27FC236}">
+                <a16:creationId xmlns:a16="http://schemas.microsoft.com/office/drawing/2014/main" id="{CBC1AA4E-5552-4E6B-8B2F-4EDC1FE99EFB}"/>
+              </a:ext>
+            </a:extLst>
+          </p:cNvPr>
+          <p:cNvCxnSpPr>
+            <a:cxnSpLocks/>
+            <a:stCxn id="94" idx="3"/>
+            <a:endCxn id="115" idx="1"/>
+          </p:cNvCxnSpPr>
+          <p:nvPr/>
+        </p:nvCxnSpPr>
+        <p:spPr>
+          <a:xfrm>
+            <a:off x="3418507" y="3468963"/>
+            <a:ext cx="413030" cy="0"/>
+          </a:xfrm>
+          <a:prstGeom prst="straightConnector1">
+            <a:avLst/>
+          </a:prstGeom>
+          <a:ln w="28575">
+            <a:solidFill>
+              <a:schemeClr val="accent3">
+                <a:lumMod val="50000"/>
+              </a:schemeClr>
+            </a:solidFill>
+            <a:tailEnd type="arrow"/>
+          </a:ln>
+        </p:spPr>
+        <p:style>
+          <a:lnRef idx="1">
+            <a:schemeClr val="accent1"/>
+          </a:lnRef>
+          <a:fillRef idx="0">
+            <a:schemeClr val="accent1"/>
+          </a:fillRef>
+          <a:effectRef idx="0">
+            <a:schemeClr val="accent1"/>
+          </a:effectRef>
+          <a:fontRef idx="minor">
+            <a:schemeClr val="tx1"/>
+          </a:fontRef>
+        </p:style>
+      </p:cxnSp>
+    </p:spTree>
+    <p:extLst>
+      <p:ext uri="{BB962C8B-B14F-4D97-AF65-F5344CB8AC3E}">
+        <p14:creationId xmlns:p14="http://schemas.microsoft.com/office/powerpoint/2010/main" val="1039506934"/>
+      </p:ext>
+    </p:extLst>
+  </p:cSld>
+  <p:clrMapOvr>
+    <a:masterClrMapping/>
+  </p:clrMapOvr>
+</p:sld>
+</file>
+
+<file path=ppt/slides/slide5.xml><?xml version="1.0" encoding="utf-8"?>
+<p:sld xmlns:a="http://schemas.openxmlformats.org/drawingml/2006/main" xmlns:r="http://schemas.openxmlformats.org/officeDocument/2006/relationships" xmlns:p="http://schemas.openxmlformats.org/presentationml/2006/main">
+  <p:cSld>
+    <p:spTree>
+      <p:nvGrpSpPr>
+        <p:cNvPr id="1" name=""/>
+        <p:cNvGrpSpPr/>
+        <p:nvPr/>
+      </p:nvGrpSpPr>
+      <p:grpSpPr>
+        <a:xfrm>
+          <a:off x="0" y="0"/>
+          <a:ext cx="0" cy="0"/>
+          <a:chOff x="0" y="0"/>
+          <a:chExt cx="0" cy="0"/>
+        </a:xfrm>
+      </p:grpSpPr>
+      <p:sp>
+        <p:nvSpPr>
           <p:cNvPr id="2" name="제목 1">
             <a:extLst>
               <a:ext uri="{FF2B5EF4-FFF2-40B4-BE49-F238E27FC236}">
@@ -12481,7 +14804,7 @@
 </p:sld>
 </file>
 
-<file path=ppt/slides/slide5.xml><?xml version="1.0" encoding="utf-8"?>
+<file path=ppt/slides/slide6.xml><?xml version="1.0" encoding="utf-8"?>
 <p:sld xmlns:a="http://schemas.openxmlformats.org/drawingml/2006/main" xmlns:r="http://schemas.openxmlformats.org/officeDocument/2006/relationships" xmlns:p="http://schemas.openxmlformats.org/presentationml/2006/main">
   <p:cSld>
     <p:spTree>
@@ -15050,7 +17373,7 @@
 </p:sld>
 </file>
 
-<file path=ppt/slides/slide6.xml><?xml version="1.0" encoding="utf-8"?>
+<file path=ppt/slides/slide7.xml><?xml version="1.0" encoding="utf-8"?>
 <p:sld xmlns:a="http://schemas.openxmlformats.org/drawingml/2006/main" xmlns:r="http://schemas.openxmlformats.org/officeDocument/2006/relationships" xmlns:p="http://schemas.openxmlformats.org/presentationml/2006/main">
   <p:cSld>
     <p:spTree>
@@ -16621,7 +18944,7 @@
 </p:sld>
 </file>
 
-<file path=ppt/slides/slide7.xml><?xml version="1.0" encoding="utf-8"?>
+<file path=ppt/slides/slide8.xml><?xml version="1.0" encoding="utf-8"?>
 <p:sld xmlns:a="http://schemas.openxmlformats.org/drawingml/2006/main" xmlns:r="http://schemas.openxmlformats.org/officeDocument/2006/relationships" xmlns:p="http://schemas.openxmlformats.org/presentationml/2006/main">
   <p:cSld>
     <p:spTree>

--- a/images/theory_analysis/Kubernetes_Service_Proxy/Kubernetes_Service_Proxy.pptx
+++ b/images/theory_analysis/Kubernetes_Service_Proxy/Kubernetes_Service_Proxy.pptx
@@ -5,7 +5,7 @@
     <p:sldMasterId id="2147483648" r:id="rId1"/>
   </p:sldMasterIdLst>
   <p:notesMasterIdLst>
-    <p:notesMasterId r:id="rId10"/>
+    <p:notesMasterId r:id="rId11"/>
   </p:notesMasterIdLst>
   <p:sldIdLst>
     <p:sldId id="366" r:id="rId2"/>
@@ -14,8 +14,9 @@
     <p:sldId id="369" r:id="rId5"/>
     <p:sldId id="365" r:id="rId6"/>
     <p:sldId id="367" r:id="rId7"/>
-    <p:sldId id="362" r:id="rId8"/>
-    <p:sldId id="364" r:id="rId9"/>
+    <p:sldId id="370" r:id="rId8"/>
+    <p:sldId id="362" r:id="rId9"/>
+    <p:sldId id="364" r:id="rId10"/>
   </p:sldIdLst>
   <p:sldSz cx="9144000" cy="5143500" type="screen16x9"/>
   <p:notesSz cx="6858000" cy="9144000"/>
@@ -220,7 +221,7 @@
           <a:p>
             <a:fld id="{6CD5550B-26C4-49A9-A5BA-636EF7BE6CE9}" type="datetimeFigureOut">
               <a:rPr lang="ko-KR" altLang="en-US" smtClean="0"/>
-              <a:t>2019-05-15</a:t>
+              <a:t>2019-05-16</a:t>
             </a:fld>
             <a:endParaRPr lang="ko-KR" altLang="en-US"/>
           </a:p>
@@ -897,7 +898,7 @@
     </p:spTree>
     <p:extLst>
       <p:ext uri="{BB962C8B-B14F-4D97-AF65-F5344CB8AC3E}">
-        <p14:creationId xmlns:p14="http://schemas.microsoft.com/office/powerpoint/2010/main" val="812539306"/>
+        <p14:creationId xmlns:p14="http://schemas.microsoft.com/office/powerpoint/2010/main" val="2321484447"/>
       </p:ext>
     </p:extLst>
   </p:cSld>
@@ -973,6 +974,90 @@
             <a:fld id="{BA5DFA43-8D57-47FB-BC46-057616015C3B}" type="slidenum">
               <a:rPr lang="ko-KR" altLang="en-US" smtClean="0"/>
               <a:t>8</a:t>
+            </a:fld>
+            <a:endParaRPr lang="ko-KR" altLang="en-US"/>
+          </a:p>
+        </p:txBody>
+      </p:sp>
+    </p:spTree>
+    <p:extLst>
+      <p:ext uri="{BB962C8B-B14F-4D97-AF65-F5344CB8AC3E}">
+        <p14:creationId xmlns:p14="http://schemas.microsoft.com/office/powerpoint/2010/main" val="812539306"/>
+      </p:ext>
+    </p:extLst>
+  </p:cSld>
+  <p:clrMapOvr>
+    <a:masterClrMapping/>
+  </p:clrMapOvr>
+</p:notes>
+</file>
+
+<file path=ppt/notesSlides/notesSlide7.xml><?xml version="1.0" encoding="utf-8"?>
+<p:notes xmlns:a="http://schemas.openxmlformats.org/drawingml/2006/main" xmlns:r="http://schemas.openxmlformats.org/officeDocument/2006/relationships" xmlns:p="http://schemas.openxmlformats.org/presentationml/2006/main">
+  <p:cSld>
+    <p:spTree>
+      <p:nvGrpSpPr>
+        <p:cNvPr id="1" name=""/>
+        <p:cNvGrpSpPr/>
+        <p:nvPr/>
+      </p:nvGrpSpPr>
+      <p:grpSpPr>
+        <a:xfrm>
+          <a:off x="0" y="0"/>
+          <a:ext cx="0" cy="0"/>
+          <a:chOff x="0" y="0"/>
+          <a:chExt cx="0" cy="0"/>
+        </a:xfrm>
+      </p:grpSpPr>
+      <p:sp>
+        <p:nvSpPr>
+          <p:cNvPr id="2" name="슬라이드 이미지 개체 틀 1"/>
+          <p:cNvSpPr>
+            <a:spLocks noGrp="1" noRot="1" noChangeAspect="1"/>
+          </p:cNvSpPr>
+          <p:nvPr>
+            <p:ph type="sldImg"/>
+          </p:nvPr>
+        </p:nvSpPr>
+        <p:spPr/>
+      </p:sp>
+      <p:sp>
+        <p:nvSpPr>
+          <p:cNvPr id="3" name="슬라이드 노트 개체 틀 2"/>
+          <p:cNvSpPr>
+            <a:spLocks noGrp="1"/>
+          </p:cNvSpPr>
+          <p:nvPr>
+            <p:ph type="body" idx="1"/>
+          </p:nvPr>
+        </p:nvSpPr>
+        <p:spPr/>
+        <p:txBody>
+          <a:bodyPr/>
+          <a:lstStyle/>
+          <a:p>
+            <a:endParaRPr lang="ko-KR" altLang="en-US"/>
+          </a:p>
+        </p:txBody>
+      </p:sp>
+      <p:sp>
+        <p:nvSpPr>
+          <p:cNvPr id="4" name="슬라이드 번호 개체 틀 3"/>
+          <p:cNvSpPr>
+            <a:spLocks noGrp="1"/>
+          </p:cNvSpPr>
+          <p:nvPr>
+            <p:ph type="sldNum" sz="quarter" idx="10"/>
+          </p:nvPr>
+        </p:nvSpPr>
+        <p:spPr/>
+        <p:txBody>
+          <a:bodyPr/>
+          <a:lstStyle/>
+          <a:p>
+            <a:fld id="{BA5DFA43-8D57-47FB-BC46-057616015C3B}" type="slidenum">
+              <a:rPr lang="ko-KR" altLang="en-US" smtClean="0"/>
+              <a:t>9</a:t>
             </a:fld>
             <a:endParaRPr lang="ko-KR" altLang="en-US"/>
           </a:p>
@@ -1170,7 +1255,7 @@
           <a:p>
             <a:fld id="{FB30EDBD-1C2D-4C1E-B459-B60219FAB484}" type="datetimeFigureOut">
               <a:rPr lang="ko-KR" altLang="en-US" smtClean="0"/>
-              <a:t>2019-05-15</a:t>
+              <a:t>2019-05-16</a:t>
             </a:fld>
             <a:endParaRPr lang="ko-KR" altLang="en-US"/>
           </a:p>
@@ -1333,7 +1418,7 @@
           <a:p>
             <a:fld id="{FB30EDBD-1C2D-4C1E-B459-B60219FAB484}" type="datetimeFigureOut">
               <a:rPr lang="ko-KR" altLang="en-US" smtClean="0"/>
-              <a:t>2019-05-15</a:t>
+              <a:t>2019-05-16</a:t>
             </a:fld>
             <a:endParaRPr lang="ko-KR" altLang="en-US"/>
           </a:p>
@@ -1506,7 +1591,7 @@
           <a:p>
             <a:fld id="{FB30EDBD-1C2D-4C1E-B459-B60219FAB484}" type="datetimeFigureOut">
               <a:rPr lang="ko-KR" altLang="en-US" smtClean="0"/>
-              <a:t>2019-05-15</a:t>
+              <a:t>2019-05-16</a:t>
             </a:fld>
             <a:endParaRPr lang="ko-KR" altLang="en-US"/>
           </a:p>
@@ -1669,7 +1754,7 @@
           <a:p>
             <a:fld id="{FB30EDBD-1C2D-4C1E-B459-B60219FAB484}" type="datetimeFigureOut">
               <a:rPr lang="ko-KR" altLang="en-US" smtClean="0"/>
-              <a:t>2019-05-15</a:t>
+              <a:t>2019-05-16</a:t>
             </a:fld>
             <a:endParaRPr lang="ko-KR" altLang="en-US"/>
           </a:p>
@@ -1909,7 +1994,7 @@
           <a:p>
             <a:fld id="{FB30EDBD-1C2D-4C1E-B459-B60219FAB484}" type="datetimeFigureOut">
               <a:rPr lang="ko-KR" altLang="en-US" smtClean="0"/>
-              <a:t>2019-05-15</a:t>
+              <a:t>2019-05-16</a:t>
             </a:fld>
             <a:endParaRPr lang="ko-KR" altLang="en-US"/>
           </a:p>
@@ -2189,7 +2274,7 @@
           <a:p>
             <a:fld id="{FB30EDBD-1C2D-4C1E-B459-B60219FAB484}" type="datetimeFigureOut">
               <a:rPr lang="ko-KR" altLang="en-US" smtClean="0"/>
-              <a:t>2019-05-15</a:t>
+              <a:t>2019-05-16</a:t>
             </a:fld>
             <a:endParaRPr lang="ko-KR" altLang="en-US"/>
           </a:p>
@@ -2603,7 +2688,7 @@
           <a:p>
             <a:fld id="{FB30EDBD-1C2D-4C1E-B459-B60219FAB484}" type="datetimeFigureOut">
               <a:rPr lang="ko-KR" altLang="en-US" smtClean="0"/>
-              <a:t>2019-05-15</a:t>
+              <a:t>2019-05-16</a:t>
             </a:fld>
             <a:endParaRPr lang="ko-KR" altLang="en-US"/>
           </a:p>
@@ -2715,7 +2800,7 @@
           <a:p>
             <a:fld id="{FB30EDBD-1C2D-4C1E-B459-B60219FAB484}" type="datetimeFigureOut">
               <a:rPr lang="ko-KR" altLang="en-US" smtClean="0"/>
-              <a:t>2019-05-15</a:t>
+              <a:t>2019-05-16</a:t>
             </a:fld>
             <a:endParaRPr lang="ko-KR" altLang="en-US"/>
           </a:p>
@@ -2805,7 +2890,7 @@
           <a:p>
             <a:fld id="{FB30EDBD-1C2D-4C1E-B459-B60219FAB484}" type="datetimeFigureOut">
               <a:rPr lang="ko-KR" altLang="en-US" smtClean="0"/>
-              <a:t>2019-05-15</a:t>
+              <a:t>2019-05-16</a:t>
             </a:fld>
             <a:endParaRPr lang="ko-KR" altLang="en-US"/>
           </a:p>
@@ -3075,7 +3160,7 @@
           <a:p>
             <a:fld id="{FB30EDBD-1C2D-4C1E-B459-B60219FAB484}" type="datetimeFigureOut">
               <a:rPr lang="ko-KR" altLang="en-US" smtClean="0"/>
-              <a:t>2019-05-15</a:t>
+              <a:t>2019-05-16</a:t>
             </a:fld>
             <a:endParaRPr lang="ko-KR" altLang="en-US"/>
           </a:p>
@@ -3322,7 +3407,7 @@
           <a:p>
             <a:fld id="{FB30EDBD-1C2D-4C1E-B459-B60219FAB484}" type="datetimeFigureOut">
               <a:rPr lang="ko-KR" altLang="en-US" smtClean="0"/>
-              <a:t>2019-05-15</a:t>
+              <a:t>2019-05-16</a:t>
             </a:fld>
             <a:endParaRPr lang="ko-KR" altLang="en-US"/>
           </a:p>
@@ -3528,7 +3613,7 @@
           <a:p>
             <a:fld id="{FB30EDBD-1C2D-4C1E-B459-B60219FAB484}" type="datetimeFigureOut">
               <a:rPr lang="ko-KR" altLang="en-US" smtClean="0"/>
-              <a:t>2019-05-15</a:t>
+              <a:t>2019-05-16</a:t>
             </a:fld>
             <a:endParaRPr lang="ko-KR" altLang="en-US"/>
           </a:p>
@@ -11125,7 +11210,7 @@
         </p:nvSpPr>
         <p:spPr>
           <a:xfrm>
-            <a:off x="1621039" y="3601658"/>
+            <a:off x="3830855" y="3601658"/>
             <a:ext cx="1797468" cy="272578"/>
           </a:xfrm>
           <a:prstGeom prst="roundRect">
@@ -11169,69 +11254,6 @@
           </a:p>
         </p:txBody>
       </p:sp>
-      <p:sp>
-        <p:nvSpPr>
-          <p:cNvPr id="69" name="사각형: 둥근 모서리 68">
-            <a:extLst>
-              <a:ext uri="{FF2B5EF4-FFF2-40B4-BE49-F238E27FC236}">
-                <a16:creationId xmlns:a16="http://schemas.microsoft.com/office/drawing/2014/main" id="{F1BFD606-EF93-423C-8979-4AE50B68E33C}"/>
-              </a:ext>
-            </a:extLst>
-          </p:cNvPr>
-          <p:cNvSpPr/>
-          <p:nvPr/>
-        </p:nvSpPr>
-        <p:spPr>
-          <a:xfrm>
-            <a:off x="3830855" y="3606673"/>
-            <a:ext cx="1797468" cy="272578"/>
-          </a:xfrm>
-          <a:prstGeom prst="roundRect">
-            <a:avLst>
-              <a:gd name="adj" fmla="val 15087"/>
-            </a:avLst>
-          </a:prstGeom>
-          <a:ln>
-            <a:solidFill>
-              <a:schemeClr val="tx2"/>
-            </a:solidFill>
-          </a:ln>
-        </p:spPr>
-        <p:style>
-          <a:lnRef idx="2">
-            <a:schemeClr val="dk1"/>
-          </a:lnRef>
-          <a:fillRef idx="1">
-            <a:schemeClr val="lt1"/>
-          </a:fillRef>
-          <a:effectRef idx="0">
-            <a:schemeClr val="dk1"/>
-          </a:effectRef>
-          <a:fontRef idx="minor">
-            <a:schemeClr val="dk1"/>
-          </a:fontRef>
-        </p:style>
-        <p:txBody>
-          <a:bodyPr rtlCol="0" anchor="ctr"/>
-          <a:lstStyle/>
-          <a:p>
-            <a:pPr algn="ctr"/>
-            <a:r>
-              <a:rPr lang="en-US" altLang="ko-KR" sz="1200" b="1">
-                <a:solidFill>
-                  <a:schemeClr val="tx2"/>
-                </a:solidFill>
-              </a:rPr>
-              <a:t>KUBE-POSTROUTING</a:t>
-            </a:r>
-            <a:endParaRPr lang="ko-KR" altLang="en-US" sz="1200" b="1">
-              <a:solidFill>
-                <a:schemeClr val="tx2"/>
-              </a:solidFill>
-            </a:endParaRPr>
-          </a:p>
-        </p:txBody>
-      </p:sp>
       <p:cxnSp>
         <p:nvCxnSpPr>
           <p:cNvPr id="70" name="직선 화살표 연결선 69">
@@ -11247,9 +11269,9 @@
           <p:nvPr/>
         </p:nvCxnSpPr>
         <p:spPr>
-          <a:xfrm flipH="1">
-            <a:off x="2363992" y="3320585"/>
-            <a:ext cx="2210498" cy="281073"/>
+          <a:xfrm>
+            <a:off x="4636864" y="3320585"/>
+            <a:ext cx="0" cy="281073"/>
           </a:xfrm>
           <a:prstGeom prst="straightConnector1">
             <a:avLst/>
@@ -11278,52 +11300,6 @@
       </p:cxnSp>
       <p:cxnSp>
         <p:nvCxnSpPr>
-          <p:cNvPr id="73" name="직선 화살표 연결선 72">
-            <a:extLst>
-              <a:ext uri="{FF2B5EF4-FFF2-40B4-BE49-F238E27FC236}">
-                <a16:creationId xmlns:a16="http://schemas.microsoft.com/office/drawing/2014/main" id="{E0ECBA20-7ADA-4A87-8F8A-7833EAD3E4F8}"/>
-              </a:ext>
-            </a:extLst>
-          </p:cNvPr>
-          <p:cNvCxnSpPr>
-            <a:cxnSpLocks/>
-            <a:stCxn id="68" idx="3"/>
-            <a:endCxn id="69" idx="1"/>
-          </p:cNvCxnSpPr>
-          <p:nvPr/>
-        </p:nvCxnSpPr>
-        <p:spPr>
-          <a:xfrm>
-            <a:off x="3418507" y="3737947"/>
-            <a:ext cx="412348" cy="5015"/>
-          </a:xfrm>
-          <a:prstGeom prst="straightConnector1">
-            <a:avLst/>
-          </a:prstGeom>
-          <a:ln w="28575">
-            <a:solidFill>
-              <a:schemeClr val="tx1"/>
-            </a:solidFill>
-            <a:tailEnd type="arrow"/>
-          </a:ln>
-        </p:spPr>
-        <p:style>
-          <a:lnRef idx="1">
-            <a:schemeClr val="accent1"/>
-          </a:lnRef>
-          <a:fillRef idx="0">
-            <a:schemeClr val="accent1"/>
-          </a:fillRef>
-          <a:effectRef idx="0">
-            <a:schemeClr val="accent1"/>
-          </a:effectRef>
-          <a:fontRef idx="minor">
-            <a:schemeClr val="tx1"/>
-          </a:fontRef>
-        </p:style>
-      </p:cxnSp>
-      <p:cxnSp>
-        <p:nvCxnSpPr>
           <p:cNvPr id="98" name="직선 화살표 연결선 97">
             <a:extLst>
               <a:ext uri="{FF2B5EF4-FFF2-40B4-BE49-F238E27FC236}">
@@ -11382,8 +11358,8 @@
         </p:nvSpPr>
         <p:spPr>
           <a:xfrm>
-            <a:off x="5628322" y="1971501"/>
-            <a:ext cx="112999" cy="1701080"/>
+            <a:off x="5628322" y="1971500"/>
+            <a:ext cx="116406" cy="1752371"/>
           </a:xfrm>
           <a:custGeom>
             <a:avLst/>
@@ -11571,9 +11547,9 @@
           <p:nvPr/>
         </p:nvCxnSpPr>
         <p:spPr>
-          <a:xfrm flipH="1">
-            <a:off x="2688104" y="3320585"/>
-            <a:ext cx="2209816" cy="281073"/>
+          <a:xfrm>
+            <a:off x="4823744" y="3320585"/>
+            <a:ext cx="0" cy="281073"/>
           </a:xfrm>
           <a:prstGeom prst="straightConnector1">
             <a:avLst/>
@@ -11613,13 +11589,14 @@
           </p:cNvPr>
           <p:cNvCxnSpPr>
             <a:cxnSpLocks/>
+            <a:stCxn id="68" idx="2"/>
           </p:cNvCxnSpPr>
           <p:nvPr/>
         </p:nvCxnSpPr>
         <p:spPr>
           <a:xfrm>
-            <a:off x="4729589" y="4011910"/>
-            <a:ext cx="0" cy="137169"/>
+            <a:off x="4729589" y="3874236"/>
+            <a:ext cx="0" cy="274843"/>
           </a:xfrm>
           <a:prstGeom prst="straightConnector1">
             <a:avLst/>
@@ -12361,10 +12338,10 @@
       </p:grpSp>
       <p:sp>
         <p:nvSpPr>
-          <p:cNvPr id="143" name="자유형: 도형 142">
-            <a:extLst>
-              <a:ext uri="{FF2B5EF4-FFF2-40B4-BE49-F238E27FC236}">
-                <a16:creationId xmlns:a16="http://schemas.microsoft.com/office/drawing/2014/main" id="{2942F970-F54D-4627-A45F-096FA4B42AD3}"/>
+          <p:cNvPr id="7" name="자유형: 도형 6">
+            <a:extLst>
+              <a:ext uri="{FF2B5EF4-FFF2-40B4-BE49-F238E27FC236}">
+                <a16:creationId xmlns:a16="http://schemas.microsoft.com/office/drawing/2014/main" id="{072E54DC-234F-4B66-BED6-87BB4314D9DE}"/>
               </a:ext>
             </a:extLst>
           </p:cNvPr>
@@ -12373,24 +12350,24 @@
         </p:nvSpPr>
         <p:spPr>
           <a:xfrm>
-            <a:off x="2491579" y="1579860"/>
-            <a:ext cx="5501081" cy="2432050"/>
+            <a:off x="4729163" y="1582506"/>
+            <a:ext cx="3229023" cy="2382276"/>
           </a:xfrm>
           <a:custGeom>
             <a:avLst/>
             <a:gdLst>
-              <a:gd name="connsiteX0" fmla="*/ 0 w 5448300"/>
-              <a:gd name="connsiteY0" fmla="*/ 2292350 h 2432050"/>
-              <a:gd name="connsiteX1" fmla="*/ 0 w 5448300"/>
-              <a:gd name="connsiteY1" fmla="*/ 2432050 h 2432050"/>
-              <a:gd name="connsiteX2" fmla="*/ 5448300 w 5448300"/>
-              <a:gd name="connsiteY2" fmla="*/ 2432050 h 2432050"/>
-              <a:gd name="connsiteX3" fmla="*/ 5448300 w 5448300"/>
-              <a:gd name="connsiteY3" fmla="*/ 171450 h 2432050"/>
-              <a:gd name="connsiteX4" fmla="*/ 4311650 w 5448300"/>
-              <a:gd name="connsiteY4" fmla="*/ 171450 h 2432050"/>
-              <a:gd name="connsiteX5" fmla="*/ 4311650 w 5448300"/>
-              <a:gd name="connsiteY5" fmla="*/ 0 h 2432050"/>
+              <a:gd name="connsiteX0" fmla="*/ 0 w 3229023"/>
+              <a:gd name="connsiteY0" fmla="*/ 2364581 h 2364581"/>
+              <a:gd name="connsiteX1" fmla="*/ 3221831 w 3229023"/>
+              <a:gd name="connsiteY1" fmla="*/ 2364581 h 2364581"/>
+              <a:gd name="connsiteX2" fmla="*/ 3228975 w 3229023"/>
+              <a:gd name="connsiteY2" fmla="*/ 2228850 h 2364581"/>
+              <a:gd name="connsiteX3" fmla="*/ 3228975 w 3229023"/>
+              <a:gd name="connsiteY3" fmla="*/ 150019 h 2364581"/>
+              <a:gd name="connsiteX4" fmla="*/ 2107406 w 3229023"/>
+              <a:gd name="connsiteY4" fmla="*/ 150019 h 2364581"/>
+              <a:gd name="connsiteX5" fmla="*/ 2107406 w 3229023"/>
+              <a:gd name="connsiteY5" fmla="*/ 0 h 2364581"/>
             </a:gdLst>
             <a:ahLst/>
             <a:cxnLst>
@@ -12415,30 +12392,32 @@
             </a:cxnLst>
             <a:rect l="l" t="t" r="r" b="b"/>
             <a:pathLst>
-              <a:path w="5448300" h="2432050">
+              <a:path w="3229023" h="2364581">
                 <a:moveTo>
-                  <a:pt x="0" y="2292350"/>
+                  <a:pt x="0" y="2364581"/>
                 </a:moveTo>
                 <a:lnTo>
-                  <a:pt x="0" y="2432050"/>
+                  <a:pt x="3221831" y="2364581"/>
+                </a:lnTo>
+                <a:cubicBezTo>
+                  <a:pt x="3230071" y="2257467"/>
+                  <a:pt x="3228975" y="2302760"/>
+                  <a:pt x="3228975" y="2228850"/>
+                </a:cubicBezTo>
+                <a:lnTo>
+                  <a:pt x="3228975" y="150019"/>
                 </a:lnTo>
                 <a:lnTo>
-                  <a:pt x="5448300" y="2432050"/>
+                  <a:pt x="2107406" y="150019"/>
                 </a:lnTo>
                 <a:lnTo>
-                  <a:pt x="5448300" y="171450"/>
-                </a:lnTo>
-                <a:lnTo>
-                  <a:pt x="4311650" y="171450"/>
-                </a:lnTo>
-                <a:lnTo>
-                  <a:pt x="4311650" y="0"/>
+                  <a:pt x="2107406" y="0"/>
                 </a:lnTo>
               </a:path>
             </a:pathLst>
           </a:custGeom>
           <a:noFill/>
-          <a:ln w="28575">
+          <a:ln>
             <a:solidFill>
               <a:schemeClr val="accent6">
                 <a:lumMod val="75000"/>
@@ -17392,6 +17371,2717 @@
       </p:grpSpPr>
       <p:sp>
         <p:nvSpPr>
+          <p:cNvPr id="26" name="제목 1">
+            <a:extLst>
+              <a:ext uri="{FF2B5EF4-FFF2-40B4-BE49-F238E27FC236}">
+                <a16:creationId xmlns:a16="http://schemas.microsoft.com/office/drawing/2014/main" id="{8996A3B6-EF2F-433F-A247-A77B4E18237E}"/>
+              </a:ext>
+            </a:extLst>
+          </p:cNvPr>
+          <p:cNvSpPr>
+            <a:spLocks noGrp="1"/>
+          </p:cNvSpPr>
+          <p:nvPr>
+            <p:ph type="title"/>
+          </p:nvPr>
+        </p:nvSpPr>
+        <p:spPr>
+          <a:xfrm>
+            <a:off x="457200" y="-596602"/>
+            <a:ext cx="8229600" cy="857250"/>
+          </a:xfrm>
+        </p:spPr>
+        <p:txBody>
+          <a:bodyPr/>
+          <a:lstStyle/>
+          <a:p>
+            <a:r>
+              <a:rPr lang="en-US" altLang="ko-KR"/>
+              <a:t>Userspace</a:t>
+            </a:r>
+            <a:r>
+              <a:rPr lang="ko-KR" altLang="en-US"/>
+              <a:t> </a:t>
+            </a:r>
+            <a:r>
+              <a:rPr lang="en-US" altLang="ko-KR"/>
+              <a:t>Mode</a:t>
+            </a:r>
+            <a:r>
+              <a:rPr lang="ko-KR" altLang="en-US"/>
+              <a:t> </a:t>
+            </a:r>
+            <a:r>
+              <a:rPr lang="en-US" altLang="ko-KR"/>
+              <a:t>Packet</a:t>
+            </a:r>
+            <a:r>
+              <a:rPr lang="ko-KR" altLang="en-US"/>
+              <a:t> </a:t>
+            </a:r>
+            <a:r>
+              <a:rPr lang="en-US" altLang="ko-KR"/>
+              <a:t>Path</a:t>
+            </a:r>
+            <a:endParaRPr lang="ko-KR" altLang="en-US"/>
+          </a:p>
+        </p:txBody>
+      </p:sp>
+      <p:sp>
+        <p:nvSpPr>
+          <p:cNvPr id="37" name="사각형: 둥근 모서리 36">
+            <a:extLst>
+              <a:ext uri="{FF2B5EF4-FFF2-40B4-BE49-F238E27FC236}">
+                <a16:creationId xmlns:a16="http://schemas.microsoft.com/office/drawing/2014/main" id="{5DF08894-10CA-4E97-A9A5-E3D93AA9539D}"/>
+              </a:ext>
+            </a:extLst>
+          </p:cNvPr>
+          <p:cNvSpPr/>
+          <p:nvPr/>
+        </p:nvSpPr>
+        <p:spPr>
+          <a:xfrm>
+            <a:off x="1691682" y="267494"/>
+            <a:ext cx="1656182" cy="857250"/>
+          </a:xfrm>
+          <a:prstGeom prst="roundRect">
+            <a:avLst>
+              <a:gd name="adj" fmla="val 6633"/>
+            </a:avLst>
+          </a:prstGeom>
+        </p:spPr>
+        <p:style>
+          <a:lnRef idx="2">
+            <a:schemeClr val="dk1"/>
+          </a:lnRef>
+          <a:fillRef idx="1">
+            <a:schemeClr val="lt1"/>
+          </a:fillRef>
+          <a:effectRef idx="0">
+            <a:schemeClr val="dk1"/>
+          </a:effectRef>
+          <a:fontRef idx="minor">
+            <a:schemeClr val="dk1"/>
+          </a:fontRef>
+        </p:style>
+        <p:txBody>
+          <a:bodyPr rtlCol="0" anchor="t"/>
+          <a:lstStyle/>
+          <a:p>
+            <a:pPr algn="ctr"/>
+            <a:r>
+              <a:rPr lang="en-US" altLang="ko-KR" sz="1400"/>
+              <a:t>Pod A</a:t>
+            </a:r>
+          </a:p>
+          <a:p>
+            <a:pPr algn="ctr"/>
+            <a:r>
+              <a:rPr lang="en-US" altLang="ko-KR" sz="1400"/>
+              <a:t>Net Namespace</a:t>
+            </a:r>
+            <a:endParaRPr lang="ko-KR" altLang="en-US" sz="1400"/>
+          </a:p>
+        </p:txBody>
+      </p:sp>
+      <p:sp>
+        <p:nvSpPr>
+          <p:cNvPr id="40" name="사각형: 둥근 모서리 39">
+            <a:extLst>
+              <a:ext uri="{FF2B5EF4-FFF2-40B4-BE49-F238E27FC236}">
+                <a16:creationId xmlns:a16="http://schemas.microsoft.com/office/drawing/2014/main" id="{BB64BC4F-046B-4833-94B3-D1F2D50843E5}"/>
+              </a:ext>
+            </a:extLst>
+          </p:cNvPr>
+          <p:cNvSpPr/>
+          <p:nvPr/>
+        </p:nvSpPr>
+        <p:spPr>
+          <a:xfrm>
+            <a:off x="1907706" y="852166"/>
+            <a:ext cx="1224134" cy="272578"/>
+          </a:xfrm>
+          <a:prstGeom prst="roundRect">
+            <a:avLst>
+              <a:gd name="adj" fmla="val 15087"/>
+            </a:avLst>
+          </a:prstGeom>
+        </p:spPr>
+        <p:style>
+          <a:lnRef idx="2">
+            <a:schemeClr val="dk1"/>
+          </a:lnRef>
+          <a:fillRef idx="1">
+            <a:schemeClr val="lt1"/>
+          </a:fillRef>
+          <a:effectRef idx="0">
+            <a:schemeClr val="dk1"/>
+          </a:effectRef>
+          <a:fontRef idx="minor">
+            <a:schemeClr val="dk1"/>
+          </a:fontRef>
+        </p:style>
+        <p:txBody>
+          <a:bodyPr rtlCol="0" anchor="ctr"/>
+          <a:lstStyle/>
+          <a:p>
+            <a:pPr algn="ctr"/>
+            <a:r>
+              <a:rPr lang="en-US" altLang="ko-KR" sz="1200"/>
+              <a:t>veth interface</a:t>
+            </a:r>
+          </a:p>
+        </p:txBody>
+      </p:sp>
+      <p:sp>
+        <p:nvSpPr>
+          <p:cNvPr id="42" name="사각형: 둥근 모서리 41">
+            <a:extLst>
+              <a:ext uri="{FF2B5EF4-FFF2-40B4-BE49-F238E27FC236}">
+                <a16:creationId xmlns:a16="http://schemas.microsoft.com/office/drawing/2014/main" id="{C578B6D8-62A4-4C86-A3C2-50037AA64487}"/>
+              </a:ext>
+            </a:extLst>
+          </p:cNvPr>
+          <p:cNvSpPr/>
+          <p:nvPr/>
+        </p:nvSpPr>
+        <p:spPr>
+          <a:xfrm>
+            <a:off x="1216139" y="1309335"/>
+            <a:ext cx="7028266" cy="3111949"/>
+          </a:xfrm>
+          <a:prstGeom prst="roundRect">
+            <a:avLst>
+              <a:gd name="adj" fmla="val 3729"/>
+            </a:avLst>
+          </a:prstGeom>
+        </p:spPr>
+        <p:style>
+          <a:lnRef idx="2">
+            <a:schemeClr val="dk1"/>
+          </a:lnRef>
+          <a:fillRef idx="1">
+            <a:schemeClr val="lt1"/>
+          </a:fillRef>
+          <a:effectRef idx="0">
+            <a:schemeClr val="dk1"/>
+          </a:effectRef>
+          <a:fontRef idx="minor">
+            <a:schemeClr val="dk1"/>
+          </a:fontRef>
+        </p:style>
+        <p:txBody>
+          <a:bodyPr rtlCol="0" anchor="t"/>
+          <a:lstStyle/>
+          <a:p>
+            <a:pPr algn="ctr"/>
+            <a:r>
+              <a:rPr lang="en-US" altLang="ko-KR" sz="1400"/>
+              <a:t>Host Net Namespace</a:t>
+            </a:r>
+            <a:endParaRPr lang="ko-KR" altLang="en-US" sz="1400"/>
+          </a:p>
+        </p:txBody>
+      </p:sp>
+      <p:sp>
+        <p:nvSpPr>
+          <p:cNvPr id="43" name="사각형: 둥근 모서리 42">
+            <a:extLst>
+              <a:ext uri="{FF2B5EF4-FFF2-40B4-BE49-F238E27FC236}">
+                <a16:creationId xmlns:a16="http://schemas.microsoft.com/office/drawing/2014/main" id="{9E1EF096-9201-4CF2-9016-878474AC7960}"/>
+              </a:ext>
+            </a:extLst>
+          </p:cNvPr>
+          <p:cNvSpPr/>
+          <p:nvPr/>
+        </p:nvSpPr>
+        <p:spPr>
+          <a:xfrm>
+            <a:off x="1907706" y="1309927"/>
+            <a:ext cx="1224134" cy="272578"/>
+          </a:xfrm>
+          <a:prstGeom prst="roundRect">
+            <a:avLst>
+              <a:gd name="adj" fmla="val 15087"/>
+            </a:avLst>
+          </a:prstGeom>
+        </p:spPr>
+        <p:style>
+          <a:lnRef idx="2">
+            <a:schemeClr val="dk1"/>
+          </a:lnRef>
+          <a:fillRef idx="1">
+            <a:schemeClr val="lt1"/>
+          </a:fillRef>
+          <a:effectRef idx="0">
+            <a:schemeClr val="dk1"/>
+          </a:effectRef>
+          <a:fontRef idx="minor">
+            <a:schemeClr val="dk1"/>
+          </a:fontRef>
+        </p:style>
+        <p:txBody>
+          <a:bodyPr rtlCol="0" anchor="ctr"/>
+          <a:lstStyle/>
+          <a:p>
+            <a:pPr algn="ctr"/>
+            <a:r>
+              <a:rPr lang="en-US" altLang="ko-KR" sz="1200"/>
+              <a:t>veth interface</a:t>
+            </a:r>
+          </a:p>
+        </p:txBody>
+      </p:sp>
+      <p:cxnSp>
+        <p:nvCxnSpPr>
+          <p:cNvPr id="45" name="직선 연결선 44">
+            <a:extLst>
+              <a:ext uri="{FF2B5EF4-FFF2-40B4-BE49-F238E27FC236}">
+                <a16:creationId xmlns:a16="http://schemas.microsoft.com/office/drawing/2014/main" id="{596DEBC7-DF1F-4F4B-9E15-E411A679E8A0}"/>
+              </a:ext>
+            </a:extLst>
+          </p:cNvPr>
+          <p:cNvCxnSpPr>
+            <a:cxnSpLocks/>
+            <a:stCxn id="40" idx="2"/>
+            <a:endCxn id="43" idx="0"/>
+          </p:cNvCxnSpPr>
+          <p:nvPr/>
+        </p:nvCxnSpPr>
+        <p:spPr>
+          <a:xfrm>
+            <a:off x="2519773" y="1124744"/>
+            <a:ext cx="0" cy="185183"/>
+          </a:xfrm>
+          <a:prstGeom prst="line">
+            <a:avLst/>
+          </a:prstGeom>
+          <a:ln w="28575">
+            <a:solidFill>
+              <a:schemeClr val="tx1"/>
+            </a:solidFill>
+          </a:ln>
+        </p:spPr>
+        <p:style>
+          <a:lnRef idx="1">
+            <a:schemeClr val="accent1"/>
+          </a:lnRef>
+          <a:fillRef idx="0">
+            <a:schemeClr val="accent1"/>
+          </a:fillRef>
+          <a:effectRef idx="0">
+            <a:schemeClr val="accent1"/>
+          </a:effectRef>
+          <a:fontRef idx="minor">
+            <a:schemeClr val="tx1"/>
+          </a:fontRef>
+        </p:style>
+      </p:cxnSp>
+      <p:sp>
+        <p:nvSpPr>
+          <p:cNvPr id="78" name="사각형: 둥근 모서리 77">
+            <a:extLst>
+              <a:ext uri="{FF2B5EF4-FFF2-40B4-BE49-F238E27FC236}">
+                <a16:creationId xmlns:a16="http://schemas.microsoft.com/office/drawing/2014/main" id="{8C1B9B8D-0CF6-4E54-8D89-CB269563C2F2}"/>
+              </a:ext>
+            </a:extLst>
+          </p:cNvPr>
+          <p:cNvSpPr/>
+          <p:nvPr/>
+        </p:nvSpPr>
+        <p:spPr>
+          <a:xfrm>
+            <a:off x="6012160" y="267494"/>
+            <a:ext cx="1656182" cy="857250"/>
+          </a:xfrm>
+          <a:prstGeom prst="roundRect">
+            <a:avLst>
+              <a:gd name="adj" fmla="val 6633"/>
+            </a:avLst>
+          </a:prstGeom>
+        </p:spPr>
+        <p:style>
+          <a:lnRef idx="2">
+            <a:schemeClr val="dk1"/>
+          </a:lnRef>
+          <a:fillRef idx="1">
+            <a:schemeClr val="lt1"/>
+          </a:fillRef>
+          <a:effectRef idx="0">
+            <a:schemeClr val="dk1"/>
+          </a:effectRef>
+          <a:fontRef idx="minor">
+            <a:schemeClr val="dk1"/>
+          </a:fontRef>
+        </p:style>
+        <p:txBody>
+          <a:bodyPr rtlCol="0" anchor="t"/>
+          <a:lstStyle/>
+          <a:p>
+            <a:pPr algn="ctr"/>
+            <a:r>
+              <a:rPr lang="en-US" altLang="ko-KR" sz="1400"/>
+              <a:t>Pod B</a:t>
+            </a:r>
+          </a:p>
+          <a:p>
+            <a:pPr algn="ctr"/>
+            <a:r>
+              <a:rPr lang="en-US" altLang="ko-KR" sz="1400"/>
+              <a:t>Net Namespace</a:t>
+            </a:r>
+            <a:endParaRPr lang="ko-KR" altLang="en-US" sz="1400"/>
+          </a:p>
+        </p:txBody>
+      </p:sp>
+      <p:sp>
+        <p:nvSpPr>
+          <p:cNvPr id="79" name="사각형: 둥근 모서리 78">
+            <a:extLst>
+              <a:ext uri="{FF2B5EF4-FFF2-40B4-BE49-F238E27FC236}">
+                <a16:creationId xmlns:a16="http://schemas.microsoft.com/office/drawing/2014/main" id="{CED02E20-5817-4B82-B805-8CECA18FA615}"/>
+              </a:ext>
+            </a:extLst>
+          </p:cNvPr>
+          <p:cNvSpPr/>
+          <p:nvPr/>
+        </p:nvSpPr>
+        <p:spPr>
+          <a:xfrm>
+            <a:off x="6228184" y="852166"/>
+            <a:ext cx="1224134" cy="272578"/>
+          </a:xfrm>
+          <a:prstGeom prst="roundRect">
+            <a:avLst>
+              <a:gd name="adj" fmla="val 15087"/>
+            </a:avLst>
+          </a:prstGeom>
+        </p:spPr>
+        <p:style>
+          <a:lnRef idx="2">
+            <a:schemeClr val="dk1"/>
+          </a:lnRef>
+          <a:fillRef idx="1">
+            <a:schemeClr val="lt1"/>
+          </a:fillRef>
+          <a:effectRef idx="0">
+            <a:schemeClr val="dk1"/>
+          </a:effectRef>
+          <a:fontRef idx="minor">
+            <a:schemeClr val="dk1"/>
+          </a:fontRef>
+        </p:style>
+        <p:txBody>
+          <a:bodyPr rtlCol="0" anchor="ctr"/>
+          <a:lstStyle/>
+          <a:p>
+            <a:pPr algn="ctr"/>
+            <a:r>
+              <a:rPr lang="en-US" altLang="ko-KR" sz="1200"/>
+              <a:t>veth interface</a:t>
+            </a:r>
+          </a:p>
+        </p:txBody>
+      </p:sp>
+      <p:sp>
+        <p:nvSpPr>
+          <p:cNvPr id="80" name="사각형: 둥근 모서리 79">
+            <a:extLst>
+              <a:ext uri="{FF2B5EF4-FFF2-40B4-BE49-F238E27FC236}">
+                <a16:creationId xmlns:a16="http://schemas.microsoft.com/office/drawing/2014/main" id="{ABBB7494-F427-41D5-B223-E9B58F163FF2}"/>
+              </a:ext>
+            </a:extLst>
+          </p:cNvPr>
+          <p:cNvSpPr/>
+          <p:nvPr/>
+        </p:nvSpPr>
+        <p:spPr>
+          <a:xfrm>
+            <a:off x="6228184" y="1309927"/>
+            <a:ext cx="1224134" cy="272578"/>
+          </a:xfrm>
+          <a:prstGeom prst="roundRect">
+            <a:avLst>
+              <a:gd name="adj" fmla="val 15087"/>
+            </a:avLst>
+          </a:prstGeom>
+        </p:spPr>
+        <p:style>
+          <a:lnRef idx="2">
+            <a:schemeClr val="dk1"/>
+          </a:lnRef>
+          <a:fillRef idx="1">
+            <a:schemeClr val="lt1"/>
+          </a:fillRef>
+          <a:effectRef idx="0">
+            <a:schemeClr val="dk1"/>
+          </a:effectRef>
+          <a:fontRef idx="minor">
+            <a:schemeClr val="dk1"/>
+          </a:fontRef>
+        </p:style>
+        <p:txBody>
+          <a:bodyPr rtlCol="0" anchor="ctr"/>
+          <a:lstStyle/>
+          <a:p>
+            <a:pPr algn="ctr"/>
+            <a:r>
+              <a:rPr lang="en-US" altLang="ko-KR" sz="1200"/>
+              <a:t>veth interface</a:t>
+            </a:r>
+          </a:p>
+        </p:txBody>
+      </p:sp>
+      <p:cxnSp>
+        <p:nvCxnSpPr>
+          <p:cNvPr id="81" name="직선 연결선 80">
+            <a:extLst>
+              <a:ext uri="{FF2B5EF4-FFF2-40B4-BE49-F238E27FC236}">
+                <a16:creationId xmlns:a16="http://schemas.microsoft.com/office/drawing/2014/main" id="{1CD8A4E0-E791-4C69-8231-0FE7449C79BA}"/>
+              </a:ext>
+            </a:extLst>
+          </p:cNvPr>
+          <p:cNvCxnSpPr>
+            <a:cxnSpLocks/>
+            <a:stCxn id="79" idx="2"/>
+            <a:endCxn id="80" idx="0"/>
+          </p:cNvCxnSpPr>
+          <p:nvPr/>
+        </p:nvCxnSpPr>
+        <p:spPr>
+          <a:xfrm>
+            <a:off x="6840251" y="1124744"/>
+            <a:ext cx="0" cy="185183"/>
+          </a:xfrm>
+          <a:prstGeom prst="line">
+            <a:avLst/>
+          </a:prstGeom>
+          <a:ln w="28575">
+            <a:solidFill>
+              <a:schemeClr val="tx1"/>
+            </a:solidFill>
+          </a:ln>
+        </p:spPr>
+        <p:style>
+          <a:lnRef idx="1">
+            <a:schemeClr val="accent1"/>
+          </a:lnRef>
+          <a:fillRef idx="0">
+            <a:schemeClr val="accent1"/>
+          </a:fillRef>
+          <a:effectRef idx="0">
+            <a:schemeClr val="accent1"/>
+          </a:effectRef>
+          <a:fontRef idx="minor">
+            <a:schemeClr val="tx1"/>
+          </a:fontRef>
+        </p:style>
+      </p:cxnSp>
+      <p:sp>
+        <p:nvSpPr>
+          <p:cNvPr id="85" name="사각형: 둥근 모서리 84">
+            <a:extLst>
+              <a:ext uri="{FF2B5EF4-FFF2-40B4-BE49-F238E27FC236}">
+                <a16:creationId xmlns:a16="http://schemas.microsoft.com/office/drawing/2014/main" id="{70323992-35B6-4AFC-8CA7-B7AE2E0F2849}"/>
+              </a:ext>
+            </a:extLst>
+          </p:cNvPr>
+          <p:cNvSpPr/>
+          <p:nvPr/>
+        </p:nvSpPr>
+        <p:spPr>
+          <a:xfrm>
+            <a:off x="3448382" y="4149079"/>
+            <a:ext cx="2563778" cy="272578"/>
+          </a:xfrm>
+          <a:prstGeom prst="roundRect">
+            <a:avLst>
+              <a:gd name="adj" fmla="val 15087"/>
+            </a:avLst>
+          </a:prstGeom>
+        </p:spPr>
+        <p:style>
+          <a:lnRef idx="2">
+            <a:schemeClr val="dk1"/>
+          </a:lnRef>
+          <a:fillRef idx="1">
+            <a:schemeClr val="lt1"/>
+          </a:fillRef>
+          <a:effectRef idx="0">
+            <a:schemeClr val="dk1"/>
+          </a:effectRef>
+          <a:fontRef idx="minor">
+            <a:schemeClr val="dk1"/>
+          </a:fontRef>
+        </p:style>
+        <p:txBody>
+          <a:bodyPr rtlCol="0" anchor="ctr"/>
+          <a:lstStyle/>
+          <a:p>
+            <a:pPr algn="ctr"/>
+            <a:r>
+              <a:rPr lang="en-US" altLang="ko-KR" sz="1200"/>
+              <a:t>eth / IPIP / VXLAN Interface</a:t>
+            </a:r>
+          </a:p>
+        </p:txBody>
+      </p:sp>
+      <p:sp>
+        <p:nvSpPr>
+          <p:cNvPr id="86" name="사각형: 둥근 모서리 85">
+            <a:extLst>
+              <a:ext uri="{FF2B5EF4-FFF2-40B4-BE49-F238E27FC236}">
+                <a16:creationId xmlns:a16="http://schemas.microsoft.com/office/drawing/2014/main" id="{005ED654-6BEF-41E6-92C9-A8DCE7F19AC0}"/>
+              </a:ext>
+            </a:extLst>
+          </p:cNvPr>
+          <p:cNvSpPr/>
+          <p:nvPr/>
+        </p:nvSpPr>
+        <p:spPr>
+          <a:xfrm>
+            <a:off x="3830855" y="1700807"/>
+            <a:ext cx="1798833" cy="519510"/>
+          </a:xfrm>
+          <a:prstGeom prst="roundRect">
+            <a:avLst>
+              <a:gd name="adj" fmla="val 6633"/>
+            </a:avLst>
+          </a:prstGeom>
+        </p:spPr>
+        <p:style>
+          <a:lnRef idx="2">
+            <a:schemeClr val="dk1"/>
+          </a:lnRef>
+          <a:fillRef idx="1">
+            <a:schemeClr val="lt1"/>
+          </a:fillRef>
+          <a:effectRef idx="0">
+            <a:schemeClr val="dk1"/>
+          </a:effectRef>
+          <a:fontRef idx="minor">
+            <a:schemeClr val="dk1"/>
+          </a:fontRef>
+        </p:style>
+        <p:txBody>
+          <a:bodyPr rtlCol="0" anchor="ctr"/>
+          <a:lstStyle/>
+          <a:p>
+            <a:pPr algn="ctr"/>
+            <a:r>
+              <a:rPr lang="en-US" altLang="ko-KR" sz="1200"/>
+              <a:t>Host / Pod Process</a:t>
+            </a:r>
+          </a:p>
+          <a:p>
+            <a:pPr algn="ctr"/>
+            <a:r>
+              <a:rPr lang="en-US" altLang="ko-KR" sz="1200" b="1">
+                <a:solidFill>
+                  <a:schemeClr val="tx1"/>
+                </a:solidFill>
+              </a:rPr>
+              <a:t>(kube-proxy)</a:t>
+            </a:r>
+            <a:endParaRPr lang="ko-KR" altLang="en-US" sz="1200" b="1">
+              <a:solidFill>
+                <a:schemeClr val="tx1"/>
+              </a:solidFill>
+            </a:endParaRPr>
+          </a:p>
+        </p:txBody>
+      </p:sp>
+      <p:sp>
+        <p:nvSpPr>
+          <p:cNvPr id="90" name="사각형: 둥근 모서리 89">
+            <a:extLst>
+              <a:ext uri="{FF2B5EF4-FFF2-40B4-BE49-F238E27FC236}">
+                <a16:creationId xmlns:a16="http://schemas.microsoft.com/office/drawing/2014/main" id="{3083D0A7-8723-4979-9671-4E9677E30557}"/>
+              </a:ext>
+            </a:extLst>
+          </p:cNvPr>
+          <p:cNvSpPr/>
+          <p:nvPr/>
+        </p:nvSpPr>
+        <p:spPr>
+          <a:xfrm>
+            <a:off x="1621039" y="1828040"/>
+            <a:ext cx="1797468" cy="272578"/>
+          </a:xfrm>
+          <a:prstGeom prst="roundRect">
+            <a:avLst>
+              <a:gd name="adj" fmla="val 15087"/>
+            </a:avLst>
+          </a:prstGeom>
+          <a:ln>
+            <a:solidFill>
+              <a:schemeClr val="tx2"/>
+            </a:solidFill>
+          </a:ln>
+        </p:spPr>
+        <p:style>
+          <a:lnRef idx="2">
+            <a:schemeClr val="dk1"/>
+          </a:lnRef>
+          <a:fillRef idx="1">
+            <a:schemeClr val="lt1"/>
+          </a:fillRef>
+          <a:effectRef idx="0">
+            <a:schemeClr val="dk1"/>
+          </a:effectRef>
+          <a:fontRef idx="minor">
+            <a:schemeClr val="dk1"/>
+          </a:fontRef>
+        </p:style>
+        <p:txBody>
+          <a:bodyPr rtlCol="0" anchor="ctr"/>
+          <a:lstStyle/>
+          <a:p>
+            <a:pPr algn="ctr"/>
+            <a:r>
+              <a:rPr lang="en-US" altLang="ko-KR" sz="1200">
+                <a:solidFill>
+                  <a:schemeClr val="tx2"/>
+                </a:solidFill>
+              </a:rPr>
+              <a:t>PREROUTING</a:t>
+            </a:r>
+          </a:p>
+        </p:txBody>
+      </p:sp>
+      <p:sp>
+        <p:nvSpPr>
+          <p:cNvPr id="91" name="사각형: 둥근 모서리 90">
+            <a:extLst>
+              <a:ext uri="{FF2B5EF4-FFF2-40B4-BE49-F238E27FC236}">
+                <a16:creationId xmlns:a16="http://schemas.microsoft.com/office/drawing/2014/main" id="{8673B26D-82CE-4191-92D3-8B4D0EEE3E55}"/>
+              </a:ext>
+            </a:extLst>
+          </p:cNvPr>
+          <p:cNvSpPr/>
+          <p:nvPr/>
+        </p:nvSpPr>
+        <p:spPr>
+          <a:xfrm>
+            <a:off x="3831537" y="2432942"/>
+            <a:ext cx="1797468" cy="272578"/>
+          </a:xfrm>
+          <a:prstGeom prst="roundRect">
+            <a:avLst>
+              <a:gd name="adj" fmla="val 15087"/>
+            </a:avLst>
+          </a:prstGeom>
+          <a:ln>
+            <a:solidFill>
+              <a:schemeClr val="tx2"/>
+            </a:solidFill>
+          </a:ln>
+        </p:spPr>
+        <p:style>
+          <a:lnRef idx="2">
+            <a:schemeClr val="dk1"/>
+          </a:lnRef>
+          <a:fillRef idx="1">
+            <a:schemeClr val="lt1"/>
+          </a:fillRef>
+          <a:effectRef idx="0">
+            <a:schemeClr val="dk1"/>
+          </a:effectRef>
+          <a:fontRef idx="minor">
+            <a:schemeClr val="dk1"/>
+          </a:fontRef>
+        </p:style>
+        <p:txBody>
+          <a:bodyPr rtlCol="0" anchor="ctr"/>
+          <a:lstStyle/>
+          <a:p>
+            <a:pPr algn="ctr"/>
+            <a:r>
+              <a:rPr lang="en-US" altLang="ko-KR" sz="1200">
+                <a:solidFill>
+                  <a:schemeClr val="tx2"/>
+                </a:solidFill>
+              </a:rPr>
+              <a:t>OUTPUT</a:t>
+            </a:r>
+          </a:p>
+        </p:txBody>
+      </p:sp>
+      <p:cxnSp>
+        <p:nvCxnSpPr>
+          <p:cNvPr id="93" name="직선 화살표 연결선 92">
+            <a:extLst>
+              <a:ext uri="{FF2B5EF4-FFF2-40B4-BE49-F238E27FC236}">
+                <a16:creationId xmlns:a16="http://schemas.microsoft.com/office/drawing/2014/main" id="{2511C344-2234-4CC1-8C01-CC5A002274E0}"/>
+              </a:ext>
+            </a:extLst>
+          </p:cNvPr>
+          <p:cNvCxnSpPr>
+            <a:cxnSpLocks/>
+            <a:stCxn id="43" idx="2"/>
+            <a:endCxn id="90" idx="0"/>
+          </p:cNvCxnSpPr>
+          <p:nvPr/>
+        </p:nvCxnSpPr>
+        <p:spPr>
+          <a:xfrm>
+            <a:off x="2519773" y="1582505"/>
+            <a:ext cx="0" cy="245535"/>
+          </a:xfrm>
+          <a:prstGeom prst="straightConnector1">
+            <a:avLst/>
+          </a:prstGeom>
+          <a:ln w="28575">
+            <a:solidFill>
+              <a:schemeClr val="tx1"/>
+            </a:solidFill>
+            <a:tailEnd type="arrow"/>
+          </a:ln>
+        </p:spPr>
+        <p:style>
+          <a:lnRef idx="1">
+            <a:schemeClr val="accent1"/>
+          </a:lnRef>
+          <a:fillRef idx="0">
+            <a:schemeClr val="accent1"/>
+          </a:fillRef>
+          <a:effectRef idx="0">
+            <a:schemeClr val="accent1"/>
+          </a:effectRef>
+          <a:fontRef idx="minor">
+            <a:schemeClr val="tx1"/>
+          </a:fontRef>
+        </p:style>
+      </p:cxnSp>
+      <p:cxnSp>
+        <p:nvCxnSpPr>
+          <p:cNvPr id="96" name="직선 화살표 연결선 95">
+            <a:extLst>
+              <a:ext uri="{FF2B5EF4-FFF2-40B4-BE49-F238E27FC236}">
+                <a16:creationId xmlns:a16="http://schemas.microsoft.com/office/drawing/2014/main" id="{F6B53178-8C8D-4A71-992D-DEB3A83586B3}"/>
+              </a:ext>
+            </a:extLst>
+          </p:cNvPr>
+          <p:cNvCxnSpPr>
+            <a:cxnSpLocks/>
+          </p:cNvCxnSpPr>
+          <p:nvPr/>
+        </p:nvCxnSpPr>
+        <p:spPr>
+          <a:xfrm flipH="1">
+            <a:off x="4644008" y="2220317"/>
+            <a:ext cx="1" cy="212625"/>
+          </a:xfrm>
+          <a:prstGeom prst="straightConnector1">
+            <a:avLst/>
+          </a:prstGeom>
+          <a:ln w="28575">
+            <a:solidFill>
+              <a:schemeClr val="tx1"/>
+            </a:solidFill>
+            <a:tailEnd type="arrow"/>
+          </a:ln>
+        </p:spPr>
+        <p:style>
+          <a:lnRef idx="1">
+            <a:schemeClr val="accent1"/>
+          </a:lnRef>
+          <a:fillRef idx="0">
+            <a:schemeClr val="accent1"/>
+          </a:fillRef>
+          <a:effectRef idx="0">
+            <a:schemeClr val="accent1"/>
+          </a:effectRef>
+          <a:fontRef idx="minor">
+            <a:schemeClr val="tx1"/>
+          </a:fontRef>
+        </p:style>
+      </p:cxnSp>
+      <p:cxnSp>
+        <p:nvCxnSpPr>
+          <p:cNvPr id="102" name="직선 화살표 연결선 101">
+            <a:extLst>
+              <a:ext uri="{FF2B5EF4-FFF2-40B4-BE49-F238E27FC236}">
+                <a16:creationId xmlns:a16="http://schemas.microsoft.com/office/drawing/2014/main" id="{ECEE0818-1A81-4312-9F3D-8C1349A7D83E}"/>
+              </a:ext>
+            </a:extLst>
+          </p:cNvPr>
+          <p:cNvCxnSpPr>
+            <a:cxnSpLocks/>
+            <a:stCxn id="90" idx="2"/>
+            <a:endCxn id="41" idx="0"/>
+          </p:cNvCxnSpPr>
+          <p:nvPr/>
+        </p:nvCxnSpPr>
+        <p:spPr>
+          <a:xfrm>
+            <a:off x="2519773" y="2100618"/>
+            <a:ext cx="0" cy="269179"/>
+          </a:xfrm>
+          <a:prstGeom prst="straightConnector1">
+            <a:avLst/>
+          </a:prstGeom>
+          <a:ln w="28575">
+            <a:solidFill>
+              <a:srgbClr val="C00000"/>
+            </a:solidFill>
+            <a:tailEnd type="arrow"/>
+          </a:ln>
+        </p:spPr>
+        <p:style>
+          <a:lnRef idx="1">
+            <a:schemeClr val="accent1"/>
+          </a:lnRef>
+          <a:fillRef idx="0">
+            <a:schemeClr val="accent1"/>
+          </a:fillRef>
+          <a:effectRef idx="0">
+            <a:schemeClr val="accent1"/>
+          </a:effectRef>
+          <a:fontRef idx="minor">
+            <a:schemeClr val="tx1"/>
+          </a:fontRef>
+        </p:style>
+      </p:cxnSp>
+      <p:sp>
+        <p:nvSpPr>
+          <p:cNvPr id="41" name="사각형: 둥근 모서리 40">
+            <a:extLst>
+              <a:ext uri="{FF2B5EF4-FFF2-40B4-BE49-F238E27FC236}">
+                <a16:creationId xmlns:a16="http://schemas.microsoft.com/office/drawing/2014/main" id="{39558EA9-7CDE-4AF4-AF12-452E1B805636}"/>
+              </a:ext>
+            </a:extLst>
+          </p:cNvPr>
+          <p:cNvSpPr/>
+          <p:nvPr/>
+        </p:nvSpPr>
+        <p:spPr>
+          <a:xfrm>
+            <a:off x="1621039" y="2369797"/>
+            <a:ext cx="1797468" cy="398868"/>
+          </a:xfrm>
+          <a:prstGeom prst="roundRect">
+            <a:avLst>
+              <a:gd name="adj" fmla="val 15087"/>
+            </a:avLst>
+          </a:prstGeom>
+          <a:ln>
+            <a:solidFill>
+              <a:schemeClr val="tx2"/>
+            </a:solidFill>
+          </a:ln>
+        </p:spPr>
+        <p:style>
+          <a:lnRef idx="2">
+            <a:schemeClr val="dk1"/>
+          </a:lnRef>
+          <a:fillRef idx="1">
+            <a:schemeClr val="lt1"/>
+          </a:fillRef>
+          <a:effectRef idx="0">
+            <a:schemeClr val="dk1"/>
+          </a:effectRef>
+          <a:fontRef idx="minor">
+            <a:schemeClr val="dk1"/>
+          </a:fontRef>
+        </p:style>
+        <p:txBody>
+          <a:bodyPr rtlCol="0" anchor="ctr"/>
+          <a:lstStyle/>
+          <a:p>
+            <a:pPr algn="ctr"/>
+            <a:r>
+              <a:rPr lang="en-US" altLang="ko-KR" sz="1200" b="1">
+                <a:solidFill>
+                  <a:schemeClr val="tx2"/>
+                </a:solidFill>
+              </a:rPr>
+              <a:t>KUBE-PORTALS-CONTAINER</a:t>
+            </a:r>
+            <a:endParaRPr lang="ko-KR" altLang="en-US" sz="1200" b="1">
+              <a:solidFill>
+                <a:schemeClr val="tx2"/>
+              </a:solidFill>
+            </a:endParaRPr>
+          </a:p>
+        </p:txBody>
+      </p:sp>
+      <p:sp>
+        <p:nvSpPr>
+          <p:cNvPr id="44" name="사각형: 둥근 모서리 43">
+            <a:extLst>
+              <a:ext uri="{FF2B5EF4-FFF2-40B4-BE49-F238E27FC236}">
+                <a16:creationId xmlns:a16="http://schemas.microsoft.com/office/drawing/2014/main" id="{6B68C29B-E4E1-4388-B1B3-23784F4A1546}"/>
+              </a:ext>
+            </a:extLst>
+          </p:cNvPr>
+          <p:cNvSpPr/>
+          <p:nvPr/>
+        </p:nvSpPr>
+        <p:spPr>
+          <a:xfrm>
+            <a:off x="1621039" y="2984862"/>
+            <a:ext cx="1797468" cy="398868"/>
+          </a:xfrm>
+          <a:prstGeom prst="roundRect">
+            <a:avLst>
+              <a:gd name="adj" fmla="val 15087"/>
+            </a:avLst>
+          </a:prstGeom>
+          <a:ln>
+            <a:solidFill>
+              <a:schemeClr val="tx2"/>
+            </a:solidFill>
+          </a:ln>
+        </p:spPr>
+        <p:style>
+          <a:lnRef idx="2">
+            <a:schemeClr val="dk1"/>
+          </a:lnRef>
+          <a:fillRef idx="1">
+            <a:schemeClr val="lt1"/>
+          </a:fillRef>
+          <a:effectRef idx="0">
+            <a:schemeClr val="dk1"/>
+          </a:effectRef>
+          <a:fontRef idx="minor">
+            <a:schemeClr val="dk1"/>
+          </a:fontRef>
+        </p:style>
+        <p:txBody>
+          <a:bodyPr rtlCol="0" anchor="ctr"/>
+          <a:lstStyle/>
+          <a:p>
+            <a:pPr algn="ctr"/>
+            <a:r>
+              <a:rPr lang="en-US" altLang="ko-KR" sz="1200" b="1">
+                <a:solidFill>
+                  <a:schemeClr val="tx2"/>
+                </a:solidFill>
+              </a:rPr>
+              <a:t>KUBE-NODEPORT-CONTAINER</a:t>
+            </a:r>
+            <a:endParaRPr lang="ko-KR" altLang="en-US" sz="1200" b="1">
+              <a:solidFill>
+                <a:schemeClr val="tx2"/>
+              </a:solidFill>
+            </a:endParaRPr>
+          </a:p>
+        </p:txBody>
+      </p:sp>
+      <p:sp>
+        <p:nvSpPr>
+          <p:cNvPr id="51" name="사각형: 둥근 모서리 50">
+            <a:extLst>
+              <a:ext uri="{FF2B5EF4-FFF2-40B4-BE49-F238E27FC236}">
+                <a16:creationId xmlns:a16="http://schemas.microsoft.com/office/drawing/2014/main" id="{D22F7C81-807A-4E98-8C89-1FBCE4CFBDEB}"/>
+              </a:ext>
+            </a:extLst>
+          </p:cNvPr>
+          <p:cNvSpPr/>
+          <p:nvPr/>
+        </p:nvSpPr>
+        <p:spPr>
+          <a:xfrm>
+            <a:off x="5941517" y="2369797"/>
+            <a:ext cx="1797468" cy="398868"/>
+          </a:xfrm>
+          <a:prstGeom prst="roundRect">
+            <a:avLst>
+              <a:gd name="adj" fmla="val 15087"/>
+            </a:avLst>
+          </a:prstGeom>
+          <a:ln>
+            <a:solidFill>
+              <a:schemeClr val="tx2"/>
+            </a:solidFill>
+          </a:ln>
+        </p:spPr>
+        <p:style>
+          <a:lnRef idx="2">
+            <a:schemeClr val="dk1"/>
+          </a:lnRef>
+          <a:fillRef idx="1">
+            <a:schemeClr val="lt1"/>
+          </a:fillRef>
+          <a:effectRef idx="0">
+            <a:schemeClr val="dk1"/>
+          </a:effectRef>
+          <a:fontRef idx="minor">
+            <a:schemeClr val="dk1"/>
+          </a:fontRef>
+        </p:style>
+        <p:txBody>
+          <a:bodyPr rtlCol="0" anchor="ctr"/>
+          <a:lstStyle/>
+          <a:p>
+            <a:pPr algn="ctr"/>
+            <a:r>
+              <a:rPr lang="en-US" altLang="ko-KR" sz="1200" b="1">
+                <a:solidFill>
+                  <a:schemeClr val="tx2"/>
+                </a:solidFill>
+              </a:rPr>
+              <a:t>KUBE-PORTALS-HOST</a:t>
+            </a:r>
+            <a:endParaRPr lang="ko-KR" altLang="en-US" sz="1200" b="1">
+              <a:solidFill>
+                <a:schemeClr val="tx2"/>
+              </a:solidFill>
+            </a:endParaRPr>
+          </a:p>
+        </p:txBody>
+      </p:sp>
+      <p:sp>
+        <p:nvSpPr>
+          <p:cNvPr id="52" name="사각형: 둥근 모서리 51">
+            <a:extLst>
+              <a:ext uri="{FF2B5EF4-FFF2-40B4-BE49-F238E27FC236}">
+                <a16:creationId xmlns:a16="http://schemas.microsoft.com/office/drawing/2014/main" id="{0FBEC764-8F47-47BE-876A-19987772F5AF}"/>
+              </a:ext>
+            </a:extLst>
+          </p:cNvPr>
+          <p:cNvSpPr/>
+          <p:nvPr/>
+        </p:nvSpPr>
+        <p:spPr>
+          <a:xfrm>
+            <a:off x="5941517" y="2984862"/>
+            <a:ext cx="1797468" cy="398868"/>
+          </a:xfrm>
+          <a:prstGeom prst="roundRect">
+            <a:avLst>
+              <a:gd name="adj" fmla="val 15087"/>
+            </a:avLst>
+          </a:prstGeom>
+          <a:ln>
+            <a:solidFill>
+              <a:schemeClr val="tx2"/>
+            </a:solidFill>
+          </a:ln>
+        </p:spPr>
+        <p:style>
+          <a:lnRef idx="2">
+            <a:schemeClr val="dk1"/>
+          </a:lnRef>
+          <a:fillRef idx="1">
+            <a:schemeClr val="lt1"/>
+          </a:fillRef>
+          <a:effectRef idx="0">
+            <a:schemeClr val="dk1"/>
+          </a:effectRef>
+          <a:fontRef idx="minor">
+            <a:schemeClr val="dk1"/>
+          </a:fontRef>
+        </p:style>
+        <p:txBody>
+          <a:bodyPr rtlCol="0" anchor="ctr"/>
+          <a:lstStyle/>
+          <a:p>
+            <a:pPr algn="ctr"/>
+            <a:r>
+              <a:rPr lang="en-US" altLang="ko-KR" sz="1200" b="1">
+                <a:solidFill>
+                  <a:schemeClr val="tx2"/>
+                </a:solidFill>
+              </a:rPr>
+              <a:t>KUBE-NODEPORT-HOST</a:t>
+            </a:r>
+            <a:endParaRPr lang="ko-KR" altLang="en-US" sz="1200" b="1">
+              <a:solidFill>
+                <a:schemeClr val="tx2"/>
+              </a:solidFill>
+            </a:endParaRPr>
+          </a:p>
+        </p:txBody>
+      </p:sp>
+      <p:cxnSp>
+        <p:nvCxnSpPr>
+          <p:cNvPr id="56" name="직선 화살표 연결선 55">
+            <a:extLst>
+              <a:ext uri="{FF2B5EF4-FFF2-40B4-BE49-F238E27FC236}">
+                <a16:creationId xmlns:a16="http://schemas.microsoft.com/office/drawing/2014/main" id="{126C014A-0EF3-42F3-8408-0592C1499E19}"/>
+              </a:ext>
+            </a:extLst>
+          </p:cNvPr>
+          <p:cNvCxnSpPr>
+            <a:cxnSpLocks/>
+            <a:stCxn id="91" idx="3"/>
+            <a:endCxn id="52" idx="0"/>
+          </p:cNvCxnSpPr>
+          <p:nvPr/>
+        </p:nvCxnSpPr>
+        <p:spPr>
+          <a:xfrm>
+            <a:off x="5629005" y="2569231"/>
+            <a:ext cx="1211246" cy="415631"/>
+          </a:xfrm>
+          <a:prstGeom prst="straightConnector1">
+            <a:avLst/>
+          </a:prstGeom>
+          <a:ln w="28575">
+            <a:solidFill>
+              <a:schemeClr val="accent3">
+                <a:lumMod val="50000"/>
+              </a:schemeClr>
+            </a:solidFill>
+            <a:tailEnd type="arrow"/>
+          </a:ln>
+        </p:spPr>
+        <p:style>
+          <a:lnRef idx="1">
+            <a:schemeClr val="accent1"/>
+          </a:lnRef>
+          <a:fillRef idx="0">
+            <a:schemeClr val="accent1"/>
+          </a:fillRef>
+          <a:effectRef idx="0">
+            <a:schemeClr val="accent1"/>
+          </a:effectRef>
+          <a:fontRef idx="minor">
+            <a:schemeClr val="tx1"/>
+          </a:fontRef>
+        </p:style>
+      </p:cxnSp>
+      <p:sp>
+        <p:nvSpPr>
+          <p:cNvPr id="59" name="사각형: 둥근 모서리 58">
+            <a:extLst>
+              <a:ext uri="{FF2B5EF4-FFF2-40B4-BE49-F238E27FC236}">
+                <a16:creationId xmlns:a16="http://schemas.microsoft.com/office/drawing/2014/main" id="{E33B40F0-CC59-474A-AA88-C53B1A538582}"/>
+              </a:ext>
+            </a:extLst>
+          </p:cNvPr>
+          <p:cNvSpPr/>
+          <p:nvPr/>
+        </p:nvSpPr>
+        <p:spPr>
+          <a:xfrm>
+            <a:off x="3830855" y="3048007"/>
+            <a:ext cx="1797468" cy="272578"/>
+          </a:xfrm>
+          <a:prstGeom prst="roundRect">
+            <a:avLst>
+              <a:gd name="adj" fmla="val 15087"/>
+            </a:avLst>
+          </a:prstGeom>
+        </p:spPr>
+        <p:style>
+          <a:lnRef idx="2">
+            <a:schemeClr val="dk1"/>
+          </a:lnRef>
+          <a:fillRef idx="1">
+            <a:schemeClr val="lt1"/>
+          </a:fillRef>
+          <a:effectRef idx="0">
+            <a:schemeClr val="dk1"/>
+          </a:effectRef>
+          <a:fontRef idx="minor">
+            <a:schemeClr val="dk1"/>
+          </a:fontRef>
+        </p:style>
+        <p:txBody>
+          <a:bodyPr rtlCol="0" anchor="ctr"/>
+          <a:lstStyle/>
+          <a:p>
+            <a:pPr algn="ctr"/>
+            <a:r>
+              <a:rPr lang="en-US" altLang="ko-KR" sz="1200"/>
+              <a:t>Routing Table</a:t>
+            </a:r>
+          </a:p>
+        </p:txBody>
+      </p:sp>
+      <p:cxnSp>
+        <p:nvCxnSpPr>
+          <p:cNvPr id="60" name="직선 화살표 연결선 59">
+            <a:extLst>
+              <a:ext uri="{FF2B5EF4-FFF2-40B4-BE49-F238E27FC236}">
+                <a16:creationId xmlns:a16="http://schemas.microsoft.com/office/drawing/2014/main" id="{25BD1BBC-C8BF-4BDA-92FD-8FB7DD99CF6D}"/>
+              </a:ext>
+            </a:extLst>
+          </p:cNvPr>
+          <p:cNvCxnSpPr>
+            <a:cxnSpLocks/>
+            <a:stCxn id="44" idx="3"/>
+            <a:endCxn id="59" idx="1"/>
+          </p:cNvCxnSpPr>
+          <p:nvPr/>
+        </p:nvCxnSpPr>
+        <p:spPr>
+          <a:xfrm>
+            <a:off x="3418507" y="3184296"/>
+            <a:ext cx="412348" cy="0"/>
+          </a:xfrm>
+          <a:prstGeom prst="straightConnector1">
+            <a:avLst/>
+          </a:prstGeom>
+          <a:ln w="28575">
+            <a:solidFill>
+              <a:schemeClr val="accent3">
+                <a:lumMod val="50000"/>
+              </a:schemeClr>
+            </a:solidFill>
+            <a:tailEnd type="arrow"/>
+          </a:ln>
+        </p:spPr>
+        <p:style>
+          <a:lnRef idx="1">
+            <a:schemeClr val="accent1"/>
+          </a:lnRef>
+          <a:fillRef idx="0">
+            <a:schemeClr val="accent1"/>
+          </a:fillRef>
+          <a:effectRef idx="0">
+            <a:schemeClr val="accent1"/>
+          </a:effectRef>
+          <a:fontRef idx="minor">
+            <a:schemeClr val="tx1"/>
+          </a:fontRef>
+        </p:style>
+      </p:cxnSp>
+      <p:cxnSp>
+        <p:nvCxnSpPr>
+          <p:cNvPr id="65" name="직선 화살표 연결선 64">
+            <a:extLst>
+              <a:ext uri="{FF2B5EF4-FFF2-40B4-BE49-F238E27FC236}">
+                <a16:creationId xmlns:a16="http://schemas.microsoft.com/office/drawing/2014/main" id="{95D75E12-2CF2-4604-8E3B-422E896E5B81}"/>
+              </a:ext>
+            </a:extLst>
+          </p:cNvPr>
+          <p:cNvCxnSpPr>
+            <a:cxnSpLocks/>
+            <a:stCxn id="52" idx="1"/>
+            <a:endCxn id="59" idx="3"/>
+          </p:cNvCxnSpPr>
+          <p:nvPr/>
+        </p:nvCxnSpPr>
+        <p:spPr>
+          <a:xfrm flipH="1">
+            <a:off x="5628323" y="3184296"/>
+            <a:ext cx="313194" cy="0"/>
+          </a:xfrm>
+          <a:prstGeom prst="straightConnector1">
+            <a:avLst/>
+          </a:prstGeom>
+          <a:ln w="28575">
+            <a:solidFill>
+              <a:schemeClr val="accent3">
+                <a:lumMod val="50000"/>
+              </a:schemeClr>
+            </a:solidFill>
+            <a:tailEnd type="arrow"/>
+          </a:ln>
+        </p:spPr>
+        <p:style>
+          <a:lnRef idx="1">
+            <a:schemeClr val="accent1"/>
+          </a:lnRef>
+          <a:fillRef idx="0">
+            <a:schemeClr val="accent1"/>
+          </a:fillRef>
+          <a:effectRef idx="0">
+            <a:schemeClr val="accent1"/>
+          </a:effectRef>
+          <a:fontRef idx="minor">
+            <a:schemeClr val="tx1"/>
+          </a:fontRef>
+        </p:style>
+      </p:cxnSp>
+      <p:sp>
+        <p:nvSpPr>
+          <p:cNvPr id="68" name="사각형: 둥근 모서리 67">
+            <a:extLst>
+              <a:ext uri="{FF2B5EF4-FFF2-40B4-BE49-F238E27FC236}">
+                <a16:creationId xmlns:a16="http://schemas.microsoft.com/office/drawing/2014/main" id="{4A3C5A43-9B60-48BA-8FAE-AB246B772EC2}"/>
+              </a:ext>
+            </a:extLst>
+          </p:cNvPr>
+          <p:cNvSpPr/>
+          <p:nvPr/>
+        </p:nvSpPr>
+        <p:spPr>
+          <a:xfrm>
+            <a:off x="1621039" y="3601658"/>
+            <a:ext cx="1797468" cy="272578"/>
+          </a:xfrm>
+          <a:prstGeom prst="roundRect">
+            <a:avLst>
+              <a:gd name="adj" fmla="val 15087"/>
+            </a:avLst>
+          </a:prstGeom>
+          <a:ln>
+            <a:solidFill>
+              <a:schemeClr val="tx2"/>
+            </a:solidFill>
+          </a:ln>
+        </p:spPr>
+        <p:style>
+          <a:lnRef idx="2">
+            <a:schemeClr val="dk1"/>
+          </a:lnRef>
+          <a:fillRef idx="1">
+            <a:schemeClr val="lt1"/>
+          </a:fillRef>
+          <a:effectRef idx="0">
+            <a:schemeClr val="dk1"/>
+          </a:effectRef>
+          <a:fontRef idx="minor">
+            <a:schemeClr val="dk1"/>
+          </a:fontRef>
+        </p:style>
+        <p:txBody>
+          <a:bodyPr rtlCol="0" anchor="ctr"/>
+          <a:lstStyle/>
+          <a:p>
+            <a:pPr algn="ctr"/>
+            <a:r>
+              <a:rPr lang="en-US" altLang="ko-KR" sz="1200">
+                <a:solidFill>
+                  <a:schemeClr val="tx2"/>
+                </a:solidFill>
+              </a:rPr>
+              <a:t>POSTROUTING</a:t>
+            </a:r>
+          </a:p>
+        </p:txBody>
+      </p:sp>
+      <p:sp>
+        <p:nvSpPr>
+          <p:cNvPr id="69" name="사각형: 둥근 모서리 68">
+            <a:extLst>
+              <a:ext uri="{FF2B5EF4-FFF2-40B4-BE49-F238E27FC236}">
+                <a16:creationId xmlns:a16="http://schemas.microsoft.com/office/drawing/2014/main" id="{F1BFD606-EF93-423C-8979-4AE50B68E33C}"/>
+              </a:ext>
+            </a:extLst>
+          </p:cNvPr>
+          <p:cNvSpPr/>
+          <p:nvPr/>
+        </p:nvSpPr>
+        <p:spPr>
+          <a:xfrm>
+            <a:off x="3830855" y="3606673"/>
+            <a:ext cx="1797468" cy="272578"/>
+          </a:xfrm>
+          <a:prstGeom prst="roundRect">
+            <a:avLst>
+              <a:gd name="adj" fmla="val 15087"/>
+            </a:avLst>
+          </a:prstGeom>
+          <a:ln>
+            <a:solidFill>
+              <a:schemeClr val="tx2"/>
+            </a:solidFill>
+          </a:ln>
+        </p:spPr>
+        <p:style>
+          <a:lnRef idx="2">
+            <a:schemeClr val="dk1"/>
+          </a:lnRef>
+          <a:fillRef idx="1">
+            <a:schemeClr val="lt1"/>
+          </a:fillRef>
+          <a:effectRef idx="0">
+            <a:schemeClr val="dk1"/>
+          </a:effectRef>
+          <a:fontRef idx="minor">
+            <a:schemeClr val="dk1"/>
+          </a:fontRef>
+        </p:style>
+        <p:txBody>
+          <a:bodyPr rtlCol="0" anchor="ctr"/>
+          <a:lstStyle/>
+          <a:p>
+            <a:pPr algn="ctr"/>
+            <a:r>
+              <a:rPr lang="en-US" altLang="ko-KR" sz="1200" b="1">
+                <a:solidFill>
+                  <a:schemeClr val="tx2"/>
+                </a:solidFill>
+              </a:rPr>
+              <a:t>KUBE-POSTROUTING</a:t>
+            </a:r>
+            <a:endParaRPr lang="ko-KR" altLang="en-US" sz="1200" b="1">
+              <a:solidFill>
+                <a:schemeClr val="tx2"/>
+              </a:solidFill>
+            </a:endParaRPr>
+          </a:p>
+        </p:txBody>
+      </p:sp>
+      <p:cxnSp>
+        <p:nvCxnSpPr>
+          <p:cNvPr id="70" name="직선 화살표 연결선 69">
+            <a:extLst>
+              <a:ext uri="{FF2B5EF4-FFF2-40B4-BE49-F238E27FC236}">
+                <a16:creationId xmlns:a16="http://schemas.microsoft.com/office/drawing/2014/main" id="{2053BE6F-B8CD-4760-8C54-B7BD87CB4BE8}"/>
+              </a:ext>
+            </a:extLst>
+          </p:cNvPr>
+          <p:cNvCxnSpPr>
+            <a:cxnSpLocks/>
+          </p:cNvCxnSpPr>
+          <p:nvPr/>
+        </p:nvCxnSpPr>
+        <p:spPr>
+          <a:xfrm flipH="1">
+            <a:off x="2363992" y="3320585"/>
+            <a:ext cx="2210498" cy="281073"/>
+          </a:xfrm>
+          <a:prstGeom prst="straightConnector1">
+            <a:avLst/>
+          </a:prstGeom>
+          <a:ln w="28575">
+            <a:solidFill>
+              <a:schemeClr val="tx1"/>
+            </a:solidFill>
+            <a:tailEnd type="arrow"/>
+          </a:ln>
+        </p:spPr>
+        <p:style>
+          <a:lnRef idx="1">
+            <a:schemeClr val="accent1"/>
+          </a:lnRef>
+          <a:fillRef idx="0">
+            <a:schemeClr val="accent1"/>
+          </a:fillRef>
+          <a:effectRef idx="0">
+            <a:schemeClr val="accent1"/>
+          </a:effectRef>
+          <a:fontRef idx="minor">
+            <a:schemeClr val="tx1"/>
+          </a:fontRef>
+        </p:style>
+      </p:cxnSp>
+      <p:cxnSp>
+        <p:nvCxnSpPr>
+          <p:cNvPr id="73" name="직선 화살표 연결선 72">
+            <a:extLst>
+              <a:ext uri="{FF2B5EF4-FFF2-40B4-BE49-F238E27FC236}">
+                <a16:creationId xmlns:a16="http://schemas.microsoft.com/office/drawing/2014/main" id="{E0ECBA20-7ADA-4A87-8F8A-7833EAD3E4F8}"/>
+              </a:ext>
+            </a:extLst>
+          </p:cNvPr>
+          <p:cNvCxnSpPr>
+            <a:cxnSpLocks/>
+            <a:stCxn id="68" idx="3"/>
+            <a:endCxn id="69" idx="1"/>
+          </p:cNvCxnSpPr>
+          <p:nvPr/>
+        </p:nvCxnSpPr>
+        <p:spPr>
+          <a:xfrm>
+            <a:off x="3418507" y="3737947"/>
+            <a:ext cx="412348" cy="5015"/>
+          </a:xfrm>
+          <a:prstGeom prst="straightConnector1">
+            <a:avLst/>
+          </a:prstGeom>
+          <a:ln w="28575">
+            <a:solidFill>
+              <a:schemeClr val="tx1"/>
+            </a:solidFill>
+            <a:tailEnd type="arrow"/>
+          </a:ln>
+        </p:spPr>
+        <p:style>
+          <a:lnRef idx="1">
+            <a:schemeClr val="accent1"/>
+          </a:lnRef>
+          <a:fillRef idx="0">
+            <a:schemeClr val="accent1"/>
+          </a:fillRef>
+          <a:effectRef idx="0">
+            <a:schemeClr val="accent1"/>
+          </a:effectRef>
+          <a:fontRef idx="minor">
+            <a:schemeClr val="tx1"/>
+          </a:fontRef>
+        </p:style>
+      </p:cxnSp>
+      <p:cxnSp>
+        <p:nvCxnSpPr>
+          <p:cNvPr id="98" name="직선 화살표 연결선 97">
+            <a:extLst>
+              <a:ext uri="{FF2B5EF4-FFF2-40B4-BE49-F238E27FC236}">
+                <a16:creationId xmlns:a16="http://schemas.microsoft.com/office/drawing/2014/main" id="{CE1E4AE7-5A8F-4454-A95F-F9104ED9E274}"/>
+              </a:ext>
+            </a:extLst>
+          </p:cNvPr>
+          <p:cNvCxnSpPr>
+            <a:cxnSpLocks/>
+            <a:stCxn id="51" idx="2"/>
+            <a:endCxn id="59" idx="0"/>
+          </p:cNvCxnSpPr>
+          <p:nvPr/>
+        </p:nvCxnSpPr>
+        <p:spPr>
+          <a:xfrm flipH="1">
+            <a:off x="4729589" y="2768665"/>
+            <a:ext cx="2110662" cy="279342"/>
+          </a:xfrm>
+          <a:prstGeom prst="straightConnector1">
+            <a:avLst/>
+          </a:prstGeom>
+          <a:ln w="28575">
+            <a:solidFill>
+              <a:srgbClr val="C00000"/>
+            </a:solidFill>
+            <a:tailEnd type="arrow"/>
+          </a:ln>
+        </p:spPr>
+        <p:style>
+          <a:lnRef idx="1">
+            <a:schemeClr val="accent1"/>
+          </a:lnRef>
+          <a:fillRef idx="0">
+            <a:schemeClr val="accent1"/>
+          </a:fillRef>
+          <a:effectRef idx="0">
+            <a:schemeClr val="accent1"/>
+          </a:effectRef>
+          <a:fontRef idx="minor">
+            <a:schemeClr val="tx1"/>
+          </a:fontRef>
+        </p:style>
+      </p:cxnSp>
+      <p:sp>
+        <p:nvSpPr>
+          <p:cNvPr id="62" name="자유형: 도형 61">
+            <a:extLst>
+              <a:ext uri="{FF2B5EF4-FFF2-40B4-BE49-F238E27FC236}">
+                <a16:creationId xmlns:a16="http://schemas.microsoft.com/office/drawing/2014/main" id="{EE01B692-1C4C-4BB4-886F-C319BF079EC1}"/>
+              </a:ext>
+            </a:extLst>
+          </p:cNvPr>
+          <p:cNvSpPr/>
+          <p:nvPr/>
+        </p:nvSpPr>
+        <p:spPr>
+          <a:xfrm>
+            <a:off x="5628322" y="1971501"/>
+            <a:ext cx="112999" cy="1701080"/>
+          </a:xfrm>
+          <a:custGeom>
+            <a:avLst/>
+            <a:gdLst>
+              <a:gd name="connsiteX0" fmla="*/ 0 w 152400"/>
+              <a:gd name="connsiteY0" fmla="*/ 1760220 h 1760220"/>
+              <a:gd name="connsiteX1" fmla="*/ 152400 w 152400"/>
+              <a:gd name="connsiteY1" fmla="*/ 1760220 h 1760220"/>
+              <a:gd name="connsiteX2" fmla="*/ 152400 w 152400"/>
+              <a:gd name="connsiteY2" fmla="*/ 0 h 1760220"/>
+              <a:gd name="connsiteX3" fmla="*/ 7620 w 152400"/>
+              <a:gd name="connsiteY3" fmla="*/ 0 h 1760220"/>
+            </a:gdLst>
+            <a:ahLst/>
+            <a:cxnLst>
+              <a:cxn ang="0">
+                <a:pos x="connsiteX0" y="connsiteY0"/>
+              </a:cxn>
+              <a:cxn ang="0">
+                <a:pos x="connsiteX1" y="connsiteY1"/>
+              </a:cxn>
+              <a:cxn ang="0">
+                <a:pos x="connsiteX2" y="connsiteY2"/>
+              </a:cxn>
+              <a:cxn ang="0">
+                <a:pos x="connsiteX3" y="connsiteY3"/>
+              </a:cxn>
+            </a:cxnLst>
+            <a:rect l="l" t="t" r="r" b="b"/>
+            <a:pathLst>
+              <a:path w="152400" h="1760220">
+                <a:moveTo>
+                  <a:pt x="0" y="1760220"/>
+                </a:moveTo>
+                <a:lnTo>
+                  <a:pt x="152400" y="1760220"/>
+                </a:lnTo>
+                <a:lnTo>
+                  <a:pt x="152400" y="0"/>
+                </a:lnTo>
+                <a:lnTo>
+                  <a:pt x="7620" y="0"/>
+                </a:lnTo>
+              </a:path>
+            </a:pathLst>
+          </a:custGeom>
+          <a:noFill/>
+          <a:ln w="28575">
+            <a:solidFill>
+              <a:schemeClr val="tx1"/>
+            </a:solidFill>
+            <a:headEnd type="none" w="med" len="med"/>
+            <a:tailEnd type="arrow" w="med" len="med"/>
+          </a:ln>
+        </p:spPr>
+        <p:style>
+          <a:lnRef idx="2">
+            <a:schemeClr val="accent1">
+              <a:shade val="50000"/>
+            </a:schemeClr>
+          </a:lnRef>
+          <a:fillRef idx="1">
+            <a:schemeClr val="accent1"/>
+          </a:fillRef>
+          <a:effectRef idx="0">
+            <a:schemeClr val="accent1"/>
+          </a:effectRef>
+          <a:fontRef idx="minor">
+            <a:schemeClr val="lt1"/>
+          </a:fontRef>
+        </p:style>
+        <p:txBody>
+          <a:bodyPr rtlCol="0" anchor="ctr"/>
+          <a:lstStyle/>
+          <a:p>
+            <a:pPr algn="ctr"/>
+            <a:endParaRPr lang="ko-KR" altLang="en-US"/>
+          </a:p>
+        </p:txBody>
+      </p:sp>
+      <p:cxnSp>
+        <p:nvCxnSpPr>
+          <p:cNvPr id="108" name="직선 화살표 연결선 107">
+            <a:extLst>
+              <a:ext uri="{FF2B5EF4-FFF2-40B4-BE49-F238E27FC236}">
+                <a16:creationId xmlns:a16="http://schemas.microsoft.com/office/drawing/2014/main" id="{315FFA37-8291-4AE6-8D06-066A4B8C556F}"/>
+              </a:ext>
+            </a:extLst>
+          </p:cNvPr>
+          <p:cNvCxnSpPr>
+            <a:cxnSpLocks/>
+          </p:cNvCxnSpPr>
+          <p:nvPr/>
+        </p:nvCxnSpPr>
+        <p:spPr>
+          <a:xfrm flipH="1">
+            <a:off x="4819966" y="2220317"/>
+            <a:ext cx="1" cy="212625"/>
+          </a:xfrm>
+          <a:prstGeom prst="straightConnector1">
+            <a:avLst/>
+          </a:prstGeom>
+          <a:ln w="28575">
+            <a:solidFill>
+              <a:schemeClr val="accent6">
+                <a:lumMod val="75000"/>
+              </a:schemeClr>
+            </a:solidFill>
+            <a:tailEnd type="arrow"/>
+          </a:ln>
+        </p:spPr>
+        <p:style>
+          <a:lnRef idx="1">
+            <a:schemeClr val="accent1"/>
+          </a:lnRef>
+          <a:fillRef idx="0">
+            <a:schemeClr val="accent1"/>
+          </a:fillRef>
+          <a:effectRef idx="0">
+            <a:schemeClr val="accent1"/>
+          </a:effectRef>
+          <a:fontRef idx="minor">
+            <a:schemeClr val="tx1"/>
+          </a:fontRef>
+        </p:style>
+      </p:cxnSp>
+      <p:cxnSp>
+        <p:nvCxnSpPr>
+          <p:cNvPr id="109" name="직선 화살표 연결선 108">
+            <a:extLst>
+              <a:ext uri="{FF2B5EF4-FFF2-40B4-BE49-F238E27FC236}">
+                <a16:creationId xmlns:a16="http://schemas.microsoft.com/office/drawing/2014/main" id="{014DD693-CBCD-4AFD-85A0-D1D0B2C90D49}"/>
+              </a:ext>
+            </a:extLst>
+          </p:cNvPr>
+          <p:cNvCxnSpPr>
+            <a:cxnSpLocks/>
+            <a:stCxn id="91" idx="3"/>
+            <a:endCxn id="51" idx="1"/>
+          </p:cNvCxnSpPr>
+          <p:nvPr/>
+        </p:nvCxnSpPr>
+        <p:spPr>
+          <a:xfrm>
+            <a:off x="5629005" y="2569231"/>
+            <a:ext cx="312512" cy="0"/>
+          </a:xfrm>
+          <a:prstGeom prst="straightConnector1">
+            <a:avLst/>
+          </a:prstGeom>
+          <a:ln w="28575">
+            <a:solidFill>
+              <a:srgbClr val="C00000"/>
+            </a:solidFill>
+            <a:tailEnd type="arrow"/>
+          </a:ln>
+        </p:spPr>
+        <p:style>
+          <a:lnRef idx="1">
+            <a:schemeClr val="accent1"/>
+          </a:lnRef>
+          <a:fillRef idx="0">
+            <a:schemeClr val="accent1"/>
+          </a:fillRef>
+          <a:effectRef idx="0">
+            <a:schemeClr val="accent1"/>
+          </a:effectRef>
+          <a:fontRef idx="minor">
+            <a:schemeClr val="tx1"/>
+          </a:fontRef>
+        </p:style>
+      </p:cxnSp>
+      <p:cxnSp>
+        <p:nvCxnSpPr>
+          <p:cNvPr id="116" name="직선 화살표 연결선 115">
+            <a:extLst>
+              <a:ext uri="{FF2B5EF4-FFF2-40B4-BE49-F238E27FC236}">
+                <a16:creationId xmlns:a16="http://schemas.microsoft.com/office/drawing/2014/main" id="{40011AB1-6AEE-47EF-B4FD-908539407507}"/>
+              </a:ext>
+            </a:extLst>
+          </p:cNvPr>
+          <p:cNvCxnSpPr>
+            <a:cxnSpLocks/>
+          </p:cNvCxnSpPr>
+          <p:nvPr/>
+        </p:nvCxnSpPr>
+        <p:spPr>
+          <a:xfrm flipH="1">
+            <a:off x="2688104" y="3320585"/>
+            <a:ext cx="2209816" cy="281073"/>
+          </a:xfrm>
+          <a:prstGeom prst="straightConnector1">
+            <a:avLst/>
+          </a:prstGeom>
+          <a:ln w="28575">
+            <a:solidFill>
+              <a:schemeClr val="accent6">
+                <a:lumMod val="75000"/>
+              </a:schemeClr>
+            </a:solidFill>
+            <a:tailEnd type="arrow"/>
+          </a:ln>
+        </p:spPr>
+        <p:style>
+          <a:lnRef idx="1">
+            <a:schemeClr val="accent1"/>
+          </a:lnRef>
+          <a:fillRef idx="0">
+            <a:schemeClr val="accent1"/>
+          </a:fillRef>
+          <a:effectRef idx="0">
+            <a:schemeClr val="accent1"/>
+          </a:effectRef>
+          <a:fontRef idx="minor">
+            <a:schemeClr val="tx1"/>
+          </a:fontRef>
+        </p:style>
+      </p:cxnSp>
+      <p:cxnSp>
+        <p:nvCxnSpPr>
+          <p:cNvPr id="118" name="직선 화살표 연결선 117">
+            <a:extLst>
+              <a:ext uri="{FF2B5EF4-FFF2-40B4-BE49-F238E27FC236}">
+                <a16:creationId xmlns:a16="http://schemas.microsoft.com/office/drawing/2014/main" id="{7919CB0C-D18E-4208-9BA9-3775652031EF}"/>
+              </a:ext>
+            </a:extLst>
+          </p:cNvPr>
+          <p:cNvCxnSpPr>
+            <a:cxnSpLocks/>
+          </p:cNvCxnSpPr>
+          <p:nvPr/>
+        </p:nvCxnSpPr>
+        <p:spPr>
+          <a:xfrm>
+            <a:off x="4729589" y="4011910"/>
+            <a:ext cx="0" cy="137169"/>
+          </a:xfrm>
+          <a:prstGeom prst="straightConnector1">
+            <a:avLst/>
+          </a:prstGeom>
+          <a:ln w="28575">
+            <a:solidFill>
+              <a:schemeClr val="accent6">
+                <a:lumMod val="75000"/>
+              </a:schemeClr>
+            </a:solidFill>
+            <a:tailEnd type="arrow"/>
+          </a:ln>
+        </p:spPr>
+        <p:style>
+          <a:lnRef idx="1">
+            <a:schemeClr val="accent1"/>
+          </a:lnRef>
+          <a:fillRef idx="0">
+            <a:schemeClr val="accent1"/>
+          </a:fillRef>
+          <a:effectRef idx="0">
+            <a:schemeClr val="accent1"/>
+          </a:effectRef>
+          <a:fontRef idx="minor">
+            <a:schemeClr val="tx1"/>
+          </a:fontRef>
+        </p:style>
+      </p:cxnSp>
+      <p:cxnSp>
+        <p:nvCxnSpPr>
+          <p:cNvPr id="54" name="직선 화살표 연결선 53">
+            <a:extLst>
+              <a:ext uri="{FF2B5EF4-FFF2-40B4-BE49-F238E27FC236}">
+                <a16:creationId xmlns:a16="http://schemas.microsoft.com/office/drawing/2014/main" id="{CB0C958C-F3EB-4DFC-AA04-68A5F8C84441}"/>
+              </a:ext>
+            </a:extLst>
+          </p:cNvPr>
+          <p:cNvCxnSpPr>
+            <a:cxnSpLocks/>
+            <a:stCxn id="41" idx="2"/>
+            <a:endCxn id="59" idx="0"/>
+          </p:cNvCxnSpPr>
+          <p:nvPr/>
+        </p:nvCxnSpPr>
+        <p:spPr>
+          <a:xfrm>
+            <a:off x="2519773" y="2768665"/>
+            <a:ext cx="2209816" cy="279342"/>
+          </a:xfrm>
+          <a:prstGeom prst="straightConnector1">
+            <a:avLst/>
+          </a:prstGeom>
+          <a:ln w="28575">
+            <a:solidFill>
+              <a:srgbClr val="C00000"/>
+            </a:solidFill>
+            <a:tailEnd type="arrow"/>
+          </a:ln>
+        </p:spPr>
+        <p:style>
+          <a:lnRef idx="1">
+            <a:schemeClr val="accent1"/>
+          </a:lnRef>
+          <a:fillRef idx="0">
+            <a:schemeClr val="accent1"/>
+          </a:fillRef>
+          <a:effectRef idx="0">
+            <a:schemeClr val="accent1"/>
+          </a:effectRef>
+          <a:fontRef idx="minor">
+            <a:schemeClr val="tx1"/>
+          </a:fontRef>
+        </p:style>
+      </p:cxnSp>
+      <p:sp>
+        <p:nvSpPr>
+          <p:cNvPr id="55" name="자유형: 도형 54">
+            <a:extLst>
+              <a:ext uri="{FF2B5EF4-FFF2-40B4-BE49-F238E27FC236}">
+                <a16:creationId xmlns:a16="http://schemas.microsoft.com/office/drawing/2014/main" id="{7D7FB2F7-FC20-4B0E-A7FC-4E98E6E5E45E}"/>
+              </a:ext>
+            </a:extLst>
+          </p:cNvPr>
+          <p:cNvSpPr/>
+          <p:nvPr/>
+        </p:nvSpPr>
+        <p:spPr>
+          <a:xfrm flipH="1">
+            <a:off x="1420843" y="1971501"/>
+            <a:ext cx="207931" cy="1212796"/>
+          </a:xfrm>
+          <a:custGeom>
+            <a:avLst/>
+            <a:gdLst>
+              <a:gd name="connsiteX0" fmla="*/ 0 w 152400"/>
+              <a:gd name="connsiteY0" fmla="*/ 1760220 h 1760220"/>
+              <a:gd name="connsiteX1" fmla="*/ 152400 w 152400"/>
+              <a:gd name="connsiteY1" fmla="*/ 1760220 h 1760220"/>
+              <a:gd name="connsiteX2" fmla="*/ 152400 w 152400"/>
+              <a:gd name="connsiteY2" fmla="*/ 0 h 1760220"/>
+              <a:gd name="connsiteX3" fmla="*/ 7620 w 152400"/>
+              <a:gd name="connsiteY3" fmla="*/ 0 h 1760220"/>
+            </a:gdLst>
+            <a:ahLst/>
+            <a:cxnLst>
+              <a:cxn ang="0">
+                <a:pos x="connsiteX0" y="connsiteY0"/>
+              </a:cxn>
+              <a:cxn ang="0">
+                <a:pos x="connsiteX1" y="connsiteY1"/>
+              </a:cxn>
+              <a:cxn ang="0">
+                <a:pos x="connsiteX2" y="connsiteY2"/>
+              </a:cxn>
+              <a:cxn ang="0">
+                <a:pos x="connsiteX3" y="connsiteY3"/>
+              </a:cxn>
+            </a:cxnLst>
+            <a:rect l="l" t="t" r="r" b="b"/>
+            <a:pathLst>
+              <a:path w="152400" h="1760220">
+                <a:moveTo>
+                  <a:pt x="0" y="1760220"/>
+                </a:moveTo>
+                <a:lnTo>
+                  <a:pt x="152400" y="1760220"/>
+                </a:lnTo>
+                <a:lnTo>
+                  <a:pt x="152400" y="0"/>
+                </a:lnTo>
+                <a:lnTo>
+                  <a:pt x="7620" y="0"/>
+                </a:lnTo>
+              </a:path>
+            </a:pathLst>
+          </a:custGeom>
+          <a:noFill/>
+          <a:ln w="28575">
+            <a:solidFill>
+              <a:schemeClr val="accent3">
+                <a:lumMod val="50000"/>
+              </a:schemeClr>
+            </a:solidFill>
+            <a:headEnd type="arrow" w="med" len="med"/>
+            <a:tailEnd type="none" w="med" len="med"/>
+          </a:ln>
+        </p:spPr>
+        <p:style>
+          <a:lnRef idx="2">
+            <a:schemeClr val="accent1">
+              <a:shade val="50000"/>
+            </a:schemeClr>
+          </a:lnRef>
+          <a:fillRef idx="1">
+            <a:schemeClr val="accent1"/>
+          </a:fillRef>
+          <a:effectRef idx="0">
+            <a:schemeClr val="accent1"/>
+          </a:effectRef>
+          <a:fontRef idx="minor">
+            <a:schemeClr val="lt1"/>
+          </a:fontRef>
+        </p:style>
+        <p:txBody>
+          <a:bodyPr rtlCol="0" anchor="ctr"/>
+          <a:lstStyle/>
+          <a:p>
+            <a:pPr algn="ctr"/>
+            <a:endParaRPr lang="ko-KR" altLang="en-US"/>
+          </a:p>
+        </p:txBody>
+      </p:sp>
+      <p:cxnSp>
+        <p:nvCxnSpPr>
+          <p:cNvPr id="63" name="직선 화살표 연결선 62">
+            <a:extLst>
+              <a:ext uri="{FF2B5EF4-FFF2-40B4-BE49-F238E27FC236}">
+                <a16:creationId xmlns:a16="http://schemas.microsoft.com/office/drawing/2014/main" id="{578F2765-3868-4A57-B08D-B574FD2D7F81}"/>
+              </a:ext>
+            </a:extLst>
+          </p:cNvPr>
+          <p:cNvCxnSpPr>
+            <a:cxnSpLocks/>
+            <a:stCxn id="91" idx="2"/>
+            <a:endCxn id="59" idx="0"/>
+          </p:cNvCxnSpPr>
+          <p:nvPr/>
+        </p:nvCxnSpPr>
+        <p:spPr>
+          <a:xfrm flipH="1">
+            <a:off x="4729589" y="2705520"/>
+            <a:ext cx="682" cy="342487"/>
+          </a:xfrm>
+          <a:prstGeom prst="straightConnector1">
+            <a:avLst/>
+          </a:prstGeom>
+          <a:ln w="28575">
+            <a:solidFill>
+              <a:schemeClr val="accent6">
+                <a:lumMod val="75000"/>
+              </a:schemeClr>
+            </a:solidFill>
+            <a:tailEnd type="arrow"/>
+          </a:ln>
+        </p:spPr>
+        <p:style>
+          <a:lnRef idx="1">
+            <a:schemeClr val="accent1"/>
+          </a:lnRef>
+          <a:fillRef idx="0">
+            <a:schemeClr val="accent1"/>
+          </a:fillRef>
+          <a:effectRef idx="0">
+            <a:schemeClr val="accent1"/>
+          </a:effectRef>
+          <a:fontRef idx="minor">
+            <a:schemeClr val="tx1"/>
+          </a:fontRef>
+        </p:style>
+      </p:cxnSp>
+      <p:grpSp>
+        <p:nvGrpSpPr>
+          <p:cNvPr id="88" name="그룹 87">
+            <a:extLst>
+              <a:ext uri="{FF2B5EF4-FFF2-40B4-BE49-F238E27FC236}">
+                <a16:creationId xmlns:a16="http://schemas.microsoft.com/office/drawing/2014/main" id="{ADECA633-5C4B-4C80-9051-5A8E110867CD}"/>
+              </a:ext>
+            </a:extLst>
+          </p:cNvPr>
+          <p:cNvGrpSpPr/>
+          <p:nvPr/>
+        </p:nvGrpSpPr>
+        <p:grpSpPr>
+          <a:xfrm>
+            <a:off x="5935149" y="4659982"/>
+            <a:ext cx="1258492" cy="276999"/>
+            <a:chOff x="6447669" y="4755407"/>
+            <a:chExt cx="1258492" cy="276999"/>
+          </a:xfrm>
+        </p:grpSpPr>
+        <p:cxnSp>
+          <p:nvCxnSpPr>
+            <p:cNvPr id="92" name="직선 화살표 연결선 91">
+              <a:extLst>
+                <a:ext uri="{FF2B5EF4-FFF2-40B4-BE49-F238E27FC236}">
+                  <a16:creationId xmlns:a16="http://schemas.microsoft.com/office/drawing/2014/main" id="{15DAF2FD-7F9E-42AD-8AC2-0FC66206527E}"/>
+                </a:ext>
+              </a:extLst>
+            </p:cNvPr>
+            <p:cNvCxnSpPr>
+              <a:cxnSpLocks/>
+            </p:cNvCxnSpPr>
+            <p:nvPr/>
+          </p:nvCxnSpPr>
+          <p:spPr>
+            <a:xfrm>
+              <a:off x="6447669" y="4898028"/>
+              <a:ext cx="284571" cy="0"/>
+            </a:xfrm>
+            <a:prstGeom prst="straightConnector1">
+              <a:avLst/>
+            </a:prstGeom>
+            <a:ln w="28575">
+              <a:solidFill>
+                <a:schemeClr val="accent6">
+                  <a:lumMod val="75000"/>
+                </a:schemeClr>
+              </a:solidFill>
+              <a:tailEnd type="arrow"/>
+            </a:ln>
+          </p:spPr>
+          <p:style>
+            <a:lnRef idx="1">
+              <a:schemeClr val="accent1"/>
+            </a:lnRef>
+            <a:fillRef idx="0">
+              <a:schemeClr val="accent1"/>
+            </a:fillRef>
+            <a:effectRef idx="0">
+              <a:schemeClr val="accent1"/>
+            </a:effectRef>
+            <a:fontRef idx="minor">
+              <a:schemeClr val="tx1"/>
+            </a:fontRef>
+          </p:style>
+        </p:cxnSp>
+        <p:sp>
+          <p:nvSpPr>
+            <p:cNvPr id="99" name="TextBox 98">
+              <a:extLst>
+                <a:ext uri="{FF2B5EF4-FFF2-40B4-BE49-F238E27FC236}">
+                  <a16:creationId xmlns:a16="http://schemas.microsoft.com/office/drawing/2014/main" id="{5D45A905-067B-4884-A271-EB61E46D5388}"/>
+                </a:ext>
+              </a:extLst>
+            </p:cNvPr>
+            <p:cNvSpPr txBox="1"/>
+            <p:nvPr/>
+          </p:nvSpPr>
+          <p:spPr>
+            <a:xfrm>
+              <a:off x="6732240" y="4755407"/>
+              <a:ext cx="973921" cy="276999"/>
+            </a:xfrm>
+            <a:prstGeom prst="rect">
+              <a:avLst/>
+            </a:prstGeom>
+            <a:noFill/>
+          </p:spPr>
+          <p:txBody>
+            <a:bodyPr wrap="none" rtlCol="0">
+              <a:spAutoFit/>
+            </a:bodyPr>
+            <a:lstStyle/>
+            <a:p>
+              <a:r>
+                <a:rPr lang="en-US" altLang="ko-KR" sz="1200"/>
+                <a:t>kube-proxy</a:t>
+              </a:r>
+              <a:endParaRPr lang="ko-KR" altLang="en-US" sz="1200"/>
+            </a:p>
+          </p:txBody>
+        </p:sp>
+      </p:grpSp>
+      <p:grpSp>
+        <p:nvGrpSpPr>
+          <p:cNvPr id="131" name="그룹 130">
+            <a:extLst>
+              <a:ext uri="{FF2B5EF4-FFF2-40B4-BE49-F238E27FC236}">
+                <a16:creationId xmlns:a16="http://schemas.microsoft.com/office/drawing/2014/main" id="{10E14AF2-7C79-4DF1-9589-1F08BC0543BC}"/>
+              </a:ext>
+            </a:extLst>
+          </p:cNvPr>
+          <p:cNvGrpSpPr/>
+          <p:nvPr/>
+        </p:nvGrpSpPr>
+        <p:grpSpPr>
+          <a:xfrm>
+            <a:off x="2123728" y="4448144"/>
+            <a:ext cx="1795015" cy="276999"/>
+            <a:chOff x="1600199" y="4764287"/>
+            <a:chExt cx="1795015" cy="276999"/>
+          </a:xfrm>
+        </p:grpSpPr>
+        <p:sp>
+          <p:nvSpPr>
+            <p:cNvPr id="132" name="사각형: 둥근 모서리 131">
+              <a:extLst>
+                <a:ext uri="{FF2B5EF4-FFF2-40B4-BE49-F238E27FC236}">
+                  <a16:creationId xmlns:a16="http://schemas.microsoft.com/office/drawing/2014/main" id="{20F62661-7780-4F7F-822E-A0EE2547C077}"/>
+                </a:ext>
+              </a:extLst>
+            </p:cNvPr>
+            <p:cNvSpPr/>
+            <p:nvPr/>
+          </p:nvSpPr>
+          <p:spPr>
+            <a:xfrm>
+              <a:off x="1600199" y="4823198"/>
+              <a:ext cx="310953" cy="160282"/>
+            </a:xfrm>
+            <a:prstGeom prst="roundRect">
+              <a:avLst>
+                <a:gd name="adj" fmla="val 15087"/>
+              </a:avLst>
+            </a:prstGeom>
+            <a:ln>
+              <a:solidFill>
+                <a:schemeClr val="tx2"/>
+              </a:solidFill>
+            </a:ln>
+          </p:spPr>
+          <p:style>
+            <a:lnRef idx="2">
+              <a:schemeClr val="dk1"/>
+            </a:lnRef>
+            <a:fillRef idx="1">
+              <a:schemeClr val="lt1"/>
+            </a:fillRef>
+            <a:effectRef idx="0">
+              <a:schemeClr val="dk1"/>
+            </a:effectRef>
+            <a:fontRef idx="minor">
+              <a:schemeClr val="dk1"/>
+            </a:fontRef>
+          </p:style>
+          <p:txBody>
+            <a:bodyPr rtlCol="0" anchor="ctr"/>
+            <a:lstStyle/>
+            <a:p>
+              <a:pPr algn="ctr"/>
+              <a:endParaRPr lang="en-US" altLang="ko-KR" sz="1200">
+                <a:solidFill>
+                  <a:schemeClr val="tx2"/>
+                </a:solidFill>
+              </a:endParaRPr>
+            </a:p>
+          </p:txBody>
+        </p:sp>
+        <p:sp>
+          <p:nvSpPr>
+            <p:cNvPr id="133" name="TextBox 132">
+              <a:extLst>
+                <a:ext uri="{FF2B5EF4-FFF2-40B4-BE49-F238E27FC236}">
+                  <a16:creationId xmlns:a16="http://schemas.microsoft.com/office/drawing/2014/main" id="{65CA59FC-A13E-4285-BE9C-16EE9F523DF5}"/>
+                </a:ext>
+              </a:extLst>
+            </p:cNvPr>
+            <p:cNvSpPr txBox="1"/>
+            <p:nvPr/>
+          </p:nvSpPr>
+          <p:spPr>
+            <a:xfrm>
+              <a:off x="1911153" y="4764287"/>
+              <a:ext cx="1484061" cy="276999"/>
+            </a:xfrm>
+            <a:prstGeom prst="rect">
+              <a:avLst/>
+            </a:prstGeom>
+            <a:noFill/>
+          </p:spPr>
+          <p:txBody>
+            <a:bodyPr wrap="none" rtlCol="0">
+              <a:spAutoFit/>
+            </a:bodyPr>
+            <a:lstStyle/>
+            <a:p>
+              <a:r>
+                <a:rPr lang="en-US" altLang="ko-KR" sz="1200"/>
+                <a:t>iptables NAT Table</a:t>
+              </a:r>
+              <a:endParaRPr lang="ko-KR" altLang="en-US" sz="1200"/>
+            </a:p>
+          </p:txBody>
+        </p:sp>
+      </p:grpSp>
+      <p:grpSp>
+        <p:nvGrpSpPr>
+          <p:cNvPr id="134" name="그룹 133">
+            <a:extLst>
+              <a:ext uri="{FF2B5EF4-FFF2-40B4-BE49-F238E27FC236}">
+                <a16:creationId xmlns:a16="http://schemas.microsoft.com/office/drawing/2014/main" id="{462F5019-9132-4CBA-813D-C2CB3E4AD88C}"/>
+              </a:ext>
+            </a:extLst>
+          </p:cNvPr>
+          <p:cNvGrpSpPr/>
+          <p:nvPr/>
+        </p:nvGrpSpPr>
+        <p:grpSpPr>
+          <a:xfrm>
+            <a:off x="3918743" y="4439264"/>
+            <a:ext cx="2023124" cy="276999"/>
+            <a:chOff x="3419872" y="4755407"/>
+            <a:chExt cx="2023124" cy="276999"/>
+          </a:xfrm>
+        </p:grpSpPr>
+        <p:cxnSp>
+          <p:nvCxnSpPr>
+            <p:cNvPr id="135" name="직선 화살표 연결선 134">
+              <a:extLst>
+                <a:ext uri="{FF2B5EF4-FFF2-40B4-BE49-F238E27FC236}">
+                  <a16:creationId xmlns:a16="http://schemas.microsoft.com/office/drawing/2014/main" id="{FCB2219F-163E-45BD-A261-43F35F8AB83D}"/>
+                </a:ext>
+              </a:extLst>
+            </p:cNvPr>
+            <p:cNvCxnSpPr>
+              <a:cxnSpLocks/>
+            </p:cNvCxnSpPr>
+            <p:nvPr/>
+          </p:nvCxnSpPr>
+          <p:spPr>
+            <a:xfrm>
+              <a:off x="3419872" y="4898028"/>
+              <a:ext cx="284571" cy="0"/>
+            </a:xfrm>
+            <a:prstGeom prst="straightConnector1">
+              <a:avLst/>
+            </a:prstGeom>
+            <a:ln w="28575">
+              <a:solidFill>
+                <a:schemeClr val="tx1"/>
+              </a:solidFill>
+              <a:tailEnd type="arrow"/>
+            </a:ln>
+          </p:spPr>
+          <p:style>
+            <a:lnRef idx="1">
+              <a:schemeClr val="accent1"/>
+            </a:lnRef>
+            <a:fillRef idx="0">
+              <a:schemeClr val="accent1"/>
+            </a:fillRef>
+            <a:effectRef idx="0">
+              <a:schemeClr val="accent1"/>
+            </a:effectRef>
+            <a:fontRef idx="minor">
+              <a:schemeClr val="tx1"/>
+            </a:fontRef>
+          </p:style>
+        </p:cxnSp>
+        <p:sp>
+          <p:nvSpPr>
+            <p:cNvPr id="136" name="TextBox 135">
+              <a:extLst>
+                <a:ext uri="{FF2B5EF4-FFF2-40B4-BE49-F238E27FC236}">
+                  <a16:creationId xmlns:a16="http://schemas.microsoft.com/office/drawing/2014/main" id="{5ED7BFC2-9B27-452E-B09A-DE691672A47A}"/>
+                </a:ext>
+              </a:extLst>
+            </p:cNvPr>
+            <p:cNvSpPr txBox="1"/>
+            <p:nvPr/>
+          </p:nvSpPr>
+          <p:spPr>
+            <a:xfrm>
+              <a:off x="3704443" y="4755407"/>
+              <a:ext cx="1738553" cy="276999"/>
+            </a:xfrm>
+            <a:prstGeom prst="rect">
+              <a:avLst/>
+            </a:prstGeom>
+            <a:noFill/>
+          </p:spPr>
+          <p:txBody>
+            <a:bodyPr wrap="none" rtlCol="0">
+              <a:spAutoFit/>
+            </a:bodyPr>
+            <a:lstStyle/>
+            <a:p>
+              <a:r>
+                <a:rPr lang="en-US" altLang="ko-KR" sz="1200"/>
+                <a:t>ClusterIP + NodePort</a:t>
+              </a:r>
+              <a:endParaRPr lang="ko-KR" altLang="en-US" sz="1200"/>
+            </a:p>
+          </p:txBody>
+        </p:sp>
+      </p:grpSp>
+      <p:grpSp>
+        <p:nvGrpSpPr>
+          <p:cNvPr id="137" name="그룹 136">
+            <a:extLst>
+              <a:ext uri="{FF2B5EF4-FFF2-40B4-BE49-F238E27FC236}">
+                <a16:creationId xmlns:a16="http://schemas.microsoft.com/office/drawing/2014/main" id="{E97C35BA-145F-4EB4-96F6-AA9A2C033F30}"/>
+              </a:ext>
+            </a:extLst>
+          </p:cNvPr>
+          <p:cNvGrpSpPr/>
+          <p:nvPr/>
+        </p:nvGrpSpPr>
+        <p:grpSpPr>
+          <a:xfrm>
+            <a:off x="5934967" y="4439264"/>
+            <a:ext cx="1080302" cy="276999"/>
+            <a:chOff x="5371509" y="4755407"/>
+            <a:chExt cx="1080302" cy="276999"/>
+          </a:xfrm>
+        </p:grpSpPr>
+        <p:cxnSp>
+          <p:nvCxnSpPr>
+            <p:cNvPr id="138" name="직선 화살표 연결선 137">
+              <a:extLst>
+                <a:ext uri="{FF2B5EF4-FFF2-40B4-BE49-F238E27FC236}">
+                  <a16:creationId xmlns:a16="http://schemas.microsoft.com/office/drawing/2014/main" id="{947D274C-40D4-4285-8D62-4AB56D5C0037}"/>
+                </a:ext>
+              </a:extLst>
+            </p:cNvPr>
+            <p:cNvCxnSpPr>
+              <a:cxnSpLocks/>
+            </p:cNvCxnSpPr>
+            <p:nvPr/>
+          </p:nvCxnSpPr>
+          <p:spPr>
+            <a:xfrm>
+              <a:off x="5371509" y="4898028"/>
+              <a:ext cx="284571" cy="0"/>
+            </a:xfrm>
+            <a:prstGeom prst="straightConnector1">
+              <a:avLst/>
+            </a:prstGeom>
+            <a:ln w="28575">
+              <a:solidFill>
+                <a:srgbClr val="C00000"/>
+              </a:solidFill>
+              <a:tailEnd type="arrow"/>
+            </a:ln>
+          </p:spPr>
+          <p:style>
+            <a:lnRef idx="1">
+              <a:schemeClr val="accent1"/>
+            </a:lnRef>
+            <a:fillRef idx="0">
+              <a:schemeClr val="accent1"/>
+            </a:fillRef>
+            <a:effectRef idx="0">
+              <a:schemeClr val="accent1"/>
+            </a:effectRef>
+            <a:fontRef idx="minor">
+              <a:schemeClr val="tx1"/>
+            </a:fontRef>
+          </p:style>
+        </p:cxnSp>
+        <p:sp>
+          <p:nvSpPr>
+            <p:cNvPr id="139" name="TextBox 138">
+              <a:extLst>
+                <a:ext uri="{FF2B5EF4-FFF2-40B4-BE49-F238E27FC236}">
+                  <a16:creationId xmlns:a16="http://schemas.microsoft.com/office/drawing/2014/main" id="{0877781A-3B2E-4A37-BB4D-7D16B4771FC5}"/>
+                </a:ext>
+              </a:extLst>
+            </p:cNvPr>
+            <p:cNvSpPr txBox="1"/>
+            <p:nvPr/>
+          </p:nvSpPr>
+          <p:spPr>
+            <a:xfrm>
+              <a:off x="5656080" y="4755407"/>
+              <a:ext cx="795731" cy="276999"/>
+            </a:xfrm>
+            <a:prstGeom prst="rect">
+              <a:avLst/>
+            </a:prstGeom>
+            <a:noFill/>
+          </p:spPr>
+          <p:txBody>
+            <a:bodyPr wrap="none" rtlCol="0">
+              <a:spAutoFit/>
+            </a:bodyPr>
+            <a:lstStyle/>
+            <a:p>
+              <a:r>
+                <a:rPr lang="en-US" altLang="ko-KR" sz="1200"/>
+                <a:t>ClusterIP</a:t>
+              </a:r>
+              <a:endParaRPr lang="ko-KR" altLang="en-US" sz="1200"/>
+            </a:p>
+          </p:txBody>
+        </p:sp>
+      </p:grpSp>
+      <p:grpSp>
+        <p:nvGrpSpPr>
+          <p:cNvPr id="140" name="그룹 139">
+            <a:extLst>
+              <a:ext uri="{FF2B5EF4-FFF2-40B4-BE49-F238E27FC236}">
+                <a16:creationId xmlns:a16="http://schemas.microsoft.com/office/drawing/2014/main" id="{9E606017-EDFA-4223-9F8C-1EDCDBE120DB}"/>
+              </a:ext>
+            </a:extLst>
+          </p:cNvPr>
+          <p:cNvGrpSpPr/>
+          <p:nvPr/>
+        </p:nvGrpSpPr>
+        <p:grpSpPr>
+          <a:xfrm>
+            <a:off x="3918925" y="4663727"/>
+            <a:ext cx="1141152" cy="276999"/>
+            <a:chOff x="6447669" y="4755407"/>
+            <a:chExt cx="1141152" cy="276999"/>
+          </a:xfrm>
+        </p:grpSpPr>
+        <p:cxnSp>
+          <p:nvCxnSpPr>
+            <p:cNvPr id="141" name="직선 화살표 연결선 140">
+              <a:extLst>
+                <a:ext uri="{FF2B5EF4-FFF2-40B4-BE49-F238E27FC236}">
+                  <a16:creationId xmlns:a16="http://schemas.microsoft.com/office/drawing/2014/main" id="{2334F303-924B-4682-8C1D-ED8AB48CE312}"/>
+                </a:ext>
+              </a:extLst>
+            </p:cNvPr>
+            <p:cNvCxnSpPr>
+              <a:cxnSpLocks/>
+            </p:cNvCxnSpPr>
+            <p:nvPr/>
+          </p:nvCxnSpPr>
+          <p:spPr>
+            <a:xfrm>
+              <a:off x="6447669" y="4898028"/>
+              <a:ext cx="284571" cy="0"/>
+            </a:xfrm>
+            <a:prstGeom prst="straightConnector1">
+              <a:avLst/>
+            </a:prstGeom>
+            <a:ln w="28575">
+              <a:solidFill>
+                <a:schemeClr val="accent3">
+                  <a:lumMod val="50000"/>
+                </a:schemeClr>
+              </a:solidFill>
+              <a:tailEnd type="arrow"/>
+            </a:ln>
+          </p:spPr>
+          <p:style>
+            <a:lnRef idx="1">
+              <a:schemeClr val="accent1"/>
+            </a:lnRef>
+            <a:fillRef idx="0">
+              <a:schemeClr val="accent1"/>
+            </a:fillRef>
+            <a:effectRef idx="0">
+              <a:schemeClr val="accent1"/>
+            </a:effectRef>
+            <a:fontRef idx="minor">
+              <a:schemeClr val="tx1"/>
+            </a:fontRef>
+          </p:style>
+        </p:cxnSp>
+        <p:sp>
+          <p:nvSpPr>
+            <p:cNvPr id="142" name="TextBox 141">
+              <a:extLst>
+                <a:ext uri="{FF2B5EF4-FFF2-40B4-BE49-F238E27FC236}">
+                  <a16:creationId xmlns:a16="http://schemas.microsoft.com/office/drawing/2014/main" id="{488501D5-6C72-41FD-8266-7DB2C9AA94E1}"/>
+                </a:ext>
+              </a:extLst>
+            </p:cNvPr>
+            <p:cNvSpPr txBox="1"/>
+            <p:nvPr/>
+          </p:nvSpPr>
+          <p:spPr>
+            <a:xfrm>
+              <a:off x="6732240" y="4755407"/>
+              <a:ext cx="856581" cy="276999"/>
+            </a:xfrm>
+            <a:prstGeom prst="rect">
+              <a:avLst/>
+            </a:prstGeom>
+            <a:noFill/>
+          </p:spPr>
+          <p:txBody>
+            <a:bodyPr wrap="none" rtlCol="0">
+              <a:spAutoFit/>
+            </a:bodyPr>
+            <a:lstStyle/>
+            <a:p>
+              <a:r>
+                <a:rPr lang="en-US" altLang="ko-KR" sz="1200"/>
+                <a:t>NodePort</a:t>
+              </a:r>
+            </a:p>
+          </p:txBody>
+        </p:sp>
+      </p:grpSp>
+      <p:sp>
+        <p:nvSpPr>
+          <p:cNvPr id="143" name="자유형: 도형 142">
+            <a:extLst>
+              <a:ext uri="{FF2B5EF4-FFF2-40B4-BE49-F238E27FC236}">
+                <a16:creationId xmlns:a16="http://schemas.microsoft.com/office/drawing/2014/main" id="{2942F970-F54D-4627-A45F-096FA4B42AD3}"/>
+              </a:ext>
+            </a:extLst>
+          </p:cNvPr>
+          <p:cNvSpPr/>
+          <p:nvPr/>
+        </p:nvSpPr>
+        <p:spPr>
+          <a:xfrm>
+            <a:off x="2491579" y="1579860"/>
+            <a:ext cx="5501081" cy="2432050"/>
+          </a:xfrm>
+          <a:custGeom>
+            <a:avLst/>
+            <a:gdLst>
+              <a:gd name="connsiteX0" fmla="*/ 0 w 5448300"/>
+              <a:gd name="connsiteY0" fmla="*/ 2292350 h 2432050"/>
+              <a:gd name="connsiteX1" fmla="*/ 0 w 5448300"/>
+              <a:gd name="connsiteY1" fmla="*/ 2432050 h 2432050"/>
+              <a:gd name="connsiteX2" fmla="*/ 5448300 w 5448300"/>
+              <a:gd name="connsiteY2" fmla="*/ 2432050 h 2432050"/>
+              <a:gd name="connsiteX3" fmla="*/ 5448300 w 5448300"/>
+              <a:gd name="connsiteY3" fmla="*/ 171450 h 2432050"/>
+              <a:gd name="connsiteX4" fmla="*/ 4311650 w 5448300"/>
+              <a:gd name="connsiteY4" fmla="*/ 171450 h 2432050"/>
+              <a:gd name="connsiteX5" fmla="*/ 4311650 w 5448300"/>
+              <a:gd name="connsiteY5" fmla="*/ 0 h 2432050"/>
+            </a:gdLst>
+            <a:ahLst/>
+            <a:cxnLst>
+              <a:cxn ang="0">
+                <a:pos x="connsiteX0" y="connsiteY0"/>
+              </a:cxn>
+              <a:cxn ang="0">
+                <a:pos x="connsiteX1" y="connsiteY1"/>
+              </a:cxn>
+              <a:cxn ang="0">
+                <a:pos x="connsiteX2" y="connsiteY2"/>
+              </a:cxn>
+              <a:cxn ang="0">
+                <a:pos x="connsiteX3" y="connsiteY3"/>
+              </a:cxn>
+              <a:cxn ang="0">
+                <a:pos x="connsiteX4" y="connsiteY4"/>
+              </a:cxn>
+              <a:cxn ang="0">
+                <a:pos x="connsiteX5" y="connsiteY5"/>
+              </a:cxn>
+            </a:cxnLst>
+            <a:rect l="l" t="t" r="r" b="b"/>
+            <a:pathLst>
+              <a:path w="5448300" h="2432050">
+                <a:moveTo>
+                  <a:pt x="0" y="2292350"/>
+                </a:moveTo>
+                <a:lnTo>
+                  <a:pt x="0" y="2432050"/>
+                </a:lnTo>
+                <a:lnTo>
+                  <a:pt x="5448300" y="2432050"/>
+                </a:lnTo>
+                <a:lnTo>
+                  <a:pt x="5448300" y="171450"/>
+                </a:lnTo>
+                <a:lnTo>
+                  <a:pt x="4311650" y="171450"/>
+                </a:lnTo>
+                <a:lnTo>
+                  <a:pt x="4311650" y="0"/>
+                </a:lnTo>
+              </a:path>
+            </a:pathLst>
+          </a:custGeom>
+          <a:noFill/>
+          <a:ln w="28575">
+            <a:solidFill>
+              <a:schemeClr val="accent6">
+                <a:lumMod val="75000"/>
+              </a:schemeClr>
+            </a:solidFill>
+            <a:headEnd type="none" w="med" len="med"/>
+            <a:tailEnd type="arrow" w="med" len="med"/>
+          </a:ln>
+        </p:spPr>
+        <p:style>
+          <a:lnRef idx="2">
+            <a:schemeClr val="accent1">
+              <a:shade val="50000"/>
+            </a:schemeClr>
+          </a:lnRef>
+          <a:fillRef idx="1">
+            <a:schemeClr val="accent1"/>
+          </a:fillRef>
+          <a:effectRef idx="0">
+            <a:schemeClr val="accent1"/>
+          </a:effectRef>
+          <a:fontRef idx="minor">
+            <a:schemeClr val="lt1"/>
+          </a:fontRef>
+        </p:style>
+        <p:txBody>
+          <a:bodyPr rtlCol="0" anchor="ctr"/>
+          <a:lstStyle/>
+          <a:p>
+            <a:pPr algn="ctr"/>
+            <a:endParaRPr lang="ko-KR" altLang="en-US"/>
+          </a:p>
+        </p:txBody>
+      </p:sp>
+    </p:spTree>
+    <p:extLst>
+      <p:ext uri="{BB962C8B-B14F-4D97-AF65-F5344CB8AC3E}">
+        <p14:creationId xmlns:p14="http://schemas.microsoft.com/office/powerpoint/2010/main" val="3247977412"/>
+      </p:ext>
+    </p:extLst>
+  </p:cSld>
+  <p:clrMapOvr>
+    <a:masterClrMapping/>
+  </p:clrMapOvr>
+</p:sld>
+</file>
+
+<file path=ppt/slides/slide8.xml><?xml version="1.0" encoding="utf-8"?>
+<p:sld xmlns:a="http://schemas.openxmlformats.org/drawingml/2006/main" xmlns:r="http://schemas.openxmlformats.org/officeDocument/2006/relationships" xmlns:p="http://schemas.openxmlformats.org/presentationml/2006/main">
+  <p:cSld>
+    <p:spTree>
+      <p:nvGrpSpPr>
+        <p:cNvPr id="1" name=""/>
+        <p:cNvGrpSpPr/>
+        <p:nvPr/>
+      </p:nvGrpSpPr>
+      <p:grpSpPr>
+        <a:xfrm>
+          <a:off x="0" y="0"/>
+          <a:ext cx="0" cy="0"/>
+          <a:chOff x="0" y="0"/>
+          <a:chExt cx="0" cy="0"/>
+        </a:xfrm>
+      </p:grpSpPr>
+      <p:sp>
+        <p:nvSpPr>
           <p:cNvPr id="23" name="모서리가 둥근 직사각형 13">
             <a:extLst>
               <a:ext uri="{FF2B5EF4-FFF2-40B4-BE49-F238E27FC236}">
@@ -18944,7 +21634,7 @@
 </p:sld>
 </file>
 
-<file path=ppt/slides/slide8.xml><?xml version="1.0" encoding="utf-8"?>
+<file path=ppt/slides/slide9.xml><?xml version="1.0" encoding="utf-8"?>
 <p:sld xmlns:a="http://schemas.openxmlformats.org/drawingml/2006/main" xmlns:r="http://schemas.openxmlformats.org/officeDocument/2006/relationships" xmlns:p="http://schemas.openxmlformats.org/presentationml/2006/main">
   <p:cSld>
     <p:spTree>

--- a/images/theory_analysis/Kubernetes_Service_Proxy/Kubernetes_Service_Proxy.pptx
+++ b/images/theory_analysis/Kubernetes_Service_Proxy/Kubernetes_Service_Proxy.pptx
@@ -219,7 +219,7 @@
           <a:p>
             <a:fld id="{6CD5550B-26C4-49A9-A5BA-636EF7BE6CE9}" type="datetimeFigureOut">
               <a:rPr lang="ko-KR" altLang="en-US" smtClean="0"/>
-              <a:t>2019-05-24</a:t>
+              <a:t>2019-11-02</a:t>
             </a:fld>
             <a:endParaRPr lang="ko-KR" altLang="en-US"/>
           </a:p>
@@ -1085,7 +1085,7 @@
           <a:p>
             <a:fld id="{FB30EDBD-1C2D-4C1E-B459-B60219FAB484}" type="datetimeFigureOut">
               <a:rPr lang="ko-KR" altLang="en-US" smtClean="0"/>
-              <a:t>2019-05-24</a:t>
+              <a:t>2019-11-02</a:t>
             </a:fld>
             <a:endParaRPr lang="ko-KR" altLang="en-US"/>
           </a:p>
@@ -1248,7 +1248,7 @@
           <a:p>
             <a:fld id="{FB30EDBD-1C2D-4C1E-B459-B60219FAB484}" type="datetimeFigureOut">
               <a:rPr lang="ko-KR" altLang="en-US" smtClean="0"/>
-              <a:t>2019-05-24</a:t>
+              <a:t>2019-11-02</a:t>
             </a:fld>
             <a:endParaRPr lang="ko-KR" altLang="en-US"/>
           </a:p>
@@ -1421,7 +1421,7 @@
           <a:p>
             <a:fld id="{FB30EDBD-1C2D-4C1E-B459-B60219FAB484}" type="datetimeFigureOut">
               <a:rPr lang="ko-KR" altLang="en-US" smtClean="0"/>
-              <a:t>2019-05-24</a:t>
+              <a:t>2019-11-02</a:t>
             </a:fld>
             <a:endParaRPr lang="ko-KR" altLang="en-US"/>
           </a:p>
@@ -1584,7 +1584,7 @@
           <a:p>
             <a:fld id="{FB30EDBD-1C2D-4C1E-B459-B60219FAB484}" type="datetimeFigureOut">
               <a:rPr lang="ko-KR" altLang="en-US" smtClean="0"/>
-              <a:t>2019-05-24</a:t>
+              <a:t>2019-11-02</a:t>
             </a:fld>
             <a:endParaRPr lang="ko-KR" altLang="en-US"/>
           </a:p>
@@ -1824,7 +1824,7 @@
           <a:p>
             <a:fld id="{FB30EDBD-1C2D-4C1E-B459-B60219FAB484}" type="datetimeFigureOut">
               <a:rPr lang="ko-KR" altLang="en-US" smtClean="0"/>
-              <a:t>2019-05-24</a:t>
+              <a:t>2019-11-02</a:t>
             </a:fld>
             <a:endParaRPr lang="ko-KR" altLang="en-US"/>
           </a:p>
@@ -2104,7 +2104,7 @@
           <a:p>
             <a:fld id="{FB30EDBD-1C2D-4C1E-B459-B60219FAB484}" type="datetimeFigureOut">
               <a:rPr lang="ko-KR" altLang="en-US" smtClean="0"/>
-              <a:t>2019-05-24</a:t>
+              <a:t>2019-11-02</a:t>
             </a:fld>
             <a:endParaRPr lang="ko-KR" altLang="en-US"/>
           </a:p>
@@ -2518,7 +2518,7 @@
           <a:p>
             <a:fld id="{FB30EDBD-1C2D-4C1E-B459-B60219FAB484}" type="datetimeFigureOut">
               <a:rPr lang="ko-KR" altLang="en-US" smtClean="0"/>
-              <a:t>2019-05-24</a:t>
+              <a:t>2019-11-02</a:t>
             </a:fld>
             <a:endParaRPr lang="ko-KR" altLang="en-US"/>
           </a:p>
@@ -2630,7 +2630,7 @@
           <a:p>
             <a:fld id="{FB30EDBD-1C2D-4C1E-B459-B60219FAB484}" type="datetimeFigureOut">
               <a:rPr lang="ko-KR" altLang="en-US" smtClean="0"/>
-              <a:t>2019-05-24</a:t>
+              <a:t>2019-11-02</a:t>
             </a:fld>
             <a:endParaRPr lang="ko-KR" altLang="en-US"/>
           </a:p>
@@ -2720,7 +2720,7 @@
           <a:p>
             <a:fld id="{FB30EDBD-1C2D-4C1E-B459-B60219FAB484}" type="datetimeFigureOut">
               <a:rPr lang="ko-KR" altLang="en-US" smtClean="0"/>
-              <a:t>2019-05-24</a:t>
+              <a:t>2019-11-02</a:t>
             </a:fld>
             <a:endParaRPr lang="ko-KR" altLang="en-US"/>
           </a:p>
@@ -2990,7 +2990,7 @@
           <a:p>
             <a:fld id="{FB30EDBD-1C2D-4C1E-B459-B60219FAB484}" type="datetimeFigureOut">
               <a:rPr lang="ko-KR" altLang="en-US" smtClean="0"/>
-              <a:t>2019-05-24</a:t>
+              <a:t>2019-11-02</a:t>
             </a:fld>
             <a:endParaRPr lang="ko-KR" altLang="en-US"/>
           </a:p>
@@ -3237,7 +3237,7 @@
           <a:p>
             <a:fld id="{FB30EDBD-1C2D-4C1E-B459-B60219FAB484}" type="datetimeFigureOut">
               <a:rPr lang="ko-KR" altLang="en-US" smtClean="0"/>
-              <a:t>2019-05-24</a:t>
+              <a:t>2019-11-02</a:t>
             </a:fld>
             <a:endParaRPr lang="ko-KR" altLang="en-US"/>
           </a:p>
@@ -3443,7 +3443,7 @@
           <a:p>
             <a:fld id="{FB30EDBD-1C2D-4C1E-B459-B60219FAB484}" type="datetimeFigureOut">
               <a:rPr lang="ko-KR" altLang="en-US" smtClean="0"/>
-              <a:t>2019-05-24</a:t>
+              <a:t>2019-11-02</a:t>
             </a:fld>
             <a:endParaRPr lang="ko-KR" altLang="en-US"/>
           </a:p>
@@ -13761,122 +13761,6 @@
       </p:cxnSp>
       <p:sp>
         <p:nvSpPr>
-          <p:cNvPr id="115" name="사각형: 둥근 모서리 114">
-            <a:extLst>
-              <a:ext uri="{FF2B5EF4-FFF2-40B4-BE49-F238E27FC236}">
-                <a16:creationId xmlns:a16="http://schemas.microsoft.com/office/drawing/2014/main" id="{12F93DE6-68F2-43DB-86D3-1BC22195AF35}"/>
-              </a:ext>
-            </a:extLst>
-          </p:cNvPr>
-          <p:cNvSpPr/>
-          <p:nvPr/>
-        </p:nvSpPr>
-        <p:spPr>
-          <a:xfrm>
-            <a:off x="3831537" y="3188658"/>
-            <a:ext cx="1797468" cy="272578"/>
-          </a:xfrm>
-          <a:prstGeom prst="roundRect">
-            <a:avLst>
-              <a:gd name="adj" fmla="val 15087"/>
-            </a:avLst>
-          </a:prstGeom>
-          <a:ln>
-            <a:solidFill>
-              <a:schemeClr val="tx2"/>
-            </a:solidFill>
-          </a:ln>
-        </p:spPr>
-        <p:style>
-          <a:lnRef idx="2">
-            <a:schemeClr val="dk1"/>
-          </a:lnRef>
-          <a:fillRef idx="1">
-            <a:schemeClr val="lt1"/>
-          </a:fillRef>
-          <a:effectRef idx="0">
-            <a:schemeClr val="dk1"/>
-          </a:effectRef>
-          <a:fontRef idx="minor">
-            <a:schemeClr val="dk1"/>
-          </a:fontRef>
-        </p:style>
-        <p:txBody>
-          <a:bodyPr rtlCol="0" anchor="ctr"/>
-          <a:lstStyle/>
-          <a:p>
-            <a:pPr algn="ctr"/>
-            <a:r>
-              <a:rPr lang="en-US" altLang="ko-KR" sz="1200">
-                <a:solidFill>
-                  <a:schemeClr val="tx2"/>
-                </a:solidFill>
-              </a:rPr>
-              <a:t>INPUT</a:t>
-            </a:r>
-          </a:p>
-        </p:txBody>
-      </p:sp>
-      <p:sp>
-        <p:nvSpPr>
-          <p:cNvPr id="123" name="사각형: 둥근 모서리 122">
-            <a:extLst>
-              <a:ext uri="{FF2B5EF4-FFF2-40B4-BE49-F238E27FC236}">
-                <a16:creationId xmlns:a16="http://schemas.microsoft.com/office/drawing/2014/main" id="{7E1DB274-36F1-4BF7-A36D-C6F6A71BA0E9}"/>
-              </a:ext>
-            </a:extLst>
-          </p:cNvPr>
-          <p:cNvSpPr/>
-          <p:nvPr/>
-        </p:nvSpPr>
-        <p:spPr>
-          <a:xfrm>
-            <a:off x="5941517" y="3750689"/>
-            <a:ext cx="1797468" cy="272578"/>
-          </a:xfrm>
-          <a:prstGeom prst="roundRect">
-            <a:avLst>
-              <a:gd name="adj" fmla="val 15087"/>
-            </a:avLst>
-          </a:prstGeom>
-          <a:ln>
-            <a:solidFill>
-              <a:schemeClr val="tx2"/>
-            </a:solidFill>
-          </a:ln>
-        </p:spPr>
-        <p:style>
-          <a:lnRef idx="2">
-            <a:schemeClr val="dk1"/>
-          </a:lnRef>
-          <a:fillRef idx="1">
-            <a:schemeClr val="lt1"/>
-          </a:fillRef>
-          <a:effectRef idx="0">
-            <a:schemeClr val="dk1"/>
-          </a:effectRef>
-          <a:fontRef idx="minor">
-            <a:schemeClr val="dk1"/>
-          </a:fontRef>
-        </p:style>
-        <p:txBody>
-          <a:bodyPr rtlCol="0" anchor="ctr"/>
-          <a:lstStyle/>
-          <a:p>
-            <a:pPr algn="ctr"/>
-            <a:r>
-              <a:rPr lang="en-US" altLang="ko-KR" sz="1200">
-                <a:solidFill>
-                  <a:schemeClr val="tx2"/>
-                </a:solidFill>
-              </a:rPr>
-              <a:t>OUTPUT</a:t>
-            </a:r>
-          </a:p>
-        </p:txBody>
-      </p:sp>
-      <p:sp>
-        <p:nvSpPr>
           <p:cNvPr id="137" name="사각형: 둥근 모서리 136">
             <a:extLst>
               <a:ext uri="{FF2B5EF4-FFF2-40B4-BE49-F238E27FC236}">
@@ -14008,59 +13892,14 @@
           <p:cNvCxnSpPr>
             <a:cxnSpLocks/>
             <a:stCxn id="56" idx="2"/>
-            <a:endCxn id="123" idx="0"/>
+            <a:endCxn id="137" idx="0"/>
           </p:cNvCxnSpPr>
           <p:nvPr/>
         </p:nvCxnSpPr>
         <p:spPr>
           <a:xfrm>
-            <a:off x="6840251" y="3461236"/>
-            <a:ext cx="0" cy="289453"/>
-          </a:xfrm>
-          <a:prstGeom prst="straightConnector1">
-            <a:avLst/>
-          </a:prstGeom>
-          <a:ln w="28575">
-            <a:solidFill>
-              <a:schemeClr val="tx1"/>
-            </a:solidFill>
-            <a:tailEnd type="arrow"/>
-          </a:ln>
-        </p:spPr>
-        <p:style>
-          <a:lnRef idx="1">
-            <a:schemeClr val="accent1"/>
-          </a:lnRef>
-          <a:fillRef idx="0">
-            <a:schemeClr val="accent1"/>
-          </a:fillRef>
-          <a:effectRef idx="0">
-            <a:schemeClr val="accent1"/>
-          </a:effectRef>
-          <a:fontRef idx="minor">
-            <a:schemeClr val="tx1"/>
-          </a:fontRef>
-        </p:style>
-      </p:cxnSp>
-      <p:cxnSp>
-        <p:nvCxnSpPr>
-          <p:cNvPr id="150" name="직선 화살표 연결선 149">
-            <a:extLst>
-              <a:ext uri="{FF2B5EF4-FFF2-40B4-BE49-F238E27FC236}">
-                <a16:creationId xmlns:a16="http://schemas.microsoft.com/office/drawing/2014/main" id="{91A9C61F-89F1-4619-A987-150D8E172D94}"/>
-              </a:ext>
-            </a:extLst>
-          </p:cNvPr>
-          <p:cNvCxnSpPr>
-            <a:cxnSpLocks/>
-            <a:endCxn id="137" idx="3"/>
-          </p:cNvCxnSpPr>
-          <p:nvPr/>
-        </p:nvCxnSpPr>
-        <p:spPr>
-          <a:xfrm flipH="1">
-            <a:off x="5629005" y="3881963"/>
-            <a:ext cx="312512" cy="0"/>
+            <a:off x="4729589" y="3461236"/>
+            <a:ext cx="682" cy="284438"/>
           </a:xfrm>
           <a:prstGeom prst="straightConnector1">
             <a:avLst/>
@@ -14301,14 +14140,13 @@
           </p:cNvPr>
           <p:cNvCxnSpPr>
             <a:cxnSpLocks/>
-            <a:stCxn id="115" idx="3"/>
             <a:endCxn id="56" idx="1"/>
           </p:cNvCxnSpPr>
           <p:nvPr/>
         </p:nvCxnSpPr>
         <p:spPr>
           <a:xfrm>
-            <a:off x="5629005" y="3324947"/>
+            <a:off x="3518343" y="3324947"/>
             <a:ext cx="312512" cy="0"/>
           </a:xfrm>
           <a:prstGeom prst="straightConnector1">
@@ -14350,7 +14188,7 @@
         </p:nvSpPr>
         <p:spPr>
           <a:xfrm>
-            <a:off x="5941517" y="3188658"/>
+            <a:off x="3830855" y="3188658"/>
             <a:ext cx="1797468" cy="272578"/>
           </a:xfrm>
           <a:prstGeom prst="roundRect">
@@ -14455,7 +14293,6 @@
           <p:cNvCxnSpPr>
             <a:cxnSpLocks/>
             <a:stCxn id="101" idx="2"/>
-            <a:endCxn id="115" idx="0"/>
           </p:cNvCxnSpPr>
           <p:nvPr/>
         </p:nvCxnSpPr>
@@ -14549,7 +14386,6 @@
           <p:cNvCxnSpPr>
             <a:cxnSpLocks/>
             <a:stCxn id="94" idx="3"/>
-            <a:endCxn id="115" idx="1"/>
           </p:cNvCxnSpPr>
           <p:nvPr/>
         </p:nvCxnSpPr>
@@ -14752,7 +14588,6 @@
           <p:cNvCxnSpPr>
             <a:cxnSpLocks/>
             <a:stCxn id="62" idx="2"/>
-            <a:endCxn id="115" idx="0"/>
           </p:cNvCxnSpPr>
           <p:nvPr/>
         </p:nvCxnSpPr>

--- a/images/theory_analysis/Kubernetes_Service_Proxy/Kubernetes_Service_Proxy.pptx
+++ b/images/theory_analysis/Kubernetes_Service_Proxy/Kubernetes_Service_Proxy.pptx
@@ -5,16 +5,17 @@
     <p:sldMasterId id="2147483648" r:id="rId1"/>
   </p:sldMasterIdLst>
   <p:notesMasterIdLst>
-    <p:notesMasterId r:id="rId9"/>
+    <p:notesMasterId r:id="rId10"/>
   </p:notesMasterIdLst>
   <p:sldIdLst>
     <p:sldId id="366" r:id="rId2"/>
-    <p:sldId id="363" r:id="rId3"/>
-    <p:sldId id="368" r:id="rId4"/>
-    <p:sldId id="369" r:id="rId5"/>
-    <p:sldId id="365" r:id="rId6"/>
-    <p:sldId id="371" r:id="rId7"/>
-    <p:sldId id="372" r:id="rId8"/>
+    <p:sldId id="374" r:id="rId3"/>
+    <p:sldId id="363" r:id="rId4"/>
+    <p:sldId id="368" r:id="rId5"/>
+    <p:sldId id="369" r:id="rId6"/>
+    <p:sldId id="365" r:id="rId7"/>
+    <p:sldId id="371" r:id="rId8"/>
+    <p:sldId id="372" r:id="rId9"/>
   </p:sldIdLst>
   <p:sldSz cx="9144000" cy="5143500" type="screen16x9"/>
   <p:notesSz cx="6858000" cy="9144000"/>
@@ -219,7 +220,7 @@
           <a:p>
             <a:fld id="{6CD5550B-26C4-49A9-A5BA-636EF7BE6CE9}" type="datetimeFigureOut">
               <a:rPr lang="ko-KR" altLang="en-US" smtClean="0"/>
-              <a:t>2019-11-02</a:t>
+              <a:t>2020-03-10</a:t>
             </a:fld>
             <a:endParaRPr lang="ko-KR" altLang="en-US"/>
           </a:p>
@@ -635,7 +636,7 @@
           <a:p>
             <a:fld id="{BA5DFA43-8D57-47FB-BC46-057616015C3B}" type="slidenum">
               <a:rPr lang="ko-KR" altLang="en-US" smtClean="0"/>
-              <a:t>3</a:t>
+              <a:t>4</a:t>
             </a:fld>
             <a:endParaRPr lang="ko-KR" altLang="en-US"/>
           </a:p>
@@ -719,7 +720,7 @@
           <a:p>
             <a:fld id="{BA5DFA43-8D57-47FB-BC46-057616015C3B}" type="slidenum">
               <a:rPr lang="ko-KR" altLang="en-US" smtClean="0"/>
-              <a:t>4</a:t>
+              <a:t>5</a:t>
             </a:fld>
             <a:endParaRPr lang="ko-KR" altLang="en-US"/>
           </a:p>
@@ -803,7 +804,7 @@
           <a:p>
             <a:fld id="{BA5DFA43-8D57-47FB-BC46-057616015C3B}" type="slidenum">
               <a:rPr lang="ko-KR" altLang="en-US" smtClean="0"/>
-              <a:t>6</a:t>
+              <a:t>7</a:t>
             </a:fld>
             <a:endParaRPr lang="ko-KR" altLang="en-US"/>
           </a:p>
@@ -887,7 +888,7 @@
           <a:p>
             <a:fld id="{BA5DFA43-8D57-47FB-BC46-057616015C3B}" type="slidenum">
               <a:rPr lang="ko-KR" altLang="en-US" smtClean="0"/>
-              <a:t>7</a:t>
+              <a:t>8</a:t>
             </a:fld>
             <a:endParaRPr lang="ko-KR" altLang="en-US"/>
           </a:p>
@@ -1085,7 +1086,7 @@
           <a:p>
             <a:fld id="{FB30EDBD-1C2D-4C1E-B459-B60219FAB484}" type="datetimeFigureOut">
               <a:rPr lang="ko-KR" altLang="en-US" smtClean="0"/>
-              <a:t>2019-11-02</a:t>
+              <a:t>2020-03-10</a:t>
             </a:fld>
             <a:endParaRPr lang="ko-KR" altLang="en-US"/>
           </a:p>
@@ -1248,7 +1249,7 @@
           <a:p>
             <a:fld id="{FB30EDBD-1C2D-4C1E-B459-B60219FAB484}" type="datetimeFigureOut">
               <a:rPr lang="ko-KR" altLang="en-US" smtClean="0"/>
-              <a:t>2019-11-02</a:t>
+              <a:t>2020-03-10</a:t>
             </a:fld>
             <a:endParaRPr lang="ko-KR" altLang="en-US"/>
           </a:p>
@@ -1421,7 +1422,7 @@
           <a:p>
             <a:fld id="{FB30EDBD-1C2D-4C1E-B459-B60219FAB484}" type="datetimeFigureOut">
               <a:rPr lang="ko-KR" altLang="en-US" smtClean="0"/>
-              <a:t>2019-11-02</a:t>
+              <a:t>2020-03-10</a:t>
             </a:fld>
             <a:endParaRPr lang="ko-KR" altLang="en-US"/>
           </a:p>
@@ -1584,7 +1585,7 @@
           <a:p>
             <a:fld id="{FB30EDBD-1C2D-4C1E-B459-B60219FAB484}" type="datetimeFigureOut">
               <a:rPr lang="ko-KR" altLang="en-US" smtClean="0"/>
-              <a:t>2019-11-02</a:t>
+              <a:t>2020-03-10</a:t>
             </a:fld>
             <a:endParaRPr lang="ko-KR" altLang="en-US"/>
           </a:p>
@@ -1824,7 +1825,7 @@
           <a:p>
             <a:fld id="{FB30EDBD-1C2D-4C1E-B459-B60219FAB484}" type="datetimeFigureOut">
               <a:rPr lang="ko-KR" altLang="en-US" smtClean="0"/>
-              <a:t>2019-11-02</a:t>
+              <a:t>2020-03-10</a:t>
             </a:fld>
             <a:endParaRPr lang="ko-KR" altLang="en-US"/>
           </a:p>
@@ -2104,7 +2105,7 @@
           <a:p>
             <a:fld id="{FB30EDBD-1C2D-4C1E-B459-B60219FAB484}" type="datetimeFigureOut">
               <a:rPr lang="ko-KR" altLang="en-US" smtClean="0"/>
-              <a:t>2019-11-02</a:t>
+              <a:t>2020-03-10</a:t>
             </a:fld>
             <a:endParaRPr lang="ko-KR" altLang="en-US"/>
           </a:p>
@@ -2518,7 +2519,7 @@
           <a:p>
             <a:fld id="{FB30EDBD-1C2D-4C1E-B459-B60219FAB484}" type="datetimeFigureOut">
               <a:rPr lang="ko-KR" altLang="en-US" smtClean="0"/>
-              <a:t>2019-11-02</a:t>
+              <a:t>2020-03-10</a:t>
             </a:fld>
             <a:endParaRPr lang="ko-KR" altLang="en-US"/>
           </a:p>
@@ -2630,7 +2631,7 @@
           <a:p>
             <a:fld id="{FB30EDBD-1C2D-4C1E-B459-B60219FAB484}" type="datetimeFigureOut">
               <a:rPr lang="ko-KR" altLang="en-US" smtClean="0"/>
-              <a:t>2019-11-02</a:t>
+              <a:t>2020-03-10</a:t>
             </a:fld>
             <a:endParaRPr lang="ko-KR" altLang="en-US"/>
           </a:p>
@@ -2720,7 +2721,7 @@
           <a:p>
             <a:fld id="{FB30EDBD-1C2D-4C1E-B459-B60219FAB484}" type="datetimeFigureOut">
               <a:rPr lang="ko-KR" altLang="en-US" smtClean="0"/>
-              <a:t>2019-11-02</a:t>
+              <a:t>2020-03-10</a:t>
             </a:fld>
             <a:endParaRPr lang="ko-KR" altLang="en-US"/>
           </a:p>
@@ -2990,7 +2991,7 @@
           <a:p>
             <a:fld id="{FB30EDBD-1C2D-4C1E-B459-B60219FAB484}" type="datetimeFigureOut">
               <a:rPr lang="ko-KR" altLang="en-US" smtClean="0"/>
-              <a:t>2019-11-02</a:t>
+              <a:t>2020-03-10</a:t>
             </a:fld>
             <a:endParaRPr lang="ko-KR" altLang="en-US"/>
           </a:p>
@@ -3237,7 +3238,7 @@
           <a:p>
             <a:fld id="{FB30EDBD-1C2D-4C1E-B459-B60219FAB484}" type="datetimeFigureOut">
               <a:rPr lang="ko-KR" altLang="en-US" smtClean="0"/>
-              <a:t>2019-11-02</a:t>
+              <a:t>2020-03-10</a:t>
             </a:fld>
             <a:endParaRPr lang="ko-KR" altLang="en-US"/>
           </a:p>
@@ -3443,7 +3444,7 @@
           <a:p>
             <a:fld id="{FB30EDBD-1C2D-4C1E-B459-B60219FAB484}" type="datetimeFigureOut">
               <a:rPr lang="ko-KR" altLang="en-US" smtClean="0"/>
-              <a:t>2019-11-02</a:t>
+              <a:t>2020-03-10</a:t>
             </a:fld>
             <a:endParaRPr lang="ko-KR" altLang="en-US"/>
           </a:p>
@@ -6318,6 +6319,1015 @@
       </p:grpSpPr>
       <p:sp>
         <p:nvSpPr>
+          <p:cNvPr id="93" name="제목 1">
+            <a:extLst>
+              <a:ext uri="{FF2B5EF4-FFF2-40B4-BE49-F238E27FC236}">
+                <a16:creationId xmlns:a16="http://schemas.microsoft.com/office/drawing/2014/main" id="{A3F383D0-878F-4351-9ED8-F4C11E76AAE1}"/>
+              </a:ext>
+            </a:extLst>
+          </p:cNvPr>
+          <p:cNvSpPr>
+            <a:spLocks noGrp="1"/>
+          </p:cNvSpPr>
+          <p:nvPr>
+            <p:ph type="title"/>
+          </p:nvPr>
+        </p:nvSpPr>
+        <p:spPr>
+          <a:xfrm>
+            <a:off x="457200" y="-20538"/>
+            <a:ext cx="8229600" cy="857250"/>
+          </a:xfrm>
+        </p:spPr>
+        <p:txBody>
+          <a:bodyPr/>
+          <a:lstStyle/>
+          <a:p>
+            <a:r>
+              <a:rPr lang="en-US" altLang="ko-KR"/>
+              <a:t>NodePort Policy</a:t>
+            </a:r>
+            <a:endParaRPr lang="ko-KR" altLang="en-US"/>
+          </a:p>
+        </p:txBody>
+      </p:sp>
+      <p:sp>
+        <p:nvSpPr>
+          <p:cNvPr id="125" name="사각형: 둥근 모서리 124">
+            <a:extLst>
+              <a:ext uri="{FF2B5EF4-FFF2-40B4-BE49-F238E27FC236}">
+                <a16:creationId xmlns:a16="http://schemas.microsoft.com/office/drawing/2014/main" id="{92BB03AB-18DE-4C2F-AD85-88973271ABD6}"/>
+              </a:ext>
+            </a:extLst>
+          </p:cNvPr>
+          <p:cNvSpPr/>
+          <p:nvPr/>
+        </p:nvSpPr>
+        <p:spPr>
+          <a:xfrm>
+            <a:off x="2368821" y="3007038"/>
+            <a:ext cx="1368152" cy="382810"/>
+          </a:xfrm>
+          <a:prstGeom prst="roundRect">
+            <a:avLst>
+              <a:gd name="adj" fmla="val 9941"/>
+            </a:avLst>
+          </a:prstGeom>
+        </p:spPr>
+        <p:style>
+          <a:lnRef idx="2">
+            <a:schemeClr val="dk1"/>
+          </a:lnRef>
+          <a:fillRef idx="1">
+            <a:schemeClr val="lt1"/>
+          </a:fillRef>
+          <a:effectRef idx="0">
+            <a:schemeClr val="dk1"/>
+          </a:effectRef>
+          <a:fontRef idx="minor">
+            <a:schemeClr val="dk1"/>
+          </a:fontRef>
+        </p:style>
+        <p:txBody>
+          <a:bodyPr rtlCol="0" anchor="ctr"/>
+          <a:lstStyle/>
+          <a:p>
+            <a:pPr algn="ctr"/>
+            <a:r>
+              <a:rPr lang="en-US" altLang="ko-KR" sz="1400"/>
+              <a:t>Client</a:t>
+            </a:r>
+            <a:endParaRPr lang="ko-KR" altLang="en-US" sz="1400"/>
+          </a:p>
+        </p:txBody>
+      </p:sp>
+      <p:sp>
+        <p:nvSpPr>
+          <p:cNvPr id="107" name="사각형: 둥근 모서리 106">
+            <a:extLst>
+              <a:ext uri="{FF2B5EF4-FFF2-40B4-BE49-F238E27FC236}">
+                <a16:creationId xmlns:a16="http://schemas.microsoft.com/office/drawing/2014/main" id="{DA6C3D4F-3157-4665-81DE-1B5C87AA9CC7}"/>
+              </a:ext>
+            </a:extLst>
+          </p:cNvPr>
+          <p:cNvSpPr/>
+          <p:nvPr/>
+        </p:nvSpPr>
+        <p:spPr>
+          <a:xfrm>
+            <a:off x="1755278" y="2214950"/>
+            <a:ext cx="1211040" cy="409278"/>
+          </a:xfrm>
+          <a:prstGeom prst="roundRect">
+            <a:avLst>
+              <a:gd name="adj" fmla="val 6633"/>
+            </a:avLst>
+          </a:prstGeom>
+        </p:spPr>
+        <p:style>
+          <a:lnRef idx="2">
+            <a:schemeClr val="dk1"/>
+          </a:lnRef>
+          <a:fillRef idx="1">
+            <a:schemeClr val="lt1"/>
+          </a:fillRef>
+          <a:effectRef idx="0">
+            <a:schemeClr val="dk1"/>
+          </a:effectRef>
+          <a:fontRef idx="minor">
+            <a:schemeClr val="dk1"/>
+          </a:fontRef>
+        </p:style>
+        <p:txBody>
+          <a:bodyPr rtlCol="0" anchor="ctr"/>
+          <a:lstStyle/>
+          <a:p>
+            <a:pPr algn="ctr"/>
+            <a:r>
+              <a:rPr lang="en-US" altLang="ko-KR" sz="1400"/>
+              <a:t>K8s Host</a:t>
+            </a:r>
+            <a:endParaRPr lang="ko-KR" altLang="en-US" sz="1400"/>
+          </a:p>
+        </p:txBody>
+      </p:sp>
+      <p:sp>
+        <p:nvSpPr>
+          <p:cNvPr id="114" name="사각형: 둥근 모서리 113">
+            <a:extLst>
+              <a:ext uri="{FF2B5EF4-FFF2-40B4-BE49-F238E27FC236}">
+                <a16:creationId xmlns:a16="http://schemas.microsoft.com/office/drawing/2014/main" id="{C3D6094C-9F4C-46E6-A22D-C577CE9D2E9A}"/>
+              </a:ext>
+            </a:extLst>
+          </p:cNvPr>
+          <p:cNvSpPr/>
+          <p:nvPr/>
+        </p:nvSpPr>
+        <p:spPr>
+          <a:xfrm>
+            <a:off x="1866998" y="1422862"/>
+            <a:ext cx="981370" cy="360040"/>
+          </a:xfrm>
+          <a:prstGeom prst="roundRect">
+            <a:avLst>
+              <a:gd name="adj" fmla="val 6633"/>
+            </a:avLst>
+          </a:prstGeom>
+        </p:spPr>
+        <p:style>
+          <a:lnRef idx="2">
+            <a:schemeClr val="dk1"/>
+          </a:lnRef>
+          <a:fillRef idx="1">
+            <a:schemeClr val="lt1"/>
+          </a:fillRef>
+          <a:effectRef idx="0">
+            <a:schemeClr val="dk1"/>
+          </a:effectRef>
+          <a:fontRef idx="minor">
+            <a:schemeClr val="dk1"/>
+          </a:fontRef>
+        </p:style>
+        <p:txBody>
+          <a:bodyPr rtlCol="0" anchor="ctr"/>
+          <a:lstStyle/>
+          <a:p>
+            <a:pPr algn="ctr"/>
+            <a:r>
+              <a:rPr lang="en-US" altLang="ko-KR" sz="1400"/>
+              <a:t>Pod</a:t>
+            </a:r>
+            <a:endParaRPr lang="ko-KR" altLang="en-US" sz="1400"/>
+          </a:p>
+        </p:txBody>
+      </p:sp>
+      <p:sp>
+        <p:nvSpPr>
+          <p:cNvPr id="127" name="사각형: 둥근 모서리 126">
+            <a:extLst>
+              <a:ext uri="{FF2B5EF4-FFF2-40B4-BE49-F238E27FC236}">
+                <a16:creationId xmlns:a16="http://schemas.microsoft.com/office/drawing/2014/main" id="{1C02E762-0FCC-444A-B491-1F4FDF04805B}"/>
+              </a:ext>
+            </a:extLst>
+          </p:cNvPr>
+          <p:cNvSpPr/>
+          <p:nvPr/>
+        </p:nvSpPr>
+        <p:spPr>
+          <a:xfrm>
+            <a:off x="3150665" y="2214950"/>
+            <a:ext cx="1211040" cy="409278"/>
+          </a:xfrm>
+          <a:prstGeom prst="roundRect">
+            <a:avLst>
+              <a:gd name="adj" fmla="val 6633"/>
+            </a:avLst>
+          </a:prstGeom>
+        </p:spPr>
+        <p:style>
+          <a:lnRef idx="2">
+            <a:schemeClr val="dk1"/>
+          </a:lnRef>
+          <a:fillRef idx="1">
+            <a:schemeClr val="lt1"/>
+          </a:fillRef>
+          <a:effectRef idx="0">
+            <a:schemeClr val="dk1"/>
+          </a:effectRef>
+          <a:fontRef idx="minor">
+            <a:schemeClr val="dk1"/>
+          </a:fontRef>
+        </p:style>
+        <p:txBody>
+          <a:bodyPr rtlCol="0" anchor="ctr"/>
+          <a:lstStyle/>
+          <a:p>
+            <a:pPr algn="ctr"/>
+            <a:r>
+              <a:rPr lang="en-US" altLang="ko-KR" sz="1400"/>
+              <a:t>K8s Host</a:t>
+            </a:r>
+            <a:endParaRPr lang="ko-KR" altLang="en-US" sz="1400"/>
+          </a:p>
+        </p:txBody>
+      </p:sp>
+      <p:cxnSp>
+        <p:nvCxnSpPr>
+          <p:cNvPr id="130" name="직선 화살표 연결선 129">
+            <a:extLst>
+              <a:ext uri="{FF2B5EF4-FFF2-40B4-BE49-F238E27FC236}">
+                <a16:creationId xmlns:a16="http://schemas.microsoft.com/office/drawing/2014/main" id="{C0DEB33A-413A-4ACB-9217-F6C43E1B021D}"/>
+              </a:ext>
+            </a:extLst>
+          </p:cNvPr>
+          <p:cNvCxnSpPr>
+            <a:cxnSpLocks/>
+            <a:stCxn id="125" idx="0"/>
+            <a:endCxn id="107" idx="2"/>
+          </p:cNvCxnSpPr>
+          <p:nvPr/>
+        </p:nvCxnSpPr>
+        <p:spPr>
+          <a:xfrm flipH="1" flipV="1">
+            <a:off x="2360798" y="2624228"/>
+            <a:ext cx="692099" cy="382810"/>
+          </a:xfrm>
+          <a:prstGeom prst="straightConnector1">
+            <a:avLst/>
+          </a:prstGeom>
+          <a:ln w="28575">
+            <a:solidFill>
+              <a:schemeClr val="tx1"/>
+            </a:solidFill>
+            <a:tailEnd type="arrow"/>
+          </a:ln>
+        </p:spPr>
+        <p:style>
+          <a:lnRef idx="1">
+            <a:schemeClr val="accent1"/>
+          </a:lnRef>
+          <a:fillRef idx="0">
+            <a:schemeClr val="accent1"/>
+          </a:fillRef>
+          <a:effectRef idx="0">
+            <a:schemeClr val="accent1"/>
+          </a:effectRef>
+          <a:fontRef idx="minor">
+            <a:schemeClr val="tx1"/>
+          </a:fontRef>
+        </p:style>
+      </p:cxnSp>
+      <p:cxnSp>
+        <p:nvCxnSpPr>
+          <p:cNvPr id="134" name="직선 화살표 연결선 133">
+            <a:extLst>
+              <a:ext uri="{FF2B5EF4-FFF2-40B4-BE49-F238E27FC236}">
+                <a16:creationId xmlns:a16="http://schemas.microsoft.com/office/drawing/2014/main" id="{EAA32777-FABC-44BA-8359-8F8BD4A0D226}"/>
+              </a:ext>
+            </a:extLst>
+          </p:cNvPr>
+          <p:cNvCxnSpPr>
+            <a:cxnSpLocks/>
+            <a:stCxn id="125" idx="0"/>
+            <a:endCxn id="127" idx="2"/>
+          </p:cNvCxnSpPr>
+          <p:nvPr/>
+        </p:nvCxnSpPr>
+        <p:spPr>
+          <a:xfrm flipV="1">
+            <a:off x="3052897" y="2624228"/>
+            <a:ext cx="703288" cy="382810"/>
+          </a:xfrm>
+          <a:prstGeom prst="straightConnector1">
+            <a:avLst/>
+          </a:prstGeom>
+          <a:ln w="28575">
+            <a:solidFill>
+              <a:schemeClr val="tx1"/>
+            </a:solidFill>
+            <a:tailEnd type="arrow"/>
+          </a:ln>
+        </p:spPr>
+        <p:style>
+          <a:lnRef idx="1">
+            <a:schemeClr val="accent1"/>
+          </a:lnRef>
+          <a:fillRef idx="0">
+            <a:schemeClr val="accent1"/>
+          </a:fillRef>
+          <a:effectRef idx="0">
+            <a:schemeClr val="accent1"/>
+          </a:effectRef>
+          <a:fontRef idx="minor">
+            <a:schemeClr val="tx1"/>
+          </a:fontRef>
+        </p:style>
+      </p:cxnSp>
+      <p:cxnSp>
+        <p:nvCxnSpPr>
+          <p:cNvPr id="135" name="직선 화살표 연결선 134">
+            <a:extLst>
+              <a:ext uri="{FF2B5EF4-FFF2-40B4-BE49-F238E27FC236}">
+                <a16:creationId xmlns:a16="http://schemas.microsoft.com/office/drawing/2014/main" id="{80B473D0-30FA-41AD-9831-E107011B15F7}"/>
+              </a:ext>
+            </a:extLst>
+          </p:cNvPr>
+          <p:cNvCxnSpPr>
+            <a:cxnSpLocks/>
+            <a:stCxn id="107" idx="0"/>
+            <a:endCxn id="114" idx="2"/>
+          </p:cNvCxnSpPr>
+          <p:nvPr/>
+        </p:nvCxnSpPr>
+        <p:spPr>
+          <a:xfrm flipH="1" flipV="1">
+            <a:off x="2357683" y="1782902"/>
+            <a:ext cx="3115" cy="432048"/>
+          </a:xfrm>
+          <a:prstGeom prst="straightConnector1">
+            <a:avLst/>
+          </a:prstGeom>
+          <a:ln w="28575">
+            <a:solidFill>
+              <a:srgbClr val="C00000"/>
+            </a:solidFill>
+            <a:tailEnd type="arrow"/>
+          </a:ln>
+        </p:spPr>
+        <p:style>
+          <a:lnRef idx="1">
+            <a:schemeClr val="accent1"/>
+          </a:lnRef>
+          <a:fillRef idx="0">
+            <a:schemeClr val="accent1"/>
+          </a:fillRef>
+          <a:effectRef idx="0">
+            <a:schemeClr val="accent1"/>
+          </a:effectRef>
+          <a:fontRef idx="minor">
+            <a:schemeClr val="tx1"/>
+          </a:fontRef>
+        </p:style>
+      </p:cxnSp>
+      <p:sp>
+        <p:nvSpPr>
+          <p:cNvPr id="142" name="TextBox 141">
+            <a:extLst>
+              <a:ext uri="{FF2B5EF4-FFF2-40B4-BE49-F238E27FC236}">
+                <a16:creationId xmlns:a16="http://schemas.microsoft.com/office/drawing/2014/main" id="{A131C0CF-DDF0-4B5C-8FCC-A65E814F55B6}"/>
+              </a:ext>
+            </a:extLst>
+          </p:cNvPr>
+          <p:cNvSpPr txBox="1"/>
+          <p:nvPr/>
+        </p:nvSpPr>
+        <p:spPr>
+          <a:xfrm>
+            <a:off x="1672081" y="3419922"/>
+            <a:ext cx="2761632" cy="523220"/>
+          </a:xfrm>
+          <a:prstGeom prst="rect">
+            <a:avLst/>
+          </a:prstGeom>
+          <a:noFill/>
+        </p:spPr>
+        <p:txBody>
+          <a:bodyPr wrap="square" rtlCol="0" anchor="ctr">
+            <a:spAutoFit/>
+          </a:bodyPr>
+          <a:lstStyle/>
+          <a:p>
+            <a:pPr algn="ctr"/>
+            <a:r>
+              <a:rPr lang="en-US" altLang="ko-KR" sz="1400" b="1"/>
+              <a:t>externalTrafficPolicy : Cluster</a:t>
+            </a:r>
+          </a:p>
+          <a:p>
+            <a:pPr algn="ctr"/>
+            <a:r>
+              <a:rPr lang="en-US" altLang="ko-KR" sz="1400" b="1"/>
+              <a:t>(With Masquerade)</a:t>
+            </a:r>
+            <a:endParaRPr lang="en-US" altLang="ko-KR" sz="1600"/>
+          </a:p>
+        </p:txBody>
+      </p:sp>
+      <p:sp>
+        <p:nvSpPr>
+          <p:cNvPr id="144" name="사각형: 둥근 모서리 143">
+            <a:extLst>
+              <a:ext uri="{FF2B5EF4-FFF2-40B4-BE49-F238E27FC236}">
+                <a16:creationId xmlns:a16="http://schemas.microsoft.com/office/drawing/2014/main" id="{C72CC1B6-86B2-4184-A0AE-C285FDDD3ADA}"/>
+              </a:ext>
+            </a:extLst>
+          </p:cNvPr>
+          <p:cNvSpPr/>
+          <p:nvPr/>
+        </p:nvSpPr>
+        <p:spPr>
+          <a:xfrm>
+            <a:off x="5459436" y="3007038"/>
+            <a:ext cx="1368152" cy="382810"/>
+          </a:xfrm>
+          <a:prstGeom prst="roundRect">
+            <a:avLst>
+              <a:gd name="adj" fmla="val 9941"/>
+            </a:avLst>
+          </a:prstGeom>
+        </p:spPr>
+        <p:style>
+          <a:lnRef idx="2">
+            <a:schemeClr val="dk1"/>
+          </a:lnRef>
+          <a:fillRef idx="1">
+            <a:schemeClr val="lt1"/>
+          </a:fillRef>
+          <a:effectRef idx="0">
+            <a:schemeClr val="dk1"/>
+          </a:effectRef>
+          <a:fontRef idx="minor">
+            <a:schemeClr val="dk1"/>
+          </a:fontRef>
+        </p:style>
+        <p:txBody>
+          <a:bodyPr rtlCol="0" anchor="ctr"/>
+          <a:lstStyle/>
+          <a:p>
+            <a:pPr algn="ctr"/>
+            <a:r>
+              <a:rPr lang="en-US" altLang="ko-KR" sz="1400"/>
+              <a:t>Client</a:t>
+            </a:r>
+            <a:endParaRPr lang="ko-KR" altLang="en-US" sz="1400"/>
+          </a:p>
+        </p:txBody>
+      </p:sp>
+      <p:sp>
+        <p:nvSpPr>
+          <p:cNvPr id="146" name="사각형: 둥근 모서리 145">
+            <a:extLst>
+              <a:ext uri="{FF2B5EF4-FFF2-40B4-BE49-F238E27FC236}">
+                <a16:creationId xmlns:a16="http://schemas.microsoft.com/office/drawing/2014/main" id="{99349DE6-56DD-4E8F-96E5-A5616D25A9B5}"/>
+              </a:ext>
+            </a:extLst>
+          </p:cNvPr>
+          <p:cNvSpPr/>
+          <p:nvPr/>
+        </p:nvSpPr>
+        <p:spPr>
+          <a:xfrm>
+            <a:off x="4845893" y="2214950"/>
+            <a:ext cx="1211040" cy="409278"/>
+          </a:xfrm>
+          <a:prstGeom prst="roundRect">
+            <a:avLst>
+              <a:gd name="adj" fmla="val 6633"/>
+            </a:avLst>
+          </a:prstGeom>
+        </p:spPr>
+        <p:style>
+          <a:lnRef idx="2">
+            <a:schemeClr val="dk1"/>
+          </a:lnRef>
+          <a:fillRef idx="1">
+            <a:schemeClr val="lt1"/>
+          </a:fillRef>
+          <a:effectRef idx="0">
+            <a:schemeClr val="dk1"/>
+          </a:effectRef>
+          <a:fontRef idx="minor">
+            <a:schemeClr val="dk1"/>
+          </a:fontRef>
+        </p:style>
+        <p:txBody>
+          <a:bodyPr rtlCol="0" anchor="ctr"/>
+          <a:lstStyle/>
+          <a:p>
+            <a:pPr algn="ctr"/>
+            <a:r>
+              <a:rPr lang="en-US" altLang="ko-KR" sz="1400"/>
+              <a:t>K8s Host</a:t>
+            </a:r>
+            <a:endParaRPr lang="ko-KR" altLang="en-US" sz="1400"/>
+          </a:p>
+        </p:txBody>
+      </p:sp>
+      <p:sp>
+        <p:nvSpPr>
+          <p:cNvPr id="147" name="사각형: 둥근 모서리 146">
+            <a:extLst>
+              <a:ext uri="{FF2B5EF4-FFF2-40B4-BE49-F238E27FC236}">
+                <a16:creationId xmlns:a16="http://schemas.microsoft.com/office/drawing/2014/main" id="{CFCFE99E-F7C9-47C4-81D2-A7064160A82C}"/>
+              </a:ext>
+            </a:extLst>
+          </p:cNvPr>
+          <p:cNvSpPr/>
+          <p:nvPr/>
+        </p:nvSpPr>
+        <p:spPr>
+          <a:xfrm>
+            <a:off x="4957613" y="1419622"/>
+            <a:ext cx="981370" cy="360040"/>
+          </a:xfrm>
+          <a:prstGeom prst="roundRect">
+            <a:avLst>
+              <a:gd name="adj" fmla="val 6633"/>
+            </a:avLst>
+          </a:prstGeom>
+        </p:spPr>
+        <p:style>
+          <a:lnRef idx="2">
+            <a:schemeClr val="dk1"/>
+          </a:lnRef>
+          <a:fillRef idx="1">
+            <a:schemeClr val="lt1"/>
+          </a:fillRef>
+          <a:effectRef idx="0">
+            <a:schemeClr val="dk1"/>
+          </a:effectRef>
+          <a:fontRef idx="minor">
+            <a:schemeClr val="dk1"/>
+          </a:fontRef>
+        </p:style>
+        <p:txBody>
+          <a:bodyPr rtlCol="0" anchor="ctr"/>
+          <a:lstStyle/>
+          <a:p>
+            <a:pPr algn="ctr"/>
+            <a:r>
+              <a:rPr lang="en-US" altLang="ko-KR" sz="1400"/>
+              <a:t>Pod</a:t>
+            </a:r>
+            <a:endParaRPr lang="ko-KR" altLang="en-US" sz="1400"/>
+          </a:p>
+        </p:txBody>
+      </p:sp>
+      <p:sp>
+        <p:nvSpPr>
+          <p:cNvPr id="148" name="사각형: 둥근 모서리 147">
+            <a:extLst>
+              <a:ext uri="{FF2B5EF4-FFF2-40B4-BE49-F238E27FC236}">
+                <a16:creationId xmlns:a16="http://schemas.microsoft.com/office/drawing/2014/main" id="{63E361AC-9B9B-4728-A613-B124FDA3BBDB}"/>
+              </a:ext>
+            </a:extLst>
+          </p:cNvPr>
+          <p:cNvSpPr/>
+          <p:nvPr/>
+        </p:nvSpPr>
+        <p:spPr>
+          <a:xfrm>
+            <a:off x="6241280" y="2214950"/>
+            <a:ext cx="1211040" cy="409278"/>
+          </a:xfrm>
+          <a:prstGeom prst="roundRect">
+            <a:avLst>
+              <a:gd name="adj" fmla="val 6633"/>
+            </a:avLst>
+          </a:prstGeom>
+        </p:spPr>
+        <p:style>
+          <a:lnRef idx="2">
+            <a:schemeClr val="dk1"/>
+          </a:lnRef>
+          <a:fillRef idx="1">
+            <a:schemeClr val="lt1"/>
+          </a:fillRef>
+          <a:effectRef idx="0">
+            <a:schemeClr val="dk1"/>
+          </a:effectRef>
+          <a:fontRef idx="minor">
+            <a:schemeClr val="dk1"/>
+          </a:fontRef>
+        </p:style>
+        <p:txBody>
+          <a:bodyPr rtlCol="0" anchor="ctr"/>
+          <a:lstStyle/>
+          <a:p>
+            <a:pPr algn="ctr"/>
+            <a:r>
+              <a:rPr lang="en-US" altLang="ko-KR" sz="1400"/>
+              <a:t>K8s Host</a:t>
+            </a:r>
+            <a:endParaRPr lang="ko-KR" altLang="en-US" sz="1400"/>
+          </a:p>
+        </p:txBody>
+      </p:sp>
+      <p:cxnSp>
+        <p:nvCxnSpPr>
+          <p:cNvPr id="150" name="직선 화살표 연결선 149">
+            <a:extLst>
+              <a:ext uri="{FF2B5EF4-FFF2-40B4-BE49-F238E27FC236}">
+                <a16:creationId xmlns:a16="http://schemas.microsoft.com/office/drawing/2014/main" id="{84A4FE62-8C97-466E-839C-8391C14802A7}"/>
+              </a:ext>
+            </a:extLst>
+          </p:cNvPr>
+          <p:cNvCxnSpPr>
+            <a:cxnSpLocks/>
+            <a:stCxn id="144" idx="0"/>
+            <a:endCxn id="146" idx="2"/>
+          </p:cNvCxnSpPr>
+          <p:nvPr/>
+        </p:nvCxnSpPr>
+        <p:spPr>
+          <a:xfrm flipH="1" flipV="1">
+            <a:off x="5451413" y="2624228"/>
+            <a:ext cx="692099" cy="382810"/>
+          </a:xfrm>
+          <a:prstGeom prst="straightConnector1">
+            <a:avLst/>
+          </a:prstGeom>
+          <a:ln w="28575">
+            <a:solidFill>
+              <a:schemeClr val="tx1"/>
+            </a:solidFill>
+            <a:tailEnd type="arrow"/>
+          </a:ln>
+        </p:spPr>
+        <p:style>
+          <a:lnRef idx="1">
+            <a:schemeClr val="accent1"/>
+          </a:lnRef>
+          <a:fillRef idx="0">
+            <a:schemeClr val="accent1"/>
+          </a:fillRef>
+          <a:effectRef idx="0">
+            <a:schemeClr val="accent1"/>
+          </a:effectRef>
+          <a:fontRef idx="minor">
+            <a:schemeClr val="tx1"/>
+          </a:fontRef>
+        </p:style>
+      </p:cxnSp>
+      <p:cxnSp>
+        <p:nvCxnSpPr>
+          <p:cNvPr id="152" name="직선 화살표 연결선 151">
+            <a:extLst>
+              <a:ext uri="{FF2B5EF4-FFF2-40B4-BE49-F238E27FC236}">
+                <a16:creationId xmlns:a16="http://schemas.microsoft.com/office/drawing/2014/main" id="{DDC23B7F-533A-4438-B786-66731F49F66C}"/>
+              </a:ext>
+            </a:extLst>
+          </p:cNvPr>
+          <p:cNvCxnSpPr>
+            <a:cxnSpLocks/>
+            <a:stCxn id="144" idx="0"/>
+            <a:endCxn id="148" idx="2"/>
+          </p:cNvCxnSpPr>
+          <p:nvPr/>
+        </p:nvCxnSpPr>
+        <p:spPr>
+          <a:xfrm flipV="1">
+            <a:off x="6143512" y="2624228"/>
+            <a:ext cx="703288" cy="382810"/>
+          </a:xfrm>
+          <a:prstGeom prst="straightConnector1">
+            <a:avLst/>
+          </a:prstGeom>
+          <a:ln w="28575">
+            <a:solidFill>
+              <a:schemeClr val="tx1"/>
+            </a:solidFill>
+            <a:tailEnd type="arrow"/>
+          </a:ln>
+        </p:spPr>
+        <p:style>
+          <a:lnRef idx="1">
+            <a:schemeClr val="accent1"/>
+          </a:lnRef>
+          <a:fillRef idx="0">
+            <a:schemeClr val="accent1"/>
+          </a:fillRef>
+          <a:effectRef idx="0">
+            <a:schemeClr val="accent1"/>
+          </a:effectRef>
+          <a:fontRef idx="minor">
+            <a:schemeClr val="tx1"/>
+          </a:fontRef>
+        </p:style>
+      </p:cxnSp>
+      <p:sp>
+        <p:nvSpPr>
+          <p:cNvPr id="160" name="TextBox 159">
+            <a:extLst>
+              <a:ext uri="{FF2B5EF4-FFF2-40B4-BE49-F238E27FC236}">
+                <a16:creationId xmlns:a16="http://schemas.microsoft.com/office/drawing/2014/main" id="{180D7349-173A-4628-A06A-1FCCC5477FEC}"/>
+              </a:ext>
+            </a:extLst>
+          </p:cNvPr>
+          <p:cNvSpPr txBox="1"/>
+          <p:nvPr/>
+        </p:nvSpPr>
+        <p:spPr>
+          <a:xfrm>
+            <a:off x="4762696" y="3419922"/>
+            <a:ext cx="2761632" cy="523220"/>
+          </a:xfrm>
+          <a:prstGeom prst="rect">
+            <a:avLst/>
+          </a:prstGeom>
+          <a:noFill/>
+        </p:spPr>
+        <p:txBody>
+          <a:bodyPr wrap="square" rtlCol="0" anchor="ctr">
+            <a:spAutoFit/>
+          </a:bodyPr>
+          <a:lstStyle/>
+          <a:p>
+            <a:pPr algn="ctr"/>
+            <a:r>
+              <a:rPr lang="en-US" altLang="ko-KR" sz="1400" b="1"/>
+              <a:t>externalTrafficPolicy : Local</a:t>
+            </a:r>
+          </a:p>
+          <a:p>
+            <a:pPr algn="ctr"/>
+            <a:r>
+              <a:rPr lang="en-US" altLang="ko-KR" sz="1400" b="1"/>
+              <a:t>(Without Masquerade)</a:t>
+            </a:r>
+            <a:endParaRPr lang="en-US" altLang="ko-KR" sz="1600"/>
+          </a:p>
+        </p:txBody>
+      </p:sp>
+      <p:cxnSp>
+        <p:nvCxnSpPr>
+          <p:cNvPr id="163" name="직선 화살표 연결선 162">
+            <a:extLst>
+              <a:ext uri="{FF2B5EF4-FFF2-40B4-BE49-F238E27FC236}">
+                <a16:creationId xmlns:a16="http://schemas.microsoft.com/office/drawing/2014/main" id="{F9FC350C-72A8-49A0-92EF-B02F32EDC365}"/>
+              </a:ext>
+            </a:extLst>
+          </p:cNvPr>
+          <p:cNvCxnSpPr>
+            <a:cxnSpLocks/>
+          </p:cNvCxnSpPr>
+          <p:nvPr/>
+        </p:nvCxnSpPr>
+        <p:spPr>
+          <a:xfrm flipH="1">
+            <a:off x="6398518" y="2771962"/>
+            <a:ext cx="127224" cy="113764"/>
+          </a:xfrm>
+          <a:prstGeom prst="straightConnector1">
+            <a:avLst/>
+          </a:prstGeom>
+          <a:ln w="28575">
+            <a:solidFill>
+              <a:srgbClr val="C00000"/>
+            </a:solidFill>
+            <a:headEnd type="none" w="med" len="med"/>
+            <a:tailEnd type="none" w="med" len="med"/>
+          </a:ln>
+        </p:spPr>
+        <p:style>
+          <a:lnRef idx="1">
+            <a:schemeClr val="accent1"/>
+          </a:lnRef>
+          <a:fillRef idx="0">
+            <a:schemeClr val="accent1"/>
+          </a:fillRef>
+          <a:effectRef idx="0">
+            <a:schemeClr val="accent1"/>
+          </a:effectRef>
+          <a:fontRef idx="minor">
+            <a:schemeClr val="tx1"/>
+          </a:fontRef>
+        </p:style>
+      </p:cxnSp>
+      <p:cxnSp>
+        <p:nvCxnSpPr>
+          <p:cNvPr id="164" name="직선 화살표 연결선 163">
+            <a:extLst>
+              <a:ext uri="{FF2B5EF4-FFF2-40B4-BE49-F238E27FC236}">
+                <a16:creationId xmlns:a16="http://schemas.microsoft.com/office/drawing/2014/main" id="{F768E671-394D-4653-9083-0F9C9E8018A9}"/>
+              </a:ext>
+            </a:extLst>
+          </p:cNvPr>
+          <p:cNvCxnSpPr>
+            <a:cxnSpLocks/>
+          </p:cNvCxnSpPr>
+          <p:nvPr/>
+        </p:nvCxnSpPr>
+        <p:spPr>
+          <a:xfrm>
+            <a:off x="6398518" y="2771962"/>
+            <a:ext cx="127224" cy="120822"/>
+          </a:xfrm>
+          <a:prstGeom prst="straightConnector1">
+            <a:avLst/>
+          </a:prstGeom>
+          <a:ln w="28575">
+            <a:solidFill>
+              <a:srgbClr val="C00000"/>
+            </a:solidFill>
+            <a:headEnd type="none" w="med" len="med"/>
+            <a:tailEnd type="none" w="med" len="med"/>
+          </a:ln>
+        </p:spPr>
+        <p:style>
+          <a:lnRef idx="1">
+            <a:schemeClr val="accent1"/>
+          </a:lnRef>
+          <a:fillRef idx="0">
+            <a:schemeClr val="accent1"/>
+          </a:fillRef>
+          <a:effectRef idx="0">
+            <a:schemeClr val="accent1"/>
+          </a:effectRef>
+          <a:fontRef idx="minor">
+            <a:schemeClr val="tx1"/>
+          </a:fontRef>
+        </p:style>
+      </p:cxnSp>
+      <p:sp>
+        <p:nvSpPr>
+          <p:cNvPr id="165" name="TextBox 164">
+            <a:extLst>
+              <a:ext uri="{FF2B5EF4-FFF2-40B4-BE49-F238E27FC236}">
+                <a16:creationId xmlns:a16="http://schemas.microsoft.com/office/drawing/2014/main" id="{70DED947-5E22-41D6-A160-C1D55D3A033C}"/>
+              </a:ext>
+            </a:extLst>
+          </p:cNvPr>
+          <p:cNvSpPr txBox="1"/>
+          <p:nvPr/>
+        </p:nvSpPr>
+        <p:spPr>
+          <a:xfrm>
+            <a:off x="1946902" y="1978209"/>
+            <a:ext cx="1761002" cy="276999"/>
+          </a:xfrm>
+          <a:prstGeom prst="rect">
+            <a:avLst/>
+          </a:prstGeom>
+          <a:noFill/>
+        </p:spPr>
+        <p:txBody>
+          <a:bodyPr wrap="square" rtlCol="0" anchor="ctr">
+            <a:spAutoFit/>
+          </a:bodyPr>
+          <a:lstStyle/>
+          <a:p>
+            <a:pPr algn="ctr"/>
+            <a:r>
+              <a:rPr lang="en-US" altLang="ko-KR" sz="1200" b="1">
+                <a:solidFill>
+                  <a:srgbClr val="C00000"/>
+                </a:solidFill>
+              </a:rPr>
+              <a:t>Masquerade</a:t>
+            </a:r>
+            <a:endParaRPr lang="en-US" altLang="ko-KR" sz="1400">
+              <a:solidFill>
+                <a:srgbClr val="C00000"/>
+              </a:solidFill>
+            </a:endParaRPr>
+          </a:p>
+        </p:txBody>
+      </p:sp>
+      <p:cxnSp>
+        <p:nvCxnSpPr>
+          <p:cNvPr id="39" name="직선 화살표 연결선 38">
+            <a:extLst>
+              <a:ext uri="{FF2B5EF4-FFF2-40B4-BE49-F238E27FC236}">
+                <a16:creationId xmlns:a16="http://schemas.microsoft.com/office/drawing/2014/main" id="{8E754735-2D65-421C-8BD8-8D36FCA0911A}"/>
+              </a:ext>
+            </a:extLst>
+          </p:cNvPr>
+          <p:cNvCxnSpPr>
+            <a:cxnSpLocks/>
+            <a:stCxn id="127" idx="0"/>
+            <a:endCxn id="114" idx="2"/>
+          </p:cNvCxnSpPr>
+          <p:nvPr/>
+        </p:nvCxnSpPr>
+        <p:spPr>
+          <a:xfrm flipH="1" flipV="1">
+            <a:off x="2357683" y="1782902"/>
+            <a:ext cx="1398502" cy="432048"/>
+          </a:xfrm>
+          <a:prstGeom prst="straightConnector1">
+            <a:avLst/>
+          </a:prstGeom>
+          <a:ln w="28575">
+            <a:solidFill>
+              <a:srgbClr val="C00000"/>
+            </a:solidFill>
+            <a:tailEnd type="arrow"/>
+          </a:ln>
+        </p:spPr>
+        <p:style>
+          <a:lnRef idx="1">
+            <a:schemeClr val="accent1"/>
+          </a:lnRef>
+          <a:fillRef idx="0">
+            <a:schemeClr val="accent1"/>
+          </a:fillRef>
+          <a:effectRef idx="0">
+            <a:schemeClr val="accent1"/>
+          </a:effectRef>
+          <a:fontRef idx="minor">
+            <a:schemeClr val="tx1"/>
+          </a:fontRef>
+        </p:style>
+      </p:cxnSp>
+      <p:cxnSp>
+        <p:nvCxnSpPr>
+          <p:cNvPr id="42" name="직선 화살표 연결선 41">
+            <a:extLst>
+              <a:ext uri="{FF2B5EF4-FFF2-40B4-BE49-F238E27FC236}">
+                <a16:creationId xmlns:a16="http://schemas.microsoft.com/office/drawing/2014/main" id="{21737B09-FCF8-4383-BD3C-9FD7DE7913EF}"/>
+              </a:ext>
+            </a:extLst>
+          </p:cNvPr>
+          <p:cNvCxnSpPr>
+            <a:cxnSpLocks/>
+            <a:stCxn id="146" idx="0"/>
+            <a:endCxn id="147" idx="2"/>
+          </p:cNvCxnSpPr>
+          <p:nvPr/>
+        </p:nvCxnSpPr>
+        <p:spPr>
+          <a:xfrm flipH="1" flipV="1">
+            <a:off x="5448298" y="1779662"/>
+            <a:ext cx="3115" cy="435288"/>
+          </a:xfrm>
+          <a:prstGeom prst="straightConnector1">
+            <a:avLst/>
+          </a:prstGeom>
+          <a:ln w="28575">
+            <a:solidFill>
+              <a:schemeClr val="tx1"/>
+            </a:solidFill>
+            <a:tailEnd type="arrow"/>
+          </a:ln>
+        </p:spPr>
+        <p:style>
+          <a:lnRef idx="1">
+            <a:schemeClr val="accent1"/>
+          </a:lnRef>
+          <a:fillRef idx="0">
+            <a:schemeClr val="accent1"/>
+          </a:fillRef>
+          <a:effectRef idx="0">
+            <a:schemeClr val="accent1"/>
+          </a:effectRef>
+          <a:fontRef idx="minor">
+            <a:schemeClr val="tx1"/>
+          </a:fontRef>
+        </p:style>
+      </p:cxnSp>
+    </p:spTree>
+    <p:extLst>
+      <p:ext uri="{BB962C8B-B14F-4D97-AF65-F5344CB8AC3E}">
+        <p14:creationId xmlns:p14="http://schemas.microsoft.com/office/powerpoint/2010/main" val="3052495476"/>
+      </p:ext>
+    </p:extLst>
+  </p:cSld>
+  <p:clrMapOvr>
+    <a:masterClrMapping/>
+  </p:clrMapOvr>
+</p:sld>
+</file>
+
+<file path=ppt/slides/slide3.xml><?xml version="1.0" encoding="utf-8"?>
+<p:sld xmlns:a="http://schemas.openxmlformats.org/drawingml/2006/main" xmlns:r="http://schemas.openxmlformats.org/officeDocument/2006/relationships" xmlns:p="http://schemas.openxmlformats.org/presentationml/2006/main">
+  <p:cSld>
+    <p:spTree>
+      <p:nvGrpSpPr>
+        <p:cNvPr id="1" name=""/>
+        <p:cNvGrpSpPr/>
+        <p:nvPr/>
+      </p:nvGrpSpPr>
+      <p:grpSpPr>
+        <a:xfrm>
+          <a:off x="0" y="0"/>
+          <a:ext cx="0" cy="0"/>
+          <a:chOff x="0" y="0"/>
+          <a:chExt cx="0" cy="0"/>
+        </a:xfrm>
+      </p:grpSpPr>
+      <p:sp>
+        <p:nvSpPr>
           <p:cNvPr id="4" name="사각형: 둥근 모서리 3">
             <a:extLst>
               <a:ext uri="{FF2B5EF4-FFF2-40B4-BE49-F238E27FC236}">
@@ -9945,7 +10955,7 @@
 </p:sld>
 </file>
 
-<file path=ppt/slides/slide3.xml><?xml version="1.0" encoding="utf-8"?>
+<file path=ppt/slides/slide4.xml><?xml version="1.0" encoding="utf-8"?>
 <p:sld xmlns:a="http://schemas.openxmlformats.org/drawingml/2006/main" xmlns:r="http://schemas.openxmlformats.org/officeDocument/2006/relationships" xmlns:p="http://schemas.openxmlformats.org/presentationml/2006/main">
   <p:cSld>
     <p:spTree>
@@ -12823,7 +13833,7 @@
 </p:sld>
 </file>
 
-<file path=ppt/slides/slide4.xml><?xml version="1.0" encoding="utf-8"?>
+<file path=ppt/slides/slide5.xml><?xml version="1.0" encoding="utf-8"?>
 <p:sld xmlns:a="http://schemas.openxmlformats.org/drawingml/2006/main" xmlns:r="http://schemas.openxmlformats.org/officeDocument/2006/relationships" xmlns:p="http://schemas.openxmlformats.org/presentationml/2006/main">
   <p:cSld>
     <p:spTree>
@@ -15152,7 +16162,7 @@
 </p:sld>
 </file>
 
-<file path=ppt/slides/slide5.xml><?xml version="1.0" encoding="utf-8"?>
+<file path=ppt/slides/slide6.xml><?xml version="1.0" encoding="utf-8"?>
 <p:sld xmlns:a="http://schemas.openxmlformats.org/drawingml/2006/main" xmlns:r="http://schemas.openxmlformats.org/officeDocument/2006/relationships" xmlns:p="http://schemas.openxmlformats.org/presentationml/2006/main">
   <p:cSld>
     <p:spTree>
@@ -15232,7 +16242,7 @@
 </p:sld>
 </file>
 
-<file path=ppt/slides/slide6.xml><?xml version="1.0" encoding="utf-8"?>
+<file path=ppt/slides/slide7.xml><?xml version="1.0" encoding="utf-8"?>
 <p:sld xmlns:a="http://schemas.openxmlformats.org/drawingml/2006/main" xmlns:r="http://schemas.openxmlformats.org/officeDocument/2006/relationships" xmlns:p="http://schemas.openxmlformats.org/presentationml/2006/main">
   <p:cSld>
     <p:spTree>
@@ -17480,7 +18490,7 @@
 </p:sld>
 </file>
 
-<file path=ppt/slides/slide7.xml><?xml version="1.0" encoding="utf-8"?>
+<file path=ppt/slides/slide8.xml><?xml version="1.0" encoding="utf-8"?>
 <p:sld xmlns:a="http://schemas.openxmlformats.org/drawingml/2006/main" xmlns:r="http://schemas.openxmlformats.org/officeDocument/2006/relationships" xmlns:p="http://schemas.openxmlformats.org/presentationml/2006/main">
   <p:cSld>
     <p:spTree>
